--- a/제출 문서 모음/자소서/게임기획_홍진선_자기소개서.pptx
+++ b/제출 문서 모음/자소서/게임기획_홍진선_자기소개서.pptx
@@ -8,8 +8,8 @@
     <p:notesMasterId r:id="rId4"/>
   </p:notesMasterIdLst>
   <p:sldIdLst>
-    <p:sldId id="265" r:id="rId2"/>
-    <p:sldId id="269" r:id="rId3"/>
+    <p:sldId id="376" r:id="rId2"/>
+    <p:sldId id="375" r:id="rId3"/>
   </p:sldIdLst>
   <p:sldSz cx="6858000" cy="9906000" type="A4"/>
   <p:notesSz cx="6858000" cy="9144000"/>
@@ -111,24 +111,24 @@
   <p:extLst>
     <p:ext uri="{EFAFB233-063F-42B5-8137-9DF3F51BA10A}">
       <p15:sldGuideLst xmlns:p15="http://schemas.microsoft.com/office/powerpoint/2012/main">
-        <p15:guide id="1" orient="horz" pos="3120" userDrawn="1">
+        <p15:guide id="1" orient="horz" pos="6023" userDrawn="1">
           <p15:clr>
             <a:srgbClr val="A4A3A4"/>
           </p15:clr>
         </p15:guide>
-        <p15:guide id="2" pos="2160" userDrawn="1">
+        <p15:guide id="2" pos="119" userDrawn="1">
           <p15:clr>
             <a:srgbClr val="A4A3A4"/>
           </p15:clr>
         </p15:guide>
-        <p15:guide id="3" orient="horz" pos="217" userDrawn="1">
+        <p15:guide id="5" pos="4201" userDrawn="1">
           <p15:clr>
-            <a:srgbClr val="F26B43"/>
+            <a:srgbClr val="A4A3A4"/>
           </p15:clr>
         </p15:guide>
-        <p15:guide id="4" orient="horz" pos="6068" userDrawn="1">
+        <p15:guide id="6" orient="horz" pos="217" userDrawn="1">
           <p15:clr>
-            <a:srgbClr val="F26B43"/>
+            <a:srgbClr val="A4A3A4"/>
           </p15:clr>
         </p15:guide>
       </p15:sldGuideLst>
@@ -219,7 +219,7 @@
           <a:p>
             <a:fld id="{48B3DEB8-77A6-476E-AE55-2701C232BFD3}" type="datetimeFigureOut">
               <a:rPr lang="ko-KR" altLang="en-US" smtClean="0"/>
-              <a:t>2025-09-03</a:t>
+              <a:t>2025-09-23</a:t>
             </a:fld>
             <a:endParaRPr lang="ko-KR" altLang="en-US"/>
           </a:p>
@@ -486,114 +486,6 @@
 </p:notesMaster>
 </file>
 
-<file path=ppt/notesSlides/notesSlide1.xml><?xml version="1.0" encoding="utf-8"?>
-<p:notes xmlns:a="http://schemas.openxmlformats.org/drawingml/2006/main" xmlns:r="http://schemas.openxmlformats.org/officeDocument/2006/relationships" xmlns:p="http://schemas.openxmlformats.org/presentationml/2006/main">
-  <p:cSld>
-    <p:spTree>
-      <p:nvGrpSpPr>
-        <p:cNvPr id="1" name="">
-          <a:extLst>
-            <a:ext uri="{FF2B5EF4-FFF2-40B4-BE49-F238E27FC236}">
-              <a16:creationId xmlns:a16="http://schemas.microsoft.com/office/drawing/2014/main" id="{C3DE02D7-6814-9C1D-AC33-09B68E56C3A7}"/>
-            </a:ext>
-          </a:extLst>
-        </p:cNvPr>
-        <p:cNvGrpSpPr/>
-        <p:nvPr/>
-      </p:nvGrpSpPr>
-      <p:grpSpPr>
-        <a:xfrm>
-          <a:off x="0" y="0"/>
-          <a:ext cx="0" cy="0"/>
-          <a:chOff x="0" y="0"/>
-          <a:chExt cx="0" cy="0"/>
-        </a:xfrm>
-      </p:grpSpPr>
-      <p:sp>
-        <p:nvSpPr>
-          <p:cNvPr id="2" name="슬라이드 이미지 개체 틀 1">
-            <a:extLst>
-              <a:ext uri="{FF2B5EF4-FFF2-40B4-BE49-F238E27FC236}">
-                <a16:creationId xmlns:a16="http://schemas.microsoft.com/office/drawing/2014/main" id="{55A10302-4DA7-875D-3967-092967EBB1D3}"/>
-              </a:ext>
-            </a:extLst>
-          </p:cNvPr>
-          <p:cNvSpPr>
-            <a:spLocks noGrp="1" noRot="1" noChangeAspect="1"/>
-          </p:cNvSpPr>
-          <p:nvPr>
-            <p:ph type="sldImg"/>
-          </p:nvPr>
-        </p:nvSpPr>
-        <p:spPr/>
-      </p:sp>
-      <p:sp>
-        <p:nvSpPr>
-          <p:cNvPr id="3" name="슬라이드 노트 개체 틀 2">
-            <a:extLst>
-              <a:ext uri="{FF2B5EF4-FFF2-40B4-BE49-F238E27FC236}">
-                <a16:creationId xmlns:a16="http://schemas.microsoft.com/office/drawing/2014/main" id="{7BD9A1B1-8A2F-A34F-C95E-A330156A4B10}"/>
-              </a:ext>
-            </a:extLst>
-          </p:cNvPr>
-          <p:cNvSpPr>
-            <a:spLocks noGrp="1"/>
-          </p:cNvSpPr>
-          <p:nvPr>
-            <p:ph type="body" idx="1"/>
-          </p:nvPr>
-        </p:nvSpPr>
-        <p:spPr/>
-        <p:txBody>
-          <a:bodyPr/>
-          <a:lstStyle/>
-          <a:p>
-            <a:endParaRPr lang="ko-KR" altLang="en-US" dirty="0"/>
-          </a:p>
-        </p:txBody>
-      </p:sp>
-      <p:sp>
-        <p:nvSpPr>
-          <p:cNvPr id="4" name="슬라이드 번호 개체 틀 3">
-            <a:extLst>
-              <a:ext uri="{FF2B5EF4-FFF2-40B4-BE49-F238E27FC236}">
-                <a16:creationId xmlns:a16="http://schemas.microsoft.com/office/drawing/2014/main" id="{DD8045DC-08F5-8519-214F-EF37FA67C96B}"/>
-              </a:ext>
-            </a:extLst>
-          </p:cNvPr>
-          <p:cNvSpPr>
-            <a:spLocks noGrp="1"/>
-          </p:cNvSpPr>
-          <p:nvPr>
-            <p:ph type="sldNum" sz="quarter" idx="5"/>
-          </p:nvPr>
-        </p:nvSpPr>
-        <p:spPr/>
-        <p:txBody>
-          <a:bodyPr/>
-          <a:lstStyle/>
-          <a:p>
-            <a:fld id="{20626818-B8DF-4F15-9319-1B59FCD19C15}" type="slidenum">
-              <a:rPr lang="ko-KR" altLang="en-US" smtClean="0"/>
-              <a:t>1</a:t>
-            </a:fld>
-            <a:endParaRPr lang="ko-KR" altLang="en-US"/>
-          </a:p>
-        </p:txBody>
-      </p:sp>
-    </p:spTree>
-    <p:extLst>
-      <p:ext uri="{BB962C8B-B14F-4D97-AF65-F5344CB8AC3E}">
-        <p14:creationId xmlns:p14="http://schemas.microsoft.com/office/powerpoint/2010/main" val="2894631694"/>
-      </p:ext>
-    </p:extLst>
-  </p:cSld>
-  <p:clrMapOvr>
-    <a:masterClrMapping/>
-  </p:clrMapOvr>
-</p:notes>
-</file>
-
 <file path=ppt/slideLayouts/slideLayout1.xml><?xml version="1.0" encoding="utf-8"?>
 <p:sldLayout xmlns:a="http://schemas.openxmlformats.org/drawingml/2006/main" xmlns:r="http://schemas.openxmlformats.org/officeDocument/2006/relationships" xmlns:p="http://schemas.openxmlformats.org/presentationml/2006/main" type="title" preserve="1">
   <p:cSld name="제목 슬라이드">
@@ -725,7 +617,7 @@
           <a:p>
             <a:fld id="{8B3C456F-26E4-4537-8D17-6AF6B16C4EC3}" type="datetime1">
               <a:rPr lang="ko-KR" altLang="en-US" smtClean="0"/>
-              <a:t>2025-09-03</a:t>
+              <a:t>2025-09-23</a:t>
             </a:fld>
             <a:endParaRPr lang="ko-KR" altLang="en-US"/>
           </a:p>
@@ -911,7 +803,7 @@
           <a:p>
             <a:fld id="{E6D33B4A-0016-47D3-943A-74733C859B59}" type="datetime1">
               <a:rPr lang="ko-KR" altLang="en-US" smtClean="0"/>
-              <a:t>2025-09-03</a:t>
+              <a:t>2025-09-23</a:t>
             </a:fld>
             <a:endParaRPr lang="ko-KR" altLang="en-US"/>
           </a:p>
@@ -1091,7 +983,7 @@
           <a:p>
             <a:fld id="{D56110C3-51C5-4712-BB64-03D4EDA68AE3}" type="datetime1">
               <a:rPr lang="ko-KR" altLang="en-US" smtClean="0"/>
-              <a:t>2025-09-03</a:t>
+              <a:t>2025-09-23</a:t>
             </a:fld>
             <a:endParaRPr lang="ko-KR" altLang="en-US"/>
           </a:p>
@@ -1261,7 +1153,7 @@
           <a:p>
             <a:fld id="{5F7F1CC6-63D1-47CA-AD1F-91D7A3AEAC66}" type="datetime1">
               <a:rPr lang="ko-KR" altLang="en-US" smtClean="0"/>
-              <a:t>2025-09-03</a:t>
+              <a:t>2025-09-23</a:t>
             </a:fld>
             <a:endParaRPr lang="ko-KR" altLang="en-US"/>
           </a:p>
@@ -1507,7 +1399,7 @@
           <a:p>
             <a:fld id="{4D9753DC-9741-44AB-950C-EAF55D0BA909}" type="datetime1">
               <a:rPr lang="ko-KR" altLang="en-US" smtClean="0"/>
-              <a:t>2025-09-03</a:t>
+              <a:t>2025-09-23</a:t>
             </a:fld>
             <a:endParaRPr lang="ko-KR" altLang="en-US"/>
           </a:p>
@@ -1739,7 +1631,7 @@
           <a:p>
             <a:fld id="{B0BD88FC-0747-42FA-97B4-C821938264BA}" type="datetime1">
               <a:rPr lang="ko-KR" altLang="en-US" smtClean="0"/>
-              <a:t>2025-09-03</a:t>
+              <a:t>2025-09-23</a:t>
             </a:fld>
             <a:endParaRPr lang="ko-KR" altLang="en-US"/>
           </a:p>
@@ -2106,7 +1998,7 @@
           <a:p>
             <a:fld id="{634205C6-2B4D-4322-89B0-3B8CB899C599}" type="datetime1">
               <a:rPr lang="ko-KR" altLang="en-US" smtClean="0"/>
-              <a:t>2025-09-03</a:t>
+              <a:t>2025-09-23</a:t>
             </a:fld>
             <a:endParaRPr lang="ko-KR" altLang="en-US"/>
           </a:p>
@@ -2224,7 +2116,7 @@
           <a:p>
             <a:fld id="{D3C3240D-A81B-40EA-A8A9-CD43A60759E2}" type="datetime1">
               <a:rPr lang="ko-KR" altLang="en-US" smtClean="0"/>
-              <a:t>2025-09-03</a:t>
+              <a:t>2025-09-23</a:t>
             </a:fld>
             <a:endParaRPr lang="ko-KR" altLang="en-US"/>
           </a:p>
@@ -2319,7 +2211,7 @@
           <a:p>
             <a:fld id="{B638CA96-33E1-4DC7-A964-69BDB846C2EC}" type="datetime1">
               <a:rPr lang="ko-KR" altLang="en-US" smtClean="0"/>
-              <a:t>2025-09-03</a:t>
+              <a:t>2025-09-23</a:t>
             </a:fld>
             <a:endParaRPr lang="ko-KR" altLang="en-US"/>
           </a:p>
@@ -2607,7 +2499,7 @@
           <a:p>
             <a:fld id="{9E27C171-AB78-4CA5-8A49-845326BC0825}" type="datetime1">
               <a:rPr lang="ko-KR" altLang="en-US" smtClean="0"/>
-              <a:t>2025-09-03</a:t>
+              <a:t>2025-09-23</a:t>
             </a:fld>
             <a:endParaRPr lang="ko-KR" altLang="en-US"/>
           </a:p>
@@ -2864,7 +2756,7 @@
           <a:p>
             <a:fld id="{8EED6D7E-4DE0-4E81-ADE2-0F10194E5F68}" type="datetime1">
               <a:rPr lang="ko-KR" altLang="en-US" smtClean="0"/>
-              <a:t>2025-09-03</a:t>
+              <a:t>2025-09-23</a:t>
             </a:fld>
             <a:endParaRPr lang="ko-KR" altLang="en-US"/>
           </a:p>
@@ -3077,7 +2969,7 @@
           <a:p>
             <a:fld id="{72FC9454-618B-4601-B0FC-B31AFE475097}" type="datetime1">
               <a:rPr lang="ko-KR" altLang="en-US" smtClean="0"/>
-              <a:t>2025-09-03</a:t>
+              <a:t>2025-09-23</a:t>
             </a:fld>
             <a:endParaRPr lang="ko-KR" altLang="en-US"/>
           </a:p>
@@ -3471,13 +3363,7 @@
   <p:cSld>
     <p:spTree>
       <p:nvGrpSpPr>
-        <p:cNvPr id="1" name="">
-          <a:extLst>
-            <a:ext uri="{FF2B5EF4-FFF2-40B4-BE49-F238E27FC236}">
-              <a16:creationId xmlns:a16="http://schemas.microsoft.com/office/drawing/2014/main" id="{B26E9A42-05B9-1147-D9B2-E957DF4CEF4A}"/>
-            </a:ext>
-          </a:extLst>
-        </p:cNvPr>
+        <p:cNvPr id="1" name=""/>
         <p:cNvGrpSpPr/>
         <p:nvPr/>
       </p:nvGrpSpPr>
@@ -3491,10 +3377,10 @@
       </p:grpSpPr>
       <p:grpSp>
         <p:nvGrpSpPr>
-          <p:cNvPr id="22" name="그룹 21">
+          <p:cNvPr id="15" name="그룹 14">
             <a:extLst>
               <a:ext uri="{FF2B5EF4-FFF2-40B4-BE49-F238E27FC236}">
-                <a16:creationId xmlns:a16="http://schemas.microsoft.com/office/drawing/2014/main" id="{4A9E942F-07C7-6887-2840-D4B88E463866}"/>
+                <a16:creationId xmlns:a16="http://schemas.microsoft.com/office/drawing/2014/main" id="{8E3019F8-00A9-82BA-0DD0-7BA01B4E142B}"/>
               </a:ext>
             </a:extLst>
           </p:cNvPr>
@@ -3503,18 +3389,18 @@
         </p:nvGrpSpPr>
         <p:grpSpPr>
           <a:xfrm>
-            <a:off x="185459" y="679340"/>
-            <a:ext cx="6487083" cy="8953610"/>
-            <a:chOff x="185459" y="679340"/>
-            <a:chExt cx="6487083" cy="8953610"/>
+            <a:off x="188665" y="141181"/>
+            <a:ext cx="6487083" cy="9623638"/>
+            <a:chOff x="188665" y="663201"/>
+            <a:chExt cx="6487083" cy="9623638"/>
           </a:xfrm>
         </p:grpSpPr>
         <p:grpSp>
           <p:nvGrpSpPr>
-            <p:cNvPr id="20" name="그룹 19">
+            <p:cNvPr id="3" name="그룹 2">
               <a:extLst>
                 <a:ext uri="{FF2B5EF4-FFF2-40B4-BE49-F238E27FC236}">
-                  <a16:creationId xmlns:a16="http://schemas.microsoft.com/office/drawing/2014/main" id="{24CEB265-F10F-0E33-8859-5352F0AE62EF}"/>
+                  <a16:creationId xmlns:a16="http://schemas.microsoft.com/office/drawing/2014/main" id="{24057BBB-305F-D9E1-6D86-ACF885805DF8}"/>
                 </a:ext>
               </a:extLst>
             </p:cNvPr>
@@ -3523,18 +3409,18 @@
           </p:nvGrpSpPr>
           <p:grpSpPr>
             <a:xfrm>
-              <a:off x="188665" y="679340"/>
-              <a:ext cx="6480671" cy="3013374"/>
-              <a:chOff x="189000" y="2131168"/>
-              <a:chExt cx="6480671" cy="3013374"/>
+              <a:off x="191871" y="663201"/>
+              <a:ext cx="6480671" cy="3491070"/>
+              <a:chOff x="189000" y="2131167"/>
+              <a:chExt cx="6480671" cy="3491070"/>
             </a:xfrm>
           </p:grpSpPr>
           <p:sp>
             <p:nvSpPr>
-              <p:cNvPr id="27" name="TextBox 26">
+              <p:cNvPr id="4" name="TextBox 3">
                 <a:extLst>
                   <a:ext uri="{FF2B5EF4-FFF2-40B4-BE49-F238E27FC236}">
-                    <a16:creationId xmlns:a16="http://schemas.microsoft.com/office/drawing/2014/main" id="{B3B880BB-92C0-3A85-CD82-28BB14F647E6}"/>
+                    <a16:creationId xmlns:a16="http://schemas.microsoft.com/office/drawing/2014/main" id="{7C4C3432-0635-C872-1853-A84CC41AAB1B}"/>
                   </a:ext>
                 </a:extLst>
               </p:cNvPr>
@@ -3544,7 +3430,7 @@
             <p:spPr>
               <a:xfrm>
                 <a:off x="294162" y="2529549"/>
-                <a:ext cx="6269676" cy="2614993"/>
+                <a:ext cx="6269676" cy="3092688"/>
               </a:xfrm>
               <a:prstGeom prst="rect">
                 <a:avLst/>
@@ -3559,10 +3445,10 @@
               <a:p>
                 <a:pPr>
                   <a:lnSpc>
-                    <a:spcPct val="135000"/>
+                    <a:spcPct val="140000"/>
                   </a:lnSpc>
                   <a:spcAft>
-                    <a:spcPts val="800"/>
+                    <a:spcPts val="1000"/>
                   </a:spcAft>
                 </a:pPr>
                 <a:r>
@@ -3579,10 +3465,26 @@
                     <a:ea typeface="Pretendard Light" panose="02000403000000020004" pitchFamily="2" charset="-127"/>
                     <a:cs typeface="Pretendard Light" panose="02000403000000020004" pitchFamily="2" charset="-127"/>
                   </a:rPr>
-                  <a:t>제가 생각하는 전투 기획의 핵심은 “캐릭터의 컨셉에 어울리는 전투를 설계하는 </a:t>
-                </a:r>
-                <a:r>
-                  <a:rPr lang="ko-KR" altLang="en-US" sz="1000" dirty="0" err="1">
+                  <a:t>전투 기획의 핵심은 “</a:t>
+                </a:r>
+                <a:r>
+                  <a:rPr lang="ko-KR" altLang="en-US" sz="1000" dirty="0">
+                    <a:ln>
+                      <a:solidFill>
+                        <a:schemeClr val="bg1">
+                          <a:lumMod val="75000"/>
+                          <a:alpha val="0"/>
+                        </a:schemeClr>
+                      </a:solidFill>
+                    </a:ln>
+                    <a:latin typeface="Pretendard Medium" panose="02000603000000020004" pitchFamily="2" charset="-127"/>
+                    <a:ea typeface="Pretendard Medium" panose="02000603000000020004" pitchFamily="2" charset="-127"/>
+                    <a:cs typeface="Pretendard Medium" panose="02000603000000020004" pitchFamily="2" charset="-127"/>
+                  </a:rPr>
+                  <a:t>캐릭터의 컨셉에 어울리는 전투를 설계하는 것</a:t>
+                </a:r>
+                <a:r>
+                  <a:rPr lang="ko-KR" altLang="en-US" sz="1000" dirty="0">
                     <a:ln>
                       <a:solidFill>
                         <a:schemeClr val="bg1">
@@ -3595,7 +3497,7 @@
                     <a:ea typeface="Pretendard Light" panose="02000403000000020004" pitchFamily="2" charset="-127"/>
                     <a:cs typeface="Pretendard Light" panose="02000403000000020004" pitchFamily="2" charset="-127"/>
                   </a:rPr>
-                  <a:t>것”입니다</a:t>
+                  <a:t>” 입니다</a:t>
                 </a:r>
                 <a:r>
                   <a:rPr lang="en-US" altLang="ko-KR" sz="1000" dirty="0">
@@ -3613,6 +3515,16 @@
                   </a:rPr>
                   <a:t>. </a:t>
                 </a:r>
+              </a:p>
+              <a:p>
+                <a:pPr>
+                  <a:lnSpc>
+                    <a:spcPct val="140000"/>
+                  </a:lnSpc>
+                  <a:spcAft>
+                    <a:spcPts val="1000"/>
+                  </a:spcAft>
+                </a:pPr>
                 <a:r>
                   <a:rPr lang="ko-KR" altLang="en-US" sz="1000" dirty="0">
                     <a:ln>
@@ -3659,7 +3571,7 @@
                     <a:ea typeface="Pretendard Light" panose="02000403000000020004" pitchFamily="2" charset="-127"/>
                     <a:cs typeface="Pretendard Light" panose="02000403000000020004" pitchFamily="2" charset="-127"/>
                   </a:rPr>
-                  <a:t>그 과정에서 ‘캐릭터의 컨셉과 전투 스타일이 어울리는지’</a:t>
+                  <a:t>그러면서  ‘캐릭터의 컨셉과 전투 스타일이 어울리는지’</a:t>
                 </a:r>
                 <a:r>
                   <a:rPr lang="en-US" altLang="ko-KR" sz="1000" dirty="0">
@@ -3723,7 +3635,7 @@
                     <a:ea typeface="Pretendard Light" panose="02000403000000020004" pitchFamily="2" charset="-127"/>
                     <a:cs typeface="Pretendard Light" panose="02000403000000020004" pitchFamily="2" charset="-127"/>
                   </a:rPr>
-                  <a:t> 고민하는 것 자체도 재미있게 느껴졌습니다</a:t>
+                  <a:t> 생각해 보는 과정 자체도 재미있게 느껴졌습니다</a:t>
                 </a:r>
                 <a:r>
                   <a:rPr lang="en-US" altLang="ko-KR" sz="1000" dirty="0">
@@ -3883,7 +3795,135 @@
                     <a:ea typeface="Pretendard Light" panose="02000403000000020004" pitchFamily="2" charset="-127"/>
                     <a:cs typeface="Pretendard Light" panose="02000403000000020004" pitchFamily="2" charset="-127"/>
                   </a:rPr>
-                  <a:t>따라서 캐릭터의 컨셉에 잘 맞는 전투를 설계하는 것이 전투 기획의 핵심이라고 판단하게 되었습니다</a:t>
+                  <a:t>게임 뿐만 아니라</a:t>
+                </a:r>
+                <a:r>
+                  <a:rPr lang="en-US" altLang="ko-KR" sz="1000" dirty="0">
+                    <a:ln>
+                      <a:solidFill>
+                        <a:schemeClr val="bg1">
+                          <a:lumMod val="75000"/>
+                          <a:alpha val="0"/>
+                        </a:schemeClr>
+                      </a:solidFill>
+                    </a:ln>
+                    <a:latin typeface="Pretendard Light" panose="02000403000000020004" pitchFamily="2" charset="-127"/>
+                    <a:ea typeface="Pretendard Light" panose="02000403000000020004" pitchFamily="2" charset="-127"/>
+                    <a:cs typeface="Pretendard Light" panose="02000403000000020004" pitchFamily="2" charset="-127"/>
+                  </a:rPr>
+                  <a:t>, </a:t>
+                </a:r>
+                <a:r>
+                  <a:rPr lang="ko-KR" altLang="en-US" sz="1000" dirty="0">
+                    <a:ln>
+                      <a:solidFill>
+                        <a:schemeClr val="bg1">
+                          <a:lumMod val="75000"/>
+                          <a:alpha val="0"/>
+                        </a:schemeClr>
+                      </a:solidFill>
+                    </a:ln>
+                    <a:latin typeface="Pretendard Light" panose="02000403000000020004" pitchFamily="2" charset="-127"/>
+                    <a:ea typeface="Pretendard Light" panose="02000403000000020004" pitchFamily="2" charset="-127"/>
+                    <a:cs typeface="Pretendard Light" panose="02000403000000020004" pitchFamily="2" charset="-127"/>
+                  </a:rPr>
+                  <a:t>웹툰</a:t>
+                </a:r>
+                <a:r>
+                  <a:rPr lang="en-US" altLang="ko-KR" sz="1000" dirty="0">
+                    <a:ln>
+                      <a:solidFill>
+                        <a:schemeClr val="bg1">
+                          <a:lumMod val="75000"/>
+                          <a:alpha val="0"/>
+                        </a:schemeClr>
+                      </a:solidFill>
+                    </a:ln>
+                    <a:latin typeface="Pretendard Light" panose="02000403000000020004" pitchFamily="2" charset="-127"/>
+                    <a:ea typeface="Pretendard Light" panose="02000403000000020004" pitchFamily="2" charset="-127"/>
+                    <a:cs typeface="Pretendard Light" panose="02000403000000020004" pitchFamily="2" charset="-127"/>
+                  </a:rPr>
+                  <a:t>/</a:t>
+                </a:r>
+                <a:r>
+                  <a:rPr lang="ko-KR" altLang="en-US" sz="1000" dirty="0">
+                    <a:ln>
+                      <a:solidFill>
+                        <a:schemeClr val="bg1">
+                          <a:lumMod val="75000"/>
+                          <a:alpha val="0"/>
+                        </a:schemeClr>
+                      </a:solidFill>
+                    </a:ln>
+                    <a:latin typeface="Pretendard Light" panose="02000403000000020004" pitchFamily="2" charset="-127"/>
+                    <a:ea typeface="Pretendard Light" panose="02000403000000020004" pitchFamily="2" charset="-127"/>
+                    <a:cs typeface="Pretendard Light" panose="02000403000000020004" pitchFamily="2" charset="-127"/>
+                  </a:rPr>
+                  <a:t>애니메이션 등 여러 작품 속 캐릭터가 컨셉에 맞는 전투를 하면 작품에 더욱 몰입하게 되기도 했습니다</a:t>
+                </a:r>
+                <a:r>
+                  <a:rPr lang="en-US" altLang="ko-KR" sz="1000" dirty="0">
+                    <a:ln>
+                      <a:solidFill>
+                        <a:schemeClr val="bg1">
+                          <a:lumMod val="75000"/>
+                          <a:alpha val="0"/>
+                        </a:schemeClr>
+                      </a:solidFill>
+                    </a:ln>
+                    <a:latin typeface="Pretendard Light" panose="02000403000000020004" pitchFamily="2" charset="-127"/>
+                    <a:ea typeface="Pretendard Light" panose="02000403000000020004" pitchFamily="2" charset="-127"/>
+                    <a:cs typeface="Pretendard Light" panose="02000403000000020004" pitchFamily="2" charset="-127"/>
+                  </a:rPr>
+                  <a:t>. </a:t>
+                </a:r>
+                <a:r>
+                  <a:rPr lang="ko-KR" altLang="en-US" sz="1000" dirty="0">
+                    <a:ln>
+                      <a:solidFill>
+                        <a:schemeClr val="bg1">
+                          <a:lumMod val="75000"/>
+                          <a:alpha val="0"/>
+                        </a:schemeClr>
+                      </a:solidFill>
+                    </a:ln>
+                    <a:latin typeface="Pretendard Light" panose="02000403000000020004" pitchFamily="2" charset="-127"/>
+                    <a:ea typeface="Pretendard Light" panose="02000403000000020004" pitchFamily="2" charset="-127"/>
+                    <a:cs typeface="Pretendard Light" panose="02000403000000020004" pitchFamily="2" charset="-127"/>
+                  </a:rPr>
+                  <a:t>이런 경험들이 쌓이다 보니</a:t>
+                </a:r>
+                <a:r>
+                  <a:rPr lang="en-US" altLang="ko-KR" sz="1000" dirty="0">
+                    <a:ln>
+                      <a:solidFill>
+                        <a:schemeClr val="bg1">
+                          <a:lumMod val="75000"/>
+                          <a:alpha val="0"/>
+                        </a:schemeClr>
+                      </a:solidFill>
+                    </a:ln>
+                    <a:latin typeface="Pretendard Light" panose="02000403000000020004" pitchFamily="2" charset="-127"/>
+                    <a:ea typeface="Pretendard Light" panose="02000403000000020004" pitchFamily="2" charset="-127"/>
+                    <a:cs typeface="Pretendard Light" panose="02000403000000020004" pitchFamily="2" charset="-127"/>
+                  </a:rPr>
+                  <a:t>,</a:t>
+                </a:r>
+                <a:r>
+                  <a:rPr lang="ko-KR" altLang="en-US" sz="1000" dirty="0">
+                    <a:ln>
+                      <a:solidFill>
+                        <a:schemeClr val="bg1">
+                          <a:lumMod val="75000"/>
+                          <a:alpha val="0"/>
+                        </a:schemeClr>
+                      </a:solidFill>
+                    </a:ln>
+                    <a:latin typeface="Pretendard Light" panose="02000403000000020004" pitchFamily="2" charset="-127"/>
+                    <a:ea typeface="Pretendard Light" panose="02000403000000020004" pitchFamily="2" charset="-127"/>
+                    <a:cs typeface="Pretendard Light" panose="02000403000000020004" pitchFamily="2" charset="-127"/>
+                  </a:rPr>
+                  <a:t> 캐릭터의 컨셉에 잘 맞는 전투를 설계하는 것이 전투 기획의 핵심이라고 판단하게 되었습니다</a:t>
                 </a:r>
                 <a:r>
                   <a:rPr lang="en-US" altLang="ko-KR" sz="1000" dirty="0">
@@ -3905,10 +3945,10 @@
               <a:p>
                 <a:pPr>
                   <a:lnSpc>
-                    <a:spcPct val="135000"/>
+                    <a:spcPct val="140000"/>
                   </a:lnSpc>
                   <a:spcAft>
-                    <a:spcPts val="800"/>
+                    <a:spcPts val="1000"/>
                   </a:spcAft>
                 </a:pPr>
                 <a:r>
@@ -3957,7 +3997,7 @@
                     <a:ea typeface="Pretendard Light" panose="02000403000000020004" pitchFamily="2" charset="-127"/>
                     <a:cs typeface="Pretendard Light" panose="02000403000000020004" pitchFamily="2" charset="-127"/>
                   </a:rPr>
-                  <a:t>누군가의 아이디어를 기술적으로 구현해 주는 것보다 제 상상을 현실로 만들어 누군가에게 몰입감을 선사하는 전투 기획 업무가 더 매력적으로 다가왔습니다</a:t>
+                  <a:t>누군가의 아이디어를 기술적으로 구현해 주는 것보다 저의 아이디어와 상상으로 누군가에게 몰입감을 선사하는 기획 업무에 흥미가 생겼습니다</a:t>
                 </a:r>
                 <a:r>
                   <a:rPr lang="en-US" altLang="ko-KR" sz="1000" dirty="0">
@@ -3989,7 +4029,7 @@
                     <a:ea typeface="Pretendard Light" panose="02000403000000020004" pitchFamily="2" charset="-127"/>
                     <a:cs typeface="Pretendard Light" panose="02000403000000020004" pitchFamily="2" charset="-127"/>
                   </a:rPr>
-                  <a:t>또한 평소 웹툰</a:t>
+                  <a:t>그 중에서도 전투 기획 업무가 가장 매력적으로 느껴졌습니다</a:t>
                 </a:r>
                 <a:r>
                   <a:rPr lang="en-US" altLang="ko-KR" sz="1000" dirty="0">
@@ -4005,7 +4045,7 @@
                     <a:ea typeface="Pretendard Light" panose="02000403000000020004" pitchFamily="2" charset="-127"/>
                     <a:cs typeface="Pretendard Light" panose="02000403000000020004" pitchFamily="2" charset="-127"/>
                   </a:rPr>
-                  <a:t>, </a:t>
+                  <a:t>. </a:t>
                 </a:r>
                 <a:r>
                   <a:rPr lang="ko-KR" altLang="en-US" sz="1000" dirty="0">
@@ -4021,23 +4061,7 @@
                     <a:ea typeface="Pretendard Light" panose="02000403000000020004" pitchFamily="2" charset="-127"/>
                     <a:cs typeface="Pretendard Light" panose="02000403000000020004" pitchFamily="2" charset="-127"/>
                   </a:rPr>
-                  <a:t>애니메이션 등 다양한 컨텐츠 속 전투를 보며 저만의 스타일을 구상해 보던 일상으로 인해 전투 기획자라는 목표가 더욱 </a:t>
-                </a:r>
-                <a:r>
-                  <a:rPr lang="ko-KR" altLang="en-US" sz="1000" dirty="0" err="1">
-                    <a:ln>
-                      <a:solidFill>
-                        <a:schemeClr val="bg1">
-                          <a:lumMod val="75000"/>
-                          <a:alpha val="0"/>
-                        </a:schemeClr>
-                      </a:solidFill>
-                    </a:ln>
-                    <a:latin typeface="Pretendard Light" panose="02000403000000020004" pitchFamily="2" charset="-127"/>
-                    <a:ea typeface="Pretendard Light" panose="02000403000000020004" pitchFamily="2" charset="-127"/>
-                    <a:cs typeface="Pretendard Light" panose="02000403000000020004" pitchFamily="2" charset="-127"/>
-                  </a:rPr>
-                  <a:t>확고해졌습니다</a:t>
+                  <a:t>제가 가장 좋아하면서 자신이 있는 분야가 전투였기 때문입니다</a:t>
                 </a:r>
                 <a:r>
                   <a:rPr lang="en-US" altLang="ko-KR" sz="1000" dirty="0">
@@ -4059,10 +4083,10 @@
               <a:p>
                 <a:pPr>
                   <a:lnSpc>
-                    <a:spcPct val="135000"/>
+                    <a:spcPct val="140000"/>
                   </a:lnSpc>
                   <a:spcAft>
-                    <a:spcPts val="800"/>
+                    <a:spcPts val="1000"/>
                   </a:spcAft>
                 </a:pPr>
                 <a:r>
@@ -4079,7 +4103,7 @@
                     <a:ea typeface="Pretendard Light" panose="02000403000000020004" pitchFamily="2" charset="-127"/>
                     <a:cs typeface="Pretendard Light" panose="02000403000000020004" pitchFamily="2" charset="-127"/>
                   </a:rPr>
-                  <a:t>이런 경험과 생각들을 바탕으로</a:t>
+                  <a:t>이제 저만의 전투를 상상에서 그치지 않고 현실에 탄생시키려고 합니다</a:t>
                 </a:r>
                 <a:r>
                   <a:rPr lang="en-US" altLang="ko-KR" sz="1000" dirty="0">
@@ -4095,7 +4119,7 @@
                     <a:ea typeface="Pretendard Light" panose="02000403000000020004" pitchFamily="2" charset="-127"/>
                     <a:cs typeface="Pretendard Light" panose="02000403000000020004" pitchFamily="2" charset="-127"/>
                   </a:rPr>
-                  <a:t>, </a:t>
+                  <a:t>. </a:t>
                 </a:r>
                 <a:r>
                   <a:rPr lang="ko-KR" altLang="en-US" sz="1000" dirty="0">
@@ -4111,7 +4135,7 @@
                     <a:ea typeface="Pretendard Light" panose="02000403000000020004" pitchFamily="2" charset="-127"/>
                     <a:cs typeface="Pretendard Light" panose="02000403000000020004" pitchFamily="2" charset="-127"/>
                   </a:rPr>
-                  <a:t>캐릭터의 특색 있는 전투를 설계하여 유저들에게 몰입감과 즐거움을 선사하는 기획자가 되겠습니다</a:t>
+                  <a:t>저의 생각과 경험들을 총동원하여 다른 사람들에게 몰입감과 즐거움을 줄 수 있는 전투를 설계하는 전투 기획자가 되겠습니다</a:t>
                 </a:r>
                 <a:r>
                   <a:rPr lang="en-US" altLang="ko-KR" sz="1000" dirty="0">
@@ -4134,10 +4158,10 @@
           </p:sp>
           <p:sp>
             <p:nvSpPr>
-              <p:cNvPr id="15" name="직사각형 14">
+              <p:cNvPr id="5" name="직사각형 4">
                 <a:extLst>
                   <a:ext uri="{FF2B5EF4-FFF2-40B4-BE49-F238E27FC236}">
-                    <a16:creationId xmlns:a16="http://schemas.microsoft.com/office/drawing/2014/main" id="{25E254EA-06D9-6E4C-149D-37860E4370D8}"/>
+                    <a16:creationId xmlns:a16="http://schemas.microsoft.com/office/drawing/2014/main" id="{BFDC9772-41BB-5EDE-D72D-E8E364F7E29A}"/>
                   </a:ext>
                 </a:extLst>
               </p:cNvPr>
@@ -4187,10 +4211,10 @@
           </p:sp>
           <p:sp>
             <p:nvSpPr>
-              <p:cNvPr id="16" name="TextBox 15">
+              <p:cNvPr id="6" name="TextBox 5">
                 <a:extLst>
                   <a:ext uri="{FF2B5EF4-FFF2-40B4-BE49-F238E27FC236}">
-                    <a16:creationId xmlns:a16="http://schemas.microsoft.com/office/drawing/2014/main" id="{3081AEAF-FE10-D733-07AC-7D29D25EDC25}"/>
+                    <a16:creationId xmlns:a16="http://schemas.microsoft.com/office/drawing/2014/main" id="{0B0F26DE-309E-5A8B-AB99-96ECD09018F3}"/>
                   </a:ext>
                 </a:extLst>
               </p:cNvPr>
@@ -4226,10 +4250,10 @@
           </p:sp>
           <p:cxnSp>
             <p:nvCxnSpPr>
-              <p:cNvPr id="17" name="직선 연결선 16">
+              <p:cNvPr id="7" name="직선 연결선 6">
                 <a:extLst>
                   <a:ext uri="{FF2B5EF4-FFF2-40B4-BE49-F238E27FC236}">
-                    <a16:creationId xmlns:a16="http://schemas.microsoft.com/office/drawing/2014/main" id="{B90D785D-FC25-B2FE-07E5-37D7DF1EDA8A}"/>
+                    <a16:creationId xmlns:a16="http://schemas.microsoft.com/office/drawing/2014/main" id="{F2F9EBBF-43BB-566B-9B5B-9C995A133182}"/>
                   </a:ext>
                 </a:extLst>
               </p:cNvPr>
@@ -4271,10 +4295,10 @@
           </p:cxnSp>
           <p:sp>
             <p:nvSpPr>
-              <p:cNvPr id="13" name="직사각형 12">
+              <p:cNvPr id="8" name="직사각형 7">
                 <a:extLst>
                   <a:ext uri="{FF2B5EF4-FFF2-40B4-BE49-F238E27FC236}">
-                    <a16:creationId xmlns:a16="http://schemas.microsoft.com/office/drawing/2014/main" id="{C931E680-BA21-21CB-0B0D-DD37A445A464}"/>
+                    <a16:creationId xmlns:a16="http://schemas.microsoft.com/office/drawing/2014/main" id="{33D07BFE-19F4-BA33-DA0F-B6177E02A0CD}"/>
                   </a:ext>
                 </a:extLst>
               </p:cNvPr>
@@ -4283,8 +4307,8 @@
             </p:nvSpPr>
             <p:spPr>
               <a:xfrm>
-                <a:off x="189000" y="2131168"/>
-                <a:ext cx="6480000" cy="3013374"/>
+                <a:off x="189000" y="2131167"/>
+                <a:ext cx="6480000" cy="3491070"/>
               </a:xfrm>
               <a:prstGeom prst="rect">
                 <a:avLst/>
@@ -4327,10 +4351,10 @@
         </p:grpSp>
         <p:grpSp>
           <p:nvGrpSpPr>
-            <p:cNvPr id="11" name="그룹 10">
+            <p:cNvPr id="9" name="그룹 8">
               <a:extLst>
                 <a:ext uri="{FF2B5EF4-FFF2-40B4-BE49-F238E27FC236}">
-                  <a16:creationId xmlns:a16="http://schemas.microsoft.com/office/drawing/2014/main" id="{D881AEC9-1E82-B276-9941-EEBCC54138D7}"/>
+                  <a16:creationId xmlns:a16="http://schemas.microsoft.com/office/drawing/2014/main" id="{25C4D6A8-D68E-A7C0-6167-340982875F40}"/>
                 </a:ext>
               </a:extLst>
             </p:cNvPr>
@@ -4339,18 +4363,18 @@
           </p:nvGrpSpPr>
           <p:grpSpPr>
             <a:xfrm>
-              <a:off x="185459" y="3921400"/>
-              <a:ext cx="6487083" cy="5711550"/>
-              <a:chOff x="185458" y="4124130"/>
-              <a:chExt cx="6487083" cy="5711550"/>
+              <a:off x="188665" y="4297649"/>
+              <a:ext cx="6487083" cy="5989190"/>
+              <a:chOff x="185458" y="4124129"/>
+              <a:chExt cx="6487083" cy="5989190"/>
             </a:xfrm>
           </p:grpSpPr>
           <p:sp>
             <p:nvSpPr>
-              <p:cNvPr id="3" name="TextBox 2">
+              <p:cNvPr id="10" name="TextBox 9">
                 <a:extLst>
                   <a:ext uri="{FF2B5EF4-FFF2-40B4-BE49-F238E27FC236}">
-                    <a16:creationId xmlns:a16="http://schemas.microsoft.com/office/drawing/2014/main" id="{2560FEE4-7949-49ED-F01E-5B95A5572AB2}"/>
+                    <a16:creationId xmlns:a16="http://schemas.microsoft.com/office/drawing/2014/main" id="{E53FC759-F7E8-4106-4A27-684348CA0009}"/>
                   </a:ext>
                 </a:extLst>
               </p:cNvPr>
@@ -4360,7 +4384,7 @@
             <p:spPr>
               <a:xfrm>
                 <a:off x="290620" y="4522511"/>
-                <a:ext cx="6269676" cy="5313168"/>
+                <a:ext cx="6269676" cy="5590808"/>
               </a:xfrm>
               <a:prstGeom prst="rect">
                 <a:avLst/>
@@ -4398,6 +4422,14 @@
                 </a:lvl1pPr>
               </a:lstStyle>
               <a:p>
+                <a:pPr>
+                  <a:lnSpc>
+                    <a:spcPct val="140000"/>
+                  </a:lnSpc>
+                  <a:spcAft>
+                    <a:spcPts val="1000"/>
+                  </a:spcAft>
+                </a:pPr>
                 <a:r>
                   <a:rPr lang="ko-KR" altLang="en-US" dirty="0"/>
                   <a:t>저는 전투 기획자로서 경쟁력을 높이기 위해 다음과 같은 경험을 쌓았습니다</a:t>
@@ -4408,13 +4440,170 @@
                 </a:r>
               </a:p>
               <a:p>
+                <a:pPr>
+                  <a:lnSpc>
+                    <a:spcPct val="140000"/>
+                  </a:lnSpc>
+                  <a:spcAft>
+                    <a:spcPts val="1000"/>
+                  </a:spcAft>
+                </a:pPr>
                 <a:r>
                   <a:rPr lang="ko-KR" altLang="en-US" dirty="0">
-                    <a:latin typeface="Pretendard" panose="02000503000000020004" pitchFamily="2" charset="-127"/>
-                    <a:ea typeface="Pretendard" panose="02000503000000020004" pitchFamily="2" charset="-127"/>
-                    <a:cs typeface="Pretendard" panose="02000503000000020004" pitchFamily="2" charset="-127"/>
+                    <a:latin typeface="Pretendard Medium" panose="02000603000000020004" pitchFamily="2" charset="-127"/>
+                    <a:ea typeface="Pretendard Medium" panose="02000603000000020004" pitchFamily="2" charset="-127"/>
+                    <a:cs typeface="Pretendard Medium" panose="02000603000000020004" pitchFamily="2" charset="-127"/>
                   </a:rPr>
                   <a:t>첫째</a:t>
+                </a:r>
+                <a:r>
+                  <a:rPr lang="en-US" altLang="ko-KR" dirty="0">
+                    <a:latin typeface="Pretendard Medium" panose="02000603000000020004" pitchFamily="2" charset="-127"/>
+                    <a:ea typeface="Pretendard Medium" panose="02000603000000020004" pitchFamily="2" charset="-127"/>
+                    <a:cs typeface="Pretendard Medium" panose="02000603000000020004" pitchFamily="2" charset="-127"/>
+                  </a:rPr>
+                  <a:t>, </a:t>
+                </a:r>
+                <a:r>
+                  <a:rPr lang="ko-KR" altLang="en-US" dirty="0">
+                    <a:latin typeface="Pretendard Medium" panose="02000603000000020004" pitchFamily="2" charset="-127"/>
+                    <a:ea typeface="Pretendard Medium" panose="02000603000000020004" pitchFamily="2" charset="-127"/>
+                    <a:cs typeface="Pretendard Medium" panose="02000603000000020004" pitchFamily="2" charset="-127"/>
+                  </a:rPr>
+                  <a:t>다양한 게임에서 여러 캐릭터의 전투 스타일을 체험해 보았습니다</a:t>
+                </a:r>
+                <a:r>
+                  <a:rPr lang="en-US" altLang="ko-KR" dirty="0">
+                    <a:latin typeface="Pretendard Medium" panose="02000603000000020004" pitchFamily="2" charset="-127"/>
+                    <a:ea typeface="Pretendard Medium" panose="02000603000000020004" pitchFamily="2" charset="-127"/>
+                    <a:cs typeface="Pretendard Medium" panose="02000603000000020004" pitchFamily="2" charset="-127"/>
+                  </a:rPr>
+                  <a:t>.</a:t>
+                </a:r>
+                <a:br>
+                  <a:rPr lang="en-US" altLang="ko-KR" dirty="0"/>
+                </a:br>
+                <a:r>
+                  <a:rPr lang="ko-KR" altLang="en-US" dirty="0"/>
+                  <a:t>제가 가장 좋아하는 게임 장르는 </a:t>
+                </a:r>
+                <a:r>
+                  <a:rPr lang="en-US" altLang="ko-KR" dirty="0"/>
+                  <a:t>RPG</a:t>
+                </a:r>
+                <a:r>
+                  <a:rPr lang="ko-KR" altLang="en-US" dirty="0"/>
+                  <a:t>입니다</a:t>
+                </a:r>
+                <a:r>
+                  <a:rPr lang="en-US" altLang="ko-KR" dirty="0"/>
+                  <a:t>. </a:t>
+                </a:r>
+                <a:r>
+                  <a:rPr lang="ko-KR" altLang="en-US" dirty="0"/>
+                  <a:t>다양한 캐릭터의 전투를 느껴 볼 수 있다는 점이 매력적으로 느껴지기 때문입니다</a:t>
+                </a:r>
+                <a:r>
+                  <a:rPr lang="en-US" altLang="ko-KR" dirty="0"/>
+                  <a:t>. RPG </a:t>
+                </a:r>
+                <a:r>
+                  <a:rPr lang="ko-KR" altLang="en-US" dirty="0"/>
+                  <a:t>외에도 다양한 전투를 체험할 수 있는 게임에 흥미가 생깁니다</a:t>
+                </a:r>
+                <a:r>
+                  <a:rPr lang="en-US" altLang="ko-KR" dirty="0"/>
+                  <a:t>. </a:t>
+                </a:r>
+                <a:r>
+                  <a:rPr lang="ko-KR" altLang="en-US" dirty="0"/>
+                  <a:t>예를 들어</a:t>
+                </a:r>
+                <a:r>
+                  <a:rPr lang="en-US" altLang="ko-KR" dirty="0"/>
+                  <a:t>, </a:t>
+                </a:r>
+                <a:r>
+                  <a:rPr lang="ko-KR" altLang="en-US" dirty="0"/>
+                  <a:t>리그 오브 레전드에서도 라인에 관련 없이 재밌어 보이는 챔피언을 다 플레이해 보았습니다</a:t>
+                </a:r>
+                <a:r>
+                  <a:rPr lang="en-US" altLang="ko-KR" dirty="0"/>
+                  <a:t>. </a:t>
+                </a:r>
+                <a:r>
+                  <a:rPr lang="ko-KR" altLang="en-US" dirty="0"/>
+                  <a:t>무기에 따라 전투 스타일이 바뀌는 소울 </a:t>
+                </a:r>
+                <a:r>
+                  <a:rPr lang="ko-KR" altLang="en-US" dirty="0" err="1"/>
+                  <a:t>라이크</a:t>
+                </a:r>
+                <a:r>
+                  <a:rPr lang="ko-KR" altLang="en-US" dirty="0"/>
+                  <a:t> 게임에서도 획득한 무기는 꼭 한 번씩 써보고 결정하기도 합니다</a:t>
+                </a:r>
+                <a:r>
+                  <a:rPr lang="en-US" altLang="ko-KR" dirty="0"/>
+                  <a:t>. </a:t>
+                </a:r>
+                <a:r>
+                  <a:rPr lang="ko-KR" altLang="en-US" dirty="0"/>
+                  <a:t>이런 경험들로 제가 선호하는 전투에 대해 이해하고</a:t>
+                </a:r>
+                <a:r>
+                  <a:rPr lang="en-US" altLang="ko-KR" dirty="0"/>
+                  <a:t>, </a:t>
+                </a:r>
+                <a:r>
+                  <a:rPr lang="ko-KR" altLang="en-US" dirty="0"/>
+                  <a:t>전투 기획에서 저만의 방향을 세울 수 있습니다</a:t>
+                </a:r>
+                <a:r>
+                  <a:rPr lang="en-US" altLang="ko-KR" dirty="0"/>
+                  <a:t>.</a:t>
+                </a:r>
+              </a:p>
+              <a:p>
+                <a:pPr>
+                  <a:lnSpc>
+                    <a:spcPct val="140000"/>
+                  </a:lnSpc>
+                  <a:spcAft>
+                    <a:spcPts val="1000"/>
+                  </a:spcAft>
+                </a:pPr>
+                <a:r>
+                  <a:rPr lang="ko-KR" altLang="en-US" dirty="0">
+                    <a:latin typeface="Pretendard Medium" panose="02000603000000020004" pitchFamily="2" charset="-127"/>
+                    <a:ea typeface="Pretendard Medium" panose="02000603000000020004" pitchFamily="2" charset="-127"/>
+                    <a:cs typeface="Pretendard Medium" panose="02000603000000020004" pitchFamily="2" charset="-127"/>
+                  </a:rPr>
+                  <a:t>둘째</a:t>
+                </a:r>
+                <a:r>
+                  <a:rPr lang="en-US" altLang="ko-KR" dirty="0">
+                    <a:latin typeface="Pretendard Medium" panose="02000603000000020004" pitchFamily="2" charset="-127"/>
+                    <a:ea typeface="Pretendard Medium" panose="02000603000000020004" pitchFamily="2" charset="-127"/>
+                    <a:cs typeface="Pretendard Medium" panose="02000603000000020004" pitchFamily="2" charset="-127"/>
+                  </a:rPr>
+                  <a:t>, </a:t>
+                </a:r>
+                <a:r>
+                  <a:rPr lang="ko-KR" altLang="en-US" dirty="0">
+                    <a:latin typeface="Pretendard Medium" panose="02000603000000020004" pitchFamily="2" charset="-127"/>
+                    <a:ea typeface="Pretendard Medium" panose="02000603000000020004" pitchFamily="2" charset="-127"/>
+                    <a:cs typeface="Pretendard Medium" panose="02000603000000020004" pitchFamily="2" charset="-127"/>
+                  </a:rPr>
+                  <a:t>다양한 개발 도구를 폭넓게 사용해 보았습니다</a:t>
+                </a:r>
+                <a:r>
+                  <a:rPr lang="en-US" altLang="ko-KR" dirty="0">
+                    <a:latin typeface="Pretendard Medium" panose="02000603000000020004" pitchFamily="2" charset="-127"/>
+                    <a:ea typeface="Pretendard Medium" panose="02000603000000020004" pitchFamily="2" charset="-127"/>
+                    <a:cs typeface="Pretendard Medium" panose="02000603000000020004" pitchFamily="2" charset="-127"/>
+                  </a:rPr>
+                  <a:t>.</a:t>
                 </a:r>
                 <a:r>
                   <a:rPr lang="en-US" altLang="ko-KR" dirty="0">
@@ -4422,15 +4611,104 @@
                     <a:ea typeface="Pretendard" panose="02000503000000020004" pitchFamily="2" charset="-127"/>
                     <a:cs typeface="Pretendard" panose="02000503000000020004" pitchFamily="2" charset="-127"/>
                   </a:rPr>
+                  <a:t> </a:t>
+                </a:r>
+                <a:br>
+                  <a:rPr lang="en-US" altLang="ko-KR" dirty="0"/>
+                </a:br>
+                <a:r>
+                  <a:rPr lang="ko-KR" altLang="en-US" dirty="0"/>
+                  <a:t>대학교에서 프로그래머로 여러 프로젝트를 진행하면서 </a:t>
+                </a:r>
+                <a:r>
+                  <a:rPr lang="en-US" altLang="ko-KR" dirty="0"/>
+                  <a:t>Unreal Engine 4, Unity, MySQL </a:t>
+                </a:r>
+                <a:r>
+                  <a:rPr lang="ko-KR" altLang="en-US" dirty="0"/>
+                  <a:t>등 다양한 개발 도구를 접해 보았습니다</a:t>
+                </a:r>
+                <a:r>
+                  <a:rPr lang="en-US" altLang="ko-KR" dirty="0"/>
+                  <a:t>. </a:t>
+                </a:r>
+                <a:r>
+                  <a:rPr lang="ko-KR" altLang="en-US" dirty="0"/>
+                  <a:t>이 과정에서 대부분의 개발 도구는 유사한 기능을 가지고 있다는 점을 </a:t>
+                </a:r>
+                <a:r>
+                  <a:rPr lang="ko-KR" altLang="en-US" dirty="0" err="1"/>
+                  <a:t>깨달았습니다</a:t>
+                </a:r>
+                <a:r>
+                  <a:rPr lang="en-US" altLang="ko-KR" dirty="0"/>
+                  <a:t>. </a:t>
+                </a:r>
+                <a:r>
+                  <a:rPr lang="ko-KR" altLang="en-US" dirty="0"/>
+                  <a:t>덕분에 개발 도구를 새롭게 접하더라도 두려움 없이 빠르게 적응할 수 있었습니다</a:t>
+                </a:r>
+                <a:r>
+                  <a:rPr lang="en-US" altLang="ko-KR" dirty="0"/>
+                  <a:t>. </a:t>
+                </a:r>
+                <a:r>
+                  <a:rPr lang="ko-KR" altLang="en-US" dirty="0"/>
+                  <a:t>이런 경험으로 리소스 조립</a:t>
+                </a:r>
+                <a:r>
+                  <a:rPr lang="en-US" altLang="ko-KR" dirty="0"/>
                   <a:t>, </a:t>
                 </a:r>
                 <a:r>
+                  <a:rPr lang="ko-KR" altLang="en-US" dirty="0"/>
+                  <a:t>프로토타이핑 등의 기획 업무를 더욱 수월하게 할 수 있습니다</a:t>
+                </a:r>
+                <a:r>
+                  <a:rPr lang="en-US" altLang="ko-KR" dirty="0"/>
+                  <a:t>. </a:t>
+                </a:r>
+              </a:p>
+              <a:p>
+                <a:pPr>
+                  <a:lnSpc>
+                    <a:spcPct val="140000"/>
+                  </a:lnSpc>
+                  <a:spcAft>
+                    <a:spcPts val="1000"/>
+                  </a:spcAft>
+                </a:pPr>
+                <a:r>
                   <a:rPr lang="ko-KR" altLang="en-US" dirty="0">
-                    <a:latin typeface="Pretendard" panose="02000503000000020004" pitchFamily="2" charset="-127"/>
-                    <a:ea typeface="Pretendard" panose="02000503000000020004" pitchFamily="2" charset="-127"/>
-                    <a:cs typeface="Pretendard" panose="02000503000000020004" pitchFamily="2" charset="-127"/>
+                    <a:latin typeface="Pretendard Medium" panose="02000603000000020004" pitchFamily="2" charset="-127"/>
+                    <a:ea typeface="Pretendard Medium" panose="02000603000000020004" pitchFamily="2" charset="-127"/>
+                    <a:cs typeface="Pretendard Medium" panose="02000603000000020004" pitchFamily="2" charset="-127"/>
                   </a:rPr>
-                  <a:t>다양한 게임에서 여러 캐릭터의 전투 스타일을 체험해 보았습니다</a:t>
+                  <a:t>셋째</a:t>
+                </a:r>
+                <a:r>
+                  <a:rPr lang="en-US" altLang="ko-KR" dirty="0">
+                    <a:latin typeface="Pretendard Medium" panose="02000603000000020004" pitchFamily="2" charset="-127"/>
+                    <a:ea typeface="Pretendard Medium" panose="02000603000000020004" pitchFamily="2" charset="-127"/>
+                    <a:cs typeface="Pretendard Medium" panose="02000603000000020004" pitchFamily="2" charset="-127"/>
+                  </a:rPr>
+                  <a:t>, </a:t>
+                </a:r>
+                <a:r>
+                  <a:rPr lang="ko-KR" altLang="en-US" dirty="0">
+                    <a:latin typeface="Pretendard Medium" panose="02000603000000020004" pitchFamily="2" charset="-127"/>
+                    <a:ea typeface="Pretendard Medium" panose="02000603000000020004" pitchFamily="2" charset="-127"/>
+                    <a:cs typeface="Pretendard Medium" panose="02000603000000020004" pitchFamily="2" charset="-127"/>
+                  </a:rPr>
+                  <a:t>기획서 작성을 통해 실무 역량을 키웠습니다</a:t>
+                </a:r>
+                <a:r>
+                  <a:rPr lang="en-US" altLang="ko-KR" dirty="0">
+                    <a:latin typeface="Pretendard Medium" panose="02000603000000020004" pitchFamily="2" charset="-127"/>
+                    <a:ea typeface="Pretendard Medium" panose="02000603000000020004" pitchFamily="2" charset="-127"/>
+                    <a:cs typeface="Pretendard Medium" panose="02000603000000020004" pitchFamily="2" charset="-127"/>
+                  </a:rPr>
+                  <a:t>.</a:t>
                 </a:r>
                 <a:r>
                   <a:rPr lang="en-US" altLang="ko-KR" dirty="0">
@@ -4438,22 +4716,14 @@
                     <a:ea typeface="Pretendard" panose="02000503000000020004" pitchFamily="2" charset="-127"/>
                     <a:cs typeface="Pretendard" panose="02000503000000020004" pitchFamily="2" charset="-127"/>
                   </a:rPr>
-                  <a:t>.</a:t>
+                  <a:t> </a:t>
                 </a:r>
                 <a:br>
                   <a:rPr lang="en-US" altLang="ko-KR" dirty="0"/>
                 </a:br>
                 <a:r>
                   <a:rPr lang="ko-KR" altLang="en-US" dirty="0"/>
-                  <a:t>제가 가장 좋아하는 게임 장르는 </a:t>
-                </a:r>
-                <a:r>
-                  <a:rPr lang="en-US" altLang="ko-KR" dirty="0"/>
-                  <a:t>RPG</a:t>
-                </a:r>
-                <a:r>
-                  <a:rPr lang="ko-KR" altLang="en-US" dirty="0"/>
-                  <a:t>입니다</a:t>
+                  <a:t>혼자서 캐릭터 기획을 해보고 데이터 테이블을 작성해 보았습니다</a:t>
                 </a:r>
                 <a:r>
                   <a:rPr lang="en-US" altLang="ko-KR" dirty="0"/>
@@ -4461,15 +4731,23 @@
                 </a:r>
                 <a:r>
                   <a:rPr lang="ko-KR" altLang="en-US" dirty="0"/>
-                  <a:t>다양한 캐릭터의 전투를 느껴 볼 수 있다는 점이 매력적으로 느껴지기 때문입니다</a:t>
+                  <a:t>국비 교육</a:t>
                 </a:r>
                 <a:r>
                   <a:rPr lang="en-US" altLang="ko-KR" dirty="0"/>
-                  <a:t>. RPG </a:t>
+                  <a:t>(NCS </a:t>
                 </a:r>
                 <a:r>
                   <a:rPr lang="ko-KR" altLang="en-US" dirty="0"/>
-                  <a:t>외에도 다양한 전투를 체험할 수 있는 게임에 흥미가 생깁니다</a:t>
+                  <a:t>게임 콘텐츠 기획자 양성 과정</a:t>
+                </a:r>
+                <a:r>
+                  <a:rPr lang="en-US" altLang="ko-KR" dirty="0"/>
+                  <a:t>)</a:t>
+                </a:r>
+                <a:r>
+                  <a:rPr lang="ko-KR" altLang="en-US" dirty="0"/>
+                  <a:t>에서는 팀원들과 서로의 기획서를 공유하고 피드백을 주고받으며 실무 감각을 익혔습니다</a:t>
                 </a:r>
                 <a:r>
                   <a:rPr lang="en-US" altLang="ko-KR" dirty="0"/>
@@ -4477,7 +4755,7 @@
                 </a:r>
                 <a:r>
                   <a:rPr lang="ko-KR" altLang="en-US" dirty="0"/>
-                  <a:t>예를 들어</a:t>
+                  <a:t>특히</a:t>
                 </a:r>
                 <a:r>
                   <a:rPr lang="en-US" altLang="ko-KR" dirty="0"/>
@@ -4485,7 +4763,39 @@
                 </a:r>
                 <a:r>
                   <a:rPr lang="ko-KR" altLang="en-US" dirty="0"/>
-                  <a:t>리그 오브 레전드에서도 라인에 관련 없이 재밌어 보이는 챔피언을 다 플레이해 보았습니다</a:t>
+                  <a:t>캐릭터의 스킬을 기획하기 위해 모션과 </a:t>
+                </a:r>
+                <a:r>
+                  <a:rPr lang="ko-KR" altLang="en-US" dirty="0" err="1"/>
+                  <a:t>이펙트뿐만</a:t>
+                </a:r>
+                <a:r>
+                  <a:rPr lang="ko-KR" altLang="en-US" dirty="0"/>
+                  <a:t> 아니라 카메라 구도</a:t>
+                </a:r>
+                <a:r>
+                  <a:rPr lang="en-US" altLang="ko-KR" dirty="0"/>
+                  <a:t>, </a:t>
+                </a:r>
+                <a:r>
+                  <a:rPr lang="ko-KR" altLang="en-US" dirty="0"/>
+                  <a:t>선</a:t>
+                </a:r>
+                <a:r>
+                  <a:rPr lang="en-US" altLang="ko-KR" dirty="0"/>
+                  <a:t>/</a:t>
+                </a:r>
+                <a:r>
+                  <a:rPr lang="ko-KR" altLang="en-US" dirty="0"/>
+                  <a:t>후 딜레이</a:t>
+                </a:r>
+                <a:r>
+                  <a:rPr lang="en-US" altLang="ko-KR" dirty="0"/>
+                  <a:t>, </a:t>
+                </a:r>
+                <a:r>
+                  <a:rPr lang="ko-KR" altLang="en-US" dirty="0"/>
+                  <a:t>효과 발동 타이밍 등 여러 요소들을 생각하며 기획서를 작성해 보기도 했습니다</a:t>
                 </a:r>
                 <a:r>
                   <a:rPr lang="en-US" altLang="ko-KR" dirty="0"/>
@@ -4493,31 +4803,7 @@
                 </a:r>
                 <a:r>
                   <a:rPr lang="ko-KR" altLang="en-US" dirty="0"/>
-                  <a:t>무기에 따라 전투 스타일이 바뀌는 소울 </a:t>
-                </a:r>
-                <a:r>
-                  <a:rPr lang="ko-KR" altLang="en-US" dirty="0" err="1"/>
-                  <a:t>라이크</a:t>
-                </a:r>
-                <a:r>
-                  <a:rPr lang="ko-KR" altLang="en-US" dirty="0"/>
-                  <a:t> 게임에서도 획득한 무기는 꼭 한 번씩 써보고 결정하기도 합니다</a:t>
-                </a:r>
-                <a:r>
-                  <a:rPr lang="en-US" altLang="ko-KR" dirty="0"/>
-                  <a:t>. </a:t>
-                </a:r>
-                <a:r>
-                  <a:rPr lang="ko-KR" altLang="en-US" dirty="0"/>
-                  <a:t>이런 경험들로 제가 선호하는 전투에 대해 이해하고</a:t>
-                </a:r>
-                <a:r>
-                  <a:rPr lang="en-US" altLang="ko-KR" dirty="0"/>
-                  <a:t>, </a:t>
-                </a:r>
-                <a:r>
-                  <a:rPr lang="ko-KR" altLang="en-US" dirty="0"/>
-                  <a:t>전투 기획에서 저만의 방향을 세울 수 있습니다</a:t>
+                  <a:t>그 결과 많은 내용을 한 번에 담는 것보다 명확한 기획 의도를 설정하고 적절한 수준으로 구성하는 것이 더 중요한 일이라는 것을 체감했습니다</a:t>
                 </a:r>
                 <a:r>
                   <a:rPr lang="en-US" altLang="ko-KR" dirty="0"/>
@@ -4525,13 +4811,45 @@
                 </a:r>
               </a:p>
               <a:p>
+                <a:pPr>
+                  <a:lnSpc>
+                    <a:spcPct val="140000"/>
+                  </a:lnSpc>
+                  <a:spcAft>
+                    <a:spcPts val="1000"/>
+                  </a:spcAft>
+                </a:pPr>
                 <a:r>
                   <a:rPr lang="ko-KR" altLang="en-US" dirty="0">
-                    <a:latin typeface="Pretendard" panose="02000503000000020004" pitchFamily="2" charset="-127"/>
-                    <a:ea typeface="Pretendard" panose="02000503000000020004" pitchFamily="2" charset="-127"/>
-                    <a:cs typeface="Pretendard" panose="02000503000000020004" pitchFamily="2" charset="-127"/>
+                    <a:latin typeface="Pretendard Medium" panose="02000603000000020004" pitchFamily="2" charset="-127"/>
+                    <a:ea typeface="Pretendard Medium" panose="02000603000000020004" pitchFamily="2" charset="-127"/>
+                    <a:cs typeface="Pretendard Medium" panose="02000603000000020004" pitchFamily="2" charset="-127"/>
                   </a:rPr>
-                  <a:t>둘째</a:t>
+                  <a:t>넷째</a:t>
+                </a:r>
+                <a:r>
+                  <a:rPr lang="en-US" altLang="ko-KR" dirty="0">
+                    <a:latin typeface="Pretendard Medium" panose="02000603000000020004" pitchFamily="2" charset="-127"/>
+                    <a:ea typeface="Pretendard Medium" panose="02000603000000020004" pitchFamily="2" charset="-127"/>
+                    <a:cs typeface="Pretendard Medium" panose="02000603000000020004" pitchFamily="2" charset="-127"/>
+                  </a:rPr>
+                  <a:t>, </a:t>
+                </a:r>
+                <a:r>
+                  <a:rPr lang="ko-KR" altLang="en-US" dirty="0">
+                    <a:latin typeface="Pretendard Medium" panose="02000603000000020004" pitchFamily="2" charset="-127"/>
+                    <a:ea typeface="Pretendard Medium" panose="02000603000000020004" pitchFamily="2" charset="-127"/>
+                    <a:cs typeface="Pretendard Medium" panose="02000603000000020004" pitchFamily="2" charset="-127"/>
+                  </a:rPr>
+                  <a:t>실제 협업 경험을 쌓았습니다</a:t>
+                </a:r>
+                <a:r>
+                  <a:rPr lang="en-US" altLang="ko-KR" dirty="0">
+                    <a:latin typeface="Pretendard Medium" panose="02000603000000020004" pitchFamily="2" charset="-127"/>
+                    <a:ea typeface="Pretendard Medium" panose="02000603000000020004" pitchFamily="2" charset="-127"/>
+                    <a:cs typeface="Pretendard Medium" panose="02000603000000020004" pitchFamily="2" charset="-127"/>
+                  </a:rPr>
+                  <a:t>.</a:t>
                 </a:r>
                 <a:r>
                   <a:rPr lang="en-US" altLang="ko-KR" dirty="0">
@@ -4539,237 +4857,7 @@
                     <a:ea typeface="Pretendard" panose="02000503000000020004" pitchFamily="2" charset="-127"/>
                     <a:cs typeface="Pretendard" panose="02000503000000020004" pitchFamily="2" charset="-127"/>
                   </a:rPr>
-                  <a:t>, </a:t>
-                </a:r>
-                <a:r>
-                  <a:rPr lang="ko-KR" altLang="en-US" dirty="0">
-                    <a:latin typeface="Pretendard" panose="02000503000000020004" pitchFamily="2" charset="-127"/>
-                    <a:ea typeface="Pretendard" panose="02000503000000020004" pitchFamily="2" charset="-127"/>
-                    <a:cs typeface="Pretendard" panose="02000503000000020004" pitchFamily="2" charset="-127"/>
-                  </a:rPr>
-                  <a:t>다양한 개발 도구를 폭넓게 사용해 보았습니다</a:t>
-                </a:r>
-                <a:r>
-                  <a:rPr lang="en-US" altLang="ko-KR" dirty="0">
-                    <a:latin typeface="Pretendard" panose="02000503000000020004" pitchFamily="2" charset="-127"/>
-                    <a:ea typeface="Pretendard" panose="02000503000000020004" pitchFamily="2" charset="-127"/>
-                    <a:cs typeface="Pretendard" panose="02000503000000020004" pitchFamily="2" charset="-127"/>
-                  </a:rPr>
-                  <a:t>. </a:t>
-                </a:r>
-                <a:br>
-                  <a:rPr lang="en-US" altLang="ko-KR" dirty="0"/>
-                </a:br>
-                <a:r>
-                  <a:rPr lang="ko-KR" altLang="en-US" dirty="0"/>
-                  <a:t>대학교에서 프로그래머로 여러 프로젝트를 진행하면서 </a:t>
-                </a:r>
-                <a:r>
-                  <a:rPr lang="en-US" altLang="ko-KR" dirty="0"/>
-                  <a:t>Unreal Engine 4, Unity, MySQL </a:t>
-                </a:r>
-                <a:r>
-                  <a:rPr lang="ko-KR" altLang="en-US" dirty="0"/>
-                  <a:t>등 다양한 개발 도구를 접해 보았습니다</a:t>
-                </a:r>
-                <a:r>
-                  <a:rPr lang="en-US" altLang="ko-KR" dirty="0"/>
-                  <a:t>. </a:t>
-                </a:r>
-                <a:r>
-                  <a:rPr lang="ko-KR" altLang="en-US" dirty="0"/>
-                  <a:t>이 과정에서 대부분의 개발 도구는 유사한 기능을 가지고 있다는 점을 </a:t>
-                </a:r>
-                <a:r>
-                  <a:rPr lang="ko-KR" altLang="en-US" dirty="0" err="1"/>
-                  <a:t>깨달았습니다</a:t>
-                </a:r>
-                <a:r>
-                  <a:rPr lang="en-US" altLang="ko-KR" dirty="0"/>
-                  <a:t>. </a:t>
-                </a:r>
-                <a:r>
-                  <a:rPr lang="ko-KR" altLang="en-US" dirty="0"/>
-                  <a:t>덕분에 개발 도구를 새롭게 접하더라도 두려움 없이 빠르게 적응할 수 있었습니다</a:t>
-                </a:r>
-                <a:r>
-                  <a:rPr lang="en-US" altLang="ko-KR" dirty="0"/>
-                  <a:t>. </a:t>
-                </a:r>
-                <a:r>
-                  <a:rPr lang="ko-KR" altLang="en-US" dirty="0"/>
-                  <a:t>이런 경험으로 리소스 조립</a:t>
-                </a:r>
-                <a:r>
-                  <a:rPr lang="en-US" altLang="ko-KR" dirty="0"/>
-                  <a:t>, </a:t>
-                </a:r>
-                <a:r>
-                  <a:rPr lang="ko-KR" altLang="en-US" dirty="0"/>
-                  <a:t>프로토타이핑 등의 기획 업무를 더욱 수월하게 할 수 있습니다</a:t>
-                </a:r>
-                <a:r>
-                  <a:rPr lang="en-US" altLang="ko-KR" dirty="0"/>
-                  <a:t>. </a:t>
-                </a:r>
-              </a:p>
-              <a:p>
-                <a:r>
-                  <a:rPr lang="ko-KR" altLang="en-US" dirty="0">
-                    <a:latin typeface="Pretendard" panose="02000503000000020004" pitchFamily="2" charset="-127"/>
-                    <a:ea typeface="Pretendard" panose="02000503000000020004" pitchFamily="2" charset="-127"/>
-                    <a:cs typeface="Pretendard" panose="02000503000000020004" pitchFamily="2" charset="-127"/>
-                  </a:rPr>
-                  <a:t>셋째</a:t>
-                </a:r>
-                <a:r>
-                  <a:rPr lang="en-US" altLang="ko-KR" dirty="0">
-                    <a:latin typeface="Pretendard" panose="02000503000000020004" pitchFamily="2" charset="-127"/>
-                    <a:ea typeface="Pretendard" panose="02000503000000020004" pitchFamily="2" charset="-127"/>
-                    <a:cs typeface="Pretendard" panose="02000503000000020004" pitchFamily="2" charset="-127"/>
-                  </a:rPr>
-                  <a:t>, </a:t>
-                </a:r>
-                <a:r>
-                  <a:rPr lang="ko-KR" altLang="en-US" dirty="0">
-                    <a:latin typeface="Pretendard" panose="02000503000000020004" pitchFamily="2" charset="-127"/>
-                    <a:ea typeface="Pretendard" panose="02000503000000020004" pitchFamily="2" charset="-127"/>
-                    <a:cs typeface="Pretendard" panose="02000503000000020004" pitchFamily="2" charset="-127"/>
-                  </a:rPr>
-                  <a:t>기획서 작성을 통해 실무 역량을 키웠습니다</a:t>
-                </a:r>
-                <a:r>
-                  <a:rPr lang="en-US" altLang="ko-KR" dirty="0">
-                    <a:latin typeface="Pretendard" panose="02000503000000020004" pitchFamily="2" charset="-127"/>
-                    <a:ea typeface="Pretendard" panose="02000503000000020004" pitchFamily="2" charset="-127"/>
-                    <a:cs typeface="Pretendard" panose="02000503000000020004" pitchFamily="2" charset="-127"/>
-                  </a:rPr>
-                  <a:t>. </a:t>
-                </a:r>
-                <a:br>
-                  <a:rPr lang="en-US" altLang="ko-KR" dirty="0"/>
-                </a:br>
-                <a:r>
-                  <a:rPr lang="ko-KR" altLang="en-US" dirty="0"/>
-                  <a:t>혼자서 캐릭터 기획을 해보고 데이터 테이블을 작성해 보았습니다</a:t>
-                </a:r>
-                <a:r>
-                  <a:rPr lang="en-US" altLang="ko-KR" dirty="0"/>
-                  <a:t>. </a:t>
-                </a:r>
-                <a:r>
-                  <a:rPr lang="ko-KR" altLang="en-US" dirty="0"/>
-                  <a:t>국비 교육</a:t>
-                </a:r>
-                <a:r>
-                  <a:rPr lang="en-US" altLang="ko-KR" dirty="0"/>
-                  <a:t>(NCS </a:t>
-                </a:r>
-                <a:r>
-                  <a:rPr lang="ko-KR" altLang="en-US" dirty="0"/>
-                  <a:t>게임 콘텐츠 기획자 양성 과정</a:t>
-                </a:r>
-                <a:r>
-                  <a:rPr lang="en-US" altLang="ko-KR" dirty="0"/>
-                  <a:t>)</a:t>
-                </a:r>
-                <a:r>
-                  <a:rPr lang="ko-KR" altLang="en-US" dirty="0"/>
-                  <a:t>에서는 팀원들과 서로의 기획서를 공유하고 피드백을 주고받으며 실무 감각을 익혔습니다</a:t>
-                </a:r>
-                <a:r>
-                  <a:rPr lang="en-US" altLang="ko-KR" dirty="0"/>
-                  <a:t>. </a:t>
-                </a:r>
-                <a:r>
-                  <a:rPr lang="ko-KR" altLang="en-US" dirty="0"/>
-                  <a:t>특히</a:t>
-                </a:r>
-                <a:r>
-                  <a:rPr lang="en-US" altLang="ko-KR" dirty="0"/>
-                  <a:t>, </a:t>
-                </a:r>
-                <a:r>
-                  <a:rPr lang="ko-KR" altLang="en-US" dirty="0"/>
-                  <a:t>캐릭터의 스킬을 기획하기 위해 모션과 </a:t>
-                </a:r>
-                <a:r>
-                  <a:rPr lang="ko-KR" altLang="en-US" dirty="0" err="1"/>
-                  <a:t>이펙트뿐만</a:t>
-                </a:r>
-                <a:r>
-                  <a:rPr lang="ko-KR" altLang="en-US" dirty="0"/>
-                  <a:t> 아니라 카메라 구도</a:t>
-                </a:r>
-                <a:r>
-                  <a:rPr lang="en-US" altLang="ko-KR" dirty="0"/>
-                  <a:t>, </a:t>
-                </a:r>
-                <a:r>
-                  <a:rPr lang="ko-KR" altLang="en-US" dirty="0"/>
-                  <a:t>선</a:t>
-                </a:r>
-                <a:r>
-                  <a:rPr lang="en-US" altLang="ko-KR" dirty="0"/>
-                  <a:t>/</a:t>
-                </a:r>
-                <a:r>
-                  <a:rPr lang="ko-KR" altLang="en-US" dirty="0"/>
-                  <a:t>후 딜레이</a:t>
-                </a:r>
-                <a:r>
-                  <a:rPr lang="en-US" altLang="ko-KR" dirty="0"/>
-                  <a:t>, </a:t>
-                </a:r>
-                <a:r>
-                  <a:rPr lang="ko-KR" altLang="en-US" dirty="0"/>
-                  <a:t>효과 발동 타이밍 등 여러 요소들을 생각하며 기획서를 작성해 보기도 했습니다</a:t>
-                </a:r>
-                <a:r>
-                  <a:rPr lang="en-US" altLang="ko-KR" dirty="0"/>
-                  <a:t>. </a:t>
-                </a:r>
-                <a:r>
-                  <a:rPr lang="ko-KR" altLang="en-US" dirty="0"/>
-                  <a:t>그 결과 많은 내용을 한 번에 담는 것보다 명확한 기획 의도를 설정하고 적절한 수준으로 구성하는 것이 더 중요한 일이라는 것을 체감했습니다</a:t>
-                </a:r>
-                <a:r>
-                  <a:rPr lang="en-US" altLang="ko-KR" dirty="0"/>
-                  <a:t>.</a:t>
-                </a:r>
-              </a:p>
-              <a:p>
-                <a:r>
-                  <a:rPr lang="ko-KR" altLang="en-US" dirty="0">
-                    <a:latin typeface="Pretendard" panose="02000503000000020004" pitchFamily="2" charset="-127"/>
-                    <a:ea typeface="Pretendard" panose="02000503000000020004" pitchFamily="2" charset="-127"/>
-                    <a:cs typeface="Pretendard" panose="02000503000000020004" pitchFamily="2" charset="-127"/>
-                  </a:rPr>
-                  <a:t>넷째</a:t>
-                </a:r>
-                <a:r>
-                  <a:rPr lang="en-US" altLang="ko-KR" dirty="0">
-                    <a:latin typeface="Pretendard" panose="02000503000000020004" pitchFamily="2" charset="-127"/>
-                    <a:ea typeface="Pretendard" panose="02000503000000020004" pitchFamily="2" charset="-127"/>
-                    <a:cs typeface="Pretendard" panose="02000503000000020004" pitchFamily="2" charset="-127"/>
-                  </a:rPr>
-                  <a:t>, </a:t>
-                </a:r>
-                <a:r>
-                  <a:rPr lang="ko-KR" altLang="en-US" dirty="0">
-                    <a:latin typeface="Pretendard" panose="02000503000000020004" pitchFamily="2" charset="-127"/>
-                    <a:ea typeface="Pretendard" panose="02000503000000020004" pitchFamily="2" charset="-127"/>
-                    <a:cs typeface="Pretendard" panose="02000503000000020004" pitchFamily="2" charset="-127"/>
-                  </a:rPr>
-                  <a:t>실제 협업 경험을 쌓았습니다</a:t>
-                </a:r>
-                <a:r>
-                  <a:rPr lang="en-US" altLang="ko-KR" dirty="0">
-                    <a:latin typeface="Pretendard" panose="02000503000000020004" pitchFamily="2" charset="-127"/>
-                    <a:ea typeface="Pretendard" panose="02000503000000020004" pitchFamily="2" charset="-127"/>
-                    <a:cs typeface="Pretendard" panose="02000503000000020004" pitchFamily="2" charset="-127"/>
-                  </a:rPr>
-                  <a:t>. </a:t>
+                  <a:t> </a:t>
                 </a:r>
                 <a:br>
                   <a:rPr lang="en-US" altLang="ko-KR" dirty="0"/>
@@ -4851,10 +4939,10 @@
           </p:sp>
           <p:sp>
             <p:nvSpPr>
-              <p:cNvPr id="6" name="직사각형 5">
+              <p:cNvPr id="11" name="직사각형 10">
                 <a:extLst>
                   <a:ext uri="{FF2B5EF4-FFF2-40B4-BE49-F238E27FC236}">
-                    <a16:creationId xmlns:a16="http://schemas.microsoft.com/office/drawing/2014/main" id="{22002EA7-F066-1DAC-63E9-C8E862446B42}"/>
+                    <a16:creationId xmlns:a16="http://schemas.microsoft.com/office/drawing/2014/main" id="{13B14CE2-81D0-75FB-C4A2-8529ABEA0B3B}"/>
                   </a:ext>
                 </a:extLst>
               </p:cNvPr>
@@ -4904,10 +4992,10 @@
           </p:sp>
           <p:sp>
             <p:nvSpPr>
-              <p:cNvPr id="7" name="TextBox 6">
+              <p:cNvPr id="12" name="TextBox 11">
                 <a:extLst>
                   <a:ext uri="{FF2B5EF4-FFF2-40B4-BE49-F238E27FC236}">
-                    <a16:creationId xmlns:a16="http://schemas.microsoft.com/office/drawing/2014/main" id="{5FC50B92-20B8-8395-B92A-2E7D487AFC54}"/>
+                    <a16:creationId xmlns:a16="http://schemas.microsoft.com/office/drawing/2014/main" id="{12599F9B-D5E2-CED6-E826-B53C36056CE6}"/>
                   </a:ext>
                 </a:extLst>
               </p:cNvPr>
@@ -4943,10 +5031,10 @@
           </p:sp>
           <p:cxnSp>
             <p:nvCxnSpPr>
-              <p:cNvPr id="8" name="직선 연결선 7">
+              <p:cNvPr id="13" name="직선 연결선 12">
                 <a:extLst>
                   <a:ext uri="{FF2B5EF4-FFF2-40B4-BE49-F238E27FC236}">
-                    <a16:creationId xmlns:a16="http://schemas.microsoft.com/office/drawing/2014/main" id="{E59B6CAC-4AC2-D452-3BE5-B462B65F57C8}"/>
+                    <a16:creationId xmlns:a16="http://schemas.microsoft.com/office/drawing/2014/main" id="{42C2F6C9-1DF3-0BD9-F9F2-7F056A9B9A63}"/>
                   </a:ext>
                 </a:extLst>
               </p:cNvPr>
@@ -4988,10 +5076,10 @@
           </p:cxnSp>
           <p:sp>
             <p:nvSpPr>
-              <p:cNvPr id="9" name="직사각형 8">
+              <p:cNvPr id="14" name="직사각형 13">
                 <a:extLst>
                   <a:ext uri="{FF2B5EF4-FFF2-40B4-BE49-F238E27FC236}">
-                    <a16:creationId xmlns:a16="http://schemas.microsoft.com/office/drawing/2014/main" id="{24D2164D-1F7F-35CC-8E17-2F0D436A37A6}"/>
+                    <a16:creationId xmlns:a16="http://schemas.microsoft.com/office/drawing/2014/main" id="{6CA625F6-BC1A-2F22-821A-136374D9F82C}"/>
                   </a:ext>
                 </a:extLst>
               </p:cNvPr>
@@ -5000,8 +5088,8 @@
             </p:nvSpPr>
             <p:spPr>
               <a:xfrm>
-                <a:off x="192541" y="4124130"/>
-                <a:ext cx="6480000" cy="5711550"/>
+                <a:off x="192541" y="4124129"/>
+                <a:ext cx="6480000" cy="5989185"/>
               </a:xfrm>
               <a:prstGeom prst="rect">
                 <a:avLst/>
@@ -5043,124 +5131,10 @@
           </p:sp>
         </p:grpSp>
       </p:grpSp>
-      <p:sp>
-        <p:nvSpPr>
-          <p:cNvPr id="14" name="TextBox 13">
-            <a:extLst>
-              <a:ext uri="{FF2B5EF4-FFF2-40B4-BE49-F238E27FC236}">
-                <a16:creationId xmlns:a16="http://schemas.microsoft.com/office/drawing/2014/main" id="{88E5D02E-4D07-AA51-F1A4-BD005A03EA8E}"/>
-              </a:ext>
-            </a:extLst>
-          </p:cNvPr>
-          <p:cNvSpPr txBox="1"/>
-          <p:nvPr/>
-        </p:nvSpPr>
-        <p:spPr>
-          <a:xfrm>
-            <a:off x="3032257" y="281010"/>
-            <a:ext cx="793486" cy="215444"/>
-          </a:xfrm>
-          <a:prstGeom prst="rect">
-            <a:avLst/>
-          </a:prstGeom>
-          <a:noFill/>
-        </p:spPr>
-        <p:txBody>
-          <a:bodyPr wrap="none" lIns="0" tIns="0" rIns="0" bIns="0" rtlCol="0" anchor="t">
-            <a:spAutoFit/>
-          </a:bodyPr>
-          <a:lstStyle/>
-          <a:p>
-            <a:pPr algn="ctr"/>
-            <a:r>
-              <a:rPr lang="ko-KR" altLang="en-US" sz="1400" dirty="0">
-                <a:latin typeface="페이퍼로지 7 Bold" pitchFamily="2" charset="-127"/>
-                <a:ea typeface="페이퍼로지 7 Bold" pitchFamily="2" charset="-127"/>
-                <a:cs typeface="Pretendard Medium" panose="02000603000000020004" pitchFamily="2" charset="-127"/>
-              </a:rPr>
-              <a:t>자기소개서</a:t>
-            </a:r>
-          </a:p>
-        </p:txBody>
-      </p:sp>
-      <p:sp>
-        <p:nvSpPr>
-          <p:cNvPr id="18" name="슬라이드 번호 개체 틀 17">
-            <a:extLst>
-              <a:ext uri="{FF2B5EF4-FFF2-40B4-BE49-F238E27FC236}">
-                <a16:creationId xmlns:a16="http://schemas.microsoft.com/office/drawing/2014/main" id="{E24B8071-FCFD-4F09-DF9A-656899B42A99}"/>
-              </a:ext>
-            </a:extLst>
-          </p:cNvPr>
-          <p:cNvSpPr>
-            <a:spLocks noGrp="1"/>
-          </p:cNvSpPr>
-          <p:nvPr>
-            <p:ph type="sldNum" sz="quarter" idx="12"/>
-          </p:nvPr>
-        </p:nvSpPr>
-        <p:spPr/>
-        <p:txBody>
-          <a:bodyPr/>
-          <a:lstStyle/>
-          <a:p>
-            <a:fld id="{94EAF048-6908-47D5-AB8D-FD95CCCB43A1}" type="slidenum">
-              <a:rPr lang="ko-KR" altLang="en-US" smtClean="0"/>
-              <a:pPr/>
-              <a:t>1</a:t>
-            </a:fld>
-            <a:r>
-              <a:rPr lang="en-US" altLang="ko-KR"/>
-              <a:t>/2</a:t>
-            </a:r>
-            <a:endParaRPr lang="ko-KR" altLang="en-US" dirty="0"/>
-          </a:p>
-        </p:txBody>
-      </p:sp>
-      <p:sp>
-        <p:nvSpPr>
-          <p:cNvPr id="21" name="TextBox 20">
-            <a:extLst>
-              <a:ext uri="{FF2B5EF4-FFF2-40B4-BE49-F238E27FC236}">
-                <a16:creationId xmlns:a16="http://schemas.microsoft.com/office/drawing/2014/main" id="{FE97C6E9-6361-C40E-92B7-6053E5B1657D}"/>
-              </a:ext>
-            </a:extLst>
-          </p:cNvPr>
-          <p:cNvSpPr txBox="1"/>
-          <p:nvPr/>
-        </p:nvSpPr>
-        <p:spPr>
-          <a:xfrm>
-            <a:off x="6332705" y="342566"/>
-            <a:ext cx="336631" cy="153888"/>
-          </a:xfrm>
-          <a:prstGeom prst="rect">
-            <a:avLst/>
-          </a:prstGeom>
-          <a:noFill/>
-        </p:spPr>
-        <p:txBody>
-          <a:bodyPr wrap="none" lIns="0" tIns="0" rIns="0" bIns="0" rtlCol="0" anchor="t">
-            <a:spAutoFit/>
-          </a:bodyPr>
-          <a:lstStyle/>
-          <a:p>
-            <a:pPr algn="ctr"/>
-            <a:r>
-              <a:rPr lang="ko-KR" altLang="en-US" sz="1000" dirty="0">
-                <a:latin typeface="페이퍼로지 4 Regular" pitchFamily="2" charset="-127"/>
-                <a:ea typeface="페이퍼로지 4 Regular" pitchFamily="2" charset="-127"/>
-                <a:cs typeface="Pretendard Medium" panose="02000603000000020004" pitchFamily="2" charset="-127"/>
-              </a:rPr>
-              <a:t>홍진선</a:t>
-            </a:r>
-          </a:p>
-        </p:txBody>
-      </p:sp>
     </p:spTree>
     <p:extLst>
       <p:ext uri="{BB962C8B-B14F-4D97-AF65-F5344CB8AC3E}">
-        <p14:creationId xmlns:p14="http://schemas.microsoft.com/office/powerpoint/2010/main" val="3012358286"/>
+        <p14:creationId xmlns:p14="http://schemas.microsoft.com/office/powerpoint/2010/main" val="1813961175"/>
       </p:ext>
     </p:extLst>
   </p:cSld>
@@ -5178,7 +5152,7 @@
         <p:cNvPr id="1" name="">
           <a:extLst>
             <a:ext uri="{FF2B5EF4-FFF2-40B4-BE49-F238E27FC236}">
-              <a16:creationId xmlns:a16="http://schemas.microsoft.com/office/drawing/2014/main" id="{D3B40D52-5B0D-5BD1-A54C-8314B8C3CF0B}"/>
+              <a16:creationId xmlns:a16="http://schemas.microsoft.com/office/drawing/2014/main" id="{00CBD60F-9814-E27B-919A-79641CD455E9}"/>
             </a:ext>
           </a:extLst>
         </p:cNvPr>
@@ -5198,7 +5172,7 @@
           <p:cNvPr id="17" name="그룹 16">
             <a:extLst>
               <a:ext uri="{FF2B5EF4-FFF2-40B4-BE49-F238E27FC236}">
-                <a16:creationId xmlns:a16="http://schemas.microsoft.com/office/drawing/2014/main" id="{D6111F70-18EF-2A94-6087-C54C2CC63DBD}"/>
+                <a16:creationId xmlns:a16="http://schemas.microsoft.com/office/drawing/2014/main" id="{1899985B-9609-CDE3-0055-FD4C875C3724}"/>
               </a:ext>
             </a:extLst>
           </p:cNvPr>
@@ -5207,10 +5181,10 @@
         </p:nvGrpSpPr>
         <p:grpSpPr>
           <a:xfrm>
-            <a:off x="188665" y="679340"/>
-            <a:ext cx="6480671" cy="3323715"/>
+            <a:off x="188665" y="141181"/>
+            <a:ext cx="6480671" cy="4568288"/>
             <a:chOff x="185458" y="344489"/>
-            <a:chExt cx="6480671" cy="3323715"/>
+            <a:chExt cx="6480671" cy="4568288"/>
           </a:xfrm>
         </p:grpSpPr>
         <p:sp>
@@ -5218,7 +5192,7 @@
             <p:cNvPr id="2" name="TextBox 1">
               <a:extLst>
                 <a:ext uri="{FF2B5EF4-FFF2-40B4-BE49-F238E27FC236}">
-                  <a16:creationId xmlns:a16="http://schemas.microsoft.com/office/drawing/2014/main" id="{3BCE9782-8D56-C75B-4F13-512920C4245A}"/>
+                  <a16:creationId xmlns:a16="http://schemas.microsoft.com/office/drawing/2014/main" id="{266766D4-0EAD-6028-5A7A-774DD12A4B90}"/>
                 </a:ext>
               </a:extLst>
             </p:cNvPr>
@@ -5228,7 +5202,7 @@
           <p:spPr>
             <a:xfrm>
               <a:off x="290620" y="742870"/>
-              <a:ext cx="6269676" cy="2925334"/>
+              <a:ext cx="6269676" cy="4169906"/>
             </a:xfrm>
             <a:prstGeom prst="rect">
               <a:avLst/>
@@ -5266,6 +5240,14 @@
               </a:lvl1pPr>
             </a:lstStyle>
             <a:p>
+              <a:pPr>
+                <a:lnSpc>
+                  <a:spcPct val="140000"/>
+                </a:lnSpc>
+                <a:spcAft>
+                  <a:spcPts val="1000"/>
+                </a:spcAft>
+              </a:pPr>
               <a:r>
                 <a:rPr lang="ko-KR" altLang="en-US" dirty="0"/>
                 <a:t>저는 다음과 같은 두 가지 장점이 있습니다</a:t>
@@ -5276,25 +5258,165 @@
               </a:r>
             </a:p>
             <a:p>
+              <a:pPr>
+                <a:lnSpc>
+                  <a:spcPct val="140000"/>
+                </a:lnSpc>
+                <a:spcAft>
+                  <a:spcPts val="1000"/>
+                </a:spcAft>
+              </a:pPr>
               <a:r>
                 <a:rPr lang="ko-KR" altLang="en-US" dirty="0">
-                  <a:latin typeface="Pretendard" panose="02000503000000020004" pitchFamily="2" charset="-127"/>
-                  <a:ea typeface="Pretendard" panose="02000503000000020004" pitchFamily="2" charset="-127"/>
-                  <a:cs typeface="Pretendard" panose="02000503000000020004" pitchFamily="2" charset="-127"/>
+                  <a:latin typeface="Pretendard Medium" panose="02000603000000020004" pitchFamily="2" charset="-127"/>
+                  <a:ea typeface="Pretendard Medium" panose="02000603000000020004" pitchFamily="2" charset="-127"/>
+                  <a:cs typeface="Pretendard Medium" panose="02000603000000020004" pitchFamily="2" charset="-127"/>
                 </a:rPr>
-                <a:t>첫째는 타인과의 협업 과정에서 의사소통에 힘쓴다는 점입니다</a:t>
-              </a:r>
-              <a:r>
+                <a:t>첫째</a:t>
+              </a:r>
+              <a:r>
+                <a:rPr lang="en-US" altLang="ko-KR" dirty="0">
+                  <a:latin typeface="Pretendard Medium" panose="02000603000000020004" pitchFamily="2" charset="-127"/>
+                  <a:ea typeface="Pretendard Medium" panose="02000603000000020004" pitchFamily="2" charset="-127"/>
+                  <a:cs typeface="Pretendard Medium" panose="02000603000000020004" pitchFamily="2" charset="-127"/>
+                </a:rPr>
+                <a:t>, </a:t>
+              </a:r>
+              <a:r>
+                <a:rPr lang="ko-KR" altLang="en-US" dirty="0">
+                  <a:latin typeface="Pretendard Medium" panose="02000603000000020004" pitchFamily="2" charset="-127"/>
+                  <a:ea typeface="Pretendard Medium" panose="02000603000000020004" pitchFamily="2" charset="-127"/>
+                  <a:cs typeface="Pretendard Medium" panose="02000603000000020004" pitchFamily="2" charset="-127"/>
+                </a:rPr>
+                <a:t>논리적인 사고로 상황을 분석한 후 결론을 도출합니다</a:t>
+              </a:r>
+              <a:r>
+                <a:rPr lang="en-US" altLang="ko-KR" dirty="0">
+                  <a:latin typeface="Pretendard Medium" panose="02000603000000020004" pitchFamily="2" charset="-127"/>
+                  <a:ea typeface="Pretendard Medium" panose="02000603000000020004" pitchFamily="2" charset="-127"/>
+                  <a:cs typeface="Pretendard Medium" panose="02000603000000020004" pitchFamily="2" charset="-127"/>
+                </a:rPr>
+                <a:t>. </a:t>
+              </a:r>
+              <a:br>
+                <a:rPr lang="en-US" altLang="ko-KR" dirty="0"/>
+              </a:br>
+              <a:r>
+                <a:rPr lang="ko-KR" altLang="en-US" dirty="0"/>
+                <a:t>저는 불확실한 상황에서 논리적인 사고의 흐름으로 결론을 낼 수 있을 때 안정감을 느끼고 자신감을 얻게 됩니다</a:t>
+              </a:r>
+              <a:r>
+                <a:rPr lang="en-US" altLang="ko-KR" dirty="0"/>
+                <a:t>. </a:t>
+              </a:r>
+              <a:r>
+                <a:rPr lang="ko-KR" altLang="en-US" dirty="0"/>
+                <a:t>기획 업무에서도 이런 성격을 활용합니다</a:t>
+              </a:r>
+              <a:r>
+                <a:rPr lang="en-US" altLang="ko-KR" dirty="0"/>
+                <a:t>. </a:t>
+              </a:r>
+              <a:r>
+                <a:rPr lang="ko-KR" altLang="en-US" dirty="0"/>
+                <a:t>예를 들어</a:t>
+              </a:r>
+              <a:r>
+                <a:rPr lang="en-US" altLang="ko-KR" dirty="0"/>
+                <a:t>, </a:t>
+              </a:r>
+              <a:r>
+                <a:rPr lang="ko-KR" altLang="en-US" dirty="0"/>
+                <a:t>신규 캐릭터를 기획할 때 기존 캐릭터들의 컨셉을 분석해서 세계관에 어울리는 컨셉을 설정하고 이를 바탕으로 전투를 기획하기도 합니다</a:t>
+              </a:r>
+              <a:r>
+                <a:rPr lang="en-US" altLang="ko-KR" dirty="0"/>
+                <a:t>. </a:t>
+              </a:r>
+              <a:r>
+                <a:rPr lang="ko-KR" altLang="en-US" dirty="0"/>
+                <a:t>때로는 캐릭터가 사용하는 무기를 분석해서 활용할 수 있는 구조가 있다면 적극적으로 반영하기도 합니다</a:t>
+              </a:r>
+              <a:r>
+                <a:rPr lang="en-US" altLang="ko-KR" dirty="0"/>
+                <a:t>. </a:t>
+              </a:r>
+            </a:p>
+            <a:p>
+              <a:pPr>
+                <a:lnSpc>
+                  <a:spcPct val="140000"/>
+                </a:lnSpc>
+                <a:spcAft>
+                  <a:spcPts val="1000"/>
+                </a:spcAft>
+              </a:pPr>
+              <a:r>
+                <a:rPr lang="ko-KR" altLang="en-US" dirty="0">
+                  <a:latin typeface="Pretendard Medium" panose="02000603000000020004" pitchFamily="2" charset="-127"/>
+                  <a:ea typeface="Pretendard Medium" panose="02000603000000020004" pitchFamily="2" charset="-127"/>
+                  <a:cs typeface="Pretendard Medium" panose="02000603000000020004" pitchFamily="2" charset="-127"/>
+                </a:rPr>
+                <a:t>둘째</a:t>
+              </a:r>
+              <a:r>
+                <a:rPr lang="en-US" altLang="ko-KR" dirty="0">
+                  <a:latin typeface="Pretendard Medium" panose="02000603000000020004" pitchFamily="2" charset="-127"/>
+                  <a:ea typeface="Pretendard Medium" panose="02000603000000020004" pitchFamily="2" charset="-127"/>
+                  <a:cs typeface="Pretendard Medium" panose="02000603000000020004" pitchFamily="2" charset="-127"/>
+                </a:rPr>
+                <a:t>, </a:t>
+              </a:r>
+              <a:r>
+                <a:rPr lang="ko-KR" altLang="en-US" dirty="0">
+                  <a:latin typeface="Pretendard Medium" panose="02000603000000020004" pitchFamily="2" charset="-127"/>
+                  <a:ea typeface="Pretendard Medium" panose="02000603000000020004" pitchFamily="2" charset="-127"/>
+                  <a:cs typeface="Pretendard Medium" panose="02000603000000020004" pitchFamily="2" charset="-127"/>
+                </a:rPr>
+                <a:t>제가 생각한 이상적인 결과를 위해 끝까지 파고듭니다</a:t>
+              </a:r>
+              <a:r>
+                <a:rPr lang="en-US" altLang="ko-KR" dirty="0">
+                  <a:latin typeface="Pretendard Medium" panose="02000603000000020004" pitchFamily="2" charset="-127"/>
+                  <a:ea typeface="Pretendard Medium" panose="02000603000000020004" pitchFamily="2" charset="-127"/>
+                  <a:cs typeface="Pretendard Medium" panose="02000603000000020004" pitchFamily="2" charset="-127"/>
+                </a:rPr>
+                <a:t>. </a:t>
+              </a:r>
+              <a:br>
                 <a:rPr lang="en-US" altLang="ko-KR" dirty="0">
                   <a:latin typeface="Pretendard" panose="02000503000000020004" pitchFamily="2" charset="-127"/>
                   <a:ea typeface="Pretendard" panose="02000503000000020004" pitchFamily="2" charset="-127"/>
                   <a:cs typeface="Pretendard" panose="02000503000000020004" pitchFamily="2" charset="-127"/>
                 </a:rPr>
-                <a:t>. </a:t>
-              </a:r>
+              </a:br>
               <a:r>
                 <a:rPr lang="ko-KR" altLang="en-US" dirty="0"/>
-                <a:t>그 과정에서 제가 제시하는 의견의 신뢰도를 높이기 위해 맡은 역할에도 책임을 다하고 규칙을 지키려고 노력합니다</a:t>
+                <a:t>저는 어떤 일을 할 때 </a:t>
+              </a:r>
+              <a:r>
+                <a:rPr lang="en-US" altLang="ko-KR" dirty="0"/>
+                <a:t>‘</a:t>
+              </a:r>
+              <a:r>
+                <a:rPr lang="ko-KR" altLang="en-US" dirty="0"/>
+                <a:t>이것보다 더 나은 방법은 없나</a:t>
+              </a:r>
+              <a:r>
+                <a:rPr lang="en-US" altLang="ko-KR" dirty="0"/>
+                <a:t>?’ / ‘</a:t>
+              </a:r>
+              <a:r>
+                <a:rPr lang="ko-KR" altLang="en-US" dirty="0"/>
+                <a:t>이건 왜 이렇게 되지</a:t>
+              </a:r>
+              <a:r>
+                <a:rPr lang="en-US" altLang="ko-KR" dirty="0"/>
+                <a:t>?’</a:t>
+              </a:r>
+              <a:r>
+                <a:rPr lang="ko-KR" altLang="en-US" dirty="0"/>
+                <a:t>라는 의문을 스스로에게 던지고 이에 대한 답을 찾기 위해 끝까지 파고 드는 성향이 있습니다</a:t>
               </a:r>
               <a:r>
                 <a:rPr lang="en-US" altLang="ko-KR" dirty="0"/>
@@ -5302,39 +5424,15 @@
               </a:r>
               <a:r>
                 <a:rPr lang="ko-KR" altLang="en-US" dirty="0"/>
-                <a:t>이러한 성향으로 인해 워크넷의 직업 선호도 검사</a:t>
+                <a:t>대학교에 다닐 때</a:t>
               </a:r>
               <a:r>
                 <a:rPr lang="en-US" altLang="ko-KR" dirty="0"/>
-                <a:t>(L</a:t>
+                <a:t>, </a:t>
               </a:r>
               <a:r>
                 <a:rPr lang="ko-KR" altLang="en-US" dirty="0"/>
-                <a:t>형</a:t>
-              </a:r>
-              <a:r>
-                <a:rPr lang="en-US" altLang="ko-KR" dirty="0"/>
-                <a:t>)</a:t>
-              </a:r>
-              <a:r>
-                <a:rPr lang="ko-KR" altLang="en-US" dirty="0"/>
-                <a:t>에서 사회형</a:t>
-              </a:r>
-              <a:r>
-                <a:rPr lang="en-US" altLang="ko-KR" dirty="0"/>
-                <a:t>(S), </a:t>
-              </a:r>
-              <a:r>
-                <a:rPr lang="ko-KR" altLang="en-US" dirty="0"/>
-                <a:t>관습형</a:t>
-              </a:r>
-              <a:r>
-                <a:rPr lang="en-US" altLang="ko-KR" dirty="0"/>
-                <a:t>(C)</a:t>
-              </a:r>
-              <a:r>
-                <a:rPr lang="ko-KR" altLang="en-US" dirty="0"/>
-                <a:t>에 해당하는 결과를 받기도 했습니다</a:t>
+                <a:t>프로그래밍 과제를 하면서 오류가 발생한 코드를 우연히 해결한 적이 있습니다</a:t>
               </a:r>
               <a:r>
                 <a:rPr lang="en-US" altLang="ko-KR" dirty="0"/>
@@ -5342,49 +5440,88 @@
               </a:r>
               <a:r>
                 <a:rPr lang="ko-KR" altLang="en-US" dirty="0"/>
-                <a:t>이는 제가 </a:t>
-              </a:r>
-              <a:r>
-                <a:rPr lang="ko-KR" altLang="en-US" dirty="0" err="1"/>
-                <a:t>팀원들과의</a:t>
+                <a:t>이때 왜 오류가 사라졌는지 완벽하게 이해하고 싶어서 밤새도록 교재를 찾거나 인터넷 검색을 하며 많은 시간을 쓴 적이 있습니다</a:t>
+              </a:r>
+              <a:r>
+                <a:rPr lang="en-US" altLang="ko-KR" dirty="0"/>
+                <a:t>. </a:t>
               </a:r>
               <a:r>
                 <a:rPr lang="ko-KR" altLang="en-US" dirty="0"/>
-                <a:t> 원활한 협업을 위해 노력하는 </a:t>
-              </a:r>
-              <a:r>
-                <a:rPr lang="ko-KR" altLang="en-US" dirty="0" err="1"/>
-                <a:t>기획자로서의</a:t>
+                <a:t>게임을 할 때에도 난이도가 높은 몬스터에게 끝까지 도전합니다</a:t>
+              </a:r>
+              <a:r>
+                <a:rPr lang="en-US" altLang="ko-KR" dirty="0"/>
+                <a:t>. </a:t>
               </a:r>
               <a:r>
                 <a:rPr lang="ko-KR" altLang="en-US" dirty="0"/>
-                <a:t> 강점을 뒷받침하는 결과라고 생각합니다</a:t>
+                <a:t>그 과정에서 점차 숙련도가 증가하며</a:t>
               </a:r>
               <a:r>
                 <a:rPr lang="en-US" altLang="ko-KR" dirty="0"/>
-                <a:t>.</a:t>
+                <a:t>, </a:t>
+              </a:r>
+              <a:r>
+                <a:rPr lang="ko-KR" altLang="en-US" dirty="0"/>
+                <a:t>원하는 방향으로 전투를 이끌어 나갈 때 더 큰 성취감과 짜릿함을 얻게 됩니다</a:t>
+              </a:r>
+              <a:r>
+                <a:rPr lang="en-US" altLang="ko-KR" dirty="0"/>
+                <a:t>. </a:t>
               </a:r>
             </a:p>
             <a:p>
+              <a:pPr>
+                <a:lnSpc>
+                  <a:spcPct val="140000"/>
+                </a:lnSpc>
+                <a:spcAft>
+                  <a:spcPts val="1000"/>
+                </a:spcAft>
+              </a:pPr>
               <a:r>
                 <a:rPr lang="ko-KR" altLang="en-US" dirty="0">
-                  <a:latin typeface="Pretendard" panose="02000503000000020004" pitchFamily="2" charset="-127"/>
-                  <a:ea typeface="Pretendard" panose="02000503000000020004" pitchFamily="2" charset="-127"/>
-                  <a:cs typeface="Pretendard" panose="02000503000000020004" pitchFamily="2" charset="-127"/>
+                  <a:latin typeface="Pretendard Medium" panose="02000603000000020004" pitchFamily="2" charset="-127"/>
+                  <a:ea typeface="Pretendard Medium" panose="02000603000000020004" pitchFamily="2" charset="-127"/>
+                  <a:cs typeface="Pretendard Medium" panose="02000603000000020004" pitchFamily="2" charset="-127"/>
                 </a:rPr>
-                <a:t>둘째는 대충 하지 않고 완벽하게 하려고 노력합니다</a:t>
-              </a:r>
-              <a:r>
+                <a:t>반면</a:t>
+              </a:r>
+              <a:r>
+                <a:rPr lang="en-US" altLang="ko-KR" dirty="0">
+                  <a:latin typeface="Pretendard Medium" panose="02000603000000020004" pitchFamily="2" charset="-127"/>
+                  <a:ea typeface="Pretendard Medium" panose="02000603000000020004" pitchFamily="2" charset="-127"/>
+                  <a:cs typeface="Pretendard Medium" panose="02000603000000020004" pitchFamily="2" charset="-127"/>
+                </a:rPr>
+                <a:t>, </a:t>
+              </a:r>
+              <a:r>
+                <a:rPr lang="ko-KR" altLang="en-US" dirty="0">
+                  <a:latin typeface="Pretendard Medium" panose="02000603000000020004" pitchFamily="2" charset="-127"/>
+                  <a:ea typeface="Pretendard Medium" panose="02000603000000020004" pitchFamily="2" charset="-127"/>
+                  <a:cs typeface="Pretendard Medium" panose="02000603000000020004" pitchFamily="2" charset="-127"/>
+                </a:rPr>
+                <a:t>의견 충돌을 피하는 것이 협업에 도움이 된다고 생각해 제 의견을 드러내지 않기도 했습니다</a:t>
+              </a:r>
+              <a:r>
+                <a:rPr lang="en-US" altLang="ko-KR" dirty="0">
+                  <a:latin typeface="Pretendard Medium" panose="02000603000000020004" pitchFamily="2" charset="-127"/>
+                  <a:ea typeface="Pretendard Medium" panose="02000603000000020004" pitchFamily="2" charset="-127"/>
+                  <a:cs typeface="Pretendard Medium" panose="02000603000000020004" pitchFamily="2" charset="-127"/>
+                </a:rPr>
+                <a:t>. </a:t>
+              </a:r>
+              <a:br>
                 <a:rPr lang="en-US" altLang="ko-KR" dirty="0">
                   <a:latin typeface="Pretendard" panose="02000503000000020004" pitchFamily="2" charset="-127"/>
                   <a:ea typeface="Pretendard" panose="02000503000000020004" pitchFamily="2" charset="-127"/>
                   <a:cs typeface="Pretendard" panose="02000503000000020004" pitchFamily="2" charset="-127"/>
                 </a:rPr>
-                <a:t>. </a:t>
-              </a:r>
+              </a:br>
               <a:r>
                 <a:rPr lang="ko-KR" altLang="en-US" dirty="0"/>
-                <a:t>대학교를 다닐 때</a:t>
+                <a:t>하지만 팀 프로젝트를 몇 번 더 경험하면서 오히려 의견이 충돌하고</a:t>
               </a:r>
               <a:r>
                 <a:rPr lang="en-US" altLang="ko-KR" dirty="0"/>
@@ -5392,7 +5529,11 @@
               </a:r>
               <a:r>
                 <a:rPr lang="ko-KR" altLang="en-US" dirty="0"/>
-                <a:t>프로그래밍 과제를 하면서 오류가 발생한 코드를 우연히 해결한 적이 있습니다</a:t>
+                <a:t>서로를 설득하며 많은 대화를 나눌 때 프로젝트가 원활하게 진행된다는 것을 </a:t>
+              </a:r>
+              <a:r>
+                <a:rPr lang="ko-KR" altLang="en-US" dirty="0" err="1"/>
+                <a:t>깨달았습니다</a:t>
               </a:r>
               <a:r>
                 <a:rPr lang="en-US" altLang="ko-KR" dirty="0"/>
@@ -5400,7 +5541,15 @@
               </a:r>
               <a:r>
                 <a:rPr lang="ko-KR" altLang="en-US" dirty="0"/>
-                <a:t>이때 왜 오류가 사라졌는지 완벽하게 이해하기 위해 교재를 찾고 인터넷 검색을 하며 많은 시간을 쓴 적이 있습니다</a:t>
+                <a:t>이후로는 팀원의 의견을 수용하면서도</a:t>
+              </a:r>
+              <a:r>
+                <a:rPr lang="en-US" altLang="ko-KR" dirty="0"/>
+                <a:t>,</a:t>
+              </a:r>
+              <a:r>
+                <a:rPr lang="ko-KR" altLang="en-US" dirty="0"/>
+                <a:t> 논리적인 근거를 바탕으로 저의 의견을 제시하며 팀원들과 최대한 많은 이야기를 해보려고 노력하게 되었습니다</a:t>
               </a:r>
               <a:r>
                 <a:rPr lang="en-US" altLang="ko-KR" dirty="0"/>
@@ -5408,101 +5557,35 @@
               </a:r>
               <a:r>
                 <a:rPr lang="ko-KR" altLang="en-US" dirty="0"/>
-                <a:t>게임을 할 때에도 어려운 패턴의 보스에 끝까지 도전하여 결국 클리어하기 위해 계속 도전합니다</a:t>
+                <a:t>그</a:t>
               </a:r>
               <a:r>
                 <a:rPr lang="en-US" altLang="ko-KR" dirty="0"/>
-                <a:t>. </a:t>
+                <a:t> </a:t>
               </a:r>
               <a:r>
                 <a:rPr lang="ko-KR" altLang="en-US" dirty="0"/>
-                <a:t>이런 과정이 힘들기는 하지만</a:t>
+                <a:t>과정에서 더 큰 성취감과 소속감을 느끼게 되었고</a:t>
               </a:r>
               <a:r>
                 <a:rPr lang="en-US" altLang="ko-KR" dirty="0"/>
-                <a:t>, </a:t>
+                <a:t>, ‘</a:t>
               </a:r>
               <a:r>
                 <a:rPr lang="ko-KR" altLang="en-US" dirty="0"/>
-                <a:t>이렇게 끝까지 파고들어 해냈을 때 더 큰 성취감과 짜릿함을 얻게 됩니다</a:t>
+                <a:t>의견을 뒷받침하기 위한 능력을 키우자</a:t>
               </a:r>
               <a:r>
                 <a:rPr lang="en-US" altLang="ko-KR" dirty="0"/>
-                <a:t>. </a:t>
-              </a:r>
-            </a:p>
-            <a:p>
-              <a:r>
-                <a:rPr lang="ko-KR" altLang="en-US" dirty="0">
-                  <a:latin typeface="Pretendard" panose="02000503000000020004" pitchFamily="2" charset="-127"/>
-                  <a:ea typeface="Pretendard" panose="02000503000000020004" pitchFamily="2" charset="-127"/>
-                  <a:cs typeface="Pretendard" panose="02000503000000020004" pitchFamily="2" charset="-127"/>
-                </a:rPr>
-                <a:t>반면에</a:t>
-              </a:r>
-              <a:r>
-                <a:rPr lang="en-US" altLang="ko-KR" dirty="0">
-                  <a:latin typeface="Pretendard" panose="02000503000000020004" pitchFamily="2" charset="-127"/>
-                  <a:ea typeface="Pretendard" panose="02000503000000020004" pitchFamily="2" charset="-127"/>
-                  <a:cs typeface="Pretendard" panose="02000503000000020004" pitchFamily="2" charset="-127"/>
-                </a:rPr>
-                <a:t>, </a:t>
-              </a:r>
-              <a:r>
-                <a:rPr lang="ko-KR" altLang="en-US" dirty="0">
-                  <a:latin typeface="Pretendard" panose="02000503000000020004" pitchFamily="2" charset="-127"/>
-                  <a:ea typeface="Pretendard" panose="02000503000000020004" pitchFamily="2" charset="-127"/>
-                  <a:cs typeface="Pretendard" panose="02000503000000020004" pitchFamily="2" charset="-127"/>
-                </a:rPr>
-                <a:t>업무를 </a:t>
-              </a:r>
-              <a:r>
-                <a:rPr lang="ko-KR" altLang="en-US" dirty="0" err="1">
-                  <a:latin typeface="Pretendard" panose="02000503000000020004" pitchFamily="2" charset="-127"/>
-                  <a:ea typeface="Pretendard" panose="02000503000000020004" pitchFamily="2" charset="-127"/>
-                  <a:cs typeface="Pretendard" panose="02000503000000020004" pitchFamily="2" charset="-127"/>
-                </a:rPr>
-                <a:t>완벽해내려고</a:t>
-              </a:r>
-              <a:r>
-                <a:rPr lang="ko-KR" altLang="en-US" dirty="0">
-                  <a:latin typeface="Pretendard" panose="02000503000000020004" pitchFamily="2" charset="-127"/>
-                  <a:ea typeface="Pretendard" panose="02000503000000020004" pitchFamily="2" charset="-127"/>
-                  <a:cs typeface="Pretendard" panose="02000503000000020004" pitchFamily="2" charset="-127"/>
-                </a:rPr>
-                <a:t> 하다 보니 많은 시간을 사용한다는 단점을 가지고 있습니다</a:t>
-              </a:r>
-              <a:r>
-                <a:rPr lang="en-US" altLang="ko-KR" dirty="0">
-                  <a:latin typeface="Pretendard" panose="02000503000000020004" pitchFamily="2" charset="-127"/>
-                  <a:ea typeface="Pretendard" panose="02000503000000020004" pitchFamily="2" charset="-127"/>
-                  <a:cs typeface="Pretendard" panose="02000503000000020004" pitchFamily="2" charset="-127"/>
-                </a:rPr>
-                <a:t>. </a:t>
+                <a:t>’</a:t>
               </a:r>
               <a:r>
                 <a:rPr lang="ko-KR" altLang="en-US" dirty="0"/>
-                <a:t>이것을 해결하기 위해 해당 업무에서 제가 할 수 있는 최대치가 무엇인지 먼저 확인하는 습관을 기르고 있습니다</a:t>
+                <a:t>라는 가치관을 갖게 되는 계기가 되었습니다</a:t>
               </a:r>
               <a:r>
                 <a:rPr lang="en-US" altLang="ko-KR" dirty="0"/>
-                <a:t>. </a:t>
-              </a:r>
-              <a:r>
-                <a:rPr lang="ko-KR" altLang="en-US" dirty="0"/>
-                <a:t>또한</a:t>
-              </a:r>
-              <a:r>
-                <a:rPr lang="en-US" altLang="ko-KR" dirty="0"/>
-                <a:t>, </a:t>
-              </a:r>
-              <a:r>
-                <a:rPr lang="ko-KR" altLang="en-US" dirty="0"/>
-                <a:t>업무에 우선순위를 정하고 계획을 세워 우선순위가 높은 업무부터 진행하는 방법을 사용하고 있습니다</a:t>
-              </a:r>
-              <a:r>
-                <a:rPr lang="en-US" altLang="ko-KR" dirty="0"/>
-                <a:t>. </a:t>
+                <a:t>.</a:t>
               </a:r>
             </a:p>
           </p:txBody>
@@ -5512,7 +5595,7 @@
             <p:cNvPr id="3" name="직사각형 2">
               <a:extLst>
                 <a:ext uri="{FF2B5EF4-FFF2-40B4-BE49-F238E27FC236}">
-                  <a16:creationId xmlns:a16="http://schemas.microsoft.com/office/drawing/2014/main" id="{998D0BA4-93AC-A22C-7707-CBBEB7B50CB8}"/>
+                  <a16:creationId xmlns:a16="http://schemas.microsoft.com/office/drawing/2014/main" id="{49141596-6F5D-D696-32A0-60A8D809BDC2}"/>
                 </a:ext>
               </a:extLst>
             </p:cNvPr>
@@ -5565,7 +5648,7 @@
             <p:cNvPr id="4" name="TextBox 3">
               <a:extLst>
                 <a:ext uri="{FF2B5EF4-FFF2-40B4-BE49-F238E27FC236}">
-                  <a16:creationId xmlns:a16="http://schemas.microsoft.com/office/drawing/2014/main" id="{FE896826-E143-530A-4232-939E67D80151}"/>
+                  <a16:creationId xmlns:a16="http://schemas.microsoft.com/office/drawing/2014/main" id="{3F8A52B2-3F91-2067-5599-9D2FDB6F2B37}"/>
                 </a:ext>
               </a:extLst>
             </p:cNvPr>
@@ -5604,7 +5687,7 @@
             <p:cNvPr id="11" name="직선 연결선 10">
               <a:extLst>
                 <a:ext uri="{FF2B5EF4-FFF2-40B4-BE49-F238E27FC236}">
-                  <a16:creationId xmlns:a16="http://schemas.microsoft.com/office/drawing/2014/main" id="{0B382C6D-251F-67AE-B2BA-628E2F2FE5F0}"/>
+                  <a16:creationId xmlns:a16="http://schemas.microsoft.com/office/drawing/2014/main" id="{75870661-7F52-9CA0-E632-2E8298F0E09E}"/>
                 </a:ext>
               </a:extLst>
             </p:cNvPr>
@@ -5649,7 +5732,7 @@
             <p:cNvPr id="12" name="직사각형 11">
               <a:extLst>
                 <a:ext uri="{FF2B5EF4-FFF2-40B4-BE49-F238E27FC236}">
-                  <a16:creationId xmlns:a16="http://schemas.microsoft.com/office/drawing/2014/main" id="{2FE1D1F5-50BC-BB09-43F8-04A0D3DA129C}"/>
+                  <a16:creationId xmlns:a16="http://schemas.microsoft.com/office/drawing/2014/main" id="{477C30F3-0793-742F-CDBA-595AD2B3873D}"/>
                 </a:ext>
               </a:extLst>
             </p:cNvPr>
@@ -5659,7 +5742,7 @@
           <p:spPr>
             <a:xfrm>
               <a:off x="185458" y="344489"/>
-              <a:ext cx="6480000" cy="3323714"/>
+              <a:ext cx="6480000" cy="4568288"/>
             </a:xfrm>
             <a:prstGeom prst="rect">
               <a:avLst/>
@@ -5705,7 +5788,7 @@
           <p:cNvPr id="16" name="그룹 15">
             <a:extLst>
               <a:ext uri="{FF2B5EF4-FFF2-40B4-BE49-F238E27FC236}">
-                <a16:creationId xmlns:a16="http://schemas.microsoft.com/office/drawing/2014/main" id="{3A92E0DD-8F80-A75E-33A1-C3054D810731}"/>
+                <a16:creationId xmlns:a16="http://schemas.microsoft.com/office/drawing/2014/main" id="{A2575552-8AF1-38F1-B34B-D612905F4992}"/>
               </a:ext>
             </a:extLst>
           </p:cNvPr>
@@ -5714,10 +5797,10 @@
         </p:nvGrpSpPr>
         <p:grpSpPr>
           <a:xfrm>
-            <a:off x="185458" y="4235709"/>
-            <a:ext cx="6480671" cy="3013375"/>
+            <a:off x="185458" y="4852589"/>
+            <a:ext cx="6480671" cy="3578272"/>
             <a:chOff x="185458" y="5226205"/>
-            <a:chExt cx="6480671" cy="3013375"/>
+            <a:chExt cx="6480671" cy="3578272"/>
           </a:xfrm>
         </p:grpSpPr>
         <p:sp>
@@ -5725,7 +5808,7 @@
             <p:cNvPr id="13" name="TextBox 12">
               <a:extLst>
                 <a:ext uri="{FF2B5EF4-FFF2-40B4-BE49-F238E27FC236}">
-                  <a16:creationId xmlns:a16="http://schemas.microsoft.com/office/drawing/2014/main" id="{AA1AFDAF-4071-E51D-9792-FB9AA7F84E5A}"/>
+                  <a16:creationId xmlns:a16="http://schemas.microsoft.com/office/drawing/2014/main" id="{978DB277-56AD-2C16-8562-A15B83494E08}"/>
                 </a:ext>
               </a:extLst>
             </p:cNvPr>
@@ -5735,7 +5818,7 @@
           <p:spPr>
             <a:xfrm>
               <a:off x="290620" y="5624586"/>
-              <a:ext cx="6269676" cy="2614993"/>
+              <a:ext cx="6269676" cy="3179891"/>
             </a:xfrm>
             <a:prstGeom prst="rect">
               <a:avLst/>
@@ -5773,6 +5856,14 @@
               </a:lvl1pPr>
             </a:lstStyle>
             <a:p>
+              <a:pPr>
+                <a:lnSpc>
+                  <a:spcPct val="140000"/>
+                </a:lnSpc>
+                <a:spcAft>
+                  <a:spcPts val="1000"/>
+                </a:spcAft>
+              </a:pPr>
               <a:r>
                 <a:rPr lang="ko-KR" altLang="en-US" dirty="0"/>
                 <a:t>제가 꿈꾸는 이상적인 기획자는 유저들이 인정하는 기획자입니다</a:t>
@@ -5815,13 +5906,45 @@
               </a:r>
             </a:p>
             <a:p>
+              <a:pPr>
+                <a:lnSpc>
+                  <a:spcPct val="140000"/>
+                </a:lnSpc>
+                <a:spcAft>
+                  <a:spcPts val="1000"/>
+                </a:spcAft>
+              </a:pPr>
               <a:r>
                 <a:rPr lang="ko-KR" altLang="en-US" dirty="0">
-                  <a:latin typeface="Pretendard" panose="02000503000000020004" pitchFamily="2" charset="-127"/>
-                  <a:ea typeface="Pretendard" panose="02000503000000020004" pitchFamily="2" charset="-127"/>
-                  <a:cs typeface="Pretendard" panose="02000503000000020004" pitchFamily="2" charset="-127"/>
+                  <a:latin typeface="Pretendard Medium" panose="02000603000000020004" pitchFamily="2" charset="-127"/>
+                  <a:ea typeface="Pretendard Medium" panose="02000603000000020004" pitchFamily="2" charset="-127"/>
+                  <a:cs typeface="Pretendard Medium" panose="02000603000000020004" pitchFamily="2" charset="-127"/>
                 </a:rPr>
                 <a:t>첫째</a:t>
+              </a:r>
+              <a:r>
+                <a:rPr lang="en-US" altLang="ko-KR" dirty="0">
+                  <a:latin typeface="Pretendard Medium" panose="02000603000000020004" pitchFamily="2" charset="-127"/>
+                  <a:ea typeface="Pretendard Medium" panose="02000603000000020004" pitchFamily="2" charset="-127"/>
+                  <a:cs typeface="Pretendard Medium" panose="02000603000000020004" pitchFamily="2" charset="-127"/>
+                </a:rPr>
+                <a:t>, </a:t>
+              </a:r>
+              <a:r>
+                <a:rPr lang="ko-KR" altLang="en-US" dirty="0">
+                  <a:latin typeface="Pretendard Medium" panose="02000603000000020004" pitchFamily="2" charset="-127"/>
+                  <a:ea typeface="Pretendard Medium" panose="02000603000000020004" pitchFamily="2" charset="-127"/>
+                  <a:cs typeface="Pretendard Medium" panose="02000603000000020004" pitchFamily="2" charset="-127"/>
+                </a:rPr>
+                <a:t>이유를 설명할 줄 아는 기획자가 되겠습니다</a:t>
+              </a:r>
+              <a:r>
+                <a:rPr lang="en-US" altLang="ko-KR" dirty="0">
+                  <a:latin typeface="Pretendard Medium" panose="02000603000000020004" pitchFamily="2" charset="-127"/>
+                  <a:ea typeface="Pretendard Medium" panose="02000603000000020004" pitchFamily="2" charset="-127"/>
+                  <a:cs typeface="Pretendard Medium" panose="02000603000000020004" pitchFamily="2" charset="-127"/>
+                </a:rPr>
+                <a:t>.</a:t>
               </a:r>
               <a:r>
                 <a:rPr lang="en-US" altLang="ko-KR" dirty="0">
@@ -5829,24 +5952,15 @@
                   <a:ea typeface="Pretendard" panose="02000503000000020004" pitchFamily="2" charset="-127"/>
                   <a:cs typeface="Pretendard" panose="02000503000000020004" pitchFamily="2" charset="-127"/>
                 </a:rPr>
-                <a:t>, </a:t>
-              </a:r>
-              <a:r>
-                <a:rPr lang="ko-KR" altLang="en-US" dirty="0">
-                  <a:latin typeface="Pretendard" panose="02000503000000020004" pitchFamily="2" charset="-127"/>
-                  <a:ea typeface="Pretendard" panose="02000503000000020004" pitchFamily="2" charset="-127"/>
-                  <a:cs typeface="Pretendard" panose="02000503000000020004" pitchFamily="2" charset="-127"/>
-                </a:rPr>
-                <a:t>이유를 설명할 줄 아는 기획자가 되겠습니다</a:t>
-              </a:r>
-              <a:r>
+                <a:t> </a:t>
+              </a:r>
+              <a:br>
                 <a:rPr lang="en-US" altLang="ko-KR" dirty="0">
                   <a:latin typeface="Pretendard" panose="02000503000000020004" pitchFamily="2" charset="-127"/>
                   <a:ea typeface="Pretendard" panose="02000503000000020004" pitchFamily="2" charset="-127"/>
                   <a:cs typeface="Pretendard" panose="02000503000000020004" pitchFamily="2" charset="-127"/>
                 </a:rPr>
-                <a:t>. </a:t>
-              </a:r>
+              </a:br>
               <a:r>
                 <a:rPr lang="ko-KR" altLang="en-US" dirty="0"/>
                 <a:t>기획서를 작성하고 기획에 대해 공부하면서 저의 생각을 명확하게 전달하려면 기획 의도를 설정하는 것이 중요하다는 점을 알게 되었습니다</a:t>
@@ -5897,38 +6011,53 @@
               </a:r>
             </a:p>
             <a:p>
+              <a:pPr>
+                <a:lnSpc>
+                  <a:spcPct val="140000"/>
+                </a:lnSpc>
+                <a:spcAft>
+                  <a:spcPts val="1000"/>
+                </a:spcAft>
+              </a:pPr>
               <a:r>
                 <a:rPr lang="ko-KR" altLang="en-US" dirty="0">
-                  <a:latin typeface="Pretendard" panose="02000503000000020004" pitchFamily="2" charset="-127"/>
-                  <a:ea typeface="Pretendard" panose="02000503000000020004" pitchFamily="2" charset="-127"/>
-                  <a:cs typeface="Pretendard" panose="02000503000000020004" pitchFamily="2" charset="-127"/>
+                  <a:latin typeface="Pretendard Medium" panose="02000603000000020004" pitchFamily="2" charset="-127"/>
+                  <a:ea typeface="Pretendard Medium" panose="02000603000000020004" pitchFamily="2" charset="-127"/>
+                  <a:cs typeface="Pretendard Medium" panose="02000603000000020004" pitchFamily="2" charset="-127"/>
                 </a:rPr>
                 <a:t>둘째</a:t>
               </a:r>
               <a:r>
+                <a:rPr lang="en-US" altLang="ko-KR" dirty="0">
+                  <a:latin typeface="Pretendard Medium" panose="02000603000000020004" pitchFamily="2" charset="-127"/>
+                  <a:ea typeface="Pretendard Medium" panose="02000603000000020004" pitchFamily="2" charset="-127"/>
+                  <a:cs typeface="Pretendard Medium" panose="02000603000000020004" pitchFamily="2" charset="-127"/>
+                </a:rPr>
+                <a:t>, </a:t>
+              </a:r>
+              <a:r>
+                <a:rPr lang="ko-KR" altLang="en-US" dirty="0">
+                  <a:latin typeface="Pretendard Medium" panose="02000603000000020004" pitchFamily="2" charset="-127"/>
+                  <a:ea typeface="Pretendard Medium" panose="02000603000000020004" pitchFamily="2" charset="-127"/>
+                  <a:cs typeface="Pretendard Medium" panose="02000603000000020004" pitchFamily="2" charset="-127"/>
+                </a:rPr>
+                <a:t>가장 먼저 동료들에게 신뢰를 주는 기획자가 되겠습니다</a:t>
+              </a:r>
+              <a:r>
+                <a:rPr lang="en-US" altLang="ko-KR" dirty="0">
+                  <a:latin typeface="Pretendard Medium" panose="02000603000000020004" pitchFamily="2" charset="-127"/>
+                  <a:ea typeface="Pretendard Medium" panose="02000603000000020004" pitchFamily="2" charset="-127"/>
+                  <a:cs typeface="Pretendard Medium" panose="02000603000000020004" pitchFamily="2" charset="-127"/>
+                </a:rPr>
+                <a:t>.</a:t>
+              </a:r>
+              <a:br>
                 <a:rPr lang="en-US" altLang="ko-KR" dirty="0">
                   <a:latin typeface="Pretendard" panose="02000503000000020004" pitchFamily="2" charset="-127"/>
                   <a:ea typeface="Pretendard" panose="02000503000000020004" pitchFamily="2" charset="-127"/>
                   <a:cs typeface="Pretendard" panose="02000503000000020004" pitchFamily="2" charset="-127"/>
                 </a:rPr>
-                <a:t>, </a:t>
-              </a:r>
-              <a:r>
-                <a:rPr lang="ko-KR" altLang="en-US" dirty="0">
-                  <a:latin typeface="Pretendard" panose="02000503000000020004" pitchFamily="2" charset="-127"/>
-                  <a:ea typeface="Pretendard" panose="02000503000000020004" pitchFamily="2" charset="-127"/>
-                  <a:cs typeface="Pretendard" panose="02000503000000020004" pitchFamily="2" charset="-127"/>
-                </a:rPr>
-                <a:t>가장 먼저 동료들에게 신뢰를 주는 기획자가 되겠습니다</a:t>
-              </a:r>
-              <a:r>
-                <a:rPr lang="en-US" altLang="ko-KR" dirty="0">
-                  <a:latin typeface="Pretendard" panose="02000503000000020004" pitchFamily="2" charset="-127"/>
-                  <a:ea typeface="Pretendard" panose="02000503000000020004" pitchFamily="2" charset="-127"/>
-                  <a:cs typeface="Pretendard" panose="02000503000000020004" pitchFamily="2" charset="-127"/>
-                </a:rPr>
-                <a:t>. </a:t>
-              </a:r>
+              </a:br>
               <a:r>
                 <a:rPr lang="ko-KR" altLang="en-US" dirty="0"/>
                 <a:t>신뢰받는 기획자는 게임 개발의 중심에서 개발의 방향을 잡아주어 동료들의 업무 효율을 높일 수 있습니다</a:t>
@@ -5969,7 +6098,7 @@
             <p:cNvPr id="14" name="직사각형 13">
               <a:extLst>
                 <a:ext uri="{FF2B5EF4-FFF2-40B4-BE49-F238E27FC236}">
-                  <a16:creationId xmlns:a16="http://schemas.microsoft.com/office/drawing/2014/main" id="{EBA03491-5BDF-3AD4-23E4-945314FC6DE4}"/>
+                  <a16:creationId xmlns:a16="http://schemas.microsoft.com/office/drawing/2014/main" id="{EB6866A8-3A45-BC9F-5774-0614651C8EB8}"/>
                 </a:ext>
               </a:extLst>
             </p:cNvPr>
@@ -6022,7 +6151,7 @@
             <p:cNvPr id="15" name="TextBox 14">
               <a:extLst>
                 <a:ext uri="{FF2B5EF4-FFF2-40B4-BE49-F238E27FC236}">
-                  <a16:creationId xmlns:a16="http://schemas.microsoft.com/office/drawing/2014/main" id="{50166BBC-CFC9-A68C-C8CB-387D45E4CA80}"/>
+                  <a16:creationId xmlns:a16="http://schemas.microsoft.com/office/drawing/2014/main" id="{DAE2C25C-68AE-DA19-801B-340AE7195C89}"/>
                 </a:ext>
               </a:extLst>
             </p:cNvPr>
@@ -6061,7 +6190,7 @@
             <p:cNvPr id="18" name="직선 연결선 17">
               <a:extLst>
                 <a:ext uri="{FF2B5EF4-FFF2-40B4-BE49-F238E27FC236}">
-                  <a16:creationId xmlns:a16="http://schemas.microsoft.com/office/drawing/2014/main" id="{D9CEB99C-FDA5-029C-3F06-04E4675A9D40}"/>
+                  <a16:creationId xmlns:a16="http://schemas.microsoft.com/office/drawing/2014/main" id="{9FA312AA-3D10-024B-EB66-6459E95EAE11}"/>
                 </a:ext>
               </a:extLst>
             </p:cNvPr>
@@ -6106,7 +6235,7 @@
             <p:cNvPr id="19" name="직사각형 18">
               <a:extLst>
                 <a:ext uri="{FF2B5EF4-FFF2-40B4-BE49-F238E27FC236}">
-                  <a16:creationId xmlns:a16="http://schemas.microsoft.com/office/drawing/2014/main" id="{C4FFACF3-A1FC-EBA2-24EE-694E7510C08C}"/>
+                  <a16:creationId xmlns:a16="http://schemas.microsoft.com/office/drawing/2014/main" id="{4E811AE4-B6D3-899E-F67B-E41AB8DC7CD4}"/>
                 </a:ext>
               </a:extLst>
             </p:cNvPr>
@@ -6115,8 +6244,8 @@
           </p:nvSpPr>
           <p:spPr>
             <a:xfrm>
-              <a:off x="185458" y="5226206"/>
-              <a:ext cx="6480000" cy="3013374"/>
+              <a:off x="185458" y="5226205"/>
+              <a:ext cx="6480000" cy="3578271"/>
             </a:xfrm>
             <a:prstGeom prst="rect">
               <a:avLst/>
@@ -6157,44 +6286,10 @@
           </p:txBody>
         </p:sp>
       </p:grpSp>
-      <p:sp>
-        <p:nvSpPr>
-          <p:cNvPr id="26" name="슬라이드 번호 개체 틀 25">
-            <a:extLst>
-              <a:ext uri="{FF2B5EF4-FFF2-40B4-BE49-F238E27FC236}">
-                <a16:creationId xmlns:a16="http://schemas.microsoft.com/office/drawing/2014/main" id="{9CF9F5BE-41B6-3C48-47DB-DEC17C0A94E8}"/>
-              </a:ext>
-            </a:extLst>
-          </p:cNvPr>
-          <p:cNvSpPr>
-            <a:spLocks noGrp="1"/>
-          </p:cNvSpPr>
-          <p:nvPr>
-            <p:ph type="sldNum" sz="quarter" idx="12"/>
-          </p:nvPr>
-        </p:nvSpPr>
-        <p:spPr/>
-        <p:txBody>
-          <a:bodyPr/>
-          <a:lstStyle/>
-          <a:p>
-            <a:fld id="{94EAF048-6908-47D5-AB8D-FD95CCCB43A1}" type="slidenum">
-              <a:rPr lang="ko-KR" altLang="en-US" smtClean="0"/>
-              <a:pPr/>
-              <a:t>2</a:t>
-            </a:fld>
-            <a:r>
-              <a:rPr lang="en-US" altLang="ko-KR"/>
-              <a:t>/2</a:t>
-            </a:r>
-            <a:endParaRPr lang="ko-KR" altLang="en-US" dirty="0"/>
-          </a:p>
-        </p:txBody>
-      </p:sp>
     </p:spTree>
     <p:extLst>
       <p:ext uri="{BB962C8B-B14F-4D97-AF65-F5344CB8AC3E}">
-        <p14:creationId xmlns:p14="http://schemas.microsoft.com/office/powerpoint/2010/main" val="1679980632"/>
+        <p14:creationId xmlns:p14="http://schemas.microsoft.com/office/powerpoint/2010/main" val="3407233896"/>
       </p:ext>
     </p:extLst>
   </p:cSld>

--- a/제출 문서 모음/자소서/게임기획_홍진선_자기소개서.pptx
+++ b/제출 문서 모음/자소서/게임기획_홍진선_자기소개서.pptx
@@ -5,11 +5,13 @@
     <p:sldMasterId id="2147483660" r:id="rId1"/>
   </p:sldMasterIdLst>
   <p:notesMasterIdLst>
-    <p:notesMasterId r:id="rId4"/>
+    <p:notesMasterId r:id="rId6"/>
   </p:notesMasterIdLst>
   <p:sldIdLst>
     <p:sldId id="376" r:id="rId2"/>
     <p:sldId id="375" r:id="rId3"/>
+    <p:sldId id="377" r:id="rId4"/>
+    <p:sldId id="378" r:id="rId5"/>
   </p:sldIdLst>
   <p:sldSz cx="6858000" cy="9906000" type="A4"/>
   <p:notesSz cx="6858000" cy="9144000"/>
@@ -219,7 +221,7 @@
           <a:p>
             <a:fld id="{48B3DEB8-77A6-476E-AE55-2701C232BFD3}" type="datetimeFigureOut">
               <a:rPr lang="ko-KR" altLang="en-US" smtClean="0"/>
-              <a:t>2025-09-23</a:t>
+              <a:t>2025-10-22</a:t>
             </a:fld>
             <a:endParaRPr lang="ko-KR" altLang="en-US"/>
           </a:p>
@@ -617,7 +619,7 @@
           <a:p>
             <a:fld id="{8B3C456F-26E4-4537-8D17-6AF6B16C4EC3}" type="datetime1">
               <a:rPr lang="ko-KR" altLang="en-US" smtClean="0"/>
-              <a:t>2025-09-23</a:t>
+              <a:t>2025-10-22</a:t>
             </a:fld>
             <a:endParaRPr lang="ko-KR" altLang="en-US"/>
           </a:p>
@@ -803,7 +805,7 @@
           <a:p>
             <a:fld id="{E6D33B4A-0016-47D3-943A-74733C859B59}" type="datetime1">
               <a:rPr lang="ko-KR" altLang="en-US" smtClean="0"/>
-              <a:t>2025-09-23</a:t>
+              <a:t>2025-10-22</a:t>
             </a:fld>
             <a:endParaRPr lang="ko-KR" altLang="en-US"/>
           </a:p>
@@ -983,7 +985,7 @@
           <a:p>
             <a:fld id="{D56110C3-51C5-4712-BB64-03D4EDA68AE3}" type="datetime1">
               <a:rPr lang="ko-KR" altLang="en-US" smtClean="0"/>
-              <a:t>2025-09-23</a:t>
+              <a:t>2025-10-22</a:t>
             </a:fld>
             <a:endParaRPr lang="ko-KR" altLang="en-US"/>
           </a:p>
@@ -1153,7 +1155,7 @@
           <a:p>
             <a:fld id="{5F7F1CC6-63D1-47CA-AD1F-91D7A3AEAC66}" type="datetime1">
               <a:rPr lang="ko-KR" altLang="en-US" smtClean="0"/>
-              <a:t>2025-09-23</a:t>
+              <a:t>2025-10-22</a:t>
             </a:fld>
             <a:endParaRPr lang="ko-KR" altLang="en-US"/>
           </a:p>
@@ -1399,7 +1401,7 @@
           <a:p>
             <a:fld id="{4D9753DC-9741-44AB-950C-EAF55D0BA909}" type="datetime1">
               <a:rPr lang="ko-KR" altLang="en-US" smtClean="0"/>
-              <a:t>2025-09-23</a:t>
+              <a:t>2025-10-22</a:t>
             </a:fld>
             <a:endParaRPr lang="ko-KR" altLang="en-US"/>
           </a:p>
@@ -1631,7 +1633,7 @@
           <a:p>
             <a:fld id="{B0BD88FC-0747-42FA-97B4-C821938264BA}" type="datetime1">
               <a:rPr lang="ko-KR" altLang="en-US" smtClean="0"/>
-              <a:t>2025-09-23</a:t>
+              <a:t>2025-10-22</a:t>
             </a:fld>
             <a:endParaRPr lang="ko-KR" altLang="en-US"/>
           </a:p>
@@ -1998,7 +2000,7 @@
           <a:p>
             <a:fld id="{634205C6-2B4D-4322-89B0-3B8CB899C599}" type="datetime1">
               <a:rPr lang="ko-KR" altLang="en-US" smtClean="0"/>
-              <a:t>2025-09-23</a:t>
+              <a:t>2025-10-22</a:t>
             </a:fld>
             <a:endParaRPr lang="ko-KR" altLang="en-US"/>
           </a:p>
@@ -2116,7 +2118,7 @@
           <a:p>
             <a:fld id="{D3C3240D-A81B-40EA-A8A9-CD43A60759E2}" type="datetime1">
               <a:rPr lang="ko-KR" altLang="en-US" smtClean="0"/>
-              <a:t>2025-09-23</a:t>
+              <a:t>2025-10-22</a:t>
             </a:fld>
             <a:endParaRPr lang="ko-KR" altLang="en-US"/>
           </a:p>
@@ -2211,7 +2213,7 @@
           <a:p>
             <a:fld id="{B638CA96-33E1-4DC7-A964-69BDB846C2EC}" type="datetime1">
               <a:rPr lang="ko-KR" altLang="en-US" smtClean="0"/>
-              <a:t>2025-09-23</a:t>
+              <a:t>2025-10-22</a:t>
             </a:fld>
             <a:endParaRPr lang="ko-KR" altLang="en-US"/>
           </a:p>
@@ -2499,7 +2501,7 @@
           <a:p>
             <a:fld id="{9E27C171-AB78-4CA5-8A49-845326BC0825}" type="datetime1">
               <a:rPr lang="ko-KR" altLang="en-US" smtClean="0"/>
-              <a:t>2025-09-23</a:t>
+              <a:t>2025-10-22</a:t>
             </a:fld>
             <a:endParaRPr lang="ko-KR" altLang="en-US"/>
           </a:p>
@@ -2756,7 +2758,7 @@
           <a:p>
             <a:fld id="{8EED6D7E-4DE0-4E81-ADE2-0F10194E5F68}" type="datetime1">
               <a:rPr lang="ko-KR" altLang="en-US" smtClean="0"/>
-              <a:t>2025-09-23</a:t>
+              <a:t>2025-10-22</a:t>
             </a:fld>
             <a:endParaRPr lang="ko-KR" altLang="en-US"/>
           </a:p>
@@ -2969,7 +2971,7 @@
           <a:p>
             <a:fld id="{72FC9454-618B-4601-B0FC-B31AFE475097}" type="datetime1">
               <a:rPr lang="ko-KR" altLang="en-US" smtClean="0"/>
-              <a:t>2025-09-23</a:t>
+              <a:t>2025-10-22</a:t>
             </a:fld>
             <a:endParaRPr lang="ko-KR" altLang="en-US"/>
           </a:p>
@@ -6290,6 +6292,2089 @@
     <p:extLst>
       <p:ext uri="{BB962C8B-B14F-4D97-AF65-F5344CB8AC3E}">
         <p14:creationId xmlns:p14="http://schemas.microsoft.com/office/powerpoint/2010/main" val="3407233896"/>
+      </p:ext>
+    </p:extLst>
+  </p:cSld>
+  <p:clrMapOvr>
+    <a:masterClrMapping/>
+  </p:clrMapOvr>
+</p:sld>
+</file>
+
+<file path=ppt/slides/slide3.xml><?xml version="1.0" encoding="utf-8"?>
+<p:sld xmlns:a="http://schemas.openxmlformats.org/drawingml/2006/main" xmlns:r="http://schemas.openxmlformats.org/officeDocument/2006/relationships" xmlns:p="http://schemas.openxmlformats.org/presentationml/2006/main">
+  <p:cSld>
+    <p:spTree>
+      <p:nvGrpSpPr>
+        <p:cNvPr id="1" name=""/>
+        <p:cNvGrpSpPr/>
+        <p:nvPr/>
+      </p:nvGrpSpPr>
+      <p:grpSpPr>
+        <a:xfrm>
+          <a:off x="0" y="0"/>
+          <a:ext cx="0" cy="0"/>
+          <a:chOff x="0" y="0"/>
+          <a:chExt cx="0" cy="0"/>
+        </a:xfrm>
+      </p:grpSpPr>
+      <p:sp>
+        <p:nvSpPr>
+          <p:cNvPr id="2" name="슬라이드 번호 개체 틀 1">
+            <a:extLst>
+              <a:ext uri="{FF2B5EF4-FFF2-40B4-BE49-F238E27FC236}">
+                <a16:creationId xmlns:a16="http://schemas.microsoft.com/office/drawing/2014/main" id="{093C4746-4B86-53D0-39B3-596F31B8FBAA}"/>
+              </a:ext>
+            </a:extLst>
+          </p:cNvPr>
+          <p:cNvSpPr>
+            <a:spLocks noGrp="1"/>
+          </p:cNvSpPr>
+          <p:nvPr>
+            <p:ph type="sldNum" sz="quarter" idx="12"/>
+          </p:nvPr>
+        </p:nvSpPr>
+        <p:spPr/>
+        <p:txBody>
+          <a:bodyPr/>
+          <a:lstStyle/>
+          <a:p>
+            <a:fld id="{94EAF048-6908-47D5-AB8D-FD95CCCB43A1}" type="slidenum">
+              <a:rPr lang="ko-KR" altLang="en-US" smtClean="0"/>
+              <a:pPr/>
+              <a:t>3</a:t>
+            </a:fld>
+            <a:r>
+              <a:rPr lang="en-US" altLang="ko-KR"/>
+              <a:t>/2</a:t>
+            </a:r>
+            <a:endParaRPr lang="ko-KR" altLang="en-US" dirty="0"/>
+          </a:p>
+        </p:txBody>
+      </p:sp>
+      <p:sp>
+        <p:nvSpPr>
+          <p:cNvPr id="3" name="TextBox 2">
+            <a:extLst>
+              <a:ext uri="{FF2B5EF4-FFF2-40B4-BE49-F238E27FC236}">
+                <a16:creationId xmlns:a16="http://schemas.microsoft.com/office/drawing/2014/main" id="{778D3269-2E71-72E6-9103-1554DDF1B5BD}"/>
+              </a:ext>
+            </a:extLst>
+          </p:cNvPr>
+          <p:cNvSpPr txBox="1"/>
+          <p:nvPr/>
+        </p:nvSpPr>
+        <p:spPr>
+          <a:xfrm>
+            <a:off x="1327355" y="1946787"/>
+            <a:ext cx="184731" cy="369332"/>
+          </a:xfrm>
+          <a:prstGeom prst="rect">
+            <a:avLst/>
+          </a:prstGeom>
+          <a:noFill/>
+        </p:spPr>
+        <p:txBody>
+          <a:bodyPr wrap="none" rtlCol="0">
+            <a:spAutoFit/>
+          </a:bodyPr>
+          <a:lstStyle/>
+          <a:p>
+            <a:endParaRPr lang="ko-KR" altLang="en-US" dirty="0"/>
+          </a:p>
+        </p:txBody>
+      </p:sp>
+      <p:grpSp>
+        <p:nvGrpSpPr>
+          <p:cNvPr id="5" name="그룹 4">
+            <a:extLst>
+              <a:ext uri="{FF2B5EF4-FFF2-40B4-BE49-F238E27FC236}">
+                <a16:creationId xmlns:a16="http://schemas.microsoft.com/office/drawing/2014/main" id="{8EA35C60-B497-9C70-741E-385E8718C9B2}"/>
+              </a:ext>
+            </a:extLst>
+          </p:cNvPr>
+          <p:cNvGrpSpPr/>
+          <p:nvPr/>
+        </p:nvGrpSpPr>
+        <p:grpSpPr>
+          <a:xfrm>
+            <a:off x="188665" y="141180"/>
+            <a:ext cx="6480671" cy="4696528"/>
+            <a:chOff x="185458" y="344488"/>
+            <a:chExt cx="6480671" cy="4696528"/>
+          </a:xfrm>
+        </p:grpSpPr>
+        <p:sp>
+          <p:nvSpPr>
+            <p:cNvPr id="6" name="TextBox 5">
+              <a:extLst>
+                <a:ext uri="{FF2B5EF4-FFF2-40B4-BE49-F238E27FC236}">
+                  <a16:creationId xmlns:a16="http://schemas.microsoft.com/office/drawing/2014/main" id="{359A47B4-2101-4136-40E1-C37E2BC18435}"/>
+                </a:ext>
+              </a:extLst>
+            </p:cNvPr>
+            <p:cNvSpPr txBox="1"/>
+            <p:nvPr/>
+          </p:nvSpPr>
+          <p:spPr>
+            <a:xfrm>
+              <a:off x="290620" y="742870"/>
+              <a:ext cx="6269676" cy="4298146"/>
+            </a:xfrm>
+            <a:prstGeom prst="rect">
+              <a:avLst/>
+            </a:prstGeom>
+            <a:noFill/>
+          </p:spPr>
+          <p:txBody>
+            <a:bodyPr wrap="square" lIns="0" tIns="72000" rIns="0" bIns="72000" rtlCol="0" anchor="t">
+              <a:spAutoFit/>
+            </a:bodyPr>
+            <a:lstStyle>
+              <a:defPPr>
+                <a:defRPr lang="en-US"/>
+              </a:defPPr>
+              <a:lvl1pPr>
+                <a:lnSpc>
+                  <a:spcPct val="135000"/>
+                </a:lnSpc>
+                <a:spcAft>
+                  <a:spcPts val="800"/>
+                </a:spcAft>
+                <a:defRPr sz="1000">
+                  <a:ln>
+                    <a:solidFill>
+                      <a:schemeClr val="bg1">
+                        <a:lumMod val="75000"/>
+                        <a:alpha val="0"/>
+                      </a:schemeClr>
+                    </a:solidFill>
+                  </a:ln>
+                  <a:latin typeface="Pretendard Light" panose="02000403000000020004" pitchFamily="2" charset="-127"/>
+                  <a:ea typeface="Pretendard Light" panose="02000403000000020004" pitchFamily="2" charset="-127"/>
+                  <a:cs typeface="Pretendard Light" panose="02000403000000020004" pitchFamily="2" charset="-127"/>
+                </a:defRPr>
+              </a:lvl1pPr>
+            </a:lstStyle>
+            <a:p>
+              <a:pPr>
+                <a:lnSpc>
+                  <a:spcPct val="140000"/>
+                </a:lnSpc>
+                <a:spcAft>
+                  <a:spcPts val="1000"/>
+                </a:spcAft>
+              </a:pPr>
+              <a:r>
+                <a:rPr lang="en-US" altLang="ko-KR" dirty="0">
+                  <a:latin typeface="Pretendard Medium" panose="02000603000000020004" pitchFamily="2" charset="-127"/>
+                  <a:ea typeface="Pretendard Medium" panose="02000603000000020004" pitchFamily="2" charset="-127"/>
+                  <a:cs typeface="Pretendard Medium" panose="02000603000000020004" pitchFamily="2" charset="-127"/>
+                </a:rPr>
+                <a:t># </a:t>
+              </a:r>
+              <a:r>
+                <a:rPr lang="ko-KR" altLang="en-US" dirty="0">
+                  <a:latin typeface="Pretendard Medium" panose="02000603000000020004" pitchFamily="2" charset="-127"/>
+                  <a:ea typeface="Pretendard Medium" panose="02000603000000020004" pitchFamily="2" charset="-127"/>
+                  <a:cs typeface="Pretendard Medium" panose="02000603000000020004" pitchFamily="2" charset="-127"/>
+                </a:rPr>
+                <a:t>논리적으로 캐릭터의 컨셉에 어울리는 전투를 설계하는 전투 기획자</a:t>
+              </a:r>
+              <a:br>
+                <a:rPr lang="en-US" altLang="ko-KR" dirty="0"/>
+              </a:br>
+              <a:r>
+                <a:rPr lang="ko-KR" altLang="en-US" dirty="0"/>
+                <a:t>저는 캐릭터마다 다른 전투를 경험하며 즐거움을 얻는 유저입니다</a:t>
+              </a:r>
+              <a:r>
+                <a:rPr lang="en-US" altLang="ko-KR" dirty="0"/>
+                <a:t>. </a:t>
+              </a:r>
+              <a:r>
+                <a:rPr lang="ko-KR" altLang="en-US" dirty="0"/>
+                <a:t>특히</a:t>
+              </a:r>
+              <a:r>
+                <a:rPr lang="en-US" altLang="ko-KR" dirty="0"/>
+                <a:t>, </a:t>
+              </a:r>
+              <a:r>
+                <a:rPr lang="ko-KR" altLang="en-US" dirty="0"/>
+                <a:t>캐릭터의 컨셉과 전투가 자연스럽게 어우러질 때 더욱 몰입하게 되었습니다</a:t>
+              </a:r>
+              <a:r>
+                <a:rPr lang="en-US" altLang="ko-KR" dirty="0"/>
+                <a:t>. </a:t>
+              </a:r>
+              <a:r>
+                <a:rPr lang="ko-KR" altLang="en-US" dirty="0"/>
+                <a:t>이를 통해 전투의 재미는 설득력 있는 전투 경험에서 비롯된다는 것을 </a:t>
+              </a:r>
+              <a:r>
+                <a:rPr lang="ko-KR" altLang="en-US" dirty="0" err="1"/>
+                <a:t>깨달았습니다</a:t>
+              </a:r>
+              <a:r>
+                <a:rPr lang="en-US" altLang="ko-KR" dirty="0"/>
+                <a:t>. </a:t>
+              </a:r>
+              <a:r>
+                <a:rPr lang="ko-KR" altLang="en-US" dirty="0"/>
+                <a:t>그래서 저 역시 설득력 있는 전투 경험을 설계하기 위해 노력하게 되었습니다</a:t>
+              </a:r>
+              <a:r>
+                <a:rPr lang="en-US" altLang="ko-KR" dirty="0"/>
+                <a:t>. </a:t>
+              </a:r>
+            </a:p>
+            <a:p>
+              <a:pPr>
+                <a:lnSpc>
+                  <a:spcPct val="140000"/>
+                </a:lnSpc>
+                <a:spcAft>
+                  <a:spcPts val="1000"/>
+                </a:spcAft>
+              </a:pPr>
+              <a:r>
+                <a:rPr lang="ko-KR" altLang="en-US" dirty="0"/>
+                <a:t>설득력을 높이기 위해 제가 선택한 방법은 논리적인 사고로 캐릭터의 컨셉에 어울리는 전투를 설계하는 것입니다</a:t>
+              </a:r>
+              <a:r>
+                <a:rPr lang="en-US" altLang="ko-KR" dirty="0"/>
+                <a:t>. </a:t>
+              </a:r>
+              <a:r>
+                <a:rPr lang="ko-KR" altLang="en-US" dirty="0"/>
+                <a:t>캐릭터의 무기 구조나 세계관을 분석하여 활용하거나 현실적인 원리를 게임적으로 재해석하는 방식 등을 사용합니다</a:t>
+              </a:r>
+              <a:r>
+                <a:rPr lang="en-US" altLang="ko-KR" dirty="0"/>
+                <a:t>. </a:t>
+              </a:r>
+              <a:r>
+                <a:rPr lang="ko-KR" altLang="en-US" dirty="0"/>
+                <a:t>예를 들어 부채를 사용하여 번개를 다루는 창작 캐릭터 </a:t>
+              </a:r>
+              <a:r>
+                <a:rPr lang="en-US" altLang="ko-KR" dirty="0"/>
+                <a:t>'</a:t>
+              </a:r>
+              <a:r>
+                <a:rPr lang="ko-KR" altLang="en-US" dirty="0"/>
+                <a:t>가람</a:t>
+              </a:r>
+              <a:r>
+                <a:rPr lang="en-US" altLang="ko-KR" dirty="0"/>
+                <a:t>'</a:t>
+              </a:r>
+              <a:r>
+                <a:rPr lang="ko-KR" altLang="en-US" dirty="0"/>
+                <a:t>의 전투를 설계할 때</a:t>
+              </a:r>
+              <a:r>
+                <a:rPr lang="en-US" altLang="ko-KR" dirty="0"/>
+                <a:t>, '</a:t>
+              </a:r>
+              <a:r>
+                <a:rPr lang="ko-KR" altLang="en-US" dirty="0"/>
+                <a:t>부채</a:t>
+              </a:r>
+              <a:r>
+                <a:rPr lang="en-US" altLang="ko-KR" dirty="0"/>
+                <a:t>'</a:t>
+              </a:r>
+              <a:r>
+                <a:rPr lang="ko-KR" altLang="en-US" dirty="0"/>
+                <a:t>의 구조를 파악하여 얇고 뾰족한 </a:t>
+              </a:r>
+              <a:r>
+                <a:rPr lang="en-US" altLang="ko-KR" dirty="0"/>
+                <a:t>'</a:t>
+              </a:r>
+              <a:r>
+                <a:rPr lang="ko-KR" altLang="en-US" dirty="0"/>
+                <a:t>부챗살</a:t>
+              </a:r>
+              <a:r>
+                <a:rPr lang="en-US" altLang="ko-KR" dirty="0"/>
+                <a:t>'</a:t>
+              </a:r>
+              <a:r>
+                <a:rPr lang="ko-KR" altLang="en-US" dirty="0"/>
+                <a:t>에서 피뢰침을 떠올렸습니다</a:t>
+              </a:r>
+              <a:r>
+                <a:rPr lang="en-US" altLang="ko-KR" dirty="0"/>
+                <a:t>. </a:t>
+              </a:r>
+              <a:r>
+                <a:rPr lang="ko-KR" altLang="en-US" dirty="0"/>
+                <a:t>이 아이디어를 확장하여 부챗살이 번개를 유도하며 대상에게 피해를 집중하는 형태의 전투 스타일을 기획했습니다</a:t>
+              </a:r>
+              <a:r>
+                <a:rPr lang="en-US" altLang="ko-KR" dirty="0"/>
+                <a:t>. </a:t>
+              </a:r>
+              <a:r>
+                <a:rPr lang="ko-KR" altLang="en-US" dirty="0"/>
+                <a:t>나아가 피뢰침의 동작 원리를 분석해 적의 몸 내부에 직접적으로 번개를 방전시키는 </a:t>
+              </a:r>
+              <a:r>
+                <a:rPr lang="en-US" altLang="ko-KR" dirty="0"/>
+                <a:t>'</a:t>
+              </a:r>
+              <a:r>
+                <a:rPr lang="ko-KR" altLang="en-US" dirty="0"/>
+                <a:t>방어 무시 공격</a:t>
+              </a:r>
+              <a:r>
+                <a:rPr lang="en-US" altLang="ko-KR" dirty="0"/>
+                <a:t>' </a:t>
+              </a:r>
+              <a:r>
+                <a:rPr lang="ko-KR" altLang="en-US" dirty="0"/>
+                <a:t>효과까지 구체화하게 되었습니다</a:t>
+              </a:r>
+              <a:r>
+                <a:rPr lang="en-US" altLang="ko-KR" dirty="0"/>
+                <a:t>.  </a:t>
+              </a:r>
+            </a:p>
+            <a:p>
+              <a:pPr>
+                <a:lnSpc>
+                  <a:spcPct val="140000"/>
+                </a:lnSpc>
+                <a:spcAft>
+                  <a:spcPts val="1000"/>
+                </a:spcAft>
+              </a:pPr>
+              <a:r>
+                <a:rPr lang="en-US" altLang="ko-KR" dirty="0">
+                  <a:latin typeface="Pretendard Medium" panose="02000603000000020004" pitchFamily="2" charset="-127"/>
+                  <a:ea typeface="Pretendard Medium" panose="02000603000000020004" pitchFamily="2" charset="-127"/>
+                  <a:cs typeface="Pretendard Medium" panose="02000603000000020004" pitchFamily="2" charset="-127"/>
+                </a:rPr>
+                <a:t># </a:t>
+              </a:r>
+              <a:r>
+                <a:rPr lang="ko-KR" altLang="en-US" dirty="0">
+                  <a:latin typeface="Pretendard Medium" panose="02000603000000020004" pitchFamily="2" charset="-127"/>
+                  <a:ea typeface="Pretendard Medium" panose="02000603000000020004" pitchFamily="2" charset="-127"/>
+                  <a:cs typeface="Pretendard Medium" panose="02000603000000020004" pitchFamily="2" charset="-127"/>
+                </a:rPr>
+                <a:t>스스로를 먼저 설득하는 기획자</a:t>
+              </a:r>
+              <a:r>
+                <a:rPr lang="en-US" altLang="ko-KR" dirty="0">
+                  <a:latin typeface="Pretendard Medium" panose="02000603000000020004" pitchFamily="2" charset="-127"/>
+                  <a:ea typeface="Pretendard Medium" panose="02000603000000020004" pitchFamily="2" charset="-127"/>
+                  <a:cs typeface="Pretendard Medium" panose="02000603000000020004" pitchFamily="2" charset="-127"/>
+                </a:rPr>
+                <a:t>.</a:t>
+              </a:r>
+              <a:br>
+                <a:rPr lang="en-US" altLang="ko-KR" dirty="0"/>
+              </a:br>
+              <a:r>
+                <a:rPr lang="ko-KR" altLang="en-US" dirty="0"/>
+                <a:t>저는 문제가 발생했을 때 논리적인 사고로 결론을 도출하게 되는 성격입니다</a:t>
+              </a:r>
+              <a:r>
+                <a:rPr lang="en-US" altLang="ko-KR" dirty="0"/>
+                <a:t>. </a:t>
+              </a:r>
+              <a:r>
+                <a:rPr lang="ko-KR" altLang="en-US" dirty="0"/>
+                <a:t>스스로 이해가 되어야 제대로 문제를 해결했다는 생각이 들기 때문입니다</a:t>
+              </a:r>
+              <a:r>
+                <a:rPr lang="en-US" altLang="ko-KR" dirty="0"/>
+                <a:t>. </a:t>
+              </a:r>
+              <a:r>
+                <a:rPr lang="ko-KR" altLang="en-US" dirty="0"/>
+                <a:t>캐릭터의 컨셉에 어울리는 전투를 설계할 때 논리적으로 접근하는 것도 같은 </a:t>
+              </a:r>
+              <a:r>
+                <a:rPr lang="ko-KR" altLang="en-US" dirty="0" err="1"/>
+                <a:t>이유에서입니다</a:t>
+              </a:r>
+              <a:r>
+                <a:rPr lang="en-US" altLang="ko-KR" dirty="0"/>
+                <a:t>. </a:t>
+              </a:r>
+            </a:p>
+            <a:p>
+              <a:pPr>
+                <a:lnSpc>
+                  <a:spcPct val="140000"/>
+                </a:lnSpc>
+                <a:spcAft>
+                  <a:spcPts val="1000"/>
+                </a:spcAft>
+              </a:pPr>
+              <a:r>
+                <a:rPr lang="ko-KR" altLang="en-US" dirty="0"/>
+                <a:t>협업 과정에서도 명확한 근거를 바탕으로 의견을 제시하는 방식을 선호합니다</a:t>
+              </a:r>
+              <a:r>
+                <a:rPr lang="en-US" altLang="ko-KR" dirty="0"/>
+                <a:t>. </a:t>
+              </a:r>
+              <a:r>
+                <a:rPr lang="ko-KR" altLang="en-US" dirty="0"/>
+                <a:t>스스로를 먼저 설득한 상태가 되어야 의견을 제시할 수 있었습니다</a:t>
+              </a:r>
+              <a:r>
+                <a:rPr lang="en-US" altLang="ko-KR" dirty="0"/>
+                <a:t>. </a:t>
+              </a:r>
+              <a:r>
+                <a:rPr lang="ko-KR" altLang="en-US" dirty="0"/>
+                <a:t>이렇게 스스로 이해가 되는 의견을 제시하며 프로젝트에 적극적으로 참여할 때 성취감</a:t>
+              </a:r>
+              <a:r>
+                <a:rPr lang="en-US" altLang="ko-KR" dirty="0"/>
+                <a:t>, </a:t>
+              </a:r>
+              <a:r>
+                <a:rPr lang="ko-KR" altLang="en-US" dirty="0"/>
+                <a:t>소속감</a:t>
+              </a:r>
+              <a:r>
+                <a:rPr lang="en-US" altLang="ko-KR" dirty="0"/>
+                <a:t>, </a:t>
+              </a:r>
+              <a:r>
+                <a:rPr lang="ko-KR" altLang="en-US" dirty="0"/>
+                <a:t>책임감이 높아졌습니다</a:t>
+              </a:r>
+              <a:r>
+                <a:rPr lang="en-US" altLang="ko-KR" dirty="0"/>
+                <a:t>. </a:t>
+              </a:r>
+              <a:r>
+                <a:rPr lang="ko-KR" altLang="en-US" dirty="0"/>
+                <a:t>이에 따라 </a:t>
+              </a:r>
+              <a:r>
+                <a:rPr lang="en-US" altLang="ko-KR" dirty="0"/>
+                <a:t>'</a:t>
+              </a:r>
+              <a:r>
+                <a:rPr lang="ko-KR" altLang="en-US" dirty="0"/>
+                <a:t>의견을 뒷받침할 수 있는 능력을 키우자</a:t>
+              </a:r>
+              <a:r>
+                <a:rPr lang="en-US" altLang="ko-KR" dirty="0"/>
+                <a:t>'</a:t>
+              </a:r>
+              <a:r>
+                <a:rPr lang="ko-KR" altLang="en-US" dirty="0"/>
+                <a:t>라는 가치관을 형성하기도 했습니다</a:t>
+              </a:r>
+              <a:r>
+                <a:rPr lang="en-US" altLang="ko-KR" dirty="0"/>
+                <a:t>.</a:t>
+              </a:r>
+            </a:p>
+            <a:p>
+              <a:pPr>
+                <a:lnSpc>
+                  <a:spcPct val="140000"/>
+                </a:lnSpc>
+                <a:spcAft>
+                  <a:spcPts val="1000"/>
+                </a:spcAft>
+              </a:pPr>
+              <a:r>
+                <a:rPr lang="ko-KR" altLang="en-US" dirty="0"/>
+                <a:t>이처럼 저는 논리적인 사고를 바탕으로 캐릭터의 컨셉에 어울리는 전투를 설계하며</a:t>
+              </a:r>
+              <a:r>
+                <a:rPr lang="en-US" altLang="ko-KR" dirty="0"/>
+                <a:t>, </a:t>
+              </a:r>
+              <a:r>
+                <a:rPr lang="ko-KR" altLang="en-US" dirty="0"/>
+                <a:t>스스로를 먼저 설득하려고 노력합니다</a:t>
+              </a:r>
+              <a:r>
+                <a:rPr lang="en-US" altLang="ko-KR" dirty="0"/>
+                <a:t>. </a:t>
+              </a:r>
+              <a:r>
+                <a:rPr lang="ko-KR" altLang="en-US" dirty="0"/>
+                <a:t>이런 성향을 바탕으로 유저에게는 몰입감과 즐거움을 선사하며 동료 개발자분들에게는 신뢰를 주는 전투 기획자가 되겠습니다</a:t>
+              </a:r>
+              <a:r>
+                <a:rPr lang="en-US" altLang="ko-KR" dirty="0"/>
+                <a:t>.</a:t>
+              </a:r>
+            </a:p>
+          </p:txBody>
+        </p:sp>
+        <p:sp>
+          <p:nvSpPr>
+            <p:cNvPr id="7" name="직사각형 6">
+              <a:extLst>
+                <a:ext uri="{FF2B5EF4-FFF2-40B4-BE49-F238E27FC236}">
+                  <a16:creationId xmlns:a16="http://schemas.microsoft.com/office/drawing/2014/main" id="{AB97A714-1C72-A9FC-230B-EA4E35122A12}"/>
+                </a:ext>
+              </a:extLst>
+            </p:cNvPr>
+            <p:cNvSpPr/>
+            <p:nvPr/>
+          </p:nvSpPr>
+          <p:spPr>
+            <a:xfrm>
+              <a:off x="185458" y="344489"/>
+              <a:ext cx="6480671" cy="398381"/>
+            </a:xfrm>
+            <a:prstGeom prst="rect">
+              <a:avLst/>
+            </a:prstGeom>
+            <a:solidFill>
+              <a:srgbClr val="E1F2FF"/>
+            </a:solidFill>
+            <a:ln>
+              <a:noFill/>
+            </a:ln>
+            <a:effectLst/>
+          </p:spPr>
+          <p:style>
+            <a:lnRef idx="2">
+              <a:schemeClr val="accent1">
+                <a:shade val="15000"/>
+              </a:schemeClr>
+            </a:lnRef>
+            <a:fillRef idx="1">
+              <a:schemeClr val="accent1"/>
+            </a:fillRef>
+            <a:effectRef idx="0">
+              <a:schemeClr val="accent1"/>
+            </a:effectRef>
+            <a:fontRef idx="minor">
+              <a:schemeClr val="lt1"/>
+            </a:fontRef>
+          </p:style>
+          <p:txBody>
+            <a:bodyPr rtlCol="0" anchor="ctr"/>
+            <a:lstStyle/>
+            <a:p>
+              <a:pPr algn="ctr"/>
+              <a:endParaRPr lang="ko-KR" altLang="en-US" sz="900"/>
+            </a:p>
+          </p:txBody>
+        </p:sp>
+        <p:sp>
+          <p:nvSpPr>
+            <p:cNvPr id="8" name="TextBox 7">
+              <a:extLst>
+                <a:ext uri="{FF2B5EF4-FFF2-40B4-BE49-F238E27FC236}">
+                  <a16:creationId xmlns:a16="http://schemas.microsoft.com/office/drawing/2014/main" id="{6075B58E-348E-43A9-3289-0D13D1F0BD75}"/>
+                </a:ext>
+              </a:extLst>
+            </p:cNvPr>
+            <p:cNvSpPr txBox="1"/>
+            <p:nvPr/>
+          </p:nvSpPr>
+          <p:spPr>
+            <a:xfrm>
+              <a:off x="290620" y="459041"/>
+              <a:ext cx="3113032" cy="169277"/>
+            </a:xfrm>
+            <a:prstGeom prst="rect">
+              <a:avLst/>
+            </a:prstGeom>
+            <a:noFill/>
+          </p:spPr>
+          <p:txBody>
+            <a:bodyPr wrap="none" lIns="0" tIns="0" rIns="0" bIns="0" rtlCol="0" anchor="t">
+              <a:spAutoFit/>
+            </a:bodyPr>
+            <a:lstStyle/>
+            <a:p>
+              <a:r>
+                <a:rPr lang="ko-KR" altLang="en-US" sz="1100" dirty="0">
+                  <a:latin typeface="페이퍼로지 7 Bold" pitchFamily="2" charset="-127"/>
+                  <a:ea typeface="페이퍼로지 7 Bold" pitchFamily="2" charset="-127"/>
+                  <a:cs typeface="Pretendard Medium" panose="02000603000000020004" pitchFamily="2" charset="-127"/>
+                </a:rPr>
+                <a:t>나는 어떤 개발자인가</a:t>
+              </a:r>
+              <a:r>
+                <a:rPr lang="en-US" altLang="ko-KR" sz="1100" dirty="0">
+                  <a:latin typeface="페이퍼로지 7 Bold" pitchFamily="2" charset="-127"/>
+                  <a:ea typeface="페이퍼로지 7 Bold" pitchFamily="2" charset="-127"/>
+                  <a:cs typeface="Pretendard Medium" panose="02000603000000020004" pitchFamily="2" charset="-127"/>
+                </a:rPr>
+                <a:t>? </a:t>
+              </a:r>
+              <a:r>
+                <a:rPr lang="ko-KR" altLang="en-US" sz="1100" dirty="0">
+                  <a:latin typeface="페이퍼로지 7 Bold" pitchFamily="2" charset="-127"/>
+                  <a:ea typeface="페이퍼로지 7 Bold" pitchFamily="2" charset="-127"/>
+                  <a:cs typeface="Pretendard Medium" panose="02000603000000020004" pitchFamily="2" charset="-127"/>
+                </a:rPr>
+                <a:t>개발자로서 자신을 소개해 주세요</a:t>
+              </a:r>
+            </a:p>
+          </p:txBody>
+        </p:sp>
+        <p:cxnSp>
+          <p:nvCxnSpPr>
+            <p:cNvPr id="9" name="직선 연결선 8">
+              <a:extLst>
+                <a:ext uri="{FF2B5EF4-FFF2-40B4-BE49-F238E27FC236}">
+                  <a16:creationId xmlns:a16="http://schemas.microsoft.com/office/drawing/2014/main" id="{64080D78-BF73-9742-286A-D31321926B8A}"/>
+                </a:ext>
+              </a:extLst>
+            </p:cNvPr>
+            <p:cNvCxnSpPr>
+              <a:cxnSpLocks/>
+            </p:cNvCxnSpPr>
+            <p:nvPr/>
+          </p:nvCxnSpPr>
+          <p:spPr>
+            <a:xfrm>
+              <a:off x="185459" y="742870"/>
+              <a:ext cx="6480000" cy="0"/>
+            </a:xfrm>
+            <a:prstGeom prst="line">
+              <a:avLst/>
+            </a:prstGeom>
+            <a:ln w="9525">
+              <a:solidFill>
+                <a:schemeClr val="bg1">
+                  <a:lumMod val="75000"/>
+                </a:schemeClr>
+              </a:solidFill>
+            </a:ln>
+          </p:spPr>
+          <p:style>
+            <a:lnRef idx="2">
+              <a:schemeClr val="accent1"/>
+            </a:lnRef>
+            <a:fillRef idx="0">
+              <a:schemeClr val="accent1"/>
+            </a:fillRef>
+            <a:effectRef idx="1">
+              <a:schemeClr val="accent1"/>
+            </a:effectRef>
+            <a:fontRef idx="minor">
+              <a:schemeClr val="tx1"/>
+            </a:fontRef>
+          </p:style>
+        </p:cxnSp>
+        <p:sp>
+          <p:nvSpPr>
+            <p:cNvPr id="10" name="직사각형 9">
+              <a:extLst>
+                <a:ext uri="{FF2B5EF4-FFF2-40B4-BE49-F238E27FC236}">
+                  <a16:creationId xmlns:a16="http://schemas.microsoft.com/office/drawing/2014/main" id="{4640BDAF-2468-1939-8DCC-609EF92682D9}"/>
+                </a:ext>
+              </a:extLst>
+            </p:cNvPr>
+            <p:cNvSpPr/>
+            <p:nvPr/>
+          </p:nvSpPr>
+          <p:spPr>
+            <a:xfrm>
+              <a:off x="185458" y="344488"/>
+              <a:ext cx="6480000" cy="4696527"/>
+            </a:xfrm>
+            <a:prstGeom prst="rect">
+              <a:avLst/>
+            </a:prstGeom>
+            <a:noFill/>
+            <a:ln w="12700">
+              <a:solidFill>
+                <a:schemeClr val="bg1">
+                  <a:lumMod val="75000"/>
+                </a:schemeClr>
+              </a:solidFill>
+            </a:ln>
+            <a:effectLst/>
+          </p:spPr>
+          <p:style>
+            <a:lnRef idx="2">
+              <a:schemeClr val="accent1">
+                <a:shade val="15000"/>
+              </a:schemeClr>
+            </a:lnRef>
+            <a:fillRef idx="1">
+              <a:schemeClr val="accent1"/>
+            </a:fillRef>
+            <a:effectRef idx="0">
+              <a:schemeClr val="accent1"/>
+            </a:effectRef>
+            <a:fontRef idx="minor">
+              <a:schemeClr val="lt1"/>
+            </a:fontRef>
+          </p:style>
+          <p:txBody>
+            <a:bodyPr rtlCol="0" anchor="ctr"/>
+            <a:lstStyle/>
+            <a:p>
+              <a:pPr algn="ctr"/>
+              <a:endParaRPr lang="ko-KR" altLang="en-US" sz="800" dirty="0"/>
+            </a:p>
+          </p:txBody>
+        </p:sp>
+      </p:grpSp>
+    </p:spTree>
+    <p:extLst>
+      <p:ext uri="{BB962C8B-B14F-4D97-AF65-F5344CB8AC3E}">
+        <p14:creationId xmlns:p14="http://schemas.microsoft.com/office/powerpoint/2010/main" val="2786249416"/>
+      </p:ext>
+    </p:extLst>
+  </p:cSld>
+  <p:clrMapOvr>
+    <a:masterClrMapping/>
+  </p:clrMapOvr>
+</p:sld>
+</file>
+
+<file path=ppt/slides/slide4.xml><?xml version="1.0" encoding="utf-8"?>
+<p:sld xmlns:a="http://schemas.openxmlformats.org/drawingml/2006/main" xmlns:r="http://schemas.openxmlformats.org/officeDocument/2006/relationships" xmlns:p="http://schemas.openxmlformats.org/presentationml/2006/main">
+  <p:cSld>
+    <p:spTree>
+      <p:nvGrpSpPr>
+        <p:cNvPr id="1" name="">
+          <a:extLst>
+            <a:ext uri="{FF2B5EF4-FFF2-40B4-BE49-F238E27FC236}">
+              <a16:creationId xmlns:a16="http://schemas.microsoft.com/office/drawing/2014/main" id="{6E21DA07-2817-E372-5D55-5BD0597BDA67}"/>
+            </a:ext>
+          </a:extLst>
+        </p:cNvPr>
+        <p:cNvGrpSpPr/>
+        <p:nvPr/>
+      </p:nvGrpSpPr>
+      <p:grpSpPr>
+        <a:xfrm>
+          <a:off x="0" y="0"/>
+          <a:ext cx="0" cy="0"/>
+          <a:chOff x="0" y="0"/>
+          <a:chExt cx="0" cy="0"/>
+        </a:xfrm>
+      </p:grpSpPr>
+      <p:grpSp>
+        <p:nvGrpSpPr>
+          <p:cNvPr id="3" name="그룹 2">
+            <a:extLst>
+              <a:ext uri="{FF2B5EF4-FFF2-40B4-BE49-F238E27FC236}">
+                <a16:creationId xmlns:a16="http://schemas.microsoft.com/office/drawing/2014/main" id="{E0967B61-ADCC-8513-3154-D034AC0A4987}"/>
+              </a:ext>
+            </a:extLst>
+          </p:cNvPr>
+          <p:cNvGrpSpPr/>
+          <p:nvPr/>
+        </p:nvGrpSpPr>
+        <p:grpSpPr>
+          <a:xfrm>
+            <a:off x="191871" y="141180"/>
+            <a:ext cx="6480671" cy="6513619"/>
+            <a:chOff x="189000" y="2131166"/>
+            <a:chExt cx="6480671" cy="6513619"/>
+          </a:xfrm>
+        </p:grpSpPr>
+        <p:sp>
+          <p:nvSpPr>
+            <p:cNvPr id="4" name="TextBox 3">
+              <a:extLst>
+                <a:ext uri="{FF2B5EF4-FFF2-40B4-BE49-F238E27FC236}">
+                  <a16:creationId xmlns:a16="http://schemas.microsoft.com/office/drawing/2014/main" id="{65FD242B-B818-EFF8-EB05-F970B6BEB8BD}"/>
+                </a:ext>
+              </a:extLst>
+            </p:cNvPr>
+            <p:cNvSpPr txBox="1"/>
+            <p:nvPr/>
+          </p:nvSpPr>
+          <p:spPr>
+            <a:xfrm>
+              <a:off x="294162" y="2529549"/>
+              <a:ext cx="6269676" cy="5113754"/>
+            </a:xfrm>
+            <a:prstGeom prst="rect">
+              <a:avLst/>
+            </a:prstGeom>
+            <a:noFill/>
+          </p:spPr>
+          <p:txBody>
+            <a:bodyPr wrap="square" lIns="0" tIns="72000" rIns="0" bIns="72000" rtlCol="0" anchor="t">
+              <a:spAutoFit/>
+            </a:bodyPr>
+            <a:lstStyle/>
+            <a:p>
+              <a:pPr>
+                <a:lnSpc>
+                  <a:spcPct val="140000"/>
+                </a:lnSpc>
+                <a:spcAft>
+                  <a:spcPts val="1000"/>
+                </a:spcAft>
+              </a:pPr>
+              <a:r>
+                <a:rPr lang="ko-KR" altLang="en-US" sz="1000" dirty="0">
+                  <a:ln>
+                    <a:solidFill>
+                      <a:schemeClr val="bg1">
+                        <a:lumMod val="75000"/>
+                        <a:alpha val="0"/>
+                      </a:schemeClr>
+                    </a:solidFill>
+                  </a:ln>
+                  <a:latin typeface="Pretendard Light" panose="02000403000000020004" pitchFamily="2" charset="-127"/>
+                  <a:ea typeface="Pretendard Light" panose="02000403000000020004" pitchFamily="2" charset="-127"/>
+                  <a:cs typeface="Pretendard Light" panose="02000403000000020004" pitchFamily="2" charset="-127"/>
+                </a:rPr>
+                <a:t>전투 기획의 핵심은 “</a:t>
+              </a:r>
+              <a:r>
+                <a:rPr lang="ko-KR" altLang="en-US" sz="1000" dirty="0">
+                  <a:ln>
+                    <a:solidFill>
+                      <a:schemeClr val="bg1">
+                        <a:lumMod val="75000"/>
+                        <a:alpha val="0"/>
+                      </a:schemeClr>
+                    </a:solidFill>
+                  </a:ln>
+                  <a:latin typeface="Pretendard Medium" panose="02000603000000020004" pitchFamily="2" charset="-127"/>
+                  <a:ea typeface="Pretendard Medium" panose="02000603000000020004" pitchFamily="2" charset="-127"/>
+                  <a:cs typeface="Pretendard Medium" panose="02000603000000020004" pitchFamily="2" charset="-127"/>
+                </a:rPr>
+                <a:t>캐릭터의 컨셉에 어울리는 전투를 설계하는 것</a:t>
+              </a:r>
+              <a:r>
+                <a:rPr lang="ko-KR" altLang="en-US" sz="1000" dirty="0">
+                  <a:ln>
+                    <a:solidFill>
+                      <a:schemeClr val="bg1">
+                        <a:lumMod val="75000"/>
+                        <a:alpha val="0"/>
+                      </a:schemeClr>
+                    </a:solidFill>
+                  </a:ln>
+                  <a:latin typeface="Pretendard Light" panose="02000403000000020004" pitchFamily="2" charset="-127"/>
+                  <a:ea typeface="Pretendard Light" panose="02000403000000020004" pitchFamily="2" charset="-127"/>
+                  <a:cs typeface="Pretendard Light" panose="02000403000000020004" pitchFamily="2" charset="-127"/>
+                </a:rPr>
+                <a:t>” 입니다</a:t>
+              </a:r>
+              <a:r>
+                <a:rPr lang="en-US" altLang="ko-KR" sz="1000" dirty="0">
+                  <a:ln>
+                    <a:solidFill>
+                      <a:schemeClr val="bg1">
+                        <a:lumMod val="75000"/>
+                        <a:alpha val="0"/>
+                      </a:schemeClr>
+                    </a:solidFill>
+                  </a:ln>
+                  <a:latin typeface="Pretendard Light" panose="02000403000000020004" pitchFamily="2" charset="-127"/>
+                  <a:ea typeface="Pretendard Light" panose="02000403000000020004" pitchFamily="2" charset="-127"/>
+                  <a:cs typeface="Pretendard Light" panose="02000403000000020004" pitchFamily="2" charset="-127"/>
+                </a:rPr>
+                <a:t>. </a:t>
+              </a:r>
+            </a:p>
+            <a:p>
+              <a:pPr>
+                <a:lnSpc>
+                  <a:spcPct val="140000"/>
+                </a:lnSpc>
+                <a:spcAft>
+                  <a:spcPts val="1000"/>
+                </a:spcAft>
+              </a:pPr>
+              <a:r>
+                <a:rPr lang="ko-KR" altLang="en-US" sz="1000" dirty="0">
+                  <a:ln>
+                    <a:solidFill>
+                      <a:schemeClr val="bg1">
+                        <a:lumMod val="75000"/>
+                        <a:alpha val="0"/>
+                      </a:schemeClr>
+                    </a:solidFill>
+                  </a:ln>
+                  <a:latin typeface="Pretendard Light" panose="02000403000000020004" pitchFamily="2" charset="-127"/>
+                  <a:ea typeface="Pretendard Light" panose="02000403000000020004" pitchFamily="2" charset="-127"/>
+                  <a:cs typeface="Pretendard Light" panose="02000403000000020004" pitchFamily="2" charset="-127"/>
+                </a:rPr>
+                <a:t>저는 게임을 플레이할 때 캐릭터 별로 다양한 전투를 체험하며 즐거움을 느낍니다</a:t>
+              </a:r>
+              <a:r>
+                <a:rPr lang="en-US" altLang="ko-KR" sz="1000" dirty="0">
+                  <a:ln>
+                    <a:solidFill>
+                      <a:schemeClr val="bg1">
+                        <a:lumMod val="75000"/>
+                        <a:alpha val="0"/>
+                      </a:schemeClr>
+                    </a:solidFill>
+                  </a:ln>
+                  <a:latin typeface="Pretendard Light" panose="02000403000000020004" pitchFamily="2" charset="-127"/>
+                  <a:ea typeface="Pretendard Light" panose="02000403000000020004" pitchFamily="2" charset="-127"/>
+                  <a:cs typeface="Pretendard Light" panose="02000403000000020004" pitchFamily="2" charset="-127"/>
+                </a:rPr>
+                <a:t>. </a:t>
+              </a:r>
+              <a:r>
+                <a:rPr lang="ko-KR" altLang="en-US" sz="1000" dirty="0">
+                  <a:ln>
+                    <a:solidFill>
+                      <a:schemeClr val="bg1">
+                        <a:lumMod val="75000"/>
+                        <a:alpha val="0"/>
+                      </a:schemeClr>
+                    </a:solidFill>
+                  </a:ln>
+                  <a:latin typeface="Pretendard Light" panose="02000403000000020004" pitchFamily="2" charset="-127"/>
+                  <a:ea typeface="Pretendard Light" panose="02000403000000020004" pitchFamily="2" charset="-127"/>
+                  <a:cs typeface="Pretendard Light" panose="02000403000000020004" pitchFamily="2" charset="-127"/>
+                </a:rPr>
+                <a:t>그러면서  ‘캐릭터의 컨셉과 전투 스타일이 어울리는지’</a:t>
+              </a:r>
+              <a:r>
+                <a:rPr lang="en-US" altLang="ko-KR" sz="1000" dirty="0">
+                  <a:ln>
+                    <a:solidFill>
+                      <a:schemeClr val="bg1">
+                        <a:lumMod val="75000"/>
+                        <a:alpha val="0"/>
+                      </a:schemeClr>
+                    </a:solidFill>
+                  </a:ln>
+                  <a:latin typeface="Pretendard Light" panose="02000403000000020004" pitchFamily="2" charset="-127"/>
+                  <a:ea typeface="Pretendard Light" panose="02000403000000020004" pitchFamily="2" charset="-127"/>
+                  <a:cs typeface="Pretendard Light" panose="02000403000000020004" pitchFamily="2" charset="-127"/>
+                </a:rPr>
+                <a:t>, ‘</a:t>
+              </a:r>
+              <a:r>
+                <a:rPr lang="ko-KR" altLang="en-US" sz="1000" dirty="0">
+                  <a:ln>
+                    <a:solidFill>
+                      <a:schemeClr val="bg1">
+                        <a:lumMod val="75000"/>
+                        <a:alpha val="0"/>
+                      </a:schemeClr>
+                    </a:solidFill>
+                  </a:ln>
+                  <a:latin typeface="Pretendard Light" panose="02000403000000020004" pitchFamily="2" charset="-127"/>
+                  <a:ea typeface="Pretendard Light" panose="02000403000000020004" pitchFamily="2" charset="-127"/>
+                  <a:cs typeface="Pretendard Light" panose="02000403000000020004" pitchFamily="2" charset="-127"/>
+                </a:rPr>
+                <a:t>내가 이 캐릭터에게 기대하는 전투는 어떤 </a:t>
+              </a:r>
+              <a:r>
+                <a:rPr lang="ko-KR" altLang="en-US" sz="1000" dirty="0" err="1">
+                  <a:ln>
+                    <a:solidFill>
+                      <a:schemeClr val="bg1">
+                        <a:lumMod val="75000"/>
+                        <a:alpha val="0"/>
+                      </a:schemeClr>
+                    </a:solidFill>
+                  </a:ln>
+                  <a:latin typeface="Pretendard Light" panose="02000403000000020004" pitchFamily="2" charset="-127"/>
+                  <a:ea typeface="Pretendard Light" panose="02000403000000020004" pitchFamily="2" charset="-127"/>
+                  <a:cs typeface="Pretendard Light" panose="02000403000000020004" pitchFamily="2" charset="-127"/>
+                </a:rPr>
+                <a:t>전투인지’를</a:t>
+              </a:r>
+              <a:r>
+                <a:rPr lang="ko-KR" altLang="en-US" sz="1000" dirty="0">
+                  <a:ln>
+                    <a:solidFill>
+                      <a:schemeClr val="bg1">
+                        <a:lumMod val="75000"/>
+                        <a:alpha val="0"/>
+                      </a:schemeClr>
+                    </a:solidFill>
+                  </a:ln>
+                  <a:latin typeface="Pretendard Light" panose="02000403000000020004" pitchFamily="2" charset="-127"/>
+                  <a:ea typeface="Pretendard Light" panose="02000403000000020004" pitchFamily="2" charset="-127"/>
+                  <a:cs typeface="Pretendard Light" panose="02000403000000020004" pitchFamily="2" charset="-127"/>
+                </a:rPr>
+                <a:t> 생각해 보는 과정 자체도 재미있게 느껴졌습니다</a:t>
+              </a:r>
+              <a:r>
+                <a:rPr lang="en-US" altLang="ko-KR" sz="1000" dirty="0">
+                  <a:ln>
+                    <a:solidFill>
+                      <a:schemeClr val="bg1">
+                        <a:lumMod val="75000"/>
+                        <a:alpha val="0"/>
+                      </a:schemeClr>
+                    </a:solidFill>
+                  </a:ln>
+                  <a:latin typeface="Pretendard Light" panose="02000403000000020004" pitchFamily="2" charset="-127"/>
+                  <a:ea typeface="Pretendard Light" panose="02000403000000020004" pitchFamily="2" charset="-127"/>
+                  <a:cs typeface="Pretendard Light" panose="02000403000000020004" pitchFamily="2" charset="-127"/>
+                </a:rPr>
+                <a:t>. </a:t>
+              </a:r>
+              <a:r>
+                <a:rPr lang="ko-KR" altLang="en-US" sz="1000" dirty="0">
+                  <a:ln>
+                    <a:solidFill>
+                      <a:schemeClr val="bg1">
+                        <a:lumMod val="75000"/>
+                        <a:alpha val="0"/>
+                      </a:schemeClr>
+                    </a:solidFill>
+                  </a:ln>
+                  <a:latin typeface="Pretendard Light" panose="02000403000000020004" pitchFamily="2" charset="-127"/>
+                  <a:ea typeface="Pretendard Light" panose="02000403000000020004" pitchFamily="2" charset="-127"/>
+                  <a:cs typeface="Pretendard Light" panose="02000403000000020004" pitchFamily="2" charset="-127"/>
+                </a:rPr>
+                <a:t>특히 전투 스타일과 모션</a:t>
+              </a:r>
+              <a:r>
+                <a:rPr lang="en-US" altLang="ko-KR" sz="1000" dirty="0">
+                  <a:ln>
+                    <a:solidFill>
+                      <a:schemeClr val="bg1">
+                        <a:lumMod val="75000"/>
+                        <a:alpha val="0"/>
+                      </a:schemeClr>
+                    </a:solidFill>
+                  </a:ln>
+                  <a:latin typeface="Pretendard Light" panose="02000403000000020004" pitchFamily="2" charset="-127"/>
+                  <a:ea typeface="Pretendard Light" panose="02000403000000020004" pitchFamily="2" charset="-127"/>
+                  <a:cs typeface="Pretendard Light" panose="02000403000000020004" pitchFamily="2" charset="-127"/>
+                </a:rPr>
+                <a:t>, </a:t>
+              </a:r>
+              <a:r>
+                <a:rPr lang="ko-KR" altLang="en-US" sz="1000" dirty="0">
+                  <a:ln>
+                    <a:solidFill>
+                      <a:schemeClr val="bg1">
+                        <a:lumMod val="75000"/>
+                        <a:alpha val="0"/>
+                      </a:schemeClr>
+                    </a:solidFill>
+                  </a:ln>
+                  <a:latin typeface="Pretendard Light" panose="02000403000000020004" pitchFamily="2" charset="-127"/>
+                  <a:ea typeface="Pretendard Light" panose="02000403000000020004" pitchFamily="2" charset="-127"/>
+                  <a:cs typeface="Pretendard Light" panose="02000403000000020004" pitchFamily="2" charset="-127"/>
+                </a:rPr>
+                <a:t>이펙트 등 스킬의 연출이 캐릭터 컨셉과 맞아떨어질 때 더욱 깊게 몰입할 수 있었습니다</a:t>
+              </a:r>
+              <a:r>
+                <a:rPr lang="en-US" altLang="ko-KR" sz="1000" dirty="0">
+                  <a:ln>
+                    <a:solidFill>
+                      <a:schemeClr val="bg1">
+                        <a:lumMod val="75000"/>
+                        <a:alpha val="0"/>
+                      </a:schemeClr>
+                    </a:solidFill>
+                  </a:ln>
+                  <a:latin typeface="Pretendard Light" panose="02000403000000020004" pitchFamily="2" charset="-127"/>
+                  <a:ea typeface="Pretendard Light" panose="02000403000000020004" pitchFamily="2" charset="-127"/>
+                  <a:cs typeface="Pretendard Light" panose="02000403000000020004" pitchFamily="2" charset="-127"/>
+                </a:rPr>
+                <a:t>. </a:t>
+              </a:r>
+              <a:r>
+                <a:rPr lang="ko-KR" altLang="en-US" sz="1000" dirty="0">
+                  <a:ln>
+                    <a:solidFill>
+                      <a:schemeClr val="bg1">
+                        <a:lumMod val="75000"/>
+                        <a:alpha val="0"/>
+                      </a:schemeClr>
+                    </a:solidFill>
+                  </a:ln>
+                  <a:latin typeface="Pretendard Light" panose="02000403000000020004" pitchFamily="2" charset="-127"/>
+                  <a:ea typeface="Pretendard Light" panose="02000403000000020004" pitchFamily="2" charset="-127"/>
+                  <a:cs typeface="Pretendard Light" panose="02000403000000020004" pitchFamily="2" charset="-127"/>
+                </a:rPr>
+                <a:t>반대로</a:t>
+              </a:r>
+              <a:r>
+                <a:rPr lang="en-US" altLang="ko-KR" sz="1000" dirty="0">
+                  <a:ln>
+                    <a:solidFill>
+                      <a:schemeClr val="bg1">
+                        <a:lumMod val="75000"/>
+                        <a:alpha val="0"/>
+                      </a:schemeClr>
+                    </a:solidFill>
+                  </a:ln>
+                  <a:latin typeface="Pretendard Light" panose="02000403000000020004" pitchFamily="2" charset="-127"/>
+                  <a:ea typeface="Pretendard Light" panose="02000403000000020004" pitchFamily="2" charset="-127"/>
+                  <a:cs typeface="Pretendard Light" panose="02000403000000020004" pitchFamily="2" charset="-127"/>
+                </a:rPr>
+                <a:t>, </a:t>
+              </a:r>
+              <a:r>
+                <a:rPr lang="ko-KR" altLang="en-US" sz="1000" dirty="0">
+                  <a:ln>
+                    <a:solidFill>
+                      <a:schemeClr val="bg1">
+                        <a:lumMod val="75000"/>
+                        <a:alpha val="0"/>
+                      </a:schemeClr>
+                    </a:solidFill>
+                  </a:ln>
+                  <a:latin typeface="Pretendard Light" panose="02000403000000020004" pitchFamily="2" charset="-127"/>
+                  <a:ea typeface="Pretendard Light" panose="02000403000000020004" pitchFamily="2" charset="-127"/>
+                  <a:cs typeface="Pretendard Light" panose="02000403000000020004" pitchFamily="2" charset="-127"/>
+                </a:rPr>
+                <a:t>캐릭터의 컨셉과 전투 스타일의 관련이 적다고 여겨지면 몰입감이 떨어졌습니다</a:t>
+              </a:r>
+              <a:r>
+                <a:rPr lang="en-US" altLang="ko-KR" sz="1000" dirty="0">
+                  <a:ln>
+                    <a:solidFill>
+                      <a:schemeClr val="bg1">
+                        <a:lumMod val="75000"/>
+                        <a:alpha val="0"/>
+                      </a:schemeClr>
+                    </a:solidFill>
+                  </a:ln>
+                  <a:latin typeface="Pretendard Light" panose="02000403000000020004" pitchFamily="2" charset="-127"/>
+                  <a:ea typeface="Pretendard Light" panose="02000403000000020004" pitchFamily="2" charset="-127"/>
+                  <a:cs typeface="Pretendard Light" panose="02000403000000020004" pitchFamily="2" charset="-127"/>
+                </a:rPr>
+                <a:t>. </a:t>
+              </a:r>
+              <a:r>
+                <a:rPr lang="ko-KR" altLang="en-US" sz="1000" dirty="0">
+                  <a:ln>
+                    <a:solidFill>
+                      <a:schemeClr val="bg1">
+                        <a:lumMod val="75000"/>
+                        <a:alpha val="0"/>
+                      </a:schemeClr>
+                    </a:solidFill>
+                  </a:ln>
+                  <a:latin typeface="Pretendard Light" panose="02000403000000020004" pitchFamily="2" charset="-127"/>
+                  <a:ea typeface="Pretendard Light" panose="02000403000000020004" pitchFamily="2" charset="-127"/>
+                  <a:cs typeface="Pretendard Light" panose="02000403000000020004" pitchFamily="2" charset="-127"/>
+                </a:rPr>
+                <a:t>게임 뿐만 아니라</a:t>
+              </a:r>
+              <a:r>
+                <a:rPr lang="en-US" altLang="ko-KR" sz="1000" dirty="0">
+                  <a:ln>
+                    <a:solidFill>
+                      <a:schemeClr val="bg1">
+                        <a:lumMod val="75000"/>
+                        <a:alpha val="0"/>
+                      </a:schemeClr>
+                    </a:solidFill>
+                  </a:ln>
+                  <a:latin typeface="Pretendard Light" panose="02000403000000020004" pitchFamily="2" charset="-127"/>
+                  <a:ea typeface="Pretendard Light" panose="02000403000000020004" pitchFamily="2" charset="-127"/>
+                  <a:cs typeface="Pretendard Light" panose="02000403000000020004" pitchFamily="2" charset="-127"/>
+                </a:rPr>
+                <a:t>, </a:t>
+              </a:r>
+              <a:r>
+                <a:rPr lang="ko-KR" altLang="en-US" sz="1000" dirty="0">
+                  <a:ln>
+                    <a:solidFill>
+                      <a:schemeClr val="bg1">
+                        <a:lumMod val="75000"/>
+                        <a:alpha val="0"/>
+                      </a:schemeClr>
+                    </a:solidFill>
+                  </a:ln>
+                  <a:latin typeface="Pretendard Light" panose="02000403000000020004" pitchFamily="2" charset="-127"/>
+                  <a:ea typeface="Pretendard Light" panose="02000403000000020004" pitchFamily="2" charset="-127"/>
+                  <a:cs typeface="Pretendard Light" panose="02000403000000020004" pitchFamily="2" charset="-127"/>
+                </a:rPr>
+                <a:t>웹툰</a:t>
+              </a:r>
+              <a:r>
+                <a:rPr lang="en-US" altLang="ko-KR" sz="1000" dirty="0">
+                  <a:ln>
+                    <a:solidFill>
+                      <a:schemeClr val="bg1">
+                        <a:lumMod val="75000"/>
+                        <a:alpha val="0"/>
+                      </a:schemeClr>
+                    </a:solidFill>
+                  </a:ln>
+                  <a:latin typeface="Pretendard Light" panose="02000403000000020004" pitchFamily="2" charset="-127"/>
+                  <a:ea typeface="Pretendard Light" panose="02000403000000020004" pitchFamily="2" charset="-127"/>
+                  <a:cs typeface="Pretendard Light" panose="02000403000000020004" pitchFamily="2" charset="-127"/>
+                </a:rPr>
+                <a:t>/</a:t>
+              </a:r>
+              <a:r>
+                <a:rPr lang="ko-KR" altLang="en-US" sz="1000" dirty="0">
+                  <a:ln>
+                    <a:solidFill>
+                      <a:schemeClr val="bg1">
+                        <a:lumMod val="75000"/>
+                        <a:alpha val="0"/>
+                      </a:schemeClr>
+                    </a:solidFill>
+                  </a:ln>
+                  <a:latin typeface="Pretendard Light" panose="02000403000000020004" pitchFamily="2" charset="-127"/>
+                  <a:ea typeface="Pretendard Light" panose="02000403000000020004" pitchFamily="2" charset="-127"/>
+                  <a:cs typeface="Pretendard Light" panose="02000403000000020004" pitchFamily="2" charset="-127"/>
+                </a:rPr>
+                <a:t>애니메이션 등 여러 작품 속 캐릭터가 컨셉에 맞는 전투를 하면 작품에 더욱 몰입하게 되기도 했습니다</a:t>
+              </a:r>
+              <a:r>
+                <a:rPr lang="en-US" altLang="ko-KR" sz="1000" dirty="0">
+                  <a:ln>
+                    <a:solidFill>
+                      <a:schemeClr val="bg1">
+                        <a:lumMod val="75000"/>
+                        <a:alpha val="0"/>
+                      </a:schemeClr>
+                    </a:solidFill>
+                  </a:ln>
+                  <a:latin typeface="Pretendard Light" panose="02000403000000020004" pitchFamily="2" charset="-127"/>
+                  <a:ea typeface="Pretendard Light" panose="02000403000000020004" pitchFamily="2" charset="-127"/>
+                  <a:cs typeface="Pretendard Light" panose="02000403000000020004" pitchFamily="2" charset="-127"/>
+                </a:rPr>
+                <a:t>. </a:t>
+              </a:r>
+              <a:r>
+                <a:rPr lang="ko-KR" altLang="en-US" sz="1000" dirty="0">
+                  <a:ln>
+                    <a:solidFill>
+                      <a:schemeClr val="bg1">
+                        <a:lumMod val="75000"/>
+                        <a:alpha val="0"/>
+                      </a:schemeClr>
+                    </a:solidFill>
+                  </a:ln>
+                  <a:latin typeface="Pretendard Light" panose="02000403000000020004" pitchFamily="2" charset="-127"/>
+                  <a:ea typeface="Pretendard Light" panose="02000403000000020004" pitchFamily="2" charset="-127"/>
+                  <a:cs typeface="Pretendard Light" panose="02000403000000020004" pitchFamily="2" charset="-127"/>
+                </a:rPr>
+                <a:t>이런 경험들이 쌓이다 보니</a:t>
+              </a:r>
+              <a:r>
+                <a:rPr lang="en-US" altLang="ko-KR" sz="1000" dirty="0">
+                  <a:ln>
+                    <a:solidFill>
+                      <a:schemeClr val="bg1">
+                        <a:lumMod val="75000"/>
+                        <a:alpha val="0"/>
+                      </a:schemeClr>
+                    </a:solidFill>
+                  </a:ln>
+                  <a:latin typeface="Pretendard Light" panose="02000403000000020004" pitchFamily="2" charset="-127"/>
+                  <a:ea typeface="Pretendard Light" panose="02000403000000020004" pitchFamily="2" charset="-127"/>
+                  <a:cs typeface="Pretendard Light" panose="02000403000000020004" pitchFamily="2" charset="-127"/>
+                </a:rPr>
+                <a:t>,</a:t>
+              </a:r>
+              <a:r>
+                <a:rPr lang="ko-KR" altLang="en-US" sz="1000" dirty="0">
+                  <a:ln>
+                    <a:solidFill>
+                      <a:schemeClr val="bg1">
+                        <a:lumMod val="75000"/>
+                        <a:alpha val="0"/>
+                      </a:schemeClr>
+                    </a:solidFill>
+                  </a:ln>
+                  <a:latin typeface="Pretendard Light" panose="02000403000000020004" pitchFamily="2" charset="-127"/>
+                  <a:ea typeface="Pretendard Light" panose="02000403000000020004" pitchFamily="2" charset="-127"/>
+                  <a:cs typeface="Pretendard Light" panose="02000403000000020004" pitchFamily="2" charset="-127"/>
+                </a:rPr>
+                <a:t> 캐릭터의 컨셉에 잘 맞는 전투를 설계하는 것이 전투 기획의 핵심이라고 판단하게 되었습니다</a:t>
+              </a:r>
+              <a:r>
+                <a:rPr lang="en-US" altLang="ko-KR" sz="1000" dirty="0">
+                  <a:ln>
+                    <a:solidFill>
+                      <a:schemeClr val="bg1">
+                        <a:lumMod val="75000"/>
+                        <a:alpha val="0"/>
+                      </a:schemeClr>
+                    </a:solidFill>
+                  </a:ln>
+                  <a:latin typeface="Pretendard Light" panose="02000403000000020004" pitchFamily="2" charset="-127"/>
+                  <a:ea typeface="Pretendard Light" panose="02000403000000020004" pitchFamily="2" charset="-127"/>
+                  <a:cs typeface="Pretendard Light" panose="02000403000000020004" pitchFamily="2" charset="-127"/>
+                </a:rPr>
+                <a:t>.</a:t>
+              </a:r>
+            </a:p>
+            <a:p>
+              <a:pPr>
+                <a:lnSpc>
+                  <a:spcPct val="140000"/>
+                </a:lnSpc>
+                <a:spcAft>
+                  <a:spcPts val="1000"/>
+                </a:spcAft>
+              </a:pPr>
+              <a:r>
+                <a:rPr lang="ko-KR" altLang="en-US" sz="1000" dirty="0">
+                  <a:ln>
+                    <a:solidFill>
+                      <a:schemeClr val="bg1">
+                        <a:lumMod val="75000"/>
+                        <a:alpha val="0"/>
+                      </a:schemeClr>
+                    </a:solidFill>
+                  </a:ln>
+                  <a:latin typeface="Pretendard Light" panose="02000403000000020004" pitchFamily="2" charset="-127"/>
+                  <a:ea typeface="Pretendard Light" panose="02000403000000020004" pitchFamily="2" charset="-127"/>
+                  <a:cs typeface="Pretendard Light" panose="02000403000000020004" pitchFamily="2" charset="-127"/>
+                </a:rPr>
+                <a:t>대학교에서는 게임 공학을 전공하며 프로그래머로서 개발 경험을 쌓았지만</a:t>
+              </a:r>
+              <a:r>
+                <a:rPr lang="en-US" altLang="ko-KR" sz="1000" dirty="0">
+                  <a:ln>
+                    <a:solidFill>
+                      <a:schemeClr val="bg1">
+                        <a:lumMod val="75000"/>
+                        <a:alpha val="0"/>
+                      </a:schemeClr>
+                    </a:solidFill>
+                  </a:ln>
+                  <a:latin typeface="Pretendard Light" panose="02000403000000020004" pitchFamily="2" charset="-127"/>
+                  <a:ea typeface="Pretendard Light" panose="02000403000000020004" pitchFamily="2" charset="-127"/>
+                  <a:cs typeface="Pretendard Light" panose="02000403000000020004" pitchFamily="2" charset="-127"/>
+                </a:rPr>
+                <a:t>, </a:t>
+              </a:r>
+              <a:r>
+                <a:rPr lang="ko-KR" altLang="en-US" sz="1000" dirty="0">
+                  <a:ln>
+                    <a:solidFill>
+                      <a:schemeClr val="bg1">
+                        <a:lumMod val="75000"/>
+                        <a:alpha val="0"/>
+                      </a:schemeClr>
+                    </a:solidFill>
+                  </a:ln>
+                  <a:latin typeface="Pretendard Light" panose="02000403000000020004" pitchFamily="2" charset="-127"/>
+                  <a:ea typeface="Pretendard Light" panose="02000403000000020004" pitchFamily="2" charset="-127"/>
+                  <a:cs typeface="Pretendard Light" panose="02000403000000020004" pitchFamily="2" charset="-127"/>
+                </a:rPr>
+                <a:t>누군가의 아이디어를 기술적으로 구현해 주는 것보다 저의 아이디어와 상상으로 누군가에게 몰입감을 선사하는 기획 업무에 흥미가 생겼습니다</a:t>
+              </a:r>
+              <a:r>
+                <a:rPr lang="en-US" altLang="ko-KR" sz="1000" dirty="0">
+                  <a:ln>
+                    <a:solidFill>
+                      <a:schemeClr val="bg1">
+                        <a:lumMod val="75000"/>
+                        <a:alpha val="0"/>
+                      </a:schemeClr>
+                    </a:solidFill>
+                  </a:ln>
+                  <a:latin typeface="Pretendard Light" panose="02000403000000020004" pitchFamily="2" charset="-127"/>
+                  <a:ea typeface="Pretendard Light" panose="02000403000000020004" pitchFamily="2" charset="-127"/>
+                  <a:cs typeface="Pretendard Light" panose="02000403000000020004" pitchFamily="2" charset="-127"/>
+                </a:rPr>
+                <a:t>. </a:t>
+              </a:r>
+              <a:r>
+                <a:rPr lang="ko-KR" altLang="en-US" sz="1000" dirty="0">
+                  <a:ln>
+                    <a:solidFill>
+                      <a:schemeClr val="bg1">
+                        <a:lumMod val="75000"/>
+                        <a:alpha val="0"/>
+                      </a:schemeClr>
+                    </a:solidFill>
+                  </a:ln>
+                  <a:latin typeface="Pretendard Light" panose="02000403000000020004" pitchFamily="2" charset="-127"/>
+                  <a:ea typeface="Pretendard Light" panose="02000403000000020004" pitchFamily="2" charset="-127"/>
+                  <a:cs typeface="Pretendard Light" panose="02000403000000020004" pitchFamily="2" charset="-127"/>
+                </a:rPr>
+                <a:t>그 중에서도 전투 기획 업무가 가장 매력적으로 느껴졌습니다</a:t>
+              </a:r>
+              <a:r>
+                <a:rPr lang="en-US" altLang="ko-KR" sz="1000" dirty="0">
+                  <a:ln>
+                    <a:solidFill>
+                      <a:schemeClr val="bg1">
+                        <a:lumMod val="75000"/>
+                        <a:alpha val="0"/>
+                      </a:schemeClr>
+                    </a:solidFill>
+                  </a:ln>
+                  <a:latin typeface="Pretendard Light" panose="02000403000000020004" pitchFamily="2" charset="-127"/>
+                  <a:ea typeface="Pretendard Light" panose="02000403000000020004" pitchFamily="2" charset="-127"/>
+                  <a:cs typeface="Pretendard Light" panose="02000403000000020004" pitchFamily="2" charset="-127"/>
+                </a:rPr>
+                <a:t>. </a:t>
+              </a:r>
+              <a:r>
+                <a:rPr lang="ko-KR" altLang="en-US" sz="1000" dirty="0">
+                  <a:ln>
+                    <a:solidFill>
+                      <a:schemeClr val="bg1">
+                        <a:lumMod val="75000"/>
+                        <a:alpha val="0"/>
+                      </a:schemeClr>
+                    </a:solidFill>
+                  </a:ln>
+                  <a:latin typeface="Pretendard Light" panose="02000403000000020004" pitchFamily="2" charset="-127"/>
+                  <a:ea typeface="Pretendard Light" panose="02000403000000020004" pitchFamily="2" charset="-127"/>
+                  <a:cs typeface="Pretendard Light" panose="02000403000000020004" pitchFamily="2" charset="-127"/>
+                </a:rPr>
+                <a:t>제가 가장 좋아하면서 자신이 있는 분야가 전투였기 때문입니다</a:t>
+              </a:r>
+              <a:r>
+                <a:rPr lang="en-US" altLang="ko-KR" sz="1000" dirty="0">
+                  <a:ln>
+                    <a:solidFill>
+                      <a:schemeClr val="bg1">
+                        <a:lumMod val="75000"/>
+                        <a:alpha val="0"/>
+                      </a:schemeClr>
+                    </a:solidFill>
+                  </a:ln>
+                  <a:latin typeface="Pretendard Light" panose="02000403000000020004" pitchFamily="2" charset="-127"/>
+                  <a:ea typeface="Pretendard Light" panose="02000403000000020004" pitchFamily="2" charset="-127"/>
+                  <a:cs typeface="Pretendard Light" panose="02000403000000020004" pitchFamily="2" charset="-127"/>
+                </a:rPr>
+                <a:t>.</a:t>
+              </a:r>
+            </a:p>
+            <a:p>
+              <a:pPr>
+                <a:lnSpc>
+                  <a:spcPct val="140000"/>
+                </a:lnSpc>
+                <a:spcAft>
+                  <a:spcPts val="1000"/>
+                </a:spcAft>
+              </a:pPr>
+              <a:r>
+                <a:rPr lang="ko-KR" altLang="en-US" sz="1000" dirty="0">
+                  <a:ln>
+                    <a:solidFill>
+                      <a:schemeClr val="bg1">
+                        <a:lumMod val="75000"/>
+                        <a:alpha val="0"/>
+                      </a:schemeClr>
+                    </a:solidFill>
+                  </a:ln>
+                  <a:latin typeface="Pretendard Light" panose="02000403000000020004" pitchFamily="2" charset="-127"/>
+                  <a:ea typeface="Pretendard Light" panose="02000403000000020004" pitchFamily="2" charset="-127"/>
+                  <a:cs typeface="Pretendard Light" panose="02000403000000020004" pitchFamily="2" charset="-127"/>
+                </a:rPr>
+                <a:t>이제 저만의 전투를 상상에서 그치지 않고 현실에 탄생시키려고 합니다</a:t>
+              </a:r>
+              <a:r>
+                <a:rPr lang="en-US" altLang="ko-KR" sz="1000" dirty="0">
+                  <a:ln>
+                    <a:solidFill>
+                      <a:schemeClr val="bg1">
+                        <a:lumMod val="75000"/>
+                        <a:alpha val="0"/>
+                      </a:schemeClr>
+                    </a:solidFill>
+                  </a:ln>
+                  <a:latin typeface="Pretendard Light" panose="02000403000000020004" pitchFamily="2" charset="-127"/>
+                  <a:ea typeface="Pretendard Light" panose="02000403000000020004" pitchFamily="2" charset="-127"/>
+                  <a:cs typeface="Pretendard Light" panose="02000403000000020004" pitchFamily="2" charset="-127"/>
+                </a:rPr>
+                <a:t>. </a:t>
+              </a:r>
+              <a:r>
+                <a:rPr lang="ko-KR" altLang="en-US" sz="1000" dirty="0">
+                  <a:ln>
+                    <a:solidFill>
+                      <a:schemeClr val="bg1">
+                        <a:lumMod val="75000"/>
+                        <a:alpha val="0"/>
+                      </a:schemeClr>
+                    </a:solidFill>
+                  </a:ln>
+                  <a:latin typeface="Pretendard Light" panose="02000403000000020004" pitchFamily="2" charset="-127"/>
+                  <a:ea typeface="Pretendard Light" panose="02000403000000020004" pitchFamily="2" charset="-127"/>
+                  <a:cs typeface="Pretendard Light" panose="02000403000000020004" pitchFamily="2" charset="-127"/>
+                </a:rPr>
+                <a:t>저의 생각과 경험들을 총동원하여 다른 사람들에게 몰입감과 즐거움을 줄 수 있는 전투를 설계하는 전투 기획자가 되겠습니다</a:t>
+              </a:r>
+              <a:r>
+                <a:rPr lang="en-US" altLang="ko-KR" sz="1000" dirty="0">
+                  <a:ln>
+                    <a:solidFill>
+                      <a:schemeClr val="bg1">
+                        <a:lumMod val="75000"/>
+                        <a:alpha val="0"/>
+                      </a:schemeClr>
+                    </a:solidFill>
+                  </a:ln>
+                  <a:latin typeface="Pretendard Light" panose="02000403000000020004" pitchFamily="2" charset="-127"/>
+                  <a:ea typeface="Pretendard Light" panose="02000403000000020004" pitchFamily="2" charset="-127"/>
+                  <a:cs typeface="Pretendard Light" panose="02000403000000020004" pitchFamily="2" charset="-127"/>
+                </a:rPr>
+                <a:t>.</a:t>
+              </a:r>
+            </a:p>
+            <a:p>
+              <a:pPr>
+                <a:lnSpc>
+                  <a:spcPct val="140000"/>
+                </a:lnSpc>
+                <a:spcAft>
+                  <a:spcPts val="1000"/>
+                </a:spcAft>
+              </a:pPr>
+              <a:endParaRPr lang="en-US" altLang="ko-KR" sz="1000" dirty="0">
+                <a:ln>
+                  <a:solidFill>
+                    <a:schemeClr val="bg1">
+                      <a:lumMod val="75000"/>
+                      <a:alpha val="0"/>
+                    </a:schemeClr>
+                  </a:solidFill>
+                </a:ln>
+                <a:latin typeface="Pretendard Light" panose="02000403000000020004" pitchFamily="2" charset="-127"/>
+                <a:ea typeface="Pretendard Light" panose="02000403000000020004" pitchFamily="2" charset="-127"/>
+                <a:cs typeface="Pretendard Light" panose="02000403000000020004" pitchFamily="2" charset="-127"/>
+              </a:endParaRPr>
+            </a:p>
+            <a:p>
+              <a:pPr>
+                <a:lnSpc>
+                  <a:spcPct val="140000"/>
+                </a:lnSpc>
+                <a:spcAft>
+                  <a:spcPts val="1000"/>
+                </a:spcAft>
+              </a:pPr>
+              <a:endParaRPr lang="en-US" altLang="ko-KR" sz="1000" dirty="0">
+                <a:ln>
+                  <a:solidFill>
+                    <a:schemeClr val="bg1">
+                      <a:lumMod val="75000"/>
+                      <a:alpha val="0"/>
+                    </a:schemeClr>
+                  </a:solidFill>
+                </a:ln>
+                <a:latin typeface="Pretendard Light" panose="02000403000000020004" pitchFamily="2" charset="-127"/>
+                <a:ea typeface="Pretendard Light" panose="02000403000000020004" pitchFamily="2" charset="-127"/>
+                <a:cs typeface="Pretendard Light" panose="02000403000000020004" pitchFamily="2" charset="-127"/>
+              </a:endParaRPr>
+            </a:p>
+            <a:p>
+              <a:pPr>
+                <a:lnSpc>
+                  <a:spcPct val="140000"/>
+                </a:lnSpc>
+                <a:spcAft>
+                  <a:spcPts val="1000"/>
+                </a:spcAft>
+              </a:pPr>
+              <a:r>
+                <a:rPr lang="ko-KR" altLang="en-US" sz="1000" dirty="0">
+                  <a:ln>
+                    <a:solidFill>
+                      <a:schemeClr val="bg1">
+                        <a:lumMod val="75000"/>
+                        <a:alpha val="0"/>
+                      </a:schemeClr>
+                    </a:solidFill>
+                  </a:ln>
+                  <a:latin typeface="Pretendard Light" panose="02000403000000020004" pitchFamily="2" charset="-127"/>
+                  <a:ea typeface="Pretendard Light" panose="02000403000000020004" pitchFamily="2" charset="-127"/>
+                  <a:cs typeface="Pretendard Light" panose="02000403000000020004" pitchFamily="2" charset="-127"/>
+                </a:rPr>
+                <a:t>저는 즐거움을 주는 게임을 만들고 싶다는 목표로 게임 업계에 발을 딛었습니다</a:t>
+              </a:r>
+              <a:r>
+                <a:rPr lang="en-US" altLang="ko-KR" sz="1000" dirty="0">
+                  <a:ln>
+                    <a:solidFill>
+                      <a:schemeClr val="bg1">
+                        <a:lumMod val="75000"/>
+                        <a:alpha val="0"/>
+                      </a:schemeClr>
+                    </a:solidFill>
+                  </a:ln>
+                  <a:latin typeface="Pretendard Light" panose="02000403000000020004" pitchFamily="2" charset="-127"/>
+                  <a:ea typeface="Pretendard Light" panose="02000403000000020004" pitchFamily="2" charset="-127"/>
+                  <a:cs typeface="Pretendard Light" panose="02000403000000020004" pitchFamily="2" charset="-127"/>
+                </a:rPr>
+                <a:t>. </a:t>
+              </a:r>
+              <a:r>
+                <a:rPr lang="ko-KR" altLang="en-US" sz="1000" dirty="0">
+                  <a:ln>
+                    <a:solidFill>
+                      <a:schemeClr val="bg1">
+                        <a:lumMod val="75000"/>
+                        <a:alpha val="0"/>
+                      </a:schemeClr>
+                    </a:solidFill>
+                  </a:ln>
+                  <a:latin typeface="Pretendard Light" panose="02000403000000020004" pitchFamily="2" charset="-127"/>
+                  <a:ea typeface="Pretendard Light" panose="02000403000000020004" pitchFamily="2" charset="-127"/>
+                  <a:cs typeface="Pretendard Light" panose="02000403000000020004" pitchFamily="2" charset="-127"/>
+                </a:rPr>
+                <a:t>대학교에서 게임 공학을 전공하며</a:t>
+              </a:r>
+              <a:r>
+                <a:rPr lang="en-US" altLang="ko-KR" sz="1000" dirty="0">
+                  <a:ln>
+                    <a:solidFill>
+                      <a:schemeClr val="bg1">
+                        <a:lumMod val="75000"/>
+                        <a:alpha val="0"/>
+                      </a:schemeClr>
+                    </a:solidFill>
+                  </a:ln>
+                  <a:latin typeface="Pretendard Light" panose="02000403000000020004" pitchFamily="2" charset="-127"/>
+                  <a:ea typeface="Pretendard Light" panose="02000403000000020004" pitchFamily="2" charset="-127"/>
+                  <a:cs typeface="Pretendard Light" panose="02000403000000020004" pitchFamily="2" charset="-127"/>
+                </a:rPr>
+                <a:t> </a:t>
+              </a:r>
+              <a:r>
+                <a:rPr lang="ko-KR" altLang="en-US" sz="1000" dirty="0">
+                  <a:ln>
+                    <a:solidFill>
+                      <a:schemeClr val="bg1">
+                        <a:lumMod val="75000"/>
+                        <a:alpha val="0"/>
+                      </a:schemeClr>
+                    </a:solidFill>
+                  </a:ln>
+                  <a:latin typeface="Pretendard Light" panose="02000403000000020004" pitchFamily="2" charset="-127"/>
+                  <a:ea typeface="Pretendard Light" panose="02000403000000020004" pitchFamily="2" charset="-127"/>
+                  <a:cs typeface="Pretendard Light" panose="02000403000000020004" pitchFamily="2" charset="-127"/>
+                </a:rPr>
+                <a:t>프로그래머로서 개발 경험을 쌓았지만</a:t>
+              </a:r>
+              <a:r>
+                <a:rPr lang="en-US" altLang="ko-KR" sz="1000" dirty="0">
+                  <a:ln>
+                    <a:solidFill>
+                      <a:schemeClr val="bg1">
+                        <a:lumMod val="75000"/>
+                        <a:alpha val="0"/>
+                      </a:schemeClr>
+                    </a:solidFill>
+                  </a:ln>
+                  <a:latin typeface="Pretendard Light" panose="02000403000000020004" pitchFamily="2" charset="-127"/>
+                  <a:ea typeface="Pretendard Light" panose="02000403000000020004" pitchFamily="2" charset="-127"/>
+                  <a:cs typeface="Pretendard Light" panose="02000403000000020004" pitchFamily="2" charset="-127"/>
+                </a:rPr>
+                <a:t>, </a:t>
+              </a:r>
+              <a:r>
+                <a:rPr lang="ko-KR" altLang="en-US" sz="1000" dirty="0">
+                  <a:ln>
+                    <a:solidFill>
+                      <a:schemeClr val="bg1">
+                        <a:lumMod val="75000"/>
+                        <a:alpha val="0"/>
+                      </a:schemeClr>
+                    </a:solidFill>
+                  </a:ln>
+                  <a:latin typeface="Pretendard Light" panose="02000403000000020004" pitchFamily="2" charset="-127"/>
+                  <a:ea typeface="Pretendard Light" panose="02000403000000020004" pitchFamily="2" charset="-127"/>
+                  <a:cs typeface="Pretendard Light" panose="02000403000000020004" pitchFamily="2" charset="-127"/>
+                </a:rPr>
+                <a:t>누군가의 상상을 대신 구현해 주는 일보다 저의 아이디어와 상상으로 즐거운 경험을 주고 싶은 마음이 더 커졌습니다</a:t>
+              </a:r>
+              <a:r>
+                <a:rPr lang="en-US" altLang="ko-KR" sz="1000" dirty="0">
+                  <a:ln>
+                    <a:solidFill>
+                      <a:schemeClr val="bg1">
+                        <a:lumMod val="75000"/>
+                        <a:alpha val="0"/>
+                      </a:schemeClr>
+                    </a:solidFill>
+                  </a:ln>
+                  <a:latin typeface="Pretendard Light" panose="02000403000000020004" pitchFamily="2" charset="-127"/>
+                  <a:ea typeface="Pretendard Light" panose="02000403000000020004" pitchFamily="2" charset="-127"/>
+                  <a:cs typeface="Pretendard Light" panose="02000403000000020004" pitchFamily="2" charset="-127"/>
+                </a:rPr>
+                <a:t>. </a:t>
+              </a:r>
+              <a:r>
+                <a:rPr lang="ko-KR" altLang="en-US" sz="1000" dirty="0">
+                  <a:ln>
+                    <a:solidFill>
+                      <a:schemeClr val="bg1">
+                        <a:lumMod val="75000"/>
+                        <a:alpha val="0"/>
+                      </a:schemeClr>
+                    </a:solidFill>
+                  </a:ln>
+                  <a:latin typeface="Pretendard Light" panose="02000403000000020004" pitchFamily="2" charset="-127"/>
+                  <a:ea typeface="Pretendard Light" panose="02000403000000020004" pitchFamily="2" charset="-127"/>
+                  <a:cs typeface="Pretendard Light" panose="02000403000000020004" pitchFamily="2" charset="-127"/>
+                </a:rPr>
+                <a:t>생각해보니</a:t>
+              </a:r>
+              <a:r>
+                <a:rPr lang="en-US" altLang="ko-KR" sz="1000" dirty="0">
+                  <a:ln>
+                    <a:solidFill>
+                      <a:schemeClr val="bg1">
+                        <a:lumMod val="75000"/>
+                        <a:alpha val="0"/>
+                      </a:schemeClr>
+                    </a:solidFill>
+                  </a:ln>
+                  <a:latin typeface="Pretendard Light" panose="02000403000000020004" pitchFamily="2" charset="-127"/>
+                  <a:ea typeface="Pretendard Light" panose="02000403000000020004" pitchFamily="2" charset="-127"/>
+                  <a:cs typeface="Pretendard Light" panose="02000403000000020004" pitchFamily="2" charset="-127"/>
+                </a:rPr>
+                <a:t>, </a:t>
+              </a:r>
+            </a:p>
+            <a:p>
+              <a:pPr>
+                <a:lnSpc>
+                  <a:spcPct val="140000"/>
+                </a:lnSpc>
+                <a:spcAft>
+                  <a:spcPts val="1000"/>
+                </a:spcAft>
+              </a:pPr>
+              <a:r>
+                <a:rPr lang="ko-KR" altLang="en-US" sz="1000" dirty="0">
+                  <a:ln>
+                    <a:solidFill>
+                      <a:schemeClr val="bg1">
+                        <a:lumMod val="75000"/>
+                        <a:alpha val="0"/>
+                      </a:schemeClr>
+                    </a:solidFill>
+                  </a:ln>
+                  <a:latin typeface="Pretendard Light" panose="02000403000000020004" pitchFamily="2" charset="-127"/>
+                  <a:ea typeface="Pretendard Light" panose="02000403000000020004" pitchFamily="2" charset="-127"/>
+                  <a:cs typeface="Pretendard Light" panose="02000403000000020004" pitchFamily="2" charset="-127"/>
+                </a:rPr>
+                <a:t>제가 게임을 통해 즐거움을 느낄 때는 최적화가 잘 되어 있는 게임</a:t>
+              </a:r>
+              <a:r>
+                <a:rPr lang="en-US" altLang="ko-KR" sz="1000" dirty="0">
+                  <a:ln>
+                    <a:solidFill>
+                      <a:schemeClr val="bg1">
+                        <a:lumMod val="75000"/>
+                        <a:alpha val="0"/>
+                      </a:schemeClr>
+                    </a:solidFill>
+                  </a:ln>
+                  <a:latin typeface="Pretendard Light" panose="02000403000000020004" pitchFamily="2" charset="-127"/>
+                  <a:ea typeface="Pretendard Light" panose="02000403000000020004" pitchFamily="2" charset="-127"/>
+                  <a:cs typeface="Pretendard Light" panose="02000403000000020004" pitchFamily="2" charset="-127"/>
+                </a:rPr>
+                <a:t>, </a:t>
+              </a:r>
+              <a:r>
+                <a:rPr lang="ko-KR" altLang="en-US" sz="1000" dirty="0">
+                  <a:ln>
+                    <a:solidFill>
+                      <a:schemeClr val="bg1">
+                        <a:lumMod val="75000"/>
+                        <a:alpha val="0"/>
+                      </a:schemeClr>
+                    </a:solidFill>
+                  </a:ln>
+                  <a:latin typeface="Pretendard Light" panose="02000403000000020004" pitchFamily="2" charset="-127"/>
+                  <a:ea typeface="Pretendard Light" panose="02000403000000020004" pitchFamily="2" charset="-127"/>
+                  <a:cs typeface="Pretendard Light" panose="02000403000000020004" pitchFamily="2" charset="-127"/>
+                </a:rPr>
+                <a:t>구현이 잘 된 게임이 아니라 전투가 재미있는 지</a:t>
+              </a:r>
+              <a:r>
+                <a:rPr lang="en-US" altLang="ko-KR" sz="1000" dirty="0">
+                  <a:ln>
+                    <a:solidFill>
+                      <a:schemeClr val="bg1">
+                        <a:lumMod val="75000"/>
+                        <a:alpha val="0"/>
+                      </a:schemeClr>
+                    </a:solidFill>
+                  </a:ln>
+                  <a:latin typeface="Pretendard Light" panose="02000403000000020004" pitchFamily="2" charset="-127"/>
+                  <a:ea typeface="Pretendard Light" panose="02000403000000020004" pitchFamily="2" charset="-127"/>
+                  <a:cs typeface="Pretendard Light" panose="02000403000000020004" pitchFamily="2" charset="-127"/>
+                </a:rPr>
+                <a:t>, </a:t>
+              </a:r>
+              <a:r>
+                <a:rPr lang="ko-KR" altLang="en-US" sz="1000" dirty="0">
+                  <a:ln>
+                    <a:solidFill>
+                      <a:schemeClr val="bg1">
+                        <a:lumMod val="75000"/>
+                        <a:alpha val="0"/>
+                      </a:schemeClr>
+                    </a:solidFill>
+                  </a:ln>
+                  <a:latin typeface="Pretendard Light" panose="02000403000000020004" pitchFamily="2" charset="-127"/>
+                  <a:ea typeface="Pretendard Light" panose="02000403000000020004" pitchFamily="2" charset="-127"/>
+                  <a:cs typeface="Pretendard Light" panose="02000403000000020004" pitchFamily="2" charset="-127"/>
+                </a:rPr>
+                <a:t>캐릭터의 </a:t>
+              </a:r>
+              <a:r>
+                <a:rPr lang="ko-KR" altLang="en-US" sz="1000" dirty="0" err="1">
+                  <a:ln>
+                    <a:solidFill>
+                      <a:schemeClr val="bg1">
+                        <a:lumMod val="75000"/>
+                        <a:alpha val="0"/>
+                      </a:schemeClr>
+                    </a:solidFill>
+                  </a:ln>
+                  <a:latin typeface="Pretendard Light" panose="02000403000000020004" pitchFamily="2" charset="-127"/>
+                  <a:ea typeface="Pretendard Light" panose="02000403000000020004" pitchFamily="2" charset="-127"/>
+                  <a:cs typeface="Pretendard Light" panose="02000403000000020004" pitchFamily="2" charset="-127"/>
+                </a:rPr>
+                <a:t>컨섭과</a:t>
+              </a:r>
+              <a:r>
+                <a:rPr lang="ko-KR" altLang="en-US" sz="1000" dirty="0">
+                  <a:ln>
+                    <a:solidFill>
+                      <a:schemeClr val="bg1">
+                        <a:lumMod val="75000"/>
+                        <a:alpha val="0"/>
+                      </a:schemeClr>
+                    </a:solidFill>
+                  </a:ln>
+                  <a:latin typeface="Pretendard Light" panose="02000403000000020004" pitchFamily="2" charset="-127"/>
+                  <a:ea typeface="Pretendard Light" panose="02000403000000020004" pitchFamily="2" charset="-127"/>
+                  <a:cs typeface="Pretendard Light" panose="02000403000000020004" pitchFamily="2" charset="-127"/>
+                </a:rPr>
+                <a:t> 전투가 잘 어울리는지 였습니다</a:t>
+              </a:r>
+              <a:r>
+                <a:rPr lang="en-US" altLang="ko-KR" sz="1000" dirty="0">
+                  <a:ln>
+                    <a:solidFill>
+                      <a:schemeClr val="bg1">
+                        <a:lumMod val="75000"/>
+                        <a:alpha val="0"/>
+                      </a:schemeClr>
+                    </a:solidFill>
+                  </a:ln>
+                  <a:latin typeface="Pretendard Light" panose="02000403000000020004" pitchFamily="2" charset="-127"/>
+                  <a:ea typeface="Pretendard Light" panose="02000403000000020004" pitchFamily="2" charset="-127"/>
+                  <a:cs typeface="Pretendard Light" panose="02000403000000020004" pitchFamily="2" charset="-127"/>
+                </a:rPr>
+                <a:t>. </a:t>
+              </a:r>
+            </a:p>
+          </p:txBody>
+        </p:sp>
+        <p:sp>
+          <p:nvSpPr>
+            <p:cNvPr id="5" name="직사각형 4">
+              <a:extLst>
+                <a:ext uri="{FF2B5EF4-FFF2-40B4-BE49-F238E27FC236}">
+                  <a16:creationId xmlns:a16="http://schemas.microsoft.com/office/drawing/2014/main" id="{EFF410A2-B449-A043-6C3D-8497C1931188}"/>
+                </a:ext>
+              </a:extLst>
+            </p:cNvPr>
+            <p:cNvSpPr/>
+            <p:nvPr/>
+          </p:nvSpPr>
+          <p:spPr>
+            <a:xfrm>
+              <a:off x="189000" y="2131168"/>
+              <a:ext cx="6480671" cy="398381"/>
+            </a:xfrm>
+            <a:prstGeom prst="rect">
+              <a:avLst/>
+            </a:prstGeom>
+            <a:solidFill>
+              <a:srgbClr val="E1F2FF"/>
+            </a:solidFill>
+            <a:ln>
+              <a:noFill/>
+            </a:ln>
+            <a:effectLst/>
+          </p:spPr>
+          <p:style>
+            <a:lnRef idx="2">
+              <a:schemeClr val="accent1">
+                <a:shade val="15000"/>
+              </a:schemeClr>
+            </a:lnRef>
+            <a:fillRef idx="1">
+              <a:schemeClr val="accent1"/>
+            </a:fillRef>
+            <a:effectRef idx="0">
+              <a:schemeClr val="accent1"/>
+            </a:effectRef>
+            <a:fontRef idx="minor">
+              <a:schemeClr val="lt1"/>
+            </a:fontRef>
+          </p:style>
+          <p:txBody>
+            <a:bodyPr rtlCol="0" anchor="ctr"/>
+            <a:lstStyle/>
+            <a:p>
+              <a:pPr algn="ctr"/>
+              <a:endParaRPr lang="ko-KR" altLang="en-US" sz="1013"/>
+            </a:p>
+          </p:txBody>
+        </p:sp>
+        <p:sp>
+          <p:nvSpPr>
+            <p:cNvPr id="6" name="TextBox 5">
+              <a:extLst>
+                <a:ext uri="{FF2B5EF4-FFF2-40B4-BE49-F238E27FC236}">
+                  <a16:creationId xmlns:a16="http://schemas.microsoft.com/office/drawing/2014/main" id="{E9A425BF-F26F-EB6D-0CE9-A3494409935E}"/>
+                </a:ext>
+              </a:extLst>
+            </p:cNvPr>
+            <p:cNvSpPr txBox="1"/>
+            <p:nvPr/>
+          </p:nvSpPr>
+          <p:spPr>
+            <a:xfrm>
+              <a:off x="294162" y="2245721"/>
+              <a:ext cx="801501" cy="169277"/>
+            </a:xfrm>
+            <a:prstGeom prst="rect">
+              <a:avLst/>
+            </a:prstGeom>
+            <a:noFill/>
+          </p:spPr>
+          <p:txBody>
+            <a:bodyPr wrap="none" lIns="0" tIns="0" rIns="0" bIns="0" rtlCol="0" anchor="t">
+              <a:spAutoFit/>
+            </a:bodyPr>
+            <a:lstStyle/>
+            <a:p>
+              <a:r>
+                <a:rPr lang="ko-KR" altLang="en-US" sz="1100" dirty="0">
+                  <a:latin typeface="페이퍼로지 7 Bold" pitchFamily="2" charset="-127"/>
+                  <a:ea typeface="페이퍼로지 7 Bold" pitchFamily="2" charset="-127"/>
+                  <a:cs typeface="Pretendard Medium" panose="02000603000000020004" pitchFamily="2" charset="-127"/>
+                </a:rPr>
+                <a:t>직무 지원 동기</a:t>
+              </a:r>
+            </a:p>
+          </p:txBody>
+        </p:sp>
+        <p:cxnSp>
+          <p:nvCxnSpPr>
+            <p:cNvPr id="7" name="직선 연결선 6">
+              <a:extLst>
+                <a:ext uri="{FF2B5EF4-FFF2-40B4-BE49-F238E27FC236}">
+                  <a16:creationId xmlns:a16="http://schemas.microsoft.com/office/drawing/2014/main" id="{33A7EF68-3835-78C6-5E85-771ECBE98C16}"/>
+                </a:ext>
+              </a:extLst>
+            </p:cNvPr>
+            <p:cNvCxnSpPr>
+              <a:cxnSpLocks/>
+            </p:cNvCxnSpPr>
+            <p:nvPr/>
+          </p:nvCxnSpPr>
+          <p:spPr>
+            <a:xfrm>
+              <a:off x="189001" y="2529550"/>
+              <a:ext cx="6480000" cy="0"/>
+            </a:xfrm>
+            <a:prstGeom prst="line">
+              <a:avLst/>
+            </a:prstGeom>
+            <a:ln w="9525">
+              <a:solidFill>
+                <a:schemeClr val="bg1">
+                  <a:lumMod val="75000"/>
+                </a:schemeClr>
+              </a:solidFill>
+            </a:ln>
+          </p:spPr>
+          <p:style>
+            <a:lnRef idx="2">
+              <a:schemeClr val="accent1"/>
+            </a:lnRef>
+            <a:fillRef idx="0">
+              <a:schemeClr val="accent1"/>
+            </a:fillRef>
+            <a:effectRef idx="1">
+              <a:schemeClr val="accent1"/>
+            </a:effectRef>
+            <a:fontRef idx="minor">
+              <a:schemeClr val="tx1"/>
+            </a:fontRef>
+          </p:style>
+        </p:cxnSp>
+        <p:sp>
+          <p:nvSpPr>
+            <p:cNvPr id="8" name="직사각형 7">
+              <a:extLst>
+                <a:ext uri="{FF2B5EF4-FFF2-40B4-BE49-F238E27FC236}">
+                  <a16:creationId xmlns:a16="http://schemas.microsoft.com/office/drawing/2014/main" id="{244DBAE5-E22B-3361-34CF-D2BE384E6DC5}"/>
+                </a:ext>
+              </a:extLst>
+            </p:cNvPr>
+            <p:cNvSpPr/>
+            <p:nvPr/>
+          </p:nvSpPr>
+          <p:spPr>
+            <a:xfrm>
+              <a:off x="189000" y="2131166"/>
+              <a:ext cx="6480000" cy="6513619"/>
+            </a:xfrm>
+            <a:prstGeom prst="rect">
+              <a:avLst/>
+            </a:prstGeom>
+            <a:noFill/>
+            <a:ln w="12700">
+              <a:solidFill>
+                <a:schemeClr val="bg1">
+                  <a:lumMod val="75000"/>
+                </a:schemeClr>
+              </a:solidFill>
+            </a:ln>
+            <a:effectLst/>
+          </p:spPr>
+          <p:style>
+            <a:lnRef idx="2">
+              <a:schemeClr val="accent1">
+                <a:shade val="15000"/>
+              </a:schemeClr>
+            </a:lnRef>
+            <a:fillRef idx="1">
+              <a:schemeClr val="accent1"/>
+            </a:fillRef>
+            <a:effectRef idx="0">
+              <a:schemeClr val="accent1"/>
+            </a:effectRef>
+            <a:fontRef idx="minor">
+              <a:schemeClr val="lt1"/>
+            </a:fontRef>
+          </p:style>
+          <p:txBody>
+            <a:bodyPr rtlCol="0" anchor="ctr"/>
+            <a:lstStyle/>
+            <a:p>
+              <a:pPr algn="ctr"/>
+              <a:endParaRPr lang="ko-KR" altLang="en-US" sz="1000" dirty="0"/>
+            </a:p>
+          </p:txBody>
+        </p:sp>
+      </p:grpSp>
+    </p:spTree>
+    <p:extLst>
+      <p:ext uri="{BB962C8B-B14F-4D97-AF65-F5344CB8AC3E}">
+        <p14:creationId xmlns:p14="http://schemas.microsoft.com/office/powerpoint/2010/main" val="2285375035"/>
       </p:ext>
     </p:extLst>
   </p:cSld>

--- a/제출 문서 모음/자소서/게임기획_홍진선_자기소개서.pptx
+++ b/제출 문서 모음/자소서/게임기획_홍진선_자기소개서.pptx
@@ -221,7 +221,7 @@
           <a:p>
             <a:fld id="{48B3DEB8-77A6-476E-AE55-2701C232BFD3}" type="datetimeFigureOut">
               <a:rPr lang="ko-KR" altLang="en-US" smtClean="0"/>
-              <a:t>2025-10-22</a:t>
+              <a:t>2025-10-24</a:t>
             </a:fld>
             <a:endParaRPr lang="ko-KR" altLang="en-US"/>
           </a:p>
@@ -619,7 +619,7 @@
           <a:p>
             <a:fld id="{8B3C456F-26E4-4537-8D17-6AF6B16C4EC3}" type="datetime1">
               <a:rPr lang="ko-KR" altLang="en-US" smtClean="0"/>
-              <a:t>2025-10-22</a:t>
+              <a:t>2025-10-24</a:t>
             </a:fld>
             <a:endParaRPr lang="ko-KR" altLang="en-US"/>
           </a:p>
@@ -805,7 +805,7 @@
           <a:p>
             <a:fld id="{E6D33B4A-0016-47D3-943A-74733C859B59}" type="datetime1">
               <a:rPr lang="ko-KR" altLang="en-US" smtClean="0"/>
-              <a:t>2025-10-22</a:t>
+              <a:t>2025-10-24</a:t>
             </a:fld>
             <a:endParaRPr lang="ko-KR" altLang="en-US"/>
           </a:p>
@@ -985,7 +985,7 @@
           <a:p>
             <a:fld id="{D56110C3-51C5-4712-BB64-03D4EDA68AE3}" type="datetime1">
               <a:rPr lang="ko-KR" altLang="en-US" smtClean="0"/>
-              <a:t>2025-10-22</a:t>
+              <a:t>2025-10-24</a:t>
             </a:fld>
             <a:endParaRPr lang="ko-KR" altLang="en-US"/>
           </a:p>
@@ -1155,7 +1155,7 @@
           <a:p>
             <a:fld id="{5F7F1CC6-63D1-47CA-AD1F-91D7A3AEAC66}" type="datetime1">
               <a:rPr lang="ko-KR" altLang="en-US" smtClean="0"/>
-              <a:t>2025-10-22</a:t>
+              <a:t>2025-10-24</a:t>
             </a:fld>
             <a:endParaRPr lang="ko-KR" altLang="en-US"/>
           </a:p>
@@ -1401,7 +1401,7 @@
           <a:p>
             <a:fld id="{4D9753DC-9741-44AB-950C-EAF55D0BA909}" type="datetime1">
               <a:rPr lang="ko-KR" altLang="en-US" smtClean="0"/>
-              <a:t>2025-10-22</a:t>
+              <a:t>2025-10-24</a:t>
             </a:fld>
             <a:endParaRPr lang="ko-KR" altLang="en-US"/>
           </a:p>
@@ -1633,7 +1633,7 @@
           <a:p>
             <a:fld id="{B0BD88FC-0747-42FA-97B4-C821938264BA}" type="datetime1">
               <a:rPr lang="ko-KR" altLang="en-US" smtClean="0"/>
-              <a:t>2025-10-22</a:t>
+              <a:t>2025-10-24</a:t>
             </a:fld>
             <a:endParaRPr lang="ko-KR" altLang="en-US"/>
           </a:p>
@@ -2000,7 +2000,7 @@
           <a:p>
             <a:fld id="{634205C6-2B4D-4322-89B0-3B8CB899C599}" type="datetime1">
               <a:rPr lang="ko-KR" altLang="en-US" smtClean="0"/>
-              <a:t>2025-10-22</a:t>
+              <a:t>2025-10-24</a:t>
             </a:fld>
             <a:endParaRPr lang="ko-KR" altLang="en-US"/>
           </a:p>
@@ -2118,7 +2118,7 @@
           <a:p>
             <a:fld id="{D3C3240D-A81B-40EA-A8A9-CD43A60759E2}" type="datetime1">
               <a:rPr lang="ko-KR" altLang="en-US" smtClean="0"/>
-              <a:t>2025-10-22</a:t>
+              <a:t>2025-10-24</a:t>
             </a:fld>
             <a:endParaRPr lang="ko-KR" altLang="en-US"/>
           </a:p>
@@ -2213,7 +2213,7 @@
           <a:p>
             <a:fld id="{B638CA96-33E1-4DC7-A964-69BDB846C2EC}" type="datetime1">
               <a:rPr lang="ko-KR" altLang="en-US" smtClean="0"/>
-              <a:t>2025-10-22</a:t>
+              <a:t>2025-10-24</a:t>
             </a:fld>
             <a:endParaRPr lang="ko-KR" altLang="en-US"/>
           </a:p>
@@ -2501,7 +2501,7 @@
           <a:p>
             <a:fld id="{9E27C171-AB78-4CA5-8A49-845326BC0825}" type="datetime1">
               <a:rPr lang="ko-KR" altLang="en-US" smtClean="0"/>
-              <a:t>2025-10-22</a:t>
+              <a:t>2025-10-24</a:t>
             </a:fld>
             <a:endParaRPr lang="ko-KR" altLang="en-US"/>
           </a:p>
@@ -2758,7 +2758,7 @@
           <a:p>
             <a:fld id="{8EED6D7E-4DE0-4E81-ADE2-0F10194E5F68}" type="datetime1">
               <a:rPr lang="ko-KR" altLang="en-US" smtClean="0"/>
-              <a:t>2025-10-22</a:t>
+              <a:t>2025-10-24</a:t>
             </a:fld>
             <a:endParaRPr lang="ko-KR" altLang="en-US"/>
           </a:p>
@@ -2971,7 +2971,7 @@
           <a:p>
             <a:fld id="{72FC9454-618B-4601-B0FC-B31AFE475097}" type="datetime1">
               <a:rPr lang="ko-KR" altLang="en-US" smtClean="0"/>
-              <a:t>2025-10-22</a:t>
+              <a:t>2025-10-24</a:t>
             </a:fld>
             <a:endParaRPr lang="ko-KR" altLang="en-US"/>
           </a:p>
@@ -6399,9 +6399,9 @@
         <p:grpSpPr>
           <a:xfrm>
             <a:off x="188665" y="141180"/>
-            <a:ext cx="6480671" cy="4696528"/>
+            <a:ext cx="6480671" cy="5383896"/>
             <a:chOff x="185458" y="344488"/>
-            <a:chExt cx="6480671" cy="4696528"/>
+            <a:chExt cx="6480671" cy="5383896"/>
           </a:xfrm>
         </p:grpSpPr>
         <p:sp>
@@ -6419,7 +6419,7 @@
           <p:spPr>
             <a:xfrm>
               <a:off x="290620" y="742870"/>
-              <a:ext cx="6269676" cy="4298146"/>
+              <a:ext cx="6269676" cy="4985514"/>
             </a:xfrm>
             <a:prstGeom prst="rect">
               <a:avLst/>
@@ -6482,7 +6482,11 @@
                 <a:t>논리적으로 캐릭터의 컨셉에 어울리는 전투를 설계하는 전투 기획자</a:t>
               </a:r>
               <a:br>
-                <a:rPr lang="en-US" altLang="ko-KR" dirty="0"/>
+                <a:rPr lang="en-US" altLang="ko-KR" dirty="0">
+                  <a:latin typeface="Pretendard Medium" panose="02000603000000020004" pitchFamily="2" charset="-127"/>
+                  <a:ea typeface="Pretendard Medium" panose="02000603000000020004" pitchFamily="2" charset="-127"/>
+                  <a:cs typeface="Pretendard Medium" panose="02000603000000020004" pitchFamily="2" charset="-127"/>
+                </a:rPr>
               </a:br>
               <a:r>
                 <a:rPr lang="ko-KR" altLang="en-US" dirty="0"/>
@@ -6526,7 +6530,7 @@
               </a:r>
               <a:r>
                 <a:rPr lang="en-US" altLang="ko-KR" dirty="0"/>
-                <a:t>. </a:t>
+                <a:t>.</a:t>
               </a:r>
             </a:p>
             <a:p>
@@ -6640,7 +6644,7 @@
               </a:r>
               <a:r>
                 <a:rPr lang="en-US" altLang="ko-KR" dirty="0"/>
-                <a:t>.  </a:t>
+                <a:t>.</a:t>
               </a:r>
             </a:p>
             <a:p>
@@ -6652,61 +6656,7 @@
                   <a:spcPts val="1000"/>
                 </a:spcAft>
               </a:pPr>
-              <a:r>
-                <a:rPr lang="en-US" altLang="ko-KR" dirty="0">
-                  <a:latin typeface="Pretendard Medium" panose="02000603000000020004" pitchFamily="2" charset="-127"/>
-                  <a:ea typeface="Pretendard Medium" panose="02000603000000020004" pitchFamily="2" charset="-127"/>
-                  <a:cs typeface="Pretendard Medium" panose="02000603000000020004" pitchFamily="2" charset="-127"/>
-                </a:rPr>
-                <a:t># </a:t>
-              </a:r>
-              <a:r>
-                <a:rPr lang="ko-KR" altLang="en-US" dirty="0">
-                  <a:latin typeface="Pretendard Medium" panose="02000603000000020004" pitchFamily="2" charset="-127"/>
-                  <a:ea typeface="Pretendard Medium" panose="02000603000000020004" pitchFamily="2" charset="-127"/>
-                  <a:cs typeface="Pretendard Medium" panose="02000603000000020004" pitchFamily="2" charset="-127"/>
-                </a:rPr>
-                <a:t>스스로를 먼저 설득하는 기획자</a:t>
-              </a:r>
-              <a:r>
-                <a:rPr lang="en-US" altLang="ko-KR" dirty="0">
-                  <a:latin typeface="Pretendard Medium" panose="02000603000000020004" pitchFamily="2" charset="-127"/>
-                  <a:ea typeface="Pretendard Medium" panose="02000603000000020004" pitchFamily="2" charset="-127"/>
-                  <a:cs typeface="Pretendard Medium" panose="02000603000000020004" pitchFamily="2" charset="-127"/>
-                </a:rPr>
-                <a:t>.</a:t>
-              </a:r>
-              <a:br>
-                <a:rPr lang="en-US" altLang="ko-KR" dirty="0"/>
-              </a:br>
-              <a:r>
-                <a:rPr lang="ko-KR" altLang="en-US" dirty="0"/>
-                <a:t>저는 문제가 발생했을 때 논리적인 사고로 결론을 도출하게 되는 성격입니다</a:t>
-              </a:r>
-              <a:r>
-                <a:rPr lang="en-US" altLang="ko-KR" dirty="0"/>
-                <a:t>. </a:t>
-              </a:r>
-              <a:r>
-                <a:rPr lang="ko-KR" altLang="en-US" dirty="0"/>
-                <a:t>스스로 이해가 되어야 제대로 문제를 해결했다는 생각이 들기 때문입니다</a:t>
-              </a:r>
-              <a:r>
-                <a:rPr lang="en-US" altLang="ko-KR" dirty="0"/>
-                <a:t>. </a:t>
-              </a:r>
-              <a:r>
-                <a:rPr lang="ko-KR" altLang="en-US" dirty="0"/>
-                <a:t>캐릭터의 컨셉에 어울리는 전투를 설계할 때 논리적으로 접근하는 것도 같은 </a:t>
-              </a:r>
-              <a:r>
-                <a:rPr lang="ko-KR" altLang="en-US" dirty="0" err="1"/>
-                <a:t>이유에서입니다</a:t>
-              </a:r>
-              <a:r>
-                <a:rPr lang="en-US" altLang="ko-KR" dirty="0"/>
-                <a:t>. </a:t>
-              </a:r>
+              <a:endParaRPr lang="en-US" altLang="ko-KR" dirty="0"/>
             </a:p>
             <a:p>
               <a:pPr>
@@ -6718,6 +6668,75 @@
                 </a:spcAft>
               </a:pPr>
               <a:r>
+                <a:rPr lang="en-US" altLang="ko-KR" dirty="0">
+                  <a:latin typeface="Pretendard Medium" panose="02000603000000020004" pitchFamily="2" charset="-127"/>
+                  <a:ea typeface="Pretendard Medium" panose="02000603000000020004" pitchFamily="2" charset="-127"/>
+                  <a:cs typeface="Pretendard Medium" panose="02000603000000020004" pitchFamily="2" charset="-127"/>
+                </a:rPr>
+                <a:t># </a:t>
+              </a:r>
+              <a:r>
+                <a:rPr lang="ko-KR" altLang="en-US" dirty="0">
+                  <a:latin typeface="Pretendard Medium" panose="02000603000000020004" pitchFamily="2" charset="-127"/>
+                  <a:ea typeface="Pretendard Medium" panose="02000603000000020004" pitchFamily="2" charset="-127"/>
+                  <a:cs typeface="Pretendard Medium" panose="02000603000000020004" pitchFamily="2" charset="-127"/>
+                </a:rPr>
+                <a:t>스스로를 먼저 설득하는 기획자</a:t>
+              </a:r>
+              <a:r>
+                <a:rPr lang="en-US" altLang="ko-KR" dirty="0">
+                  <a:latin typeface="Pretendard Medium" panose="02000603000000020004" pitchFamily="2" charset="-127"/>
+                  <a:ea typeface="Pretendard Medium" panose="02000603000000020004" pitchFamily="2" charset="-127"/>
+                  <a:cs typeface="Pretendard Medium" panose="02000603000000020004" pitchFamily="2" charset="-127"/>
+                </a:rPr>
+                <a:t>.</a:t>
+              </a:r>
+              <a:br>
+                <a:rPr lang="en-US" altLang="ko-KR" dirty="0">
+                  <a:latin typeface="Pretendard Medium" panose="02000603000000020004" pitchFamily="2" charset="-127"/>
+                  <a:ea typeface="Pretendard Medium" panose="02000603000000020004" pitchFamily="2" charset="-127"/>
+                  <a:cs typeface="Pretendard Medium" panose="02000603000000020004" pitchFamily="2" charset="-127"/>
+                </a:rPr>
+              </a:br>
+              <a:r>
+                <a:rPr lang="ko-KR" altLang="en-US" dirty="0"/>
+                <a:t>저는 문제가 발생했을 때 논리적인 사고로 결론을 도출하게 되는 성격입니다</a:t>
+              </a:r>
+              <a:r>
+                <a:rPr lang="en-US" altLang="ko-KR" dirty="0"/>
+                <a:t>. </a:t>
+              </a:r>
+              <a:r>
+                <a:rPr lang="ko-KR" altLang="en-US" dirty="0"/>
+                <a:t>스스로 이해가 되어야 제대로 문제를 해결했다는 생각이 들기 때문입니다</a:t>
+              </a:r>
+              <a:r>
+                <a:rPr lang="en-US" altLang="ko-KR" dirty="0"/>
+                <a:t>. </a:t>
+              </a:r>
+              <a:r>
+                <a:rPr lang="ko-KR" altLang="en-US" dirty="0"/>
+                <a:t>캐릭터의 컨셉에 어울리는 전투를 설계할 때 논리적으로 접근하는 것도 같은 </a:t>
+              </a:r>
+              <a:r>
+                <a:rPr lang="ko-KR" altLang="en-US" dirty="0" err="1"/>
+                <a:t>이유에서입니다</a:t>
+              </a:r>
+              <a:r>
+                <a:rPr lang="en-US" altLang="ko-KR" dirty="0"/>
+                <a:t>.</a:t>
+              </a:r>
+            </a:p>
+            <a:p>
+              <a:pPr>
+                <a:lnSpc>
+                  <a:spcPct val="140000"/>
+                </a:lnSpc>
+                <a:spcAft>
+                  <a:spcPts val="1000"/>
+                </a:spcAft>
+              </a:pPr>
+              <a:r>
                 <a:rPr lang="ko-KR" altLang="en-US" dirty="0"/>
                 <a:t>협업 과정에서도 명확한 근거를 바탕으로 의견을 제시하는 방식을 선호합니다</a:t>
               </a:r>
@@ -6781,6 +6800,17 @@
                 <a:rPr lang="en-US" altLang="ko-KR" dirty="0"/>
                 <a:t>.</a:t>
               </a:r>
+            </a:p>
+            <a:p>
+              <a:pPr>
+                <a:lnSpc>
+                  <a:spcPct val="140000"/>
+                </a:lnSpc>
+                <a:spcAft>
+                  <a:spcPts val="1000"/>
+                </a:spcAft>
+              </a:pPr>
+              <a:endParaRPr lang="en-US" altLang="ko-KR" dirty="0"/>
             </a:p>
             <a:p>
               <a:pPr>
@@ -6986,7 +7016,7 @@
           <p:spPr>
             <a:xfrm>
               <a:off x="185458" y="344488"/>
-              <a:ext cx="6480000" cy="4696527"/>
+              <a:ext cx="6480000" cy="5383894"/>
             </a:xfrm>
             <a:prstGeom prst="rect">
               <a:avLst/>
@@ -7077,10 +7107,10 @@
         </p:nvGrpSpPr>
         <p:grpSpPr>
           <a:xfrm>
-            <a:off x="191871" y="141180"/>
-            <a:ext cx="6480671" cy="6513619"/>
-            <a:chOff x="189000" y="2131166"/>
-            <a:chExt cx="6480671" cy="6513619"/>
+            <a:off x="191871" y="141181"/>
+            <a:ext cx="6480671" cy="5558304"/>
+            <a:chOff x="189000" y="2131167"/>
+            <a:chExt cx="6480671" cy="5558304"/>
           </a:xfrm>
         </p:grpSpPr>
         <p:sp>
@@ -7098,7 +7128,7 @@
           <p:spPr>
             <a:xfrm>
               <a:off x="294162" y="2529549"/>
-              <a:ext cx="6269676" cy="5113754"/>
+              <a:ext cx="6269676" cy="5159921"/>
             </a:xfrm>
             <a:prstGeom prst="rect">
               <a:avLst/>
@@ -7120,23 +7150,7 @@
                 </a:spcAft>
               </a:pPr>
               <a:r>
-                <a:rPr lang="ko-KR" altLang="en-US" sz="1000" dirty="0">
-                  <a:ln>
-                    <a:solidFill>
-                      <a:schemeClr val="bg1">
-                        <a:lumMod val="75000"/>
-                        <a:alpha val="0"/>
-                      </a:schemeClr>
-                    </a:solidFill>
-                  </a:ln>
-                  <a:latin typeface="Pretendard Light" panose="02000403000000020004" pitchFamily="2" charset="-127"/>
-                  <a:ea typeface="Pretendard Light" panose="02000403000000020004" pitchFamily="2" charset="-127"/>
-                  <a:cs typeface="Pretendard Light" panose="02000403000000020004" pitchFamily="2" charset="-127"/>
-                </a:rPr>
-                <a:t>전투 기획의 핵심은 “</a:t>
-              </a:r>
-              <a:r>
-                <a:rPr lang="ko-KR" altLang="en-US" sz="1000" dirty="0">
+                <a:rPr lang="en-US" altLang="ko-KR" sz="1000" dirty="0">
                   <a:ln>
                     <a:solidFill>
                       <a:schemeClr val="bg1">
@@ -7149,7 +7163,7 @@
                   <a:ea typeface="Pretendard Medium" panose="02000603000000020004" pitchFamily="2" charset="-127"/>
                   <a:cs typeface="Pretendard Medium" panose="02000603000000020004" pitchFamily="2" charset="-127"/>
                 </a:rPr>
-                <a:t>캐릭터의 컨셉에 어울리는 전투를 설계하는 것</a:t>
+                <a:t># </a:t>
               </a:r>
               <a:r>
                 <a:rPr lang="ko-KR" altLang="en-US" sz="1000" dirty="0">
@@ -7161,13 +7175,45 @@
                       </a:schemeClr>
                     </a:solidFill>
                   </a:ln>
-                  <a:latin typeface="Pretendard Light" panose="02000403000000020004" pitchFamily="2" charset="-127"/>
-                  <a:ea typeface="Pretendard Light" panose="02000403000000020004" pitchFamily="2" charset="-127"/>
-                  <a:cs typeface="Pretendard Light" panose="02000403000000020004" pitchFamily="2" charset="-127"/>
-                </a:rPr>
-                <a:t>” 입니다</a:t>
-              </a:r>
-              <a:r>
+                  <a:latin typeface="Pretendard Medium" panose="02000603000000020004" pitchFamily="2" charset="-127"/>
+                  <a:ea typeface="Pretendard Medium" panose="02000603000000020004" pitchFamily="2" charset="-127"/>
+                  <a:cs typeface="Pretendard Medium" panose="02000603000000020004" pitchFamily="2" charset="-127"/>
+                </a:rPr>
+                <a:t>캐릭터별 다양한 전투를 경험하며 재미를 느끼던 유저에서 캐릭터마다 </a:t>
+              </a:r>
+              <a:r>
+                <a:rPr lang="ko-KR" altLang="en-US" sz="1000" dirty="0" err="1">
+                  <a:ln>
+                    <a:solidFill>
+                      <a:schemeClr val="bg1">
+                        <a:lumMod val="75000"/>
+                        <a:alpha val="0"/>
+                      </a:schemeClr>
+                    </a:solidFill>
+                  </a:ln>
+                  <a:latin typeface="Pretendard Medium" panose="02000603000000020004" pitchFamily="2" charset="-127"/>
+                  <a:ea typeface="Pretendard Medium" panose="02000603000000020004" pitchFamily="2" charset="-127"/>
+                  <a:cs typeface="Pretendard Medium" panose="02000603000000020004" pitchFamily="2" charset="-127"/>
+                </a:rPr>
+                <a:t>특색있는</a:t>
+              </a:r>
+              <a:r>
+                <a:rPr lang="ko-KR" altLang="en-US" sz="1000" dirty="0">
+                  <a:ln>
+                    <a:solidFill>
+                      <a:schemeClr val="bg1">
+                        <a:lumMod val="75000"/>
+                        <a:alpha val="0"/>
+                      </a:schemeClr>
+                    </a:solidFill>
+                  </a:ln>
+                  <a:latin typeface="Pretendard Medium" panose="02000603000000020004" pitchFamily="2" charset="-127"/>
+                  <a:ea typeface="Pretendard Medium" panose="02000603000000020004" pitchFamily="2" charset="-127"/>
+                  <a:cs typeface="Pretendard Medium" panose="02000603000000020004" pitchFamily="2" charset="-127"/>
+                </a:rPr>
+                <a:t> 전투를 설계하는 전투 기획자로</a:t>
+              </a:r>
+              <a:br>
                 <a:rPr lang="en-US" altLang="ko-KR" sz="1000" dirty="0">
                   <a:ln>
                     <a:solidFill>
@@ -7181,7 +7227,406 @@
                   <a:ea typeface="Pretendard Light" panose="02000403000000020004" pitchFamily="2" charset="-127"/>
                   <a:cs typeface="Pretendard Light" panose="02000403000000020004" pitchFamily="2" charset="-127"/>
                 </a:rPr>
+              </a:br>
+              <a:r>
+                <a:rPr lang="ko-KR" altLang="en-US" sz="1000" dirty="0">
+                  <a:ln>
+                    <a:solidFill>
+                      <a:schemeClr val="bg1">
+                        <a:lumMod val="75000"/>
+                        <a:alpha val="0"/>
+                      </a:schemeClr>
+                    </a:solidFill>
+                  </a:ln>
+                  <a:latin typeface="Pretendard Light" panose="02000403000000020004" pitchFamily="2" charset="-127"/>
+                  <a:ea typeface="Pretendard Light" panose="02000403000000020004" pitchFamily="2" charset="-127"/>
+                  <a:cs typeface="Pretendard Light" panose="02000403000000020004" pitchFamily="2" charset="-127"/>
+                </a:rPr>
+                <a:t>저는 여러 전투를 경험하고 저에게 맞는 전투 스타일을 찾는 과정에서 재미를 느낍니다</a:t>
+              </a:r>
+              <a:r>
+                <a:rPr lang="en-US" altLang="ko-KR" sz="1000" dirty="0">
+                  <a:ln>
+                    <a:solidFill>
+                      <a:schemeClr val="bg1">
+                        <a:lumMod val="75000"/>
+                        <a:alpha val="0"/>
+                      </a:schemeClr>
+                    </a:solidFill>
+                  </a:ln>
+                  <a:latin typeface="Pretendard Light" panose="02000403000000020004" pitchFamily="2" charset="-127"/>
+                  <a:ea typeface="Pretendard Light" panose="02000403000000020004" pitchFamily="2" charset="-127"/>
+                  <a:cs typeface="Pretendard Light" panose="02000403000000020004" pitchFamily="2" charset="-127"/>
+                </a:rPr>
                 <a:t>. </a:t>
+              </a:r>
+              <a:r>
+                <a:rPr lang="ko-KR" altLang="en-US" sz="1000" dirty="0">
+                  <a:ln>
+                    <a:solidFill>
+                      <a:schemeClr val="bg1">
+                        <a:lumMod val="75000"/>
+                        <a:alpha val="0"/>
+                      </a:schemeClr>
+                    </a:solidFill>
+                  </a:ln>
+                  <a:latin typeface="Pretendard Light" panose="02000403000000020004" pitchFamily="2" charset="-127"/>
+                  <a:ea typeface="Pretendard Light" panose="02000403000000020004" pitchFamily="2" charset="-127"/>
+                  <a:cs typeface="Pretendard Light" panose="02000403000000020004" pitchFamily="2" charset="-127"/>
+                </a:rPr>
+                <a:t>그래서 게임을 할 때 자연스럽게 여러 캐릭터를 플레이하거나 다양한 무기</a:t>
+              </a:r>
+              <a:r>
+                <a:rPr lang="en-US" altLang="ko-KR" sz="1000" dirty="0">
+                  <a:ln>
+                    <a:solidFill>
+                      <a:schemeClr val="bg1">
+                        <a:lumMod val="75000"/>
+                        <a:alpha val="0"/>
+                      </a:schemeClr>
+                    </a:solidFill>
+                  </a:ln>
+                  <a:latin typeface="Pretendard Light" panose="02000403000000020004" pitchFamily="2" charset="-127"/>
+                  <a:ea typeface="Pretendard Light" panose="02000403000000020004" pitchFamily="2" charset="-127"/>
+                  <a:cs typeface="Pretendard Light" panose="02000403000000020004" pitchFamily="2" charset="-127"/>
+                </a:rPr>
+                <a:t>, </a:t>
+              </a:r>
+              <a:r>
+                <a:rPr lang="ko-KR" altLang="en-US" sz="1000" dirty="0">
+                  <a:ln>
+                    <a:solidFill>
+                      <a:schemeClr val="bg1">
+                        <a:lumMod val="75000"/>
+                        <a:alpha val="0"/>
+                      </a:schemeClr>
+                    </a:solidFill>
+                  </a:ln>
+                  <a:latin typeface="Pretendard Light" panose="02000403000000020004" pitchFamily="2" charset="-127"/>
+                  <a:ea typeface="Pretendard Light" panose="02000403000000020004" pitchFamily="2" charset="-127"/>
+                  <a:cs typeface="Pretendard Light" panose="02000403000000020004" pitchFamily="2" charset="-127"/>
+                </a:rPr>
+                <a:t>능력의 조합으로 재미있는 전투 스타일을 찾게 됩니다</a:t>
+              </a:r>
+              <a:r>
+                <a:rPr lang="en-US" altLang="ko-KR" sz="1000" dirty="0">
+                  <a:ln>
+                    <a:solidFill>
+                      <a:schemeClr val="bg1">
+                        <a:lumMod val="75000"/>
+                        <a:alpha val="0"/>
+                      </a:schemeClr>
+                    </a:solidFill>
+                  </a:ln>
+                  <a:latin typeface="Pretendard Light" panose="02000403000000020004" pitchFamily="2" charset="-127"/>
+                  <a:ea typeface="Pretendard Light" panose="02000403000000020004" pitchFamily="2" charset="-127"/>
+                  <a:cs typeface="Pretendard Light" panose="02000403000000020004" pitchFamily="2" charset="-127"/>
+                </a:rPr>
+                <a:t>. </a:t>
+              </a:r>
+              <a:r>
+                <a:rPr lang="ko-KR" altLang="en-US" sz="1000" dirty="0">
+                  <a:ln>
+                    <a:solidFill>
+                      <a:schemeClr val="bg1">
+                        <a:lumMod val="75000"/>
+                        <a:alpha val="0"/>
+                      </a:schemeClr>
+                    </a:solidFill>
+                  </a:ln>
+                  <a:latin typeface="Pretendard Light" panose="02000403000000020004" pitchFamily="2" charset="-127"/>
+                  <a:ea typeface="Pretendard Light" panose="02000403000000020004" pitchFamily="2" charset="-127"/>
+                  <a:cs typeface="Pretendard Light" panose="02000403000000020004" pitchFamily="2" charset="-127"/>
+                </a:rPr>
+                <a:t>따라서 로스트아크</a:t>
+              </a:r>
+              <a:r>
+                <a:rPr lang="en-US" altLang="ko-KR" sz="1000" dirty="0">
+                  <a:ln>
+                    <a:solidFill>
+                      <a:schemeClr val="bg1">
+                        <a:lumMod val="75000"/>
+                        <a:alpha val="0"/>
+                      </a:schemeClr>
+                    </a:solidFill>
+                  </a:ln>
+                  <a:latin typeface="Pretendard Light" panose="02000403000000020004" pitchFamily="2" charset="-127"/>
+                  <a:ea typeface="Pretendard Light" panose="02000403000000020004" pitchFamily="2" charset="-127"/>
+                  <a:cs typeface="Pretendard Light" panose="02000403000000020004" pitchFamily="2" charset="-127"/>
+                </a:rPr>
+                <a:t>, </a:t>
+              </a:r>
+              <a:r>
+                <a:rPr lang="ko-KR" altLang="en-US" sz="1000" dirty="0" err="1">
+                  <a:ln>
+                    <a:solidFill>
+                      <a:schemeClr val="bg1">
+                        <a:lumMod val="75000"/>
+                        <a:alpha val="0"/>
+                      </a:schemeClr>
+                    </a:solidFill>
+                  </a:ln>
+                  <a:latin typeface="Pretendard Light" panose="02000403000000020004" pitchFamily="2" charset="-127"/>
+                  <a:ea typeface="Pretendard Light" panose="02000403000000020004" pitchFamily="2" charset="-127"/>
+                  <a:cs typeface="Pretendard Light" panose="02000403000000020004" pitchFamily="2" charset="-127"/>
+                </a:rPr>
+                <a:t>던전앤파이터</a:t>
+              </a:r>
+              <a:r>
+                <a:rPr lang="en-US" altLang="ko-KR" sz="1000" dirty="0">
+                  <a:ln>
+                    <a:solidFill>
+                      <a:schemeClr val="bg1">
+                        <a:lumMod val="75000"/>
+                        <a:alpha val="0"/>
+                      </a:schemeClr>
+                    </a:solidFill>
+                  </a:ln>
+                  <a:latin typeface="Pretendard Light" panose="02000403000000020004" pitchFamily="2" charset="-127"/>
+                  <a:ea typeface="Pretendard Light" panose="02000403000000020004" pitchFamily="2" charset="-127"/>
+                  <a:cs typeface="Pretendard Light" panose="02000403000000020004" pitchFamily="2" charset="-127"/>
+                </a:rPr>
+                <a:t>, P</a:t>
+              </a:r>
+              <a:r>
+                <a:rPr lang="ko-KR" altLang="en-US" sz="1000" dirty="0">
+                  <a:ln>
+                    <a:solidFill>
+                      <a:schemeClr val="bg1">
+                        <a:lumMod val="75000"/>
+                        <a:alpha val="0"/>
+                      </a:schemeClr>
+                    </a:solidFill>
+                  </a:ln>
+                  <a:latin typeface="Pretendard Light" panose="02000403000000020004" pitchFamily="2" charset="-127"/>
+                  <a:ea typeface="Pretendard Light" panose="02000403000000020004" pitchFamily="2" charset="-127"/>
+                  <a:cs typeface="Pretendard Light" panose="02000403000000020004" pitchFamily="2" charset="-127"/>
+                </a:rPr>
+                <a:t>의 거짓</a:t>
+              </a:r>
+              <a:r>
+                <a:rPr lang="en-US" altLang="ko-KR" sz="1000" dirty="0">
+                  <a:ln>
+                    <a:solidFill>
+                      <a:schemeClr val="bg1">
+                        <a:lumMod val="75000"/>
+                        <a:alpha val="0"/>
+                      </a:schemeClr>
+                    </a:solidFill>
+                  </a:ln>
+                  <a:latin typeface="Pretendard Light" panose="02000403000000020004" pitchFamily="2" charset="-127"/>
+                  <a:ea typeface="Pretendard Light" panose="02000403000000020004" pitchFamily="2" charset="-127"/>
+                  <a:cs typeface="Pretendard Light" panose="02000403000000020004" pitchFamily="2" charset="-127"/>
+                </a:rPr>
+                <a:t>, </a:t>
+              </a:r>
+              <a:r>
+                <a:rPr lang="ko-KR" altLang="en-US" sz="1000" dirty="0" err="1">
+                  <a:ln>
+                    <a:solidFill>
+                      <a:schemeClr val="bg1">
+                        <a:lumMod val="75000"/>
+                        <a:alpha val="0"/>
+                      </a:schemeClr>
+                    </a:solidFill>
+                  </a:ln>
+                  <a:latin typeface="Pretendard Light" panose="02000403000000020004" pitchFamily="2" charset="-127"/>
+                  <a:ea typeface="Pretendard Light" panose="02000403000000020004" pitchFamily="2" charset="-127"/>
+                  <a:cs typeface="Pretendard Light" panose="02000403000000020004" pitchFamily="2" charset="-127"/>
+                </a:rPr>
+                <a:t>엘든링</a:t>
+              </a:r>
+              <a:r>
+                <a:rPr lang="en-US" altLang="ko-KR" sz="1000" dirty="0">
+                  <a:ln>
+                    <a:solidFill>
+                      <a:schemeClr val="bg1">
+                        <a:lumMod val="75000"/>
+                        <a:alpha val="0"/>
+                      </a:schemeClr>
+                    </a:solidFill>
+                  </a:ln>
+                  <a:latin typeface="Pretendard Light" panose="02000403000000020004" pitchFamily="2" charset="-127"/>
+                  <a:ea typeface="Pretendard Light" panose="02000403000000020004" pitchFamily="2" charset="-127"/>
+                  <a:cs typeface="Pretendard Light" panose="02000403000000020004" pitchFamily="2" charset="-127"/>
+                </a:rPr>
+                <a:t>, </a:t>
+              </a:r>
+              <a:r>
+                <a:rPr lang="ko-KR" altLang="en-US" sz="1000" dirty="0">
+                  <a:ln>
+                    <a:solidFill>
+                      <a:schemeClr val="bg1">
+                        <a:lumMod val="75000"/>
+                        <a:alpha val="0"/>
+                      </a:schemeClr>
+                    </a:solidFill>
+                  </a:ln>
+                  <a:latin typeface="Pretendard Light" panose="02000403000000020004" pitchFamily="2" charset="-127"/>
+                  <a:ea typeface="Pretendard Light" panose="02000403000000020004" pitchFamily="2" charset="-127"/>
+                  <a:cs typeface="Pretendard Light" panose="02000403000000020004" pitchFamily="2" charset="-127"/>
+                </a:rPr>
+                <a:t>하데스 등 다양한 전투를 경험할 수 있는 게임 위주로 플레이해 왔습니다</a:t>
+              </a:r>
+              <a:r>
+                <a:rPr lang="en-US" altLang="ko-KR" sz="1000" dirty="0">
+                  <a:ln>
+                    <a:solidFill>
+                      <a:schemeClr val="bg1">
+                        <a:lumMod val="75000"/>
+                        <a:alpha val="0"/>
+                      </a:schemeClr>
+                    </a:solidFill>
+                  </a:ln>
+                  <a:latin typeface="Pretendard Light" panose="02000403000000020004" pitchFamily="2" charset="-127"/>
+                  <a:ea typeface="Pretendard Light" panose="02000403000000020004" pitchFamily="2" charset="-127"/>
+                  <a:cs typeface="Pretendard Light" panose="02000403000000020004" pitchFamily="2" charset="-127"/>
+                </a:rPr>
+                <a:t>. </a:t>
+              </a:r>
+              <a:r>
+                <a:rPr lang="ko-KR" altLang="en-US" sz="1000" dirty="0">
+                  <a:ln>
+                    <a:solidFill>
+                      <a:schemeClr val="bg1">
+                        <a:lumMod val="75000"/>
+                        <a:alpha val="0"/>
+                      </a:schemeClr>
+                    </a:solidFill>
+                  </a:ln>
+                  <a:latin typeface="Pretendard Light" panose="02000403000000020004" pitchFamily="2" charset="-127"/>
+                  <a:ea typeface="Pretendard Light" panose="02000403000000020004" pitchFamily="2" charset="-127"/>
+                  <a:cs typeface="Pretendard Light" panose="02000403000000020004" pitchFamily="2" charset="-127"/>
+                </a:rPr>
+                <a:t>그러다 보니 전투 기획의 핵심은 </a:t>
+              </a:r>
+              <a:r>
+                <a:rPr lang="en-US" altLang="ko-KR" sz="1000" dirty="0">
+                  <a:ln>
+                    <a:solidFill>
+                      <a:schemeClr val="bg1">
+                        <a:lumMod val="75000"/>
+                        <a:alpha val="0"/>
+                      </a:schemeClr>
+                    </a:solidFill>
+                  </a:ln>
+                  <a:latin typeface="Pretendard Light" panose="02000403000000020004" pitchFamily="2" charset="-127"/>
+                  <a:ea typeface="Pretendard Light" panose="02000403000000020004" pitchFamily="2" charset="-127"/>
+                  <a:cs typeface="Pretendard Light" panose="02000403000000020004" pitchFamily="2" charset="-127"/>
+                </a:rPr>
+                <a:t>'</a:t>
+              </a:r>
+              <a:r>
+                <a:rPr lang="ko-KR" altLang="en-US" sz="1000" dirty="0">
+                  <a:ln>
+                    <a:solidFill>
+                      <a:schemeClr val="bg1">
+                        <a:lumMod val="75000"/>
+                        <a:alpha val="0"/>
+                      </a:schemeClr>
+                    </a:solidFill>
+                  </a:ln>
+                  <a:latin typeface="Pretendard Light" panose="02000403000000020004" pitchFamily="2" charset="-127"/>
+                  <a:ea typeface="Pretendard Light" panose="02000403000000020004" pitchFamily="2" charset="-127"/>
+                  <a:cs typeface="Pretendard Light" panose="02000403000000020004" pitchFamily="2" charset="-127"/>
+                </a:rPr>
+                <a:t>컨셉에 어울리는 전투를 설계하는 것</a:t>
+              </a:r>
+              <a:r>
+                <a:rPr lang="en-US" altLang="ko-KR" sz="1000" dirty="0">
+                  <a:ln>
+                    <a:solidFill>
+                      <a:schemeClr val="bg1">
+                        <a:lumMod val="75000"/>
+                        <a:alpha val="0"/>
+                      </a:schemeClr>
+                    </a:solidFill>
+                  </a:ln>
+                  <a:latin typeface="Pretendard Light" panose="02000403000000020004" pitchFamily="2" charset="-127"/>
+                  <a:ea typeface="Pretendard Light" panose="02000403000000020004" pitchFamily="2" charset="-127"/>
+                  <a:cs typeface="Pretendard Light" panose="02000403000000020004" pitchFamily="2" charset="-127"/>
+                </a:rPr>
+                <a:t>'</a:t>
+              </a:r>
+              <a:r>
+                <a:rPr lang="ko-KR" altLang="en-US" sz="1000" dirty="0">
+                  <a:ln>
+                    <a:solidFill>
+                      <a:schemeClr val="bg1">
+                        <a:lumMod val="75000"/>
+                        <a:alpha val="0"/>
+                      </a:schemeClr>
+                    </a:solidFill>
+                  </a:ln>
+                  <a:latin typeface="Pretendard Light" panose="02000403000000020004" pitchFamily="2" charset="-127"/>
+                  <a:ea typeface="Pretendard Light" panose="02000403000000020004" pitchFamily="2" charset="-127"/>
+                  <a:cs typeface="Pretendard Light" panose="02000403000000020004" pitchFamily="2" charset="-127"/>
+                </a:rPr>
+                <a:t>임을 </a:t>
+              </a:r>
+              <a:r>
+                <a:rPr lang="ko-KR" altLang="en-US" sz="1000" dirty="0" err="1">
+                  <a:ln>
+                    <a:solidFill>
+                      <a:schemeClr val="bg1">
+                        <a:lumMod val="75000"/>
+                        <a:alpha val="0"/>
+                      </a:schemeClr>
+                    </a:solidFill>
+                  </a:ln>
+                  <a:latin typeface="Pretendard Light" panose="02000403000000020004" pitchFamily="2" charset="-127"/>
+                  <a:ea typeface="Pretendard Light" panose="02000403000000020004" pitchFamily="2" charset="-127"/>
+                  <a:cs typeface="Pretendard Light" panose="02000403000000020004" pitchFamily="2" charset="-127"/>
+                </a:rPr>
+                <a:t>깨달았습니다</a:t>
+              </a:r>
+              <a:r>
+                <a:rPr lang="en-US" altLang="ko-KR" sz="1000" dirty="0">
+                  <a:ln>
+                    <a:solidFill>
+                      <a:schemeClr val="bg1">
+                        <a:lumMod val="75000"/>
+                        <a:alpha val="0"/>
+                      </a:schemeClr>
+                    </a:solidFill>
+                  </a:ln>
+                  <a:latin typeface="Pretendard Light" panose="02000403000000020004" pitchFamily="2" charset="-127"/>
+                  <a:ea typeface="Pretendard Light" panose="02000403000000020004" pitchFamily="2" charset="-127"/>
+                  <a:cs typeface="Pretendard Light" panose="02000403000000020004" pitchFamily="2" charset="-127"/>
+                </a:rPr>
+                <a:t>. </a:t>
+              </a:r>
+              <a:r>
+                <a:rPr lang="ko-KR" altLang="en-US" sz="1000" dirty="0">
+                  <a:ln>
+                    <a:solidFill>
+                      <a:schemeClr val="bg1">
+                        <a:lumMod val="75000"/>
+                        <a:alpha val="0"/>
+                      </a:schemeClr>
+                    </a:solidFill>
+                  </a:ln>
+                  <a:latin typeface="Pretendard Light" panose="02000403000000020004" pitchFamily="2" charset="-127"/>
+                  <a:ea typeface="Pretendard Light" panose="02000403000000020004" pitchFamily="2" charset="-127"/>
+                  <a:cs typeface="Pretendard Light" panose="02000403000000020004" pitchFamily="2" charset="-127"/>
+                </a:rPr>
+                <a:t>컨셉에 어울리는 전투에 더욱 몰입하고 즐거움을 느꼈기 때문입니다</a:t>
+              </a:r>
+              <a:r>
+                <a:rPr lang="en-US" altLang="ko-KR" sz="1000" dirty="0">
+                  <a:ln>
+                    <a:solidFill>
+                      <a:schemeClr val="bg1">
+                        <a:lumMod val="75000"/>
+                        <a:alpha val="0"/>
+                      </a:schemeClr>
+                    </a:solidFill>
+                  </a:ln>
+                  <a:latin typeface="Pretendard Light" panose="02000403000000020004" pitchFamily="2" charset="-127"/>
+                  <a:ea typeface="Pretendard Light" panose="02000403000000020004" pitchFamily="2" charset="-127"/>
+                  <a:cs typeface="Pretendard Light" panose="02000403000000020004" pitchFamily="2" charset="-127"/>
+                </a:rPr>
+                <a:t>.</a:t>
               </a:r>
             </a:p>
             <a:p>
@@ -7207,7 +7652,7 @@
                   <a:ea typeface="Pretendard Light" panose="02000403000000020004" pitchFamily="2" charset="-127"/>
                   <a:cs typeface="Pretendard Light" panose="02000403000000020004" pitchFamily="2" charset="-127"/>
                 </a:rPr>
-                <a:t>저는 게임을 플레이할 때 캐릭터 별로 다양한 전투를 체험하며 즐거움을 느낍니다</a:t>
+                <a:t>대학교 때는 게임 공학을 전공하며 프로그래머로 게임 개발 경험을 쌓았지만</a:t>
               </a:r>
               <a:r>
                 <a:rPr lang="en-US" altLang="ko-KR" sz="1000" dirty="0">
@@ -7223,6 +7668,38 @@
                   <a:ea typeface="Pretendard Light" panose="02000403000000020004" pitchFamily="2" charset="-127"/>
                   <a:cs typeface="Pretendard Light" panose="02000403000000020004" pitchFamily="2" charset="-127"/>
                 </a:rPr>
+                <a:t>, </a:t>
+              </a:r>
+              <a:r>
+                <a:rPr lang="ko-KR" altLang="en-US" sz="1000" dirty="0">
+                  <a:ln>
+                    <a:solidFill>
+                      <a:schemeClr val="bg1">
+                        <a:lumMod val="75000"/>
+                        <a:alpha val="0"/>
+                      </a:schemeClr>
+                    </a:solidFill>
+                  </a:ln>
+                  <a:latin typeface="Pretendard Light" panose="02000403000000020004" pitchFamily="2" charset="-127"/>
+                  <a:ea typeface="Pretendard Light" panose="02000403000000020004" pitchFamily="2" charset="-127"/>
+                  <a:cs typeface="Pretendard Light" panose="02000403000000020004" pitchFamily="2" charset="-127"/>
+                </a:rPr>
+                <a:t>누군가의 상상을 대신 구현해 주는 일 보다는 저의 상상을 통해 재미있는 경험을 주는 일에 더 큰 흥미를 느끼게 되었습니다</a:t>
+              </a:r>
+              <a:r>
+                <a:rPr lang="en-US" altLang="ko-KR" sz="1000" dirty="0">
+                  <a:ln>
+                    <a:solidFill>
+                      <a:schemeClr val="bg1">
+                        <a:lumMod val="75000"/>
+                        <a:alpha val="0"/>
+                      </a:schemeClr>
+                    </a:solidFill>
+                  </a:ln>
+                  <a:latin typeface="Pretendard Light" panose="02000403000000020004" pitchFamily="2" charset="-127"/>
+                  <a:ea typeface="Pretendard Light" panose="02000403000000020004" pitchFamily="2" charset="-127"/>
+                  <a:cs typeface="Pretendard Light" panose="02000403000000020004" pitchFamily="2" charset="-127"/>
+                </a:rPr>
                 <a:t>. </a:t>
               </a:r>
               <a:r>
@@ -7239,7 +7716,7 @@
                   <a:ea typeface="Pretendard Light" panose="02000403000000020004" pitchFamily="2" charset="-127"/>
                   <a:cs typeface="Pretendard Light" panose="02000403000000020004" pitchFamily="2" charset="-127"/>
                 </a:rPr>
-                <a:t>그러면서  ‘캐릭터의 컨셉과 전투 스타일이 어울리는지’</a:t>
+                <a:t>누군가에게 즐거움을 주는 게임을 만들고 싶다는 목표로 게임 개발에 대한 꿈을 키웠고 기획 업무가 저의 목표에 더 적합하다는 생각이 들어 기획자에 도전하였습니다</a:t>
               </a:r>
               <a:r>
                 <a:rPr lang="en-US" altLang="ko-KR" sz="1000" dirty="0">
@@ -7255,7 +7732,23 @@
                   <a:ea typeface="Pretendard Light" panose="02000403000000020004" pitchFamily="2" charset="-127"/>
                   <a:cs typeface="Pretendard Light" panose="02000403000000020004" pitchFamily="2" charset="-127"/>
                 </a:rPr>
-                <a:t>, ‘</a:t>
+                <a:t>. </a:t>
+              </a:r>
+              <a:r>
+                <a:rPr lang="ko-KR" altLang="en-US" sz="1000" dirty="0" err="1">
+                  <a:ln>
+                    <a:solidFill>
+                      <a:schemeClr val="bg1">
+                        <a:lumMod val="75000"/>
+                        <a:alpha val="0"/>
+                      </a:schemeClr>
+                    </a:solidFill>
+                  </a:ln>
+                  <a:latin typeface="Pretendard Light" panose="02000403000000020004" pitchFamily="2" charset="-127"/>
+                  <a:ea typeface="Pretendard Light" panose="02000403000000020004" pitchFamily="2" charset="-127"/>
+                  <a:cs typeface="Pretendard Light" panose="02000403000000020004" pitchFamily="2" charset="-127"/>
+                </a:rPr>
+                <a:t>그중에서도</a:t>
               </a:r>
               <a:r>
                 <a:rPr lang="ko-KR" altLang="en-US" sz="1000" dirty="0">
@@ -7271,7 +7764,103 @@
                   <a:ea typeface="Pretendard Light" panose="02000403000000020004" pitchFamily="2" charset="-127"/>
                   <a:cs typeface="Pretendard Light" panose="02000403000000020004" pitchFamily="2" charset="-127"/>
                 </a:rPr>
-                <a:t>내가 이 캐릭터에게 기대하는 전투는 어떤 </a:t>
+                <a:t> 전투 기획자에 대한 열망이 생겼습니다</a:t>
+              </a:r>
+              <a:r>
+                <a:rPr lang="en-US" altLang="ko-KR" sz="1000" dirty="0">
+                  <a:ln>
+                    <a:solidFill>
+                      <a:schemeClr val="bg1">
+                        <a:lumMod val="75000"/>
+                        <a:alpha val="0"/>
+                      </a:schemeClr>
+                    </a:solidFill>
+                  </a:ln>
+                  <a:latin typeface="Pretendard Light" panose="02000403000000020004" pitchFamily="2" charset="-127"/>
+                  <a:ea typeface="Pretendard Light" panose="02000403000000020004" pitchFamily="2" charset="-127"/>
+                  <a:cs typeface="Pretendard Light" panose="02000403000000020004" pitchFamily="2" charset="-127"/>
+                </a:rPr>
+                <a:t>. </a:t>
+              </a:r>
+              <a:r>
+                <a:rPr lang="ko-KR" altLang="en-US" sz="1000" dirty="0">
+                  <a:ln>
+                    <a:solidFill>
+                      <a:schemeClr val="bg1">
+                        <a:lumMod val="75000"/>
+                        <a:alpha val="0"/>
+                      </a:schemeClr>
+                    </a:solidFill>
+                  </a:ln>
+                  <a:latin typeface="Pretendard Light" panose="02000403000000020004" pitchFamily="2" charset="-127"/>
+                  <a:ea typeface="Pretendard Light" panose="02000403000000020004" pitchFamily="2" charset="-127"/>
+                  <a:cs typeface="Pretendard Light" panose="02000403000000020004" pitchFamily="2" charset="-127"/>
+                </a:rPr>
+                <a:t>스스로가 재미를 느낄 수 있어야 누군가에게 재미있는 경험을 줄 수 있다고 생각했기 때문입니다</a:t>
+              </a:r>
+              <a:r>
+                <a:rPr lang="en-US" altLang="ko-KR" sz="1000" dirty="0">
+                  <a:ln>
+                    <a:solidFill>
+                      <a:schemeClr val="bg1">
+                        <a:lumMod val="75000"/>
+                        <a:alpha val="0"/>
+                      </a:schemeClr>
+                    </a:solidFill>
+                  </a:ln>
+                  <a:latin typeface="Pretendard Light" panose="02000403000000020004" pitchFamily="2" charset="-127"/>
+                  <a:ea typeface="Pretendard Light" panose="02000403000000020004" pitchFamily="2" charset="-127"/>
+                  <a:cs typeface="Pretendard Light" panose="02000403000000020004" pitchFamily="2" charset="-127"/>
+                </a:rPr>
+                <a:t>. </a:t>
+              </a:r>
+              <a:r>
+                <a:rPr lang="ko-KR" altLang="en-US" sz="1000" dirty="0">
+                  <a:ln>
+                    <a:solidFill>
+                      <a:schemeClr val="bg1">
+                        <a:lumMod val="75000"/>
+                        <a:alpha val="0"/>
+                      </a:schemeClr>
+                    </a:solidFill>
+                  </a:ln>
+                  <a:latin typeface="Pretendard Light" panose="02000403000000020004" pitchFamily="2" charset="-127"/>
+                  <a:ea typeface="Pretendard Light" panose="02000403000000020004" pitchFamily="2" charset="-127"/>
+                  <a:cs typeface="Pretendard Light" panose="02000403000000020004" pitchFamily="2" charset="-127"/>
+                </a:rPr>
+                <a:t>이후 신규 캐릭터의 전투 스타일</a:t>
+              </a:r>
+              <a:r>
+                <a:rPr lang="en-US" altLang="ko-KR" sz="1000" dirty="0">
+                  <a:ln>
+                    <a:solidFill>
+                      <a:schemeClr val="bg1">
+                        <a:lumMod val="75000"/>
+                        <a:alpha val="0"/>
+                      </a:schemeClr>
+                    </a:solidFill>
+                  </a:ln>
+                  <a:latin typeface="Pretendard Light" panose="02000403000000020004" pitchFamily="2" charset="-127"/>
+                  <a:ea typeface="Pretendard Light" panose="02000403000000020004" pitchFamily="2" charset="-127"/>
+                  <a:cs typeface="Pretendard Light" panose="02000403000000020004" pitchFamily="2" charset="-127"/>
+                </a:rPr>
+                <a:t>, </a:t>
+              </a:r>
+              <a:r>
+                <a:rPr lang="ko-KR" altLang="en-US" sz="1000" dirty="0">
+                  <a:ln>
+                    <a:solidFill>
+                      <a:schemeClr val="bg1">
+                        <a:lumMod val="75000"/>
+                        <a:alpha val="0"/>
+                      </a:schemeClr>
+                    </a:solidFill>
+                  </a:ln>
+                  <a:latin typeface="Pretendard Light" panose="02000403000000020004" pitchFamily="2" charset="-127"/>
+                  <a:ea typeface="Pretendard Light" panose="02000403000000020004" pitchFamily="2" charset="-127"/>
+                  <a:cs typeface="Pretendard Light" panose="02000403000000020004" pitchFamily="2" charset="-127"/>
+                </a:rPr>
+                <a:t>스킬들을 기획하거나 기존 캐릭터를 </a:t>
               </a:r>
               <a:r>
                 <a:rPr lang="ko-KR" altLang="en-US" sz="1000" dirty="0" err="1">
@@ -7287,7 +7876,7 @@
                   <a:ea typeface="Pretendard Light" panose="02000403000000020004" pitchFamily="2" charset="-127"/>
                   <a:cs typeface="Pretendard Light" panose="02000403000000020004" pitchFamily="2" charset="-127"/>
                 </a:rPr>
-                <a:t>전투인지’를</a:t>
+                <a:t>역기획하는</a:t>
               </a:r>
               <a:r>
                 <a:rPr lang="ko-KR" altLang="en-US" sz="1000" dirty="0">
@@ -7303,507 +7892,7 @@
                   <a:ea typeface="Pretendard Light" panose="02000403000000020004" pitchFamily="2" charset="-127"/>
                   <a:cs typeface="Pretendard Light" panose="02000403000000020004" pitchFamily="2" charset="-127"/>
                 </a:rPr>
-                <a:t> 생각해 보는 과정 자체도 재미있게 느껴졌습니다</a:t>
-              </a:r>
-              <a:r>
-                <a:rPr lang="en-US" altLang="ko-KR" sz="1000" dirty="0">
-                  <a:ln>
-                    <a:solidFill>
-                      <a:schemeClr val="bg1">
-                        <a:lumMod val="75000"/>
-                        <a:alpha val="0"/>
-                      </a:schemeClr>
-                    </a:solidFill>
-                  </a:ln>
-                  <a:latin typeface="Pretendard Light" panose="02000403000000020004" pitchFamily="2" charset="-127"/>
-                  <a:ea typeface="Pretendard Light" panose="02000403000000020004" pitchFamily="2" charset="-127"/>
-                  <a:cs typeface="Pretendard Light" panose="02000403000000020004" pitchFamily="2" charset="-127"/>
-                </a:rPr>
-                <a:t>. </a:t>
-              </a:r>
-              <a:r>
-                <a:rPr lang="ko-KR" altLang="en-US" sz="1000" dirty="0">
-                  <a:ln>
-                    <a:solidFill>
-                      <a:schemeClr val="bg1">
-                        <a:lumMod val="75000"/>
-                        <a:alpha val="0"/>
-                      </a:schemeClr>
-                    </a:solidFill>
-                  </a:ln>
-                  <a:latin typeface="Pretendard Light" panose="02000403000000020004" pitchFamily="2" charset="-127"/>
-                  <a:ea typeface="Pretendard Light" panose="02000403000000020004" pitchFamily="2" charset="-127"/>
-                  <a:cs typeface="Pretendard Light" panose="02000403000000020004" pitchFamily="2" charset="-127"/>
-                </a:rPr>
-                <a:t>특히 전투 스타일과 모션</a:t>
-              </a:r>
-              <a:r>
-                <a:rPr lang="en-US" altLang="ko-KR" sz="1000" dirty="0">
-                  <a:ln>
-                    <a:solidFill>
-                      <a:schemeClr val="bg1">
-                        <a:lumMod val="75000"/>
-                        <a:alpha val="0"/>
-                      </a:schemeClr>
-                    </a:solidFill>
-                  </a:ln>
-                  <a:latin typeface="Pretendard Light" panose="02000403000000020004" pitchFamily="2" charset="-127"/>
-                  <a:ea typeface="Pretendard Light" panose="02000403000000020004" pitchFamily="2" charset="-127"/>
-                  <a:cs typeface="Pretendard Light" panose="02000403000000020004" pitchFamily="2" charset="-127"/>
-                </a:rPr>
-                <a:t>, </a:t>
-              </a:r>
-              <a:r>
-                <a:rPr lang="ko-KR" altLang="en-US" sz="1000" dirty="0">
-                  <a:ln>
-                    <a:solidFill>
-                      <a:schemeClr val="bg1">
-                        <a:lumMod val="75000"/>
-                        <a:alpha val="0"/>
-                      </a:schemeClr>
-                    </a:solidFill>
-                  </a:ln>
-                  <a:latin typeface="Pretendard Light" panose="02000403000000020004" pitchFamily="2" charset="-127"/>
-                  <a:ea typeface="Pretendard Light" panose="02000403000000020004" pitchFamily="2" charset="-127"/>
-                  <a:cs typeface="Pretendard Light" panose="02000403000000020004" pitchFamily="2" charset="-127"/>
-                </a:rPr>
-                <a:t>이펙트 등 스킬의 연출이 캐릭터 컨셉과 맞아떨어질 때 더욱 깊게 몰입할 수 있었습니다</a:t>
-              </a:r>
-              <a:r>
-                <a:rPr lang="en-US" altLang="ko-KR" sz="1000" dirty="0">
-                  <a:ln>
-                    <a:solidFill>
-                      <a:schemeClr val="bg1">
-                        <a:lumMod val="75000"/>
-                        <a:alpha val="0"/>
-                      </a:schemeClr>
-                    </a:solidFill>
-                  </a:ln>
-                  <a:latin typeface="Pretendard Light" panose="02000403000000020004" pitchFamily="2" charset="-127"/>
-                  <a:ea typeface="Pretendard Light" panose="02000403000000020004" pitchFamily="2" charset="-127"/>
-                  <a:cs typeface="Pretendard Light" panose="02000403000000020004" pitchFamily="2" charset="-127"/>
-                </a:rPr>
-                <a:t>. </a:t>
-              </a:r>
-              <a:r>
-                <a:rPr lang="ko-KR" altLang="en-US" sz="1000" dirty="0">
-                  <a:ln>
-                    <a:solidFill>
-                      <a:schemeClr val="bg1">
-                        <a:lumMod val="75000"/>
-                        <a:alpha val="0"/>
-                      </a:schemeClr>
-                    </a:solidFill>
-                  </a:ln>
-                  <a:latin typeface="Pretendard Light" panose="02000403000000020004" pitchFamily="2" charset="-127"/>
-                  <a:ea typeface="Pretendard Light" panose="02000403000000020004" pitchFamily="2" charset="-127"/>
-                  <a:cs typeface="Pretendard Light" panose="02000403000000020004" pitchFamily="2" charset="-127"/>
-                </a:rPr>
-                <a:t>반대로</a:t>
-              </a:r>
-              <a:r>
-                <a:rPr lang="en-US" altLang="ko-KR" sz="1000" dirty="0">
-                  <a:ln>
-                    <a:solidFill>
-                      <a:schemeClr val="bg1">
-                        <a:lumMod val="75000"/>
-                        <a:alpha val="0"/>
-                      </a:schemeClr>
-                    </a:solidFill>
-                  </a:ln>
-                  <a:latin typeface="Pretendard Light" panose="02000403000000020004" pitchFamily="2" charset="-127"/>
-                  <a:ea typeface="Pretendard Light" panose="02000403000000020004" pitchFamily="2" charset="-127"/>
-                  <a:cs typeface="Pretendard Light" panose="02000403000000020004" pitchFamily="2" charset="-127"/>
-                </a:rPr>
-                <a:t>, </a:t>
-              </a:r>
-              <a:r>
-                <a:rPr lang="ko-KR" altLang="en-US" sz="1000" dirty="0">
-                  <a:ln>
-                    <a:solidFill>
-                      <a:schemeClr val="bg1">
-                        <a:lumMod val="75000"/>
-                        <a:alpha val="0"/>
-                      </a:schemeClr>
-                    </a:solidFill>
-                  </a:ln>
-                  <a:latin typeface="Pretendard Light" panose="02000403000000020004" pitchFamily="2" charset="-127"/>
-                  <a:ea typeface="Pretendard Light" panose="02000403000000020004" pitchFamily="2" charset="-127"/>
-                  <a:cs typeface="Pretendard Light" panose="02000403000000020004" pitchFamily="2" charset="-127"/>
-                </a:rPr>
-                <a:t>캐릭터의 컨셉과 전투 스타일의 관련이 적다고 여겨지면 몰입감이 떨어졌습니다</a:t>
-              </a:r>
-              <a:r>
-                <a:rPr lang="en-US" altLang="ko-KR" sz="1000" dirty="0">
-                  <a:ln>
-                    <a:solidFill>
-                      <a:schemeClr val="bg1">
-                        <a:lumMod val="75000"/>
-                        <a:alpha val="0"/>
-                      </a:schemeClr>
-                    </a:solidFill>
-                  </a:ln>
-                  <a:latin typeface="Pretendard Light" panose="02000403000000020004" pitchFamily="2" charset="-127"/>
-                  <a:ea typeface="Pretendard Light" panose="02000403000000020004" pitchFamily="2" charset="-127"/>
-                  <a:cs typeface="Pretendard Light" panose="02000403000000020004" pitchFamily="2" charset="-127"/>
-                </a:rPr>
-                <a:t>. </a:t>
-              </a:r>
-              <a:r>
-                <a:rPr lang="ko-KR" altLang="en-US" sz="1000" dirty="0">
-                  <a:ln>
-                    <a:solidFill>
-                      <a:schemeClr val="bg1">
-                        <a:lumMod val="75000"/>
-                        <a:alpha val="0"/>
-                      </a:schemeClr>
-                    </a:solidFill>
-                  </a:ln>
-                  <a:latin typeface="Pretendard Light" panose="02000403000000020004" pitchFamily="2" charset="-127"/>
-                  <a:ea typeface="Pretendard Light" panose="02000403000000020004" pitchFamily="2" charset="-127"/>
-                  <a:cs typeface="Pretendard Light" panose="02000403000000020004" pitchFamily="2" charset="-127"/>
-                </a:rPr>
-                <a:t>게임 뿐만 아니라</a:t>
-              </a:r>
-              <a:r>
-                <a:rPr lang="en-US" altLang="ko-KR" sz="1000" dirty="0">
-                  <a:ln>
-                    <a:solidFill>
-                      <a:schemeClr val="bg1">
-                        <a:lumMod val="75000"/>
-                        <a:alpha val="0"/>
-                      </a:schemeClr>
-                    </a:solidFill>
-                  </a:ln>
-                  <a:latin typeface="Pretendard Light" panose="02000403000000020004" pitchFamily="2" charset="-127"/>
-                  <a:ea typeface="Pretendard Light" panose="02000403000000020004" pitchFamily="2" charset="-127"/>
-                  <a:cs typeface="Pretendard Light" panose="02000403000000020004" pitchFamily="2" charset="-127"/>
-                </a:rPr>
-                <a:t>, </a:t>
-              </a:r>
-              <a:r>
-                <a:rPr lang="ko-KR" altLang="en-US" sz="1000" dirty="0">
-                  <a:ln>
-                    <a:solidFill>
-                      <a:schemeClr val="bg1">
-                        <a:lumMod val="75000"/>
-                        <a:alpha val="0"/>
-                      </a:schemeClr>
-                    </a:solidFill>
-                  </a:ln>
-                  <a:latin typeface="Pretendard Light" panose="02000403000000020004" pitchFamily="2" charset="-127"/>
-                  <a:ea typeface="Pretendard Light" panose="02000403000000020004" pitchFamily="2" charset="-127"/>
-                  <a:cs typeface="Pretendard Light" panose="02000403000000020004" pitchFamily="2" charset="-127"/>
-                </a:rPr>
-                <a:t>웹툰</a:t>
-              </a:r>
-              <a:r>
-                <a:rPr lang="en-US" altLang="ko-KR" sz="1000" dirty="0">
-                  <a:ln>
-                    <a:solidFill>
-                      <a:schemeClr val="bg1">
-                        <a:lumMod val="75000"/>
-                        <a:alpha val="0"/>
-                      </a:schemeClr>
-                    </a:solidFill>
-                  </a:ln>
-                  <a:latin typeface="Pretendard Light" panose="02000403000000020004" pitchFamily="2" charset="-127"/>
-                  <a:ea typeface="Pretendard Light" panose="02000403000000020004" pitchFamily="2" charset="-127"/>
-                  <a:cs typeface="Pretendard Light" panose="02000403000000020004" pitchFamily="2" charset="-127"/>
-                </a:rPr>
-                <a:t>/</a:t>
-              </a:r>
-              <a:r>
-                <a:rPr lang="ko-KR" altLang="en-US" sz="1000" dirty="0">
-                  <a:ln>
-                    <a:solidFill>
-                      <a:schemeClr val="bg1">
-                        <a:lumMod val="75000"/>
-                        <a:alpha val="0"/>
-                      </a:schemeClr>
-                    </a:solidFill>
-                  </a:ln>
-                  <a:latin typeface="Pretendard Light" panose="02000403000000020004" pitchFamily="2" charset="-127"/>
-                  <a:ea typeface="Pretendard Light" panose="02000403000000020004" pitchFamily="2" charset="-127"/>
-                  <a:cs typeface="Pretendard Light" panose="02000403000000020004" pitchFamily="2" charset="-127"/>
-                </a:rPr>
-                <a:t>애니메이션 등 여러 작품 속 캐릭터가 컨셉에 맞는 전투를 하면 작품에 더욱 몰입하게 되기도 했습니다</a:t>
-              </a:r>
-              <a:r>
-                <a:rPr lang="en-US" altLang="ko-KR" sz="1000" dirty="0">
-                  <a:ln>
-                    <a:solidFill>
-                      <a:schemeClr val="bg1">
-                        <a:lumMod val="75000"/>
-                        <a:alpha val="0"/>
-                      </a:schemeClr>
-                    </a:solidFill>
-                  </a:ln>
-                  <a:latin typeface="Pretendard Light" panose="02000403000000020004" pitchFamily="2" charset="-127"/>
-                  <a:ea typeface="Pretendard Light" panose="02000403000000020004" pitchFamily="2" charset="-127"/>
-                  <a:cs typeface="Pretendard Light" panose="02000403000000020004" pitchFamily="2" charset="-127"/>
-                </a:rPr>
-                <a:t>. </a:t>
-              </a:r>
-              <a:r>
-                <a:rPr lang="ko-KR" altLang="en-US" sz="1000" dirty="0">
-                  <a:ln>
-                    <a:solidFill>
-                      <a:schemeClr val="bg1">
-                        <a:lumMod val="75000"/>
-                        <a:alpha val="0"/>
-                      </a:schemeClr>
-                    </a:solidFill>
-                  </a:ln>
-                  <a:latin typeface="Pretendard Light" panose="02000403000000020004" pitchFamily="2" charset="-127"/>
-                  <a:ea typeface="Pretendard Light" panose="02000403000000020004" pitchFamily="2" charset="-127"/>
-                  <a:cs typeface="Pretendard Light" panose="02000403000000020004" pitchFamily="2" charset="-127"/>
-                </a:rPr>
-                <a:t>이런 경험들이 쌓이다 보니</a:t>
-              </a:r>
-              <a:r>
-                <a:rPr lang="en-US" altLang="ko-KR" sz="1000" dirty="0">
-                  <a:ln>
-                    <a:solidFill>
-                      <a:schemeClr val="bg1">
-                        <a:lumMod val="75000"/>
-                        <a:alpha val="0"/>
-                      </a:schemeClr>
-                    </a:solidFill>
-                  </a:ln>
-                  <a:latin typeface="Pretendard Light" panose="02000403000000020004" pitchFamily="2" charset="-127"/>
-                  <a:ea typeface="Pretendard Light" panose="02000403000000020004" pitchFamily="2" charset="-127"/>
-                  <a:cs typeface="Pretendard Light" panose="02000403000000020004" pitchFamily="2" charset="-127"/>
-                </a:rPr>
-                <a:t>,</a:t>
-              </a:r>
-              <a:r>
-                <a:rPr lang="ko-KR" altLang="en-US" sz="1000" dirty="0">
-                  <a:ln>
-                    <a:solidFill>
-                      <a:schemeClr val="bg1">
-                        <a:lumMod val="75000"/>
-                        <a:alpha val="0"/>
-                      </a:schemeClr>
-                    </a:solidFill>
-                  </a:ln>
-                  <a:latin typeface="Pretendard Light" panose="02000403000000020004" pitchFamily="2" charset="-127"/>
-                  <a:ea typeface="Pretendard Light" panose="02000403000000020004" pitchFamily="2" charset="-127"/>
-                  <a:cs typeface="Pretendard Light" panose="02000403000000020004" pitchFamily="2" charset="-127"/>
-                </a:rPr>
-                <a:t> 캐릭터의 컨셉에 잘 맞는 전투를 설계하는 것이 전투 기획의 핵심이라고 판단하게 되었습니다</a:t>
-              </a:r>
-              <a:r>
-                <a:rPr lang="en-US" altLang="ko-KR" sz="1000" dirty="0">
-                  <a:ln>
-                    <a:solidFill>
-                      <a:schemeClr val="bg1">
-                        <a:lumMod val="75000"/>
-                        <a:alpha val="0"/>
-                      </a:schemeClr>
-                    </a:solidFill>
-                  </a:ln>
-                  <a:latin typeface="Pretendard Light" panose="02000403000000020004" pitchFamily="2" charset="-127"/>
-                  <a:ea typeface="Pretendard Light" panose="02000403000000020004" pitchFamily="2" charset="-127"/>
-                  <a:cs typeface="Pretendard Light" panose="02000403000000020004" pitchFamily="2" charset="-127"/>
-                </a:rPr>
-                <a:t>.</a:t>
-              </a:r>
-            </a:p>
-            <a:p>
-              <a:pPr>
-                <a:lnSpc>
-                  <a:spcPct val="140000"/>
-                </a:lnSpc>
-                <a:spcAft>
-                  <a:spcPts val="1000"/>
-                </a:spcAft>
-              </a:pPr>
-              <a:r>
-                <a:rPr lang="ko-KR" altLang="en-US" sz="1000" dirty="0">
-                  <a:ln>
-                    <a:solidFill>
-                      <a:schemeClr val="bg1">
-                        <a:lumMod val="75000"/>
-                        <a:alpha val="0"/>
-                      </a:schemeClr>
-                    </a:solidFill>
-                  </a:ln>
-                  <a:latin typeface="Pretendard Light" panose="02000403000000020004" pitchFamily="2" charset="-127"/>
-                  <a:ea typeface="Pretendard Light" panose="02000403000000020004" pitchFamily="2" charset="-127"/>
-                  <a:cs typeface="Pretendard Light" panose="02000403000000020004" pitchFamily="2" charset="-127"/>
-                </a:rPr>
-                <a:t>대학교에서는 게임 공학을 전공하며 프로그래머로서 개발 경험을 쌓았지만</a:t>
-              </a:r>
-              <a:r>
-                <a:rPr lang="en-US" altLang="ko-KR" sz="1000" dirty="0">
-                  <a:ln>
-                    <a:solidFill>
-                      <a:schemeClr val="bg1">
-                        <a:lumMod val="75000"/>
-                        <a:alpha val="0"/>
-                      </a:schemeClr>
-                    </a:solidFill>
-                  </a:ln>
-                  <a:latin typeface="Pretendard Light" panose="02000403000000020004" pitchFamily="2" charset="-127"/>
-                  <a:ea typeface="Pretendard Light" panose="02000403000000020004" pitchFamily="2" charset="-127"/>
-                  <a:cs typeface="Pretendard Light" panose="02000403000000020004" pitchFamily="2" charset="-127"/>
-                </a:rPr>
-                <a:t>, </a:t>
-              </a:r>
-              <a:r>
-                <a:rPr lang="ko-KR" altLang="en-US" sz="1000" dirty="0">
-                  <a:ln>
-                    <a:solidFill>
-                      <a:schemeClr val="bg1">
-                        <a:lumMod val="75000"/>
-                        <a:alpha val="0"/>
-                      </a:schemeClr>
-                    </a:solidFill>
-                  </a:ln>
-                  <a:latin typeface="Pretendard Light" panose="02000403000000020004" pitchFamily="2" charset="-127"/>
-                  <a:ea typeface="Pretendard Light" panose="02000403000000020004" pitchFamily="2" charset="-127"/>
-                  <a:cs typeface="Pretendard Light" panose="02000403000000020004" pitchFamily="2" charset="-127"/>
-                </a:rPr>
-                <a:t>누군가의 아이디어를 기술적으로 구현해 주는 것보다 저의 아이디어와 상상으로 누군가에게 몰입감을 선사하는 기획 업무에 흥미가 생겼습니다</a:t>
-              </a:r>
-              <a:r>
-                <a:rPr lang="en-US" altLang="ko-KR" sz="1000" dirty="0">
-                  <a:ln>
-                    <a:solidFill>
-                      <a:schemeClr val="bg1">
-                        <a:lumMod val="75000"/>
-                        <a:alpha val="0"/>
-                      </a:schemeClr>
-                    </a:solidFill>
-                  </a:ln>
-                  <a:latin typeface="Pretendard Light" panose="02000403000000020004" pitchFamily="2" charset="-127"/>
-                  <a:ea typeface="Pretendard Light" panose="02000403000000020004" pitchFamily="2" charset="-127"/>
-                  <a:cs typeface="Pretendard Light" panose="02000403000000020004" pitchFamily="2" charset="-127"/>
-                </a:rPr>
-                <a:t>. </a:t>
-              </a:r>
-              <a:r>
-                <a:rPr lang="ko-KR" altLang="en-US" sz="1000" dirty="0">
-                  <a:ln>
-                    <a:solidFill>
-                      <a:schemeClr val="bg1">
-                        <a:lumMod val="75000"/>
-                        <a:alpha val="0"/>
-                      </a:schemeClr>
-                    </a:solidFill>
-                  </a:ln>
-                  <a:latin typeface="Pretendard Light" panose="02000403000000020004" pitchFamily="2" charset="-127"/>
-                  <a:ea typeface="Pretendard Light" panose="02000403000000020004" pitchFamily="2" charset="-127"/>
-                  <a:cs typeface="Pretendard Light" panose="02000403000000020004" pitchFamily="2" charset="-127"/>
-                </a:rPr>
-                <a:t>그 중에서도 전투 기획 업무가 가장 매력적으로 느껴졌습니다</a:t>
-              </a:r>
-              <a:r>
-                <a:rPr lang="en-US" altLang="ko-KR" sz="1000" dirty="0">
-                  <a:ln>
-                    <a:solidFill>
-                      <a:schemeClr val="bg1">
-                        <a:lumMod val="75000"/>
-                        <a:alpha val="0"/>
-                      </a:schemeClr>
-                    </a:solidFill>
-                  </a:ln>
-                  <a:latin typeface="Pretendard Light" panose="02000403000000020004" pitchFamily="2" charset="-127"/>
-                  <a:ea typeface="Pretendard Light" panose="02000403000000020004" pitchFamily="2" charset="-127"/>
-                  <a:cs typeface="Pretendard Light" panose="02000403000000020004" pitchFamily="2" charset="-127"/>
-                </a:rPr>
-                <a:t>. </a:t>
-              </a:r>
-              <a:r>
-                <a:rPr lang="ko-KR" altLang="en-US" sz="1000" dirty="0">
-                  <a:ln>
-                    <a:solidFill>
-                      <a:schemeClr val="bg1">
-                        <a:lumMod val="75000"/>
-                        <a:alpha val="0"/>
-                      </a:schemeClr>
-                    </a:solidFill>
-                  </a:ln>
-                  <a:latin typeface="Pretendard Light" panose="02000403000000020004" pitchFamily="2" charset="-127"/>
-                  <a:ea typeface="Pretendard Light" panose="02000403000000020004" pitchFamily="2" charset="-127"/>
-                  <a:cs typeface="Pretendard Light" panose="02000403000000020004" pitchFamily="2" charset="-127"/>
-                </a:rPr>
-                <a:t>제가 가장 좋아하면서 자신이 있는 분야가 전투였기 때문입니다</a:t>
-              </a:r>
-              <a:r>
-                <a:rPr lang="en-US" altLang="ko-KR" sz="1000" dirty="0">
-                  <a:ln>
-                    <a:solidFill>
-                      <a:schemeClr val="bg1">
-                        <a:lumMod val="75000"/>
-                        <a:alpha val="0"/>
-                      </a:schemeClr>
-                    </a:solidFill>
-                  </a:ln>
-                  <a:latin typeface="Pretendard Light" panose="02000403000000020004" pitchFamily="2" charset="-127"/>
-                  <a:ea typeface="Pretendard Light" panose="02000403000000020004" pitchFamily="2" charset="-127"/>
-                  <a:cs typeface="Pretendard Light" panose="02000403000000020004" pitchFamily="2" charset="-127"/>
-                </a:rPr>
-                <a:t>.</a:t>
-              </a:r>
-            </a:p>
-            <a:p>
-              <a:pPr>
-                <a:lnSpc>
-                  <a:spcPct val="140000"/>
-                </a:lnSpc>
-                <a:spcAft>
-                  <a:spcPts val="1000"/>
-                </a:spcAft>
-              </a:pPr>
-              <a:r>
-                <a:rPr lang="ko-KR" altLang="en-US" sz="1000" dirty="0">
-                  <a:ln>
-                    <a:solidFill>
-                      <a:schemeClr val="bg1">
-                        <a:lumMod val="75000"/>
-                        <a:alpha val="0"/>
-                      </a:schemeClr>
-                    </a:solidFill>
-                  </a:ln>
-                  <a:latin typeface="Pretendard Light" panose="02000403000000020004" pitchFamily="2" charset="-127"/>
-                  <a:ea typeface="Pretendard Light" panose="02000403000000020004" pitchFamily="2" charset="-127"/>
-                  <a:cs typeface="Pretendard Light" panose="02000403000000020004" pitchFamily="2" charset="-127"/>
-                </a:rPr>
-                <a:t>이제 저만의 전투를 상상에서 그치지 않고 현실에 탄생시키려고 합니다</a:t>
-              </a:r>
-              <a:r>
-                <a:rPr lang="en-US" altLang="ko-KR" sz="1000" dirty="0">
-                  <a:ln>
-                    <a:solidFill>
-                      <a:schemeClr val="bg1">
-                        <a:lumMod val="75000"/>
-                        <a:alpha val="0"/>
-                      </a:schemeClr>
-                    </a:solidFill>
-                  </a:ln>
-                  <a:latin typeface="Pretendard Light" panose="02000403000000020004" pitchFamily="2" charset="-127"/>
-                  <a:ea typeface="Pretendard Light" panose="02000403000000020004" pitchFamily="2" charset="-127"/>
-                  <a:cs typeface="Pretendard Light" panose="02000403000000020004" pitchFamily="2" charset="-127"/>
-                </a:rPr>
-                <a:t>. </a:t>
-              </a:r>
-              <a:r>
-                <a:rPr lang="ko-KR" altLang="en-US" sz="1000" dirty="0">
-                  <a:ln>
-                    <a:solidFill>
-                      <a:schemeClr val="bg1">
-                        <a:lumMod val="75000"/>
-                        <a:alpha val="0"/>
-                      </a:schemeClr>
-                    </a:solidFill>
-                  </a:ln>
-                  <a:latin typeface="Pretendard Light" panose="02000403000000020004" pitchFamily="2" charset="-127"/>
-                  <a:ea typeface="Pretendard Light" panose="02000403000000020004" pitchFamily="2" charset="-127"/>
-                  <a:cs typeface="Pretendard Light" panose="02000403000000020004" pitchFamily="2" charset="-127"/>
-                </a:rPr>
-                <a:t>저의 생각과 경험들을 총동원하여 다른 사람들에게 몰입감과 즐거움을 줄 수 있는 전투를 설계하는 전투 기획자가 되겠습니다</a:t>
+                <a:t> 등 전투 기획자로서 경쟁력을 쌓고 있습니다</a:t>
               </a:r>
               <a:r>
                 <a:rPr lang="en-US" altLang="ko-KR" sz="1000" dirty="0">
@@ -7854,19 +7943,277 @@
                   <a:spcPts val="1000"/>
                 </a:spcAft>
               </a:pPr>
-              <a:endParaRPr lang="en-US" altLang="ko-KR" sz="1000" dirty="0">
-                <a:ln>
-                  <a:solidFill>
-                    <a:schemeClr val="bg1">
-                      <a:lumMod val="75000"/>
-                      <a:alpha val="0"/>
-                    </a:schemeClr>
-                  </a:solidFill>
-                </a:ln>
-                <a:latin typeface="Pretendard Light" panose="02000403000000020004" pitchFamily="2" charset="-127"/>
-                <a:ea typeface="Pretendard Light" panose="02000403000000020004" pitchFamily="2" charset="-127"/>
-                <a:cs typeface="Pretendard Light" panose="02000403000000020004" pitchFamily="2" charset="-127"/>
-              </a:endParaRPr>
+              <a:r>
+                <a:rPr lang="en-US" altLang="ko-KR" sz="1000" dirty="0">
+                  <a:ln>
+                    <a:solidFill>
+                      <a:schemeClr val="bg1">
+                        <a:lumMod val="75000"/>
+                        <a:alpha val="0"/>
+                      </a:schemeClr>
+                    </a:solidFill>
+                  </a:ln>
+                  <a:latin typeface="Pretendard Medium" panose="02000603000000020004" pitchFamily="2" charset="-127"/>
+                  <a:ea typeface="Pretendard Medium" panose="02000603000000020004" pitchFamily="2" charset="-127"/>
+                  <a:cs typeface="Pretendard Medium" panose="02000603000000020004" pitchFamily="2" charset="-127"/>
+                </a:rPr>
+                <a:t>#  </a:t>
+              </a:r>
+              <a:r>
+                <a:rPr lang="ko-KR" altLang="en-US" sz="1000" dirty="0">
+                  <a:ln>
+                    <a:solidFill>
+                      <a:schemeClr val="bg1">
+                        <a:lumMod val="75000"/>
+                        <a:alpha val="0"/>
+                      </a:schemeClr>
+                    </a:solidFill>
+                  </a:ln>
+                  <a:latin typeface="Pretendard Medium" panose="02000603000000020004" pitchFamily="2" charset="-127"/>
+                  <a:ea typeface="Pretendard Medium" panose="02000603000000020004" pitchFamily="2" charset="-127"/>
+                  <a:cs typeface="Pretendard Medium" panose="02000603000000020004" pitchFamily="2" charset="-127"/>
+                </a:rPr>
+                <a:t>신뢰를 주는 기획자</a:t>
+              </a:r>
+              <a:br>
+                <a:rPr lang="en-US" altLang="ko-KR" sz="1000" dirty="0">
+                  <a:ln>
+                    <a:solidFill>
+                      <a:schemeClr val="bg1">
+                        <a:lumMod val="75000"/>
+                        <a:alpha val="0"/>
+                      </a:schemeClr>
+                    </a:solidFill>
+                  </a:ln>
+                  <a:latin typeface="Pretendard Medium" panose="02000603000000020004" pitchFamily="2" charset="-127"/>
+                  <a:ea typeface="Pretendard Medium" panose="02000603000000020004" pitchFamily="2" charset="-127"/>
+                  <a:cs typeface="Pretendard Medium" panose="02000603000000020004" pitchFamily="2" charset="-127"/>
+                </a:rPr>
+              </a:br>
+              <a:r>
+                <a:rPr lang="ko-KR" altLang="en-US" sz="1000" dirty="0">
+                  <a:ln>
+                    <a:solidFill>
+                      <a:schemeClr val="bg1">
+                        <a:lumMod val="75000"/>
+                        <a:alpha val="0"/>
+                      </a:schemeClr>
+                    </a:solidFill>
+                  </a:ln>
+                  <a:latin typeface="Pretendard Light" panose="02000403000000020004" pitchFamily="2" charset="-127"/>
+                  <a:ea typeface="Pretendard Light" panose="02000403000000020004" pitchFamily="2" charset="-127"/>
+                  <a:cs typeface="Pretendard Light" panose="02000403000000020004" pitchFamily="2" charset="-127"/>
+                </a:rPr>
+                <a:t>저의 </a:t>
+              </a:r>
+              <a:r>
+                <a:rPr lang="en-US" altLang="ko-KR" sz="1000" dirty="0">
+                  <a:ln>
+                    <a:solidFill>
+                      <a:schemeClr val="bg1">
+                        <a:lumMod val="75000"/>
+                        <a:alpha val="0"/>
+                      </a:schemeClr>
+                    </a:solidFill>
+                  </a:ln>
+                  <a:latin typeface="Pretendard Light" panose="02000403000000020004" pitchFamily="2" charset="-127"/>
+                  <a:ea typeface="Pretendard Light" panose="02000403000000020004" pitchFamily="2" charset="-127"/>
+                  <a:cs typeface="Pretendard Light" panose="02000403000000020004" pitchFamily="2" charset="-127"/>
+                </a:rPr>
+                <a:t>1</a:t>
+              </a:r>
+              <a:r>
+                <a:rPr lang="ko-KR" altLang="en-US" sz="1000" dirty="0">
+                  <a:ln>
+                    <a:solidFill>
+                      <a:schemeClr val="bg1">
+                        <a:lumMod val="75000"/>
+                        <a:alpha val="0"/>
+                      </a:schemeClr>
+                    </a:solidFill>
+                  </a:ln>
+                  <a:latin typeface="Pretendard Light" panose="02000403000000020004" pitchFamily="2" charset="-127"/>
+                  <a:ea typeface="Pretendard Light" panose="02000403000000020004" pitchFamily="2" charset="-127"/>
+                  <a:cs typeface="Pretendard Light" panose="02000403000000020004" pitchFamily="2" charset="-127"/>
+                </a:rPr>
+                <a:t>차 목표는 동료 개발자분들을 설득할 수 있는 기획자가 되는 것입니다</a:t>
+              </a:r>
+              <a:r>
+                <a:rPr lang="en-US" altLang="ko-KR" sz="1000" dirty="0">
+                  <a:ln>
+                    <a:solidFill>
+                      <a:schemeClr val="bg1">
+                        <a:lumMod val="75000"/>
+                        <a:alpha val="0"/>
+                      </a:schemeClr>
+                    </a:solidFill>
+                  </a:ln>
+                  <a:latin typeface="Pretendard Light" panose="02000403000000020004" pitchFamily="2" charset="-127"/>
+                  <a:ea typeface="Pretendard Light" panose="02000403000000020004" pitchFamily="2" charset="-127"/>
+                  <a:cs typeface="Pretendard Light" panose="02000403000000020004" pitchFamily="2" charset="-127"/>
+                </a:rPr>
+                <a:t>. </a:t>
+              </a:r>
+              <a:r>
+                <a:rPr lang="ko-KR" altLang="en-US" sz="1000" dirty="0">
+                  <a:ln>
+                    <a:solidFill>
+                      <a:schemeClr val="bg1">
+                        <a:lumMod val="75000"/>
+                        <a:alpha val="0"/>
+                      </a:schemeClr>
+                    </a:solidFill>
+                  </a:ln>
+                  <a:latin typeface="Pretendard Light" panose="02000403000000020004" pitchFamily="2" charset="-127"/>
+                  <a:ea typeface="Pretendard Light" panose="02000403000000020004" pitchFamily="2" charset="-127"/>
+                  <a:cs typeface="Pretendard Light" panose="02000403000000020004" pitchFamily="2" charset="-127"/>
+                </a:rPr>
+                <a:t>저는 의견을 제시하며 적극적으로 프로젝트에 참여할 때 책임감</a:t>
+              </a:r>
+              <a:r>
+                <a:rPr lang="en-US" altLang="ko-KR" sz="1000" dirty="0">
+                  <a:ln>
+                    <a:solidFill>
+                      <a:schemeClr val="bg1">
+                        <a:lumMod val="75000"/>
+                        <a:alpha val="0"/>
+                      </a:schemeClr>
+                    </a:solidFill>
+                  </a:ln>
+                  <a:latin typeface="Pretendard Light" panose="02000403000000020004" pitchFamily="2" charset="-127"/>
+                  <a:ea typeface="Pretendard Light" panose="02000403000000020004" pitchFamily="2" charset="-127"/>
+                  <a:cs typeface="Pretendard Light" panose="02000403000000020004" pitchFamily="2" charset="-127"/>
+                </a:rPr>
+                <a:t>, </a:t>
+              </a:r>
+              <a:r>
+                <a:rPr lang="ko-KR" altLang="en-US" sz="1000" dirty="0">
+                  <a:ln>
+                    <a:solidFill>
+                      <a:schemeClr val="bg1">
+                        <a:lumMod val="75000"/>
+                        <a:alpha val="0"/>
+                      </a:schemeClr>
+                    </a:solidFill>
+                  </a:ln>
+                  <a:latin typeface="Pretendard Light" panose="02000403000000020004" pitchFamily="2" charset="-127"/>
+                  <a:ea typeface="Pretendard Light" panose="02000403000000020004" pitchFamily="2" charset="-127"/>
+                  <a:cs typeface="Pretendard Light" panose="02000403000000020004" pitchFamily="2" charset="-127"/>
+                </a:rPr>
+                <a:t>소속감을 느꼈습니다</a:t>
+              </a:r>
+              <a:r>
+                <a:rPr lang="en-US" altLang="ko-KR" sz="1000" dirty="0">
+                  <a:ln>
+                    <a:solidFill>
+                      <a:schemeClr val="bg1">
+                        <a:lumMod val="75000"/>
+                        <a:alpha val="0"/>
+                      </a:schemeClr>
+                    </a:solidFill>
+                  </a:ln>
+                  <a:latin typeface="Pretendard Light" panose="02000403000000020004" pitchFamily="2" charset="-127"/>
+                  <a:ea typeface="Pretendard Light" panose="02000403000000020004" pitchFamily="2" charset="-127"/>
+                  <a:cs typeface="Pretendard Light" panose="02000403000000020004" pitchFamily="2" charset="-127"/>
+                </a:rPr>
+                <a:t>. </a:t>
+              </a:r>
+              <a:r>
+                <a:rPr lang="ko-KR" altLang="en-US" sz="1000" dirty="0">
+                  <a:ln>
+                    <a:solidFill>
+                      <a:schemeClr val="bg1">
+                        <a:lumMod val="75000"/>
+                        <a:alpha val="0"/>
+                      </a:schemeClr>
+                    </a:solidFill>
+                  </a:ln>
+                  <a:latin typeface="Pretendard Light" panose="02000403000000020004" pitchFamily="2" charset="-127"/>
+                  <a:ea typeface="Pretendard Light" panose="02000403000000020004" pitchFamily="2" charset="-127"/>
+                  <a:cs typeface="Pretendard Light" panose="02000403000000020004" pitchFamily="2" charset="-127"/>
+                </a:rPr>
+                <a:t>의견을 낼 때는 언제나 논리적인 생각을 바탕으로 스스로 이해할 수 있는 근거를 마련하려 노력하게 됩니다</a:t>
+              </a:r>
+              <a:r>
+                <a:rPr lang="en-US" altLang="ko-KR" sz="1000" dirty="0">
+                  <a:ln>
+                    <a:solidFill>
+                      <a:schemeClr val="bg1">
+                        <a:lumMod val="75000"/>
+                        <a:alpha val="0"/>
+                      </a:schemeClr>
+                    </a:solidFill>
+                  </a:ln>
+                  <a:latin typeface="Pretendard Light" panose="02000403000000020004" pitchFamily="2" charset="-127"/>
+                  <a:ea typeface="Pretendard Light" panose="02000403000000020004" pitchFamily="2" charset="-127"/>
+                  <a:cs typeface="Pretendard Light" panose="02000403000000020004" pitchFamily="2" charset="-127"/>
+                </a:rPr>
+                <a:t>. </a:t>
+              </a:r>
+              <a:r>
+                <a:rPr lang="ko-KR" altLang="en-US" sz="1000" dirty="0">
+                  <a:ln>
+                    <a:solidFill>
+                      <a:schemeClr val="bg1">
+                        <a:lumMod val="75000"/>
+                        <a:alpha val="0"/>
+                      </a:schemeClr>
+                    </a:solidFill>
+                  </a:ln>
+                  <a:latin typeface="Pretendard Light" panose="02000403000000020004" pitchFamily="2" charset="-127"/>
+                  <a:ea typeface="Pretendard Light" panose="02000403000000020004" pitchFamily="2" charset="-127"/>
+                  <a:cs typeface="Pretendard Light" panose="02000403000000020004" pitchFamily="2" charset="-127"/>
+                </a:rPr>
+                <a:t>누군가를 설득하려면 스스로가 확신을 가져야 한다고 생각하기 때문입니다</a:t>
+              </a:r>
+              <a:r>
+                <a:rPr lang="en-US" altLang="ko-KR" sz="1000" dirty="0">
+                  <a:ln>
+                    <a:solidFill>
+                      <a:schemeClr val="bg1">
+                        <a:lumMod val="75000"/>
+                        <a:alpha val="0"/>
+                      </a:schemeClr>
+                    </a:solidFill>
+                  </a:ln>
+                  <a:latin typeface="Pretendard Light" panose="02000403000000020004" pitchFamily="2" charset="-127"/>
+                  <a:ea typeface="Pretendard Light" panose="02000403000000020004" pitchFamily="2" charset="-127"/>
+                  <a:cs typeface="Pretendard Light" panose="02000403000000020004" pitchFamily="2" charset="-127"/>
+                </a:rPr>
+                <a:t>. </a:t>
+              </a:r>
+              <a:r>
+                <a:rPr lang="ko-KR" altLang="en-US" sz="1000" dirty="0">
+                  <a:ln>
+                    <a:solidFill>
+                      <a:schemeClr val="bg1">
+                        <a:lumMod val="75000"/>
+                        <a:alpha val="0"/>
+                      </a:schemeClr>
+                    </a:solidFill>
+                  </a:ln>
+                  <a:latin typeface="Pretendard Light" panose="02000403000000020004" pitchFamily="2" charset="-127"/>
+                  <a:ea typeface="Pretendard Light" panose="02000403000000020004" pitchFamily="2" charset="-127"/>
+                  <a:cs typeface="Pretendard Light" panose="02000403000000020004" pitchFamily="2" charset="-127"/>
+                </a:rPr>
+                <a:t>이러한 태도를 바탕으로 동료분들과 많은 의견을 주고받으며 더 재미있는 전투를 만들어 가고 싶습니다</a:t>
+              </a:r>
+              <a:r>
+                <a:rPr lang="en-US" altLang="ko-KR" sz="1000" dirty="0">
+                  <a:ln>
+                    <a:solidFill>
+                      <a:schemeClr val="bg1">
+                        <a:lumMod val="75000"/>
+                        <a:alpha val="0"/>
+                      </a:schemeClr>
+                    </a:solidFill>
+                  </a:ln>
+                  <a:latin typeface="Pretendard Light" panose="02000403000000020004" pitchFamily="2" charset="-127"/>
+                  <a:ea typeface="Pretendard Light" panose="02000403000000020004" pitchFamily="2" charset="-127"/>
+                  <a:cs typeface="Pretendard Light" panose="02000403000000020004" pitchFamily="2" charset="-127"/>
+                </a:rPr>
+                <a:t>.</a:t>
+              </a:r>
             </a:p>
             <a:p>
               <a:pPr>
@@ -7891,7 +8238,7 @@
                   <a:ea typeface="Pretendard Light" panose="02000403000000020004" pitchFamily="2" charset="-127"/>
                   <a:cs typeface="Pretendard Light" panose="02000403000000020004" pitchFamily="2" charset="-127"/>
                 </a:rPr>
-                <a:t>저는 즐거움을 주는 게임을 만들고 싶다는 목표로 게임 업계에 발을 딛었습니다</a:t>
+                <a:t>이후 신뢰를 주는 전투 기획자로 성장하는 것이 궁극적인 목표입니다</a:t>
               </a:r>
               <a:r>
                 <a:rPr lang="en-US" altLang="ko-KR" sz="1000" dirty="0">
@@ -7923,7 +8270,7 @@
                   <a:ea typeface="Pretendard Light" panose="02000403000000020004" pitchFamily="2" charset="-127"/>
                   <a:cs typeface="Pretendard Light" panose="02000403000000020004" pitchFamily="2" charset="-127"/>
                 </a:rPr>
-                <a:t>대학교에서 게임 공학을 전공하며</a:t>
+                <a:t>제가 </a:t>
               </a:r>
               <a:r>
                 <a:rPr lang="en-US" altLang="ko-KR" sz="1000" dirty="0">
@@ -7939,7 +8286,7 @@
                   <a:ea typeface="Pretendard Light" panose="02000403000000020004" pitchFamily="2" charset="-127"/>
                   <a:cs typeface="Pretendard Light" panose="02000403000000020004" pitchFamily="2" charset="-127"/>
                 </a:rPr>
-                <a:t> </a:t>
+                <a:t>'P</a:t>
               </a:r>
               <a:r>
                 <a:rPr lang="ko-KR" altLang="en-US" sz="1000" dirty="0">
@@ -7955,7 +8302,7 @@
                   <a:ea typeface="Pretendard Light" panose="02000403000000020004" pitchFamily="2" charset="-127"/>
                   <a:cs typeface="Pretendard Light" panose="02000403000000020004" pitchFamily="2" charset="-127"/>
                 </a:rPr>
-                <a:t>프로그래머로서 개발 경험을 쌓았지만</a:t>
+                <a:t>의 거짓</a:t>
               </a:r>
               <a:r>
                 <a:rPr lang="en-US" altLang="ko-KR" sz="1000" dirty="0">
@@ -7971,6 +8318,262 @@
                   <a:ea typeface="Pretendard Light" panose="02000403000000020004" pitchFamily="2" charset="-127"/>
                   <a:cs typeface="Pretendard Light" panose="02000403000000020004" pitchFamily="2" charset="-127"/>
                 </a:rPr>
+                <a:t>'</a:t>
+              </a:r>
+              <a:r>
+                <a:rPr lang="ko-KR" altLang="en-US" sz="1000" dirty="0">
+                  <a:ln>
+                    <a:solidFill>
+                      <a:schemeClr val="bg1">
+                        <a:lumMod val="75000"/>
+                        <a:alpha val="0"/>
+                      </a:schemeClr>
+                    </a:solidFill>
+                  </a:ln>
+                  <a:latin typeface="Pretendard Light" panose="02000403000000020004" pitchFamily="2" charset="-127"/>
+                  <a:ea typeface="Pretendard Light" panose="02000403000000020004" pitchFamily="2" charset="-127"/>
+                  <a:cs typeface="Pretendard Light" panose="02000403000000020004" pitchFamily="2" charset="-127"/>
+                </a:rPr>
+                <a:t>을 플레이하며 </a:t>
+              </a:r>
+              <a:r>
+                <a:rPr lang="en-US" altLang="ko-KR" sz="1000" dirty="0">
+                  <a:ln>
+                    <a:solidFill>
+                      <a:schemeClr val="bg1">
+                        <a:lumMod val="75000"/>
+                        <a:alpha val="0"/>
+                      </a:schemeClr>
+                    </a:solidFill>
+                  </a:ln>
+                  <a:latin typeface="Pretendard Light" panose="02000403000000020004" pitchFamily="2" charset="-127"/>
+                  <a:ea typeface="Pretendard Light" panose="02000403000000020004" pitchFamily="2" charset="-127"/>
+                  <a:cs typeface="Pretendard Light" panose="02000403000000020004" pitchFamily="2" charset="-127"/>
+                </a:rPr>
+                <a:t>ROUND 8 </a:t>
+              </a:r>
+              <a:r>
+                <a:rPr lang="ko-KR" altLang="en-US" sz="1000" dirty="0">
+                  <a:ln>
+                    <a:solidFill>
+                      <a:schemeClr val="bg1">
+                        <a:lumMod val="75000"/>
+                        <a:alpha val="0"/>
+                      </a:schemeClr>
+                    </a:solidFill>
+                  </a:ln>
+                  <a:latin typeface="Pretendard Light" panose="02000403000000020004" pitchFamily="2" charset="-127"/>
+                  <a:ea typeface="Pretendard Light" panose="02000403000000020004" pitchFamily="2" charset="-127"/>
+                  <a:cs typeface="Pretendard Light" panose="02000403000000020004" pitchFamily="2" charset="-127"/>
+                </a:rPr>
+                <a:t>스튜디오에 대해 떠오르는 생각은 </a:t>
+              </a:r>
+              <a:r>
+                <a:rPr lang="en-US" altLang="ko-KR" sz="1000" dirty="0">
+                  <a:ln>
+                    <a:solidFill>
+                      <a:schemeClr val="bg1">
+                        <a:lumMod val="75000"/>
+                        <a:alpha val="0"/>
+                      </a:schemeClr>
+                    </a:solidFill>
+                  </a:ln>
+                  <a:latin typeface="Pretendard Light" panose="02000403000000020004" pitchFamily="2" charset="-127"/>
+                  <a:ea typeface="Pretendard Light" panose="02000403000000020004" pitchFamily="2" charset="-127"/>
+                  <a:cs typeface="Pretendard Light" panose="02000403000000020004" pitchFamily="2" charset="-127"/>
+                </a:rPr>
+                <a:t>'ROUND 8</a:t>
+              </a:r>
+              <a:r>
+                <a:rPr lang="ko-KR" altLang="en-US" sz="1000" dirty="0">
+                  <a:ln>
+                    <a:solidFill>
+                      <a:schemeClr val="bg1">
+                        <a:lumMod val="75000"/>
+                        <a:alpha val="0"/>
+                      </a:schemeClr>
+                    </a:solidFill>
+                  </a:ln>
+                  <a:latin typeface="Pretendard Light" panose="02000403000000020004" pitchFamily="2" charset="-127"/>
+                  <a:ea typeface="Pretendard Light" panose="02000403000000020004" pitchFamily="2" charset="-127"/>
+                  <a:cs typeface="Pretendard Light" panose="02000403000000020004" pitchFamily="2" charset="-127"/>
+                </a:rPr>
+                <a:t>에서 개발한 게임은 당연히 재미있겠다</a:t>
+              </a:r>
+              <a:r>
+                <a:rPr lang="en-US" altLang="ko-KR" sz="1000" dirty="0">
+                  <a:ln>
+                    <a:solidFill>
+                      <a:schemeClr val="bg1">
+                        <a:lumMod val="75000"/>
+                        <a:alpha val="0"/>
+                      </a:schemeClr>
+                    </a:solidFill>
+                  </a:ln>
+                  <a:latin typeface="Pretendard Light" panose="02000403000000020004" pitchFamily="2" charset="-127"/>
+                  <a:ea typeface="Pretendard Light" panose="02000403000000020004" pitchFamily="2" charset="-127"/>
+                  <a:cs typeface="Pretendard Light" panose="02000403000000020004" pitchFamily="2" charset="-127"/>
+                </a:rPr>
+                <a:t>'</a:t>
+              </a:r>
+              <a:r>
+                <a:rPr lang="ko-KR" altLang="en-US" sz="1000" dirty="0">
+                  <a:ln>
+                    <a:solidFill>
+                      <a:schemeClr val="bg1">
+                        <a:lumMod val="75000"/>
+                        <a:alpha val="0"/>
+                      </a:schemeClr>
+                    </a:solidFill>
+                  </a:ln>
+                  <a:latin typeface="Pretendard Light" panose="02000403000000020004" pitchFamily="2" charset="-127"/>
+                  <a:ea typeface="Pretendard Light" panose="02000403000000020004" pitchFamily="2" charset="-127"/>
+                  <a:cs typeface="Pretendard Light" panose="02000403000000020004" pitchFamily="2" charset="-127"/>
+                </a:rPr>
+                <a:t>였습니다</a:t>
+              </a:r>
+              <a:r>
+                <a:rPr lang="en-US" altLang="ko-KR" sz="1000" dirty="0">
+                  <a:ln>
+                    <a:solidFill>
+                      <a:schemeClr val="bg1">
+                        <a:lumMod val="75000"/>
+                        <a:alpha val="0"/>
+                      </a:schemeClr>
+                    </a:solidFill>
+                  </a:ln>
+                  <a:latin typeface="Pretendard Light" panose="02000403000000020004" pitchFamily="2" charset="-127"/>
+                  <a:ea typeface="Pretendard Light" panose="02000403000000020004" pitchFamily="2" charset="-127"/>
+                  <a:cs typeface="Pretendard Light" panose="02000403000000020004" pitchFamily="2" charset="-127"/>
+                </a:rPr>
+                <a:t>. </a:t>
+              </a:r>
+              <a:r>
+                <a:rPr lang="ko-KR" altLang="en-US" sz="1000" dirty="0">
+                  <a:ln>
+                    <a:solidFill>
+                      <a:schemeClr val="bg1">
+                        <a:lumMod val="75000"/>
+                        <a:alpha val="0"/>
+                      </a:schemeClr>
+                    </a:solidFill>
+                  </a:ln>
+                  <a:latin typeface="Pretendard Light" panose="02000403000000020004" pitchFamily="2" charset="-127"/>
+                  <a:ea typeface="Pretendard Light" panose="02000403000000020004" pitchFamily="2" charset="-127"/>
+                  <a:cs typeface="Pretendard Light" panose="02000403000000020004" pitchFamily="2" charset="-127"/>
+                </a:rPr>
+                <a:t>저 역시 그렇게 신뢰를 주는 기획자가 되고 싶습니다</a:t>
+              </a:r>
+              <a:r>
+                <a:rPr lang="en-US" altLang="ko-KR" sz="1000" dirty="0">
+                  <a:ln>
+                    <a:solidFill>
+                      <a:schemeClr val="bg1">
+                        <a:lumMod val="75000"/>
+                        <a:alpha val="0"/>
+                      </a:schemeClr>
+                    </a:solidFill>
+                  </a:ln>
+                  <a:latin typeface="Pretendard Light" panose="02000403000000020004" pitchFamily="2" charset="-127"/>
+                  <a:ea typeface="Pretendard Light" panose="02000403000000020004" pitchFamily="2" charset="-127"/>
+                  <a:cs typeface="Pretendard Light" panose="02000403000000020004" pitchFamily="2" charset="-127"/>
+                </a:rPr>
+                <a:t>. </a:t>
+              </a:r>
+              <a:r>
+                <a:rPr lang="ko-KR" altLang="en-US" sz="1000" dirty="0">
+                  <a:ln>
+                    <a:solidFill>
+                      <a:schemeClr val="bg1">
+                        <a:lumMod val="75000"/>
+                        <a:alpha val="0"/>
+                      </a:schemeClr>
+                    </a:solidFill>
+                  </a:ln>
+                  <a:latin typeface="Pretendard Light" panose="02000403000000020004" pitchFamily="2" charset="-127"/>
+                  <a:ea typeface="Pretendard Light" panose="02000403000000020004" pitchFamily="2" charset="-127"/>
+                  <a:cs typeface="Pretendard Light" panose="02000403000000020004" pitchFamily="2" charset="-127"/>
+                </a:rPr>
+                <a:t>유저들에게는 </a:t>
+              </a:r>
+              <a:r>
+                <a:rPr lang="en-US" altLang="ko-KR" sz="1000" dirty="0">
+                  <a:ln>
+                    <a:solidFill>
+                      <a:schemeClr val="bg1">
+                        <a:lumMod val="75000"/>
+                        <a:alpha val="0"/>
+                      </a:schemeClr>
+                    </a:solidFill>
+                  </a:ln>
+                  <a:latin typeface="Pretendard Light" panose="02000403000000020004" pitchFamily="2" charset="-127"/>
+                  <a:ea typeface="Pretendard Light" panose="02000403000000020004" pitchFamily="2" charset="-127"/>
+                  <a:cs typeface="Pretendard Light" panose="02000403000000020004" pitchFamily="2" charset="-127"/>
+                </a:rPr>
+                <a:t>'</a:t>
+              </a:r>
+              <a:r>
+                <a:rPr lang="ko-KR" altLang="en-US" sz="1000" dirty="0">
+                  <a:ln>
+                    <a:solidFill>
+                      <a:schemeClr val="bg1">
+                        <a:lumMod val="75000"/>
+                        <a:alpha val="0"/>
+                      </a:schemeClr>
+                    </a:solidFill>
+                  </a:ln>
+                  <a:latin typeface="Pretendard Light" panose="02000403000000020004" pitchFamily="2" charset="-127"/>
+                  <a:ea typeface="Pretendard Light" panose="02000403000000020004" pitchFamily="2" charset="-127"/>
+                  <a:cs typeface="Pretendard Light" panose="02000403000000020004" pitchFamily="2" charset="-127"/>
+                </a:rPr>
+                <a:t>이 사람이 개발한 게임이라면 전투는 당연히 재미있겠네</a:t>
+              </a:r>
+              <a:r>
+                <a:rPr lang="en-US" altLang="ko-KR" sz="1000" dirty="0">
+                  <a:ln>
+                    <a:solidFill>
+                      <a:schemeClr val="bg1">
+                        <a:lumMod val="75000"/>
+                        <a:alpha val="0"/>
+                      </a:schemeClr>
+                    </a:solidFill>
+                  </a:ln>
+                  <a:latin typeface="Pretendard Light" panose="02000403000000020004" pitchFamily="2" charset="-127"/>
+                  <a:ea typeface="Pretendard Light" panose="02000403000000020004" pitchFamily="2" charset="-127"/>
+                  <a:cs typeface="Pretendard Light" panose="02000403000000020004" pitchFamily="2" charset="-127"/>
+                </a:rPr>
+                <a:t>'</a:t>
+              </a:r>
+              <a:r>
+                <a:rPr lang="ko-KR" altLang="en-US" sz="1000" dirty="0">
+                  <a:ln>
+                    <a:solidFill>
+                      <a:schemeClr val="bg1">
+                        <a:lumMod val="75000"/>
+                        <a:alpha val="0"/>
+                      </a:schemeClr>
+                    </a:solidFill>
+                  </a:ln>
+                  <a:latin typeface="Pretendard Light" panose="02000403000000020004" pitchFamily="2" charset="-127"/>
+                  <a:ea typeface="Pretendard Light" panose="02000403000000020004" pitchFamily="2" charset="-127"/>
+                  <a:cs typeface="Pretendard Light" panose="02000403000000020004" pitchFamily="2" charset="-127"/>
+                </a:rPr>
+                <a:t>라는 믿음을 주고</a:t>
+              </a:r>
+              <a:r>
+                <a:rPr lang="en-US" altLang="ko-KR" sz="1000" dirty="0">
+                  <a:ln>
+                    <a:solidFill>
+                      <a:schemeClr val="bg1">
+                        <a:lumMod val="75000"/>
+                        <a:alpha val="0"/>
+                      </a:schemeClr>
+                    </a:solidFill>
+                  </a:ln>
+                  <a:latin typeface="Pretendard Light" panose="02000403000000020004" pitchFamily="2" charset="-127"/>
+                  <a:ea typeface="Pretendard Light" panose="02000403000000020004" pitchFamily="2" charset="-127"/>
+                  <a:cs typeface="Pretendard Light" panose="02000403000000020004" pitchFamily="2" charset="-127"/>
+                </a:rPr>
                 <a:t>, </a:t>
               </a:r>
               <a:r>
@@ -7987,7 +8590,7 @@
                   <a:ea typeface="Pretendard Light" panose="02000403000000020004" pitchFamily="2" charset="-127"/>
                   <a:cs typeface="Pretendard Light" panose="02000403000000020004" pitchFamily="2" charset="-127"/>
                 </a:rPr>
-                <a:t>누군가의 상상을 대신 구현해 주는 일보다 저의 아이디어와 상상으로 즐거운 경험을 주고 싶은 마음이 더 커졌습니다</a:t>
+                <a:t>동료분들에게는 </a:t>
               </a:r>
               <a:r>
                 <a:rPr lang="en-US" altLang="ko-KR" sz="1000" dirty="0">
@@ -8003,7 +8606,7 @@
                   <a:ea typeface="Pretendard Light" panose="02000403000000020004" pitchFamily="2" charset="-127"/>
                   <a:cs typeface="Pretendard Light" panose="02000403000000020004" pitchFamily="2" charset="-127"/>
                 </a:rPr>
-                <a:t>. </a:t>
+                <a:t>'</a:t>
               </a:r>
               <a:r>
                 <a:rPr lang="ko-KR" altLang="en-US" sz="1000" dirty="0">
@@ -8019,7 +8622,7 @@
                   <a:ea typeface="Pretendard Light" panose="02000403000000020004" pitchFamily="2" charset="-127"/>
                   <a:cs typeface="Pretendard Light" panose="02000403000000020004" pitchFamily="2" charset="-127"/>
                 </a:rPr>
-                <a:t>생각해보니</a:t>
+                <a:t>맡은 일을 제대로 해 내며 같이 일하고 싶은 사람이다</a:t>
               </a:r>
               <a:r>
                 <a:rPr lang="en-US" altLang="ko-KR" sz="1000" dirty="0">
@@ -8035,18 +8638,8 @@
                   <a:ea typeface="Pretendard Light" panose="02000403000000020004" pitchFamily="2" charset="-127"/>
                   <a:cs typeface="Pretendard Light" panose="02000403000000020004" pitchFamily="2" charset="-127"/>
                 </a:rPr>
-                <a:t>, </a:t>
-              </a:r>
-            </a:p>
-            <a:p>
-              <a:pPr>
-                <a:lnSpc>
-                  <a:spcPct val="140000"/>
-                </a:lnSpc>
-                <a:spcAft>
-                  <a:spcPts val="1000"/>
-                </a:spcAft>
-              </a:pPr>
+                <a:t>' </a:t>
+              </a:r>
               <a:r>
                 <a:rPr lang="ko-KR" altLang="en-US" sz="1000" dirty="0">
                   <a:ln>
@@ -8061,7 +8654,7 @@
                   <a:ea typeface="Pretendard Light" panose="02000403000000020004" pitchFamily="2" charset="-127"/>
                   <a:cs typeface="Pretendard Light" panose="02000403000000020004" pitchFamily="2" charset="-127"/>
                 </a:rPr>
-                <a:t>제가 게임을 통해 즐거움을 느낄 때는 최적화가 잘 되어 있는 게임</a:t>
+                <a:t>라는 평가를 받을 수 있는 기획자가 되겠습니다</a:t>
               </a:r>
               <a:r>
                 <a:rPr lang="en-US" altLang="ko-KR" sz="1000" dirty="0">
@@ -8077,103 +8670,7 @@
                   <a:ea typeface="Pretendard Light" panose="02000403000000020004" pitchFamily="2" charset="-127"/>
                   <a:cs typeface="Pretendard Light" panose="02000403000000020004" pitchFamily="2" charset="-127"/>
                 </a:rPr>
-                <a:t>, </a:t>
-              </a:r>
-              <a:r>
-                <a:rPr lang="ko-KR" altLang="en-US" sz="1000" dirty="0">
-                  <a:ln>
-                    <a:solidFill>
-                      <a:schemeClr val="bg1">
-                        <a:lumMod val="75000"/>
-                        <a:alpha val="0"/>
-                      </a:schemeClr>
-                    </a:solidFill>
-                  </a:ln>
-                  <a:latin typeface="Pretendard Light" panose="02000403000000020004" pitchFamily="2" charset="-127"/>
-                  <a:ea typeface="Pretendard Light" panose="02000403000000020004" pitchFamily="2" charset="-127"/>
-                  <a:cs typeface="Pretendard Light" panose="02000403000000020004" pitchFamily="2" charset="-127"/>
-                </a:rPr>
-                <a:t>구현이 잘 된 게임이 아니라 전투가 재미있는 지</a:t>
-              </a:r>
-              <a:r>
-                <a:rPr lang="en-US" altLang="ko-KR" sz="1000" dirty="0">
-                  <a:ln>
-                    <a:solidFill>
-                      <a:schemeClr val="bg1">
-                        <a:lumMod val="75000"/>
-                        <a:alpha val="0"/>
-                      </a:schemeClr>
-                    </a:solidFill>
-                  </a:ln>
-                  <a:latin typeface="Pretendard Light" panose="02000403000000020004" pitchFamily="2" charset="-127"/>
-                  <a:ea typeface="Pretendard Light" panose="02000403000000020004" pitchFamily="2" charset="-127"/>
-                  <a:cs typeface="Pretendard Light" panose="02000403000000020004" pitchFamily="2" charset="-127"/>
-                </a:rPr>
-                <a:t>, </a:t>
-              </a:r>
-              <a:r>
-                <a:rPr lang="ko-KR" altLang="en-US" sz="1000" dirty="0">
-                  <a:ln>
-                    <a:solidFill>
-                      <a:schemeClr val="bg1">
-                        <a:lumMod val="75000"/>
-                        <a:alpha val="0"/>
-                      </a:schemeClr>
-                    </a:solidFill>
-                  </a:ln>
-                  <a:latin typeface="Pretendard Light" panose="02000403000000020004" pitchFamily="2" charset="-127"/>
-                  <a:ea typeface="Pretendard Light" panose="02000403000000020004" pitchFamily="2" charset="-127"/>
-                  <a:cs typeface="Pretendard Light" panose="02000403000000020004" pitchFamily="2" charset="-127"/>
-                </a:rPr>
-                <a:t>캐릭터의 </a:t>
-              </a:r>
-              <a:r>
-                <a:rPr lang="ko-KR" altLang="en-US" sz="1000" dirty="0" err="1">
-                  <a:ln>
-                    <a:solidFill>
-                      <a:schemeClr val="bg1">
-                        <a:lumMod val="75000"/>
-                        <a:alpha val="0"/>
-                      </a:schemeClr>
-                    </a:solidFill>
-                  </a:ln>
-                  <a:latin typeface="Pretendard Light" panose="02000403000000020004" pitchFamily="2" charset="-127"/>
-                  <a:ea typeface="Pretendard Light" panose="02000403000000020004" pitchFamily="2" charset="-127"/>
-                  <a:cs typeface="Pretendard Light" panose="02000403000000020004" pitchFamily="2" charset="-127"/>
-                </a:rPr>
-                <a:t>컨섭과</a:t>
-              </a:r>
-              <a:r>
-                <a:rPr lang="ko-KR" altLang="en-US" sz="1000" dirty="0">
-                  <a:ln>
-                    <a:solidFill>
-                      <a:schemeClr val="bg1">
-                        <a:lumMod val="75000"/>
-                        <a:alpha val="0"/>
-                      </a:schemeClr>
-                    </a:solidFill>
-                  </a:ln>
-                  <a:latin typeface="Pretendard Light" panose="02000403000000020004" pitchFamily="2" charset="-127"/>
-                  <a:ea typeface="Pretendard Light" panose="02000403000000020004" pitchFamily="2" charset="-127"/>
-                  <a:cs typeface="Pretendard Light" panose="02000403000000020004" pitchFamily="2" charset="-127"/>
-                </a:rPr>
-                <a:t> 전투가 잘 어울리는지 였습니다</a:t>
-              </a:r>
-              <a:r>
-                <a:rPr lang="en-US" altLang="ko-KR" sz="1000" dirty="0">
-                  <a:ln>
-                    <a:solidFill>
-                      <a:schemeClr val="bg1">
-                        <a:lumMod val="75000"/>
-                        <a:alpha val="0"/>
-                      </a:schemeClr>
-                    </a:solidFill>
-                  </a:ln>
-                  <a:latin typeface="Pretendard Light" panose="02000403000000020004" pitchFamily="2" charset="-127"/>
-                  <a:ea typeface="Pretendard Light" panose="02000403000000020004" pitchFamily="2" charset="-127"/>
-                  <a:cs typeface="Pretendard Light" panose="02000403000000020004" pitchFamily="2" charset="-127"/>
-                </a:rPr>
-                <a:t>. </a:t>
+                <a:t>.</a:t>
               </a:r>
             </a:p>
           </p:txBody>
@@ -8246,7 +8743,7 @@
           <p:spPr>
             <a:xfrm>
               <a:off x="294162" y="2245721"/>
-              <a:ext cx="801501" cy="169277"/>
+              <a:ext cx="2127185" cy="169277"/>
             </a:xfrm>
             <a:prstGeom prst="rect">
               <a:avLst/>
@@ -8265,7 +8762,7 @@
                   <a:ea typeface="페이퍼로지 7 Bold" pitchFamily="2" charset="-127"/>
                   <a:cs typeface="Pretendard Medium" panose="02000603000000020004" pitchFamily="2" charset="-127"/>
                 </a:rPr>
-                <a:t>직무 지원 동기</a:t>
+                <a:t>지원동기와 입사 후 실현하고 싶은 목표</a:t>
               </a:r>
             </a:p>
           </p:txBody>
@@ -8329,8 +8826,906 @@
           </p:nvSpPr>
           <p:spPr>
             <a:xfrm>
-              <a:off x="189000" y="2131166"/>
-              <a:ext cx="6480000" cy="6513619"/>
+              <a:off x="189000" y="2131167"/>
+              <a:ext cx="6480000" cy="5558304"/>
+            </a:xfrm>
+            <a:prstGeom prst="rect">
+              <a:avLst/>
+            </a:prstGeom>
+            <a:noFill/>
+            <a:ln w="12700">
+              <a:solidFill>
+                <a:schemeClr val="bg1">
+                  <a:lumMod val="75000"/>
+                </a:schemeClr>
+              </a:solidFill>
+            </a:ln>
+            <a:effectLst/>
+          </p:spPr>
+          <p:style>
+            <a:lnRef idx="2">
+              <a:schemeClr val="accent1">
+                <a:shade val="15000"/>
+              </a:schemeClr>
+            </a:lnRef>
+            <a:fillRef idx="1">
+              <a:schemeClr val="accent1"/>
+            </a:fillRef>
+            <a:effectRef idx="0">
+              <a:schemeClr val="accent1"/>
+            </a:effectRef>
+            <a:fontRef idx="minor">
+              <a:schemeClr val="lt1"/>
+            </a:fontRef>
+          </p:style>
+          <p:txBody>
+            <a:bodyPr rtlCol="0" anchor="ctr"/>
+            <a:lstStyle/>
+            <a:p>
+              <a:pPr algn="ctr"/>
+              <a:endParaRPr lang="ko-KR" altLang="en-US" sz="1000" dirty="0"/>
+            </a:p>
+          </p:txBody>
+        </p:sp>
+      </p:grpSp>
+      <p:grpSp>
+        <p:nvGrpSpPr>
+          <p:cNvPr id="2" name="그룹 1">
+            <a:extLst>
+              <a:ext uri="{FF2B5EF4-FFF2-40B4-BE49-F238E27FC236}">
+                <a16:creationId xmlns:a16="http://schemas.microsoft.com/office/drawing/2014/main" id="{CA9BC8AA-1582-F471-CC5F-2880E53ACD64}"/>
+              </a:ext>
+            </a:extLst>
+          </p:cNvPr>
+          <p:cNvGrpSpPr/>
+          <p:nvPr/>
+        </p:nvGrpSpPr>
+        <p:grpSpPr>
+          <a:xfrm>
+            <a:off x="191871" y="6782361"/>
+            <a:ext cx="6480671" cy="3491070"/>
+            <a:chOff x="189000" y="2131167"/>
+            <a:chExt cx="6480671" cy="3491070"/>
+          </a:xfrm>
+        </p:grpSpPr>
+        <p:sp>
+          <p:nvSpPr>
+            <p:cNvPr id="9" name="TextBox 8">
+              <a:extLst>
+                <a:ext uri="{FF2B5EF4-FFF2-40B4-BE49-F238E27FC236}">
+                  <a16:creationId xmlns:a16="http://schemas.microsoft.com/office/drawing/2014/main" id="{F8E95253-FFA0-54B6-C9ED-F5F3A2E3A3C0}"/>
+                </a:ext>
+              </a:extLst>
+            </p:cNvPr>
+            <p:cNvSpPr txBox="1"/>
+            <p:nvPr/>
+          </p:nvSpPr>
+          <p:spPr>
+            <a:xfrm>
+              <a:off x="294162" y="2529549"/>
+              <a:ext cx="6269676" cy="3092688"/>
+            </a:xfrm>
+            <a:prstGeom prst="rect">
+              <a:avLst/>
+            </a:prstGeom>
+            <a:noFill/>
+          </p:spPr>
+          <p:txBody>
+            <a:bodyPr wrap="square" lIns="0" tIns="72000" rIns="0" bIns="72000" rtlCol="0" anchor="t">
+              <a:spAutoFit/>
+            </a:bodyPr>
+            <a:lstStyle/>
+            <a:p>
+              <a:pPr>
+                <a:lnSpc>
+                  <a:spcPct val="140000"/>
+                </a:lnSpc>
+                <a:spcAft>
+                  <a:spcPts val="1000"/>
+                </a:spcAft>
+              </a:pPr>
+              <a:r>
+                <a:rPr lang="ko-KR" altLang="en-US" sz="1000" dirty="0">
+                  <a:ln>
+                    <a:solidFill>
+                      <a:schemeClr val="bg1">
+                        <a:lumMod val="75000"/>
+                        <a:alpha val="0"/>
+                      </a:schemeClr>
+                    </a:solidFill>
+                  </a:ln>
+                  <a:latin typeface="Pretendard Light" panose="02000403000000020004" pitchFamily="2" charset="-127"/>
+                  <a:ea typeface="Pretendard Light" panose="02000403000000020004" pitchFamily="2" charset="-127"/>
+                  <a:cs typeface="Pretendard Light" panose="02000403000000020004" pitchFamily="2" charset="-127"/>
+                </a:rPr>
+                <a:t>제가 가장 마음에 들었던 게임은 </a:t>
+              </a:r>
+              <a:r>
+                <a:rPr lang="ko-KR" altLang="en-US" sz="1000" dirty="0" err="1">
+                  <a:ln>
+                    <a:solidFill>
+                      <a:schemeClr val="bg1">
+                        <a:lumMod val="75000"/>
+                        <a:alpha val="0"/>
+                      </a:schemeClr>
+                    </a:solidFill>
+                  </a:ln>
+                  <a:latin typeface="Pretendard Light" panose="02000403000000020004" pitchFamily="2" charset="-127"/>
+                  <a:ea typeface="Pretendard Light" panose="02000403000000020004" pitchFamily="2" charset="-127"/>
+                  <a:cs typeface="Pretendard Light" panose="02000403000000020004" pitchFamily="2" charset="-127"/>
+                </a:rPr>
+                <a:t>로스트아크입니다</a:t>
+              </a:r>
+              <a:r>
+                <a:rPr lang="en-US" altLang="ko-KR" sz="1000" dirty="0">
+                  <a:ln>
+                    <a:solidFill>
+                      <a:schemeClr val="bg1">
+                        <a:lumMod val="75000"/>
+                        <a:alpha val="0"/>
+                      </a:schemeClr>
+                    </a:solidFill>
+                  </a:ln>
+                  <a:latin typeface="Pretendard Light" panose="02000403000000020004" pitchFamily="2" charset="-127"/>
+                  <a:ea typeface="Pretendard Light" panose="02000403000000020004" pitchFamily="2" charset="-127"/>
+                  <a:cs typeface="Pretendard Light" panose="02000403000000020004" pitchFamily="2" charset="-127"/>
+                </a:rPr>
+                <a:t>. </a:t>
+              </a:r>
+              <a:r>
+                <a:rPr lang="ko-KR" altLang="en-US" sz="1000" dirty="0">
+                  <a:ln>
+                    <a:solidFill>
+                      <a:schemeClr val="bg1">
+                        <a:lumMod val="75000"/>
+                        <a:alpha val="0"/>
+                      </a:schemeClr>
+                    </a:solidFill>
+                  </a:ln>
+                  <a:latin typeface="Pretendard Light" panose="02000403000000020004" pitchFamily="2" charset="-127"/>
+                  <a:ea typeface="Pretendard Light" panose="02000403000000020004" pitchFamily="2" charset="-127"/>
+                  <a:cs typeface="Pretendard Light" panose="02000403000000020004" pitchFamily="2" charset="-127"/>
+                </a:rPr>
+                <a:t>로스트아크의 전투가 가장 재미있게 느껴졌습니다</a:t>
+              </a:r>
+              <a:r>
+                <a:rPr lang="en-US" altLang="ko-KR" sz="1000" dirty="0">
+                  <a:ln>
+                    <a:solidFill>
+                      <a:schemeClr val="bg1">
+                        <a:lumMod val="75000"/>
+                        <a:alpha val="0"/>
+                      </a:schemeClr>
+                    </a:solidFill>
+                  </a:ln>
+                  <a:latin typeface="Pretendard Light" panose="02000403000000020004" pitchFamily="2" charset="-127"/>
+                  <a:ea typeface="Pretendard Light" panose="02000403000000020004" pitchFamily="2" charset="-127"/>
+                  <a:cs typeface="Pretendard Light" panose="02000403000000020004" pitchFamily="2" charset="-127"/>
+                </a:rPr>
+                <a:t>.</a:t>
+              </a:r>
+            </a:p>
+            <a:p>
+              <a:pPr>
+                <a:lnSpc>
+                  <a:spcPct val="140000"/>
+                </a:lnSpc>
+                <a:spcAft>
+                  <a:spcPts val="1000"/>
+                </a:spcAft>
+              </a:pPr>
+              <a:r>
+                <a:rPr lang="en-US" altLang="ko-KR" sz="1000" dirty="0">
+                  <a:ln>
+                    <a:solidFill>
+                      <a:schemeClr val="bg1">
+                        <a:lumMod val="75000"/>
+                        <a:alpha val="0"/>
+                      </a:schemeClr>
+                    </a:solidFill>
+                  </a:ln>
+                  <a:latin typeface="Pretendard Medium" panose="02000603000000020004" pitchFamily="2" charset="-127"/>
+                  <a:ea typeface="Pretendard Medium" panose="02000603000000020004" pitchFamily="2" charset="-127"/>
+                  <a:cs typeface="Pretendard Medium" panose="02000603000000020004" pitchFamily="2" charset="-127"/>
+                </a:rPr>
+                <a:t># </a:t>
+              </a:r>
+              <a:r>
+                <a:rPr lang="ko-KR" altLang="en-US" sz="1000" dirty="0">
+                  <a:ln>
+                    <a:solidFill>
+                      <a:schemeClr val="bg1">
+                        <a:lumMod val="75000"/>
+                        <a:alpha val="0"/>
+                      </a:schemeClr>
+                    </a:solidFill>
+                  </a:ln>
+                  <a:latin typeface="Pretendard Medium" panose="02000603000000020004" pitchFamily="2" charset="-127"/>
+                  <a:ea typeface="Pretendard Medium" panose="02000603000000020004" pitchFamily="2" charset="-127"/>
+                  <a:cs typeface="Pretendard Medium" panose="02000603000000020004" pitchFamily="2" charset="-127"/>
+                </a:rPr>
+                <a:t>클래스의 특색이 돋보이는 다양한 전투 스타일</a:t>
+              </a:r>
+              <a:br>
+                <a:rPr lang="en-US" altLang="ko-KR" sz="1000" dirty="0">
+                  <a:ln>
+                    <a:solidFill>
+                      <a:schemeClr val="bg1">
+                        <a:lumMod val="75000"/>
+                        <a:alpha val="0"/>
+                      </a:schemeClr>
+                    </a:solidFill>
+                  </a:ln>
+                  <a:latin typeface="Pretendard Medium" panose="02000603000000020004" pitchFamily="2" charset="-127"/>
+                  <a:ea typeface="Pretendard Medium" panose="02000603000000020004" pitchFamily="2" charset="-127"/>
+                  <a:cs typeface="Pretendard Medium" panose="02000603000000020004" pitchFamily="2" charset="-127"/>
+                </a:rPr>
+              </a:br>
+              <a:r>
+                <a:rPr lang="ko-KR" altLang="en-US" sz="1000" dirty="0" err="1">
+                  <a:ln>
+                    <a:solidFill>
+                      <a:schemeClr val="bg1">
+                        <a:lumMod val="75000"/>
+                        <a:alpha val="0"/>
+                      </a:schemeClr>
+                    </a:solidFill>
+                  </a:ln>
+                  <a:latin typeface="Pretendard Light" panose="02000403000000020004" pitchFamily="2" charset="-127"/>
+                  <a:ea typeface="Pretendard Light" panose="02000403000000020004" pitchFamily="2" charset="-127"/>
+                  <a:cs typeface="Pretendard Light" panose="02000403000000020004" pitchFamily="2" charset="-127"/>
+                </a:rPr>
+                <a:t>로스트아크에는</a:t>
+              </a:r>
+              <a:r>
+                <a:rPr lang="ko-KR" altLang="en-US" sz="1000" dirty="0">
+                  <a:ln>
+                    <a:solidFill>
+                      <a:schemeClr val="bg1">
+                        <a:lumMod val="75000"/>
+                        <a:alpha val="0"/>
+                      </a:schemeClr>
+                    </a:solidFill>
+                  </a:ln>
+                  <a:latin typeface="Pretendard Light" panose="02000403000000020004" pitchFamily="2" charset="-127"/>
+                  <a:ea typeface="Pretendard Light" panose="02000403000000020004" pitchFamily="2" charset="-127"/>
+                  <a:cs typeface="Pretendard Light" panose="02000403000000020004" pitchFamily="2" charset="-127"/>
+                </a:rPr>
+                <a:t> 클래스의 고유한 전투 시스템인 아이덴티티가 있습니다</a:t>
+              </a:r>
+              <a:r>
+                <a:rPr lang="en-US" altLang="ko-KR" sz="1000" dirty="0">
+                  <a:ln>
+                    <a:solidFill>
+                      <a:schemeClr val="bg1">
+                        <a:lumMod val="75000"/>
+                        <a:alpha val="0"/>
+                      </a:schemeClr>
+                    </a:solidFill>
+                  </a:ln>
+                  <a:latin typeface="Pretendard Light" panose="02000403000000020004" pitchFamily="2" charset="-127"/>
+                  <a:ea typeface="Pretendard Light" panose="02000403000000020004" pitchFamily="2" charset="-127"/>
+                  <a:cs typeface="Pretendard Light" panose="02000403000000020004" pitchFamily="2" charset="-127"/>
+                </a:rPr>
+                <a:t>. </a:t>
+              </a:r>
+              <a:r>
+                <a:rPr lang="ko-KR" altLang="en-US" sz="1000" dirty="0">
+                  <a:ln>
+                    <a:solidFill>
+                      <a:schemeClr val="bg1">
+                        <a:lumMod val="75000"/>
+                        <a:alpha val="0"/>
+                      </a:schemeClr>
+                    </a:solidFill>
+                  </a:ln>
+                  <a:latin typeface="Pretendard Light" panose="02000403000000020004" pitchFamily="2" charset="-127"/>
+                  <a:ea typeface="Pretendard Light" panose="02000403000000020004" pitchFamily="2" charset="-127"/>
+                  <a:cs typeface="Pretendard Light" panose="02000403000000020004" pitchFamily="2" charset="-127"/>
+                </a:rPr>
+                <a:t>아이덴티티 게이지는 클래스의 컨셉을 강화해 주는 외형으로 몰입감을 높여주고</a:t>
+              </a:r>
+              <a:r>
+                <a:rPr lang="en-US" altLang="ko-KR" sz="1000" dirty="0">
+                  <a:ln>
+                    <a:solidFill>
+                      <a:schemeClr val="bg1">
+                        <a:lumMod val="75000"/>
+                        <a:alpha val="0"/>
+                      </a:schemeClr>
+                    </a:solidFill>
+                  </a:ln>
+                  <a:latin typeface="Pretendard Light" panose="02000403000000020004" pitchFamily="2" charset="-127"/>
+                  <a:ea typeface="Pretendard Light" panose="02000403000000020004" pitchFamily="2" charset="-127"/>
+                  <a:cs typeface="Pretendard Light" panose="02000403000000020004" pitchFamily="2" charset="-127"/>
+                </a:rPr>
+                <a:t>, </a:t>
+              </a:r>
+              <a:r>
+                <a:rPr lang="ko-KR" altLang="en-US" sz="1000" dirty="0">
+                  <a:ln>
+                    <a:solidFill>
+                      <a:schemeClr val="bg1">
+                        <a:lumMod val="75000"/>
+                        <a:alpha val="0"/>
+                      </a:schemeClr>
+                    </a:solidFill>
+                  </a:ln>
+                  <a:latin typeface="Pretendard Light" panose="02000403000000020004" pitchFamily="2" charset="-127"/>
+                  <a:ea typeface="Pretendard Light" panose="02000403000000020004" pitchFamily="2" charset="-127"/>
+                  <a:cs typeface="Pretendard Light" panose="02000403000000020004" pitchFamily="2" charset="-127"/>
+                </a:rPr>
+                <a:t>아이덴티티 스킬은 클래스의 전투 스타일을 결정합니다</a:t>
+              </a:r>
+              <a:r>
+                <a:rPr lang="en-US" altLang="ko-KR" sz="1000" dirty="0">
+                  <a:ln>
+                    <a:solidFill>
+                      <a:schemeClr val="bg1">
+                        <a:lumMod val="75000"/>
+                        <a:alpha val="0"/>
+                      </a:schemeClr>
+                    </a:solidFill>
+                  </a:ln>
+                  <a:latin typeface="Pretendard Light" panose="02000403000000020004" pitchFamily="2" charset="-127"/>
+                  <a:ea typeface="Pretendard Light" panose="02000403000000020004" pitchFamily="2" charset="-127"/>
+                  <a:cs typeface="Pretendard Light" panose="02000403000000020004" pitchFamily="2" charset="-127"/>
+                </a:rPr>
+                <a:t>. </a:t>
+              </a:r>
+              <a:r>
+                <a:rPr lang="ko-KR" altLang="en-US" sz="1000" dirty="0">
+                  <a:ln>
+                    <a:solidFill>
+                      <a:schemeClr val="bg1">
+                        <a:lumMod val="75000"/>
+                        <a:alpha val="0"/>
+                      </a:schemeClr>
+                    </a:solidFill>
+                  </a:ln>
+                  <a:latin typeface="Pretendard Light" panose="02000403000000020004" pitchFamily="2" charset="-127"/>
+                  <a:ea typeface="Pretendard Light" panose="02000403000000020004" pitchFamily="2" charset="-127"/>
+                  <a:cs typeface="Pretendard Light" panose="02000403000000020004" pitchFamily="2" charset="-127"/>
+                </a:rPr>
+                <a:t>또한</a:t>
+              </a:r>
+              <a:r>
+                <a:rPr lang="en-US" altLang="ko-KR" sz="1000" dirty="0">
+                  <a:ln>
+                    <a:solidFill>
+                      <a:schemeClr val="bg1">
+                        <a:lumMod val="75000"/>
+                        <a:alpha val="0"/>
+                      </a:schemeClr>
+                    </a:solidFill>
+                  </a:ln>
+                  <a:latin typeface="Pretendard Light" panose="02000403000000020004" pitchFamily="2" charset="-127"/>
+                  <a:ea typeface="Pretendard Light" panose="02000403000000020004" pitchFamily="2" charset="-127"/>
+                  <a:cs typeface="Pretendard Light" panose="02000403000000020004" pitchFamily="2" charset="-127"/>
+                </a:rPr>
+                <a:t>, </a:t>
+              </a:r>
+              <a:r>
+                <a:rPr lang="ko-KR" altLang="en-US" sz="1000" dirty="0">
+                  <a:ln>
+                    <a:solidFill>
+                      <a:schemeClr val="bg1">
+                        <a:lumMod val="75000"/>
+                        <a:alpha val="0"/>
+                      </a:schemeClr>
+                    </a:solidFill>
+                  </a:ln>
+                  <a:latin typeface="Pretendard Light" panose="02000403000000020004" pitchFamily="2" charset="-127"/>
+                  <a:ea typeface="Pretendard Light" panose="02000403000000020004" pitchFamily="2" charset="-127"/>
+                  <a:cs typeface="Pretendard Light" panose="02000403000000020004" pitchFamily="2" charset="-127"/>
+                </a:rPr>
+                <a:t>아크 패시브 깨달음을 통해 아이덴티티를 활용하는 방식에 차이가 생깁니다</a:t>
+              </a:r>
+              <a:r>
+                <a:rPr lang="en-US" altLang="ko-KR" sz="1000" dirty="0">
+                  <a:ln>
+                    <a:solidFill>
+                      <a:schemeClr val="bg1">
+                        <a:lumMod val="75000"/>
+                        <a:alpha val="0"/>
+                      </a:schemeClr>
+                    </a:solidFill>
+                  </a:ln>
+                  <a:latin typeface="Pretendard Light" panose="02000403000000020004" pitchFamily="2" charset="-127"/>
+                  <a:ea typeface="Pretendard Light" panose="02000403000000020004" pitchFamily="2" charset="-127"/>
+                  <a:cs typeface="Pretendard Light" panose="02000403000000020004" pitchFamily="2" charset="-127"/>
+                </a:rPr>
+                <a:t>. </a:t>
+              </a:r>
+              <a:r>
+                <a:rPr lang="ko-KR" altLang="en-US" sz="1000" dirty="0">
+                  <a:ln>
+                    <a:solidFill>
+                      <a:schemeClr val="bg1">
+                        <a:lumMod val="75000"/>
+                        <a:alpha val="0"/>
+                      </a:schemeClr>
+                    </a:solidFill>
+                  </a:ln>
+                  <a:latin typeface="Pretendard Light" panose="02000403000000020004" pitchFamily="2" charset="-127"/>
+                  <a:ea typeface="Pretendard Light" panose="02000403000000020004" pitchFamily="2" charset="-127"/>
+                  <a:cs typeface="Pretendard Light" panose="02000403000000020004" pitchFamily="2" charset="-127"/>
+                </a:rPr>
+                <a:t>이렇게 클래스의 특색이 잘 느껴지도록 컨셉을 직관적으로 보여주고 다양한 전투 경험을 제공하는 부분이 마음에 들었습니다</a:t>
+              </a:r>
+              <a:r>
+                <a:rPr lang="en-US" altLang="ko-KR" sz="1000" dirty="0">
+                  <a:ln>
+                    <a:solidFill>
+                      <a:schemeClr val="bg1">
+                        <a:lumMod val="75000"/>
+                        <a:alpha val="0"/>
+                      </a:schemeClr>
+                    </a:solidFill>
+                  </a:ln>
+                  <a:latin typeface="Pretendard Light" panose="02000403000000020004" pitchFamily="2" charset="-127"/>
+                  <a:ea typeface="Pretendard Light" panose="02000403000000020004" pitchFamily="2" charset="-127"/>
+                  <a:cs typeface="Pretendard Light" panose="02000403000000020004" pitchFamily="2" charset="-127"/>
+                </a:rPr>
+                <a:t>.</a:t>
+              </a:r>
+            </a:p>
+            <a:p>
+              <a:pPr>
+                <a:lnSpc>
+                  <a:spcPct val="140000"/>
+                </a:lnSpc>
+                <a:spcAft>
+                  <a:spcPts val="1000"/>
+                </a:spcAft>
+              </a:pPr>
+              <a:endParaRPr lang="en-US" altLang="ko-KR" sz="1000" dirty="0">
+                <a:ln>
+                  <a:solidFill>
+                    <a:schemeClr val="bg1">
+                      <a:lumMod val="75000"/>
+                      <a:alpha val="0"/>
+                    </a:schemeClr>
+                  </a:solidFill>
+                </a:ln>
+                <a:latin typeface="Pretendard Light" panose="02000403000000020004" pitchFamily="2" charset="-127"/>
+                <a:ea typeface="Pretendard Light" panose="02000403000000020004" pitchFamily="2" charset="-127"/>
+                <a:cs typeface="Pretendard Light" panose="02000403000000020004" pitchFamily="2" charset="-127"/>
+              </a:endParaRPr>
+            </a:p>
+            <a:p>
+              <a:pPr>
+                <a:lnSpc>
+                  <a:spcPct val="140000"/>
+                </a:lnSpc>
+                <a:spcAft>
+                  <a:spcPts val="1000"/>
+                </a:spcAft>
+              </a:pPr>
+              <a:r>
+                <a:rPr lang="en-US" altLang="ko-KR" sz="1000" dirty="0">
+                  <a:ln>
+                    <a:solidFill>
+                      <a:schemeClr val="bg1">
+                        <a:lumMod val="75000"/>
+                        <a:alpha val="0"/>
+                      </a:schemeClr>
+                    </a:solidFill>
+                  </a:ln>
+                  <a:latin typeface="Pretendard Medium" panose="02000603000000020004" pitchFamily="2" charset="-127"/>
+                  <a:ea typeface="Pretendard Medium" panose="02000603000000020004" pitchFamily="2" charset="-127"/>
+                  <a:cs typeface="Pretendard Medium" panose="02000603000000020004" pitchFamily="2" charset="-127"/>
+                </a:rPr>
+                <a:t># </a:t>
+              </a:r>
+              <a:r>
+                <a:rPr lang="ko-KR" altLang="en-US" sz="1000" dirty="0">
+                  <a:ln>
+                    <a:solidFill>
+                      <a:schemeClr val="bg1">
+                        <a:lumMod val="75000"/>
+                        <a:alpha val="0"/>
+                      </a:schemeClr>
+                    </a:solidFill>
+                  </a:ln>
+                  <a:latin typeface="Pretendard Medium" panose="02000603000000020004" pitchFamily="2" charset="-127"/>
+                  <a:ea typeface="Pretendard Medium" panose="02000603000000020004" pitchFamily="2" charset="-127"/>
+                  <a:cs typeface="Pretendard Medium" panose="02000603000000020004" pitchFamily="2" charset="-127"/>
+                </a:rPr>
+                <a:t>유저가 능동적으로 대처할 수 있는 적당한 난이도의 보스 전투</a:t>
+              </a:r>
+              <a:br>
+                <a:rPr lang="en-US" altLang="ko-KR" sz="1000" dirty="0">
+                  <a:ln>
+                    <a:solidFill>
+                      <a:schemeClr val="bg1">
+                        <a:lumMod val="75000"/>
+                        <a:alpha val="0"/>
+                      </a:schemeClr>
+                    </a:solidFill>
+                  </a:ln>
+                  <a:latin typeface="Pretendard Medium" panose="02000603000000020004" pitchFamily="2" charset="-127"/>
+                  <a:ea typeface="Pretendard Medium" panose="02000603000000020004" pitchFamily="2" charset="-127"/>
+                  <a:cs typeface="Pretendard Medium" panose="02000603000000020004" pitchFamily="2" charset="-127"/>
+                </a:rPr>
+              </a:br>
+              <a:r>
+                <a:rPr lang="ko-KR" altLang="en-US" sz="1000" dirty="0">
+                  <a:ln>
+                    <a:solidFill>
+                      <a:schemeClr val="bg1">
+                        <a:lumMod val="75000"/>
+                        <a:alpha val="0"/>
+                      </a:schemeClr>
+                    </a:solidFill>
+                  </a:ln>
+                  <a:latin typeface="Pretendard Light" panose="02000403000000020004" pitchFamily="2" charset="-127"/>
+                  <a:ea typeface="Pretendard Light" panose="02000403000000020004" pitchFamily="2" charset="-127"/>
+                  <a:cs typeface="Pretendard Light" panose="02000403000000020004" pitchFamily="2" charset="-127"/>
+                </a:rPr>
+                <a:t>로스트아크의 엔드 컨텐츠는 보스 레이드입니다</a:t>
+              </a:r>
+              <a:r>
+                <a:rPr lang="en-US" altLang="ko-KR" sz="1000" dirty="0">
+                  <a:ln>
+                    <a:solidFill>
+                      <a:schemeClr val="bg1">
+                        <a:lumMod val="75000"/>
+                        <a:alpha val="0"/>
+                      </a:schemeClr>
+                    </a:solidFill>
+                  </a:ln>
+                  <a:latin typeface="Pretendard Light" panose="02000403000000020004" pitchFamily="2" charset="-127"/>
+                  <a:ea typeface="Pretendard Light" panose="02000403000000020004" pitchFamily="2" charset="-127"/>
+                  <a:cs typeface="Pretendard Light" panose="02000403000000020004" pitchFamily="2" charset="-127"/>
+                </a:rPr>
+                <a:t>. </a:t>
+              </a:r>
+              <a:r>
+                <a:rPr lang="ko-KR" altLang="en-US" sz="1000" dirty="0">
+                  <a:ln>
+                    <a:solidFill>
+                      <a:schemeClr val="bg1">
+                        <a:lumMod val="75000"/>
+                        <a:alpha val="0"/>
+                      </a:schemeClr>
+                    </a:solidFill>
+                  </a:ln>
+                  <a:latin typeface="Pretendard Light" panose="02000403000000020004" pitchFamily="2" charset="-127"/>
+                  <a:ea typeface="Pretendard Light" panose="02000403000000020004" pitchFamily="2" charset="-127"/>
+                  <a:cs typeface="Pretendard Light" panose="02000403000000020004" pitchFamily="2" charset="-127"/>
+                </a:rPr>
+                <a:t>보스 몬스터는 많은 패턴으로 공격하지만</a:t>
+              </a:r>
+              <a:r>
+                <a:rPr lang="en-US" altLang="ko-KR" sz="1000" dirty="0">
+                  <a:ln>
+                    <a:solidFill>
+                      <a:schemeClr val="bg1">
+                        <a:lumMod val="75000"/>
+                        <a:alpha val="0"/>
+                      </a:schemeClr>
+                    </a:solidFill>
+                  </a:ln>
+                  <a:latin typeface="Pretendard Light" panose="02000403000000020004" pitchFamily="2" charset="-127"/>
+                  <a:ea typeface="Pretendard Light" panose="02000403000000020004" pitchFamily="2" charset="-127"/>
+                  <a:cs typeface="Pretendard Light" panose="02000403000000020004" pitchFamily="2" charset="-127"/>
+                </a:rPr>
+                <a:t>, </a:t>
+              </a:r>
+              <a:r>
+                <a:rPr lang="ko-KR" altLang="en-US" sz="1000" dirty="0">
+                  <a:ln>
+                    <a:solidFill>
+                      <a:schemeClr val="bg1">
+                        <a:lumMod val="75000"/>
+                        <a:alpha val="0"/>
+                      </a:schemeClr>
+                    </a:solidFill>
+                  </a:ln>
+                  <a:latin typeface="Pretendard Light" panose="02000403000000020004" pitchFamily="2" charset="-127"/>
+                  <a:ea typeface="Pretendard Light" panose="02000403000000020004" pitchFamily="2" charset="-127"/>
+                  <a:cs typeface="Pretendard Light" panose="02000403000000020004" pitchFamily="2" charset="-127"/>
+                </a:rPr>
+                <a:t>대부분의 패턴에 능동적인 대처를 할 수 있습니다</a:t>
+              </a:r>
+              <a:r>
+                <a:rPr lang="en-US" altLang="ko-KR" sz="1000" dirty="0">
+                  <a:ln>
+                    <a:solidFill>
+                      <a:schemeClr val="bg1">
+                        <a:lumMod val="75000"/>
+                        <a:alpha val="0"/>
+                      </a:schemeClr>
+                    </a:solidFill>
+                  </a:ln>
+                  <a:latin typeface="Pretendard Light" panose="02000403000000020004" pitchFamily="2" charset="-127"/>
+                  <a:ea typeface="Pretendard Light" panose="02000403000000020004" pitchFamily="2" charset="-127"/>
+                  <a:cs typeface="Pretendard Light" panose="02000403000000020004" pitchFamily="2" charset="-127"/>
+                </a:rPr>
+                <a:t>. </a:t>
+              </a:r>
+              <a:r>
+                <a:rPr lang="ko-KR" altLang="en-US" sz="1000" dirty="0">
+                  <a:ln>
+                    <a:solidFill>
+                      <a:schemeClr val="bg1">
+                        <a:lumMod val="75000"/>
+                        <a:alpha val="0"/>
+                      </a:schemeClr>
+                    </a:solidFill>
+                  </a:ln>
+                  <a:latin typeface="Pretendard Light" panose="02000403000000020004" pitchFamily="2" charset="-127"/>
+                  <a:ea typeface="Pretendard Light" panose="02000403000000020004" pitchFamily="2" charset="-127"/>
+                  <a:cs typeface="Pretendard Light" panose="02000403000000020004" pitchFamily="2" charset="-127"/>
+                </a:rPr>
+                <a:t>특히 클래스의 특색을 활용하거나 </a:t>
+              </a:r>
+              <a:r>
+                <a:rPr lang="ko-KR" altLang="en-US" sz="1000" dirty="0" err="1">
+                  <a:ln>
+                    <a:solidFill>
+                      <a:schemeClr val="bg1">
+                        <a:lumMod val="75000"/>
+                        <a:alpha val="0"/>
+                      </a:schemeClr>
+                    </a:solidFill>
+                  </a:ln>
+                  <a:latin typeface="Pretendard Light" panose="02000403000000020004" pitchFamily="2" charset="-127"/>
+                  <a:ea typeface="Pretendard Light" panose="02000403000000020004" pitchFamily="2" charset="-127"/>
+                  <a:cs typeface="Pretendard Light" panose="02000403000000020004" pitchFamily="2" charset="-127"/>
+                </a:rPr>
+                <a:t>슈퍼아머</a:t>
+              </a:r>
+              <a:r>
+                <a:rPr lang="en-US" altLang="ko-KR" sz="1000" dirty="0">
+                  <a:ln>
+                    <a:solidFill>
+                      <a:schemeClr val="bg1">
+                        <a:lumMod val="75000"/>
+                        <a:alpha val="0"/>
+                      </a:schemeClr>
+                    </a:solidFill>
+                  </a:ln>
+                  <a:latin typeface="Pretendard Light" panose="02000403000000020004" pitchFamily="2" charset="-127"/>
+                  <a:ea typeface="Pretendard Light" panose="02000403000000020004" pitchFamily="2" charset="-127"/>
+                  <a:cs typeface="Pretendard Light" panose="02000403000000020004" pitchFamily="2" charset="-127"/>
+                </a:rPr>
+                <a:t>, </a:t>
+              </a:r>
+              <a:r>
+                <a:rPr lang="ko-KR" altLang="en-US" sz="1000" dirty="0">
+                  <a:ln>
+                    <a:solidFill>
+                      <a:schemeClr val="bg1">
+                        <a:lumMod val="75000"/>
+                        <a:alpha val="0"/>
+                      </a:schemeClr>
+                    </a:solidFill>
+                  </a:ln>
+                  <a:latin typeface="Pretendard Light" panose="02000403000000020004" pitchFamily="2" charset="-127"/>
+                  <a:ea typeface="Pretendard Light" panose="02000403000000020004" pitchFamily="2" charset="-127"/>
+                  <a:cs typeface="Pretendard Light" panose="02000403000000020004" pitchFamily="2" charset="-127"/>
+                </a:rPr>
+                <a:t>서포터의 도움 등으로 일정한 리스크를 감수하며 공격의 흐름을 유지하는 플레이가 재미있게 느껴졌습니다</a:t>
+              </a:r>
+              <a:r>
+                <a:rPr lang="en-US" altLang="ko-KR" sz="1000" dirty="0">
+                  <a:ln>
+                    <a:solidFill>
+                      <a:schemeClr val="bg1">
+                        <a:lumMod val="75000"/>
+                        <a:alpha val="0"/>
+                      </a:schemeClr>
+                    </a:solidFill>
+                  </a:ln>
+                  <a:latin typeface="Pretendard Light" panose="02000403000000020004" pitchFamily="2" charset="-127"/>
+                  <a:ea typeface="Pretendard Light" panose="02000403000000020004" pitchFamily="2" charset="-127"/>
+                  <a:cs typeface="Pretendard Light" panose="02000403000000020004" pitchFamily="2" charset="-127"/>
+                </a:rPr>
+                <a:t>. </a:t>
+              </a:r>
+              <a:r>
+                <a:rPr lang="ko-KR" altLang="en-US" sz="1000" dirty="0">
+                  <a:ln>
+                    <a:solidFill>
+                      <a:schemeClr val="bg1">
+                        <a:lumMod val="75000"/>
+                        <a:alpha val="0"/>
+                      </a:schemeClr>
+                    </a:solidFill>
+                  </a:ln>
+                  <a:latin typeface="Pretendard Light" panose="02000403000000020004" pitchFamily="2" charset="-127"/>
+                  <a:ea typeface="Pretendard Light" panose="02000403000000020004" pitchFamily="2" charset="-127"/>
+                  <a:cs typeface="Pretendard Light" panose="02000403000000020004" pitchFamily="2" charset="-127"/>
+                </a:rPr>
+                <a:t>숙련도가 증가할수록 전조를 더욱 빠르게 파악하고 확실한 대처를 할 수 있어 숙련도 상승에 대한 성취감도 높았습니다</a:t>
+              </a:r>
+              <a:r>
+                <a:rPr lang="en-US" altLang="ko-KR" sz="1000" dirty="0">
+                  <a:ln>
+                    <a:solidFill>
+                      <a:schemeClr val="bg1">
+                        <a:lumMod val="75000"/>
+                        <a:alpha val="0"/>
+                      </a:schemeClr>
+                    </a:solidFill>
+                  </a:ln>
+                  <a:latin typeface="Pretendard Light" panose="02000403000000020004" pitchFamily="2" charset="-127"/>
+                  <a:ea typeface="Pretendard Light" panose="02000403000000020004" pitchFamily="2" charset="-127"/>
+                  <a:cs typeface="Pretendard Light" panose="02000403000000020004" pitchFamily="2" charset="-127"/>
+                </a:rPr>
+                <a:t>.</a:t>
+              </a:r>
+            </a:p>
+          </p:txBody>
+        </p:sp>
+        <p:sp>
+          <p:nvSpPr>
+            <p:cNvPr id="10" name="직사각형 9">
+              <a:extLst>
+                <a:ext uri="{FF2B5EF4-FFF2-40B4-BE49-F238E27FC236}">
+                  <a16:creationId xmlns:a16="http://schemas.microsoft.com/office/drawing/2014/main" id="{F11A77AA-BE35-959F-5BC2-B4B985CA5DCF}"/>
+                </a:ext>
+              </a:extLst>
+            </p:cNvPr>
+            <p:cNvSpPr/>
+            <p:nvPr/>
+          </p:nvSpPr>
+          <p:spPr>
+            <a:xfrm>
+              <a:off x="189000" y="2131168"/>
+              <a:ext cx="6480671" cy="398381"/>
+            </a:xfrm>
+            <a:prstGeom prst="rect">
+              <a:avLst/>
+            </a:prstGeom>
+            <a:solidFill>
+              <a:srgbClr val="E1F2FF"/>
+            </a:solidFill>
+            <a:ln>
+              <a:noFill/>
+            </a:ln>
+            <a:effectLst/>
+          </p:spPr>
+          <p:style>
+            <a:lnRef idx="2">
+              <a:schemeClr val="accent1">
+                <a:shade val="15000"/>
+              </a:schemeClr>
+            </a:lnRef>
+            <a:fillRef idx="1">
+              <a:schemeClr val="accent1"/>
+            </a:fillRef>
+            <a:effectRef idx="0">
+              <a:schemeClr val="accent1"/>
+            </a:effectRef>
+            <a:fontRef idx="minor">
+              <a:schemeClr val="lt1"/>
+            </a:fontRef>
+          </p:style>
+          <p:txBody>
+            <a:bodyPr rtlCol="0" anchor="ctr"/>
+            <a:lstStyle/>
+            <a:p>
+              <a:pPr algn="ctr"/>
+              <a:endParaRPr lang="ko-KR" altLang="en-US" sz="1013"/>
+            </a:p>
+          </p:txBody>
+        </p:sp>
+        <p:sp>
+          <p:nvSpPr>
+            <p:cNvPr id="11" name="TextBox 10">
+              <a:extLst>
+                <a:ext uri="{FF2B5EF4-FFF2-40B4-BE49-F238E27FC236}">
+                  <a16:creationId xmlns:a16="http://schemas.microsoft.com/office/drawing/2014/main" id="{AD48AAC7-799D-BD21-17B2-CD96A2A6C663}"/>
+                </a:ext>
+              </a:extLst>
+            </p:cNvPr>
+            <p:cNvSpPr txBox="1"/>
+            <p:nvPr/>
+          </p:nvSpPr>
+          <p:spPr>
+            <a:xfrm>
+              <a:off x="294162" y="2245721"/>
+              <a:ext cx="4600618" cy="169277"/>
+            </a:xfrm>
+            <a:prstGeom prst="rect">
+              <a:avLst/>
+            </a:prstGeom>
+            <a:noFill/>
+          </p:spPr>
+          <p:txBody>
+            <a:bodyPr wrap="none" lIns="0" tIns="0" rIns="0" bIns="0" rtlCol="0" anchor="t">
+              <a:spAutoFit/>
+            </a:bodyPr>
+            <a:lstStyle/>
+            <a:p>
+              <a:r>
+                <a:rPr lang="ko-KR" altLang="en-US" sz="1100" dirty="0">
+                  <a:latin typeface="페이퍼로지 7 Bold" pitchFamily="2" charset="-127"/>
+                  <a:ea typeface="페이퍼로지 7 Bold" pitchFamily="2" charset="-127"/>
+                  <a:cs typeface="Pretendard Medium" panose="02000603000000020004" pitchFamily="2" charset="-127"/>
+                </a:rPr>
+                <a:t>플레이 했던 게임 가운데 가장 마음에 들었던 게임이 있다면 그 이유를 기술해주세요</a:t>
+              </a:r>
+              <a:r>
+                <a:rPr lang="en-US" altLang="ko-KR" sz="1100" dirty="0">
+                  <a:latin typeface="페이퍼로지 7 Bold" pitchFamily="2" charset="-127"/>
+                  <a:ea typeface="페이퍼로지 7 Bold" pitchFamily="2" charset="-127"/>
+                  <a:cs typeface="Pretendard Medium" panose="02000603000000020004" pitchFamily="2" charset="-127"/>
+                </a:rPr>
+                <a:t>. </a:t>
+              </a:r>
+              <a:endParaRPr lang="ko-KR" altLang="en-US" sz="1100" dirty="0">
+                <a:latin typeface="페이퍼로지 7 Bold" pitchFamily="2" charset="-127"/>
+                <a:ea typeface="페이퍼로지 7 Bold" pitchFamily="2" charset="-127"/>
+                <a:cs typeface="Pretendard Medium" panose="02000603000000020004" pitchFamily="2" charset="-127"/>
+              </a:endParaRPr>
+            </a:p>
+          </p:txBody>
+        </p:sp>
+        <p:cxnSp>
+          <p:nvCxnSpPr>
+            <p:cNvPr id="12" name="직선 연결선 11">
+              <a:extLst>
+                <a:ext uri="{FF2B5EF4-FFF2-40B4-BE49-F238E27FC236}">
+                  <a16:creationId xmlns:a16="http://schemas.microsoft.com/office/drawing/2014/main" id="{B7E4AF30-038C-177C-D3C0-06E89973490F}"/>
+                </a:ext>
+              </a:extLst>
+            </p:cNvPr>
+            <p:cNvCxnSpPr>
+              <a:cxnSpLocks/>
+            </p:cNvCxnSpPr>
+            <p:nvPr/>
+          </p:nvCxnSpPr>
+          <p:spPr>
+            <a:xfrm>
+              <a:off x="189001" y="2529550"/>
+              <a:ext cx="6480000" cy="0"/>
+            </a:xfrm>
+            <a:prstGeom prst="line">
+              <a:avLst/>
+            </a:prstGeom>
+            <a:ln w="9525">
+              <a:solidFill>
+                <a:schemeClr val="bg1">
+                  <a:lumMod val="75000"/>
+                </a:schemeClr>
+              </a:solidFill>
+            </a:ln>
+          </p:spPr>
+          <p:style>
+            <a:lnRef idx="2">
+              <a:schemeClr val="accent1"/>
+            </a:lnRef>
+            <a:fillRef idx="0">
+              <a:schemeClr val="accent1"/>
+            </a:fillRef>
+            <a:effectRef idx="1">
+              <a:schemeClr val="accent1"/>
+            </a:effectRef>
+            <a:fontRef idx="minor">
+              <a:schemeClr val="tx1"/>
+            </a:fontRef>
+          </p:style>
+        </p:cxnSp>
+        <p:sp>
+          <p:nvSpPr>
+            <p:cNvPr id="13" name="직사각형 12">
+              <a:extLst>
+                <a:ext uri="{FF2B5EF4-FFF2-40B4-BE49-F238E27FC236}">
+                  <a16:creationId xmlns:a16="http://schemas.microsoft.com/office/drawing/2014/main" id="{93F826F1-83F1-A6CC-0DDB-817C6B745B1A}"/>
+                </a:ext>
+              </a:extLst>
+            </p:cNvPr>
+            <p:cNvSpPr/>
+            <p:nvPr/>
+          </p:nvSpPr>
+          <p:spPr>
+            <a:xfrm>
+              <a:off x="189000" y="2131167"/>
+              <a:ext cx="6480000" cy="3491069"/>
             </a:xfrm>
             <a:prstGeom prst="rect">
               <a:avLst/>

--- a/제출 문서 모음/자소서/게임기획_홍진선_자기소개서.pptx
+++ b/제출 문서 모음/자소서/게임기획_홍진선_자기소개서.pptx
@@ -5,13 +5,11 @@
     <p:sldMasterId id="2147483660" r:id="rId1"/>
   </p:sldMasterIdLst>
   <p:notesMasterIdLst>
-    <p:notesMasterId r:id="rId6"/>
+    <p:notesMasterId r:id="rId4"/>
   </p:notesMasterIdLst>
   <p:sldIdLst>
     <p:sldId id="376" r:id="rId2"/>
     <p:sldId id="375" r:id="rId3"/>
-    <p:sldId id="377" r:id="rId4"/>
-    <p:sldId id="378" r:id="rId5"/>
   </p:sldIdLst>
   <p:sldSz cx="6858000" cy="9906000" type="A4"/>
   <p:notesSz cx="6858000" cy="9144000"/>
@@ -221,7 +219,7 @@
           <a:p>
             <a:fld id="{48B3DEB8-77A6-476E-AE55-2701C232BFD3}" type="datetimeFigureOut">
               <a:rPr lang="ko-KR" altLang="en-US" smtClean="0"/>
-              <a:t>2025-10-24</a:t>
+              <a:t>2025-11-17</a:t>
             </a:fld>
             <a:endParaRPr lang="ko-KR" altLang="en-US"/>
           </a:p>
@@ -619,7 +617,7 @@
           <a:p>
             <a:fld id="{8B3C456F-26E4-4537-8D17-6AF6B16C4EC3}" type="datetime1">
               <a:rPr lang="ko-KR" altLang="en-US" smtClean="0"/>
-              <a:t>2025-10-24</a:t>
+              <a:t>2025-11-17</a:t>
             </a:fld>
             <a:endParaRPr lang="ko-KR" altLang="en-US"/>
           </a:p>
@@ -805,7 +803,7 @@
           <a:p>
             <a:fld id="{E6D33B4A-0016-47D3-943A-74733C859B59}" type="datetime1">
               <a:rPr lang="ko-KR" altLang="en-US" smtClean="0"/>
-              <a:t>2025-10-24</a:t>
+              <a:t>2025-11-17</a:t>
             </a:fld>
             <a:endParaRPr lang="ko-KR" altLang="en-US"/>
           </a:p>
@@ -985,7 +983,7 @@
           <a:p>
             <a:fld id="{D56110C3-51C5-4712-BB64-03D4EDA68AE3}" type="datetime1">
               <a:rPr lang="ko-KR" altLang="en-US" smtClean="0"/>
-              <a:t>2025-10-24</a:t>
+              <a:t>2025-11-17</a:t>
             </a:fld>
             <a:endParaRPr lang="ko-KR" altLang="en-US"/>
           </a:p>
@@ -1155,7 +1153,7 @@
           <a:p>
             <a:fld id="{5F7F1CC6-63D1-47CA-AD1F-91D7A3AEAC66}" type="datetime1">
               <a:rPr lang="ko-KR" altLang="en-US" smtClean="0"/>
-              <a:t>2025-10-24</a:t>
+              <a:t>2025-11-17</a:t>
             </a:fld>
             <a:endParaRPr lang="ko-KR" altLang="en-US"/>
           </a:p>
@@ -1401,7 +1399,7 @@
           <a:p>
             <a:fld id="{4D9753DC-9741-44AB-950C-EAF55D0BA909}" type="datetime1">
               <a:rPr lang="ko-KR" altLang="en-US" smtClean="0"/>
-              <a:t>2025-10-24</a:t>
+              <a:t>2025-11-17</a:t>
             </a:fld>
             <a:endParaRPr lang="ko-KR" altLang="en-US"/>
           </a:p>
@@ -1633,7 +1631,7 @@
           <a:p>
             <a:fld id="{B0BD88FC-0747-42FA-97B4-C821938264BA}" type="datetime1">
               <a:rPr lang="ko-KR" altLang="en-US" smtClean="0"/>
-              <a:t>2025-10-24</a:t>
+              <a:t>2025-11-17</a:t>
             </a:fld>
             <a:endParaRPr lang="ko-KR" altLang="en-US"/>
           </a:p>
@@ -2000,7 +1998,7 @@
           <a:p>
             <a:fld id="{634205C6-2B4D-4322-89B0-3B8CB899C599}" type="datetime1">
               <a:rPr lang="ko-KR" altLang="en-US" smtClean="0"/>
-              <a:t>2025-10-24</a:t>
+              <a:t>2025-11-17</a:t>
             </a:fld>
             <a:endParaRPr lang="ko-KR" altLang="en-US"/>
           </a:p>
@@ -2118,7 +2116,7 @@
           <a:p>
             <a:fld id="{D3C3240D-A81B-40EA-A8A9-CD43A60759E2}" type="datetime1">
               <a:rPr lang="ko-KR" altLang="en-US" smtClean="0"/>
-              <a:t>2025-10-24</a:t>
+              <a:t>2025-11-17</a:t>
             </a:fld>
             <a:endParaRPr lang="ko-KR" altLang="en-US"/>
           </a:p>
@@ -2213,7 +2211,7 @@
           <a:p>
             <a:fld id="{B638CA96-33E1-4DC7-A964-69BDB846C2EC}" type="datetime1">
               <a:rPr lang="ko-KR" altLang="en-US" smtClean="0"/>
-              <a:t>2025-10-24</a:t>
+              <a:t>2025-11-17</a:t>
             </a:fld>
             <a:endParaRPr lang="ko-KR" altLang="en-US"/>
           </a:p>
@@ -2501,7 +2499,7 @@
           <a:p>
             <a:fld id="{9E27C171-AB78-4CA5-8A49-845326BC0825}" type="datetime1">
               <a:rPr lang="ko-KR" altLang="en-US" smtClean="0"/>
-              <a:t>2025-10-24</a:t>
+              <a:t>2025-11-17</a:t>
             </a:fld>
             <a:endParaRPr lang="ko-KR" altLang="en-US"/>
           </a:p>
@@ -2758,7 +2756,7 @@
           <a:p>
             <a:fld id="{8EED6D7E-4DE0-4E81-ADE2-0F10194E5F68}" type="datetime1">
               <a:rPr lang="ko-KR" altLang="en-US" smtClean="0"/>
-              <a:t>2025-10-24</a:t>
+              <a:t>2025-11-17</a:t>
             </a:fld>
             <a:endParaRPr lang="ko-KR" altLang="en-US"/>
           </a:p>
@@ -2971,7 +2969,7 @@
           <a:p>
             <a:fld id="{72FC9454-618B-4601-B0FC-B31AFE475097}" type="datetime1">
               <a:rPr lang="ko-KR" altLang="en-US" smtClean="0"/>
-              <a:t>2025-10-24</a:t>
+              <a:t>2025-11-17</a:t>
             </a:fld>
             <a:endParaRPr lang="ko-KR" altLang="en-US"/>
           </a:p>
@@ -6292,3484 +6290,6 @@
     <p:extLst>
       <p:ext uri="{BB962C8B-B14F-4D97-AF65-F5344CB8AC3E}">
         <p14:creationId xmlns:p14="http://schemas.microsoft.com/office/powerpoint/2010/main" val="3407233896"/>
-      </p:ext>
-    </p:extLst>
-  </p:cSld>
-  <p:clrMapOvr>
-    <a:masterClrMapping/>
-  </p:clrMapOvr>
-</p:sld>
-</file>
-
-<file path=ppt/slides/slide3.xml><?xml version="1.0" encoding="utf-8"?>
-<p:sld xmlns:a="http://schemas.openxmlformats.org/drawingml/2006/main" xmlns:r="http://schemas.openxmlformats.org/officeDocument/2006/relationships" xmlns:p="http://schemas.openxmlformats.org/presentationml/2006/main">
-  <p:cSld>
-    <p:spTree>
-      <p:nvGrpSpPr>
-        <p:cNvPr id="1" name=""/>
-        <p:cNvGrpSpPr/>
-        <p:nvPr/>
-      </p:nvGrpSpPr>
-      <p:grpSpPr>
-        <a:xfrm>
-          <a:off x="0" y="0"/>
-          <a:ext cx="0" cy="0"/>
-          <a:chOff x="0" y="0"/>
-          <a:chExt cx="0" cy="0"/>
-        </a:xfrm>
-      </p:grpSpPr>
-      <p:sp>
-        <p:nvSpPr>
-          <p:cNvPr id="2" name="슬라이드 번호 개체 틀 1">
-            <a:extLst>
-              <a:ext uri="{FF2B5EF4-FFF2-40B4-BE49-F238E27FC236}">
-                <a16:creationId xmlns:a16="http://schemas.microsoft.com/office/drawing/2014/main" id="{093C4746-4B86-53D0-39B3-596F31B8FBAA}"/>
-              </a:ext>
-            </a:extLst>
-          </p:cNvPr>
-          <p:cNvSpPr>
-            <a:spLocks noGrp="1"/>
-          </p:cNvSpPr>
-          <p:nvPr>
-            <p:ph type="sldNum" sz="quarter" idx="12"/>
-          </p:nvPr>
-        </p:nvSpPr>
-        <p:spPr/>
-        <p:txBody>
-          <a:bodyPr/>
-          <a:lstStyle/>
-          <a:p>
-            <a:fld id="{94EAF048-6908-47D5-AB8D-FD95CCCB43A1}" type="slidenum">
-              <a:rPr lang="ko-KR" altLang="en-US" smtClean="0"/>
-              <a:pPr/>
-              <a:t>3</a:t>
-            </a:fld>
-            <a:r>
-              <a:rPr lang="en-US" altLang="ko-KR"/>
-              <a:t>/2</a:t>
-            </a:r>
-            <a:endParaRPr lang="ko-KR" altLang="en-US" dirty="0"/>
-          </a:p>
-        </p:txBody>
-      </p:sp>
-      <p:sp>
-        <p:nvSpPr>
-          <p:cNvPr id="3" name="TextBox 2">
-            <a:extLst>
-              <a:ext uri="{FF2B5EF4-FFF2-40B4-BE49-F238E27FC236}">
-                <a16:creationId xmlns:a16="http://schemas.microsoft.com/office/drawing/2014/main" id="{778D3269-2E71-72E6-9103-1554DDF1B5BD}"/>
-              </a:ext>
-            </a:extLst>
-          </p:cNvPr>
-          <p:cNvSpPr txBox="1"/>
-          <p:nvPr/>
-        </p:nvSpPr>
-        <p:spPr>
-          <a:xfrm>
-            <a:off x="1327355" y="1946787"/>
-            <a:ext cx="184731" cy="369332"/>
-          </a:xfrm>
-          <a:prstGeom prst="rect">
-            <a:avLst/>
-          </a:prstGeom>
-          <a:noFill/>
-        </p:spPr>
-        <p:txBody>
-          <a:bodyPr wrap="none" rtlCol="0">
-            <a:spAutoFit/>
-          </a:bodyPr>
-          <a:lstStyle/>
-          <a:p>
-            <a:endParaRPr lang="ko-KR" altLang="en-US" dirty="0"/>
-          </a:p>
-        </p:txBody>
-      </p:sp>
-      <p:grpSp>
-        <p:nvGrpSpPr>
-          <p:cNvPr id="5" name="그룹 4">
-            <a:extLst>
-              <a:ext uri="{FF2B5EF4-FFF2-40B4-BE49-F238E27FC236}">
-                <a16:creationId xmlns:a16="http://schemas.microsoft.com/office/drawing/2014/main" id="{8EA35C60-B497-9C70-741E-385E8718C9B2}"/>
-              </a:ext>
-            </a:extLst>
-          </p:cNvPr>
-          <p:cNvGrpSpPr/>
-          <p:nvPr/>
-        </p:nvGrpSpPr>
-        <p:grpSpPr>
-          <a:xfrm>
-            <a:off x="188665" y="141180"/>
-            <a:ext cx="6480671" cy="5383896"/>
-            <a:chOff x="185458" y="344488"/>
-            <a:chExt cx="6480671" cy="5383896"/>
-          </a:xfrm>
-        </p:grpSpPr>
-        <p:sp>
-          <p:nvSpPr>
-            <p:cNvPr id="6" name="TextBox 5">
-              <a:extLst>
-                <a:ext uri="{FF2B5EF4-FFF2-40B4-BE49-F238E27FC236}">
-                  <a16:creationId xmlns:a16="http://schemas.microsoft.com/office/drawing/2014/main" id="{359A47B4-2101-4136-40E1-C37E2BC18435}"/>
-                </a:ext>
-              </a:extLst>
-            </p:cNvPr>
-            <p:cNvSpPr txBox="1"/>
-            <p:nvPr/>
-          </p:nvSpPr>
-          <p:spPr>
-            <a:xfrm>
-              <a:off x="290620" y="742870"/>
-              <a:ext cx="6269676" cy="4985514"/>
-            </a:xfrm>
-            <a:prstGeom prst="rect">
-              <a:avLst/>
-            </a:prstGeom>
-            <a:noFill/>
-          </p:spPr>
-          <p:txBody>
-            <a:bodyPr wrap="square" lIns="0" tIns="72000" rIns="0" bIns="72000" rtlCol="0" anchor="t">
-              <a:spAutoFit/>
-            </a:bodyPr>
-            <a:lstStyle>
-              <a:defPPr>
-                <a:defRPr lang="en-US"/>
-              </a:defPPr>
-              <a:lvl1pPr>
-                <a:lnSpc>
-                  <a:spcPct val="135000"/>
-                </a:lnSpc>
-                <a:spcAft>
-                  <a:spcPts val="800"/>
-                </a:spcAft>
-                <a:defRPr sz="1000">
-                  <a:ln>
-                    <a:solidFill>
-                      <a:schemeClr val="bg1">
-                        <a:lumMod val="75000"/>
-                        <a:alpha val="0"/>
-                      </a:schemeClr>
-                    </a:solidFill>
-                  </a:ln>
-                  <a:latin typeface="Pretendard Light" panose="02000403000000020004" pitchFamily="2" charset="-127"/>
-                  <a:ea typeface="Pretendard Light" panose="02000403000000020004" pitchFamily="2" charset="-127"/>
-                  <a:cs typeface="Pretendard Light" panose="02000403000000020004" pitchFamily="2" charset="-127"/>
-                </a:defRPr>
-              </a:lvl1pPr>
-            </a:lstStyle>
-            <a:p>
-              <a:pPr>
-                <a:lnSpc>
-                  <a:spcPct val="140000"/>
-                </a:lnSpc>
-                <a:spcAft>
-                  <a:spcPts val="1000"/>
-                </a:spcAft>
-              </a:pPr>
-              <a:r>
-                <a:rPr lang="en-US" altLang="ko-KR" dirty="0">
-                  <a:latin typeface="Pretendard Medium" panose="02000603000000020004" pitchFamily="2" charset="-127"/>
-                  <a:ea typeface="Pretendard Medium" panose="02000603000000020004" pitchFamily="2" charset="-127"/>
-                  <a:cs typeface="Pretendard Medium" panose="02000603000000020004" pitchFamily="2" charset="-127"/>
-                </a:rPr>
-                <a:t># </a:t>
-              </a:r>
-              <a:r>
-                <a:rPr lang="ko-KR" altLang="en-US" dirty="0">
-                  <a:latin typeface="Pretendard Medium" panose="02000603000000020004" pitchFamily="2" charset="-127"/>
-                  <a:ea typeface="Pretendard Medium" panose="02000603000000020004" pitchFamily="2" charset="-127"/>
-                  <a:cs typeface="Pretendard Medium" panose="02000603000000020004" pitchFamily="2" charset="-127"/>
-                </a:rPr>
-                <a:t>논리적으로 캐릭터의 컨셉에 어울리는 전투를 설계하는 전투 기획자</a:t>
-              </a:r>
-              <a:br>
-                <a:rPr lang="en-US" altLang="ko-KR" dirty="0">
-                  <a:latin typeface="Pretendard Medium" panose="02000603000000020004" pitchFamily="2" charset="-127"/>
-                  <a:ea typeface="Pretendard Medium" panose="02000603000000020004" pitchFamily="2" charset="-127"/>
-                  <a:cs typeface="Pretendard Medium" panose="02000603000000020004" pitchFamily="2" charset="-127"/>
-                </a:rPr>
-              </a:br>
-              <a:r>
-                <a:rPr lang="ko-KR" altLang="en-US" dirty="0"/>
-                <a:t>저는 캐릭터마다 다른 전투를 경험하며 즐거움을 얻는 유저입니다</a:t>
-              </a:r>
-              <a:r>
-                <a:rPr lang="en-US" altLang="ko-KR" dirty="0"/>
-                <a:t>. </a:t>
-              </a:r>
-              <a:r>
-                <a:rPr lang="ko-KR" altLang="en-US" dirty="0"/>
-                <a:t>특히</a:t>
-              </a:r>
-              <a:r>
-                <a:rPr lang="en-US" altLang="ko-KR" dirty="0"/>
-                <a:t>, </a:t>
-              </a:r>
-              <a:r>
-                <a:rPr lang="ko-KR" altLang="en-US" dirty="0"/>
-                <a:t>캐릭터의 컨셉과 전투가 자연스럽게 어우러질 때 더욱 몰입하게 되었습니다</a:t>
-              </a:r>
-              <a:r>
-                <a:rPr lang="en-US" altLang="ko-KR" dirty="0"/>
-                <a:t>. </a:t>
-              </a:r>
-              <a:r>
-                <a:rPr lang="ko-KR" altLang="en-US" dirty="0"/>
-                <a:t>이를 통해 전투의 재미는 설득력 있는 전투 경험에서 비롯된다는 것을 </a:t>
-              </a:r>
-              <a:r>
-                <a:rPr lang="ko-KR" altLang="en-US" dirty="0" err="1"/>
-                <a:t>깨달았습니다</a:t>
-              </a:r>
-              <a:r>
-                <a:rPr lang="en-US" altLang="ko-KR" dirty="0"/>
-                <a:t>. </a:t>
-              </a:r>
-              <a:r>
-                <a:rPr lang="ko-KR" altLang="en-US" dirty="0"/>
-                <a:t>그래서 저 역시 설득력 있는 전투 경험을 설계하기 위해 노력하게 되었습니다</a:t>
-              </a:r>
-              <a:r>
-                <a:rPr lang="en-US" altLang="ko-KR" dirty="0"/>
-                <a:t>.</a:t>
-              </a:r>
-            </a:p>
-            <a:p>
-              <a:pPr>
-                <a:lnSpc>
-                  <a:spcPct val="140000"/>
-                </a:lnSpc>
-                <a:spcAft>
-                  <a:spcPts val="1000"/>
-                </a:spcAft>
-              </a:pPr>
-              <a:r>
-                <a:rPr lang="ko-KR" altLang="en-US" dirty="0"/>
-                <a:t>설득력을 높이기 위해 제가 선택한 방법은 논리적인 사고로 캐릭터의 컨셉에 어울리는 전투를 설계하는 것입니다</a:t>
-              </a:r>
-              <a:r>
-                <a:rPr lang="en-US" altLang="ko-KR" dirty="0"/>
-                <a:t>. </a:t>
-              </a:r>
-              <a:r>
-                <a:rPr lang="ko-KR" altLang="en-US" dirty="0"/>
-                <a:t>캐릭터의 무기 구조나 세계관을 분석하여 활용하거나 현실적인 원리를 게임적으로 재해석하는 방식 등을 사용합니다</a:t>
-              </a:r>
-              <a:r>
-                <a:rPr lang="en-US" altLang="ko-KR" dirty="0"/>
-                <a:t>. </a:t>
-              </a:r>
-              <a:r>
-                <a:rPr lang="ko-KR" altLang="en-US" dirty="0"/>
-                <a:t>예를 들어 부채를 사용하여 번개를 다루는 창작 캐릭터 </a:t>
-              </a:r>
-              <a:r>
-                <a:rPr lang="en-US" altLang="ko-KR" dirty="0"/>
-                <a:t>'</a:t>
-              </a:r>
-              <a:r>
-                <a:rPr lang="ko-KR" altLang="en-US" dirty="0"/>
-                <a:t>가람</a:t>
-              </a:r>
-              <a:r>
-                <a:rPr lang="en-US" altLang="ko-KR" dirty="0"/>
-                <a:t>'</a:t>
-              </a:r>
-              <a:r>
-                <a:rPr lang="ko-KR" altLang="en-US" dirty="0"/>
-                <a:t>의 전투를 설계할 때</a:t>
-              </a:r>
-              <a:r>
-                <a:rPr lang="en-US" altLang="ko-KR" dirty="0"/>
-                <a:t>, '</a:t>
-              </a:r>
-              <a:r>
-                <a:rPr lang="ko-KR" altLang="en-US" dirty="0"/>
-                <a:t>부채</a:t>
-              </a:r>
-              <a:r>
-                <a:rPr lang="en-US" altLang="ko-KR" dirty="0"/>
-                <a:t>'</a:t>
-              </a:r>
-              <a:r>
-                <a:rPr lang="ko-KR" altLang="en-US" dirty="0"/>
-                <a:t>의 구조를 파악하여 얇고 뾰족한 </a:t>
-              </a:r>
-              <a:r>
-                <a:rPr lang="en-US" altLang="ko-KR" dirty="0"/>
-                <a:t>'</a:t>
-              </a:r>
-              <a:r>
-                <a:rPr lang="ko-KR" altLang="en-US" dirty="0"/>
-                <a:t>부챗살</a:t>
-              </a:r>
-              <a:r>
-                <a:rPr lang="en-US" altLang="ko-KR" dirty="0"/>
-                <a:t>'</a:t>
-              </a:r>
-              <a:r>
-                <a:rPr lang="ko-KR" altLang="en-US" dirty="0"/>
-                <a:t>에서 피뢰침을 떠올렸습니다</a:t>
-              </a:r>
-              <a:r>
-                <a:rPr lang="en-US" altLang="ko-KR" dirty="0"/>
-                <a:t>. </a:t>
-              </a:r>
-              <a:r>
-                <a:rPr lang="ko-KR" altLang="en-US" dirty="0"/>
-                <a:t>이 아이디어를 확장하여 부챗살이 번개를 유도하며 대상에게 피해를 집중하는 형태의 전투 스타일을 기획했습니다</a:t>
-              </a:r>
-              <a:r>
-                <a:rPr lang="en-US" altLang="ko-KR" dirty="0"/>
-                <a:t>. </a:t>
-              </a:r>
-              <a:r>
-                <a:rPr lang="ko-KR" altLang="en-US" dirty="0"/>
-                <a:t>나아가 피뢰침의 동작 원리를 분석해 적의 몸 내부에 직접적으로 번개를 방전시키는 </a:t>
-              </a:r>
-              <a:r>
-                <a:rPr lang="en-US" altLang="ko-KR" dirty="0"/>
-                <a:t>'</a:t>
-              </a:r>
-              <a:r>
-                <a:rPr lang="ko-KR" altLang="en-US" dirty="0"/>
-                <a:t>방어 무시 공격</a:t>
-              </a:r>
-              <a:r>
-                <a:rPr lang="en-US" altLang="ko-KR" dirty="0"/>
-                <a:t>' </a:t>
-              </a:r>
-              <a:r>
-                <a:rPr lang="ko-KR" altLang="en-US" dirty="0"/>
-                <a:t>효과까지 구체화하게 되었습니다</a:t>
-              </a:r>
-              <a:r>
-                <a:rPr lang="en-US" altLang="ko-KR" dirty="0"/>
-                <a:t>.</a:t>
-              </a:r>
-            </a:p>
-            <a:p>
-              <a:pPr>
-                <a:lnSpc>
-                  <a:spcPct val="140000"/>
-                </a:lnSpc>
-                <a:spcAft>
-                  <a:spcPts val="1000"/>
-                </a:spcAft>
-              </a:pPr>
-              <a:endParaRPr lang="en-US" altLang="ko-KR" dirty="0"/>
-            </a:p>
-            <a:p>
-              <a:pPr>
-                <a:lnSpc>
-                  <a:spcPct val="140000"/>
-                </a:lnSpc>
-                <a:spcAft>
-                  <a:spcPts val="1000"/>
-                </a:spcAft>
-              </a:pPr>
-              <a:r>
-                <a:rPr lang="en-US" altLang="ko-KR" dirty="0">
-                  <a:latin typeface="Pretendard Medium" panose="02000603000000020004" pitchFamily="2" charset="-127"/>
-                  <a:ea typeface="Pretendard Medium" panose="02000603000000020004" pitchFamily="2" charset="-127"/>
-                  <a:cs typeface="Pretendard Medium" panose="02000603000000020004" pitchFamily="2" charset="-127"/>
-                </a:rPr>
-                <a:t># </a:t>
-              </a:r>
-              <a:r>
-                <a:rPr lang="ko-KR" altLang="en-US" dirty="0">
-                  <a:latin typeface="Pretendard Medium" panose="02000603000000020004" pitchFamily="2" charset="-127"/>
-                  <a:ea typeface="Pretendard Medium" panose="02000603000000020004" pitchFamily="2" charset="-127"/>
-                  <a:cs typeface="Pretendard Medium" panose="02000603000000020004" pitchFamily="2" charset="-127"/>
-                </a:rPr>
-                <a:t>스스로를 먼저 설득하는 기획자</a:t>
-              </a:r>
-              <a:r>
-                <a:rPr lang="en-US" altLang="ko-KR" dirty="0">
-                  <a:latin typeface="Pretendard Medium" panose="02000603000000020004" pitchFamily="2" charset="-127"/>
-                  <a:ea typeface="Pretendard Medium" panose="02000603000000020004" pitchFamily="2" charset="-127"/>
-                  <a:cs typeface="Pretendard Medium" panose="02000603000000020004" pitchFamily="2" charset="-127"/>
-                </a:rPr>
-                <a:t>.</a:t>
-              </a:r>
-              <a:br>
-                <a:rPr lang="en-US" altLang="ko-KR" dirty="0">
-                  <a:latin typeface="Pretendard Medium" panose="02000603000000020004" pitchFamily="2" charset="-127"/>
-                  <a:ea typeface="Pretendard Medium" panose="02000603000000020004" pitchFamily="2" charset="-127"/>
-                  <a:cs typeface="Pretendard Medium" panose="02000603000000020004" pitchFamily="2" charset="-127"/>
-                </a:rPr>
-              </a:br>
-              <a:r>
-                <a:rPr lang="ko-KR" altLang="en-US" dirty="0"/>
-                <a:t>저는 문제가 발생했을 때 논리적인 사고로 결론을 도출하게 되는 성격입니다</a:t>
-              </a:r>
-              <a:r>
-                <a:rPr lang="en-US" altLang="ko-KR" dirty="0"/>
-                <a:t>. </a:t>
-              </a:r>
-              <a:r>
-                <a:rPr lang="ko-KR" altLang="en-US" dirty="0"/>
-                <a:t>스스로 이해가 되어야 제대로 문제를 해결했다는 생각이 들기 때문입니다</a:t>
-              </a:r>
-              <a:r>
-                <a:rPr lang="en-US" altLang="ko-KR" dirty="0"/>
-                <a:t>. </a:t>
-              </a:r>
-              <a:r>
-                <a:rPr lang="ko-KR" altLang="en-US" dirty="0"/>
-                <a:t>캐릭터의 컨셉에 어울리는 전투를 설계할 때 논리적으로 접근하는 것도 같은 </a:t>
-              </a:r>
-              <a:r>
-                <a:rPr lang="ko-KR" altLang="en-US" dirty="0" err="1"/>
-                <a:t>이유에서입니다</a:t>
-              </a:r>
-              <a:r>
-                <a:rPr lang="en-US" altLang="ko-KR" dirty="0"/>
-                <a:t>.</a:t>
-              </a:r>
-            </a:p>
-            <a:p>
-              <a:pPr>
-                <a:lnSpc>
-                  <a:spcPct val="140000"/>
-                </a:lnSpc>
-                <a:spcAft>
-                  <a:spcPts val="1000"/>
-                </a:spcAft>
-              </a:pPr>
-              <a:r>
-                <a:rPr lang="ko-KR" altLang="en-US" dirty="0"/>
-                <a:t>협업 과정에서도 명확한 근거를 바탕으로 의견을 제시하는 방식을 선호합니다</a:t>
-              </a:r>
-              <a:r>
-                <a:rPr lang="en-US" altLang="ko-KR" dirty="0"/>
-                <a:t>. </a:t>
-              </a:r>
-              <a:r>
-                <a:rPr lang="ko-KR" altLang="en-US" dirty="0"/>
-                <a:t>스스로를 먼저 설득한 상태가 되어야 의견을 제시할 수 있었습니다</a:t>
-              </a:r>
-              <a:r>
-                <a:rPr lang="en-US" altLang="ko-KR" dirty="0"/>
-                <a:t>. </a:t>
-              </a:r>
-              <a:r>
-                <a:rPr lang="ko-KR" altLang="en-US" dirty="0"/>
-                <a:t>이렇게 스스로 이해가 되는 의견을 제시하며 프로젝트에 적극적으로 참여할 때 성취감</a:t>
-              </a:r>
-              <a:r>
-                <a:rPr lang="en-US" altLang="ko-KR" dirty="0"/>
-                <a:t>, </a:t>
-              </a:r>
-              <a:r>
-                <a:rPr lang="ko-KR" altLang="en-US" dirty="0"/>
-                <a:t>소속감</a:t>
-              </a:r>
-              <a:r>
-                <a:rPr lang="en-US" altLang="ko-KR" dirty="0"/>
-                <a:t>, </a:t>
-              </a:r>
-              <a:r>
-                <a:rPr lang="ko-KR" altLang="en-US" dirty="0"/>
-                <a:t>책임감이 높아졌습니다</a:t>
-              </a:r>
-              <a:r>
-                <a:rPr lang="en-US" altLang="ko-KR" dirty="0"/>
-                <a:t>. </a:t>
-              </a:r>
-              <a:r>
-                <a:rPr lang="ko-KR" altLang="en-US" dirty="0"/>
-                <a:t>이에 따라 </a:t>
-              </a:r>
-              <a:r>
-                <a:rPr lang="en-US" altLang="ko-KR" dirty="0"/>
-                <a:t>'</a:t>
-              </a:r>
-              <a:r>
-                <a:rPr lang="ko-KR" altLang="en-US" dirty="0"/>
-                <a:t>의견을 뒷받침할 수 있는 능력을 키우자</a:t>
-              </a:r>
-              <a:r>
-                <a:rPr lang="en-US" altLang="ko-KR" dirty="0"/>
-                <a:t>'</a:t>
-              </a:r>
-              <a:r>
-                <a:rPr lang="ko-KR" altLang="en-US" dirty="0"/>
-                <a:t>라는 가치관을 형성하기도 했습니다</a:t>
-              </a:r>
-              <a:r>
-                <a:rPr lang="en-US" altLang="ko-KR" dirty="0"/>
-                <a:t>.</a:t>
-              </a:r>
-            </a:p>
-            <a:p>
-              <a:pPr>
-                <a:lnSpc>
-                  <a:spcPct val="140000"/>
-                </a:lnSpc>
-                <a:spcAft>
-                  <a:spcPts val="1000"/>
-                </a:spcAft>
-              </a:pPr>
-              <a:endParaRPr lang="en-US" altLang="ko-KR" dirty="0"/>
-            </a:p>
-            <a:p>
-              <a:pPr>
-                <a:lnSpc>
-                  <a:spcPct val="140000"/>
-                </a:lnSpc>
-                <a:spcAft>
-                  <a:spcPts val="1000"/>
-                </a:spcAft>
-              </a:pPr>
-              <a:r>
-                <a:rPr lang="ko-KR" altLang="en-US" dirty="0"/>
-                <a:t>이처럼 저는 논리적인 사고를 바탕으로 캐릭터의 컨셉에 어울리는 전투를 설계하며</a:t>
-              </a:r>
-              <a:r>
-                <a:rPr lang="en-US" altLang="ko-KR" dirty="0"/>
-                <a:t>, </a:t>
-              </a:r>
-              <a:r>
-                <a:rPr lang="ko-KR" altLang="en-US" dirty="0"/>
-                <a:t>스스로를 먼저 설득하려고 노력합니다</a:t>
-              </a:r>
-              <a:r>
-                <a:rPr lang="en-US" altLang="ko-KR" dirty="0"/>
-                <a:t>. </a:t>
-              </a:r>
-              <a:r>
-                <a:rPr lang="ko-KR" altLang="en-US" dirty="0"/>
-                <a:t>이런 성향을 바탕으로 유저에게는 몰입감과 즐거움을 선사하며 동료 개발자분들에게는 신뢰를 주는 전투 기획자가 되겠습니다</a:t>
-              </a:r>
-              <a:r>
-                <a:rPr lang="en-US" altLang="ko-KR" dirty="0"/>
-                <a:t>.</a:t>
-              </a:r>
-            </a:p>
-          </p:txBody>
-        </p:sp>
-        <p:sp>
-          <p:nvSpPr>
-            <p:cNvPr id="7" name="직사각형 6">
-              <a:extLst>
-                <a:ext uri="{FF2B5EF4-FFF2-40B4-BE49-F238E27FC236}">
-                  <a16:creationId xmlns:a16="http://schemas.microsoft.com/office/drawing/2014/main" id="{AB97A714-1C72-A9FC-230B-EA4E35122A12}"/>
-                </a:ext>
-              </a:extLst>
-            </p:cNvPr>
-            <p:cNvSpPr/>
-            <p:nvPr/>
-          </p:nvSpPr>
-          <p:spPr>
-            <a:xfrm>
-              <a:off x="185458" y="344489"/>
-              <a:ext cx="6480671" cy="398381"/>
-            </a:xfrm>
-            <a:prstGeom prst="rect">
-              <a:avLst/>
-            </a:prstGeom>
-            <a:solidFill>
-              <a:srgbClr val="E1F2FF"/>
-            </a:solidFill>
-            <a:ln>
-              <a:noFill/>
-            </a:ln>
-            <a:effectLst/>
-          </p:spPr>
-          <p:style>
-            <a:lnRef idx="2">
-              <a:schemeClr val="accent1">
-                <a:shade val="15000"/>
-              </a:schemeClr>
-            </a:lnRef>
-            <a:fillRef idx="1">
-              <a:schemeClr val="accent1"/>
-            </a:fillRef>
-            <a:effectRef idx="0">
-              <a:schemeClr val="accent1"/>
-            </a:effectRef>
-            <a:fontRef idx="minor">
-              <a:schemeClr val="lt1"/>
-            </a:fontRef>
-          </p:style>
-          <p:txBody>
-            <a:bodyPr rtlCol="0" anchor="ctr"/>
-            <a:lstStyle/>
-            <a:p>
-              <a:pPr algn="ctr"/>
-              <a:endParaRPr lang="ko-KR" altLang="en-US" sz="900"/>
-            </a:p>
-          </p:txBody>
-        </p:sp>
-        <p:sp>
-          <p:nvSpPr>
-            <p:cNvPr id="8" name="TextBox 7">
-              <a:extLst>
-                <a:ext uri="{FF2B5EF4-FFF2-40B4-BE49-F238E27FC236}">
-                  <a16:creationId xmlns:a16="http://schemas.microsoft.com/office/drawing/2014/main" id="{6075B58E-348E-43A9-3289-0D13D1F0BD75}"/>
-                </a:ext>
-              </a:extLst>
-            </p:cNvPr>
-            <p:cNvSpPr txBox="1"/>
-            <p:nvPr/>
-          </p:nvSpPr>
-          <p:spPr>
-            <a:xfrm>
-              <a:off x="290620" y="459041"/>
-              <a:ext cx="3113032" cy="169277"/>
-            </a:xfrm>
-            <a:prstGeom prst="rect">
-              <a:avLst/>
-            </a:prstGeom>
-            <a:noFill/>
-          </p:spPr>
-          <p:txBody>
-            <a:bodyPr wrap="none" lIns="0" tIns="0" rIns="0" bIns="0" rtlCol="0" anchor="t">
-              <a:spAutoFit/>
-            </a:bodyPr>
-            <a:lstStyle/>
-            <a:p>
-              <a:r>
-                <a:rPr lang="ko-KR" altLang="en-US" sz="1100" dirty="0">
-                  <a:latin typeface="페이퍼로지 7 Bold" pitchFamily="2" charset="-127"/>
-                  <a:ea typeface="페이퍼로지 7 Bold" pitchFamily="2" charset="-127"/>
-                  <a:cs typeface="Pretendard Medium" panose="02000603000000020004" pitchFamily="2" charset="-127"/>
-                </a:rPr>
-                <a:t>나는 어떤 개발자인가</a:t>
-              </a:r>
-              <a:r>
-                <a:rPr lang="en-US" altLang="ko-KR" sz="1100" dirty="0">
-                  <a:latin typeface="페이퍼로지 7 Bold" pitchFamily="2" charset="-127"/>
-                  <a:ea typeface="페이퍼로지 7 Bold" pitchFamily="2" charset="-127"/>
-                  <a:cs typeface="Pretendard Medium" panose="02000603000000020004" pitchFamily="2" charset="-127"/>
-                </a:rPr>
-                <a:t>? </a:t>
-              </a:r>
-              <a:r>
-                <a:rPr lang="ko-KR" altLang="en-US" sz="1100" dirty="0">
-                  <a:latin typeface="페이퍼로지 7 Bold" pitchFamily="2" charset="-127"/>
-                  <a:ea typeface="페이퍼로지 7 Bold" pitchFamily="2" charset="-127"/>
-                  <a:cs typeface="Pretendard Medium" panose="02000603000000020004" pitchFamily="2" charset="-127"/>
-                </a:rPr>
-                <a:t>개발자로서 자신을 소개해 주세요</a:t>
-              </a:r>
-            </a:p>
-          </p:txBody>
-        </p:sp>
-        <p:cxnSp>
-          <p:nvCxnSpPr>
-            <p:cNvPr id="9" name="직선 연결선 8">
-              <a:extLst>
-                <a:ext uri="{FF2B5EF4-FFF2-40B4-BE49-F238E27FC236}">
-                  <a16:creationId xmlns:a16="http://schemas.microsoft.com/office/drawing/2014/main" id="{64080D78-BF73-9742-286A-D31321926B8A}"/>
-                </a:ext>
-              </a:extLst>
-            </p:cNvPr>
-            <p:cNvCxnSpPr>
-              <a:cxnSpLocks/>
-            </p:cNvCxnSpPr>
-            <p:nvPr/>
-          </p:nvCxnSpPr>
-          <p:spPr>
-            <a:xfrm>
-              <a:off x="185459" y="742870"/>
-              <a:ext cx="6480000" cy="0"/>
-            </a:xfrm>
-            <a:prstGeom prst="line">
-              <a:avLst/>
-            </a:prstGeom>
-            <a:ln w="9525">
-              <a:solidFill>
-                <a:schemeClr val="bg1">
-                  <a:lumMod val="75000"/>
-                </a:schemeClr>
-              </a:solidFill>
-            </a:ln>
-          </p:spPr>
-          <p:style>
-            <a:lnRef idx="2">
-              <a:schemeClr val="accent1"/>
-            </a:lnRef>
-            <a:fillRef idx="0">
-              <a:schemeClr val="accent1"/>
-            </a:fillRef>
-            <a:effectRef idx="1">
-              <a:schemeClr val="accent1"/>
-            </a:effectRef>
-            <a:fontRef idx="minor">
-              <a:schemeClr val="tx1"/>
-            </a:fontRef>
-          </p:style>
-        </p:cxnSp>
-        <p:sp>
-          <p:nvSpPr>
-            <p:cNvPr id="10" name="직사각형 9">
-              <a:extLst>
-                <a:ext uri="{FF2B5EF4-FFF2-40B4-BE49-F238E27FC236}">
-                  <a16:creationId xmlns:a16="http://schemas.microsoft.com/office/drawing/2014/main" id="{4640BDAF-2468-1939-8DCC-609EF92682D9}"/>
-                </a:ext>
-              </a:extLst>
-            </p:cNvPr>
-            <p:cNvSpPr/>
-            <p:nvPr/>
-          </p:nvSpPr>
-          <p:spPr>
-            <a:xfrm>
-              <a:off x="185458" y="344488"/>
-              <a:ext cx="6480000" cy="5383894"/>
-            </a:xfrm>
-            <a:prstGeom prst="rect">
-              <a:avLst/>
-            </a:prstGeom>
-            <a:noFill/>
-            <a:ln w="12700">
-              <a:solidFill>
-                <a:schemeClr val="bg1">
-                  <a:lumMod val="75000"/>
-                </a:schemeClr>
-              </a:solidFill>
-            </a:ln>
-            <a:effectLst/>
-          </p:spPr>
-          <p:style>
-            <a:lnRef idx="2">
-              <a:schemeClr val="accent1">
-                <a:shade val="15000"/>
-              </a:schemeClr>
-            </a:lnRef>
-            <a:fillRef idx="1">
-              <a:schemeClr val="accent1"/>
-            </a:fillRef>
-            <a:effectRef idx="0">
-              <a:schemeClr val="accent1"/>
-            </a:effectRef>
-            <a:fontRef idx="minor">
-              <a:schemeClr val="lt1"/>
-            </a:fontRef>
-          </p:style>
-          <p:txBody>
-            <a:bodyPr rtlCol="0" anchor="ctr"/>
-            <a:lstStyle/>
-            <a:p>
-              <a:pPr algn="ctr"/>
-              <a:endParaRPr lang="ko-KR" altLang="en-US" sz="800" dirty="0"/>
-            </a:p>
-          </p:txBody>
-        </p:sp>
-      </p:grpSp>
-    </p:spTree>
-    <p:extLst>
-      <p:ext uri="{BB962C8B-B14F-4D97-AF65-F5344CB8AC3E}">
-        <p14:creationId xmlns:p14="http://schemas.microsoft.com/office/powerpoint/2010/main" val="2786249416"/>
-      </p:ext>
-    </p:extLst>
-  </p:cSld>
-  <p:clrMapOvr>
-    <a:masterClrMapping/>
-  </p:clrMapOvr>
-</p:sld>
-</file>
-
-<file path=ppt/slides/slide4.xml><?xml version="1.0" encoding="utf-8"?>
-<p:sld xmlns:a="http://schemas.openxmlformats.org/drawingml/2006/main" xmlns:r="http://schemas.openxmlformats.org/officeDocument/2006/relationships" xmlns:p="http://schemas.openxmlformats.org/presentationml/2006/main">
-  <p:cSld>
-    <p:spTree>
-      <p:nvGrpSpPr>
-        <p:cNvPr id="1" name="">
-          <a:extLst>
-            <a:ext uri="{FF2B5EF4-FFF2-40B4-BE49-F238E27FC236}">
-              <a16:creationId xmlns:a16="http://schemas.microsoft.com/office/drawing/2014/main" id="{6E21DA07-2817-E372-5D55-5BD0597BDA67}"/>
-            </a:ext>
-          </a:extLst>
-        </p:cNvPr>
-        <p:cNvGrpSpPr/>
-        <p:nvPr/>
-      </p:nvGrpSpPr>
-      <p:grpSpPr>
-        <a:xfrm>
-          <a:off x="0" y="0"/>
-          <a:ext cx="0" cy="0"/>
-          <a:chOff x="0" y="0"/>
-          <a:chExt cx="0" cy="0"/>
-        </a:xfrm>
-      </p:grpSpPr>
-      <p:grpSp>
-        <p:nvGrpSpPr>
-          <p:cNvPr id="3" name="그룹 2">
-            <a:extLst>
-              <a:ext uri="{FF2B5EF4-FFF2-40B4-BE49-F238E27FC236}">
-                <a16:creationId xmlns:a16="http://schemas.microsoft.com/office/drawing/2014/main" id="{E0967B61-ADCC-8513-3154-D034AC0A4987}"/>
-              </a:ext>
-            </a:extLst>
-          </p:cNvPr>
-          <p:cNvGrpSpPr/>
-          <p:nvPr/>
-        </p:nvGrpSpPr>
-        <p:grpSpPr>
-          <a:xfrm>
-            <a:off x="191871" y="141181"/>
-            <a:ext cx="6480671" cy="5558304"/>
-            <a:chOff x="189000" y="2131167"/>
-            <a:chExt cx="6480671" cy="5558304"/>
-          </a:xfrm>
-        </p:grpSpPr>
-        <p:sp>
-          <p:nvSpPr>
-            <p:cNvPr id="4" name="TextBox 3">
-              <a:extLst>
-                <a:ext uri="{FF2B5EF4-FFF2-40B4-BE49-F238E27FC236}">
-                  <a16:creationId xmlns:a16="http://schemas.microsoft.com/office/drawing/2014/main" id="{65FD242B-B818-EFF8-EB05-F970B6BEB8BD}"/>
-                </a:ext>
-              </a:extLst>
-            </p:cNvPr>
-            <p:cNvSpPr txBox="1"/>
-            <p:nvPr/>
-          </p:nvSpPr>
-          <p:spPr>
-            <a:xfrm>
-              <a:off x="294162" y="2529549"/>
-              <a:ext cx="6269676" cy="5159921"/>
-            </a:xfrm>
-            <a:prstGeom prst="rect">
-              <a:avLst/>
-            </a:prstGeom>
-            <a:noFill/>
-          </p:spPr>
-          <p:txBody>
-            <a:bodyPr wrap="square" lIns="0" tIns="72000" rIns="0" bIns="72000" rtlCol="0" anchor="t">
-              <a:spAutoFit/>
-            </a:bodyPr>
-            <a:lstStyle/>
-            <a:p>
-              <a:pPr>
-                <a:lnSpc>
-                  <a:spcPct val="140000"/>
-                </a:lnSpc>
-                <a:spcAft>
-                  <a:spcPts val="1000"/>
-                </a:spcAft>
-              </a:pPr>
-              <a:r>
-                <a:rPr lang="en-US" altLang="ko-KR" sz="1000" dirty="0">
-                  <a:ln>
-                    <a:solidFill>
-                      <a:schemeClr val="bg1">
-                        <a:lumMod val="75000"/>
-                        <a:alpha val="0"/>
-                      </a:schemeClr>
-                    </a:solidFill>
-                  </a:ln>
-                  <a:latin typeface="Pretendard Medium" panose="02000603000000020004" pitchFamily="2" charset="-127"/>
-                  <a:ea typeface="Pretendard Medium" panose="02000603000000020004" pitchFamily="2" charset="-127"/>
-                  <a:cs typeface="Pretendard Medium" panose="02000603000000020004" pitchFamily="2" charset="-127"/>
-                </a:rPr>
-                <a:t># </a:t>
-              </a:r>
-              <a:r>
-                <a:rPr lang="ko-KR" altLang="en-US" sz="1000" dirty="0">
-                  <a:ln>
-                    <a:solidFill>
-                      <a:schemeClr val="bg1">
-                        <a:lumMod val="75000"/>
-                        <a:alpha val="0"/>
-                      </a:schemeClr>
-                    </a:solidFill>
-                  </a:ln>
-                  <a:latin typeface="Pretendard Medium" panose="02000603000000020004" pitchFamily="2" charset="-127"/>
-                  <a:ea typeface="Pretendard Medium" panose="02000603000000020004" pitchFamily="2" charset="-127"/>
-                  <a:cs typeface="Pretendard Medium" panose="02000603000000020004" pitchFamily="2" charset="-127"/>
-                </a:rPr>
-                <a:t>캐릭터별 다양한 전투를 경험하며 재미를 느끼던 유저에서 캐릭터마다 </a:t>
-              </a:r>
-              <a:r>
-                <a:rPr lang="ko-KR" altLang="en-US" sz="1000" dirty="0" err="1">
-                  <a:ln>
-                    <a:solidFill>
-                      <a:schemeClr val="bg1">
-                        <a:lumMod val="75000"/>
-                        <a:alpha val="0"/>
-                      </a:schemeClr>
-                    </a:solidFill>
-                  </a:ln>
-                  <a:latin typeface="Pretendard Medium" panose="02000603000000020004" pitchFamily="2" charset="-127"/>
-                  <a:ea typeface="Pretendard Medium" panose="02000603000000020004" pitchFamily="2" charset="-127"/>
-                  <a:cs typeface="Pretendard Medium" panose="02000603000000020004" pitchFamily="2" charset="-127"/>
-                </a:rPr>
-                <a:t>특색있는</a:t>
-              </a:r>
-              <a:r>
-                <a:rPr lang="ko-KR" altLang="en-US" sz="1000" dirty="0">
-                  <a:ln>
-                    <a:solidFill>
-                      <a:schemeClr val="bg1">
-                        <a:lumMod val="75000"/>
-                        <a:alpha val="0"/>
-                      </a:schemeClr>
-                    </a:solidFill>
-                  </a:ln>
-                  <a:latin typeface="Pretendard Medium" panose="02000603000000020004" pitchFamily="2" charset="-127"/>
-                  <a:ea typeface="Pretendard Medium" panose="02000603000000020004" pitchFamily="2" charset="-127"/>
-                  <a:cs typeface="Pretendard Medium" panose="02000603000000020004" pitchFamily="2" charset="-127"/>
-                </a:rPr>
-                <a:t> 전투를 설계하는 전투 기획자로</a:t>
-              </a:r>
-              <a:br>
-                <a:rPr lang="en-US" altLang="ko-KR" sz="1000" dirty="0">
-                  <a:ln>
-                    <a:solidFill>
-                      <a:schemeClr val="bg1">
-                        <a:lumMod val="75000"/>
-                        <a:alpha val="0"/>
-                      </a:schemeClr>
-                    </a:solidFill>
-                  </a:ln>
-                  <a:latin typeface="Pretendard Light" panose="02000403000000020004" pitchFamily="2" charset="-127"/>
-                  <a:ea typeface="Pretendard Light" panose="02000403000000020004" pitchFamily="2" charset="-127"/>
-                  <a:cs typeface="Pretendard Light" panose="02000403000000020004" pitchFamily="2" charset="-127"/>
-                </a:rPr>
-              </a:br>
-              <a:r>
-                <a:rPr lang="ko-KR" altLang="en-US" sz="1000" dirty="0">
-                  <a:ln>
-                    <a:solidFill>
-                      <a:schemeClr val="bg1">
-                        <a:lumMod val="75000"/>
-                        <a:alpha val="0"/>
-                      </a:schemeClr>
-                    </a:solidFill>
-                  </a:ln>
-                  <a:latin typeface="Pretendard Light" panose="02000403000000020004" pitchFamily="2" charset="-127"/>
-                  <a:ea typeface="Pretendard Light" panose="02000403000000020004" pitchFamily="2" charset="-127"/>
-                  <a:cs typeface="Pretendard Light" panose="02000403000000020004" pitchFamily="2" charset="-127"/>
-                </a:rPr>
-                <a:t>저는 여러 전투를 경험하고 저에게 맞는 전투 스타일을 찾는 과정에서 재미를 느낍니다</a:t>
-              </a:r>
-              <a:r>
-                <a:rPr lang="en-US" altLang="ko-KR" sz="1000" dirty="0">
-                  <a:ln>
-                    <a:solidFill>
-                      <a:schemeClr val="bg1">
-                        <a:lumMod val="75000"/>
-                        <a:alpha val="0"/>
-                      </a:schemeClr>
-                    </a:solidFill>
-                  </a:ln>
-                  <a:latin typeface="Pretendard Light" panose="02000403000000020004" pitchFamily="2" charset="-127"/>
-                  <a:ea typeface="Pretendard Light" panose="02000403000000020004" pitchFamily="2" charset="-127"/>
-                  <a:cs typeface="Pretendard Light" panose="02000403000000020004" pitchFamily="2" charset="-127"/>
-                </a:rPr>
-                <a:t>. </a:t>
-              </a:r>
-              <a:r>
-                <a:rPr lang="ko-KR" altLang="en-US" sz="1000" dirty="0">
-                  <a:ln>
-                    <a:solidFill>
-                      <a:schemeClr val="bg1">
-                        <a:lumMod val="75000"/>
-                        <a:alpha val="0"/>
-                      </a:schemeClr>
-                    </a:solidFill>
-                  </a:ln>
-                  <a:latin typeface="Pretendard Light" panose="02000403000000020004" pitchFamily="2" charset="-127"/>
-                  <a:ea typeface="Pretendard Light" panose="02000403000000020004" pitchFamily="2" charset="-127"/>
-                  <a:cs typeface="Pretendard Light" panose="02000403000000020004" pitchFamily="2" charset="-127"/>
-                </a:rPr>
-                <a:t>그래서 게임을 할 때 자연스럽게 여러 캐릭터를 플레이하거나 다양한 무기</a:t>
-              </a:r>
-              <a:r>
-                <a:rPr lang="en-US" altLang="ko-KR" sz="1000" dirty="0">
-                  <a:ln>
-                    <a:solidFill>
-                      <a:schemeClr val="bg1">
-                        <a:lumMod val="75000"/>
-                        <a:alpha val="0"/>
-                      </a:schemeClr>
-                    </a:solidFill>
-                  </a:ln>
-                  <a:latin typeface="Pretendard Light" panose="02000403000000020004" pitchFamily="2" charset="-127"/>
-                  <a:ea typeface="Pretendard Light" panose="02000403000000020004" pitchFamily="2" charset="-127"/>
-                  <a:cs typeface="Pretendard Light" panose="02000403000000020004" pitchFamily="2" charset="-127"/>
-                </a:rPr>
-                <a:t>, </a:t>
-              </a:r>
-              <a:r>
-                <a:rPr lang="ko-KR" altLang="en-US" sz="1000" dirty="0">
-                  <a:ln>
-                    <a:solidFill>
-                      <a:schemeClr val="bg1">
-                        <a:lumMod val="75000"/>
-                        <a:alpha val="0"/>
-                      </a:schemeClr>
-                    </a:solidFill>
-                  </a:ln>
-                  <a:latin typeface="Pretendard Light" panose="02000403000000020004" pitchFamily="2" charset="-127"/>
-                  <a:ea typeface="Pretendard Light" panose="02000403000000020004" pitchFamily="2" charset="-127"/>
-                  <a:cs typeface="Pretendard Light" panose="02000403000000020004" pitchFamily="2" charset="-127"/>
-                </a:rPr>
-                <a:t>능력의 조합으로 재미있는 전투 스타일을 찾게 됩니다</a:t>
-              </a:r>
-              <a:r>
-                <a:rPr lang="en-US" altLang="ko-KR" sz="1000" dirty="0">
-                  <a:ln>
-                    <a:solidFill>
-                      <a:schemeClr val="bg1">
-                        <a:lumMod val="75000"/>
-                        <a:alpha val="0"/>
-                      </a:schemeClr>
-                    </a:solidFill>
-                  </a:ln>
-                  <a:latin typeface="Pretendard Light" panose="02000403000000020004" pitchFamily="2" charset="-127"/>
-                  <a:ea typeface="Pretendard Light" panose="02000403000000020004" pitchFamily="2" charset="-127"/>
-                  <a:cs typeface="Pretendard Light" panose="02000403000000020004" pitchFamily="2" charset="-127"/>
-                </a:rPr>
-                <a:t>. </a:t>
-              </a:r>
-              <a:r>
-                <a:rPr lang="ko-KR" altLang="en-US" sz="1000" dirty="0">
-                  <a:ln>
-                    <a:solidFill>
-                      <a:schemeClr val="bg1">
-                        <a:lumMod val="75000"/>
-                        <a:alpha val="0"/>
-                      </a:schemeClr>
-                    </a:solidFill>
-                  </a:ln>
-                  <a:latin typeface="Pretendard Light" panose="02000403000000020004" pitchFamily="2" charset="-127"/>
-                  <a:ea typeface="Pretendard Light" panose="02000403000000020004" pitchFamily="2" charset="-127"/>
-                  <a:cs typeface="Pretendard Light" panose="02000403000000020004" pitchFamily="2" charset="-127"/>
-                </a:rPr>
-                <a:t>따라서 로스트아크</a:t>
-              </a:r>
-              <a:r>
-                <a:rPr lang="en-US" altLang="ko-KR" sz="1000" dirty="0">
-                  <a:ln>
-                    <a:solidFill>
-                      <a:schemeClr val="bg1">
-                        <a:lumMod val="75000"/>
-                        <a:alpha val="0"/>
-                      </a:schemeClr>
-                    </a:solidFill>
-                  </a:ln>
-                  <a:latin typeface="Pretendard Light" panose="02000403000000020004" pitchFamily="2" charset="-127"/>
-                  <a:ea typeface="Pretendard Light" panose="02000403000000020004" pitchFamily="2" charset="-127"/>
-                  <a:cs typeface="Pretendard Light" panose="02000403000000020004" pitchFamily="2" charset="-127"/>
-                </a:rPr>
-                <a:t>, </a:t>
-              </a:r>
-              <a:r>
-                <a:rPr lang="ko-KR" altLang="en-US" sz="1000" dirty="0" err="1">
-                  <a:ln>
-                    <a:solidFill>
-                      <a:schemeClr val="bg1">
-                        <a:lumMod val="75000"/>
-                        <a:alpha val="0"/>
-                      </a:schemeClr>
-                    </a:solidFill>
-                  </a:ln>
-                  <a:latin typeface="Pretendard Light" panose="02000403000000020004" pitchFamily="2" charset="-127"/>
-                  <a:ea typeface="Pretendard Light" panose="02000403000000020004" pitchFamily="2" charset="-127"/>
-                  <a:cs typeface="Pretendard Light" panose="02000403000000020004" pitchFamily="2" charset="-127"/>
-                </a:rPr>
-                <a:t>던전앤파이터</a:t>
-              </a:r>
-              <a:r>
-                <a:rPr lang="en-US" altLang="ko-KR" sz="1000" dirty="0">
-                  <a:ln>
-                    <a:solidFill>
-                      <a:schemeClr val="bg1">
-                        <a:lumMod val="75000"/>
-                        <a:alpha val="0"/>
-                      </a:schemeClr>
-                    </a:solidFill>
-                  </a:ln>
-                  <a:latin typeface="Pretendard Light" panose="02000403000000020004" pitchFamily="2" charset="-127"/>
-                  <a:ea typeface="Pretendard Light" panose="02000403000000020004" pitchFamily="2" charset="-127"/>
-                  <a:cs typeface="Pretendard Light" panose="02000403000000020004" pitchFamily="2" charset="-127"/>
-                </a:rPr>
-                <a:t>, P</a:t>
-              </a:r>
-              <a:r>
-                <a:rPr lang="ko-KR" altLang="en-US" sz="1000" dirty="0">
-                  <a:ln>
-                    <a:solidFill>
-                      <a:schemeClr val="bg1">
-                        <a:lumMod val="75000"/>
-                        <a:alpha val="0"/>
-                      </a:schemeClr>
-                    </a:solidFill>
-                  </a:ln>
-                  <a:latin typeface="Pretendard Light" panose="02000403000000020004" pitchFamily="2" charset="-127"/>
-                  <a:ea typeface="Pretendard Light" panose="02000403000000020004" pitchFamily="2" charset="-127"/>
-                  <a:cs typeface="Pretendard Light" panose="02000403000000020004" pitchFamily="2" charset="-127"/>
-                </a:rPr>
-                <a:t>의 거짓</a:t>
-              </a:r>
-              <a:r>
-                <a:rPr lang="en-US" altLang="ko-KR" sz="1000" dirty="0">
-                  <a:ln>
-                    <a:solidFill>
-                      <a:schemeClr val="bg1">
-                        <a:lumMod val="75000"/>
-                        <a:alpha val="0"/>
-                      </a:schemeClr>
-                    </a:solidFill>
-                  </a:ln>
-                  <a:latin typeface="Pretendard Light" panose="02000403000000020004" pitchFamily="2" charset="-127"/>
-                  <a:ea typeface="Pretendard Light" panose="02000403000000020004" pitchFamily="2" charset="-127"/>
-                  <a:cs typeface="Pretendard Light" panose="02000403000000020004" pitchFamily="2" charset="-127"/>
-                </a:rPr>
-                <a:t>, </a:t>
-              </a:r>
-              <a:r>
-                <a:rPr lang="ko-KR" altLang="en-US" sz="1000" dirty="0" err="1">
-                  <a:ln>
-                    <a:solidFill>
-                      <a:schemeClr val="bg1">
-                        <a:lumMod val="75000"/>
-                        <a:alpha val="0"/>
-                      </a:schemeClr>
-                    </a:solidFill>
-                  </a:ln>
-                  <a:latin typeface="Pretendard Light" panose="02000403000000020004" pitchFamily="2" charset="-127"/>
-                  <a:ea typeface="Pretendard Light" panose="02000403000000020004" pitchFamily="2" charset="-127"/>
-                  <a:cs typeface="Pretendard Light" panose="02000403000000020004" pitchFamily="2" charset="-127"/>
-                </a:rPr>
-                <a:t>엘든링</a:t>
-              </a:r>
-              <a:r>
-                <a:rPr lang="en-US" altLang="ko-KR" sz="1000" dirty="0">
-                  <a:ln>
-                    <a:solidFill>
-                      <a:schemeClr val="bg1">
-                        <a:lumMod val="75000"/>
-                        <a:alpha val="0"/>
-                      </a:schemeClr>
-                    </a:solidFill>
-                  </a:ln>
-                  <a:latin typeface="Pretendard Light" panose="02000403000000020004" pitchFamily="2" charset="-127"/>
-                  <a:ea typeface="Pretendard Light" panose="02000403000000020004" pitchFamily="2" charset="-127"/>
-                  <a:cs typeface="Pretendard Light" panose="02000403000000020004" pitchFamily="2" charset="-127"/>
-                </a:rPr>
-                <a:t>, </a:t>
-              </a:r>
-              <a:r>
-                <a:rPr lang="ko-KR" altLang="en-US" sz="1000" dirty="0">
-                  <a:ln>
-                    <a:solidFill>
-                      <a:schemeClr val="bg1">
-                        <a:lumMod val="75000"/>
-                        <a:alpha val="0"/>
-                      </a:schemeClr>
-                    </a:solidFill>
-                  </a:ln>
-                  <a:latin typeface="Pretendard Light" panose="02000403000000020004" pitchFamily="2" charset="-127"/>
-                  <a:ea typeface="Pretendard Light" panose="02000403000000020004" pitchFamily="2" charset="-127"/>
-                  <a:cs typeface="Pretendard Light" panose="02000403000000020004" pitchFamily="2" charset="-127"/>
-                </a:rPr>
-                <a:t>하데스 등 다양한 전투를 경험할 수 있는 게임 위주로 플레이해 왔습니다</a:t>
-              </a:r>
-              <a:r>
-                <a:rPr lang="en-US" altLang="ko-KR" sz="1000" dirty="0">
-                  <a:ln>
-                    <a:solidFill>
-                      <a:schemeClr val="bg1">
-                        <a:lumMod val="75000"/>
-                        <a:alpha val="0"/>
-                      </a:schemeClr>
-                    </a:solidFill>
-                  </a:ln>
-                  <a:latin typeface="Pretendard Light" panose="02000403000000020004" pitchFamily="2" charset="-127"/>
-                  <a:ea typeface="Pretendard Light" panose="02000403000000020004" pitchFamily="2" charset="-127"/>
-                  <a:cs typeface="Pretendard Light" panose="02000403000000020004" pitchFamily="2" charset="-127"/>
-                </a:rPr>
-                <a:t>. </a:t>
-              </a:r>
-              <a:r>
-                <a:rPr lang="ko-KR" altLang="en-US" sz="1000" dirty="0">
-                  <a:ln>
-                    <a:solidFill>
-                      <a:schemeClr val="bg1">
-                        <a:lumMod val="75000"/>
-                        <a:alpha val="0"/>
-                      </a:schemeClr>
-                    </a:solidFill>
-                  </a:ln>
-                  <a:latin typeface="Pretendard Light" panose="02000403000000020004" pitchFamily="2" charset="-127"/>
-                  <a:ea typeface="Pretendard Light" panose="02000403000000020004" pitchFamily="2" charset="-127"/>
-                  <a:cs typeface="Pretendard Light" panose="02000403000000020004" pitchFamily="2" charset="-127"/>
-                </a:rPr>
-                <a:t>그러다 보니 전투 기획의 핵심은 </a:t>
-              </a:r>
-              <a:r>
-                <a:rPr lang="en-US" altLang="ko-KR" sz="1000" dirty="0">
-                  <a:ln>
-                    <a:solidFill>
-                      <a:schemeClr val="bg1">
-                        <a:lumMod val="75000"/>
-                        <a:alpha val="0"/>
-                      </a:schemeClr>
-                    </a:solidFill>
-                  </a:ln>
-                  <a:latin typeface="Pretendard Light" panose="02000403000000020004" pitchFamily="2" charset="-127"/>
-                  <a:ea typeface="Pretendard Light" panose="02000403000000020004" pitchFamily="2" charset="-127"/>
-                  <a:cs typeface="Pretendard Light" panose="02000403000000020004" pitchFamily="2" charset="-127"/>
-                </a:rPr>
-                <a:t>'</a:t>
-              </a:r>
-              <a:r>
-                <a:rPr lang="ko-KR" altLang="en-US" sz="1000" dirty="0">
-                  <a:ln>
-                    <a:solidFill>
-                      <a:schemeClr val="bg1">
-                        <a:lumMod val="75000"/>
-                        <a:alpha val="0"/>
-                      </a:schemeClr>
-                    </a:solidFill>
-                  </a:ln>
-                  <a:latin typeface="Pretendard Light" panose="02000403000000020004" pitchFamily="2" charset="-127"/>
-                  <a:ea typeface="Pretendard Light" panose="02000403000000020004" pitchFamily="2" charset="-127"/>
-                  <a:cs typeface="Pretendard Light" panose="02000403000000020004" pitchFamily="2" charset="-127"/>
-                </a:rPr>
-                <a:t>컨셉에 어울리는 전투를 설계하는 것</a:t>
-              </a:r>
-              <a:r>
-                <a:rPr lang="en-US" altLang="ko-KR" sz="1000" dirty="0">
-                  <a:ln>
-                    <a:solidFill>
-                      <a:schemeClr val="bg1">
-                        <a:lumMod val="75000"/>
-                        <a:alpha val="0"/>
-                      </a:schemeClr>
-                    </a:solidFill>
-                  </a:ln>
-                  <a:latin typeface="Pretendard Light" panose="02000403000000020004" pitchFamily="2" charset="-127"/>
-                  <a:ea typeface="Pretendard Light" panose="02000403000000020004" pitchFamily="2" charset="-127"/>
-                  <a:cs typeface="Pretendard Light" panose="02000403000000020004" pitchFamily="2" charset="-127"/>
-                </a:rPr>
-                <a:t>'</a:t>
-              </a:r>
-              <a:r>
-                <a:rPr lang="ko-KR" altLang="en-US" sz="1000" dirty="0">
-                  <a:ln>
-                    <a:solidFill>
-                      <a:schemeClr val="bg1">
-                        <a:lumMod val="75000"/>
-                        <a:alpha val="0"/>
-                      </a:schemeClr>
-                    </a:solidFill>
-                  </a:ln>
-                  <a:latin typeface="Pretendard Light" panose="02000403000000020004" pitchFamily="2" charset="-127"/>
-                  <a:ea typeface="Pretendard Light" panose="02000403000000020004" pitchFamily="2" charset="-127"/>
-                  <a:cs typeface="Pretendard Light" panose="02000403000000020004" pitchFamily="2" charset="-127"/>
-                </a:rPr>
-                <a:t>임을 </a:t>
-              </a:r>
-              <a:r>
-                <a:rPr lang="ko-KR" altLang="en-US" sz="1000" dirty="0" err="1">
-                  <a:ln>
-                    <a:solidFill>
-                      <a:schemeClr val="bg1">
-                        <a:lumMod val="75000"/>
-                        <a:alpha val="0"/>
-                      </a:schemeClr>
-                    </a:solidFill>
-                  </a:ln>
-                  <a:latin typeface="Pretendard Light" panose="02000403000000020004" pitchFamily="2" charset="-127"/>
-                  <a:ea typeface="Pretendard Light" panose="02000403000000020004" pitchFamily="2" charset="-127"/>
-                  <a:cs typeface="Pretendard Light" panose="02000403000000020004" pitchFamily="2" charset="-127"/>
-                </a:rPr>
-                <a:t>깨달았습니다</a:t>
-              </a:r>
-              <a:r>
-                <a:rPr lang="en-US" altLang="ko-KR" sz="1000" dirty="0">
-                  <a:ln>
-                    <a:solidFill>
-                      <a:schemeClr val="bg1">
-                        <a:lumMod val="75000"/>
-                        <a:alpha val="0"/>
-                      </a:schemeClr>
-                    </a:solidFill>
-                  </a:ln>
-                  <a:latin typeface="Pretendard Light" panose="02000403000000020004" pitchFamily="2" charset="-127"/>
-                  <a:ea typeface="Pretendard Light" panose="02000403000000020004" pitchFamily="2" charset="-127"/>
-                  <a:cs typeface="Pretendard Light" panose="02000403000000020004" pitchFamily="2" charset="-127"/>
-                </a:rPr>
-                <a:t>. </a:t>
-              </a:r>
-              <a:r>
-                <a:rPr lang="ko-KR" altLang="en-US" sz="1000" dirty="0">
-                  <a:ln>
-                    <a:solidFill>
-                      <a:schemeClr val="bg1">
-                        <a:lumMod val="75000"/>
-                        <a:alpha val="0"/>
-                      </a:schemeClr>
-                    </a:solidFill>
-                  </a:ln>
-                  <a:latin typeface="Pretendard Light" panose="02000403000000020004" pitchFamily="2" charset="-127"/>
-                  <a:ea typeface="Pretendard Light" panose="02000403000000020004" pitchFamily="2" charset="-127"/>
-                  <a:cs typeface="Pretendard Light" panose="02000403000000020004" pitchFamily="2" charset="-127"/>
-                </a:rPr>
-                <a:t>컨셉에 어울리는 전투에 더욱 몰입하고 즐거움을 느꼈기 때문입니다</a:t>
-              </a:r>
-              <a:r>
-                <a:rPr lang="en-US" altLang="ko-KR" sz="1000" dirty="0">
-                  <a:ln>
-                    <a:solidFill>
-                      <a:schemeClr val="bg1">
-                        <a:lumMod val="75000"/>
-                        <a:alpha val="0"/>
-                      </a:schemeClr>
-                    </a:solidFill>
-                  </a:ln>
-                  <a:latin typeface="Pretendard Light" panose="02000403000000020004" pitchFamily="2" charset="-127"/>
-                  <a:ea typeface="Pretendard Light" panose="02000403000000020004" pitchFamily="2" charset="-127"/>
-                  <a:cs typeface="Pretendard Light" panose="02000403000000020004" pitchFamily="2" charset="-127"/>
-                </a:rPr>
-                <a:t>.</a:t>
-              </a:r>
-            </a:p>
-            <a:p>
-              <a:pPr>
-                <a:lnSpc>
-                  <a:spcPct val="140000"/>
-                </a:lnSpc>
-                <a:spcAft>
-                  <a:spcPts val="1000"/>
-                </a:spcAft>
-              </a:pPr>
-              <a:r>
-                <a:rPr lang="ko-KR" altLang="en-US" sz="1000" dirty="0">
-                  <a:ln>
-                    <a:solidFill>
-                      <a:schemeClr val="bg1">
-                        <a:lumMod val="75000"/>
-                        <a:alpha val="0"/>
-                      </a:schemeClr>
-                    </a:solidFill>
-                  </a:ln>
-                  <a:latin typeface="Pretendard Light" panose="02000403000000020004" pitchFamily="2" charset="-127"/>
-                  <a:ea typeface="Pretendard Light" panose="02000403000000020004" pitchFamily="2" charset="-127"/>
-                  <a:cs typeface="Pretendard Light" panose="02000403000000020004" pitchFamily="2" charset="-127"/>
-                </a:rPr>
-                <a:t>대학교 때는 게임 공학을 전공하며 프로그래머로 게임 개발 경험을 쌓았지만</a:t>
-              </a:r>
-              <a:r>
-                <a:rPr lang="en-US" altLang="ko-KR" sz="1000" dirty="0">
-                  <a:ln>
-                    <a:solidFill>
-                      <a:schemeClr val="bg1">
-                        <a:lumMod val="75000"/>
-                        <a:alpha val="0"/>
-                      </a:schemeClr>
-                    </a:solidFill>
-                  </a:ln>
-                  <a:latin typeface="Pretendard Light" panose="02000403000000020004" pitchFamily="2" charset="-127"/>
-                  <a:ea typeface="Pretendard Light" panose="02000403000000020004" pitchFamily="2" charset="-127"/>
-                  <a:cs typeface="Pretendard Light" panose="02000403000000020004" pitchFamily="2" charset="-127"/>
-                </a:rPr>
-                <a:t>, </a:t>
-              </a:r>
-              <a:r>
-                <a:rPr lang="ko-KR" altLang="en-US" sz="1000" dirty="0">
-                  <a:ln>
-                    <a:solidFill>
-                      <a:schemeClr val="bg1">
-                        <a:lumMod val="75000"/>
-                        <a:alpha val="0"/>
-                      </a:schemeClr>
-                    </a:solidFill>
-                  </a:ln>
-                  <a:latin typeface="Pretendard Light" panose="02000403000000020004" pitchFamily="2" charset="-127"/>
-                  <a:ea typeface="Pretendard Light" panose="02000403000000020004" pitchFamily="2" charset="-127"/>
-                  <a:cs typeface="Pretendard Light" panose="02000403000000020004" pitchFamily="2" charset="-127"/>
-                </a:rPr>
-                <a:t>누군가의 상상을 대신 구현해 주는 일 보다는 저의 상상을 통해 재미있는 경험을 주는 일에 더 큰 흥미를 느끼게 되었습니다</a:t>
-              </a:r>
-              <a:r>
-                <a:rPr lang="en-US" altLang="ko-KR" sz="1000" dirty="0">
-                  <a:ln>
-                    <a:solidFill>
-                      <a:schemeClr val="bg1">
-                        <a:lumMod val="75000"/>
-                        <a:alpha val="0"/>
-                      </a:schemeClr>
-                    </a:solidFill>
-                  </a:ln>
-                  <a:latin typeface="Pretendard Light" panose="02000403000000020004" pitchFamily="2" charset="-127"/>
-                  <a:ea typeface="Pretendard Light" panose="02000403000000020004" pitchFamily="2" charset="-127"/>
-                  <a:cs typeface="Pretendard Light" panose="02000403000000020004" pitchFamily="2" charset="-127"/>
-                </a:rPr>
-                <a:t>. </a:t>
-              </a:r>
-              <a:r>
-                <a:rPr lang="ko-KR" altLang="en-US" sz="1000" dirty="0">
-                  <a:ln>
-                    <a:solidFill>
-                      <a:schemeClr val="bg1">
-                        <a:lumMod val="75000"/>
-                        <a:alpha val="0"/>
-                      </a:schemeClr>
-                    </a:solidFill>
-                  </a:ln>
-                  <a:latin typeface="Pretendard Light" panose="02000403000000020004" pitchFamily="2" charset="-127"/>
-                  <a:ea typeface="Pretendard Light" panose="02000403000000020004" pitchFamily="2" charset="-127"/>
-                  <a:cs typeface="Pretendard Light" panose="02000403000000020004" pitchFamily="2" charset="-127"/>
-                </a:rPr>
-                <a:t>누군가에게 즐거움을 주는 게임을 만들고 싶다는 목표로 게임 개발에 대한 꿈을 키웠고 기획 업무가 저의 목표에 더 적합하다는 생각이 들어 기획자에 도전하였습니다</a:t>
-              </a:r>
-              <a:r>
-                <a:rPr lang="en-US" altLang="ko-KR" sz="1000" dirty="0">
-                  <a:ln>
-                    <a:solidFill>
-                      <a:schemeClr val="bg1">
-                        <a:lumMod val="75000"/>
-                        <a:alpha val="0"/>
-                      </a:schemeClr>
-                    </a:solidFill>
-                  </a:ln>
-                  <a:latin typeface="Pretendard Light" panose="02000403000000020004" pitchFamily="2" charset="-127"/>
-                  <a:ea typeface="Pretendard Light" panose="02000403000000020004" pitchFamily="2" charset="-127"/>
-                  <a:cs typeface="Pretendard Light" panose="02000403000000020004" pitchFamily="2" charset="-127"/>
-                </a:rPr>
-                <a:t>. </a:t>
-              </a:r>
-              <a:r>
-                <a:rPr lang="ko-KR" altLang="en-US" sz="1000" dirty="0" err="1">
-                  <a:ln>
-                    <a:solidFill>
-                      <a:schemeClr val="bg1">
-                        <a:lumMod val="75000"/>
-                        <a:alpha val="0"/>
-                      </a:schemeClr>
-                    </a:solidFill>
-                  </a:ln>
-                  <a:latin typeface="Pretendard Light" panose="02000403000000020004" pitchFamily="2" charset="-127"/>
-                  <a:ea typeface="Pretendard Light" panose="02000403000000020004" pitchFamily="2" charset="-127"/>
-                  <a:cs typeface="Pretendard Light" panose="02000403000000020004" pitchFamily="2" charset="-127"/>
-                </a:rPr>
-                <a:t>그중에서도</a:t>
-              </a:r>
-              <a:r>
-                <a:rPr lang="ko-KR" altLang="en-US" sz="1000" dirty="0">
-                  <a:ln>
-                    <a:solidFill>
-                      <a:schemeClr val="bg1">
-                        <a:lumMod val="75000"/>
-                        <a:alpha val="0"/>
-                      </a:schemeClr>
-                    </a:solidFill>
-                  </a:ln>
-                  <a:latin typeface="Pretendard Light" panose="02000403000000020004" pitchFamily="2" charset="-127"/>
-                  <a:ea typeface="Pretendard Light" panose="02000403000000020004" pitchFamily="2" charset="-127"/>
-                  <a:cs typeface="Pretendard Light" panose="02000403000000020004" pitchFamily="2" charset="-127"/>
-                </a:rPr>
-                <a:t> 전투 기획자에 대한 열망이 생겼습니다</a:t>
-              </a:r>
-              <a:r>
-                <a:rPr lang="en-US" altLang="ko-KR" sz="1000" dirty="0">
-                  <a:ln>
-                    <a:solidFill>
-                      <a:schemeClr val="bg1">
-                        <a:lumMod val="75000"/>
-                        <a:alpha val="0"/>
-                      </a:schemeClr>
-                    </a:solidFill>
-                  </a:ln>
-                  <a:latin typeface="Pretendard Light" panose="02000403000000020004" pitchFamily="2" charset="-127"/>
-                  <a:ea typeface="Pretendard Light" panose="02000403000000020004" pitchFamily="2" charset="-127"/>
-                  <a:cs typeface="Pretendard Light" panose="02000403000000020004" pitchFamily="2" charset="-127"/>
-                </a:rPr>
-                <a:t>. </a:t>
-              </a:r>
-              <a:r>
-                <a:rPr lang="ko-KR" altLang="en-US" sz="1000" dirty="0">
-                  <a:ln>
-                    <a:solidFill>
-                      <a:schemeClr val="bg1">
-                        <a:lumMod val="75000"/>
-                        <a:alpha val="0"/>
-                      </a:schemeClr>
-                    </a:solidFill>
-                  </a:ln>
-                  <a:latin typeface="Pretendard Light" panose="02000403000000020004" pitchFamily="2" charset="-127"/>
-                  <a:ea typeface="Pretendard Light" panose="02000403000000020004" pitchFamily="2" charset="-127"/>
-                  <a:cs typeface="Pretendard Light" panose="02000403000000020004" pitchFamily="2" charset="-127"/>
-                </a:rPr>
-                <a:t>스스로가 재미를 느낄 수 있어야 누군가에게 재미있는 경험을 줄 수 있다고 생각했기 때문입니다</a:t>
-              </a:r>
-              <a:r>
-                <a:rPr lang="en-US" altLang="ko-KR" sz="1000" dirty="0">
-                  <a:ln>
-                    <a:solidFill>
-                      <a:schemeClr val="bg1">
-                        <a:lumMod val="75000"/>
-                        <a:alpha val="0"/>
-                      </a:schemeClr>
-                    </a:solidFill>
-                  </a:ln>
-                  <a:latin typeface="Pretendard Light" panose="02000403000000020004" pitchFamily="2" charset="-127"/>
-                  <a:ea typeface="Pretendard Light" panose="02000403000000020004" pitchFamily="2" charset="-127"/>
-                  <a:cs typeface="Pretendard Light" panose="02000403000000020004" pitchFamily="2" charset="-127"/>
-                </a:rPr>
-                <a:t>. </a:t>
-              </a:r>
-              <a:r>
-                <a:rPr lang="ko-KR" altLang="en-US" sz="1000" dirty="0">
-                  <a:ln>
-                    <a:solidFill>
-                      <a:schemeClr val="bg1">
-                        <a:lumMod val="75000"/>
-                        <a:alpha val="0"/>
-                      </a:schemeClr>
-                    </a:solidFill>
-                  </a:ln>
-                  <a:latin typeface="Pretendard Light" panose="02000403000000020004" pitchFamily="2" charset="-127"/>
-                  <a:ea typeface="Pretendard Light" panose="02000403000000020004" pitchFamily="2" charset="-127"/>
-                  <a:cs typeface="Pretendard Light" panose="02000403000000020004" pitchFamily="2" charset="-127"/>
-                </a:rPr>
-                <a:t>이후 신규 캐릭터의 전투 스타일</a:t>
-              </a:r>
-              <a:r>
-                <a:rPr lang="en-US" altLang="ko-KR" sz="1000" dirty="0">
-                  <a:ln>
-                    <a:solidFill>
-                      <a:schemeClr val="bg1">
-                        <a:lumMod val="75000"/>
-                        <a:alpha val="0"/>
-                      </a:schemeClr>
-                    </a:solidFill>
-                  </a:ln>
-                  <a:latin typeface="Pretendard Light" panose="02000403000000020004" pitchFamily="2" charset="-127"/>
-                  <a:ea typeface="Pretendard Light" panose="02000403000000020004" pitchFamily="2" charset="-127"/>
-                  <a:cs typeface="Pretendard Light" panose="02000403000000020004" pitchFamily="2" charset="-127"/>
-                </a:rPr>
-                <a:t>, </a:t>
-              </a:r>
-              <a:r>
-                <a:rPr lang="ko-KR" altLang="en-US" sz="1000" dirty="0">
-                  <a:ln>
-                    <a:solidFill>
-                      <a:schemeClr val="bg1">
-                        <a:lumMod val="75000"/>
-                        <a:alpha val="0"/>
-                      </a:schemeClr>
-                    </a:solidFill>
-                  </a:ln>
-                  <a:latin typeface="Pretendard Light" panose="02000403000000020004" pitchFamily="2" charset="-127"/>
-                  <a:ea typeface="Pretendard Light" panose="02000403000000020004" pitchFamily="2" charset="-127"/>
-                  <a:cs typeface="Pretendard Light" panose="02000403000000020004" pitchFamily="2" charset="-127"/>
-                </a:rPr>
-                <a:t>스킬들을 기획하거나 기존 캐릭터를 </a:t>
-              </a:r>
-              <a:r>
-                <a:rPr lang="ko-KR" altLang="en-US" sz="1000" dirty="0" err="1">
-                  <a:ln>
-                    <a:solidFill>
-                      <a:schemeClr val="bg1">
-                        <a:lumMod val="75000"/>
-                        <a:alpha val="0"/>
-                      </a:schemeClr>
-                    </a:solidFill>
-                  </a:ln>
-                  <a:latin typeface="Pretendard Light" panose="02000403000000020004" pitchFamily="2" charset="-127"/>
-                  <a:ea typeface="Pretendard Light" panose="02000403000000020004" pitchFamily="2" charset="-127"/>
-                  <a:cs typeface="Pretendard Light" panose="02000403000000020004" pitchFamily="2" charset="-127"/>
-                </a:rPr>
-                <a:t>역기획하는</a:t>
-              </a:r>
-              <a:r>
-                <a:rPr lang="ko-KR" altLang="en-US" sz="1000" dirty="0">
-                  <a:ln>
-                    <a:solidFill>
-                      <a:schemeClr val="bg1">
-                        <a:lumMod val="75000"/>
-                        <a:alpha val="0"/>
-                      </a:schemeClr>
-                    </a:solidFill>
-                  </a:ln>
-                  <a:latin typeface="Pretendard Light" panose="02000403000000020004" pitchFamily="2" charset="-127"/>
-                  <a:ea typeface="Pretendard Light" panose="02000403000000020004" pitchFamily="2" charset="-127"/>
-                  <a:cs typeface="Pretendard Light" panose="02000403000000020004" pitchFamily="2" charset="-127"/>
-                </a:rPr>
-                <a:t> 등 전투 기획자로서 경쟁력을 쌓고 있습니다</a:t>
-              </a:r>
-              <a:r>
-                <a:rPr lang="en-US" altLang="ko-KR" sz="1000" dirty="0">
-                  <a:ln>
-                    <a:solidFill>
-                      <a:schemeClr val="bg1">
-                        <a:lumMod val="75000"/>
-                        <a:alpha val="0"/>
-                      </a:schemeClr>
-                    </a:solidFill>
-                  </a:ln>
-                  <a:latin typeface="Pretendard Light" panose="02000403000000020004" pitchFamily="2" charset="-127"/>
-                  <a:ea typeface="Pretendard Light" panose="02000403000000020004" pitchFamily="2" charset="-127"/>
-                  <a:cs typeface="Pretendard Light" panose="02000403000000020004" pitchFamily="2" charset="-127"/>
-                </a:rPr>
-                <a:t>.</a:t>
-              </a:r>
-            </a:p>
-            <a:p>
-              <a:pPr>
-                <a:lnSpc>
-                  <a:spcPct val="140000"/>
-                </a:lnSpc>
-                <a:spcAft>
-                  <a:spcPts val="1000"/>
-                </a:spcAft>
-              </a:pPr>
-              <a:endParaRPr lang="en-US" altLang="ko-KR" sz="1000" dirty="0">
-                <a:ln>
-                  <a:solidFill>
-                    <a:schemeClr val="bg1">
-                      <a:lumMod val="75000"/>
-                      <a:alpha val="0"/>
-                    </a:schemeClr>
-                  </a:solidFill>
-                </a:ln>
-                <a:latin typeface="Pretendard Light" panose="02000403000000020004" pitchFamily="2" charset="-127"/>
-                <a:ea typeface="Pretendard Light" panose="02000403000000020004" pitchFamily="2" charset="-127"/>
-                <a:cs typeface="Pretendard Light" panose="02000403000000020004" pitchFamily="2" charset="-127"/>
-              </a:endParaRPr>
-            </a:p>
-            <a:p>
-              <a:pPr>
-                <a:lnSpc>
-                  <a:spcPct val="140000"/>
-                </a:lnSpc>
-                <a:spcAft>
-                  <a:spcPts val="1000"/>
-                </a:spcAft>
-              </a:pPr>
-              <a:r>
-                <a:rPr lang="en-US" altLang="ko-KR" sz="1000" dirty="0">
-                  <a:ln>
-                    <a:solidFill>
-                      <a:schemeClr val="bg1">
-                        <a:lumMod val="75000"/>
-                        <a:alpha val="0"/>
-                      </a:schemeClr>
-                    </a:solidFill>
-                  </a:ln>
-                  <a:latin typeface="Pretendard Medium" panose="02000603000000020004" pitchFamily="2" charset="-127"/>
-                  <a:ea typeface="Pretendard Medium" panose="02000603000000020004" pitchFamily="2" charset="-127"/>
-                  <a:cs typeface="Pretendard Medium" panose="02000603000000020004" pitchFamily="2" charset="-127"/>
-                </a:rPr>
-                <a:t>#  </a:t>
-              </a:r>
-              <a:r>
-                <a:rPr lang="ko-KR" altLang="en-US" sz="1000" dirty="0">
-                  <a:ln>
-                    <a:solidFill>
-                      <a:schemeClr val="bg1">
-                        <a:lumMod val="75000"/>
-                        <a:alpha val="0"/>
-                      </a:schemeClr>
-                    </a:solidFill>
-                  </a:ln>
-                  <a:latin typeface="Pretendard Medium" panose="02000603000000020004" pitchFamily="2" charset="-127"/>
-                  <a:ea typeface="Pretendard Medium" panose="02000603000000020004" pitchFamily="2" charset="-127"/>
-                  <a:cs typeface="Pretendard Medium" panose="02000603000000020004" pitchFamily="2" charset="-127"/>
-                </a:rPr>
-                <a:t>신뢰를 주는 기획자</a:t>
-              </a:r>
-              <a:br>
-                <a:rPr lang="en-US" altLang="ko-KR" sz="1000" dirty="0">
-                  <a:ln>
-                    <a:solidFill>
-                      <a:schemeClr val="bg1">
-                        <a:lumMod val="75000"/>
-                        <a:alpha val="0"/>
-                      </a:schemeClr>
-                    </a:solidFill>
-                  </a:ln>
-                  <a:latin typeface="Pretendard Medium" panose="02000603000000020004" pitchFamily="2" charset="-127"/>
-                  <a:ea typeface="Pretendard Medium" panose="02000603000000020004" pitchFamily="2" charset="-127"/>
-                  <a:cs typeface="Pretendard Medium" panose="02000603000000020004" pitchFamily="2" charset="-127"/>
-                </a:rPr>
-              </a:br>
-              <a:r>
-                <a:rPr lang="ko-KR" altLang="en-US" sz="1000" dirty="0">
-                  <a:ln>
-                    <a:solidFill>
-                      <a:schemeClr val="bg1">
-                        <a:lumMod val="75000"/>
-                        <a:alpha val="0"/>
-                      </a:schemeClr>
-                    </a:solidFill>
-                  </a:ln>
-                  <a:latin typeface="Pretendard Light" panose="02000403000000020004" pitchFamily="2" charset="-127"/>
-                  <a:ea typeface="Pretendard Light" panose="02000403000000020004" pitchFamily="2" charset="-127"/>
-                  <a:cs typeface="Pretendard Light" panose="02000403000000020004" pitchFamily="2" charset="-127"/>
-                </a:rPr>
-                <a:t>저의 </a:t>
-              </a:r>
-              <a:r>
-                <a:rPr lang="en-US" altLang="ko-KR" sz="1000" dirty="0">
-                  <a:ln>
-                    <a:solidFill>
-                      <a:schemeClr val="bg1">
-                        <a:lumMod val="75000"/>
-                        <a:alpha val="0"/>
-                      </a:schemeClr>
-                    </a:solidFill>
-                  </a:ln>
-                  <a:latin typeface="Pretendard Light" panose="02000403000000020004" pitchFamily="2" charset="-127"/>
-                  <a:ea typeface="Pretendard Light" panose="02000403000000020004" pitchFamily="2" charset="-127"/>
-                  <a:cs typeface="Pretendard Light" panose="02000403000000020004" pitchFamily="2" charset="-127"/>
-                </a:rPr>
-                <a:t>1</a:t>
-              </a:r>
-              <a:r>
-                <a:rPr lang="ko-KR" altLang="en-US" sz="1000" dirty="0">
-                  <a:ln>
-                    <a:solidFill>
-                      <a:schemeClr val="bg1">
-                        <a:lumMod val="75000"/>
-                        <a:alpha val="0"/>
-                      </a:schemeClr>
-                    </a:solidFill>
-                  </a:ln>
-                  <a:latin typeface="Pretendard Light" panose="02000403000000020004" pitchFamily="2" charset="-127"/>
-                  <a:ea typeface="Pretendard Light" panose="02000403000000020004" pitchFamily="2" charset="-127"/>
-                  <a:cs typeface="Pretendard Light" panose="02000403000000020004" pitchFamily="2" charset="-127"/>
-                </a:rPr>
-                <a:t>차 목표는 동료 개발자분들을 설득할 수 있는 기획자가 되는 것입니다</a:t>
-              </a:r>
-              <a:r>
-                <a:rPr lang="en-US" altLang="ko-KR" sz="1000" dirty="0">
-                  <a:ln>
-                    <a:solidFill>
-                      <a:schemeClr val="bg1">
-                        <a:lumMod val="75000"/>
-                        <a:alpha val="0"/>
-                      </a:schemeClr>
-                    </a:solidFill>
-                  </a:ln>
-                  <a:latin typeface="Pretendard Light" panose="02000403000000020004" pitchFamily="2" charset="-127"/>
-                  <a:ea typeface="Pretendard Light" panose="02000403000000020004" pitchFamily="2" charset="-127"/>
-                  <a:cs typeface="Pretendard Light" panose="02000403000000020004" pitchFamily="2" charset="-127"/>
-                </a:rPr>
-                <a:t>. </a:t>
-              </a:r>
-              <a:r>
-                <a:rPr lang="ko-KR" altLang="en-US" sz="1000" dirty="0">
-                  <a:ln>
-                    <a:solidFill>
-                      <a:schemeClr val="bg1">
-                        <a:lumMod val="75000"/>
-                        <a:alpha val="0"/>
-                      </a:schemeClr>
-                    </a:solidFill>
-                  </a:ln>
-                  <a:latin typeface="Pretendard Light" panose="02000403000000020004" pitchFamily="2" charset="-127"/>
-                  <a:ea typeface="Pretendard Light" panose="02000403000000020004" pitchFamily="2" charset="-127"/>
-                  <a:cs typeface="Pretendard Light" panose="02000403000000020004" pitchFamily="2" charset="-127"/>
-                </a:rPr>
-                <a:t>저는 의견을 제시하며 적극적으로 프로젝트에 참여할 때 책임감</a:t>
-              </a:r>
-              <a:r>
-                <a:rPr lang="en-US" altLang="ko-KR" sz="1000" dirty="0">
-                  <a:ln>
-                    <a:solidFill>
-                      <a:schemeClr val="bg1">
-                        <a:lumMod val="75000"/>
-                        <a:alpha val="0"/>
-                      </a:schemeClr>
-                    </a:solidFill>
-                  </a:ln>
-                  <a:latin typeface="Pretendard Light" panose="02000403000000020004" pitchFamily="2" charset="-127"/>
-                  <a:ea typeface="Pretendard Light" panose="02000403000000020004" pitchFamily="2" charset="-127"/>
-                  <a:cs typeface="Pretendard Light" panose="02000403000000020004" pitchFamily="2" charset="-127"/>
-                </a:rPr>
-                <a:t>, </a:t>
-              </a:r>
-              <a:r>
-                <a:rPr lang="ko-KR" altLang="en-US" sz="1000" dirty="0">
-                  <a:ln>
-                    <a:solidFill>
-                      <a:schemeClr val="bg1">
-                        <a:lumMod val="75000"/>
-                        <a:alpha val="0"/>
-                      </a:schemeClr>
-                    </a:solidFill>
-                  </a:ln>
-                  <a:latin typeface="Pretendard Light" panose="02000403000000020004" pitchFamily="2" charset="-127"/>
-                  <a:ea typeface="Pretendard Light" panose="02000403000000020004" pitchFamily="2" charset="-127"/>
-                  <a:cs typeface="Pretendard Light" panose="02000403000000020004" pitchFamily="2" charset="-127"/>
-                </a:rPr>
-                <a:t>소속감을 느꼈습니다</a:t>
-              </a:r>
-              <a:r>
-                <a:rPr lang="en-US" altLang="ko-KR" sz="1000" dirty="0">
-                  <a:ln>
-                    <a:solidFill>
-                      <a:schemeClr val="bg1">
-                        <a:lumMod val="75000"/>
-                        <a:alpha val="0"/>
-                      </a:schemeClr>
-                    </a:solidFill>
-                  </a:ln>
-                  <a:latin typeface="Pretendard Light" panose="02000403000000020004" pitchFamily="2" charset="-127"/>
-                  <a:ea typeface="Pretendard Light" panose="02000403000000020004" pitchFamily="2" charset="-127"/>
-                  <a:cs typeface="Pretendard Light" panose="02000403000000020004" pitchFamily="2" charset="-127"/>
-                </a:rPr>
-                <a:t>. </a:t>
-              </a:r>
-              <a:r>
-                <a:rPr lang="ko-KR" altLang="en-US" sz="1000" dirty="0">
-                  <a:ln>
-                    <a:solidFill>
-                      <a:schemeClr val="bg1">
-                        <a:lumMod val="75000"/>
-                        <a:alpha val="0"/>
-                      </a:schemeClr>
-                    </a:solidFill>
-                  </a:ln>
-                  <a:latin typeface="Pretendard Light" panose="02000403000000020004" pitchFamily="2" charset="-127"/>
-                  <a:ea typeface="Pretendard Light" panose="02000403000000020004" pitchFamily="2" charset="-127"/>
-                  <a:cs typeface="Pretendard Light" panose="02000403000000020004" pitchFamily="2" charset="-127"/>
-                </a:rPr>
-                <a:t>의견을 낼 때는 언제나 논리적인 생각을 바탕으로 스스로 이해할 수 있는 근거를 마련하려 노력하게 됩니다</a:t>
-              </a:r>
-              <a:r>
-                <a:rPr lang="en-US" altLang="ko-KR" sz="1000" dirty="0">
-                  <a:ln>
-                    <a:solidFill>
-                      <a:schemeClr val="bg1">
-                        <a:lumMod val="75000"/>
-                        <a:alpha val="0"/>
-                      </a:schemeClr>
-                    </a:solidFill>
-                  </a:ln>
-                  <a:latin typeface="Pretendard Light" panose="02000403000000020004" pitchFamily="2" charset="-127"/>
-                  <a:ea typeface="Pretendard Light" panose="02000403000000020004" pitchFamily="2" charset="-127"/>
-                  <a:cs typeface="Pretendard Light" panose="02000403000000020004" pitchFamily="2" charset="-127"/>
-                </a:rPr>
-                <a:t>. </a:t>
-              </a:r>
-              <a:r>
-                <a:rPr lang="ko-KR" altLang="en-US" sz="1000" dirty="0">
-                  <a:ln>
-                    <a:solidFill>
-                      <a:schemeClr val="bg1">
-                        <a:lumMod val="75000"/>
-                        <a:alpha val="0"/>
-                      </a:schemeClr>
-                    </a:solidFill>
-                  </a:ln>
-                  <a:latin typeface="Pretendard Light" panose="02000403000000020004" pitchFamily="2" charset="-127"/>
-                  <a:ea typeface="Pretendard Light" panose="02000403000000020004" pitchFamily="2" charset="-127"/>
-                  <a:cs typeface="Pretendard Light" panose="02000403000000020004" pitchFamily="2" charset="-127"/>
-                </a:rPr>
-                <a:t>누군가를 설득하려면 스스로가 확신을 가져야 한다고 생각하기 때문입니다</a:t>
-              </a:r>
-              <a:r>
-                <a:rPr lang="en-US" altLang="ko-KR" sz="1000" dirty="0">
-                  <a:ln>
-                    <a:solidFill>
-                      <a:schemeClr val="bg1">
-                        <a:lumMod val="75000"/>
-                        <a:alpha val="0"/>
-                      </a:schemeClr>
-                    </a:solidFill>
-                  </a:ln>
-                  <a:latin typeface="Pretendard Light" panose="02000403000000020004" pitchFamily="2" charset="-127"/>
-                  <a:ea typeface="Pretendard Light" panose="02000403000000020004" pitchFamily="2" charset="-127"/>
-                  <a:cs typeface="Pretendard Light" panose="02000403000000020004" pitchFamily="2" charset="-127"/>
-                </a:rPr>
-                <a:t>. </a:t>
-              </a:r>
-              <a:r>
-                <a:rPr lang="ko-KR" altLang="en-US" sz="1000" dirty="0">
-                  <a:ln>
-                    <a:solidFill>
-                      <a:schemeClr val="bg1">
-                        <a:lumMod val="75000"/>
-                        <a:alpha val="0"/>
-                      </a:schemeClr>
-                    </a:solidFill>
-                  </a:ln>
-                  <a:latin typeface="Pretendard Light" panose="02000403000000020004" pitchFamily="2" charset="-127"/>
-                  <a:ea typeface="Pretendard Light" panose="02000403000000020004" pitchFamily="2" charset="-127"/>
-                  <a:cs typeface="Pretendard Light" panose="02000403000000020004" pitchFamily="2" charset="-127"/>
-                </a:rPr>
-                <a:t>이러한 태도를 바탕으로 동료분들과 많은 의견을 주고받으며 더 재미있는 전투를 만들어 가고 싶습니다</a:t>
-              </a:r>
-              <a:r>
-                <a:rPr lang="en-US" altLang="ko-KR" sz="1000" dirty="0">
-                  <a:ln>
-                    <a:solidFill>
-                      <a:schemeClr val="bg1">
-                        <a:lumMod val="75000"/>
-                        <a:alpha val="0"/>
-                      </a:schemeClr>
-                    </a:solidFill>
-                  </a:ln>
-                  <a:latin typeface="Pretendard Light" panose="02000403000000020004" pitchFamily="2" charset="-127"/>
-                  <a:ea typeface="Pretendard Light" panose="02000403000000020004" pitchFamily="2" charset="-127"/>
-                  <a:cs typeface="Pretendard Light" panose="02000403000000020004" pitchFamily="2" charset="-127"/>
-                </a:rPr>
-                <a:t>.</a:t>
-              </a:r>
-            </a:p>
-            <a:p>
-              <a:pPr>
-                <a:lnSpc>
-                  <a:spcPct val="140000"/>
-                </a:lnSpc>
-                <a:spcAft>
-                  <a:spcPts val="1000"/>
-                </a:spcAft>
-              </a:pPr>
-              <a:r>
-                <a:rPr lang="ko-KR" altLang="en-US" sz="1000" dirty="0">
-                  <a:ln>
-                    <a:solidFill>
-                      <a:schemeClr val="bg1">
-                        <a:lumMod val="75000"/>
-                        <a:alpha val="0"/>
-                      </a:schemeClr>
-                    </a:solidFill>
-                  </a:ln>
-                  <a:latin typeface="Pretendard Light" panose="02000403000000020004" pitchFamily="2" charset="-127"/>
-                  <a:ea typeface="Pretendard Light" panose="02000403000000020004" pitchFamily="2" charset="-127"/>
-                  <a:cs typeface="Pretendard Light" panose="02000403000000020004" pitchFamily="2" charset="-127"/>
-                </a:rPr>
-                <a:t>이후 신뢰를 주는 전투 기획자로 성장하는 것이 궁극적인 목표입니다</a:t>
-              </a:r>
-              <a:r>
-                <a:rPr lang="en-US" altLang="ko-KR" sz="1000" dirty="0">
-                  <a:ln>
-                    <a:solidFill>
-                      <a:schemeClr val="bg1">
-                        <a:lumMod val="75000"/>
-                        <a:alpha val="0"/>
-                      </a:schemeClr>
-                    </a:solidFill>
-                  </a:ln>
-                  <a:latin typeface="Pretendard Light" panose="02000403000000020004" pitchFamily="2" charset="-127"/>
-                  <a:ea typeface="Pretendard Light" panose="02000403000000020004" pitchFamily="2" charset="-127"/>
-                  <a:cs typeface="Pretendard Light" panose="02000403000000020004" pitchFamily="2" charset="-127"/>
-                </a:rPr>
-                <a:t>. </a:t>
-              </a:r>
-              <a:r>
-                <a:rPr lang="ko-KR" altLang="en-US" sz="1000" dirty="0">
-                  <a:ln>
-                    <a:solidFill>
-                      <a:schemeClr val="bg1">
-                        <a:lumMod val="75000"/>
-                        <a:alpha val="0"/>
-                      </a:schemeClr>
-                    </a:solidFill>
-                  </a:ln>
-                  <a:latin typeface="Pretendard Light" panose="02000403000000020004" pitchFamily="2" charset="-127"/>
-                  <a:ea typeface="Pretendard Light" panose="02000403000000020004" pitchFamily="2" charset="-127"/>
-                  <a:cs typeface="Pretendard Light" panose="02000403000000020004" pitchFamily="2" charset="-127"/>
-                </a:rPr>
-                <a:t>제가 </a:t>
-              </a:r>
-              <a:r>
-                <a:rPr lang="en-US" altLang="ko-KR" sz="1000" dirty="0">
-                  <a:ln>
-                    <a:solidFill>
-                      <a:schemeClr val="bg1">
-                        <a:lumMod val="75000"/>
-                        <a:alpha val="0"/>
-                      </a:schemeClr>
-                    </a:solidFill>
-                  </a:ln>
-                  <a:latin typeface="Pretendard Light" panose="02000403000000020004" pitchFamily="2" charset="-127"/>
-                  <a:ea typeface="Pretendard Light" panose="02000403000000020004" pitchFamily="2" charset="-127"/>
-                  <a:cs typeface="Pretendard Light" panose="02000403000000020004" pitchFamily="2" charset="-127"/>
-                </a:rPr>
-                <a:t>'P</a:t>
-              </a:r>
-              <a:r>
-                <a:rPr lang="ko-KR" altLang="en-US" sz="1000" dirty="0">
-                  <a:ln>
-                    <a:solidFill>
-                      <a:schemeClr val="bg1">
-                        <a:lumMod val="75000"/>
-                        <a:alpha val="0"/>
-                      </a:schemeClr>
-                    </a:solidFill>
-                  </a:ln>
-                  <a:latin typeface="Pretendard Light" panose="02000403000000020004" pitchFamily="2" charset="-127"/>
-                  <a:ea typeface="Pretendard Light" panose="02000403000000020004" pitchFamily="2" charset="-127"/>
-                  <a:cs typeface="Pretendard Light" panose="02000403000000020004" pitchFamily="2" charset="-127"/>
-                </a:rPr>
-                <a:t>의 거짓</a:t>
-              </a:r>
-              <a:r>
-                <a:rPr lang="en-US" altLang="ko-KR" sz="1000" dirty="0">
-                  <a:ln>
-                    <a:solidFill>
-                      <a:schemeClr val="bg1">
-                        <a:lumMod val="75000"/>
-                        <a:alpha val="0"/>
-                      </a:schemeClr>
-                    </a:solidFill>
-                  </a:ln>
-                  <a:latin typeface="Pretendard Light" panose="02000403000000020004" pitchFamily="2" charset="-127"/>
-                  <a:ea typeface="Pretendard Light" panose="02000403000000020004" pitchFamily="2" charset="-127"/>
-                  <a:cs typeface="Pretendard Light" panose="02000403000000020004" pitchFamily="2" charset="-127"/>
-                </a:rPr>
-                <a:t>'</a:t>
-              </a:r>
-              <a:r>
-                <a:rPr lang="ko-KR" altLang="en-US" sz="1000" dirty="0">
-                  <a:ln>
-                    <a:solidFill>
-                      <a:schemeClr val="bg1">
-                        <a:lumMod val="75000"/>
-                        <a:alpha val="0"/>
-                      </a:schemeClr>
-                    </a:solidFill>
-                  </a:ln>
-                  <a:latin typeface="Pretendard Light" panose="02000403000000020004" pitchFamily="2" charset="-127"/>
-                  <a:ea typeface="Pretendard Light" panose="02000403000000020004" pitchFamily="2" charset="-127"/>
-                  <a:cs typeface="Pretendard Light" panose="02000403000000020004" pitchFamily="2" charset="-127"/>
-                </a:rPr>
-                <a:t>을 플레이하며 </a:t>
-              </a:r>
-              <a:r>
-                <a:rPr lang="en-US" altLang="ko-KR" sz="1000" dirty="0">
-                  <a:ln>
-                    <a:solidFill>
-                      <a:schemeClr val="bg1">
-                        <a:lumMod val="75000"/>
-                        <a:alpha val="0"/>
-                      </a:schemeClr>
-                    </a:solidFill>
-                  </a:ln>
-                  <a:latin typeface="Pretendard Light" panose="02000403000000020004" pitchFamily="2" charset="-127"/>
-                  <a:ea typeface="Pretendard Light" panose="02000403000000020004" pitchFamily="2" charset="-127"/>
-                  <a:cs typeface="Pretendard Light" panose="02000403000000020004" pitchFamily="2" charset="-127"/>
-                </a:rPr>
-                <a:t>ROUND 8 </a:t>
-              </a:r>
-              <a:r>
-                <a:rPr lang="ko-KR" altLang="en-US" sz="1000" dirty="0">
-                  <a:ln>
-                    <a:solidFill>
-                      <a:schemeClr val="bg1">
-                        <a:lumMod val="75000"/>
-                        <a:alpha val="0"/>
-                      </a:schemeClr>
-                    </a:solidFill>
-                  </a:ln>
-                  <a:latin typeface="Pretendard Light" panose="02000403000000020004" pitchFamily="2" charset="-127"/>
-                  <a:ea typeface="Pretendard Light" panose="02000403000000020004" pitchFamily="2" charset="-127"/>
-                  <a:cs typeface="Pretendard Light" panose="02000403000000020004" pitchFamily="2" charset="-127"/>
-                </a:rPr>
-                <a:t>스튜디오에 대해 떠오르는 생각은 </a:t>
-              </a:r>
-              <a:r>
-                <a:rPr lang="en-US" altLang="ko-KR" sz="1000" dirty="0">
-                  <a:ln>
-                    <a:solidFill>
-                      <a:schemeClr val="bg1">
-                        <a:lumMod val="75000"/>
-                        <a:alpha val="0"/>
-                      </a:schemeClr>
-                    </a:solidFill>
-                  </a:ln>
-                  <a:latin typeface="Pretendard Light" panose="02000403000000020004" pitchFamily="2" charset="-127"/>
-                  <a:ea typeface="Pretendard Light" panose="02000403000000020004" pitchFamily="2" charset="-127"/>
-                  <a:cs typeface="Pretendard Light" panose="02000403000000020004" pitchFamily="2" charset="-127"/>
-                </a:rPr>
-                <a:t>'ROUND 8</a:t>
-              </a:r>
-              <a:r>
-                <a:rPr lang="ko-KR" altLang="en-US" sz="1000" dirty="0">
-                  <a:ln>
-                    <a:solidFill>
-                      <a:schemeClr val="bg1">
-                        <a:lumMod val="75000"/>
-                        <a:alpha val="0"/>
-                      </a:schemeClr>
-                    </a:solidFill>
-                  </a:ln>
-                  <a:latin typeface="Pretendard Light" panose="02000403000000020004" pitchFamily="2" charset="-127"/>
-                  <a:ea typeface="Pretendard Light" panose="02000403000000020004" pitchFamily="2" charset="-127"/>
-                  <a:cs typeface="Pretendard Light" panose="02000403000000020004" pitchFamily="2" charset="-127"/>
-                </a:rPr>
-                <a:t>에서 개발한 게임은 당연히 재미있겠다</a:t>
-              </a:r>
-              <a:r>
-                <a:rPr lang="en-US" altLang="ko-KR" sz="1000" dirty="0">
-                  <a:ln>
-                    <a:solidFill>
-                      <a:schemeClr val="bg1">
-                        <a:lumMod val="75000"/>
-                        <a:alpha val="0"/>
-                      </a:schemeClr>
-                    </a:solidFill>
-                  </a:ln>
-                  <a:latin typeface="Pretendard Light" panose="02000403000000020004" pitchFamily="2" charset="-127"/>
-                  <a:ea typeface="Pretendard Light" panose="02000403000000020004" pitchFamily="2" charset="-127"/>
-                  <a:cs typeface="Pretendard Light" panose="02000403000000020004" pitchFamily="2" charset="-127"/>
-                </a:rPr>
-                <a:t>'</a:t>
-              </a:r>
-              <a:r>
-                <a:rPr lang="ko-KR" altLang="en-US" sz="1000" dirty="0">
-                  <a:ln>
-                    <a:solidFill>
-                      <a:schemeClr val="bg1">
-                        <a:lumMod val="75000"/>
-                        <a:alpha val="0"/>
-                      </a:schemeClr>
-                    </a:solidFill>
-                  </a:ln>
-                  <a:latin typeface="Pretendard Light" panose="02000403000000020004" pitchFamily="2" charset="-127"/>
-                  <a:ea typeface="Pretendard Light" panose="02000403000000020004" pitchFamily="2" charset="-127"/>
-                  <a:cs typeface="Pretendard Light" panose="02000403000000020004" pitchFamily="2" charset="-127"/>
-                </a:rPr>
-                <a:t>였습니다</a:t>
-              </a:r>
-              <a:r>
-                <a:rPr lang="en-US" altLang="ko-KR" sz="1000" dirty="0">
-                  <a:ln>
-                    <a:solidFill>
-                      <a:schemeClr val="bg1">
-                        <a:lumMod val="75000"/>
-                        <a:alpha val="0"/>
-                      </a:schemeClr>
-                    </a:solidFill>
-                  </a:ln>
-                  <a:latin typeface="Pretendard Light" panose="02000403000000020004" pitchFamily="2" charset="-127"/>
-                  <a:ea typeface="Pretendard Light" panose="02000403000000020004" pitchFamily="2" charset="-127"/>
-                  <a:cs typeface="Pretendard Light" panose="02000403000000020004" pitchFamily="2" charset="-127"/>
-                </a:rPr>
-                <a:t>. </a:t>
-              </a:r>
-              <a:r>
-                <a:rPr lang="ko-KR" altLang="en-US" sz="1000" dirty="0">
-                  <a:ln>
-                    <a:solidFill>
-                      <a:schemeClr val="bg1">
-                        <a:lumMod val="75000"/>
-                        <a:alpha val="0"/>
-                      </a:schemeClr>
-                    </a:solidFill>
-                  </a:ln>
-                  <a:latin typeface="Pretendard Light" panose="02000403000000020004" pitchFamily="2" charset="-127"/>
-                  <a:ea typeface="Pretendard Light" panose="02000403000000020004" pitchFamily="2" charset="-127"/>
-                  <a:cs typeface="Pretendard Light" panose="02000403000000020004" pitchFamily="2" charset="-127"/>
-                </a:rPr>
-                <a:t>저 역시 그렇게 신뢰를 주는 기획자가 되고 싶습니다</a:t>
-              </a:r>
-              <a:r>
-                <a:rPr lang="en-US" altLang="ko-KR" sz="1000" dirty="0">
-                  <a:ln>
-                    <a:solidFill>
-                      <a:schemeClr val="bg1">
-                        <a:lumMod val="75000"/>
-                        <a:alpha val="0"/>
-                      </a:schemeClr>
-                    </a:solidFill>
-                  </a:ln>
-                  <a:latin typeface="Pretendard Light" panose="02000403000000020004" pitchFamily="2" charset="-127"/>
-                  <a:ea typeface="Pretendard Light" panose="02000403000000020004" pitchFamily="2" charset="-127"/>
-                  <a:cs typeface="Pretendard Light" panose="02000403000000020004" pitchFamily="2" charset="-127"/>
-                </a:rPr>
-                <a:t>. </a:t>
-              </a:r>
-              <a:r>
-                <a:rPr lang="ko-KR" altLang="en-US" sz="1000" dirty="0">
-                  <a:ln>
-                    <a:solidFill>
-                      <a:schemeClr val="bg1">
-                        <a:lumMod val="75000"/>
-                        <a:alpha val="0"/>
-                      </a:schemeClr>
-                    </a:solidFill>
-                  </a:ln>
-                  <a:latin typeface="Pretendard Light" panose="02000403000000020004" pitchFamily="2" charset="-127"/>
-                  <a:ea typeface="Pretendard Light" panose="02000403000000020004" pitchFamily="2" charset="-127"/>
-                  <a:cs typeface="Pretendard Light" panose="02000403000000020004" pitchFamily="2" charset="-127"/>
-                </a:rPr>
-                <a:t>유저들에게는 </a:t>
-              </a:r>
-              <a:r>
-                <a:rPr lang="en-US" altLang="ko-KR" sz="1000" dirty="0">
-                  <a:ln>
-                    <a:solidFill>
-                      <a:schemeClr val="bg1">
-                        <a:lumMod val="75000"/>
-                        <a:alpha val="0"/>
-                      </a:schemeClr>
-                    </a:solidFill>
-                  </a:ln>
-                  <a:latin typeface="Pretendard Light" panose="02000403000000020004" pitchFamily="2" charset="-127"/>
-                  <a:ea typeface="Pretendard Light" panose="02000403000000020004" pitchFamily="2" charset="-127"/>
-                  <a:cs typeface="Pretendard Light" panose="02000403000000020004" pitchFamily="2" charset="-127"/>
-                </a:rPr>
-                <a:t>'</a:t>
-              </a:r>
-              <a:r>
-                <a:rPr lang="ko-KR" altLang="en-US" sz="1000" dirty="0">
-                  <a:ln>
-                    <a:solidFill>
-                      <a:schemeClr val="bg1">
-                        <a:lumMod val="75000"/>
-                        <a:alpha val="0"/>
-                      </a:schemeClr>
-                    </a:solidFill>
-                  </a:ln>
-                  <a:latin typeface="Pretendard Light" panose="02000403000000020004" pitchFamily="2" charset="-127"/>
-                  <a:ea typeface="Pretendard Light" panose="02000403000000020004" pitchFamily="2" charset="-127"/>
-                  <a:cs typeface="Pretendard Light" panose="02000403000000020004" pitchFamily="2" charset="-127"/>
-                </a:rPr>
-                <a:t>이 사람이 개발한 게임이라면 전투는 당연히 재미있겠네</a:t>
-              </a:r>
-              <a:r>
-                <a:rPr lang="en-US" altLang="ko-KR" sz="1000" dirty="0">
-                  <a:ln>
-                    <a:solidFill>
-                      <a:schemeClr val="bg1">
-                        <a:lumMod val="75000"/>
-                        <a:alpha val="0"/>
-                      </a:schemeClr>
-                    </a:solidFill>
-                  </a:ln>
-                  <a:latin typeface="Pretendard Light" panose="02000403000000020004" pitchFamily="2" charset="-127"/>
-                  <a:ea typeface="Pretendard Light" panose="02000403000000020004" pitchFamily="2" charset="-127"/>
-                  <a:cs typeface="Pretendard Light" panose="02000403000000020004" pitchFamily="2" charset="-127"/>
-                </a:rPr>
-                <a:t>'</a:t>
-              </a:r>
-              <a:r>
-                <a:rPr lang="ko-KR" altLang="en-US" sz="1000" dirty="0">
-                  <a:ln>
-                    <a:solidFill>
-                      <a:schemeClr val="bg1">
-                        <a:lumMod val="75000"/>
-                        <a:alpha val="0"/>
-                      </a:schemeClr>
-                    </a:solidFill>
-                  </a:ln>
-                  <a:latin typeface="Pretendard Light" panose="02000403000000020004" pitchFamily="2" charset="-127"/>
-                  <a:ea typeface="Pretendard Light" panose="02000403000000020004" pitchFamily="2" charset="-127"/>
-                  <a:cs typeface="Pretendard Light" panose="02000403000000020004" pitchFamily="2" charset="-127"/>
-                </a:rPr>
-                <a:t>라는 믿음을 주고</a:t>
-              </a:r>
-              <a:r>
-                <a:rPr lang="en-US" altLang="ko-KR" sz="1000" dirty="0">
-                  <a:ln>
-                    <a:solidFill>
-                      <a:schemeClr val="bg1">
-                        <a:lumMod val="75000"/>
-                        <a:alpha val="0"/>
-                      </a:schemeClr>
-                    </a:solidFill>
-                  </a:ln>
-                  <a:latin typeface="Pretendard Light" panose="02000403000000020004" pitchFamily="2" charset="-127"/>
-                  <a:ea typeface="Pretendard Light" panose="02000403000000020004" pitchFamily="2" charset="-127"/>
-                  <a:cs typeface="Pretendard Light" panose="02000403000000020004" pitchFamily="2" charset="-127"/>
-                </a:rPr>
-                <a:t>, </a:t>
-              </a:r>
-              <a:r>
-                <a:rPr lang="ko-KR" altLang="en-US" sz="1000" dirty="0">
-                  <a:ln>
-                    <a:solidFill>
-                      <a:schemeClr val="bg1">
-                        <a:lumMod val="75000"/>
-                        <a:alpha val="0"/>
-                      </a:schemeClr>
-                    </a:solidFill>
-                  </a:ln>
-                  <a:latin typeface="Pretendard Light" panose="02000403000000020004" pitchFamily="2" charset="-127"/>
-                  <a:ea typeface="Pretendard Light" panose="02000403000000020004" pitchFamily="2" charset="-127"/>
-                  <a:cs typeface="Pretendard Light" panose="02000403000000020004" pitchFamily="2" charset="-127"/>
-                </a:rPr>
-                <a:t>동료분들에게는 </a:t>
-              </a:r>
-              <a:r>
-                <a:rPr lang="en-US" altLang="ko-KR" sz="1000" dirty="0">
-                  <a:ln>
-                    <a:solidFill>
-                      <a:schemeClr val="bg1">
-                        <a:lumMod val="75000"/>
-                        <a:alpha val="0"/>
-                      </a:schemeClr>
-                    </a:solidFill>
-                  </a:ln>
-                  <a:latin typeface="Pretendard Light" panose="02000403000000020004" pitchFamily="2" charset="-127"/>
-                  <a:ea typeface="Pretendard Light" panose="02000403000000020004" pitchFamily="2" charset="-127"/>
-                  <a:cs typeface="Pretendard Light" panose="02000403000000020004" pitchFamily="2" charset="-127"/>
-                </a:rPr>
-                <a:t>'</a:t>
-              </a:r>
-              <a:r>
-                <a:rPr lang="ko-KR" altLang="en-US" sz="1000" dirty="0">
-                  <a:ln>
-                    <a:solidFill>
-                      <a:schemeClr val="bg1">
-                        <a:lumMod val="75000"/>
-                        <a:alpha val="0"/>
-                      </a:schemeClr>
-                    </a:solidFill>
-                  </a:ln>
-                  <a:latin typeface="Pretendard Light" panose="02000403000000020004" pitchFamily="2" charset="-127"/>
-                  <a:ea typeface="Pretendard Light" panose="02000403000000020004" pitchFamily="2" charset="-127"/>
-                  <a:cs typeface="Pretendard Light" panose="02000403000000020004" pitchFamily="2" charset="-127"/>
-                </a:rPr>
-                <a:t>맡은 일을 제대로 해 내며 같이 일하고 싶은 사람이다</a:t>
-              </a:r>
-              <a:r>
-                <a:rPr lang="en-US" altLang="ko-KR" sz="1000" dirty="0">
-                  <a:ln>
-                    <a:solidFill>
-                      <a:schemeClr val="bg1">
-                        <a:lumMod val="75000"/>
-                        <a:alpha val="0"/>
-                      </a:schemeClr>
-                    </a:solidFill>
-                  </a:ln>
-                  <a:latin typeface="Pretendard Light" panose="02000403000000020004" pitchFamily="2" charset="-127"/>
-                  <a:ea typeface="Pretendard Light" panose="02000403000000020004" pitchFamily="2" charset="-127"/>
-                  <a:cs typeface="Pretendard Light" panose="02000403000000020004" pitchFamily="2" charset="-127"/>
-                </a:rPr>
-                <a:t>' </a:t>
-              </a:r>
-              <a:r>
-                <a:rPr lang="ko-KR" altLang="en-US" sz="1000" dirty="0">
-                  <a:ln>
-                    <a:solidFill>
-                      <a:schemeClr val="bg1">
-                        <a:lumMod val="75000"/>
-                        <a:alpha val="0"/>
-                      </a:schemeClr>
-                    </a:solidFill>
-                  </a:ln>
-                  <a:latin typeface="Pretendard Light" panose="02000403000000020004" pitchFamily="2" charset="-127"/>
-                  <a:ea typeface="Pretendard Light" panose="02000403000000020004" pitchFamily="2" charset="-127"/>
-                  <a:cs typeface="Pretendard Light" panose="02000403000000020004" pitchFamily="2" charset="-127"/>
-                </a:rPr>
-                <a:t>라는 평가를 받을 수 있는 기획자가 되겠습니다</a:t>
-              </a:r>
-              <a:r>
-                <a:rPr lang="en-US" altLang="ko-KR" sz="1000" dirty="0">
-                  <a:ln>
-                    <a:solidFill>
-                      <a:schemeClr val="bg1">
-                        <a:lumMod val="75000"/>
-                        <a:alpha val="0"/>
-                      </a:schemeClr>
-                    </a:solidFill>
-                  </a:ln>
-                  <a:latin typeface="Pretendard Light" panose="02000403000000020004" pitchFamily="2" charset="-127"/>
-                  <a:ea typeface="Pretendard Light" panose="02000403000000020004" pitchFamily="2" charset="-127"/>
-                  <a:cs typeface="Pretendard Light" panose="02000403000000020004" pitchFamily="2" charset="-127"/>
-                </a:rPr>
-                <a:t>.</a:t>
-              </a:r>
-            </a:p>
-          </p:txBody>
-        </p:sp>
-        <p:sp>
-          <p:nvSpPr>
-            <p:cNvPr id="5" name="직사각형 4">
-              <a:extLst>
-                <a:ext uri="{FF2B5EF4-FFF2-40B4-BE49-F238E27FC236}">
-                  <a16:creationId xmlns:a16="http://schemas.microsoft.com/office/drawing/2014/main" id="{EFF410A2-B449-A043-6C3D-8497C1931188}"/>
-                </a:ext>
-              </a:extLst>
-            </p:cNvPr>
-            <p:cNvSpPr/>
-            <p:nvPr/>
-          </p:nvSpPr>
-          <p:spPr>
-            <a:xfrm>
-              <a:off x="189000" y="2131168"/>
-              <a:ext cx="6480671" cy="398381"/>
-            </a:xfrm>
-            <a:prstGeom prst="rect">
-              <a:avLst/>
-            </a:prstGeom>
-            <a:solidFill>
-              <a:srgbClr val="E1F2FF"/>
-            </a:solidFill>
-            <a:ln>
-              <a:noFill/>
-            </a:ln>
-            <a:effectLst/>
-          </p:spPr>
-          <p:style>
-            <a:lnRef idx="2">
-              <a:schemeClr val="accent1">
-                <a:shade val="15000"/>
-              </a:schemeClr>
-            </a:lnRef>
-            <a:fillRef idx="1">
-              <a:schemeClr val="accent1"/>
-            </a:fillRef>
-            <a:effectRef idx="0">
-              <a:schemeClr val="accent1"/>
-            </a:effectRef>
-            <a:fontRef idx="minor">
-              <a:schemeClr val="lt1"/>
-            </a:fontRef>
-          </p:style>
-          <p:txBody>
-            <a:bodyPr rtlCol="0" anchor="ctr"/>
-            <a:lstStyle/>
-            <a:p>
-              <a:pPr algn="ctr"/>
-              <a:endParaRPr lang="ko-KR" altLang="en-US" sz="1013"/>
-            </a:p>
-          </p:txBody>
-        </p:sp>
-        <p:sp>
-          <p:nvSpPr>
-            <p:cNvPr id="6" name="TextBox 5">
-              <a:extLst>
-                <a:ext uri="{FF2B5EF4-FFF2-40B4-BE49-F238E27FC236}">
-                  <a16:creationId xmlns:a16="http://schemas.microsoft.com/office/drawing/2014/main" id="{E9A425BF-F26F-EB6D-0CE9-A3494409935E}"/>
-                </a:ext>
-              </a:extLst>
-            </p:cNvPr>
-            <p:cNvSpPr txBox="1"/>
-            <p:nvPr/>
-          </p:nvSpPr>
-          <p:spPr>
-            <a:xfrm>
-              <a:off x="294162" y="2245721"/>
-              <a:ext cx="2127185" cy="169277"/>
-            </a:xfrm>
-            <a:prstGeom prst="rect">
-              <a:avLst/>
-            </a:prstGeom>
-            <a:noFill/>
-          </p:spPr>
-          <p:txBody>
-            <a:bodyPr wrap="none" lIns="0" tIns="0" rIns="0" bIns="0" rtlCol="0" anchor="t">
-              <a:spAutoFit/>
-            </a:bodyPr>
-            <a:lstStyle/>
-            <a:p>
-              <a:r>
-                <a:rPr lang="ko-KR" altLang="en-US" sz="1100" dirty="0">
-                  <a:latin typeface="페이퍼로지 7 Bold" pitchFamily="2" charset="-127"/>
-                  <a:ea typeface="페이퍼로지 7 Bold" pitchFamily="2" charset="-127"/>
-                  <a:cs typeface="Pretendard Medium" panose="02000603000000020004" pitchFamily="2" charset="-127"/>
-                </a:rPr>
-                <a:t>지원동기와 입사 후 실현하고 싶은 목표</a:t>
-              </a:r>
-            </a:p>
-          </p:txBody>
-        </p:sp>
-        <p:cxnSp>
-          <p:nvCxnSpPr>
-            <p:cNvPr id="7" name="직선 연결선 6">
-              <a:extLst>
-                <a:ext uri="{FF2B5EF4-FFF2-40B4-BE49-F238E27FC236}">
-                  <a16:creationId xmlns:a16="http://schemas.microsoft.com/office/drawing/2014/main" id="{33A7EF68-3835-78C6-5E85-771ECBE98C16}"/>
-                </a:ext>
-              </a:extLst>
-            </p:cNvPr>
-            <p:cNvCxnSpPr>
-              <a:cxnSpLocks/>
-            </p:cNvCxnSpPr>
-            <p:nvPr/>
-          </p:nvCxnSpPr>
-          <p:spPr>
-            <a:xfrm>
-              <a:off x="189001" y="2529550"/>
-              <a:ext cx="6480000" cy="0"/>
-            </a:xfrm>
-            <a:prstGeom prst="line">
-              <a:avLst/>
-            </a:prstGeom>
-            <a:ln w="9525">
-              <a:solidFill>
-                <a:schemeClr val="bg1">
-                  <a:lumMod val="75000"/>
-                </a:schemeClr>
-              </a:solidFill>
-            </a:ln>
-          </p:spPr>
-          <p:style>
-            <a:lnRef idx="2">
-              <a:schemeClr val="accent1"/>
-            </a:lnRef>
-            <a:fillRef idx="0">
-              <a:schemeClr val="accent1"/>
-            </a:fillRef>
-            <a:effectRef idx="1">
-              <a:schemeClr val="accent1"/>
-            </a:effectRef>
-            <a:fontRef idx="minor">
-              <a:schemeClr val="tx1"/>
-            </a:fontRef>
-          </p:style>
-        </p:cxnSp>
-        <p:sp>
-          <p:nvSpPr>
-            <p:cNvPr id="8" name="직사각형 7">
-              <a:extLst>
-                <a:ext uri="{FF2B5EF4-FFF2-40B4-BE49-F238E27FC236}">
-                  <a16:creationId xmlns:a16="http://schemas.microsoft.com/office/drawing/2014/main" id="{244DBAE5-E22B-3361-34CF-D2BE384E6DC5}"/>
-                </a:ext>
-              </a:extLst>
-            </p:cNvPr>
-            <p:cNvSpPr/>
-            <p:nvPr/>
-          </p:nvSpPr>
-          <p:spPr>
-            <a:xfrm>
-              <a:off x="189000" y="2131167"/>
-              <a:ext cx="6480000" cy="5558304"/>
-            </a:xfrm>
-            <a:prstGeom prst="rect">
-              <a:avLst/>
-            </a:prstGeom>
-            <a:noFill/>
-            <a:ln w="12700">
-              <a:solidFill>
-                <a:schemeClr val="bg1">
-                  <a:lumMod val="75000"/>
-                </a:schemeClr>
-              </a:solidFill>
-            </a:ln>
-            <a:effectLst/>
-          </p:spPr>
-          <p:style>
-            <a:lnRef idx="2">
-              <a:schemeClr val="accent1">
-                <a:shade val="15000"/>
-              </a:schemeClr>
-            </a:lnRef>
-            <a:fillRef idx="1">
-              <a:schemeClr val="accent1"/>
-            </a:fillRef>
-            <a:effectRef idx="0">
-              <a:schemeClr val="accent1"/>
-            </a:effectRef>
-            <a:fontRef idx="minor">
-              <a:schemeClr val="lt1"/>
-            </a:fontRef>
-          </p:style>
-          <p:txBody>
-            <a:bodyPr rtlCol="0" anchor="ctr"/>
-            <a:lstStyle/>
-            <a:p>
-              <a:pPr algn="ctr"/>
-              <a:endParaRPr lang="ko-KR" altLang="en-US" sz="1000" dirty="0"/>
-            </a:p>
-          </p:txBody>
-        </p:sp>
-      </p:grpSp>
-      <p:grpSp>
-        <p:nvGrpSpPr>
-          <p:cNvPr id="2" name="그룹 1">
-            <a:extLst>
-              <a:ext uri="{FF2B5EF4-FFF2-40B4-BE49-F238E27FC236}">
-                <a16:creationId xmlns:a16="http://schemas.microsoft.com/office/drawing/2014/main" id="{CA9BC8AA-1582-F471-CC5F-2880E53ACD64}"/>
-              </a:ext>
-            </a:extLst>
-          </p:cNvPr>
-          <p:cNvGrpSpPr/>
-          <p:nvPr/>
-        </p:nvGrpSpPr>
-        <p:grpSpPr>
-          <a:xfrm>
-            <a:off x="191871" y="6782361"/>
-            <a:ext cx="6480671" cy="3491070"/>
-            <a:chOff x="189000" y="2131167"/>
-            <a:chExt cx="6480671" cy="3491070"/>
-          </a:xfrm>
-        </p:grpSpPr>
-        <p:sp>
-          <p:nvSpPr>
-            <p:cNvPr id="9" name="TextBox 8">
-              <a:extLst>
-                <a:ext uri="{FF2B5EF4-FFF2-40B4-BE49-F238E27FC236}">
-                  <a16:creationId xmlns:a16="http://schemas.microsoft.com/office/drawing/2014/main" id="{F8E95253-FFA0-54B6-C9ED-F5F3A2E3A3C0}"/>
-                </a:ext>
-              </a:extLst>
-            </p:cNvPr>
-            <p:cNvSpPr txBox="1"/>
-            <p:nvPr/>
-          </p:nvSpPr>
-          <p:spPr>
-            <a:xfrm>
-              <a:off x="294162" y="2529549"/>
-              <a:ext cx="6269676" cy="3092688"/>
-            </a:xfrm>
-            <a:prstGeom prst="rect">
-              <a:avLst/>
-            </a:prstGeom>
-            <a:noFill/>
-          </p:spPr>
-          <p:txBody>
-            <a:bodyPr wrap="square" lIns="0" tIns="72000" rIns="0" bIns="72000" rtlCol="0" anchor="t">
-              <a:spAutoFit/>
-            </a:bodyPr>
-            <a:lstStyle/>
-            <a:p>
-              <a:pPr>
-                <a:lnSpc>
-                  <a:spcPct val="140000"/>
-                </a:lnSpc>
-                <a:spcAft>
-                  <a:spcPts val="1000"/>
-                </a:spcAft>
-              </a:pPr>
-              <a:r>
-                <a:rPr lang="ko-KR" altLang="en-US" sz="1000" dirty="0">
-                  <a:ln>
-                    <a:solidFill>
-                      <a:schemeClr val="bg1">
-                        <a:lumMod val="75000"/>
-                        <a:alpha val="0"/>
-                      </a:schemeClr>
-                    </a:solidFill>
-                  </a:ln>
-                  <a:latin typeface="Pretendard Light" panose="02000403000000020004" pitchFamily="2" charset="-127"/>
-                  <a:ea typeface="Pretendard Light" panose="02000403000000020004" pitchFamily="2" charset="-127"/>
-                  <a:cs typeface="Pretendard Light" panose="02000403000000020004" pitchFamily="2" charset="-127"/>
-                </a:rPr>
-                <a:t>제가 가장 마음에 들었던 게임은 </a:t>
-              </a:r>
-              <a:r>
-                <a:rPr lang="ko-KR" altLang="en-US" sz="1000" dirty="0" err="1">
-                  <a:ln>
-                    <a:solidFill>
-                      <a:schemeClr val="bg1">
-                        <a:lumMod val="75000"/>
-                        <a:alpha val="0"/>
-                      </a:schemeClr>
-                    </a:solidFill>
-                  </a:ln>
-                  <a:latin typeface="Pretendard Light" panose="02000403000000020004" pitchFamily="2" charset="-127"/>
-                  <a:ea typeface="Pretendard Light" panose="02000403000000020004" pitchFamily="2" charset="-127"/>
-                  <a:cs typeface="Pretendard Light" panose="02000403000000020004" pitchFamily="2" charset="-127"/>
-                </a:rPr>
-                <a:t>로스트아크입니다</a:t>
-              </a:r>
-              <a:r>
-                <a:rPr lang="en-US" altLang="ko-KR" sz="1000" dirty="0">
-                  <a:ln>
-                    <a:solidFill>
-                      <a:schemeClr val="bg1">
-                        <a:lumMod val="75000"/>
-                        <a:alpha val="0"/>
-                      </a:schemeClr>
-                    </a:solidFill>
-                  </a:ln>
-                  <a:latin typeface="Pretendard Light" panose="02000403000000020004" pitchFamily="2" charset="-127"/>
-                  <a:ea typeface="Pretendard Light" panose="02000403000000020004" pitchFamily="2" charset="-127"/>
-                  <a:cs typeface="Pretendard Light" panose="02000403000000020004" pitchFamily="2" charset="-127"/>
-                </a:rPr>
-                <a:t>. </a:t>
-              </a:r>
-              <a:r>
-                <a:rPr lang="ko-KR" altLang="en-US" sz="1000" dirty="0">
-                  <a:ln>
-                    <a:solidFill>
-                      <a:schemeClr val="bg1">
-                        <a:lumMod val="75000"/>
-                        <a:alpha val="0"/>
-                      </a:schemeClr>
-                    </a:solidFill>
-                  </a:ln>
-                  <a:latin typeface="Pretendard Light" panose="02000403000000020004" pitchFamily="2" charset="-127"/>
-                  <a:ea typeface="Pretendard Light" panose="02000403000000020004" pitchFamily="2" charset="-127"/>
-                  <a:cs typeface="Pretendard Light" panose="02000403000000020004" pitchFamily="2" charset="-127"/>
-                </a:rPr>
-                <a:t>로스트아크의 전투가 가장 재미있게 느껴졌습니다</a:t>
-              </a:r>
-              <a:r>
-                <a:rPr lang="en-US" altLang="ko-KR" sz="1000" dirty="0">
-                  <a:ln>
-                    <a:solidFill>
-                      <a:schemeClr val="bg1">
-                        <a:lumMod val="75000"/>
-                        <a:alpha val="0"/>
-                      </a:schemeClr>
-                    </a:solidFill>
-                  </a:ln>
-                  <a:latin typeface="Pretendard Light" panose="02000403000000020004" pitchFamily="2" charset="-127"/>
-                  <a:ea typeface="Pretendard Light" panose="02000403000000020004" pitchFamily="2" charset="-127"/>
-                  <a:cs typeface="Pretendard Light" panose="02000403000000020004" pitchFamily="2" charset="-127"/>
-                </a:rPr>
-                <a:t>.</a:t>
-              </a:r>
-            </a:p>
-            <a:p>
-              <a:pPr>
-                <a:lnSpc>
-                  <a:spcPct val="140000"/>
-                </a:lnSpc>
-                <a:spcAft>
-                  <a:spcPts val="1000"/>
-                </a:spcAft>
-              </a:pPr>
-              <a:r>
-                <a:rPr lang="en-US" altLang="ko-KR" sz="1000" dirty="0">
-                  <a:ln>
-                    <a:solidFill>
-                      <a:schemeClr val="bg1">
-                        <a:lumMod val="75000"/>
-                        <a:alpha val="0"/>
-                      </a:schemeClr>
-                    </a:solidFill>
-                  </a:ln>
-                  <a:latin typeface="Pretendard Medium" panose="02000603000000020004" pitchFamily="2" charset="-127"/>
-                  <a:ea typeface="Pretendard Medium" panose="02000603000000020004" pitchFamily="2" charset="-127"/>
-                  <a:cs typeface="Pretendard Medium" panose="02000603000000020004" pitchFamily="2" charset="-127"/>
-                </a:rPr>
-                <a:t># </a:t>
-              </a:r>
-              <a:r>
-                <a:rPr lang="ko-KR" altLang="en-US" sz="1000" dirty="0">
-                  <a:ln>
-                    <a:solidFill>
-                      <a:schemeClr val="bg1">
-                        <a:lumMod val="75000"/>
-                        <a:alpha val="0"/>
-                      </a:schemeClr>
-                    </a:solidFill>
-                  </a:ln>
-                  <a:latin typeface="Pretendard Medium" panose="02000603000000020004" pitchFamily="2" charset="-127"/>
-                  <a:ea typeface="Pretendard Medium" panose="02000603000000020004" pitchFamily="2" charset="-127"/>
-                  <a:cs typeface="Pretendard Medium" panose="02000603000000020004" pitchFamily="2" charset="-127"/>
-                </a:rPr>
-                <a:t>클래스의 특색이 돋보이는 다양한 전투 스타일</a:t>
-              </a:r>
-              <a:br>
-                <a:rPr lang="en-US" altLang="ko-KR" sz="1000" dirty="0">
-                  <a:ln>
-                    <a:solidFill>
-                      <a:schemeClr val="bg1">
-                        <a:lumMod val="75000"/>
-                        <a:alpha val="0"/>
-                      </a:schemeClr>
-                    </a:solidFill>
-                  </a:ln>
-                  <a:latin typeface="Pretendard Medium" panose="02000603000000020004" pitchFamily="2" charset="-127"/>
-                  <a:ea typeface="Pretendard Medium" panose="02000603000000020004" pitchFamily="2" charset="-127"/>
-                  <a:cs typeface="Pretendard Medium" panose="02000603000000020004" pitchFamily="2" charset="-127"/>
-                </a:rPr>
-              </a:br>
-              <a:r>
-                <a:rPr lang="ko-KR" altLang="en-US" sz="1000" dirty="0" err="1">
-                  <a:ln>
-                    <a:solidFill>
-                      <a:schemeClr val="bg1">
-                        <a:lumMod val="75000"/>
-                        <a:alpha val="0"/>
-                      </a:schemeClr>
-                    </a:solidFill>
-                  </a:ln>
-                  <a:latin typeface="Pretendard Light" panose="02000403000000020004" pitchFamily="2" charset="-127"/>
-                  <a:ea typeface="Pretendard Light" panose="02000403000000020004" pitchFamily="2" charset="-127"/>
-                  <a:cs typeface="Pretendard Light" panose="02000403000000020004" pitchFamily="2" charset="-127"/>
-                </a:rPr>
-                <a:t>로스트아크에는</a:t>
-              </a:r>
-              <a:r>
-                <a:rPr lang="ko-KR" altLang="en-US" sz="1000" dirty="0">
-                  <a:ln>
-                    <a:solidFill>
-                      <a:schemeClr val="bg1">
-                        <a:lumMod val="75000"/>
-                        <a:alpha val="0"/>
-                      </a:schemeClr>
-                    </a:solidFill>
-                  </a:ln>
-                  <a:latin typeface="Pretendard Light" panose="02000403000000020004" pitchFamily="2" charset="-127"/>
-                  <a:ea typeface="Pretendard Light" panose="02000403000000020004" pitchFamily="2" charset="-127"/>
-                  <a:cs typeface="Pretendard Light" panose="02000403000000020004" pitchFamily="2" charset="-127"/>
-                </a:rPr>
-                <a:t> 클래스의 고유한 전투 시스템인 아이덴티티가 있습니다</a:t>
-              </a:r>
-              <a:r>
-                <a:rPr lang="en-US" altLang="ko-KR" sz="1000" dirty="0">
-                  <a:ln>
-                    <a:solidFill>
-                      <a:schemeClr val="bg1">
-                        <a:lumMod val="75000"/>
-                        <a:alpha val="0"/>
-                      </a:schemeClr>
-                    </a:solidFill>
-                  </a:ln>
-                  <a:latin typeface="Pretendard Light" panose="02000403000000020004" pitchFamily="2" charset="-127"/>
-                  <a:ea typeface="Pretendard Light" panose="02000403000000020004" pitchFamily="2" charset="-127"/>
-                  <a:cs typeface="Pretendard Light" panose="02000403000000020004" pitchFamily="2" charset="-127"/>
-                </a:rPr>
-                <a:t>. </a:t>
-              </a:r>
-              <a:r>
-                <a:rPr lang="ko-KR" altLang="en-US" sz="1000" dirty="0">
-                  <a:ln>
-                    <a:solidFill>
-                      <a:schemeClr val="bg1">
-                        <a:lumMod val="75000"/>
-                        <a:alpha val="0"/>
-                      </a:schemeClr>
-                    </a:solidFill>
-                  </a:ln>
-                  <a:latin typeface="Pretendard Light" panose="02000403000000020004" pitchFamily="2" charset="-127"/>
-                  <a:ea typeface="Pretendard Light" panose="02000403000000020004" pitchFamily="2" charset="-127"/>
-                  <a:cs typeface="Pretendard Light" panose="02000403000000020004" pitchFamily="2" charset="-127"/>
-                </a:rPr>
-                <a:t>아이덴티티 게이지는 클래스의 컨셉을 강화해 주는 외형으로 몰입감을 높여주고</a:t>
-              </a:r>
-              <a:r>
-                <a:rPr lang="en-US" altLang="ko-KR" sz="1000" dirty="0">
-                  <a:ln>
-                    <a:solidFill>
-                      <a:schemeClr val="bg1">
-                        <a:lumMod val="75000"/>
-                        <a:alpha val="0"/>
-                      </a:schemeClr>
-                    </a:solidFill>
-                  </a:ln>
-                  <a:latin typeface="Pretendard Light" panose="02000403000000020004" pitchFamily="2" charset="-127"/>
-                  <a:ea typeface="Pretendard Light" panose="02000403000000020004" pitchFamily="2" charset="-127"/>
-                  <a:cs typeface="Pretendard Light" panose="02000403000000020004" pitchFamily="2" charset="-127"/>
-                </a:rPr>
-                <a:t>, </a:t>
-              </a:r>
-              <a:r>
-                <a:rPr lang="ko-KR" altLang="en-US" sz="1000" dirty="0">
-                  <a:ln>
-                    <a:solidFill>
-                      <a:schemeClr val="bg1">
-                        <a:lumMod val="75000"/>
-                        <a:alpha val="0"/>
-                      </a:schemeClr>
-                    </a:solidFill>
-                  </a:ln>
-                  <a:latin typeface="Pretendard Light" panose="02000403000000020004" pitchFamily="2" charset="-127"/>
-                  <a:ea typeface="Pretendard Light" panose="02000403000000020004" pitchFamily="2" charset="-127"/>
-                  <a:cs typeface="Pretendard Light" panose="02000403000000020004" pitchFamily="2" charset="-127"/>
-                </a:rPr>
-                <a:t>아이덴티티 스킬은 클래스의 전투 스타일을 결정합니다</a:t>
-              </a:r>
-              <a:r>
-                <a:rPr lang="en-US" altLang="ko-KR" sz="1000" dirty="0">
-                  <a:ln>
-                    <a:solidFill>
-                      <a:schemeClr val="bg1">
-                        <a:lumMod val="75000"/>
-                        <a:alpha val="0"/>
-                      </a:schemeClr>
-                    </a:solidFill>
-                  </a:ln>
-                  <a:latin typeface="Pretendard Light" panose="02000403000000020004" pitchFamily="2" charset="-127"/>
-                  <a:ea typeface="Pretendard Light" panose="02000403000000020004" pitchFamily="2" charset="-127"/>
-                  <a:cs typeface="Pretendard Light" panose="02000403000000020004" pitchFamily="2" charset="-127"/>
-                </a:rPr>
-                <a:t>. </a:t>
-              </a:r>
-              <a:r>
-                <a:rPr lang="ko-KR" altLang="en-US" sz="1000" dirty="0">
-                  <a:ln>
-                    <a:solidFill>
-                      <a:schemeClr val="bg1">
-                        <a:lumMod val="75000"/>
-                        <a:alpha val="0"/>
-                      </a:schemeClr>
-                    </a:solidFill>
-                  </a:ln>
-                  <a:latin typeface="Pretendard Light" panose="02000403000000020004" pitchFamily="2" charset="-127"/>
-                  <a:ea typeface="Pretendard Light" panose="02000403000000020004" pitchFamily="2" charset="-127"/>
-                  <a:cs typeface="Pretendard Light" panose="02000403000000020004" pitchFamily="2" charset="-127"/>
-                </a:rPr>
-                <a:t>또한</a:t>
-              </a:r>
-              <a:r>
-                <a:rPr lang="en-US" altLang="ko-KR" sz="1000" dirty="0">
-                  <a:ln>
-                    <a:solidFill>
-                      <a:schemeClr val="bg1">
-                        <a:lumMod val="75000"/>
-                        <a:alpha val="0"/>
-                      </a:schemeClr>
-                    </a:solidFill>
-                  </a:ln>
-                  <a:latin typeface="Pretendard Light" panose="02000403000000020004" pitchFamily="2" charset="-127"/>
-                  <a:ea typeface="Pretendard Light" panose="02000403000000020004" pitchFamily="2" charset="-127"/>
-                  <a:cs typeface="Pretendard Light" panose="02000403000000020004" pitchFamily="2" charset="-127"/>
-                </a:rPr>
-                <a:t>, </a:t>
-              </a:r>
-              <a:r>
-                <a:rPr lang="ko-KR" altLang="en-US" sz="1000" dirty="0">
-                  <a:ln>
-                    <a:solidFill>
-                      <a:schemeClr val="bg1">
-                        <a:lumMod val="75000"/>
-                        <a:alpha val="0"/>
-                      </a:schemeClr>
-                    </a:solidFill>
-                  </a:ln>
-                  <a:latin typeface="Pretendard Light" panose="02000403000000020004" pitchFamily="2" charset="-127"/>
-                  <a:ea typeface="Pretendard Light" panose="02000403000000020004" pitchFamily="2" charset="-127"/>
-                  <a:cs typeface="Pretendard Light" panose="02000403000000020004" pitchFamily="2" charset="-127"/>
-                </a:rPr>
-                <a:t>아크 패시브 깨달음을 통해 아이덴티티를 활용하는 방식에 차이가 생깁니다</a:t>
-              </a:r>
-              <a:r>
-                <a:rPr lang="en-US" altLang="ko-KR" sz="1000" dirty="0">
-                  <a:ln>
-                    <a:solidFill>
-                      <a:schemeClr val="bg1">
-                        <a:lumMod val="75000"/>
-                        <a:alpha val="0"/>
-                      </a:schemeClr>
-                    </a:solidFill>
-                  </a:ln>
-                  <a:latin typeface="Pretendard Light" panose="02000403000000020004" pitchFamily="2" charset="-127"/>
-                  <a:ea typeface="Pretendard Light" panose="02000403000000020004" pitchFamily="2" charset="-127"/>
-                  <a:cs typeface="Pretendard Light" panose="02000403000000020004" pitchFamily="2" charset="-127"/>
-                </a:rPr>
-                <a:t>. </a:t>
-              </a:r>
-              <a:r>
-                <a:rPr lang="ko-KR" altLang="en-US" sz="1000" dirty="0">
-                  <a:ln>
-                    <a:solidFill>
-                      <a:schemeClr val="bg1">
-                        <a:lumMod val="75000"/>
-                        <a:alpha val="0"/>
-                      </a:schemeClr>
-                    </a:solidFill>
-                  </a:ln>
-                  <a:latin typeface="Pretendard Light" panose="02000403000000020004" pitchFamily="2" charset="-127"/>
-                  <a:ea typeface="Pretendard Light" panose="02000403000000020004" pitchFamily="2" charset="-127"/>
-                  <a:cs typeface="Pretendard Light" panose="02000403000000020004" pitchFamily="2" charset="-127"/>
-                </a:rPr>
-                <a:t>이렇게 클래스의 특색이 잘 느껴지도록 컨셉을 직관적으로 보여주고 다양한 전투 경험을 제공하는 부분이 마음에 들었습니다</a:t>
-              </a:r>
-              <a:r>
-                <a:rPr lang="en-US" altLang="ko-KR" sz="1000" dirty="0">
-                  <a:ln>
-                    <a:solidFill>
-                      <a:schemeClr val="bg1">
-                        <a:lumMod val="75000"/>
-                        <a:alpha val="0"/>
-                      </a:schemeClr>
-                    </a:solidFill>
-                  </a:ln>
-                  <a:latin typeface="Pretendard Light" panose="02000403000000020004" pitchFamily="2" charset="-127"/>
-                  <a:ea typeface="Pretendard Light" panose="02000403000000020004" pitchFamily="2" charset="-127"/>
-                  <a:cs typeface="Pretendard Light" panose="02000403000000020004" pitchFamily="2" charset="-127"/>
-                </a:rPr>
-                <a:t>.</a:t>
-              </a:r>
-            </a:p>
-            <a:p>
-              <a:pPr>
-                <a:lnSpc>
-                  <a:spcPct val="140000"/>
-                </a:lnSpc>
-                <a:spcAft>
-                  <a:spcPts val="1000"/>
-                </a:spcAft>
-              </a:pPr>
-              <a:endParaRPr lang="en-US" altLang="ko-KR" sz="1000" dirty="0">
-                <a:ln>
-                  <a:solidFill>
-                    <a:schemeClr val="bg1">
-                      <a:lumMod val="75000"/>
-                      <a:alpha val="0"/>
-                    </a:schemeClr>
-                  </a:solidFill>
-                </a:ln>
-                <a:latin typeface="Pretendard Light" panose="02000403000000020004" pitchFamily="2" charset="-127"/>
-                <a:ea typeface="Pretendard Light" panose="02000403000000020004" pitchFamily="2" charset="-127"/>
-                <a:cs typeface="Pretendard Light" panose="02000403000000020004" pitchFamily="2" charset="-127"/>
-              </a:endParaRPr>
-            </a:p>
-            <a:p>
-              <a:pPr>
-                <a:lnSpc>
-                  <a:spcPct val="140000"/>
-                </a:lnSpc>
-                <a:spcAft>
-                  <a:spcPts val="1000"/>
-                </a:spcAft>
-              </a:pPr>
-              <a:r>
-                <a:rPr lang="en-US" altLang="ko-KR" sz="1000" dirty="0">
-                  <a:ln>
-                    <a:solidFill>
-                      <a:schemeClr val="bg1">
-                        <a:lumMod val="75000"/>
-                        <a:alpha val="0"/>
-                      </a:schemeClr>
-                    </a:solidFill>
-                  </a:ln>
-                  <a:latin typeface="Pretendard Medium" panose="02000603000000020004" pitchFamily="2" charset="-127"/>
-                  <a:ea typeface="Pretendard Medium" panose="02000603000000020004" pitchFamily="2" charset="-127"/>
-                  <a:cs typeface="Pretendard Medium" panose="02000603000000020004" pitchFamily="2" charset="-127"/>
-                </a:rPr>
-                <a:t># </a:t>
-              </a:r>
-              <a:r>
-                <a:rPr lang="ko-KR" altLang="en-US" sz="1000" dirty="0">
-                  <a:ln>
-                    <a:solidFill>
-                      <a:schemeClr val="bg1">
-                        <a:lumMod val="75000"/>
-                        <a:alpha val="0"/>
-                      </a:schemeClr>
-                    </a:solidFill>
-                  </a:ln>
-                  <a:latin typeface="Pretendard Medium" panose="02000603000000020004" pitchFamily="2" charset="-127"/>
-                  <a:ea typeface="Pretendard Medium" panose="02000603000000020004" pitchFamily="2" charset="-127"/>
-                  <a:cs typeface="Pretendard Medium" panose="02000603000000020004" pitchFamily="2" charset="-127"/>
-                </a:rPr>
-                <a:t>유저가 능동적으로 대처할 수 있는 적당한 난이도의 보스 전투</a:t>
-              </a:r>
-              <a:br>
-                <a:rPr lang="en-US" altLang="ko-KR" sz="1000" dirty="0">
-                  <a:ln>
-                    <a:solidFill>
-                      <a:schemeClr val="bg1">
-                        <a:lumMod val="75000"/>
-                        <a:alpha val="0"/>
-                      </a:schemeClr>
-                    </a:solidFill>
-                  </a:ln>
-                  <a:latin typeface="Pretendard Medium" panose="02000603000000020004" pitchFamily="2" charset="-127"/>
-                  <a:ea typeface="Pretendard Medium" panose="02000603000000020004" pitchFamily="2" charset="-127"/>
-                  <a:cs typeface="Pretendard Medium" panose="02000603000000020004" pitchFamily="2" charset="-127"/>
-                </a:rPr>
-              </a:br>
-              <a:r>
-                <a:rPr lang="ko-KR" altLang="en-US" sz="1000" dirty="0">
-                  <a:ln>
-                    <a:solidFill>
-                      <a:schemeClr val="bg1">
-                        <a:lumMod val="75000"/>
-                        <a:alpha val="0"/>
-                      </a:schemeClr>
-                    </a:solidFill>
-                  </a:ln>
-                  <a:latin typeface="Pretendard Light" panose="02000403000000020004" pitchFamily="2" charset="-127"/>
-                  <a:ea typeface="Pretendard Light" panose="02000403000000020004" pitchFamily="2" charset="-127"/>
-                  <a:cs typeface="Pretendard Light" panose="02000403000000020004" pitchFamily="2" charset="-127"/>
-                </a:rPr>
-                <a:t>로스트아크의 엔드 컨텐츠는 보스 레이드입니다</a:t>
-              </a:r>
-              <a:r>
-                <a:rPr lang="en-US" altLang="ko-KR" sz="1000" dirty="0">
-                  <a:ln>
-                    <a:solidFill>
-                      <a:schemeClr val="bg1">
-                        <a:lumMod val="75000"/>
-                        <a:alpha val="0"/>
-                      </a:schemeClr>
-                    </a:solidFill>
-                  </a:ln>
-                  <a:latin typeface="Pretendard Light" panose="02000403000000020004" pitchFamily="2" charset="-127"/>
-                  <a:ea typeface="Pretendard Light" panose="02000403000000020004" pitchFamily="2" charset="-127"/>
-                  <a:cs typeface="Pretendard Light" panose="02000403000000020004" pitchFamily="2" charset="-127"/>
-                </a:rPr>
-                <a:t>. </a:t>
-              </a:r>
-              <a:r>
-                <a:rPr lang="ko-KR" altLang="en-US" sz="1000" dirty="0">
-                  <a:ln>
-                    <a:solidFill>
-                      <a:schemeClr val="bg1">
-                        <a:lumMod val="75000"/>
-                        <a:alpha val="0"/>
-                      </a:schemeClr>
-                    </a:solidFill>
-                  </a:ln>
-                  <a:latin typeface="Pretendard Light" panose="02000403000000020004" pitchFamily="2" charset="-127"/>
-                  <a:ea typeface="Pretendard Light" panose="02000403000000020004" pitchFamily="2" charset="-127"/>
-                  <a:cs typeface="Pretendard Light" panose="02000403000000020004" pitchFamily="2" charset="-127"/>
-                </a:rPr>
-                <a:t>보스 몬스터는 많은 패턴으로 공격하지만</a:t>
-              </a:r>
-              <a:r>
-                <a:rPr lang="en-US" altLang="ko-KR" sz="1000" dirty="0">
-                  <a:ln>
-                    <a:solidFill>
-                      <a:schemeClr val="bg1">
-                        <a:lumMod val="75000"/>
-                        <a:alpha val="0"/>
-                      </a:schemeClr>
-                    </a:solidFill>
-                  </a:ln>
-                  <a:latin typeface="Pretendard Light" panose="02000403000000020004" pitchFamily="2" charset="-127"/>
-                  <a:ea typeface="Pretendard Light" panose="02000403000000020004" pitchFamily="2" charset="-127"/>
-                  <a:cs typeface="Pretendard Light" panose="02000403000000020004" pitchFamily="2" charset="-127"/>
-                </a:rPr>
-                <a:t>, </a:t>
-              </a:r>
-              <a:r>
-                <a:rPr lang="ko-KR" altLang="en-US" sz="1000" dirty="0">
-                  <a:ln>
-                    <a:solidFill>
-                      <a:schemeClr val="bg1">
-                        <a:lumMod val="75000"/>
-                        <a:alpha val="0"/>
-                      </a:schemeClr>
-                    </a:solidFill>
-                  </a:ln>
-                  <a:latin typeface="Pretendard Light" panose="02000403000000020004" pitchFamily="2" charset="-127"/>
-                  <a:ea typeface="Pretendard Light" panose="02000403000000020004" pitchFamily="2" charset="-127"/>
-                  <a:cs typeface="Pretendard Light" panose="02000403000000020004" pitchFamily="2" charset="-127"/>
-                </a:rPr>
-                <a:t>대부분의 패턴에 능동적인 대처를 할 수 있습니다</a:t>
-              </a:r>
-              <a:r>
-                <a:rPr lang="en-US" altLang="ko-KR" sz="1000" dirty="0">
-                  <a:ln>
-                    <a:solidFill>
-                      <a:schemeClr val="bg1">
-                        <a:lumMod val="75000"/>
-                        <a:alpha val="0"/>
-                      </a:schemeClr>
-                    </a:solidFill>
-                  </a:ln>
-                  <a:latin typeface="Pretendard Light" panose="02000403000000020004" pitchFamily="2" charset="-127"/>
-                  <a:ea typeface="Pretendard Light" panose="02000403000000020004" pitchFamily="2" charset="-127"/>
-                  <a:cs typeface="Pretendard Light" panose="02000403000000020004" pitchFamily="2" charset="-127"/>
-                </a:rPr>
-                <a:t>. </a:t>
-              </a:r>
-              <a:r>
-                <a:rPr lang="ko-KR" altLang="en-US" sz="1000" dirty="0">
-                  <a:ln>
-                    <a:solidFill>
-                      <a:schemeClr val="bg1">
-                        <a:lumMod val="75000"/>
-                        <a:alpha val="0"/>
-                      </a:schemeClr>
-                    </a:solidFill>
-                  </a:ln>
-                  <a:latin typeface="Pretendard Light" panose="02000403000000020004" pitchFamily="2" charset="-127"/>
-                  <a:ea typeface="Pretendard Light" panose="02000403000000020004" pitchFamily="2" charset="-127"/>
-                  <a:cs typeface="Pretendard Light" panose="02000403000000020004" pitchFamily="2" charset="-127"/>
-                </a:rPr>
-                <a:t>특히 클래스의 특색을 활용하거나 </a:t>
-              </a:r>
-              <a:r>
-                <a:rPr lang="ko-KR" altLang="en-US" sz="1000" dirty="0" err="1">
-                  <a:ln>
-                    <a:solidFill>
-                      <a:schemeClr val="bg1">
-                        <a:lumMod val="75000"/>
-                        <a:alpha val="0"/>
-                      </a:schemeClr>
-                    </a:solidFill>
-                  </a:ln>
-                  <a:latin typeface="Pretendard Light" panose="02000403000000020004" pitchFamily="2" charset="-127"/>
-                  <a:ea typeface="Pretendard Light" panose="02000403000000020004" pitchFamily="2" charset="-127"/>
-                  <a:cs typeface="Pretendard Light" panose="02000403000000020004" pitchFamily="2" charset="-127"/>
-                </a:rPr>
-                <a:t>슈퍼아머</a:t>
-              </a:r>
-              <a:r>
-                <a:rPr lang="en-US" altLang="ko-KR" sz="1000" dirty="0">
-                  <a:ln>
-                    <a:solidFill>
-                      <a:schemeClr val="bg1">
-                        <a:lumMod val="75000"/>
-                        <a:alpha val="0"/>
-                      </a:schemeClr>
-                    </a:solidFill>
-                  </a:ln>
-                  <a:latin typeface="Pretendard Light" panose="02000403000000020004" pitchFamily="2" charset="-127"/>
-                  <a:ea typeface="Pretendard Light" panose="02000403000000020004" pitchFamily="2" charset="-127"/>
-                  <a:cs typeface="Pretendard Light" panose="02000403000000020004" pitchFamily="2" charset="-127"/>
-                </a:rPr>
-                <a:t>, </a:t>
-              </a:r>
-              <a:r>
-                <a:rPr lang="ko-KR" altLang="en-US" sz="1000" dirty="0">
-                  <a:ln>
-                    <a:solidFill>
-                      <a:schemeClr val="bg1">
-                        <a:lumMod val="75000"/>
-                        <a:alpha val="0"/>
-                      </a:schemeClr>
-                    </a:solidFill>
-                  </a:ln>
-                  <a:latin typeface="Pretendard Light" panose="02000403000000020004" pitchFamily="2" charset="-127"/>
-                  <a:ea typeface="Pretendard Light" panose="02000403000000020004" pitchFamily="2" charset="-127"/>
-                  <a:cs typeface="Pretendard Light" panose="02000403000000020004" pitchFamily="2" charset="-127"/>
-                </a:rPr>
-                <a:t>서포터의 도움 등으로 일정한 리스크를 감수하며 공격의 흐름을 유지하는 플레이가 재미있게 느껴졌습니다</a:t>
-              </a:r>
-              <a:r>
-                <a:rPr lang="en-US" altLang="ko-KR" sz="1000" dirty="0">
-                  <a:ln>
-                    <a:solidFill>
-                      <a:schemeClr val="bg1">
-                        <a:lumMod val="75000"/>
-                        <a:alpha val="0"/>
-                      </a:schemeClr>
-                    </a:solidFill>
-                  </a:ln>
-                  <a:latin typeface="Pretendard Light" panose="02000403000000020004" pitchFamily="2" charset="-127"/>
-                  <a:ea typeface="Pretendard Light" panose="02000403000000020004" pitchFamily="2" charset="-127"/>
-                  <a:cs typeface="Pretendard Light" panose="02000403000000020004" pitchFamily="2" charset="-127"/>
-                </a:rPr>
-                <a:t>. </a:t>
-              </a:r>
-              <a:r>
-                <a:rPr lang="ko-KR" altLang="en-US" sz="1000" dirty="0">
-                  <a:ln>
-                    <a:solidFill>
-                      <a:schemeClr val="bg1">
-                        <a:lumMod val="75000"/>
-                        <a:alpha val="0"/>
-                      </a:schemeClr>
-                    </a:solidFill>
-                  </a:ln>
-                  <a:latin typeface="Pretendard Light" panose="02000403000000020004" pitchFamily="2" charset="-127"/>
-                  <a:ea typeface="Pretendard Light" panose="02000403000000020004" pitchFamily="2" charset="-127"/>
-                  <a:cs typeface="Pretendard Light" panose="02000403000000020004" pitchFamily="2" charset="-127"/>
-                </a:rPr>
-                <a:t>숙련도가 증가할수록 전조를 더욱 빠르게 파악하고 확실한 대처를 할 수 있어 숙련도 상승에 대한 성취감도 높았습니다</a:t>
-              </a:r>
-              <a:r>
-                <a:rPr lang="en-US" altLang="ko-KR" sz="1000" dirty="0">
-                  <a:ln>
-                    <a:solidFill>
-                      <a:schemeClr val="bg1">
-                        <a:lumMod val="75000"/>
-                        <a:alpha val="0"/>
-                      </a:schemeClr>
-                    </a:solidFill>
-                  </a:ln>
-                  <a:latin typeface="Pretendard Light" panose="02000403000000020004" pitchFamily="2" charset="-127"/>
-                  <a:ea typeface="Pretendard Light" panose="02000403000000020004" pitchFamily="2" charset="-127"/>
-                  <a:cs typeface="Pretendard Light" panose="02000403000000020004" pitchFamily="2" charset="-127"/>
-                </a:rPr>
-                <a:t>.</a:t>
-              </a:r>
-            </a:p>
-          </p:txBody>
-        </p:sp>
-        <p:sp>
-          <p:nvSpPr>
-            <p:cNvPr id="10" name="직사각형 9">
-              <a:extLst>
-                <a:ext uri="{FF2B5EF4-FFF2-40B4-BE49-F238E27FC236}">
-                  <a16:creationId xmlns:a16="http://schemas.microsoft.com/office/drawing/2014/main" id="{F11A77AA-BE35-959F-5BC2-B4B985CA5DCF}"/>
-                </a:ext>
-              </a:extLst>
-            </p:cNvPr>
-            <p:cNvSpPr/>
-            <p:nvPr/>
-          </p:nvSpPr>
-          <p:spPr>
-            <a:xfrm>
-              <a:off x="189000" y="2131168"/>
-              <a:ext cx="6480671" cy="398381"/>
-            </a:xfrm>
-            <a:prstGeom prst="rect">
-              <a:avLst/>
-            </a:prstGeom>
-            <a:solidFill>
-              <a:srgbClr val="E1F2FF"/>
-            </a:solidFill>
-            <a:ln>
-              <a:noFill/>
-            </a:ln>
-            <a:effectLst/>
-          </p:spPr>
-          <p:style>
-            <a:lnRef idx="2">
-              <a:schemeClr val="accent1">
-                <a:shade val="15000"/>
-              </a:schemeClr>
-            </a:lnRef>
-            <a:fillRef idx="1">
-              <a:schemeClr val="accent1"/>
-            </a:fillRef>
-            <a:effectRef idx="0">
-              <a:schemeClr val="accent1"/>
-            </a:effectRef>
-            <a:fontRef idx="minor">
-              <a:schemeClr val="lt1"/>
-            </a:fontRef>
-          </p:style>
-          <p:txBody>
-            <a:bodyPr rtlCol="0" anchor="ctr"/>
-            <a:lstStyle/>
-            <a:p>
-              <a:pPr algn="ctr"/>
-              <a:endParaRPr lang="ko-KR" altLang="en-US" sz="1013"/>
-            </a:p>
-          </p:txBody>
-        </p:sp>
-        <p:sp>
-          <p:nvSpPr>
-            <p:cNvPr id="11" name="TextBox 10">
-              <a:extLst>
-                <a:ext uri="{FF2B5EF4-FFF2-40B4-BE49-F238E27FC236}">
-                  <a16:creationId xmlns:a16="http://schemas.microsoft.com/office/drawing/2014/main" id="{AD48AAC7-799D-BD21-17B2-CD96A2A6C663}"/>
-                </a:ext>
-              </a:extLst>
-            </p:cNvPr>
-            <p:cNvSpPr txBox="1"/>
-            <p:nvPr/>
-          </p:nvSpPr>
-          <p:spPr>
-            <a:xfrm>
-              <a:off x="294162" y="2245721"/>
-              <a:ext cx="4600618" cy="169277"/>
-            </a:xfrm>
-            <a:prstGeom prst="rect">
-              <a:avLst/>
-            </a:prstGeom>
-            <a:noFill/>
-          </p:spPr>
-          <p:txBody>
-            <a:bodyPr wrap="none" lIns="0" tIns="0" rIns="0" bIns="0" rtlCol="0" anchor="t">
-              <a:spAutoFit/>
-            </a:bodyPr>
-            <a:lstStyle/>
-            <a:p>
-              <a:r>
-                <a:rPr lang="ko-KR" altLang="en-US" sz="1100" dirty="0">
-                  <a:latin typeface="페이퍼로지 7 Bold" pitchFamily="2" charset="-127"/>
-                  <a:ea typeface="페이퍼로지 7 Bold" pitchFamily="2" charset="-127"/>
-                  <a:cs typeface="Pretendard Medium" panose="02000603000000020004" pitchFamily="2" charset="-127"/>
-                </a:rPr>
-                <a:t>플레이 했던 게임 가운데 가장 마음에 들었던 게임이 있다면 그 이유를 기술해주세요</a:t>
-              </a:r>
-              <a:r>
-                <a:rPr lang="en-US" altLang="ko-KR" sz="1100" dirty="0">
-                  <a:latin typeface="페이퍼로지 7 Bold" pitchFamily="2" charset="-127"/>
-                  <a:ea typeface="페이퍼로지 7 Bold" pitchFamily="2" charset="-127"/>
-                  <a:cs typeface="Pretendard Medium" panose="02000603000000020004" pitchFamily="2" charset="-127"/>
-                </a:rPr>
-                <a:t>. </a:t>
-              </a:r>
-              <a:endParaRPr lang="ko-KR" altLang="en-US" sz="1100" dirty="0">
-                <a:latin typeface="페이퍼로지 7 Bold" pitchFamily="2" charset="-127"/>
-                <a:ea typeface="페이퍼로지 7 Bold" pitchFamily="2" charset="-127"/>
-                <a:cs typeface="Pretendard Medium" panose="02000603000000020004" pitchFamily="2" charset="-127"/>
-              </a:endParaRPr>
-            </a:p>
-          </p:txBody>
-        </p:sp>
-        <p:cxnSp>
-          <p:nvCxnSpPr>
-            <p:cNvPr id="12" name="직선 연결선 11">
-              <a:extLst>
-                <a:ext uri="{FF2B5EF4-FFF2-40B4-BE49-F238E27FC236}">
-                  <a16:creationId xmlns:a16="http://schemas.microsoft.com/office/drawing/2014/main" id="{B7E4AF30-038C-177C-D3C0-06E89973490F}"/>
-                </a:ext>
-              </a:extLst>
-            </p:cNvPr>
-            <p:cNvCxnSpPr>
-              <a:cxnSpLocks/>
-            </p:cNvCxnSpPr>
-            <p:nvPr/>
-          </p:nvCxnSpPr>
-          <p:spPr>
-            <a:xfrm>
-              <a:off x="189001" y="2529550"/>
-              <a:ext cx="6480000" cy="0"/>
-            </a:xfrm>
-            <a:prstGeom prst="line">
-              <a:avLst/>
-            </a:prstGeom>
-            <a:ln w="9525">
-              <a:solidFill>
-                <a:schemeClr val="bg1">
-                  <a:lumMod val="75000"/>
-                </a:schemeClr>
-              </a:solidFill>
-            </a:ln>
-          </p:spPr>
-          <p:style>
-            <a:lnRef idx="2">
-              <a:schemeClr val="accent1"/>
-            </a:lnRef>
-            <a:fillRef idx="0">
-              <a:schemeClr val="accent1"/>
-            </a:fillRef>
-            <a:effectRef idx="1">
-              <a:schemeClr val="accent1"/>
-            </a:effectRef>
-            <a:fontRef idx="minor">
-              <a:schemeClr val="tx1"/>
-            </a:fontRef>
-          </p:style>
-        </p:cxnSp>
-        <p:sp>
-          <p:nvSpPr>
-            <p:cNvPr id="13" name="직사각형 12">
-              <a:extLst>
-                <a:ext uri="{FF2B5EF4-FFF2-40B4-BE49-F238E27FC236}">
-                  <a16:creationId xmlns:a16="http://schemas.microsoft.com/office/drawing/2014/main" id="{93F826F1-83F1-A6CC-0DDB-817C6B745B1A}"/>
-                </a:ext>
-              </a:extLst>
-            </p:cNvPr>
-            <p:cNvSpPr/>
-            <p:nvPr/>
-          </p:nvSpPr>
-          <p:spPr>
-            <a:xfrm>
-              <a:off x="189000" y="2131167"/>
-              <a:ext cx="6480000" cy="3491069"/>
-            </a:xfrm>
-            <a:prstGeom prst="rect">
-              <a:avLst/>
-            </a:prstGeom>
-            <a:noFill/>
-            <a:ln w="12700">
-              <a:solidFill>
-                <a:schemeClr val="bg1">
-                  <a:lumMod val="75000"/>
-                </a:schemeClr>
-              </a:solidFill>
-            </a:ln>
-            <a:effectLst/>
-          </p:spPr>
-          <p:style>
-            <a:lnRef idx="2">
-              <a:schemeClr val="accent1">
-                <a:shade val="15000"/>
-              </a:schemeClr>
-            </a:lnRef>
-            <a:fillRef idx="1">
-              <a:schemeClr val="accent1"/>
-            </a:fillRef>
-            <a:effectRef idx="0">
-              <a:schemeClr val="accent1"/>
-            </a:effectRef>
-            <a:fontRef idx="minor">
-              <a:schemeClr val="lt1"/>
-            </a:fontRef>
-          </p:style>
-          <p:txBody>
-            <a:bodyPr rtlCol="0" anchor="ctr"/>
-            <a:lstStyle/>
-            <a:p>
-              <a:pPr algn="ctr"/>
-              <a:endParaRPr lang="ko-KR" altLang="en-US" sz="1000" dirty="0"/>
-            </a:p>
-          </p:txBody>
-        </p:sp>
-      </p:grpSp>
-    </p:spTree>
-    <p:extLst>
-      <p:ext uri="{BB962C8B-B14F-4D97-AF65-F5344CB8AC3E}">
-        <p14:creationId xmlns:p14="http://schemas.microsoft.com/office/powerpoint/2010/main" val="2285375035"/>
       </p:ext>
     </p:extLst>
   </p:cSld>

--- a/제출 문서 모음/자소서/게임기획_홍진선_자기소개서.pptx
+++ b/제출 문서 모음/자소서/게임기획_홍진선_자기소개서.pptx
@@ -5,11 +5,12 @@
     <p:sldMasterId id="2147483660" r:id="rId1"/>
   </p:sldMasterIdLst>
   <p:notesMasterIdLst>
-    <p:notesMasterId r:id="rId4"/>
+    <p:notesMasterId r:id="rId5"/>
   </p:notesMasterIdLst>
   <p:sldIdLst>
     <p:sldId id="376" r:id="rId2"/>
     <p:sldId id="375" r:id="rId3"/>
+    <p:sldId id="377" r:id="rId4"/>
   </p:sldIdLst>
   <p:sldSz cx="6858000" cy="9906000" type="A4"/>
   <p:notesSz cx="6858000" cy="9144000"/>
@@ -219,7 +220,7 @@
           <a:p>
             <a:fld id="{48B3DEB8-77A6-476E-AE55-2701C232BFD3}" type="datetimeFigureOut">
               <a:rPr lang="ko-KR" altLang="en-US" smtClean="0"/>
-              <a:t>2025-11-17</a:t>
+              <a:t>2025-11-25</a:t>
             </a:fld>
             <a:endParaRPr lang="ko-KR" altLang="en-US"/>
           </a:p>
@@ -617,7 +618,7 @@
           <a:p>
             <a:fld id="{8B3C456F-26E4-4537-8D17-6AF6B16C4EC3}" type="datetime1">
               <a:rPr lang="ko-KR" altLang="en-US" smtClean="0"/>
-              <a:t>2025-11-17</a:t>
+              <a:t>2025-11-25</a:t>
             </a:fld>
             <a:endParaRPr lang="ko-KR" altLang="en-US"/>
           </a:p>
@@ -803,7 +804,7 @@
           <a:p>
             <a:fld id="{E6D33B4A-0016-47D3-943A-74733C859B59}" type="datetime1">
               <a:rPr lang="ko-KR" altLang="en-US" smtClean="0"/>
-              <a:t>2025-11-17</a:t>
+              <a:t>2025-11-25</a:t>
             </a:fld>
             <a:endParaRPr lang="ko-KR" altLang="en-US"/>
           </a:p>
@@ -983,7 +984,7 @@
           <a:p>
             <a:fld id="{D56110C3-51C5-4712-BB64-03D4EDA68AE3}" type="datetime1">
               <a:rPr lang="ko-KR" altLang="en-US" smtClean="0"/>
-              <a:t>2025-11-17</a:t>
+              <a:t>2025-11-25</a:t>
             </a:fld>
             <a:endParaRPr lang="ko-KR" altLang="en-US"/>
           </a:p>
@@ -1153,7 +1154,7 @@
           <a:p>
             <a:fld id="{5F7F1CC6-63D1-47CA-AD1F-91D7A3AEAC66}" type="datetime1">
               <a:rPr lang="ko-KR" altLang="en-US" smtClean="0"/>
-              <a:t>2025-11-17</a:t>
+              <a:t>2025-11-25</a:t>
             </a:fld>
             <a:endParaRPr lang="ko-KR" altLang="en-US"/>
           </a:p>
@@ -1399,7 +1400,7 @@
           <a:p>
             <a:fld id="{4D9753DC-9741-44AB-950C-EAF55D0BA909}" type="datetime1">
               <a:rPr lang="ko-KR" altLang="en-US" smtClean="0"/>
-              <a:t>2025-11-17</a:t>
+              <a:t>2025-11-25</a:t>
             </a:fld>
             <a:endParaRPr lang="ko-KR" altLang="en-US"/>
           </a:p>
@@ -1631,7 +1632,7 @@
           <a:p>
             <a:fld id="{B0BD88FC-0747-42FA-97B4-C821938264BA}" type="datetime1">
               <a:rPr lang="ko-KR" altLang="en-US" smtClean="0"/>
-              <a:t>2025-11-17</a:t>
+              <a:t>2025-11-25</a:t>
             </a:fld>
             <a:endParaRPr lang="ko-KR" altLang="en-US"/>
           </a:p>
@@ -1998,7 +1999,7 @@
           <a:p>
             <a:fld id="{634205C6-2B4D-4322-89B0-3B8CB899C599}" type="datetime1">
               <a:rPr lang="ko-KR" altLang="en-US" smtClean="0"/>
-              <a:t>2025-11-17</a:t>
+              <a:t>2025-11-25</a:t>
             </a:fld>
             <a:endParaRPr lang="ko-KR" altLang="en-US"/>
           </a:p>
@@ -2116,7 +2117,7 @@
           <a:p>
             <a:fld id="{D3C3240D-A81B-40EA-A8A9-CD43A60759E2}" type="datetime1">
               <a:rPr lang="ko-KR" altLang="en-US" smtClean="0"/>
-              <a:t>2025-11-17</a:t>
+              <a:t>2025-11-25</a:t>
             </a:fld>
             <a:endParaRPr lang="ko-KR" altLang="en-US"/>
           </a:p>
@@ -2211,7 +2212,7 @@
           <a:p>
             <a:fld id="{B638CA96-33E1-4DC7-A964-69BDB846C2EC}" type="datetime1">
               <a:rPr lang="ko-KR" altLang="en-US" smtClean="0"/>
-              <a:t>2025-11-17</a:t>
+              <a:t>2025-11-25</a:t>
             </a:fld>
             <a:endParaRPr lang="ko-KR" altLang="en-US"/>
           </a:p>
@@ -2499,7 +2500,7 @@
           <a:p>
             <a:fld id="{9E27C171-AB78-4CA5-8A49-845326BC0825}" type="datetime1">
               <a:rPr lang="ko-KR" altLang="en-US" smtClean="0"/>
-              <a:t>2025-11-17</a:t>
+              <a:t>2025-11-25</a:t>
             </a:fld>
             <a:endParaRPr lang="ko-KR" altLang="en-US"/>
           </a:p>
@@ -2756,7 +2757,7 @@
           <a:p>
             <a:fld id="{8EED6D7E-4DE0-4E81-ADE2-0F10194E5F68}" type="datetime1">
               <a:rPr lang="ko-KR" altLang="en-US" smtClean="0"/>
-              <a:t>2025-11-17</a:t>
+              <a:t>2025-11-25</a:t>
             </a:fld>
             <a:endParaRPr lang="ko-KR" altLang="en-US"/>
           </a:p>
@@ -2969,7 +2970,7 @@
           <a:p>
             <a:fld id="{72FC9454-618B-4601-B0FC-B31AFE475097}" type="datetime1">
               <a:rPr lang="ko-KR" altLang="en-US" smtClean="0"/>
-              <a:t>2025-11-17</a:t>
+              <a:t>2025-11-25</a:t>
             </a:fld>
             <a:endParaRPr lang="ko-KR" altLang="en-US"/>
           </a:p>
@@ -3377,10 +3378,10 @@
       </p:grpSpPr>
       <p:grpSp>
         <p:nvGrpSpPr>
-          <p:cNvPr id="15" name="그룹 14">
+          <p:cNvPr id="9" name="그룹 8">
             <a:extLst>
               <a:ext uri="{FF2B5EF4-FFF2-40B4-BE49-F238E27FC236}">
-                <a16:creationId xmlns:a16="http://schemas.microsoft.com/office/drawing/2014/main" id="{8E3019F8-00A9-82BA-0DD0-7BA01B4E142B}"/>
+                <a16:creationId xmlns:a16="http://schemas.microsoft.com/office/drawing/2014/main" id="{25C4D6A8-D68E-A7C0-6167-340982875F40}"/>
               </a:ext>
             </a:extLst>
           </p:cNvPr>
@@ -3389,1747 +3390,1902 @@
         </p:nvGrpSpPr>
         <p:grpSpPr>
           <a:xfrm>
-            <a:off x="188665" y="141181"/>
-            <a:ext cx="6487083" cy="9623638"/>
-            <a:chOff x="188665" y="663201"/>
-            <a:chExt cx="6487083" cy="9623638"/>
+            <a:off x="188665" y="3775629"/>
+            <a:ext cx="6487083" cy="5989190"/>
+            <a:chOff x="185458" y="4124129"/>
+            <a:chExt cx="6487083" cy="5989190"/>
           </a:xfrm>
         </p:grpSpPr>
-        <p:grpSp>
-          <p:nvGrpSpPr>
-            <p:cNvPr id="3" name="그룹 2">
+        <p:sp>
+          <p:nvSpPr>
+            <p:cNvPr id="10" name="TextBox 9">
               <a:extLst>
                 <a:ext uri="{FF2B5EF4-FFF2-40B4-BE49-F238E27FC236}">
-                  <a16:creationId xmlns:a16="http://schemas.microsoft.com/office/drawing/2014/main" id="{24057BBB-305F-D9E1-6D86-ACF885805DF8}"/>
+                  <a16:creationId xmlns:a16="http://schemas.microsoft.com/office/drawing/2014/main" id="{E53FC759-F7E8-4106-4A27-684348CA0009}"/>
                 </a:ext>
               </a:extLst>
             </p:cNvPr>
-            <p:cNvGrpSpPr/>
+            <p:cNvSpPr txBox="1"/>
             <p:nvPr/>
-          </p:nvGrpSpPr>
-          <p:grpSpPr>
+          </p:nvSpPr>
+          <p:spPr>
             <a:xfrm>
-              <a:off x="191871" y="663201"/>
-              <a:ext cx="6480671" cy="3491070"/>
-              <a:chOff x="189000" y="2131167"/>
-              <a:chExt cx="6480671" cy="3491070"/>
+              <a:off x="290620" y="4522511"/>
+              <a:ext cx="6269676" cy="5590808"/>
             </a:xfrm>
-          </p:grpSpPr>
-          <p:sp>
-            <p:nvSpPr>
-              <p:cNvPr id="4" name="TextBox 3">
-                <a:extLst>
-                  <a:ext uri="{FF2B5EF4-FFF2-40B4-BE49-F238E27FC236}">
-                    <a16:creationId xmlns:a16="http://schemas.microsoft.com/office/drawing/2014/main" id="{7C4C3432-0635-C872-1853-A84CC41AAB1B}"/>
-                  </a:ext>
-                </a:extLst>
-              </p:cNvPr>
-              <p:cNvSpPr txBox="1"/>
-              <p:nvPr/>
-            </p:nvSpPr>
-            <p:spPr>
-              <a:xfrm>
-                <a:off x="294162" y="2529549"/>
-                <a:ext cx="6269676" cy="3092688"/>
-              </a:xfrm>
-              <a:prstGeom prst="rect">
-                <a:avLst/>
-              </a:prstGeom>
-              <a:noFill/>
-            </p:spPr>
-            <p:txBody>
-              <a:bodyPr wrap="square" lIns="0" tIns="72000" rIns="0" bIns="72000" rtlCol="0" anchor="t">
-                <a:spAutoFit/>
-              </a:bodyPr>
-              <a:lstStyle/>
-              <a:p>
-                <a:pPr>
-                  <a:lnSpc>
-                    <a:spcPct val="140000"/>
-                  </a:lnSpc>
-                  <a:spcAft>
-                    <a:spcPts val="1000"/>
-                  </a:spcAft>
-                </a:pPr>
-                <a:r>
-                  <a:rPr lang="ko-KR" altLang="en-US" sz="1000" dirty="0">
-                    <a:ln>
-                      <a:solidFill>
-                        <a:schemeClr val="bg1">
-                          <a:lumMod val="75000"/>
-                          <a:alpha val="0"/>
-                        </a:schemeClr>
-                      </a:solidFill>
-                    </a:ln>
-                    <a:latin typeface="Pretendard Light" panose="02000403000000020004" pitchFamily="2" charset="-127"/>
-                    <a:ea typeface="Pretendard Light" panose="02000403000000020004" pitchFamily="2" charset="-127"/>
-                    <a:cs typeface="Pretendard Light" panose="02000403000000020004" pitchFamily="2" charset="-127"/>
-                  </a:rPr>
-                  <a:t>전투 기획의 핵심은 “</a:t>
-                </a:r>
-                <a:r>
-                  <a:rPr lang="ko-KR" altLang="en-US" sz="1000" dirty="0">
-                    <a:ln>
-                      <a:solidFill>
-                        <a:schemeClr val="bg1">
-                          <a:lumMod val="75000"/>
-                          <a:alpha val="0"/>
-                        </a:schemeClr>
-                      </a:solidFill>
-                    </a:ln>
-                    <a:latin typeface="Pretendard Medium" panose="02000603000000020004" pitchFamily="2" charset="-127"/>
-                    <a:ea typeface="Pretendard Medium" panose="02000603000000020004" pitchFamily="2" charset="-127"/>
-                    <a:cs typeface="Pretendard Medium" panose="02000603000000020004" pitchFamily="2" charset="-127"/>
-                  </a:rPr>
-                  <a:t>캐릭터의 컨셉에 어울리는 전투를 설계하는 것</a:t>
-                </a:r>
-                <a:r>
-                  <a:rPr lang="ko-KR" altLang="en-US" sz="1000" dirty="0">
-                    <a:ln>
-                      <a:solidFill>
-                        <a:schemeClr val="bg1">
-                          <a:lumMod val="75000"/>
-                          <a:alpha val="0"/>
-                        </a:schemeClr>
-                      </a:solidFill>
-                    </a:ln>
-                    <a:latin typeface="Pretendard Light" panose="02000403000000020004" pitchFamily="2" charset="-127"/>
-                    <a:ea typeface="Pretendard Light" panose="02000403000000020004" pitchFamily="2" charset="-127"/>
-                    <a:cs typeface="Pretendard Light" panose="02000403000000020004" pitchFamily="2" charset="-127"/>
-                  </a:rPr>
-                  <a:t>” 입니다</a:t>
-                </a:r>
-                <a:r>
-                  <a:rPr lang="en-US" altLang="ko-KR" sz="1000" dirty="0">
-                    <a:ln>
-                      <a:solidFill>
-                        <a:schemeClr val="bg1">
-                          <a:lumMod val="75000"/>
-                          <a:alpha val="0"/>
-                        </a:schemeClr>
-                      </a:solidFill>
-                    </a:ln>
-                    <a:latin typeface="Pretendard Light" panose="02000403000000020004" pitchFamily="2" charset="-127"/>
-                    <a:ea typeface="Pretendard Light" panose="02000403000000020004" pitchFamily="2" charset="-127"/>
-                    <a:cs typeface="Pretendard Light" panose="02000403000000020004" pitchFamily="2" charset="-127"/>
-                  </a:rPr>
-                  <a:t>. </a:t>
-                </a:r>
-              </a:p>
-              <a:p>
-                <a:pPr>
-                  <a:lnSpc>
-                    <a:spcPct val="140000"/>
-                  </a:lnSpc>
-                  <a:spcAft>
-                    <a:spcPts val="1000"/>
-                  </a:spcAft>
-                </a:pPr>
-                <a:r>
-                  <a:rPr lang="ko-KR" altLang="en-US" sz="1000" dirty="0">
-                    <a:ln>
-                      <a:solidFill>
-                        <a:schemeClr val="bg1">
-                          <a:lumMod val="75000"/>
-                          <a:alpha val="0"/>
-                        </a:schemeClr>
-                      </a:solidFill>
-                    </a:ln>
-                    <a:latin typeface="Pretendard Light" panose="02000403000000020004" pitchFamily="2" charset="-127"/>
-                    <a:ea typeface="Pretendard Light" panose="02000403000000020004" pitchFamily="2" charset="-127"/>
-                    <a:cs typeface="Pretendard Light" panose="02000403000000020004" pitchFamily="2" charset="-127"/>
-                  </a:rPr>
-                  <a:t>저는 게임을 플레이할 때 캐릭터 별로 다양한 전투를 체험하며 즐거움을 느낍니다</a:t>
-                </a:r>
-                <a:r>
-                  <a:rPr lang="en-US" altLang="ko-KR" sz="1000" dirty="0">
-                    <a:ln>
-                      <a:solidFill>
-                        <a:schemeClr val="bg1">
-                          <a:lumMod val="75000"/>
-                          <a:alpha val="0"/>
-                        </a:schemeClr>
-                      </a:solidFill>
-                    </a:ln>
-                    <a:latin typeface="Pretendard Light" panose="02000403000000020004" pitchFamily="2" charset="-127"/>
-                    <a:ea typeface="Pretendard Light" panose="02000403000000020004" pitchFamily="2" charset="-127"/>
-                    <a:cs typeface="Pretendard Light" panose="02000403000000020004" pitchFamily="2" charset="-127"/>
-                  </a:rPr>
-                  <a:t>. </a:t>
-                </a:r>
-                <a:r>
-                  <a:rPr lang="ko-KR" altLang="en-US" sz="1000" dirty="0">
-                    <a:ln>
-                      <a:solidFill>
-                        <a:schemeClr val="bg1">
-                          <a:lumMod val="75000"/>
-                          <a:alpha val="0"/>
-                        </a:schemeClr>
-                      </a:solidFill>
-                    </a:ln>
-                    <a:latin typeface="Pretendard Light" panose="02000403000000020004" pitchFamily="2" charset="-127"/>
-                    <a:ea typeface="Pretendard Light" panose="02000403000000020004" pitchFamily="2" charset="-127"/>
-                    <a:cs typeface="Pretendard Light" panose="02000403000000020004" pitchFamily="2" charset="-127"/>
-                  </a:rPr>
-                  <a:t>그러면서  ‘캐릭터의 컨셉과 전투 스타일이 어울리는지’</a:t>
-                </a:r>
-                <a:r>
-                  <a:rPr lang="en-US" altLang="ko-KR" sz="1000" dirty="0">
-                    <a:ln>
-                      <a:solidFill>
-                        <a:schemeClr val="bg1">
-                          <a:lumMod val="75000"/>
-                          <a:alpha val="0"/>
-                        </a:schemeClr>
-                      </a:solidFill>
-                    </a:ln>
-                    <a:latin typeface="Pretendard Light" panose="02000403000000020004" pitchFamily="2" charset="-127"/>
-                    <a:ea typeface="Pretendard Light" panose="02000403000000020004" pitchFamily="2" charset="-127"/>
-                    <a:cs typeface="Pretendard Light" panose="02000403000000020004" pitchFamily="2" charset="-127"/>
-                  </a:rPr>
-                  <a:t>, ‘</a:t>
-                </a:r>
-                <a:r>
-                  <a:rPr lang="ko-KR" altLang="en-US" sz="1000" dirty="0">
-                    <a:ln>
-                      <a:solidFill>
-                        <a:schemeClr val="bg1">
-                          <a:lumMod val="75000"/>
-                          <a:alpha val="0"/>
-                        </a:schemeClr>
-                      </a:solidFill>
-                    </a:ln>
-                    <a:latin typeface="Pretendard Light" panose="02000403000000020004" pitchFamily="2" charset="-127"/>
-                    <a:ea typeface="Pretendard Light" panose="02000403000000020004" pitchFamily="2" charset="-127"/>
-                    <a:cs typeface="Pretendard Light" panose="02000403000000020004" pitchFamily="2" charset="-127"/>
-                  </a:rPr>
-                  <a:t>내가 이 캐릭터에게 기대하는 전투는 어떤 </a:t>
-                </a:r>
-                <a:r>
-                  <a:rPr lang="ko-KR" altLang="en-US" sz="1000" dirty="0" err="1">
-                    <a:ln>
-                      <a:solidFill>
-                        <a:schemeClr val="bg1">
-                          <a:lumMod val="75000"/>
-                          <a:alpha val="0"/>
-                        </a:schemeClr>
-                      </a:solidFill>
-                    </a:ln>
-                    <a:latin typeface="Pretendard Light" panose="02000403000000020004" pitchFamily="2" charset="-127"/>
-                    <a:ea typeface="Pretendard Light" panose="02000403000000020004" pitchFamily="2" charset="-127"/>
-                    <a:cs typeface="Pretendard Light" panose="02000403000000020004" pitchFamily="2" charset="-127"/>
-                  </a:rPr>
-                  <a:t>전투인지’를</a:t>
-                </a:r>
-                <a:r>
-                  <a:rPr lang="ko-KR" altLang="en-US" sz="1000" dirty="0">
-                    <a:ln>
-                      <a:solidFill>
-                        <a:schemeClr val="bg1">
-                          <a:lumMod val="75000"/>
-                          <a:alpha val="0"/>
-                        </a:schemeClr>
-                      </a:solidFill>
-                    </a:ln>
-                    <a:latin typeface="Pretendard Light" panose="02000403000000020004" pitchFamily="2" charset="-127"/>
-                    <a:ea typeface="Pretendard Light" panose="02000403000000020004" pitchFamily="2" charset="-127"/>
-                    <a:cs typeface="Pretendard Light" panose="02000403000000020004" pitchFamily="2" charset="-127"/>
-                  </a:rPr>
-                  <a:t> 생각해 보는 과정 자체도 재미있게 느껴졌습니다</a:t>
-                </a:r>
-                <a:r>
-                  <a:rPr lang="en-US" altLang="ko-KR" sz="1000" dirty="0">
-                    <a:ln>
-                      <a:solidFill>
-                        <a:schemeClr val="bg1">
-                          <a:lumMod val="75000"/>
-                          <a:alpha val="0"/>
-                        </a:schemeClr>
-                      </a:solidFill>
-                    </a:ln>
-                    <a:latin typeface="Pretendard Light" panose="02000403000000020004" pitchFamily="2" charset="-127"/>
-                    <a:ea typeface="Pretendard Light" panose="02000403000000020004" pitchFamily="2" charset="-127"/>
-                    <a:cs typeface="Pretendard Light" panose="02000403000000020004" pitchFamily="2" charset="-127"/>
-                  </a:rPr>
-                  <a:t>. </a:t>
-                </a:r>
-                <a:r>
-                  <a:rPr lang="ko-KR" altLang="en-US" sz="1000" dirty="0">
-                    <a:ln>
-                      <a:solidFill>
-                        <a:schemeClr val="bg1">
-                          <a:lumMod val="75000"/>
-                          <a:alpha val="0"/>
-                        </a:schemeClr>
-                      </a:solidFill>
-                    </a:ln>
-                    <a:latin typeface="Pretendard Light" panose="02000403000000020004" pitchFamily="2" charset="-127"/>
-                    <a:ea typeface="Pretendard Light" panose="02000403000000020004" pitchFamily="2" charset="-127"/>
-                    <a:cs typeface="Pretendard Light" panose="02000403000000020004" pitchFamily="2" charset="-127"/>
-                  </a:rPr>
-                  <a:t>특히 전투 스타일과 모션</a:t>
-                </a:r>
-                <a:r>
-                  <a:rPr lang="en-US" altLang="ko-KR" sz="1000" dirty="0">
-                    <a:ln>
-                      <a:solidFill>
-                        <a:schemeClr val="bg1">
-                          <a:lumMod val="75000"/>
-                          <a:alpha val="0"/>
-                        </a:schemeClr>
-                      </a:solidFill>
-                    </a:ln>
-                    <a:latin typeface="Pretendard Light" panose="02000403000000020004" pitchFamily="2" charset="-127"/>
-                    <a:ea typeface="Pretendard Light" panose="02000403000000020004" pitchFamily="2" charset="-127"/>
-                    <a:cs typeface="Pretendard Light" panose="02000403000000020004" pitchFamily="2" charset="-127"/>
-                  </a:rPr>
-                  <a:t>, </a:t>
-                </a:r>
-                <a:r>
-                  <a:rPr lang="ko-KR" altLang="en-US" sz="1000" dirty="0">
-                    <a:ln>
-                      <a:solidFill>
-                        <a:schemeClr val="bg1">
-                          <a:lumMod val="75000"/>
-                          <a:alpha val="0"/>
-                        </a:schemeClr>
-                      </a:solidFill>
-                    </a:ln>
-                    <a:latin typeface="Pretendard Light" panose="02000403000000020004" pitchFamily="2" charset="-127"/>
-                    <a:ea typeface="Pretendard Light" panose="02000403000000020004" pitchFamily="2" charset="-127"/>
-                    <a:cs typeface="Pretendard Light" panose="02000403000000020004" pitchFamily="2" charset="-127"/>
-                  </a:rPr>
-                  <a:t>이펙트 등 스킬의 연출이 캐릭터 컨셉과 맞아떨어질 때 더욱 깊게 몰입할 수 있었습니다</a:t>
-                </a:r>
-                <a:r>
-                  <a:rPr lang="en-US" altLang="ko-KR" sz="1000" dirty="0">
-                    <a:ln>
-                      <a:solidFill>
-                        <a:schemeClr val="bg1">
-                          <a:lumMod val="75000"/>
-                          <a:alpha val="0"/>
-                        </a:schemeClr>
-                      </a:solidFill>
-                    </a:ln>
-                    <a:latin typeface="Pretendard Light" panose="02000403000000020004" pitchFamily="2" charset="-127"/>
-                    <a:ea typeface="Pretendard Light" panose="02000403000000020004" pitchFamily="2" charset="-127"/>
-                    <a:cs typeface="Pretendard Light" panose="02000403000000020004" pitchFamily="2" charset="-127"/>
-                  </a:rPr>
-                  <a:t>. </a:t>
-                </a:r>
-                <a:r>
-                  <a:rPr lang="ko-KR" altLang="en-US" sz="1000" dirty="0">
-                    <a:ln>
-                      <a:solidFill>
-                        <a:schemeClr val="bg1">
-                          <a:lumMod val="75000"/>
-                          <a:alpha val="0"/>
-                        </a:schemeClr>
-                      </a:solidFill>
-                    </a:ln>
-                    <a:latin typeface="Pretendard Light" panose="02000403000000020004" pitchFamily="2" charset="-127"/>
-                    <a:ea typeface="Pretendard Light" panose="02000403000000020004" pitchFamily="2" charset="-127"/>
-                    <a:cs typeface="Pretendard Light" panose="02000403000000020004" pitchFamily="2" charset="-127"/>
-                  </a:rPr>
-                  <a:t>반대로</a:t>
-                </a:r>
-                <a:r>
-                  <a:rPr lang="en-US" altLang="ko-KR" sz="1000" dirty="0">
-                    <a:ln>
-                      <a:solidFill>
-                        <a:schemeClr val="bg1">
-                          <a:lumMod val="75000"/>
-                          <a:alpha val="0"/>
-                        </a:schemeClr>
-                      </a:solidFill>
-                    </a:ln>
-                    <a:latin typeface="Pretendard Light" panose="02000403000000020004" pitchFamily="2" charset="-127"/>
-                    <a:ea typeface="Pretendard Light" panose="02000403000000020004" pitchFamily="2" charset="-127"/>
-                    <a:cs typeface="Pretendard Light" panose="02000403000000020004" pitchFamily="2" charset="-127"/>
-                  </a:rPr>
-                  <a:t>, </a:t>
-                </a:r>
-                <a:r>
-                  <a:rPr lang="ko-KR" altLang="en-US" sz="1000" dirty="0">
-                    <a:ln>
-                      <a:solidFill>
-                        <a:schemeClr val="bg1">
-                          <a:lumMod val="75000"/>
-                          <a:alpha val="0"/>
-                        </a:schemeClr>
-                      </a:solidFill>
-                    </a:ln>
-                    <a:latin typeface="Pretendard Light" panose="02000403000000020004" pitchFamily="2" charset="-127"/>
-                    <a:ea typeface="Pretendard Light" panose="02000403000000020004" pitchFamily="2" charset="-127"/>
-                    <a:cs typeface="Pretendard Light" panose="02000403000000020004" pitchFamily="2" charset="-127"/>
-                  </a:rPr>
-                  <a:t>캐릭터의 컨셉과 전투 스타일의 관련이 적다고 여겨지면 몰입감이 떨어졌습니다</a:t>
-                </a:r>
-                <a:r>
-                  <a:rPr lang="en-US" altLang="ko-KR" sz="1000" dirty="0">
-                    <a:ln>
-                      <a:solidFill>
-                        <a:schemeClr val="bg1">
-                          <a:lumMod val="75000"/>
-                          <a:alpha val="0"/>
-                        </a:schemeClr>
-                      </a:solidFill>
-                    </a:ln>
-                    <a:latin typeface="Pretendard Light" panose="02000403000000020004" pitchFamily="2" charset="-127"/>
-                    <a:ea typeface="Pretendard Light" panose="02000403000000020004" pitchFamily="2" charset="-127"/>
-                    <a:cs typeface="Pretendard Light" panose="02000403000000020004" pitchFamily="2" charset="-127"/>
-                  </a:rPr>
-                  <a:t>. </a:t>
-                </a:r>
-                <a:r>
-                  <a:rPr lang="ko-KR" altLang="en-US" sz="1000" dirty="0">
-                    <a:ln>
-                      <a:solidFill>
-                        <a:schemeClr val="bg1">
-                          <a:lumMod val="75000"/>
-                          <a:alpha val="0"/>
-                        </a:schemeClr>
-                      </a:solidFill>
-                    </a:ln>
-                    <a:latin typeface="Pretendard Light" panose="02000403000000020004" pitchFamily="2" charset="-127"/>
-                    <a:ea typeface="Pretendard Light" panose="02000403000000020004" pitchFamily="2" charset="-127"/>
-                    <a:cs typeface="Pretendard Light" panose="02000403000000020004" pitchFamily="2" charset="-127"/>
-                  </a:rPr>
-                  <a:t>게임 뿐만 아니라</a:t>
-                </a:r>
-                <a:r>
-                  <a:rPr lang="en-US" altLang="ko-KR" sz="1000" dirty="0">
-                    <a:ln>
-                      <a:solidFill>
-                        <a:schemeClr val="bg1">
-                          <a:lumMod val="75000"/>
-                          <a:alpha val="0"/>
-                        </a:schemeClr>
-                      </a:solidFill>
-                    </a:ln>
-                    <a:latin typeface="Pretendard Light" panose="02000403000000020004" pitchFamily="2" charset="-127"/>
-                    <a:ea typeface="Pretendard Light" panose="02000403000000020004" pitchFamily="2" charset="-127"/>
-                    <a:cs typeface="Pretendard Light" panose="02000403000000020004" pitchFamily="2" charset="-127"/>
-                  </a:rPr>
-                  <a:t>, </a:t>
-                </a:r>
-                <a:r>
-                  <a:rPr lang="ko-KR" altLang="en-US" sz="1000" dirty="0">
-                    <a:ln>
-                      <a:solidFill>
-                        <a:schemeClr val="bg1">
-                          <a:lumMod val="75000"/>
-                          <a:alpha val="0"/>
-                        </a:schemeClr>
-                      </a:solidFill>
-                    </a:ln>
-                    <a:latin typeface="Pretendard Light" panose="02000403000000020004" pitchFamily="2" charset="-127"/>
-                    <a:ea typeface="Pretendard Light" panose="02000403000000020004" pitchFamily="2" charset="-127"/>
-                    <a:cs typeface="Pretendard Light" panose="02000403000000020004" pitchFamily="2" charset="-127"/>
-                  </a:rPr>
-                  <a:t>웹툰</a:t>
-                </a:r>
-                <a:r>
-                  <a:rPr lang="en-US" altLang="ko-KR" sz="1000" dirty="0">
-                    <a:ln>
-                      <a:solidFill>
-                        <a:schemeClr val="bg1">
-                          <a:lumMod val="75000"/>
-                          <a:alpha val="0"/>
-                        </a:schemeClr>
-                      </a:solidFill>
-                    </a:ln>
-                    <a:latin typeface="Pretendard Light" panose="02000403000000020004" pitchFamily="2" charset="-127"/>
-                    <a:ea typeface="Pretendard Light" panose="02000403000000020004" pitchFamily="2" charset="-127"/>
-                    <a:cs typeface="Pretendard Light" panose="02000403000000020004" pitchFamily="2" charset="-127"/>
-                  </a:rPr>
-                  <a:t>/</a:t>
-                </a:r>
-                <a:r>
-                  <a:rPr lang="ko-KR" altLang="en-US" sz="1000" dirty="0">
-                    <a:ln>
-                      <a:solidFill>
-                        <a:schemeClr val="bg1">
-                          <a:lumMod val="75000"/>
-                          <a:alpha val="0"/>
-                        </a:schemeClr>
-                      </a:solidFill>
-                    </a:ln>
-                    <a:latin typeface="Pretendard Light" panose="02000403000000020004" pitchFamily="2" charset="-127"/>
-                    <a:ea typeface="Pretendard Light" panose="02000403000000020004" pitchFamily="2" charset="-127"/>
-                    <a:cs typeface="Pretendard Light" panose="02000403000000020004" pitchFamily="2" charset="-127"/>
-                  </a:rPr>
-                  <a:t>애니메이션 등 여러 작품 속 캐릭터가 컨셉에 맞는 전투를 하면 작품에 더욱 몰입하게 되기도 했습니다</a:t>
-                </a:r>
-                <a:r>
-                  <a:rPr lang="en-US" altLang="ko-KR" sz="1000" dirty="0">
-                    <a:ln>
-                      <a:solidFill>
-                        <a:schemeClr val="bg1">
-                          <a:lumMod val="75000"/>
-                          <a:alpha val="0"/>
-                        </a:schemeClr>
-                      </a:solidFill>
-                    </a:ln>
-                    <a:latin typeface="Pretendard Light" panose="02000403000000020004" pitchFamily="2" charset="-127"/>
-                    <a:ea typeface="Pretendard Light" panose="02000403000000020004" pitchFamily="2" charset="-127"/>
-                    <a:cs typeface="Pretendard Light" panose="02000403000000020004" pitchFamily="2" charset="-127"/>
-                  </a:rPr>
-                  <a:t>. </a:t>
-                </a:r>
-                <a:r>
-                  <a:rPr lang="ko-KR" altLang="en-US" sz="1000" dirty="0">
-                    <a:ln>
-                      <a:solidFill>
-                        <a:schemeClr val="bg1">
-                          <a:lumMod val="75000"/>
-                          <a:alpha val="0"/>
-                        </a:schemeClr>
-                      </a:solidFill>
-                    </a:ln>
-                    <a:latin typeface="Pretendard Light" panose="02000403000000020004" pitchFamily="2" charset="-127"/>
-                    <a:ea typeface="Pretendard Light" panose="02000403000000020004" pitchFamily="2" charset="-127"/>
-                    <a:cs typeface="Pretendard Light" panose="02000403000000020004" pitchFamily="2" charset="-127"/>
-                  </a:rPr>
-                  <a:t>이런 경험들이 쌓이다 보니</a:t>
-                </a:r>
-                <a:r>
-                  <a:rPr lang="en-US" altLang="ko-KR" sz="1000" dirty="0">
-                    <a:ln>
-                      <a:solidFill>
-                        <a:schemeClr val="bg1">
-                          <a:lumMod val="75000"/>
-                          <a:alpha val="0"/>
-                        </a:schemeClr>
-                      </a:solidFill>
-                    </a:ln>
-                    <a:latin typeface="Pretendard Light" panose="02000403000000020004" pitchFamily="2" charset="-127"/>
-                    <a:ea typeface="Pretendard Light" panose="02000403000000020004" pitchFamily="2" charset="-127"/>
-                    <a:cs typeface="Pretendard Light" panose="02000403000000020004" pitchFamily="2" charset="-127"/>
-                  </a:rPr>
-                  <a:t>,</a:t>
-                </a:r>
-                <a:r>
-                  <a:rPr lang="ko-KR" altLang="en-US" sz="1000" dirty="0">
-                    <a:ln>
-                      <a:solidFill>
-                        <a:schemeClr val="bg1">
-                          <a:lumMod val="75000"/>
-                          <a:alpha val="0"/>
-                        </a:schemeClr>
-                      </a:solidFill>
-                    </a:ln>
-                    <a:latin typeface="Pretendard Light" panose="02000403000000020004" pitchFamily="2" charset="-127"/>
-                    <a:ea typeface="Pretendard Light" panose="02000403000000020004" pitchFamily="2" charset="-127"/>
-                    <a:cs typeface="Pretendard Light" panose="02000403000000020004" pitchFamily="2" charset="-127"/>
-                  </a:rPr>
-                  <a:t> 캐릭터의 컨셉에 잘 맞는 전투를 설계하는 것이 전투 기획의 핵심이라고 판단하게 되었습니다</a:t>
-                </a:r>
-                <a:r>
-                  <a:rPr lang="en-US" altLang="ko-KR" sz="1000" dirty="0">
-                    <a:ln>
-                      <a:solidFill>
-                        <a:schemeClr val="bg1">
-                          <a:lumMod val="75000"/>
-                          <a:alpha val="0"/>
-                        </a:schemeClr>
-                      </a:solidFill>
-                    </a:ln>
-                    <a:latin typeface="Pretendard Light" panose="02000403000000020004" pitchFamily="2" charset="-127"/>
-                    <a:ea typeface="Pretendard Light" panose="02000403000000020004" pitchFamily="2" charset="-127"/>
-                    <a:cs typeface="Pretendard Light" panose="02000403000000020004" pitchFamily="2" charset="-127"/>
-                  </a:rPr>
-                  <a:t>.</a:t>
-                </a:r>
-              </a:p>
-              <a:p>
-                <a:pPr>
-                  <a:lnSpc>
-                    <a:spcPct val="140000"/>
-                  </a:lnSpc>
-                  <a:spcAft>
-                    <a:spcPts val="1000"/>
-                  </a:spcAft>
-                </a:pPr>
-                <a:r>
-                  <a:rPr lang="ko-KR" altLang="en-US" sz="1000" dirty="0">
-                    <a:ln>
-                      <a:solidFill>
-                        <a:schemeClr val="bg1">
-                          <a:lumMod val="75000"/>
-                          <a:alpha val="0"/>
-                        </a:schemeClr>
-                      </a:solidFill>
-                    </a:ln>
-                    <a:latin typeface="Pretendard Light" panose="02000403000000020004" pitchFamily="2" charset="-127"/>
-                    <a:ea typeface="Pretendard Light" panose="02000403000000020004" pitchFamily="2" charset="-127"/>
-                    <a:cs typeface="Pretendard Light" panose="02000403000000020004" pitchFamily="2" charset="-127"/>
-                  </a:rPr>
-                  <a:t>대학교에서는 게임 공학을 전공하며 프로그래머로서 개발 경험을 쌓았지만</a:t>
-                </a:r>
-                <a:r>
-                  <a:rPr lang="en-US" altLang="ko-KR" sz="1000" dirty="0">
-                    <a:ln>
-                      <a:solidFill>
-                        <a:schemeClr val="bg1">
-                          <a:lumMod val="75000"/>
-                          <a:alpha val="0"/>
-                        </a:schemeClr>
-                      </a:solidFill>
-                    </a:ln>
-                    <a:latin typeface="Pretendard Light" panose="02000403000000020004" pitchFamily="2" charset="-127"/>
-                    <a:ea typeface="Pretendard Light" panose="02000403000000020004" pitchFamily="2" charset="-127"/>
-                    <a:cs typeface="Pretendard Light" panose="02000403000000020004" pitchFamily="2" charset="-127"/>
-                  </a:rPr>
-                  <a:t>, </a:t>
-                </a:r>
-                <a:r>
-                  <a:rPr lang="ko-KR" altLang="en-US" sz="1000" dirty="0">
-                    <a:ln>
-                      <a:solidFill>
-                        <a:schemeClr val="bg1">
-                          <a:lumMod val="75000"/>
-                          <a:alpha val="0"/>
-                        </a:schemeClr>
-                      </a:solidFill>
-                    </a:ln>
-                    <a:latin typeface="Pretendard Light" panose="02000403000000020004" pitchFamily="2" charset="-127"/>
-                    <a:ea typeface="Pretendard Light" panose="02000403000000020004" pitchFamily="2" charset="-127"/>
-                    <a:cs typeface="Pretendard Light" panose="02000403000000020004" pitchFamily="2" charset="-127"/>
-                  </a:rPr>
-                  <a:t>누군가의 아이디어를 기술적으로 구현해 주는 것보다 저의 아이디어와 상상으로 누군가에게 몰입감을 선사하는 기획 업무에 흥미가 생겼습니다</a:t>
-                </a:r>
-                <a:r>
-                  <a:rPr lang="en-US" altLang="ko-KR" sz="1000" dirty="0">
-                    <a:ln>
-                      <a:solidFill>
-                        <a:schemeClr val="bg1">
-                          <a:lumMod val="75000"/>
-                          <a:alpha val="0"/>
-                        </a:schemeClr>
-                      </a:solidFill>
-                    </a:ln>
-                    <a:latin typeface="Pretendard Light" panose="02000403000000020004" pitchFamily="2" charset="-127"/>
-                    <a:ea typeface="Pretendard Light" panose="02000403000000020004" pitchFamily="2" charset="-127"/>
-                    <a:cs typeface="Pretendard Light" panose="02000403000000020004" pitchFamily="2" charset="-127"/>
-                  </a:rPr>
-                  <a:t>. </a:t>
-                </a:r>
-                <a:r>
-                  <a:rPr lang="ko-KR" altLang="en-US" sz="1000" dirty="0">
-                    <a:ln>
-                      <a:solidFill>
-                        <a:schemeClr val="bg1">
-                          <a:lumMod val="75000"/>
-                          <a:alpha val="0"/>
-                        </a:schemeClr>
-                      </a:solidFill>
-                    </a:ln>
-                    <a:latin typeface="Pretendard Light" panose="02000403000000020004" pitchFamily="2" charset="-127"/>
-                    <a:ea typeface="Pretendard Light" panose="02000403000000020004" pitchFamily="2" charset="-127"/>
-                    <a:cs typeface="Pretendard Light" panose="02000403000000020004" pitchFamily="2" charset="-127"/>
-                  </a:rPr>
-                  <a:t>그 중에서도 전투 기획 업무가 가장 매력적으로 느껴졌습니다</a:t>
-                </a:r>
-                <a:r>
-                  <a:rPr lang="en-US" altLang="ko-KR" sz="1000" dirty="0">
-                    <a:ln>
-                      <a:solidFill>
-                        <a:schemeClr val="bg1">
-                          <a:lumMod val="75000"/>
-                          <a:alpha val="0"/>
-                        </a:schemeClr>
-                      </a:solidFill>
-                    </a:ln>
-                    <a:latin typeface="Pretendard Light" panose="02000403000000020004" pitchFamily="2" charset="-127"/>
-                    <a:ea typeface="Pretendard Light" panose="02000403000000020004" pitchFamily="2" charset="-127"/>
-                    <a:cs typeface="Pretendard Light" panose="02000403000000020004" pitchFamily="2" charset="-127"/>
-                  </a:rPr>
-                  <a:t>. </a:t>
-                </a:r>
-                <a:r>
-                  <a:rPr lang="ko-KR" altLang="en-US" sz="1000" dirty="0">
-                    <a:ln>
-                      <a:solidFill>
-                        <a:schemeClr val="bg1">
-                          <a:lumMod val="75000"/>
-                          <a:alpha val="0"/>
-                        </a:schemeClr>
-                      </a:solidFill>
-                    </a:ln>
-                    <a:latin typeface="Pretendard Light" panose="02000403000000020004" pitchFamily="2" charset="-127"/>
-                    <a:ea typeface="Pretendard Light" panose="02000403000000020004" pitchFamily="2" charset="-127"/>
-                    <a:cs typeface="Pretendard Light" panose="02000403000000020004" pitchFamily="2" charset="-127"/>
-                  </a:rPr>
-                  <a:t>제가 가장 좋아하면서 자신이 있는 분야가 전투였기 때문입니다</a:t>
-                </a:r>
-                <a:r>
-                  <a:rPr lang="en-US" altLang="ko-KR" sz="1000" dirty="0">
-                    <a:ln>
-                      <a:solidFill>
-                        <a:schemeClr val="bg1">
-                          <a:lumMod val="75000"/>
-                          <a:alpha val="0"/>
-                        </a:schemeClr>
-                      </a:solidFill>
-                    </a:ln>
-                    <a:latin typeface="Pretendard Light" panose="02000403000000020004" pitchFamily="2" charset="-127"/>
-                    <a:ea typeface="Pretendard Light" panose="02000403000000020004" pitchFamily="2" charset="-127"/>
-                    <a:cs typeface="Pretendard Light" panose="02000403000000020004" pitchFamily="2" charset="-127"/>
-                  </a:rPr>
-                  <a:t>.</a:t>
-                </a:r>
-              </a:p>
-              <a:p>
-                <a:pPr>
-                  <a:lnSpc>
-                    <a:spcPct val="140000"/>
-                  </a:lnSpc>
-                  <a:spcAft>
-                    <a:spcPts val="1000"/>
-                  </a:spcAft>
-                </a:pPr>
-                <a:r>
-                  <a:rPr lang="ko-KR" altLang="en-US" sz="1000" dirty="0">
-                    <a:ln>
-                      <a:solidFill>
-                        <a:schemeClr val="bg1">
-                          <a:lumMod val="75000"/>
-                          <a:alpha val="0"/>
-                        </a:schemeClr>
-                      </a:solidFill>
-                    </a:ln>
-                    <a:latin typeface="Pretendard Light" panose="02000403000000020004" pitchFamily="2" charset="-127"/>
-                    <a:ea typeface="Pretendard Light" panose="02000403000000020004" pitchFamily="2" charset="-127"/>
-                    <a:cs typeface="Pretendard Light" panose="02000403000000020004" pitchFamily="2" charset="-127"/>
-                  </a:rPr>
-                  <a:t>이제 저만의 전투를 상상에서 그치지 않고 현실에 탄생시키려고 합니다</a:t>
-                </a:r>
-                <a:r>
-                  <a:rPr lang="en-US" altLang="ko-KR" sz="1000" dirty="0">
-                    <a:ln>
-                      <a:solidFill>
-                        <a:schemeClr val="bg1">
-                          <a:lumMod val="75000"/>
-                          <a:alpha val="0"/>
-                        </a:schemeClr>
-                      </a:solidFill>
-                    </a:ln>
-                    <a:latin typeface="Pretendard Light" panose="02000403000000020004" pitchFamily="2" charset="-127"/>
-                    <a:ea typeface="Pretendard Light" panose="02000403000000020004" pitchFamily="2" charset="-127"/>
-                    <a:cs typeface="Pretendard Light" panose="02000403000000020004" pitchFamily="2" charset="-127"/>
-                  </a:rPr>
-                  <a:t>. </a:t>
-                </a:r>
-                <a:r>
-                  <a:rPr lang="ko-KR" altLang="en-US" sz="1000" dirty="0">
-                    <a:ln>
-                      <a:solidFill>
-                        <a:schemeClr val="bg1">
-                          <a:lumMod val="75000"/>
-                          <a:alpha val="0"/>
-                        </a:schemeClr>
-                      </a:solidFill>
-                    </a:ln>
-                    <a:latin typeface="Pretendard Light" panose="02000403000000020004" pitchFamily="2" charset="-127"/>
-                    <a:ea typeface="Pretendard Light" panose="02000403000000020004" pitchFamily="2" charset="-127"/>
-                    <a:cs typeface="Pretendard Light" panose="02000403000000020004" pitchFamily="2" charset="-127"/>
-                  </a:rPr>
-                  <a:t>저의 생각과 경험들을 총동원하여 다른 사람들에게 몰입감과 즐거움을 줄 수 있는 전투를 설계하는 전투 기획자가 되겠습니다</a:t>
-                </a:r>
-                <a:r>
-                  <a:rPr lang="en-US" altLang="ko-KR" sz="1000" dirty="0">
-                    <a:ln>
-                      <a:solidFill>
-                        <a:schemeClr val="bg1">
-                          <a:lumMod val="75000"/>
-                          <a:alpha val="0"/>
-                        </a:schemeClr>
-                      </a:solidFill>
-                    </a:ln>
-                    <a:latin typeface="Pretendard Light" panose="02000403000000020004" pitchFamily="2" charset="-127"/>
-                    <a:ea typeface="Pretendard Light" panose="02000403000000020004" pitchFamily="2" charset="-127"/>
-                    <a:cs typeface="Pretendard Light" panose="02000403000000020004" pitchFamily="2" charset="-127"/>
-                  </a:rPr>
-                  <a:t>.</a:t>
-                </a:r>
-              </a:p>
-            </p:txBody>
-          </p:sp>
-          <p:sp>
-            <p:nvSpPr>
-              <p:cNvPr id="5" name="직사각형 4">
-                <a:extLst>
-                  <a:ext uri="{FF2B5EF4-FFF2-40B4-BE49-F238E27FC236}">
-                    <a16:creationId xmlns:a16="http://schemas.microsoft.com/office/drawing/2014/main" id="{BFDC9772-41BB-5EDE-D72D-E8E364F7E29A}"/>
-                  </a:ext>
-                </a:extLst>
-              </p:cNvPr>
-              <p:cNvSpPr/>
-              <p:nvPr/>
-            </p:nvSpPr>
-            <p:spPr>
-              <a:xfrm>
-                <a:off x="189000" y="2131168"/>
-                <a:ext cx="6480671" cy="398381"/>
-              </a:xfrm>
-              <a:prstGeom prst="rect">
-                <a:avLst/>
-              </a:prstGeom>
-              <a:solidFill>
-                <a:srgbClr val="E1F2FF"/>
-              </a:solidFill>
-              <a:ln>
-                <a:noFill/>
-              </a:ln>
-              <a:effectLst/>
-            </p:spPr>
-            <p:style>
-              <a:lnRef idx="2">
-                <a:schemeClr val="accent1">
-                  <a:shade val="15000"/>
-                </a:schemeClr>
-              </a:lnRef>
-              <a:fillRef idx="1">
-                <a:schemeClr val="accent1"/>
-              </a:fillRef>
-              <a:effectRef idx="0">
-                <a:schemeClr val="accent1"/>
-              </a:effectRef>
-              <a:fontRef idx="minor">
-                <a:schemeClr val="lt1"/>
-              </a:fontRef>
-            </p:style>
-            <p:txBody>
-              <a:bodyPr rtlCol="0" anchor="ctr"/>
-              <a:lstStyle/>
-              <a:p>
-                <a:pPr algn="ctr"/>
-                <a:endParaRPr lang="ko-KR" altLang="en-US" sz="1013"/>
-              </a:p>
-            </p:txBody>
-          </p:sp>
-          <p:sp>
-            <p:nvSpPr>
-              <p:cNvPr id="6" name="TextBox 5">
-                <a:extLst>
-                  <a:ext uri="{FF2B5EF4-FFF2-40B4-BE49-F238E27FC236}">
-                    <a16:creationId xmlns:a16="http://schemas.microsoft.com/office/drawing/2014/main" id="{0B0F26DE-309E-5A8B-AB99-96ECD09018F3}"/>
-                  </a:ext>
-                </a:extLst>
-              </p:cNvPr>
-              <p:cNvSpPr txBox="1"/>
-              <p:nvPr/>
-            </p:nvSpPr>
-            <p:spPr>
-              <a:xfrm>
-                <a:off x="294162" y="2245721"/>
-                <a:ext cx="801501" cy="169277"/>
-              </a:xfrm>
-              <a:prstGeom prst="rect">
-                <a:avLst/>
-              </a:prstGeom>
-              <a:noFill/>
-            </p:spPr>
-            <p:txBody>
-              <a:bodyPr wrap="none" lIns="0" tIns="0" rIns="0" bIns="0" rtlCol="0" anchor="t">
-                <a:spAutoFit/>
-              </a:bodyPr>
-              <a:lstStyle/>
-              <a:p>
-                <a:r>
-                  <a:rPr lang="ko-KR" altLang="en-US" sz="1100" dirty="0">
-                    <a:latin typeface="페이퍼로지 7 Bold" pitchFamily="2" charset="-127"/>
-                    <a:ea typeface="페이퍼로지 7 Bold" pitchFamily="2" charset="-127"/>
-                    <a:cs typeface="Pretendard Medium" panose="02000603000000020004" pitchFamily="2" charset="-127"/>
-                  </a:rPr>
-                  <a:t>직무 지원 동기</a:t>
-                </a:r>
-              </a:p>
-            </p:txBody>
-          </p:sp>
-          <p:cxnSp>
-            <p:nvCxnSpPr>
-              <p:cNvPr id="7" name="직선 연결선 6">
-                <a:extLst>
-                  <a:ext uri="{FF2B5EF4-FFF2-40B4-BE49-F238E27FC236}">
-                    <a16:creationId xmlns:a16="http://schemas.microsoft.com/office/drawing/2014/main" id="{F2F9EBBF-43BB-566B-9B5B-9C995A133182}"/>
-                  </a:ext>
-                </a:extLst>
-              </p:cNvPr>
-              <p:cNvCxnSpPr>
-                <a:cxnSpLocks/>
-              </p:cNvCxnSpPr>
-              <p:nvPr/>
-            </p:nvCxnSpPr>
-            <p:spPr>
-              <a:xfrm>
-                <a:off x="189001" y="2529550"/>
-                <a:ext cx="6480000" cy="0"/>
-              </a:xfrm>
-              <a:prstGeom prst="line">
-                <a:avLst/>
-              </a:prstGeom>
-              <a:ln w="9525">
-                <a:solidFill>
-                  <a:schemeClr val="bg1">
-                    <a:lumMod val="75000"/>
-                  </a:schemeClr>
-                </a:solidFill>
-              </a:ln>
-            </p:spPr>
-            <p:style>
-              <a:lnRef idx="2">
-                <a:schemeClr val="accent1"/>
-              </a:lnRef>
-              <a:fillRef idx="0">
-                <a:schemeClr val="accent1"/>
-              </a:fillRef>
-              <a:effectRef idx="1">
-                <a:schemeClr val="accent1"/>
-              </a:effectRef>
-              <a:fontRef idx="minor">
-                <a:schemeClr val="tx1"/>
-              </a:fontRef>
-            </p:style>
-          </p:cxnSp>
-          <p:sp>
-            <p:nvSpPr>
-              <p:cNvPr id="8" name="직사각형 7">
-                <a:extLst>
-                  <a:ext uri="{FF2B5EF4-FFF2-40B4-BE49-F238E27FC236}">
-                    <a16:creationId xmlns:a16="http://schemas.microsoft.com/office/drawing/2014/main" id="{33D07BFE-19F4-BA33-DA0F-B6177E02A0CD}"/>
-                  </a:ext>
-                </a:extLst>
-              </p:cNvPr>
-              <p:cNvSpPr/>
-              <p:nvPr/>
-            </p:nvSpPr>
-            <p:spPr>
-              <a:xfrm>
-                <a:off x="189000" y="2131167"/>
-                <a:ext cx="6480000" cy="3491070"/>
-              </a:xfrm>
-              <a:prstGeom prst="rect">
-                <a:avLst/>
-              </a:prstGeom>
-              <a:noFill/>
-              <a:ln w="12700">
-                <a:solidFill>
-                  <a:schemeClr val="bg1">
-                    <a:lumMod val="75000"/>
-                  </a:schemeClr>
-                </a:solidFill>
-              </a:ln>
-              <a:effectLst/>
-            </p:spPr>
-            <p:style>
-              <a:lnRef idx="2">
-                <a:schemeClr val="accent1">
-                  <a:shade val="15000"/>
-                </a:schemeClr>
-              </a:lnRef>
-              <a:fillRef idx="1">
-                <a:schemeClr val="accent1"/>
-              </a:fillRef>
-              <a:effectRef idx="0">
-                <a:schemeClr val="accent1"/>
-              </a:effectRef>
-              <a:fontRef idx="minor">
-                <a:schemeClr val="lt1"/>
-              </a:fontRef>
-            </p:style>
-            <p:txBody>
-              <a:bodyPr rtlCol="0" anchor="ctr"/>
-              <a:lstStyle/>
-              <a:p>
-                <a:pPr algn="ctr"/>
-                <a:endParaRPr lang="ko-KR" altLang="en-US" sz="1000" dirty="0"/>
-              </a:p>
-            </p:txBody>
-          </p:sp>
-        </p:grpSp>
-        <p:grpSp>
-          <p:nvGrpSpPr>
-            <p:cNvPr id="9" name="그룹 8">
+            <a:prstGeom prst="rect">
+              <a:avLst/>
+            </a:prstGeom>
+            <a:noFill/>
+          </p:spPr>
+          <p:txBody>
+            <a:bodyPr wrap="square" lIns="0" tIns="72000" rIns="0" bIns="72000" rtlCol="0" anchor="t">
+              <a:spAutoFit/>
+            </a:bodyPr>
+            <a:lstStyle>
+              <a:defPPr>
+                <a:defRPr lang="en-US"/>
+              </a:defPPr>
+              <a:lvl1pPr>
+                <a:lnSpc>
+                  <a:spcPct val="135000"/>
+                </a:lnSpc>
+                <a:spcAft>
+                  <a:spcPts val="800"/>
+                </a:spcAft>
+                <a:defRPr sz="1000">
+                  <a:ln>
+                    <a:solidFill>
+                      <a:schemeClr val="bg1">
+                        <a:lumMod val="75000"/>
+                        <a:alpha val="0"/>
+                      </a:schemeClr>
+                    </a:solidFill>
+                  </a:ln>
+                  <a:latin typeface="Pretendard Light" panose="02000403000000020004" pitchFamily="2" charset="-127"/>
+                  <a:ea typeface="Pretendard Light" panose="02000403000000020004" pitchFamily="2" charset="-127"/>
+                  <a:cs typeface="Pretendard Light" panose="02000403000000020004" pitchFamily="2" charset="-127"/>
+                </a:defRPr>
+              </a:lvl1pPr>
+            </a:lstStyle>
+            <a:p>
+              <a:pPr>
+                <a:lnSpc>
+                  <a:spcPct val="140000"/>
+                </a:lnSpc>
+                <a:spcAft>
+                  <a:spcPts val="1000"/>
+                </a:spcAft>
+              </a:pPr>
+              <a:r>
+                <a:rPr lang="ko-KR" altLang="en-US" dirty="0"/>
+                <a:t>저는 전투 기획자로서 경쟁력을 높이기 위해 다음과 같은 경험을 쌓았습니다</a:t>
+              </a:r>
+              <a:r>
+                <a:rPr lang="en-US" altLang="ko-KR" dirty="0"/>
+                <a:t>.</a:t>
+              </a:r>
+            </a:p>
+            <a:p>
+              <a:pPr>
+                <a:lnSpc>
+                  <a:spcPct val="140000"/>
+                </a:lnSpc>
+                <a:spcAft>
+                  <a:spcPts val="1000"/>
+                </a:spcAft>
+              </a:pPr>
+              <a:r>
+                <a:rPr lang="ko-KR" altLang="en-US" dirty="0">
+                  <a:latin typeface="Pretendard Medium" panose="02000603000000020004" pitchFamily="2" charset="-127"/>
+                  <a:ea typeface="Pretendard Medium" panose="02000603000000020004" pitchFamily="2" charset="-127"/>
+                  <a:cs typeface="Pretendard Medium" panose="02000603000000020004" pitchFamily="2" charset="-127"/>
+                </a:rPr>
+                <a:t>첫째</a:t>
+              </a:r>
+              <a:r>
+                <a:rPr lang="en-US" altLang="ko-KR" dirty="0">
+                  <a:latin typeface="Pretendard Medium" panose="02000603000000020004" pitchFamily="2" charset="-127"/>
+                  <a:ea typeface="Pretendard Medium" panose="02000603000000020004" pitchFamily="2" charset="-127"/>
+                  <a:cs typeface="Pretendard Medium" panose="02000603000000020004" pitchFamily="2" charset="-127"/>
+                </a:rPr>
+                <a:t>, </a:t>
+              </a:r>
+              <a:r>
+                <a:rPr lang="ko-KR" altLang="en-US" dirty="0">
+                  <a:latin typeface="Pretendard Medium" panose="02000603000000020004" pitchFamily="2" charset="-127"/>
+                  <a:ea typeface="Pretendard Medium" panose="02000603000000020004" pitchFamily="2" charset="-127"/>
+                  <a:cs typeface="Pretendard Medium" panose="02000603000000020004" pitchFamily="2" charset="-127"/>
+                </a:rPr>
+                <a:t>다양한 게임에서 여러 캐릭터의 전투 스타일을 체험해 보았습니다</a:t>
+              </a:r>
+              <a:r>
+                <a:rPr lang="en-US" altLang="ko-KR" dirty="0">
+                  <a:latin typeface="Pretendard Medium" panose="02000603000000020004" pitchFamily="2" charset="-127"/>
+                  <a:ea typeface="Pretendard Medium" panose="02000603000000020004" pitchFamily="2" charset="-127"/>
+                  <a:cs typeface="Pretendard Medium" panose="02000603000000020004" pitchFamily="2" charset="-127"/>
+                </a:rPr>
+                <a:t>.</a:t>
+              </a:r>
+              <a:br>
+                <a:rPr lang="en-US" altLang="ko-KR" dirty="0"/>
+              </a:br>
+              <a:r>
+                <a:rPr lang="ko-KR" altLang="en-US" dirty="0"/>
+                <a:t>제가 가장 좋아하는 게임 장르는 </a:t>
+              </a:r>
+              <a:r>
+                <a:rPr lang="en-US" altLang="ko-KR" dirty="0"/>
+                <a:t>RPG</a:t>
+              </a:r>
+              <a:r>
+                <a:rPr lang="ko-KR" altLang="en-US" dirty="0"/>
+                <a:t>입니다</a:t>
+              </a:r>
+              <a:r>
+                <a:rPr lang="en-US" altLang="ko-KR" dirty="0"/>
+                <a:t>. </a:t>
+              </a:r>
+              <a:r>
+                <a:rPr lang="ko-KR" altLang="en-US" dirty="0"/>
+                <a:t>다양한 캐릭터의 전투를 느껴 볼 수 있다는 점이 매력적으로 느껴지기 때문입니다</a:t>
+              </a:r>
+              <a:r>
+                <a:rPr lang="en-US" altLang="ko-KR" dirty="0"/>
+                <a:t>. RPG </a:t>
+              </a:r>
+              <a:r>
+                <a:rPr lang="ko-KR" altLang="en-US" dirty="0"/>
+                <a:t>외에도 다양한 전투를 체험할 수 있는 게임에 흥미가 생깁니다</a:t>
+              </a:r>
+              <a:r>
+                <a:rPr lang="en-US" altLang="ko-KR" dirty="0"/>
+                <a:t>. </a:t>
+              </a:r>
+              <a:r>
+                <a:rPr lang="ko-KR" altLang="en-US" dirty="0"/>
+                <a:t>예를 들어</a:t>
+              </a:r>
+              <a:r>
+                <a:rPr lang="en-US" altLang="ko-KR" dirty="0"/>
+                <a:t>, </a:t>
+              </a:r>
+              <a:r>
+                <a:rPr lang="ko-KR" altLang="en-US" dirty="0"/>
+                <a:t>리그 오브 레전드에서도 라인에 관련 없이 재밌어 보이는 챔피언을 다 플레이해 보았습니다</a:t>
+              </a:r>
+              <a:r>
+                <a:rPr lang="en-US" altLang="ko-KR" dirty="0"/>
+                <a:t>. </a:t>
+              </a:r>
+              <a:r>
+                <a:rPr lang="ko-KR" altLang="en-US" dirty="0"/>
+                <a:t>무기에 따라 전투 스타일이 바뀌는 소울 </a:t>
+              </a:r>
+              <a:r>
+                <a:rPr lang="ko-KR" altLang="en-US" dirty="0" err="1"/>
+                <a:t>라이크</a:t>
+              </a:r>
+              <a:r>
+                <a:rPr lang="ko-KR" altLang="en-US" dirty="0"/>
+                <a:t> 게임에서도 획득한 무기는 꼭 한 번씩 써보고 결정하기도 합니다</a:t>
+              </a:r>
+              <a:r>
+                <a:rPr lang="en-US" altLang="ko-KR" dirty="0"/>
+                <a:t>. </a:t>
+              </a:r>
+              <a:r>
+                <a:rPr lang="ko-KR" altLang="en-US" dirty="0"/>
+                <a:t>이런 경험들로 제가 선호하는 전투에 대해 이해하고</a:t>
+              </a:r>
+              <a:r>
+                <a:rPr lang="en-US" altLang="ko-KR" dirty="0"/>
+                <a:t>, </a:t>
+              </a:r>
+              <a:r>
+                <a:rPr lang="ko-KR" altLang="en-US" dirty="0"/>
+                <a:t>전투 기획에서 저만의 방향을 세울 수 있습니다</a:t>
+              </a:r>
+              <a:r>
+                <a:rPr lang="en-US" altLang="ko-KR" dirty="0"/>
+                <a:t>.</a:t>
+              </a:r>
+            </a:p>
+            <a:p>
+              <a:pPr>
+                <a:lnSpc>
+                  <a:spcPct val="140000"/>
+                </a:lnSpc>
+                <a:spcAft>
+                  <a:spcPts val="1000"/>
+                </a:spcAft>
+              </a:pPr>
+              <a:r>
+                <a:rPr lang="ko-KR" altLang="en-US" dirty="0">
+                  <a:latin typeface="Pretendard Medium" panose="02000603000000020004" pitchFamily="2" charset="-127"/>
+                  <a:ea typeface="Pretendard Medium" panose="02000603000000020004" pitchFamily="2" charset="-127"/>
+                  <a:cs typeface="Pretendard Medium" panose="02000603000000020004" pitchFamily="2" charset="-127"/>
+                </a:rPr>
+                <a:t>둘째</a:t>
+              </a:r>
+              <a:r>
+                <a:rPr lang="en-US" altLang="ko-KR" dirty="0">
+                  <a:latin typeface="Pretendard Medium" panose="02000603000000020004" pitchFamily="2" charset="-127"/>
+                  <a:ea typeface="Pretendard Medium" panose="02000603000000020004" pitchFamily="2" charset="-127"/>
+                  <a:cs typeface="Pretendard Medium" panose="02000603000000020004" pitchFamily="2" charset="-127"/>
+                </a:rPr>
+                <a:t>, </a:t>
+              </a:r>
+              <a:r>
+                <a:rPr lang="ko-KR" altLang="en-US" dirty="0">
+                  <a:latin typeface="Pretendard Medium" panose="02000603000000020004" pitchFamily="2" charset="-127"/>
+                  <a:ea typeface="Pretendard Medium" panose="02000603000000020004" pitchFamily="2" charset="-127"/>
+                  <a:cs typeface="Pretendard Medium" panose="02000603000000020004" pitchFamily="2" charset="-127"/>
+                </a:rPr>
+                <a:t>다양한 개발 도구를 폭넓게 사용해 보았습니다</a:t>
+              </a:r>
+              <a:r>
+                <a:rPr lang="en-US" altLang="ko-KR" dirty="0">
+                  <a:latin typeface="Pretendard Medium" panose="02000603000000020004" pitchFamily="2" charset="-127"/>
+                  <a:ea typeface="Pretendard Medium" panose="02000603000000020004" pitchFamily="2" charset="-127"/>
+                  <a:cs typeface="Pretendard Medium" panose="02000603000000020004" pitchFamily="2" charset="-127"/>
+                </a:rPr>
+                <a:t>.</a:t>
+              </a:r>
+              <a:r>
+                <a:rPr lang="en-US" altLang="ko-KR" dirty="0">
+                  <a:latin typeface="Pretendard" panose="02000503000000020004" pitchFamily="2" charset="-127"/>
+                  <a:ea typeface="Pretendard" panose="02000503000000020004" pitchFamily="2" charset="-127"/>
+                  <a:cs typeface="Pretendard" panose="02000503000000020004" pitchFamily="2" charset="-127"/>
+                </a:rPr>
+                <a:t> </a:t>
+              </a:r>
+              <a:br>
+                <a:rPr lang="en-US" altLang="ko-KR" dirty="0"/>
+              </a:br>
+              <a:r>
+                <a:rPr lang="ko-KR" altLang="en-US" dirty="0"/>
+                <a:t>대학교에서 프로그래머로 여러 프로젝트를 진행하면서 </a:t>
+              </a:r>
+              <a:r>
+                <a:rPr lang="en-US" altLang="ko-KR" dirty="0"/>
+                <a:t>Unreal Engine 4, Unity, MySQL </a:t>
+              </a:r>
+              <a:r>
+                <a:rPr lang="ko-KR" altLang="en-US" dirty="0"/>
+                <a:t>등 다양한 개발 도구를 접해 보았습니다</a:t>
+              </a:r>
+              <a:r>
+                <a:rPr lang="en-US" altLang="ko-KR" dirty="0"/>
+                <a:t>. </a:t>
+              </a:r>
+              <a:r>
+                <a:rPr lang="ko-KR" altLang="en-US" dirty="0"/>
+                <a:t>이 과정에서 대부분의 개발 도구는 유사한 기능을 가지고 있다는 점을 </a:t>
+              </a:r>
+              <a:r>
+                <a:rPr lang="ko-KR" altLang="en-US" dirty="0" err="1"/>
+                <a:t>깨달았습니다</a:t>
+              </a:r>
+              <a:r>
+                <a:rPr lang="en-US" altLang="ko-KR" dirty="0"/>
+                <a:t>. </a:t>
+              </a:r>
+              <a:r>
+                <a:rPr lang="ko-KR" altLang="en-US" dirty="0"/>
+                <a:t>덕분에 개발 도구를 새롭게 접하더라도 두려움 없이 빠르게 적응할 수 있었습니다</a:t>
+              </a:r>
+              <a:r>
+                <a:rPr lang="en-US" altLang="ko-KR" dirty="0"/>
+                <a:t>. </a:t>
+              </a:r>
+              <a:r>
+                <a:rPr lang="ko-KR" altLang="en-US" dirty="0"/>
+                <a:t>이런 경험으로 리소스 조립</a:t>
+              </a:r>
+              <a:r>
+                <a:rPr lang="en-US" altLang="ko-KR" dirty="0"/>
+                <a:t>, </a:t>
+              </a:r>
+              <a:r>
+                <a:rPr lang="ko-KR" altLang="en-US" dirty="0"/>
+                <a:t>프로토타이핑 등의 기획 업무를 더욱 수월하게 할 수 있습니다</a:t>
+              </a:r>
+              <a:r>
+                <a:rPr lang="en-US" altLang="ko-KR" dirty="0"/>
+                <a:t>. </a:t>
+              </a:r>
+            </a:p>
+            <a:p>
+              <a:pPr>
+                <a:lnSpc>
+                  <a:spcPct val="140000"/>
+                </a:lnSpc>
+                <a:spcAft>
+                  <a:spcPts val="1000"/>
+                </a:spcAft>
+              </a:pPr>
+              <a:r>
+                <a:rPr lang="ko-KR" altLang="en-US" dirty="0">
+                  <a:latin typeface="Pretendard Medium" panose="02000603000000020004" pitchFamily="2" charset="-127"/>
+                  <a:ea typeface="Pretendard Medium" panose="02000603000000020004" pitchFamily="2" charset="-127"/>
+                  <a:cs typeface="Pretendard Medium" panose="02000603000000020004" pitchFamily="2" charset="-127"/>
+                </a:rPr>
+                <a:t>셋째</a:t>
+              </a:r>
+              <a:r>
+                <a:rPr lang="en-US" altLang="ko-KR" dirty="0">
+                  <a:latin typeface="Pretendard Medium" panose="02000603000000020004" pitchFamily="2" charset="-127"/>
+                  <a:ea typeface="Pretendard Medium" panose="02000603000000020004" pitchFamily="2" charset="-127"/>
+                  <a:cs typeface="Pretendard Medium" panose="02000603000000020004" pitchFamily="2" charset="-127"/>
+                </a:rPr>
+                <a:t>, </a:t>
+              </a:r>
+              <a:r>
+                <a:rPr lang="ko-KR" altLang="en-US" dirty="0">
+                  <a:latin typeface="Pretendard Medium" panose="02000603000000020004" pitchFamily="2" charset="-127"/>
+                  <a:ea typeface="Pretendard Medium" panose="02000603000000020004" pitchFamily="2" charset="-127"/>
+                  <a:cs typeface="Pretendard Medium" panose="02000603000000020004" pitchFamily="2" charset="-127"/>
+                </a:rPr>
+                <a:t>기획서 작성을 통해 실무 역량을 키웠습니다</a:t>
+              </a:r>
+              <a:r>
+                <a:rPr lang="en-US" altLang="ko-KR" dirty="0">
+                  <a:latin typeface="Pretendard Medium" panose="02000603000000020004" pitchFamily="2" charset="-127"/>
+                  <a:ea typeface="Pretendard Medium" panose="02000603000000020004" pitchFamily="2" charset="-127"/>
+                  <a:cs typeface="Pretendard Medium" panose="02000603000000020004" pitchFamily="2" charset="-127"/>
+                </a:rPr>
+                <a:t>.</a:t>
+              </a:r>
+              <a:r>
+                <a:rPr lang="en-US" altLang="ko-KR" dirty="0">
+                  <a:latin typeface="Pretendard" panose="02000503000000020004" pitchFamily="2" charset="-127"/>
+                  <a:ea typeface="Pretendard" panose="02000503000000020004" pitchFamily="2" charset="-127"/>
+                  <a:cs typeface="Pretendard" panose="02000503000000020004" pitchFamily="2" charset="-127"/>
+                </a:rPr>
+                <a:t> </a:t>
+              </a:r>
+              <a:br>
+                <a:rPr lang="en-US" altLang="ko-KR" dirty="0"/>
+              </a:br>
+              <a:r>
+                <a:rPr lang="ko-KR" altLang="en-US" dirty="0"/>
+                <a:t>혼자서 캐릭터 기획을 해보고 데이터 테이블을 작성해 보았습니다</a:t>
+              </a:r>
+              <a:r>
+                <a:rPr lang="en-US" altLang="ko-KR" dirty="0"/>
+                <a:t>. </a:t>
+              </a:r>
+              <a:r>
+                <a:rPr lang="ko-KR" altLang="en-US" dirty="0"/>
+                <a:t>국비 교육</a:t>
+              </a:r>
+              <a:r>
+                <a:rPr lang="en-US" altLang="ko-KR" dirty="0"/>
+                <a:t>(NCS </a:t>
+              </a:r>
+              <a:r>
+                <a:rPr lang="ko-KR" altLang="en-US" dirty="0"/>
+                <a:t>게임 콘텐츠 기획자 양성 과정</a:t>
+              </a:r>
+              <a:r>
+                <a:rPr lang="en-US" altLang="ko-KR" dirty="0"/>
+                <a:t>)</a:t>
+              </a:r>
+              <a:r>
+                <a:rPr lang="ko-KR" altLang="en-US" dirty="0"/>
+                <a:t>에서는 팀원들과 서로의 기획서를 공유하고 피드백을 주고받으며 실무 감각을 익혔습니다</a:t>
+              </a:r>
+              <a:r>
+                <a:rPr lang="en-US" altLang="ko-KR" dirty="0"/>
+                <a:t>. </a:t>
+              </a:r>
+              <a:r>
+                <a:rPr lang="ko-KR" altLang="en-US" dirty="0"/>
+                <a:t>특히</a:t>
+              </a:r>
+              <a:r>
+                <a:rPr lang="en-US" altLang="ko-KR" dirty="0"/>
+                <a:t>, </a:t>
+              </a:r>
+              <a:r>
+                <a:rPr lang="ko-KR" altLang="en-US" dirty="0"/>
+                <a:t>캐릭터의 스킬을 기획하기 위해 모션과 </a:t>
+              </a:r>
+              <a:r>
+                <a:rPr lang="ko-KR" altLang="en-US" dirty="0" err="1"/>
+                <a:t>이펙트뿐만</a:t>
+              </a:r>
+              <a:r>
+                <a:rPr lang="ko-KR" altLang="en-US" dirty="0"/>
+                <a:t> 아니라 카메라 구도</a:t>
+              </a:r>
+              <a:r>
+                <a:rPr lang="en-US" altLang="ko-KR" dirty="0"/>
+                <a:t>, </a:t>
+              </a:r>
+              <a:r>
+                <a:rPr lang="ko-KR" altLang="en-US" dirty="0"/>
+                <a:t>선</a:t>
+              </a:r>
+              <a:r>
+                <a:rPr lang="en-US" altLang="ko-KR" dirty="0"/>
+                <a:t>/</a:t>
+              </a:r>
+              <a:r>
+                <a:rPr lang="ko-KR" altLang="en-US" dirty="0"/>
+                <a:t>후 딜레이</a:t>
+              </a:r>
+              <a:r>
+                <a:rPr lang="en-US" altLang="ko-KR" dirty="0"/>
+                <a:t>, </a:t>
+              </a:r>
+              <a:r>
+                <a:rPr lang="ko-KR" altLang="en-US" dirty="0"/>
+                <a:t>효과 발동 타이밍 등 여러 요소들을 생각하며 기획서를 작성해 보기도 했습니다</a:t>
+              </a:r>
+              <a:r>
+                <a:rPr lang="en-US" altLang="ko-KR" dirty="0"/>
+                <a:t>. </a:t>
+              </a:r>
+              <a:r>
+                <a:rPr lang="ko-KR" altLang="en-US" dirty="0"/>
+                <a:t>그 결과 많은 내용을 한 번에 담는 것보다 명확한 기획 의도를 설정하고 적절한 수준으로 구성하는 것이 더 중요한 일이라는 것을 체감했습니다</a:t>
+              </a:r>
+              <a:r>
+                <a:rPr lang="en-US" altLang="ko-KR" dirty="0"/>
+                <a:t>.</a:t>
+              </a:r>
+            </a:p>
+            <a:p>
+              <a:pPr>
+                <a:lnSpc>
+                  <a:spcPct val="140000"/>
+                </a:lnSpc>
+                <a:spcAft>
+                  <a:spcPts val="1000"/>
+                </a:spcAft>
+              </a:pPr>
+              <a:r>
+                <a:rPr lang="ko-KR" altLang="en-US" dirty="0">
+                  <a:latin typeface="Pretendard Medium" panose="02000603000000020004" pitchFamily="2" charset="-127"/>
+                  <a:ea typeface="Pretendard Medium" panose="02000603000000020004" pitchFamily="2" charset="-127"/>
+                  <a:cs typeface="Pretendard Medium" panose="02000603000000020004" pitchFamily="2" charset="-127"/>
+                </a:rPr>
+                <a:t>넷째</a:t>
+              </a:r>
+              <a:r>
+                <a:rPr lang="en-US" altLang="ko-KR" dirty="0">
+                  <a:latin typeface="Pretendard Medium" panose="02000603000000020004" pitchFamily="2" charset="-127"/>
+                  <a:ea typeface="Pretendard Medium" panose="02000603000000020004" pitchFamily="2" charset="-127"/>
+                  <a:cs typeface="Pretendard Medium" panose="02000603000000020004" pitchFamily="2" charset="-127"/>
+                </a:rPr>
+                <a:t>, </a:t>
+              </a:r>
+              <a:r>
+                <a:rPr lang="ko-KR" altLang="en-US" dirty="0">
+                  <a:latin typeface="Pretendard Medium" panose="02000603000000020004" pitchFamily="2" charset="-127"/>
+                  <a:ea typeface="Pretendard Medium" panose="02000603000000020004" pitchFamily="2" charset="-127"/>
+                  <a:cs typeface="Pretendard Medium" panose="02000603000000020004" pitchFamily="2" charset="-127"/>
+                </a:rPr>
+                <a:t>실제 협업 경험을 쌓았습니다</a:t>
+              </a:r>
+              <a:r>
+                <a:rPr lang="en-US" altLang="ko-KR" dirty="0">
+                  <a:latin typeface="Pretendard Medium" panose="02000603000000020004" pitchFamily="2" charset="-127"/>
+                  <a:ea typeface="Pretendard Medium" panose="02000603000000020004" pitchFamily="2" charset="-127"/>
+                  <a:cs typeface="Pretendard Medium" panose="02000603000000020004" pitchFamily="2" charset="-127"/>
+                </a:rPr>
+                <a:t>.</a:t>
+              </a:r>
+              <a:r>
+                <a:rPr lang="en-US" altLang="ko-KR" dirty="0">
+                  <a:latin typeface="Pretendard" panose="02000503000000020004" pitchFamily="2" charset="-127"/>
+                  <a:ea typeface="Pretendard" panose="02000503000000020004" pitchFamily="2" charset="-127"/>
+                  <a:cs typeface="Pretendard" panose="02000503000000020004" pitchFamily="2" charset="-127"/>
+                </a:rPr>
+                <a:t> </a:t>
+              </a:r>
+              <a:br>
+                <a:rPr lang="en-US" altLang="ko-KR" dirty="0"/>
+              </a:br>
+              <a:r>
+                <a:rPr lang="ko-KR" altLang="en-US" dirty="0"/>
+                <a:t>대학교에서는 프로그래머로 팀 프로젝트들에 참여했고 졸업 작품을 할 때에는 팀장으로서 팀원들을 독려하고 많은 대화를 이끌어 내어 팀워크를 발휘한 경험이 있습니다</a:t>
+              </a:r>
+              <a:r>
+                <a:rPr lang="en-US" altLang="ko-KR" dirty="0"/>
+                <a:t>. </a:t>
+              </a:r>
+              <a:r>
+                <a:rPr lang="ko-KR" altLang="en-US" dirty="0"/>
+                <a:t>국비 교육에서는 전투 기획 업무를 위주로 팀 프로젝트에 참여했습니다</a:t>
+              </a:r>
+              <a:r>
+                <a:rPr lang="en-US" altLang="ko-KR" dirty="0"/>
+                <a:t>. </a:t>
+              </a:r>
+              <a:r>
+                <a:rPr lang="ko-KR" altLang="en-US" dirty="0"/>
+                <a:t>교육 기간 동안 세 번의 팀 프로젝트를 진행하였습니다</a:t>
+              </a:r>
+              <a:r>
+                <a:rPr lang="en-US" altLang="ko-KR" dirty="0"/>
+                <a:t>. </a:t>
+              </a:r>
+              <a:r>
+                <a:rPr lang="ko-KR" altLang="en-US" dirty="0"/>
+                <a:t>팀 프로젝트는 </a:t>
+              </a:r>
+              <a:r>
+                <a:rPr lang="en-US" altLang="ko-KR" dirty="0"/>
+                <a:t>2</a:t>
+              </a:r>
+              <a:r>
+                <a:rPr lang="ko-KR" altLang="en-US" dirty="0"/>
+                <a:t>주간의 짧은 일정으로 인해</a:t>
+              </a:r>
+              <a:r>
+                <a:rPr lang="en-US" altLang="ko-KR" dirty="0"/>
+                <a:t>, </a:t>
+              </a:r>
+              <a:r>
+                <a:rPr lang="ko-KR" altLang="en-US" dirty="0"/>
+                <a:t>일정에 맞추기 위해서는 팀원들과 원활한 의사소통이 필수적이었고 맡은 역할에 책임감을 가지고 업무를 진행해야 했습니다</a:t>
+              </a:r>
+              <a:r>
+                <a:rPr lang="en-US" altLang="ko-KR" dirty="0"/>
+                <a:t>. </a:t>
+              </a:r>
+              <a:r>
+                <a:rPr lang="ko-KR" altLang="en-US" dirty="0"/>
+                <a:t>이런 다양한 협업 경험을 통해</a:t>
+              </a:r>
+              <a:r>
+                <a:rPr lang="en-US" altLang="ko-KR" dirty="0"/>
+                <a:t>, </a:t>
+              </a:r>
+              <a:r>
+                <a:rPr lang="ko-KR" altLang="en-US" dirty="0"/>
+                <a:t>책임감이 단순히 맡은 역할을 수행하는 것을 넘어 ‘의견을 뒷받침할 능력을 </a:t>
+              </a:r>
+              <a:r>
+                <a:rPr lang="ko-KR" altLang="en-US" dirty="0" err="1"/>
+                <a:t>키우자’는</a:t>
+              </a:r>
+              <a:r>
+                <a:rPr lang="ko-KR" altLang="en-US" dirty="0"/>
+                <a:t> 가치관으로 발전하기도 했습니다</a:t>
+              </a:r>
+              <a:r>
+                <a:rPr lang="en-US" altLang="ko-KR" dirty="0"/>
+                <a:t>.</a:t>
+              </a:r>
+            </a:p>
+          </p:txBody>
+        </p:sp>
+        <p:sp>
+          <p:nvSpPr>
+            <p:cNvPr id="11" name="직사각형 10">
               <a:extLst>
                 <a:ext uri="{FF2B5EF4-FFF2-40B4-BE49-F238E27FC236}">
-                  <a16:creationId xmlns:a16="http://schemas.microsoft.com/office/drawing/2014/main" id="{25C4D6A8-D68E-A7C0-6167-340982875F40}"/>
+                  <a16:creationId xmlns:a16="http://schemas.microsoft.com/office/drawing/2014/main" id="{13B14CE2-81D0-75FB-C4A2-8529ABEA0B3B}"/>
                 </a:ext>
               </a:extLst>
             </p:cNvPr>
-            <p:cNvGrpSpPr/>
+            <p:cNvSpPr/>
             <p:nvPr/>
-          </p:nvGrpSpPr>
-          <p:grpSpPr>
+          </p:nvSpPr>
+          <p:spPr>
             <a:xfrm>
-              <a:off x="188665" y="4297649"/>
-              <a:ext cx="6487083" cy="5989190"/>
-              <a:chOff x="185458" y="4124129"/>
-              <a:chExt cx="6487083" cy="5989190"/>
+              <a:off x="185458" y="4124130"/>
+              <a:ext cx="6480671" cy="398381"/>
             </a:xfrm>
-          </p:grpSpPr>
-          <p:sp>
-            <p:nvSpPr>
-              <p:cNvPr id="10" name="TextBox 9">
-                <a:extLst>
-                  <a:ext uri="{FF2B5EF4-FFF2-40B4-BE49-F238E27FC236}">
-                    <a16:creationId xmlns:a16="http://schemas.microsoft.com/office/drawing/2014/main" id="{E53FC759-F7E8-4106-4A27-684348CA0009}"/>
-                  </a:ext>
-                </a:extLst>
-              </p:cNvPr>
-              <p:cNvSpPr txBox="1"/>
-              <p:nvPr/>
-            </p:nvSpPr>
-            <p:spPr>
-              <a:xfrm>
-                <a:off x="290620" y="4522511"/>
-                <a:ext cx="6269676" cy="5590808"/>
-              </a:xfrm>
-              <a:prstGeom prst="rect">
-                <a:avLst/>
-              </a:prstGeom>
+            <a:prstGeom prst="rect">
+              <a:avLst/>
+            </a:prstGeom>
+            <a:solidFill>
+              <a:srgbClr val="E1F2FF"/>
+            </a:solidFill>
+            <a:ln>
               <a:noFill/>
-            </p:spPr>
-            <p:txBody>
-              <a:bodyPr wrap="square" lIns="0" tIns="72000" rIns="0" bIns="72000" rtlCol="0" anchor="t">
-                <a:spAutoFit/>
-              </a:bodyPr>
-              <a:lstStyle>
-                <a:defPPr>
-                  <a:defRPr lang="en-US"/>
-                </a:defPPr>
-                <a:lvl1pPr>
-                  <a:lnSpc>
-                    <a:spcPct val="135000"/>
-                  </a:lnSpc>
-                  <a:spcAft>
-                    <a:spcPts val="800"/>
-                  </a:spcAft>
-                  <a:defRPr sz="1000">
-                    <a:ln>
-                      <a:solidFill>
-                        <a:schemeClr val="bg1">
-                          <a:lumMod val="75000"/>
-                          <a:alpha val="0"/>
-                        </a:schemeClr>
-                      </a:solidFill>
-                    </a:ln>
-                    <a:latin typeface="Pretendard Light" panose="02000403000000020004" pitchFamily="2" charset="-127"/>
-                    <a:ea typeface="Pretendard Light" panose="02000403000000020004" pitchFamily="2" charset="-127"/>
-                    <a:cs typeface="Pretendard Light" panose="02000403000000020004" pitchFamily="2" charset="-127"/>
-                  </a:defRPr>
-                </a:lvl1pPr>
-              </a:lstStyle>
-              <a:p>
-                <a:pPr>
-                  <a:lnSpc>
-                    <a:spcPct val="140000"/>
-                  </a:lnSpc>
-                  <a:spcAft>
-                    <a:spcPts val="1000"/>
-                  </a:spcAft>
-                </a:pPr>
-                <a:r>
-                  <a:rPr lang="ko-KR" altLang="en-US" dirty="0"/>
-                  <a:t>저는 전투 기획자로서 경쟁력을 높이기 위해 다음과 같은 경험을 쌓았습니다</a:t>
-                </a:r>
-                <a:r>
-                  <a:rPr lang="en-US" altLang="ko-KR" dirty="0"/>
-                  <a:t>.</a:t>
-                </a:r>
-              </a:p>
-              <a:p>
-                <a:pPr>
-                  <a:lnSpc>
-                    <a:spcPct val="140000"/>
-                  </a:lnSpc>
-                  <a:spcAft>
-                    <a:spcPts val="1000"/>
-                  </a:spcAft>
-                </a:pPr>
-                <a:r>
-                  <a:rPr lang="ko-KR" altLang="en-US" dirty="0">
-                    <a:latin typeface="Pretendard Medium" panose="02000603000000020004" pitchFamily="2" charset="-127"/>
-                    <a:ea typeface="Pretendard Medium" panose="02000603000000020004" pitchFamily="2" charset="-127"/>
-                    <a:cs typeface="Pretendard Medium" panose="02000603000000020004" pitchFamily="2" charset="-127"/>
-                  </a:rPr>
-                  <a:t>첫째</a:t>
-                </a:r>
-                <a:r>
-                  <a:rPr lang="en-US" altLang="ko-KR" dirty="0">
-                    <a:latin typeface="Pretendard Medium" panose="02000603000000020004" pitchFamily="2" charset="-127"/>
-                    <a:ea typeface="Pretendard Medium" panose="02000603000000020004" pitchFamily="2" charset="-127"/>
-                    <a:cs typeface="Pretendard Medium" panose="02000603000000020004" pitchFamily="2" charset="-127"/>
-                  </a:rPr>
-                  <a:t>, </a:t>
-                </a:r>
-                <a:r>
-                  <a:rPr lang="ko-KR" altLang="en-US" dirty="0">
-                    <a:latin typeface="Pretendard Medium" panose="02000603000000020004" pitchFamily="2" charset="-127"/>
-                    <a:ea typeface="Pretendard Medium" panose="02000603000000020004" pitchFamily="2" charset="-127"/>
-                    <a:cs typeface="Pretendard Medium" panose="02000603000000020004" pitchFamily="2" charset="-127"/>
-                  </a:rPr>
-                  <a:t>다양한 게임에서 여러 캐릭터의 전투 스타일을 체험해 보았습니다</a:t>
-                </a:r>
-                <a:r>
-                  <a:rPr lang="en-US" altLang="ko-KR" dirty="0">
-                    <a:latin typeface="Pretendard Medium" panose="02000603000000020004" pitchFamily="2" charset="-127"/>
-                    <a:ea typeface="Pretendard Medium" panose="02000603000000020004" pitchFamily="2" charset="-127"/>
-                    <a:cs typeface="Pretendard Medium" panose="02000603000000020004" pitchFamily="2" charset="-127"/>
-                  </a:rPr>
-                  <a:t>.</a:t>
-                </a:r>
-                <a:br>
-                  <a:rPr lang="en-US" altLang="ko-KR" dirty="0"/>
-                </a:br>
-                <a:r>
-                  <a:rPr lang="ko-KR" altLang="en-US" dirty="0"/>
-                  <a:t>제가 가장 좋아하는 게임 장르는 </a:t>
-                </a:r>
-                <a:r>
-                  <a:rPr lang="en-US" altLang="ko-KR" dirty="0"/>
-                  <a:t>RPG</a:t>
-                </a:r>
-                <a:r>
-                  <a:rPr lang="ko-KR" altLang="en-US" dirty="0"/>
-                  <a:t>입니다</a:t>
-                </a:r>
-                <a:r>
-                  <a:rPr lang="en-US" altLang="ko-KR" dirty="0"/>
-                  <a:t>. </a:t>
-                </a:r>
-                <a:r>
-                  <a:rPr lang="ko-KR" altLang="en-US" dirty="0"/>
-                  <a:t>다양한 캐릭터의 전투를 느껴 볼 수 있다는 점이 매력적으로 느껴지기 때문입니다</a:t>
-                </a:r>
-                <a:r>
-                  <a:rPr lang="en-US" altLang="ko-KR" dirty="0"/>
-                  <a:t>. RPG </a:t>
-                </a:r>
-                <a:r>
-                  <a:rPr lang="ko-KR" altLang="en-US" dirty="0"/>
-                  <a:t>외에도 다양한 전투를 체험할 수 있는 게임에 흥미가 생깁니다</a:t>
-                </a:r>
-                <a:r>
-                  <a:rPr lang="en-US" altLang="ko-KR" dirty="0"/>
-                  <a:t>. </a:t>
-                </a:r>
-                <a:r>
-                  <a:rPr lang="ko-KR" altLang="en-US" dirty="0"/>
-                  <a:t>예를 들어</a:t>
-                </a:r>
-                <a:r>
-                  <a:rPr lang="en-US" altLang="ko-KR" dirty="0"/>
-                  <a:t>, </a:t>
-                </a:r>
-                <a:r>
-                  <a:rPr lang="ko-KR" altLang="en-US" dirty="0"/>
-                  <a:t>리그 오브 레전드에서도 라인에 관련 없이 재밌어 보이는 챔피언을 다 플레이해 보았습니다</a:t>
-                </a:r>
-                <a:r>
-                  <a:rPr lang="en-US" altLang="ko-KR" dirty="0"/>
-                  <a:t>. </a:t>
-                </a:r>
-                <a:r>
-                  <a:rPr lang="ko-KR" altLang="en-US" dirty="0"/>
-                  <a:t>무기에 따라 전투 스타일이 바뀌는 소울 </a:t>
-                </a:r>
-                <a:r>
-                  <a:rPr lang="ko-KR" altLang="en-US" dirty="0" err="1"/>
-                  <a:t>라이크</a:t>
-                </a:r>
-                <a:r>
-                  <a:rPr lang="ko-KR" altLang="en-US" dirty="0"/>
-                  <a:t> 게임에서도 획득한 무기는 꼭 한 번씩 써보고 결정하기도 합니다</a:t>
-                </a:r>
-                <a:r>
-                  <a:rPr lang="en-US" altLang="ko-KR" dirty="0"/>
-                  <a:t>. </a:t>
-                </a:r>
-                <a:r>
-                  <a:rPr lang="ko-KR" altLang="en-US" dirty="0"/>
-                  <a:t>이런 경험들로 제가 선호하는 전투에 대해 이해하고</a:t>
-                </a:r>
-                <a:r>
-                  <a:rPr lang="en-US" altLang="ko-KR" dirty="0"/>
-                  <a:t>, </a:t>
-                </a:r>
-                <a:r>
-                  <a:rPr lang="ko-KR" altLang="en-US" dirty="0"/>
-                  <a:t>전투 기획에서 저만의 방향을 세울 수 있습니다</a:t>
-                </a:r>
-                <a:r>
-                  <a:rPr lang="en-US" altLang="ko-KR" dirty="0"/>
-                  <a:t>.</a:t>
-                </a:r>
-              </a:p>
-              <a:p>
-                <a:pPr>
-                  <a:lnSpc>
-                    <a:spcPct val="140000"/>
-                  </a:lnSpc>
-                  <a:spcAft>
-                    <a:spcPts val="1000"/>
-                  </a:spcAft>
-                </a:pPr>
-                <a:r>
-                  <a:rPr lang="ko-KR" altLang="en-US" dirty="0">
-                    <a:latin typeface="Pretendard Medium" panose="02000603000000020004" pitchFamily="2" charset="-127"/>
-                    <a:ea typeface="Pretendard Medium" panose="02000603000000020004" pitchFamily="2" charset="-127"/>
-                    <a:cs typeface="Pretendard Medium" panose="02000603000000020004" pitchFamily="2" charset="-127"/>
-                  </a:rPr>
-                  <a:t>둘째</a:t>
-                </a:r>
-                <a:r>
-                  <a:rPr lang="en-US" altLang="ko-KR" dirty="0">
-                    <a:latin typeface="Pretendard Medium" panose="02000603000000020004" pitchFamily="2" charset="-127"/>
-                    <a:ea typeface="Pretendard Medium" panose="02000603000000020004" pitchFamily="2" charset="-127"/>
-                    <a:cs typeface="Pretendard Medium" panose="02000603000000020004" pitchFamily="2" charset="-127"/>
-                  </a:rPr>
-                  <a:t>, </a:t>
-                </a:r>
-                <a:r>
-                  <a:rPr lang="ko-KR" altLang="en-US" dirty="0">
-                    <a:latin typeface="Pretendard Medium" panose="02000603000000020004" pitchFamily="2" charset="-127"/>
-                    <a:ea typeface="Pretendard Medium" panose="02000603000000020004" pitchFamily="2" charset="-127"/>
-                    <a:cs typeface="Pretendard Medium" panose="02000603000000020004" pitchFamily="2" charset="-127"/>
-                  </a:rPr>
-                  <a:t>다양한 개발 도구를 폭넓게 사용해 보았습니다</a:t>
-                </a:r>
-                <a:r>
-                  <a:rPr lang="en-US" altLang="ko-KR" dirty="0">
-                    <a:latin typeface="Pretendard Medium" panose="02000603000000020004" pitchFamily="2" charset="-127"/>
-                    <a:ea typeface="Pretendard Medium" panose="02000603000000020004" pitchFamily="2" charset="-127"/>
-                    <a:cs typeface="Pretendard Medium" panose="02000603000000020004" pitchFamily="2" charset="-127"/>
-                  </a:rPr>
-                  <a:t>.</a:t>
-                </a:r>
-                <a:r>
-                  <a:rPr lang="en-US" altLang="ko-KR" dirty="0">
-                    <a:latin typeface="Pretendard" panose="02000503000000020004" pitchFamily="2" charset="-127"/>
-                    <a:ea typeface="Pretendard" panose="02000503000000020004" pitchFamily="2" charset="-127"/>
-                    <a:cs typeface="Pretendard" panose="02000503000000020004" pitchFamily="2" charset="-127"/>
-                  </a:rPr>
-                  <a:t> </a:t>
-                </a:r>
-                <a:br>
-                  <a:rPr lang="en-US" altLang="ko-KR" dirty="0"/>
-                </a:br>
-                <a:r>
-                  <a:rPr lang="ko-KR" altLang="en-US" dirty="0"/>
-                  <a:t>대학교에서 프로그래머로 여러 프로젝트를 진행하면서 </a:t>
-                </a:r>
-                <a:r>
-                  <a:rPr lang="en-US" altLang="ko-KR" dirty="0"/>
-                  <a:t>Unreal Engine 4, Unity, MySQL </a:t>
-                </a:r>
-                <a:r>
-                  <a:rPr lang="ko-KR" altLang="en-US" dirty="0"/>
-                  <a:t>등 다양한 개발 도구를 접해 보았습니다</a:t>
-                </a:r>
-                <a:r>
-                  <a:rPr lang="en-US" altLang="ko-KR" dirty="0"/>
-                  <a:t>. </a:t>
-                </a:r>
-                <a:r>
-                  <a:rPr lang="ko-KR" altLang="en-US" dirty="0"/>
-                  <a:t>이 과정에서 대부분의 개발 도구는 유사한 기능을 가지고 있다는 점을 </a:t>
-                </a:r>
-                <a:r>
-                  <a:rPr lang="ko-KR" altLang="en-US" dirty="0" err="1"/>
-                  <a:t>깨달았습니다</a:t>
-                </a:r>
-                <a:r>
-                  <a:rPr lang="en-US" altLang="ko-KR" dirty="0"/>
-                  <a:t>. </a:t>
-                </a:r>
-                <a:r>
-                  <a:rPr lang="ko-KR" altLang="en-US" dirty="0"/>
-                  <a:t>덕분에 개발 도구를 새롭게 접하더라도 두려움 없이 빠르게 적응할 수 있었습니다</a:t>
-                </a:r>
-                <a:r>
-                  <a:rPr lang="en-US" altLang="ko-KR" dirty="0"/>
-                  <a:t>. </a:t>
-                </a:r>
-                <a:r>
-                  <a:rPr lang="ko-KR" altLang="en-US" dirty="0"/>
-                  <a:t>이런 경험으로 리소스 조립</a:t>
-                </a:r>
-                <a:r>
-                  <a:rPr lang="en-US" altLang="ko-KR" dirty="0"/>
-                  <a:t>, </a:t>
-                </a:r>
-                <a:r>
-                  <a:rPr lang="ko-KR" altLang="en-US" dirty="0"/>
-                  <a:t>프로토타이핑 등의 기획 업무를 더욱 수월하게 할 수 있습니다</a:t>
-                </a:r>
-                <a:r>
-                  <a:rPr lang="en-US" altLang="ko-KR" dirty="0"/>
-                  <a:t>. </a:t>
-                </a:r>
-              </a:p>
-              <a:p>
-                <a:pPr>
-                  <a:lnSpc>
-                    <a:spcPct val="140000"/>
-                  </a:lnSpc>
-                  <a:spcAft>
-                    <a:spcPts val="1000"/>
-                  </a:spcAft>
-                </a:pPr>
-                <a:r>
-                  <a:rPr lang="ko-KR" altLang="en-US" dirty="0">
-                    <a:latin typeface="Pretendard Medium" panose="02000603000000020004" pitchFamily="2" charset="-127"/>
-                    <a:ea typeface="Pretendard Medium" panose="02000603000000020004" pitchFamily="2" charset="-127"/>
-                    <a:cs typeface="Pretendard Medium" panose="02000603000000020004" pitchFamily="2" charset="-127"/>
-                  </a:rPr>
-                  <a:t>셋째</a:t>
-                </a:r>
-                <a:r>
-                  <a:rPr lang="en-US" altLang="ko-KR" dirty="0">
-                    <a:latin typeface="Pretendard Medium" panose="02000603000000020004" pitchFamily="2" charset="-127"/>
-                    <a:ea typeface="Pretendard Medium" panose="02000603000000020004" pitchFamily="2" charset="-127"/>
-                    <a:cs typeface="Pretendard Medium" panose="02000603000000020004" pitchFamily="2" charset="-127"/>
-                  </a:rPr>
-                  <a:t>, </a:t>
-                </a:r>
-                <a:r>
-                  <a:rPr lang="ko-KR" altLang="en-US" dirty="0">
-                    <a:latin typeface="Pretendard Medium" panose="02000603000000020004" pitchFamily="2" charset="-127"/>
-                    <a:ea typeface="Pretendard Medium" panose="02000603000000020004" pitchFamily="2" charset="-127"/>
-                    <a:cs typeface="Pretendard Medium" panose="02000603000000020004" pitchFamily="2" charset="-127"/>
-                  </a:rPr>
-                  <a:t>기획서 작성을 통해 실무 역량을 키웠습니다</a:t>
-                </a:r>
-                <a:r>
-                  <a:rPr lang="en-US" altLang="ko-KR" dirty="0">
-                    <a:latin typeface="Pretendard Medium" panose="02000603000000020004" pitchFamily="2" charset="-127"/>
-                    <a:ea typeface="Pretendard Medium" panose="02000603000000020004" pitchFamily="2" charset="-127"/>
-                    <a:cs typeface="Pretendard Medium" panose="02000603000000020004" pitchFamily="2" charset="-127"/>
-                  </a:rPr>
-                  <a:t>.</a:t>
-                </a:r>
-                <a:r>
-                  <a:rPr lang="en-US" altLang="ko-KR" dirty="0">
-                    <a:latin typeface="Pretendard" panose="02000503000000020004" pitchFamily="2" charset="-127"/>
-                    <a:ea typeface="Pretendard" panose="02000503000000020004" pitchFamily="2" charset="-127"/>
-                    <a:cs typeface="Pretendard" panose="02000503000000020004" pitchFamily="2" charset="-127"/>
-                  </a:rPr>
-                  <a:t> </a:t>
-                </a:r>
-                <a:br>
-                  <a:rPr lang="en-US" altLang="ko-KR" dirty="0"/>
-                </a:br>
-                <a:r>
-                  <a:rPr lang="ko-KR" altLang="en-US" dirty="0"/>
-                  <a:t>혼자서 캐릭터 기획을 해보고 데이터 테이블을 작성해 보았습니다</a:t>
-                </a:r>
-                <a:r>
-                  <a:rPr lang="en-US" altLang="ko-KR" dirty="0"/>
-                  <a:t>. </a:t>
-                </a:r>
-                <a:r>
-                  <a:rPr lang="ko-KR" altLang="en-US" dirty="0"/>
-                  <a:t>국비 교육</a:t>
-                </a:r>
-                <a:r>
-                  <a:rPr lang="en-US" altLang="ko-KR" dirty="0"/>
-                  <a:t>(NCS </a:t>
-                </a:r>
-                <a:r>
-                  <a:rPr lang="ko-KR" altLang="en-US" dirty="0"/>
-                  <a:t>게임 콘텐츠 기획자 양성 과정</a:t>
-                </a:r>
-                <a:r>
-                  <a:rPr lang="en-US" altLang="ko-KR" dirty="0"/>
-                  <a:t>)</a:t>
-                </a:r>
-                <a:r>
-                  <a:rPr lang="ko-KR" altLang="en-US" dirty="0"/>
-                  <a:t>에서는 팀원들과 서로의 기획서를 공유하고 피드백을 주고받으며 실무 감각을 익혔습니다</a:t>
-                </a:r>
-                <a:r>
-                  <a:rPr lang="en-US" altLang="ko-KR" dirty="0"/>
-                  <a:t>. </a:t>
-                </a:r>
-                <a:r>
-                  <a:rPr lang="ko-KR" altLang="en-US" dirty="0"/>
-                  <a:t>특히</a:t>
-                </a:r>
-                <a:r>
-                  <a:rPr lang="en-US" altLang="ko-KR" dirty="0"/>
-                  <a:t>, </a:t>
-                </a:r>
-                <a:r>
-                  <a:rPr lang="ko-KR" altLang="en-US" dirty="0"/>
-                  <a:t>캐릭터의 스킬을 기획하기 위해 모션과 </a:t>
-                </a:r>
-                <a:r>
-                  <a:rPr lang="ko-KR" altLang="en-US" dirty="0" err="1"/>
-                  <a:t>이펙트뿐만</a:t>
-                </a:r>
-                <a:r>
-                  <a:rPr lang="ko-KR" altLang="en-US" dirty="0"/>
-                  <a:t> 아니라 카메라 구도</a:t>
-                </a:r>
-                <a:r>
-                  <a:rPr lang="en-US" altLang="ko-KR" dirty="0"/>
-                  <a:t>, </a:t>
-                </a:r>
-                <a:r>
-                  <a:rPr lang="ko-KR" altLang="en-US" dirty="0"/>
-                  <a:t>선</a:t>
-                </a:r>
-                <a:r>
-                  <a:rPr lang="en-US" altLang="ko-KR" dirty="0"/>
-                  <a:t>/</a:t>
-                </a:r>
-                <a:r>
-                  <a:rPr lang="ko-KR" altLang="en-US" dirty="0"/>
-                  <a:t>후 딜레이</a:t>
-                </a:r>
-                <a:r>
-                  <a:rPr lang="en-US" altLang="ko-KR" dirty="0"/>
-                  <a:t>, </a:t>
-                </a:r>
-                <a:r>
-                  <a:rPr lang="ko-KR" altLang="en-US" dirty="0"/>
-                  <a:t>효과 발동 타이밍 등 여러 요소들을 생각하며 기획서를 작성해 보기도 했습니다</a:t>
-                </a:r>
-                <a:r>
-                  <a:rPr lang="en-US" altLang="ko-KR" dirty="0"/>
-                  <a:t>. </a:t>
-                </a:r>
-                <a:r>
-                  <a:rPr lang="ko-KR" altLang="en-US" dirty="0"/>
-                  <a:t>그 결과 많은 내용을 한 번에 담는 것보다 명확한 기획 의도를 설정하고 적절한 수준으로 구성하는 것이 더 중요한 일이라는 것을 체감했습니다</a:t>
-                </a:r>
-                <a:r>
-                  <a:rPr lang="en-US" altLang="ko-KR" dirty="0"/>
-                  <a:t>.</a:t>
-                </a:r>
-              </a:p>
-              <a:p>
-                <a:pPr>
-                  <a:lnSpc>
-                    <a:spcPct val="140000"/>
-                  </a:lnSpc>
-                  <a:spcAft>
-                    <a:spcPts val="1000"/>
-                  </a:spcAft>
-                </a:pPr>
-                <a:r>
-                  <a:rPr lang="ko-KR" altLang="en-US" dirty="0">
-                    <a:latin typeface="Pretendard Medium" panose="02000603000000020004" pitchFamily="2" charset="-127"/>
-                    <a:ea typeface="Pretendard Medium" panose="02000603000000020004" pitchFamily="2" charset="-127"/>
-                    <a:cs typeface="Pretendard Medium" panose="02000603000000020004" pitchFamily="2" charset="-127"/>
-                  </a:rPr>
-                  <a:t>넷째</a:t>
-                </a:r>
-                <a:r>
-                  <a:rPr lang="en-US" altLang="ko-KR" dirty="0">
-                    <a:latin typeface="Pretendard Medium" panose="02000603000000020004" pitchFamily="2" charset="-127"/>
-                    <a:ea typeface="Pretendard Medium" panose="02000603000000020004" pitchFamily="2" charset="-127"/>
-                    <a:cs typeface="Pretendard Medium" panose="02000603000000020004" pitchFamily="2" charset="-127"/>
-                  </a:rPr>
-                  <a:t>, </a:t>
-                </a:r>
-                <a:r>
-                  <a:rPr lang="ko-KR" altLang="en-US" dirty="0">
-                    <a:latin typeface="Pretendard Medium" panose="02000603000000020004" pitchFamily="2" charset="-127"/>
-                    <a:ea typeface="Pretendard Medium" panose="02000603000000020004" pitchFamily="2" charset="-127"/>
-                    <a:cs typeface="Pretendard Medium" panose="02000603000000020004" pitchFamily="2" charset="-127"/>
-                  </a:rPr>
-                  <a:t>실제 협업 경험을 쌓았습니다</a:t>
-                </a:r>
-                <a:r>
-                  <a:rPr lang="en-US" altLang="ko-KR" dirty="0">
-                    <a:latin typeface="Pretendard Medium" panose="02000603000000020004" pitchFamily="2" charset="-127"/>
-                    <a:ea typeface="Pretendard Medium" panose="02000603000000020004" pitchFamily="2" charset="-127"/>
-                    <a:cs typeface="Pretendard Medium" panose="02000603000000020004" pitchFamily="2" charset="-127"/>
-                  </a:rPr>
-                  <a:t>.</a:t>
-                </a:r>
-                <a:r>
-                  <a:rPr lang="en-US" altLang="ko-KR" dirty="0">
-                    <a:latin typeface="Pretendard" panose="02000503000000020004" pitchFamily="2" charset="-127"/>
-                    <a:ea typeface="Pretendard" panose="02000503000000020004" pitchFamily="2" charset="-127"/>
-                    <a:cs typeface="Pretendard" panose="02000503000000020004" pitchFamily="2" charset="-127"/>
-                  </a:rPr>
-                  <a:t> </a:t>
-                </a:r>
-                <a:br>
-                  <a:rPr lang="en-US" altLang="ko-KR" dirty="0"/>
-                </a:br>
-                <a:r>
-                  <a:rPr lang="ko-KR" altLang="en-US" dirty="0"/>
-                  <a:t>대학교에서는 프로그래머로 팀 프로젝트들에 참여했고 졸업 작품을 할 때에는 팀장으로서 팀원들을 독려하고 많은 대화를 이끌어 내어 팀워크를 발휘한 경험이 있습니다</a:t>
-                </a:r>
-                <a:r>
-                  <a:rPr lang="en-US" altLang="ko-KR" dirty="0"/>
-                  <a:t>. </a:t>
-                </a:r>
-                <a:r>
-                  <a:rPr lang="ko-KR" altLang="en-US" dirty="0"/>
-                  <a:t>국비 교육에서는 전투 기획 업무를 위주로 팀 프로젝트에 참여했습니다</a:t>
-                </a:r>
-                <a:r>
-                  <a:rPr lang="en-US" altLang="ko-KR" dirty="0"/>
-                  <a:t>. </a:t>
-                </a:r>
-                <a:r>
-                  <a:rPr lang="ko-KR" altLang="en-US" dirty="0"/>
-                  <a:t>교육 기간 동안 세 번의 팀 프로젝트를 진행하였습니다</a:t>
-                </a:r>
-                <a:r>
-                  <a:rPr lang="en-US" altLang="ko-KR" dirty="0"/>
-                  <a:t>. </a:t>
-                </a:r>
-                <a:r>
-                  <a:rPr lang="ko-KR" altLang="en-US" dirty="0"/>
-                  <a:t>팀 프로젝트는 </a:t>
-                </a:r>
-                <a:r>
-                  <a:rPr lang="en-US" altLang="ko-KR" dirty="0"/>
-                  <a:t>2</a:t>
-                </a:r>
-                <a:r>
-                  <a:rPr lang="ko-KR" altLang="en-US" dirty="0"/>
-                  <a:t>주간의 짧은 일정으로 인해</a:t>
-                </a:r>
-                <a:r>
-                  <a:rPr lang="en-US" altLang="ko-KR" dirty="0"/>
-                  <a:t>, </a:t>
-                </a:r>
-                <a:r>
-                  <a:rPr lang="ko-KR" altLang="en-US" dirty="0"/>
-                  <a:t>일정에 맞추기 위해서는 팀원들과 원활한 의사소통이 필수적이었고 맡은 역할에 책임감을 가지고 업무를 진행해야 했습니다</a:t>
-                </a:r>
-                <a:r>
-                  <a:rPr lang="en-US" altLang="ko-KR" dirty="0"/>
-                  <a:t>. </a:t>
-                </a:r>
-                <a:r>
-                  <a:rPr lang="ko-KR" altLang="en-US" dirty="0"/>
-                  <a:t>이런 다양한 협업 경험을 통해</a:t>
-                </a:r>
-                <a:r>
-                  <a:rPr lang="en-US" altLang="ko-KR" dirty="0"/>
-                  <a:t>, </a:t>
-                </a:r>
-                <a:r>
-                  <a:rPr lang="ko-KR" altLang="en-US" dirty="0"/>
-                  <a:t>책임감이 단순히 맡은 역할을 수행하는 것을 넘어 ‘의견을 뒷받침할 능력을 </a:t>
-                </a:r>
-                <a:r>
-                  <a:rPr lang="ko-KR" altLang="en-US" dirty="0" err="1"/>
-                  <a:t>키우자’는</a:t>
-                </a:r>
-                <a:r>
-                  <a:rPr lang="ko-KR" altLang="en-US" dirty="0"/>
-                  <a:t> 가치관으로 발전하기도 했습니다</a:t>
-                </a:r>
-                <a:r>
-                  <a:rPr lang="en-US" altLang="ko-KR" dirty="0"/>
-                  <a:t>.</a:t>
-                </a:r>
-              </a:p>
-            </p:txBody>
-          </p:sp>
-          <p:sp>
-            <p:nvSpPr>
-              <p:cNvPr id="11" name="직사각형 10">
-                <a:extLst>
-                  <a:ext uri="{FF2B5EF4-FFF2-40B4-BE49-F238E27FC236}">
-                    <a16:creationId xmlns:a16="http://schemas.microsoft.com/office/drawing/2014/main" id="{13B14CE2-81D0-75FB-C4A2-8529ABEA0B3B}"/>
-                  </a:ext>
-                </a:extLst>
-              </p:cNvPr>
-              <p:cNvSpPr/>
-              <p:nvPr/>
-            </p:nvSpPr>
-            <p:spPr>
-              <a:xfrm>
-                <a:off x="185458" y="4124130"/>
-                <a:ext cx="6480671" cy="398381"/>
-              </a:xfrm>
-              <a:prstGeom prst="rect">
-                <a:avLst/>
-              </a:prstGeom>
+            </a:ln>
+            <a:effectLst/>
+          </p:spPr>
+          <p:style>
+            <a:lnRef idx="2">
+              <a:schemeClr val="accent1">
+                <a:shade val="15000"/>
+              </a:schemeClr>
+            </a:lnRef>
+            <a:fillRef idx="1">
+              <a:schemeClr val="accent1"/>
+            </a:fillRef>
+            <a:effectRef idx="0">
+              <a:schemeClr val="accent1"/>
+            </a:effectRef>
+            <a:fontRef idx="minor">
+              <a:schemeClr val="lt1"/>
+            </a:fontRef>
+          </p:style>
+          <p:txBody>
+            <a:bodyPr rtlCol="0" anchor="ctr"/>
+            <a:lstStyle/>
+            <a:p>
+              <a:pPr algn="ctr"/>
+              <a:endParaRPr lang="ko-KR" altLang="en-US" sz="1013"/>
+            </a:p>
+          </p:txBody>
+        </p:sp>
+        <p:sp>
+          <p:nvSpPr>
+            <p:cNvPr id="12" name="TextBox 11">
+              <a:extLst>
+                <a:ext uri="{FF2B5EF4-FFF2-40B4-BE49-F238E27FC236}">
+                  <a16:creationId xmlns:a16="http://schemas.microsoft.com/office/drawing/2014/main" id="{12599F9B-D5E2-CED6-E826-B53C36056CE6}"/>
+                </a:ext>
+              </a:extLst>
+            </p:cNvPr>
+            <p:cNvSpPr txBox="1"/>
+            <p:nvPr/>
+          </p:nvSpPr>
+          <p:spPr>
+            <a:xfrm>
+              <a:off x="290620" y="4238682"/>
+              <a:ext cx="524182" cy="169277"/>
+            </a:xfrm>
+            <a:prstGeom prst="rect">
+              <a:avLst/>
+            </a:prstGeom>
+            <a:noFill/>
+          </p:spPr>
+          <p:txBody>
+            <a:bodyPr wrap="none" lIns="0" tIns="0" rIns="0" bIns="0" rtlCol="0" anchor="t">
+              <a:spAutoFit/>
+            </a:bodyPr>
+            <a:lstStyle/>
+            <a:p>
+              <a:r>
+                <a:rPr lang="ko-KR" altLang="en-US" sz="1100" dirty="0">
+                  <a:latin typeface="페이퍼로지 7 Bold" pitchFamily="2" charset="-127"/>
+                  <a:ea typeface="페이퍼로지 7 Bold" pitchFamily="2" charset="-127"/>
+                  <a:cs typeface="Pretendard Medium" panose="02000603000000020004" pitchFamily="2" charset="-127"/>
+                </a:rPr>
+                <a:t>직무 경험</a:t>
+              </a:r>
+            </a:p>
+          </p:txBody>
+        </p:sp>
+        <p:cxnSp>
+          <p:nvCxnSpPr>
+            <p:cNvPr id="13" name="직선 연결선 12">
+              <a:extLst>
+                <a:ext uri="{FF2B5EF4-FFF2-40B4-BE49-F238E27FC236}">
+                  <a16:creationId xmlns:a16="http://schemas.microsoft.com/office/drawing/2014/main" id="{42C2F6C9-1DF3-0BD9-F9F2-7F056A9B9A63}"/>
+                </a:ext>
+              </a:extLst>
+            </p:cNvPr>
+            <p:cNvCxnSpPr>
+              <a:cxnSpLocks/>
+            </p:cNvCxnSpPr>
+            <p:nvPr/>
+          </p:nvCxnSpPr>
+          <p:spPr>
+            <a:xfrm>
+              <a:off x="185459" y="4522511"/>
+              <a:ext cx="6480000" cy="0"/>
+            </a:xfrm>
+            <a:prstGeom prst="line">
+              <a:avLst/>
+            </a:prstGeom>
+            <a:ln w="9525">
               <a:solidFill>
-                <a:srgbClr val="E1F2FF"/>
+                <a:schemeClr val="bg1">
+                  <a:lumMod val="75000"/>
+                </a:schemeClr>
               </a:solidFill>
-              <a:ln>
-                <a:noFill/>
-              </a:ln>
-              <a:effectLst/>
-            </p:spPr>
-            <p:style>
-              <a:lnRef idx="2">
-                <a:schemeClr val="accent1">
-                  <a:shade val="15000"/>
+            </a:ln>
+          </p:spPr>
+          <p:style>
+            <a:lnRef idx="2">
+              <a:schemeClr val="accent1"/>
+            </a:lnRef>
+            <a:fillRef idx="0">
+              <a:schemeClr val="accent1"/>
+            </a:fillRef>
+            <a:effectRef idx="1">
+              <a:schemeClr val="accent1"/>
+            </a:effectRef>
+            <a:fontRef idx="minor">
+              <a:schemeClr val="tx1"/>
+            </a:fontRef>
+          </p:style>
+        </p:cxnSp>
+        <p:sp>
+          <p:nvSpPr>
+            <p:cNvPr id="14" name="직사각형 13">
+              <a:extLst>
+                <a:ext uri="{FF2B5EF4-FFF2-40B4-BE49-F238E27FC236}">
+                  <a16:creationId xmlns:a16="http://schemas.microsoft.com/office/drawing/2014/main" id="{6CA625F6-BC1A-2F22-821A-136374D9F82C}"/>
+                </a:ext>
+              </a:extLst>
+            </p:cNvPr>
+            <p:cNvSpPr/>
+            <p:nvPr/>
+          </p:nvSpPr>
+          <p:spPr>
+            <a:xfrm>
+              <a:off x="192541" y="4124129"/>
+              <a:ext cx="6480000" cy="5989185"/>
+            </a:xfrm>
+            <a:prstGeom prst="rect">
+              <a:avLst/>
+            </a:prstGeom>
+            <a:noFill/>
+            <a:ln w="12700">
+              <a:solidFill>
+                <a:schemeClr val="bg1">
+                  <a:lumMod val="75000"/>
                 </a:schemeClr>
-              </a:lnRef>
-              <a:fillRef idx="1">
-                <a:schemeClr val="accent1"/>
-              </a:fillRef>
-              <a:effectRef idx="0">
-                <a:schemeClr val="accent1"/>
-              </a:effectRef>
-              <a:fontRef idx="minor">
-                <a:schemeClr val="lt1"/>
-              </a:fontRef>
-            </p:style>
-            <p:txBody>
-              <a:bodyPr rtlCol="0" anchor="ctr"/>
-              <a:lstStyle/>
-              <a:p>
-                <a:pPr algn="ctr"/>
-                <a:endParaRPr lang="ko-KR" altLang="en-US" sz="1013"/>
-              </a:p>
-            </p:txBody>
-          </p:sp>
-          <p:sp>
-            <p:nvSpPr>
-              <p:cNvPr id="12" name="TextBox 11">
-                <a:extLst>
-                  <a:ext uri="{FF2B5EF4-FFF2-40B4-BE49-F238E27FC236}">
-                    <a16:creationId xmlns:a16="http://schemas.microsoft.com/office/drawing/2014/main" id="{12599F9B-D5E2-CED6-E826-B53C36056CE6}"/>
-                  </a:ext>
-                </a:extLst>
-              </p:cNvPr>
-              <p:cNvSpPr txBox="1"/>
-              <p:nvPr/>
-            </p:nvSpPr>
-            <p:spPr>
-              <a:xfrm>
-                <a:off x="290620" y="4238682"/>
-                <a:ext cx="524182" cy="169277"/>
-              </a:xfrm>
-              <a:prstGeom prst="rect">
-                <a:avLst/>
-              </a:prstGeom>
+              </a:solidFill>
+            </a:ln>
+            <a:effectLst/>
+          </p:spPr>
+          <p:style>
+            <a:lnRef idx="2">
+              <a:schemeClr val="accent1">
+                <a:shade val="15000"/>
+              </a:schemeClr>
+            </a:lnRef>
+            <a:fillRef idx="1">
+              <a:schemeClr val="accent1"/>
+            </a:fillRef>
+            <a:effectRef idx="0">
+              <a:schemeClr val="accent1"/>
+            </a:effectRef>
+            <a:fontRef idx="minor">
+              <a:schemeClr val="lt1"/>
+            </a:fontRef>
+          </p:style>
+          <p:txBody>
+            <a:bodyPr rtlCol="0" anchor="ctr"/>
+            <a:lstStyle/>
+            <a:p>
+              <a:pPr algn="ctr"/>
+              <a:endParaRPr lang="ko-KR" altLang="en-US" sz="1000" dirty="0"/>
+            </a:p>
+          </p:txBody>
+        </p:sp>
+      </p:grpSp>
+      <p:grpSp>
+        <p:nvGrpSpPr>
+          <p:cNvPr id="2" name="그룹 1">
+            <a:extLst>
+              <a:ext uri="{FF2B5EF4-FFF2-40B4-BE49-F238E27FC236}">
+                <a16:creationId xmlns:a16="http://schemas.microsoft.com/office/drawing/2014/main" id="{BB6B3028-BBED-7B58-92CA-C53C99ACD709}"/>
+              </a:ext>
+            </a:extLst>
+          </p:cNvPr>
+          <p:cNvGrpSpPr/>
+          <p:nvPr/>
+        </p:nvGrpSpPr>
+        <p:grpSpPr>
+          <a:xfrm>
+            <a:off x="191871" y="141181"/>
+            <a:ext cx="6480671" cy="3491070"/>
+            <a:chOff x="189000" y="2131167"/>
+            <a:chExt cx="6480671" cy="3491070"/>
+          </a:xfrm>
+        </p:grpSpPr>
+        <p:sp>
+          <p:nvSpPr>
+            <p:cNvPr id="16" name="TextBox 15">
+              <a:extLst>
+                <a:ext uri="{FF2B5EF4-FFF2-40B4-BE49-F238E27FC236}">
+                  <a16:creationId xmlns:a16="http://schemas.microsoft.com/office/drawing/2014/main" id="{75983713-F061-2057-4E5B-9AD2F6A044A8}"/>
+                </a:ext>
+              </a:extLst>
+            </p:cNvPr>
+            <p:cNvSpPr txBox="1"/>
+            <p:nvPr/>
+          </p:nvSpPr>
+          <p:spPr>
+            <a:xfrm>
+              <a:off x="294162" y="2529549"/>
+              <a:ext cx="6269676" cy="3092688"/>
+            </a:xfrm>
+            <a:prstGeom prst="rect">
+              <a:avLst/>
+            </a:prstGeom>
+            <a:noFill/>
+          </p:spPr>
+          <p:txBody>
+            <a:bodyPr wrap="square" lIns="0" tIns="72000" rIns="0" bIns="72000" rtlCol="0" anchor="t">
+              <a:spAutoFit/>
+            </a:bodyPr>
+            <a:lstStyle/>
+            <a:p>
+              <a:pPr>
+                <a:lnSpc>
+                  <a:spcPct val="140000"/>
+                </a:lnSpc>
+                <a:spcAft>
+                  <a:spcPts val="1000"/>
+                </a:spcAft>
+              </a:pPr>
+              <a:r>
+                <a:rPr lang="en-US" altLang="ko-KR" sz="1000" dirty="0">
+                  <a:ln>
+                    <a:solidFill>
+                      <a:schemeClr val="bg1">
+                        <a:lumMod val="75000"/>
+                        <a:alpha val="0"/>
+                      </a:schemeClr>
+                    </a:solidFill>
+                  </a:ln>
+                  <a:latin typeface="Pretendard Medium" panose="02000603000000020004" pitchFamily="2" charset="-127"/>
+                  <a:ea typeface="Pretendard Medium" panose="02000603000000020004" pitchFamily="2" charset="-127"/>
+                  <a:cs typeface="Pretendard Medium" panose="02000603000000020004" pitchFamily="2" charset="-127"/>
+                </a:rPr>
+                <a:t>“</a:t>
+              </a:r>
+              <a:r>
+                <a:rPr lang="ko-KR" altLang="en-US" sz="1000" dirty="0">
+                  <a:ln>
+                    <a:solidFill>
+                      <a:schemeClr val="bg1">
+                        <a:lumMod val="75000"/>
+                        <a:alpha val="0"/>
+                      </a:schemeClr>
+                    </a:solidFill>
+                  </a:ln>
+                  <a:latin typeface="Pretendard Medium" panose="02000603000000020004" pitchFamily="2" charset="-127"/>
+                  <a:ea typeface="Pretendard Medium" panose="02000603000000020004" pitchFamily="2" charset="-127"/>
+                  <a:cs typeface="Pretendard Medium" panose="02000603000000020004" pitchFamily="2" charset="-127"/>
+                </a:rPr>
+                <a:t>캐릭터의 컨셉에 맞는 전투를 설계하는 전투 기획자</a:t>
+              </a:r>
+              <a:r>
+                <a:rPr lang="en-US" altLang="ko-KR" sz="1000" dirty="0">
+                  <a:ln>
+                    <a:solidFill>
+                      <a:schemeClr val="bg1">
+                        <a:lumMod val="75000"/>
+                        <a:alpha val="0"/>
+                      </a:schemeClr>
+                    </a:solidFill>
+                  </a:ln>
+                  <a:latin typeface="Pretendard Medium" panose="02000603000000020004" pitchFamily="2" charset="-127"/>
+                  <a:ea typeface="Pretendard Medium" panose="02000603000000020004" pitchFamily="2" charset="-127"/>
+                  <a:cs typeface="Pretendard Medium" panose="02000603000000020004" pitchFamily="2" charset="-127"/>
+                </a:rPr>
+                <a:t>.”</a:t>
+              </a:r>
+            </a:p>
+            <a:p>
+              <a:pPr>
+                <a:lnSpc>
+                  <a:spcPct val="140000"/>
+                </a:lnSpc>
+                <a:spcAft>
+                  <a:spcPts val="1000"/>
+                </a:spcAft>
+              </a:pPr>
+              <a:r>
+                <a:rPr lang="ko-KR" altLang="en-US" sz="1000" dirty="0">
+                  <a:ln>
+                    <a:solidFill>
+                      <a:schemeClr val="bg1">
+                        <a:lumMod val="75000"/>
+                        <a:alpha val="0"/>
+                      </a:schemeClr>
+                    </a:solidFill>
+                  </a:ln>
+                  <a:latin typeface="Pretendard Light" panose="02000403000000020004" pitchFamily="2" charset="-127"/>
+                  <a:ea typeface="Pretendard Light" panose="02000403000000020004" pitchFamily="2" charset="-127"/>
+                  <a:cs typeface="Pretendard Light" panose="02000403000000020004" pitchFamily="2" charset="-127"/>
+                </a:rPr>
+                <a:t>저는 대학교에서</a:t>
+              </a:r>
+              <a:r>
+                <a:rPr lang="en-US" altLang="ko-KR" sz="1000" dirty="0">
+                  <a:ln>
+                    <a:solidFill>
+                      <a:schemeClr val="bg1">
+                        <a:lumMod val="75000"/>
+                        <a:alpha val="0"/>
+                      </a:schemeClr>
+                    </a:solidFill>
+                  </a:ln>
+                  <a:latin typeface="Pretendard Light" panose="02000403000000020004" pitchFamily="2" charset="-127"/>
+                  <a:ea typeface="Pretendard Light" panose="02000403000000020004" pitchFamily="2" charset="-127"/>
+                  <a:cs typeface="Pretendard Light" panose="02000403000000020004" pitchFamily="2" charset="-127"/>
+                </a:rPr>
+                <a:t> </a:t>
+              </a:r>
+              <a:r>
+                <a:rPr lang="ko-KR" altLang="en-US" sz="1000" dirty="0">
+                  <a:ln>
+                    <a:solidFill>
+                      <a:schemeClr val="bg1">
+                        <a:lumMod val="75000"/>
+                        <a:alpha val="0"/>
+                      </a:schemeClr>
+                    </a:solidFill>
+                  </a:ln>
+                  <a:latin typeface="Pretendard Light" panose="02000403000000020004" pitchFamily="2" charset="-127"/>
+                  <a:ea typeface="Pretendard Light" panose="02000403000000020004" pitchFamily="2" charset="-127"/>
+                  <a:cs typeface="Pretendard Light" panose="02000403000000020004" pitchFamily="2" charset="-127"/>
+                </a:rPr>
+                <a:t>게임 공학을 전공하며 프로그래머로서 개발 경험을 쌓았습니다</a:t>
+              </a:r>
+              <a:r>
+                <a:rPr lang="en-US" altLang="ko-KR" sz="1000" dirty="0">
+                  <a:ln>
+                    <a:solidFill>
+                      <a:schemeClr val="bg1">
+                        <a:lumMod val="75000"/>
+                        <a:alpha val="0"/>
+                      </a:schemeClr>
+                    </a:solidFill>
+                  </a:ln>
+                  <a:latin typeface="Pretendard Light" panose="02000403000000020004" pitchFamily="2" charset="-127"/>
+                  <a:ea typeface="Pretendard Light" panose="02000403000000020004" pitchFamily="2" charset="-127"/>
+                  <a:cs typeface="Pretendard Light" panose="02000403000000020004" pitchFamily="2" charset="-127"/>
+                </a:rPr>
+                <a:t>. </a:t>
+              </a:r>
+              <a:r>
+                <a:rPr lang="ko-KR" altLang="en-US" sz="1000" dirty="0">
+                  <a:ln>
+                    <a:solidFill>
+                      <a:schemeClr val="bg1">
+                        <a:lumMod val="75000"/>
+                        <a:alpha val="0"/>
+                      </a:schemeClr>
+                    </a:solidFill>
+                  </a:ln>
+                  <a:latin typeface="Pretendard Light" panose="02000403000000020004" pitchFamily="2" charset="-127"/>
+                  <a:ea typeface="Pretendard Light" panose="02000403000000020004" pitchFamily="2" charset="-127"/>
+                  <a:cs typeface="Pretendard Light" panose="02000403000000020004" pitchFamily="2" charset="-127"/>
+                </a:rPr>
+                <a:t>하지만 점차 누군가가 바라는 재미를 대신 구현해 주는 일 보다</a:t>
+              </a:r>
+              <a:r>
+                <a:rPr lang="en-US" altLang="ko-KR" sz="1000" dirty="0">
+                  <a:ln>
+                    <a:solidFill>
+                      <a:schemeClr val="bg1">
+                        <a:lumMod val="75000"/>
+                        <a:alpha val="0"/>
+                      </a:schemeClr>
+                    </a:solidFill>
+                  </a:ln>
+                  <a:latin typeface="Pretendard Light" panose="02000403000000020004" pitchFamily="2" charset="-127"/>
+                  <a:ea typeface="Pretendard Light" panose="02000403000000020004" pitchFamily="2" charset="-127"/>
+                  <a:cs typeface="Pretendard Light" panose="02000403000000020004" pitchFamily="2" charset="-127"/>
+                </a:rPr>
+                <a:t>,</a:t>
+              </a:r>
+              <a:r>
+                <a:rPr lang="ko-KR" altLang="en-US" sz="1000" dirty="0">
+                  <a:ln>
+                    <a:solidFill>
+                      <a:schemeClr val="bg1">
+                        <a:lumMod val="75000"/>
+                        <a:alpha val="0"/>
+                      </a:schemeClr>
+                    </a:solidFill>
+                  </a:ln>
+                  <a:latin typeface="Pretendard Light" panose="02000403000000020004" pitchFamily="2" charset="-127"/>
+                  <a:ea typeface="Pretendard Light" panose="02000403000000020004" pitchFamily="2" charset="-127"/>
+                  <a:cs typeface="Pretendard Light" panose="02000403000000020004" pitchFamily="2" charset="-127"/>
+                </a:rPr>
+                <a:t> </a:t>
+              </a:r>
+              <a:r>
+                <a:rPr lang="en-US" altLang="ko-KR" sz="1000" dirty="0">
+                  <a:ln>
+                    <a:solidFill>
+                      <a:schemeClr val="bg1">
+                        <a:lumMod val="75000"/>
+                        <a:alpha val="0"/>
+                      </a:schemeClr>
+                    </a:solidFill>
+                  </a:ln>
+                  <a:latin typeface="Pretendard Light" panose="02000403000000020004" pitchFamily="2" charset="-127"/>
+                  <a:ea typeface="Pretendard Light" panose="02000403000000020004" pitchFamily="2" charset="-127"/>
+                  <a:cs typeface="Pretendard Light" panose="02000403000000020004" pitchFamily="2" charset="-127"/>
+                </a:rPr>
+                <a:t>‘</a:t>
+              </a:r>
+              <a:r>
+                <a:rPr lang="ko-KR" altLang="en-US" sz="1000" dirty="0">
+                  <a:ln>
+                    <a:solidFill>
+                      <a:schemeClr val="bg1">
+                        <a:lumMod val="75000"/>
+                        <a:alpha val="0"/>
+                      </a:schemeClr>
+                    </a:solidFill>
+                  </a:ln>
+                  <a:latin typeface="Pretendard Light" panose="02000403000000020004" pitchFamily="2" charset="-127"/>
+                  <a:ea typeface="Pretendard Light" panose="02000403000000020004" pitchFamily="2" charset="-127"/>
+                  <a:cs typeface="Pretendard Light" panose="02000403000000020004" pitchFamily="2" charset="-127"/>
+                </a:rPr>
+                <a:t>제가 바라는 재미를 설계하는 기획 업무</a:t>
+              </a:r>
+              <a:r>
+                <a:rPr lang="en-US" altLang="ko-KR" sz="1000" dirty="0">
+                  <a:ln>
+                    <a:solidFill>
+                      <a:schemeClr val="bg1">
+                        <a:lumMod val="75000"/>
+                        <a:alpha val="0"/>
+                      </a:schemeClr>
+                    </a:solidFill>
+                  </a:ln>
+                  <a:latin typeface="Pretendard Light" panose="02000403000000020004" pitchFamily="2" charset="-127"/>
+                  <a:ea typeface="Pretendard Light" panose="02000403000000020004" pitchFamily="2" charset="-127"/>
+                  <a:cs typeface="Pretendard Light" panose="02000403000000020004" pitchFamily="2" charset="-127"/>
+                </a:rPr>
+                <a:t>’</a:t>
+              </a:r>
+              <a:r>
+                <a:rPr lang="ko-KR" altLang="en-US" sz="1000" dirty="0">
+                  <a:ln>
+                    <a:solidFill>
+                      <a:schemeClr val="bg1">
+                        <a:lumMod val="75000"/>
+                        <a:alpha val="0"/>
+                      </a:schemeClr>
+                    </a:solidFill>
+                  </a:ln>
+                  <a:latin typeface="Pretendard Light" panose="02000403000000020004" pitchFamily="2" charset="-127"/>
+                  <a:ea typeface="Pretendard Light" panose="02000403000000020004" pitchFamily="2" charset="-127"/>
+                  <a:cs typeface="Pretendard Light" panose="02000403000000020004" pitchFamily="2" charset="-127"/>
+                </a:rPr>
+                <a:t>에 더 큰 흥미가 생겼습니다</a:t>
+              </a:r>
+              <a:r>
+                <a:rPr lang="en-US" altLang="ko-KR" sz="1000" dirty="0">
+                  <a:ln>
+                    <a:solidFill>
+                      <a:schemeClr val="bg1">
+                        <a:lumMod val="75000"/>
+                        <a:alpha val="0"/>
+                      </a:schemeClr>
+                    </a:solidFill>
+                  </a:ln>
+                  <a:latin typeface="Pretendard Light" panose="02000403000000020004" pitchFamily="2" charset="-127"/>
+                  <a:ea typeface="Pretendard Light" panose="02000403000000020004" pitchFamily="2" charset="-127"/>
+                  <a:cs typeface="Pretendard Light" panose="02000403000000020004" pitchFamily="2" charset="-127"/>
+                </a:rPr>
+                <a:t>.</a:t>
+              </a:r>
+              <a:r>
+                <a:rPr lang="ko-KR" altLang="en-US" sz="1000" dirty="0">
+                  <a:ln>
+                    <a:solidFill>
+                      <a:schemeClr val="bg1">
+                        <a:lumMod val="75000"/>
+                        <a:alpha val="0"/>
+                      </a:schemeClr>
+                    </a:solidFill>
+                  </a:ln>
+                  <a:latin typeface="Pretendard Light" panose="02000403000000020004" pitchFamily="2" charset="-127"/>
+                  <a:ea typeface="Pretendard Light" panose="02000403000000020004" pitchFamily="2" charset="-127"/>
+                  <a:cs typeface="Pretendard Light" panose="02000403000000020004" pitchFamily="2" charset="-127"/>
+                </a:rPr>
+                <a:t> </a:t>
+              </a:r>
+              <a:r>
+                <a:rPr lang="ko-KR" altLang="en-US" sz="1000" dirty="0" err="1">
+                  <a:ln>
+                    <a:solidFill>
+                      <a:schemeClr val="bg1">
+                        <a:lumMod val="75000"/>
+                        <a:alpha val="0"/>
+                      </a:schemeClr>
+                    </a:solidFill>
+                  </a:ln>
+                  <a:latin typeface="Pretendard Light" panose="02000403000000020004" pitchFamily="2" charset="-127"/>
+                  <a:ea typeface="Pretendard Light" panose="02000403000000020004" pitchFamily="2" charset="-127"/>
+                  <a:cs typeface="Pretendard Light" panose="02000403000000020004" pitchFamily="2" charset="-127"/>
+                </a:rPr>
+                <a:t>그중에서도</a:t>
+              </a:r>
+              <a:r>
+                <a:rPr lang="ko-KR" altLang="en-US" sz="1000" dirty="0">
+                  <a:ln>
+                    <a:solidFill>
+                      <a:schemeClr val="bg1">
+                        <a:lumMod val="75000"/>
+                        <a:alpha val="0"/>
+                      </a:schemeClr>
+                    </a:solidFill>
+                  </a:ln>
+                  <a:latin typeface="Pretendard Light" panose="02000403000000020004" pitchFamily="2" charset="-127"/>
+                  <a:ea typeface="Pretendard Light" panose="02000403000000020004" pitchFamily="2" charset="-127"/>
+                  <a:cs typeface="Pretendard Light" panose="02000403000000020004" pitchFamily="2" charset="-127"/>
+                </a:rPr>
+                <a:t> 전투 기획에 매력을 느꼈습니다</a:t>
+              </a:r>
+              <a:r>
+                <a:rPr lang="en-US" altLang="ko-KR" sz="1000" dirty="0">
+                  <a:ln>
+                    <a:solidFill>
+                      <a:schemeClr val="bg1">
+                        <a:lumMod val="75000"/>
+                        <a:alpha val="0"/>
+                      </a:schemeClr>
+                    </a:solidFill>
+                  </a:ln>
+                  <a:latin typeface="Pretendard Light" panose="02000403000000020004" pitchFamily="2" charset="-127"/>
+                  <a:ea typeface="Pretendard Light" panose="02000403000000020004" pitchFamily="2" charset="-127"/>
+                  <a:cs typeface="Pretendard Light" panose="02000403000000020004" pitchFamily="2" charset="-127"/>
+                </a:rPr>
+                <a:t>. </a:t>
+              </a:r>
+              <a:r>
+                <a:rPr lang="ko-KR" altLang="en-US" sz="1000" dirty="0">
+                  <a:ln>
+                    <a:solidFill>
+                      <a:schemeClr val="bg1">
+                        <a:lumMod val="75000"/>
+                        <a:alpha val="0"/>
+                      </a:schemeClr>
+                    </a:solidFill>
+                  </a:ln>
+                  <a:latin typeface="Pretendard Light" panose="02000403000000020004" pitchFamily="2" charset="-127"/>
+                  <a:ea typeface="Pretendard Light" panose="02000403000000020004" pitchFamily="2" charset="-127"/>
+                  <a:cs typeface="Pretendard Light" panose="02000403000000020004" pitchFamily="2" charset="-127"/>
+                </a:rPr>
+                <a:t>제가 재미를 느끼는 요소는 전투였고</a:t>
+              </a:r>
+              <a:r>
+                <a:rPr lang="en-US" altLang="ko-KR" sz="1000" dirty="0">
+                  <a:ln>
+                    <a:solidFill>
+                      <a:schemeClr val="bg1">
+                        <a:lumMod val="75000"/>
+                        <a:alpha val="0"/>
+                      </a:schemeClr>
+                    </a:solidFill>
+                  </a:ln>
+                  <a:latin typeface="Pretendard Light" panose="02000403000000020004" pitchFamily="2" charset="-127"/>
+                  <a:ea typeface="Pretendard Light" panose="02000403000000020004" pitchFamily="2" charset="-127"/>
+                  <a:cs typeface="Pretendard Light" panose="02000403000000020004" pitchFamily="2" charset="-127"/>
+                </a:rPr>
+                <a:t>,</a:t>
+              </a:r>
+              <a:r>
+                <a:rPr lang="ko-KR" altLang="en-US" sz="1000" dirty="0">
+                  <a:ln>
+                    <a:solidFill>
+                      <a:schemeClr val="bg1">
+                        <a:lumMod val="75000"/>
+                        <a:alpha val="0"/>
+                      </a:schemeClr>
+                    </a:solidFill>
+                  </a:ln>
+                  <a:latin typeface="Pretendard Light" panose="02000403000000020004" pitchFamily="2" charset="-127"/>
+                  <a:ea typeface="Pretendard Light" panose="02000403000000020004" pitchFamily="2" charset="-127"/>
+                  <a:cs typeface="Pretendard Light" panose="02000403000000020004" pitchFamily="2" charset="-127"/>
+                </a:rPr>
+                <a:t> 재미있는 경험을 제공하기 위해서는 그 재미에 대해 이해하고 있어야 한다는 생각이 있었기 때문입니다</a:t>
+              </a:r>
+              <a:r>
+                <a:rPr lang="en-US" altLang="ko-KR" sz="1000" dirty="0">
+                  <a:ln>
+                    <a:solidFill>
+                      <a:schemeClr val="bg1">
+                        <a:lumMod val="75000"/>
+                        <a:alpha val="0"/>
+                      </a:schemeClr>
+                    </a:solidFill>
+                  </a:ln>
+                  <a:latin typeface="Pretendard Light" panose="02000403000000020004" pitchFamily="2" charset="-127"/>
+                  <a:ea typeface="Pretendard Light" panose="02000403000000020004" pitchFamily="2" charset="-127"/>
+                  <a:cs typeface="Pretendard Light" panose="02000403000000020004" pitchFamily="2" charset="-127"/>
+                </a:rPr>
+                <a:t>.</a:t>
+              </a:r>
+            </a:p>
+            <a:p>
+              <a:pPr>
+                <a:lnSpc>
+                  <a:spcPct val="140000"/>
+                </a:lnSpc>
+                <a:spcAft>
+                  <a:spcPts val="1000"/>
+                </a:spcAft>
+              </a:pPr>
+              <a:r>
+                <a:rPr lang="ko-KR" altLang="en-US" sz="1000" dirty="0">
+                  <a:ln>
+                    <a:solidFill>
+                      <a:schemeClr val="bg1">
+                        <a:lumMod val="75000"/>
+                        <a:alpha val="0"/>
+                      </a:schemeClr>
+                    </a:solidFill>
+                  </a:ln>
+                  <a:latin typeface="Pretendard Light" panose="02000403000000020004" pitchFamily="2" charset="-127"/>
+                  <a:ea typeface="Pretendard Light" panose="02000403000000020004" pitchFamily="2" charset="-127"/>
+                  <a:cs typeface="Pretendard Light" panose="02000403000000020004" pitchFamily="2" charset="-127"/>
+                </a:rPr>
+                <a:t>저의 게임 플레이 성향은 다양한 전투를 체험하는 것입니다</a:t>
+              </a:r>
+              <a:r>
+                <a:rPr lang="en-US" altLang="ko-KR" sz="1000" dirty="0">
+                  <a:ln>
+                    <a:solidFill>
+                      <a:schemeClr val="bg1">
+                        <a:lumMod val="75000"/>
+                        <a:alpha val="0"/>
+                      </a:schemeClr>
+                    </a:solidFill>
+                  </a:ln>
+                  <a:latin typeface="Pretendard Light" panose="02000403000000020004" pitchFamily="2" charset="-127"/>
+                  <a:ea typeface="Pretendard Light" panose="02000403000000020004" pitchFamily="2" charset="-127"/>
+                  <a:cs typeface="Pretendard Light" panose="02000403000000020004" pitchFamily="2" charset="-127"/>
+                </a:rPr>
+                <a:t>. </a:t>
+              </a:r>
+              <a:r>
+                <a:rPr lang="ko-KR" altLang="en-US" sz="1000" dirty="0">
+                  <a:ln>
+                    <a:solidFill>
+                      <a:schemeClr val="bg1">
+                        <a:lumMod val="75000"/>
+                        <a:alpha val="0"/>
+                      </a:schemeClr>
+                    </a:solidFill>
+                  </a:ln>
+                  <a:latin typeface="Pretendard Light" panose="02000403000000020004" pitchFamily="2" charset="-127"/>
+                  <a:ea typeface="Pretendard Light" panose="02000403000000020004" pitchFamily="2" charset="-127"/>
+                  <a:cs typeface="Pretendard Light" panose="02000403000000020004" pitchFamily="2" charset="-127"/>
+                </a:rPr>
+                <a:t>많은 캐릭터</a:t>
+              </a:r>
+              <a:r>
+                <a:rPr lang="en-US" altLang="ko-KR" sz="1000" dirty="0">
+                  <a:ln>
+                    <a:solidFill>
+                      <a:schemeClr val="bg1">
+                        <a:lumMod val="75000"/>
+                        <a:alpha val="0"/>
+                      </a:schemeClr>
+                    </a:solidFill>
+                  </a:ln>
+                  <a:latin typeface="Pretendard Light" panose="02000403000000020004" pitchFamily="2" charset="-127"/>
+                  <a:ea typeface="Pretendard Light" panose="02000403000000020004" pitchFamily="2" charset="-127"/>
+                  <a:cs typeface="Pretendard Light" panose="02000403000000020004" pitchFamily="2" charset="-127"/>
+                </a:rPr>
+                <a:t> </a:t>
+              </a:r>
+              <a:r>
+                <a:rPr lang="ko-KR" altLang="en-US" sz="1000" dirty="0">
+                  <a:ln>
+                    <a:solidFill>
+                      <a:schemeClr val="bg1">
+                        <a:lumMod val="75000"/>
+                        <a:alpha val="0"/>
+                      </a:schemeClr>
+                    </a:solidFill>
+                  </a:ln>
+                  <a:latin typeface="Pretendard Light" panose="02000403000000020004" pitchFamily="2" charset="-127"/>
+                  <a:ea typeface="Pretendard Light" panose="02000403000000020004" pitchFamily="2" charset="-127"/>
+                  <a:cs typeface="Pretendard Light" panose="02000403000000020004" pitchFamily="2" charset="-127"/>
+                </a:rPr>
+                <a:t>혹은 무기를 사용해 보면서 다양한 전투를 경험할 때 재미를 느낍니다</a:t>
+              </a:r>
+              <a:r>
+                <a:rPr lang="en-US" altLang="ko-KR" sz="1000" dirty="0">
+                  <a:ln>
+                    <a:solidFill>
+                      <a:schemeClr val="bg1">
+                        <a:lumMod val="75000"/>
+                        <a:alpha val="0"/>
+                      </a:schemeClr>
+                    </a:solidFill>
+                  </a:ln>
+                  <a:latin typeface="Pretendard Light" panose="02000403000000020004" pitchFamily="2" charset="-127"/>
+                  <a:ea typeface="Pretendard Light" panose="02000403000000020004" pitchFamily="2" charset="-127"/>
+                  <a:cs typeface="Pretendard Light" panose="02000403000000020004" pitchFamily="2" charset="-127"/>
+                </a:rPr>
+                <a:t>. </a:t>
+              </a:r>
+              <a:r>
+                <a:rPr lang="ko-KR" altLang="en-US" sz="1000" dirty="0">
+                  <a:ln>
+                    <a:solidFill>
+                      <a:schemeClr val="bg1">
+                        <a:lumMod val="75000"/>
+                        <a:alpha val="0"/>
+                      </a:schemeClr>
+                    </a:solidFill>
+                  </a:ln>
+                  <a:latin typeface="Pretendard Light" panose="02000403000000020004" pitchFamily="2" charset="-127"/>
+                  <a:ea typeface="Pretendard Light" panose="02000403000000020004" pitchFamily="2" charset="-127"/>
+                  <a:cs typeface="Pretendard Light" panose="02000403000000020004" pitchFamily="2" charset="-127"/>
+                </a:rPr>
+                <a:t>특히 전투 스타일과 모션</a:t>
+              </a:r>
+              <a:r>
+                <a:rPr lang="en-US" altLang="ko-KR" sz="1000" dirty="0">
+                  <a:ln>
+                    <a:solidFill>
+                      <a:schemeClr val="bg1">
+                        <a:lumMod val="75000"/>
+                        <a:alpha val="0"/>
+                      </a:schemeClr>
+                    </a:solidFill>
+                  </a:ln>
+                  <a:latin typeface="Pretendard Light" panose="02000403000000020004" pitchFamily="2" charset="-127"/>
+                  <a:ea typeface="Pretendard Light" panose="02000403000000020004" pitchFamily="2" charset="-127"/>
+                  <a:cs typeface="Pretendard Light" panose="02000403000000020004" pitchFamily="2" charset="-127"/>
+                </a:rPr>
+                <a:t>, </a:t>
+              </a:r>
+              <a:r>
+                <a:rPr lang="ko-KR" altLang="en-US" sz="1000" dirty="0">
+                  <a:ln>
+                    <a:solidFill>
+                      <a:schemeClr val="bg1">
+                        <a:lumMod val="75000"/>
+                        <a:alpha val="0"/>
+                      </a:schemeClr>
+                    </a:solidFill>
+                  </a:ln>
+                  <a:latin typeface="Pretendard Light" panose="02000403000000020004" pitchFamily="2" charset="-127"/>
+                  <a:ea typeface="Pretendard Light" panose="02000403000000020004" pitchFamily="2" charset="-127"/>
+                  <a:cs typeface="Pretendard Light" panose="02000403000000020004" pitchFamily="2" charset="-127"/>
+                </a:rPr>
+                <a:t>이펙트 등 스킬의 연출이 캐릭터 컨셉과 맞아떨어질 때 더욱 깊게 몰입할 수 있었습니다</a:t>
+              </a:r>
+              <a:r>
+                <a:rPr lang="en-US" altLang="ko-KR" sz="1000" dirty="0">
+                  <a:ln>
+                    <a:solidFill>
+                      <a:schemeClr val="bg1">
+                        <a:lumMod val="75000"/>
+                        <a:alpha val="0"/>
+                      </a:schemeClr>
+                    </a:solidFill>
+                  </a:ln>
+                  <a:latin typeface="Pretendard Light" panose="02000403000000020004" pitchFamily="2" charset="-127"/>
+                  <a:ea typeface="Pretendard Light" panose="02000403000000020004" pitchFamily="2" charset="-127"/>
+                  <a:cs typeface="Pretendard Light" panose="02000403000000020004" pitchFamily="2" charset="-127"/>
+                </a:rPr>
+                <a:t>. </a:t>
+              </a:r>
+              <a:r>
+                <a:rPr lang="ko-KR" altLang="en-US" sz="1000" dirty="0">
+                  <a:ln>
+                    <a:solidFill>
+                      <a:schemeClr val="bg1">
+                        <a:lumMod val="75000"/>
+                        <a:alpha val="0"/>
+                      </a:schemeClr>
+                    </a:solidFill>
+                  </a:ln>
+                  <a:latin typeface="Pretendard Light" panose="02000403000000020004" pitchFamily="2" charset="-127"/>
+                  <a:ea typeface="Pretendard Light" panose="02000403000000020004" pitchFamily="2" charset="-127"/>
+                  <a:cs typeface="Pretendard Light" panose="02000403000000020004" pitchFamily="2" charset="-127"/>
+                </a:rPr>
+                <a:t>이런 경험들이 쌓이다 보니</a:t>
+              </a:r>
+              <a:r>
+                <a:rPr lang="en-US" altLang="ko-KR" sz="1000" dirty="0">
+                  <a:ln>
+                    <a:solidFill>
+                      <a:schemeClr val="bg1">
+                        <a:lumMod val="75000"/>
+                        <a:alpha val="0"/>
+                      </a:schemeClr>
+                    </a:solidFill>
+                  </a:ln>
+                  <a:latin typeface="Pretendard Light" panose="02000403000000020004" pitchFamily="2" charset="-127"/>
+                  <a:ea typeface="Pretendard Light" panose="02000403000000020004" pitchFamily="2" charset="-127"/>
+                  <a:cs typeface="Pretendard Light" panose="02000403000000020004" pitchFamily="2" charset="-127"/>
+                </a:rPr>
+                <a:t>,</a:t>
+              </a:r>
+              <a:r>
+                <a:rPr lang="ko-KR" altLang="en-US" sz="1000" dirty="0">
+                  <a:ln>
+                    <a:solidFill>
+                      <a:schemeClr val="bg1">
+                        <a:lumMod val="75000"/>
+                        <a:alpha val="0"/>
+                      </a:schemeClr>
+                    </a:solidFill>
+                  </a:ln>
+                  <a:latin typeface="Pretendard Light" panose="02000403000000020004" pitchFamily="2" charset="-127"/>
+                  <a:ea typeface="Pretendard Light" panose="02000403000000020004" pitchFamily="2" charset="-127"/>
+                  <a:cs typeface="Pretendard Light" panose="02000403000000020004" pitchFamily="2" charset="-127"/>
+                </a:rPr>
+                <a:t> 캐릭터의 컨셉에 잘 맞는 전투를 설계하는 것이 전투 기획의 핵심이라고 판단하게 되었습니다</a:t>
+              </a:r>
+              <a:r>
+                <a:rPr lang="en-US" altLang="ko-KR" sz="1000" dirty="0">
+                  <a:ln>
+                    <a:solidFill>
+                      <a:schemeClr val="bg1">
+                        <a:lumMod val="75000"/>
+                        <a:alpha val="0"/>
+                      </a:schemeClr>
+                    </a:solidFill>
+                  </a:ln>
+                  <a:latin typeface="Pretendard Light" panose="02000403000000020004" pitchFamily="2" charset="-127"/>
+                  <a:ea typeface="Pretendard Light" panose="02000403000000020004" pitchFamily="2" charset="-127"/>
+                  <a:cs typeface="Pretendard Light" panose="02000403000000020004" pitchFamily="2" charset="-127"/>
+                </a:rPr>
+                <a:t>. </a:t>
+              </a:r>
+              <a:r>
+                <a:rPr lang="ko-KR" altLang="en-US" sz="1000" dirty="0">
+                  <a:ln>
+                    <a:solidFill>
+                      <a:schemeClr val="bg1">
+                        <a:lumMod val="75000"/>
+                        <a:alpha val="0"/>
+                      </a:schemeClr>
+                    </a:solidFill>
+                  </a:ln>
+                  <a:latin typeface="Pretendard Light" panose="02000403000000020004" pitchFamily="2" charset="-127"/>
+                  <a:ea typeface="Pretendard Light" panose="02000403000000020004" pitchFamily="2" charset="-127"/>
+                  <a:cs typeface="Pretendard Light" panose="02000403000000020004" pitchFamily="2" charset="-127"/>
+                </a:rPr>
+                <a:t>이 역량을 키우기 위해 컨셉에 어울리는 전투 스타일</a:t>
+              </a:r>
+              <a:r>
+                <a:rPr lang="en-US" altLang="ko-KR" sz="1000" dirty="0">
+                  <a:ln>
+                    <a:solidFill>
+                      <a:schemeClr val="bg1">
+                        <a:lumMod val="75000"/>
+                        <a:alpha val="0"/>
+                      </a:schemeClr>
+                    </a:solidFill>
+                  </a:ln>
+                  <a:latin typeface="Pretendard Light" panose="02000403000000020004" pitchFamily="2" charset="-127"/>
+                  <a:ea typeface="Pretendard Light" panose="02000403000000020004" pitchFamily="2" charset="-127"/>
+                  <a:cs typeface="Pretendard Light" panose="02000403000000020004" pitchFamily="2" charset="-127"/>
+                </a:rPr>
+                <a:t>, </a:t>
+              </a:r>
+              <a:r>
+                <a:rPr lang="ko-KR" altLang="en-US" sz="1000" dirty="0">
+                  <a:ln>
+                    <a:solidFill>
+                      <a:schemeClr val="bg1">
+                        <a:lumMod val="75000"/>
+                        <a:alpha val="0"/>
+                      </a:schemeClr>
+                    </a:solidFill>
+                  </a:ln>
+                  <a:latin typeface="Pretendard Light" panose="02000403000000020004" pitchFamily="2" charset="-127"/>
+                  <a:ea typeface="Pretendard Light" panose="02000403000000020004" pitchFamily="2" charset="-127"/>
+                  <a:cs typeface="Pretendard Light" panose="02000403000000020004" pitchFamily="2" charset="-127"/>
+                </a:rPr>
+                <a:t>스킬 연출 등을 고려하며 기획서를 작성하고 있습니다</a:t>
+              </a:r>
+              <a:r>
+                <a:rPr lang="en-US" altLang="ko-KR" sz="1000" dirty="0">
+                  <a:ln>
+                    <a:solidFill>
+                      <a:schemeClr val="bg1">
+                        <a:lumMod val="75000"/>
+                        <a:alpha val="0"/>
+                      </a:schemeClr>
+                    </a:solidFill>
+                  </a:ln>
+                  <a:latin typeface="Pretendard Light" panose="02000403000000020004" pitchFamily="2" charset="-127"/>
+                  <a:ea typeface="Pretendard Light" panose="02000403000000020004" pitchFamily="2" charset="-127"/>
+                  <a:cs typeface="Pretendard Light" panose="02000403000000020004" pitchFamily="2" charset="-127"/>
+                </a:rPr>
+                <a:t>. </a:t>
+              </a:r>
+            </a:p>
+            <a:p>
+              <a:pPr>
+                <a:lnSpc>
+                  <a:spcPct val="140000"/>
+                </a:lnSpc>
+                <a:spcAft>
+                  <a:spcPts val="1000"/>
+                </a:spcAft>
+              </a:pPr>
+              <a:r>
+                <a:rPr lang="ko-KR" altLang="en-US" sz="1000" dirty="0">
+                  <a:ln>
+                    <a:solidFill>
+                      <a:schemeClr val="bg1">
+                        <a:lumMod val="75000"/>
+                        <a:alpha val="0"/>
+                      </a:schemeClr>
+                    </a:solidFill>
+                  </a:ln>
+                  <a:latin typeface="Pretendard Light" panose="02000403000000020004" pitchFamily="2" charset="-127"/>
+                  <a:ea typeface="Pretendard Light" panose="02000403000000020004" pitchFamily="2" charset="-127"/>
+                  <a:cs typeface="Pretendard Light" panose="02000403000000020004" pitchFamily="2" charset="-127"/>
+                </a:rPr>
+                <a:t>최근에는 논리적인 사고와 체계적인 분석이라는 키워드를 바탕으로 기획 방식에 변화를 주었습니다</a:t>
+              </a:r>
+              <a:r>
+                <a:rPr lang="en-US" altLang="ko-KR" sz="1000" dirty="0">
+                  <a:ln>
+                    <a:solidFill>
+                      <a:schemeClr val="bg1">
+                        <a:lumMod val="75000"/>
+                        <a:alpha val="0"/>
+                      </a:schemeClr>
+                    </a:solidFill>
+                  </a:ln>
+                  <a:latin typeface="Pretendard Light" panose="02000403000000020004" pitchFamily="2" charset="-127"/>
+                  <a:ea typeface="Pretendard Light" panose="02000403000000020004" pitchFamily="2" charset="-127"/>
+                  <a:cs typeface="Pretendard Light" panose="02000403000000020004" pitchFamily="2" charset="-127"/>
+                </a:rPr>
+                <a:t>. </a:t>
+              </a:r>
+              <a:r>
+                <a:rPr lang="ko-KR" altLang="en-US" sz="1000" dirty="0">
+                  <a:ln>
+                    <a:solidFill>
+                      <a:schemeClr val="bg1">
+                        <a:lumMod val="75000"/>
+                        <a:alpha val="0"/>
+                      </a:schemeClr>
+                    </a:solidFill>
+                  </a:ln>
+                  <a:latin typeface="Pretendard Light" panose="02000403000000020004" pitchFamily="2" charset="-127"/>
+                  <a:ea typeface="Pretendard Light" panose="02000403000000020004" pitchFamily="2" charset="-127"/>
+                  <a:cs typeface="Pretendard Light" panose="02000403000000020004" pitchFamily="2" charset="-127"/>
+                </a:rPr>
+                <a:t>그 결과</a:t>
+              </a:r>
+              <a:r>
+                <a:rPr lang="en-US" altLang="ko-KR" sz="1000" dirty="0">
+                  <a:ln>
+                    <a:solidFill>
+                      <a:schemeClr val="bg1">
+                        <a:lumMod val="75000"/>
+                        <a:alpha val="0"/>
+                      </a:schemeClr>
+                    </a:solidFill>
+                  </a:ln>
+                  <a:latin typeface="Pretendard Light" panose="02000403000000020004" pitchFamily="2" charset="-127"/>
+                  <a:ea typeface="Pretendard Light" panose="02000403000000020004" pitchFamily="2" charset="-127"/>
+                  <a:cs typeface="Pretendard Light" panose="02000403000000020004" pitchFamily="2" charset="-127"/>
+                </a:rPr>
+                <a:t> </a:t>
+              </a:r>
+              <a:r>
+                <a:rPr lang="ko-KR" altLang="en-US" sz="1000" dirty="0">
+                  <a:ln>
+                    <a:solidFill>
+                      <a:schemeClr val="bg1">
+                        <a:lumMod val="75000"/>
+                        <a:alpha val="0"/>
+                      </a:schemeClr>
+                    </a:solidFill>
+                  </a:ln>
+                  <a:latin typeface="Pretendard Light" panose="02000403000000020004" pitchFamily="2" charset="-127"/>
+                  <a:ea typeface="Pretendard Light" panose="02000403000000020004" pitchFamily="2" charset="-127"/>
+                  <a:cs typeface="Pretendard Light" panose="02000403000000020004" pitchFamily="2" charset="-127"/>
+                </a:rPr>
+                <a:t>일주일 이상 소요되던 전투 스타일 설계 과정을 평균 </a:t>
+              </a:r>
+              <a:r>
+                <a:rPr lang="en-US" altLang="ko-KR" sz="1000" dirty="0">
+                  <a:ln>
+                    <a:solidFill>
+                      <a:schemeClr val="bg1">
+                        <a:lumMod val="75000"/>
+                        <a:alpha val="0"/>
+                      </a:schemeClr>
+                    </a:solidFill>
+                  </a:ln>
+                  <a:latin typeface="Pretendard Light" panose="02000403000000020004" pitchFamily="2" charset="-127"/>
+                  <a:ea typeface="Pretendard Light" panose="02000403000000020004" pitchFamily="2" charset="-127"/>
+                  <a:cs typeface="Pretendard Light" panose="02000403000000020004" pitchFamily="2" charset="-127"/>
+                </a:rPr>
+                <a:t>2~3</a:t>
+              </a:r>
+              <a:r>
+                <a:rPr lang="ko-KR" altLang="en-US" sz="1000" dirty="0">
+                  <a:ln>
+                    <a:solidFill>
+                      <a:schemeClr val="bg1">
+                        <a:lumMod val="75000"/>
+                        <a:alpha val="0"/>
+                      </a:schemeClr>
+                    </a:solidFill>
+                  </a:ln>
+                  <a:latin typeface="Pretendard Light" panose="02000403000000020004" pitchFamily="2" charset="-127"/>
+                  <a:ea typeface="Pretendard Light" panose="02000403000000020004" pitchFamily="2" charset="-127"/>
+                  <a:cs typeface="Pretendard Light" panose="02000403000000020004" pitchFamily="2" charset="-127"/>
+                </a:rPr>
+                <a:t>일로 단축하게 되었고</a:t>
+              </a:r>
+              <a:r>
+                <a:rPr lang="en-US" altLang="ko-KR" sz="1000" dirty="0">
+                  <a:ln>
+                    <a:solidFill>
+                      <a:schemeClr val="bg1">
+                        <a:lumMod val="75000"/>
+                        <a:alpha val="0"/>
+                      </a:schemeClr>
+                    </a:solidFill>
+                  </a:ln>
+                  <a:latin typeface="Pretendard Light" panose="02000403000000020004" pitchFamily="2" charset="-127"/>
+                  <a:ea typeface="Pretendard Light" panose="02000403000000020004" pitchFamily="2" charset="-127"/>
+                  <a:cs typeface="Pretendard Light" panose="02000403000000020004" pitchFamily="2" charset="-127"/>
+                </a:rPr>
+                <a:t>, </a:t>
+              </a:r>
+              <a:r>
+                <a:rPr lang="ko-KR" altLang="en-US" sz="1000" dirty="0">
+                  <a:ln>
+                    <a:solidFill>
+                      <a:schemeClr val="bg1">
+                        <a:lumMod val="75000"/>
+                        <a:alpha val="0"/>
+                      </a:schemeClr>
+                    </a:solidFill>
+                  </a:ln>
+                  <a:latin typeface="Pretendard Light" panose="02000403000000020004" pitchFamily="2" charset="-127"/>
+                  <a:ea typeface="Pretendard Light" panose="02000403000000020004" pitchFamily="2" charset="-127"/>
+                  <a:cs typeface="Pretendard Light" panose="02000403000000020004" pitchFamily="2" charset="-127"/>
+                </a:rPr>
+                <a:t>컨셉에 더 어울리는 전투를 설계할 수 있었습니다</a:t>
+              </a:r>
+              <a:r>
+                <a:rPr lang="en-US" altLang="ko-KR" sz="1000" dirty="0">
+                  <a:ln>
+                    <a:solidFill>
+                      <a:schemeClr val="bg1">
+                        <a:lumMod val="75000"/>
+                        <a:alpha val="0"/>
+                      </a:schemeClr>
+                    </a:solidFill>
+                  </a:ln>
+                  <a:latin typeface="Pretendard Light" panose="02000403000000020004" pitchFamily="2" charset="-127"/>
+                  <a:ea typeface="Pretendard Light" panose="02000403000000020004" pitchFamily="2" charset="-127"/>
+                  <a:cs typeface="Pretendard Light" panose="02000403000000020004" pitchFamily="2" charset="-127"/>
+                </a:rPr>
+                <a:t>. </a:t>
+              </a:r>
+              <a:r>
+                <a:rPr lang="ko-KR" altLang="en-US" sz="1000" dirty="0">
+                  <a:ln>
+                    <a:solidFill>
+                      <a:schemeClr val="bg1">
+                        <a:lumMod val="75000"/>
+                        <a:alpha val="0"/>
+                      </a:schemeClr>
+                    </a:solidFill>
+                  </a:ln>
+                  <a:latin typeface="Pretendard Light" panose="02000403000000020004" pitchFamily="2" charset="-127"/>
+                  <a:ea typeface="Pretendard Light" panose="02000403000000020004" pitchFamily="2" charset="-127"/>
+                  <a:cs typeface="Pretendard Light" panose="02000403000000020004" pitchFamily="2" charset="-127"/>
+                </a:rPr>
+                <a:t>앞으로도 논리적인 사고와 분석을 기반으로 컨셉에 어울리는 전투를 설계하는 전투 기획자가 되고자 합니다</a:t>
+              </a:r>
+              <a:r>
+                <a:rPr lang="en-US" altLang="ko-KR" sz="1000" dirty="0">
+                  <a:ln>
+                    <a:solidFill>
+                      <a:schemeClr val="bg1">
+                        <a:lumMod val="75000"/>
+                        <a:alpha val="0"/>
+                      </a:schemeClr>
+                    </a:solidFill>
+                  </a:ln>
+                  <a:latin typeface="Pretendard Light" panose="02000403000000020004" pitchFamily="2" charset="-127"/>
+                  <a:ea typeface="Pretendard Light" panose="02000403000000020004" pitchFamily="2" charset="-127"/>
+                  <a:cs typeface="Pretendard Light" panose="02000403000000020004" pitchFamily="2" charset="-127"/>
+                </a:rPr>
+                <a:t>.</a:t>
+              </a:r>
+            </a:p>
+          </p:txBody>
+        </p:sp>
+        <p:sp>
+          <p:nvSpPr>
+            <p:cNvPr id="17" name="직사각형 16">
+              <a:extLst>
+                <a:ext uri="{FF2B5EF4-FFF2-40B4-BE49-F238E27FC236}">
+                  <a16:creationId xmlns:a16="http://schemas.microsoft.com/office/drawing/2014/main" id="{8E41A9DD-9573-918D-9550-A60F5784AE72}"/>
+                </a:ext>
+              </a:extLst>
+            </p:cNvPr>
+            <p:cNvSpPr/>
+            <p:nvPr/>
+          </p:nvSpPr>
+          <p:spPr>
+            <a:xfrm>
+              <a:off x="189000" y="2131168"/>
+              <a:ext cx="6480671" cy="398381"/>
+            </a:xfrm>
+            <a:prstGeom prst="rect">
+              <a:avLst/>
+            </a:prstGeom>
+            <a:solidFill>
+              <a:srgbClr val="E1F2FF"/>
+            </a:solidFill>
+            <a:ln>
               <a:noFill/>
-            </p:spPr>
-            <p:txBody>
-              <a:bodyPr wrap="none" lIns="0" tIns="0" rIns="0" bIns="0" rtlCol="0" anchor="t">
-                <a:spAutoFit/>
-              </a:bodyPr>
-              <a:lstStyle/>
-              <a:p>
-                <a:r>
-                  <a:rPr lang="ko-KR" altLang="en-US" sz="1100" dirty="0">
-                    <a:latin typeface="페이퍼로지 7 Bold" pitchFamily="2" charset="-127"/>
-                    <a:ea typeface="페이퍼로지 7 Bold" pitchFamily="2" charset="-127"/>
-                    <a:cs typeface="Pretendard Medium" panose="02000603000000020004" pitchFamily="2" charset="-127"/>
-                  </a:rPr>
-                  <a:t>직무 경험</a:t>
-                </a:r>
-              </a:p>
-            </p:txBody>
-          </p:sp>
-          <p:cxnSp>
-            <p:nvCxnSpPr>
-              <p:cNvPr id="13" name="직선 연결선 12">
-                <a:extLst>
-                  <a:ext uri="{FF2B5EF4-FFF2-40B4-BE49-F238E27FC236}">
-                    <a16:creationId xmlns:a16="http://schemas.microsoft.com/office/drawing/2014/main" id="{42C2F6C9-1DF3-0BD9-F9F2-7F056A9B9A63}"/>
-                  </a:ext>
-                </a:extLst>
-              </p:cNvPr>
-              <p:cNvCxnSpPr>
-                <a:cxnSpLocks/>
-              </p:cNvCxnSpPr>
-              <p:nvPr/>
-            </p:nvCxnSpPr>
-            <p:spPr>
-              <a:xfrm>
-                <a:off x="185459" y="4522511"/>
-                <a:ext cx="6480000" cy="0"/>
-              </a:xfrm>
-              <a:prstGeom prst="line">
-                <a:avLst/>
-              </a:prstGeom>
-              <a:ln w="9525">
-                <a:solidFill>
-                  <a:schemeClr val="bg1">
-                    <a:lumMod val="75000"/>
-                  </a:schemeClr>
-                </a:solidFill>
-              </a:ln>
-            </p:spPr>
-            <p:style>
-              <a:lnRef idx="2">
-                <a:schemeClr val="accent1"/>
-              </a:lnRef>
-              <a:fillRef idx="0">
-                <a:schemeClr val="accent1"/>
-              </a:fillRef>
-              <a:effectRef idx="1">
-                <a:schemeClr val="accent1"/>
-              </a:effectRef>
-              <a:fontRef idx="minor">
-                <a:schemeClr val="tx1"/>
-              </a:fontRef>
-            </p:style>
-          </p:cxnSp>
-          <p:sp>
-            <p:nvSpPr>
-              <p:cNvPr id="14" name="직사각형 13">
-                <a:extLst>
-                  <a:ext uri="{FF2B5EF4-FFF2-40B4-BE49-F238E27FC236}">
-                    <a16:creationId xmlns:a16="http://schemas.microsoft.com/office/drawing/2014/main" id="{6CA625F6-BC1A-2F22-821A-136374D9F82C}"/>
-                  </a:ext>
-                </a:extLst>
-              </p:cNvPr>
-              <p:cNvSpPr/>
-              <p:nvPr/>
-            </p:nvSpPr>
-            <p:spPr>
-              <a:xfrm>
-                <a:off x="192541" y="4124129"/>
-                <a:ext cx="6480000" cy="5989185"/>
-              </a:xfrm>
-              <a:prstGeom prst="rect">
-                <a:avLst/>
-              </a:prstGeom>
-              <a:noFill/>
-              <a:ln w="12700">
-                <a:solidFill>
-                  <a:schemeClr val="bg1">
-                    <a:lumMod val="75000"/>
-                  </a:schemeClr>
-                </a:solidFill>
-              </a:ln>
-              <a:effectLst/>
-            </p:spPr>
-            <p:style>
-              <a:lnRef idx="2">
-                <a:schemeClr val="accent1">
-                  <a:shade val="15000"/>
+            </a:ln>
+            <a:effectLst/>
+          </p:spPr>
+          <p:style>
+            <a:lnRef idx="2">
+              <a:schemeClr val="accent1">
+                <a:shade val="15000"/>
+              </a:schemeClr>
+            </a:lnRef>
+            <a:fillRef idx="1">
+              <a:schemeClr val="accent1"/>
+            </a:fillRef>
+            <a:effectRef idx="0">
+              <a:schemeClr val="accent1"/>
+            </a:effectRef>
+            <a:fontRef idx="minor">
+              <a:schemeClr val="lt1"/>
+            </a:fontRef>
+          </p:style>
+          <p:txBody>
+            <a:bodyPr rtlCol="0" anchor="ctr"/>
+            <a:lstStyle/>
+            <a:p>
+              <a:pPr algn="ctr"/>
+              <a:endParaRPr lang="ko-KR" altLang="en-US" sz="1013"/>
+            </a:p>
+          </p:txBody>
+        </p:sp>
+        <p:sp>
+          <p:nvSpPr>
+            <p:cNvPr id="18" name="TextBox 17">
+              <a:extLst>
+                <a:ext uri="{FF2B5EF4-FFF2-40B4-BE49-F238E27FC236}">
+                  <a16:creationId xmlns:a16="http://schemas.microsoft.com/office/drawing/2014/main" id="{E904F830-30A6-0CF4-536B-FA06A73816AE}"/>
+                </a:ext>
+              </a:extLst>
+            </p:cNvPr>
+            <p:cNvSpPr txBox="1"/>
+            <p:nvPr/>
+          </p:nvSpPr>
+          <p:spPr>
+            <a:xfrm>
+              <a:off x="294162" y="2245721"/>
+              <a:ext cx="801501" cy="169277"/>
+            </a:xfrm>
+            <a:prstGeom prst="rect">
+              <a:avLst/>
+            </a:prstGeom>
+            <a:noFill/>
+          </p:spPr>
+          <p:txBody>
+            <a:bodyPr wrap="none" lIns="0" tIns="0" rIns="0" bIns="0" rtlCol="0" anchor="t">
+              <a:spAutoFit/>
+            </a:bodyPr>
+            <a:lstStyle/>
+            <a:p>
+              <a:r>
+                <a:rPr lang="ko-KR" altLang="en-US" sz="1100" dirty="0">
+                  <a:latin typeface="페이퍼로지 7 Bold" pitchFamily="2" charset="-127"/>
+                  <a:ea typeface="페이퍼로지 7 Bold" pitchFamily="2" charset="-127"/>
+                  <a:cs typeface="Pretendard Medium" panose="02000603000000020004" pitchFamily="2" charset="-127"/>
+                </a:rPr>
+                <a:t>직무 지원 동기</a:t>
+              </a:r>
+            </a:p>
+          </p:txBody>
+        </p:sp>
+        <p:cxnSp>
+          <p:nvCxnSpPr>
+            <p:cNvPr id="19" name="직선 연결선 18">
+              <a:extLst>
+                <a:ext uri="{FF2B5EF4-FFF2-40B4-BE49-F238E27FC236}">
+                  <a16:creationId xmlns:a16="http://schemas.microsoft.com/office/drawing/2014/main" id="{DF58EE74-532B-5314-86F2-DECA944FB19D}"/>
+                </a:ext>
+              </a:extLst>
+            </p:cNvPr>
+            <p:cNvCxnSpPr>
+              <a:cxnSpLocks/>
+            </p:cNvCxnSpPr>
+            <p:nvPr/>
+          </p:nvCxnSpPr>
+          <p:spPr>
+            <a:xfrm>
+              <a:off x="189001" y="2529550"/>
+              <a:ext cx="6480000" cy="0"/>
+            </a:xfrm>
+            <a:prstGeom prst="line">
+              <a:avLst/>
+            </a:prstGeom>
+            <a:ln w="9525">
+              <a:solidFill>
+                <a:schemeClr val="bg1">
+                  <a:lumMod val="75000"/>
                 </a:schemeClr>
-              </a:lnRef>
-              <a:fillRef idx="1">
-                <a:schemeClr val="accent1"/>
-              </a:fillRef>
-              <a:effectRef idx="0">
-                <a:schemeClr val="accent1"/>
-              </a:effectRef>
-              <a:fontRef idx="minor">
-                <a:schemeClr val="lt1"/>
-              </a:fontRef>
-            </p:style>
-            <p:txBody>
-              <a:bodyPr rtlCol="0" anchor="ctr"/>
-              <a:lstStyle/>
-              <a:p>
-                <a:pPr algn="ctr"/>
-                <a:endParaRPr lang="ko-KR" altLang="en-US" sz="1000" dirty="0"/>
-              </a:p>
-            </p:txBody>
-          </p:sp>
-        </p:grpSp>
+              </a:solidFill>
+            </a:ln>
+          </p:spPr>
+          <p:style>
+            <a:lnRef idx="2">
+              <a:schemeClr val="accent1"/>
+            </a:lnRef>
+            <a:fillRef idx="0">
+              <a:schemeClr val="accent1"/>
+            </a:fillRef>
+            <a:effectRef idx="1">
+              <a:schemeClr val="accent1"/>
+            </a:effectRef>
+            <a:fontRef idx="minor">
+              <a:schemeClr val="tx1"/>
+            </a:fontRef>
+          </p:style>
+        </p:cxnSp>
+        <p:sp>
+          <p:nvSpPr>
+            <p:cNvPr id="20" name="직사각형 19">
+              <a:extLst>
+                <a:ext uri="{FF2B5EF4-FFF2-40B4-BE49-F238E27FC236}">
+                  <a16:creationId xmlns:a16="http://schemas.microsoft.com/office/drawing/2014/main" id="{D2D21707-D732-53CB-2850-501DB1B53442}"/>
+                </a:ext>
+              </a:extLst>
+            </p:cNvPr>
+            <p:cNvSpPr/>
+            <p:nvPr/>
+          </p:nvSpPr>
+          <p:spPr>
+            <a:xfrm>
+              <a:off x="189000" y="2131167"/>
+              <a:ext cx="6480000" cy="3491070"/>
+            </a:xfrm>
+            <a:prstGeom prst="rect">
+              <a:avLst/>
+            </a:prstGeom>
+            <a:noFill/>
+            <a:ln w="12700">
+              <a:solidFill>
+                <a:schemeClr val="bg1">
+                  <a:lumMod val="75000"/>
+                </a:schemeClr>
+              </a:solidFill>
+            </a:ln>
+            <a:effectLst/>
+          </p:spPr>
+          <p:style>
+            <a:lnRef idx="2">
+              <a:schemeClr val="accent1">
+                <a:shade val="15000"/>
+              </a:schemeClr>
+            </a:lnRef>
+            <a:fillRef idx="1">
+              <a:schemeClr val="accent1"/>
+            </a:fillRef>
+            <a:effectRef idx="0">
+              <a:schemeClr val="accent1"/>
+            </a:effectRef>
+            <a:fontRef idx="minor">
+              <a:schemeClr val="lt1"/>
+            </a:fontRef>
+          </p:style>
+          <p:txBody>
+            <a:bodyPr rtlCol="0" anchor="ctr"/>
+            <a:lstStyle/>
+            <a:p>
+              <a:pPr algn="ctr"/>
+              <a:endParaRPr lang="ko-KR" altLang="en-US" sz="1000" dirty="0"/>
+            </a:p>
+          </p:txBody>
+        </p:sp>
       </p:grpSp>
     </p:spTree>
     <p:extLst>
@@ -6290,6 +6446,1053 @@
     <p:extLst>
       <p:ext uri="{BB962C8B-B14F-4D97-AF65-F5344CB8AC3E}">
         <p14:creationId xmlns:p14="http://schemas.microsoft.com/office/powerpoint/2010/main" val="3407233896"/>
+      </p:ext>
+    </p:extLst>
+  </p:cSld>
+  <p:clrMapOvr>
+    <a:masterClrMapping/>
+  </p:clrMapOvr>
+</p:sld>
+</file>
+
+<file path=ppt/slides/slide3.xml><?xml version="1.0" encoding="utf-8"?>
+<p:sld xmlns:a="http://schemas.openxmlformats.org/drawingml/2006/main" xmlns:r="http://schemas.openxmlformats.org/officeDocument/2006/relationships" xmlns:p="http://schemas.openxmlformats.org/presentationml/2006/main">
+  <p:cSld>
+    <p:spTree>
+      <p:nvGrpSpPr>
+        <p:cNvPr id="1" name=""/>
+        <p:cNvGrpSpPr/>
+        <p:nvPr/>
+      </p:nvGrpSpPr>
+      <p:grpSpPr>
+        <a:xfrm>
+          <a:off x="0" y="0"/>
+          <a:ext cx="0" cy="0"/>
+          <a:chOff x="0" y="0"/>
+          <a:chExt cx="0" cy="0"/>
+        </a:xfrm>
+      </p:grpSpPr>
+      <p:sp>
+        <p:nvSpPr>
+          <p:cNvPr id="2" name="슬라이드 번호 개체 틀 1">
+            <a:extLst>
+              <a:ext uri="{FF2B5EF4-FFF2-40B4-BE49-F238E27FC236}">
+                <a16:creationId xmlns:a16="http://schemas.microsoft.com/office/drawing/2014/main" id="{C6D281E5-0F2D-392A-8E45-D8EC35AA5E18}"/>
+              </a:ext>
+            </a:extLst>
+          </p:cNvPr>
+          <p:cNvSpPr>
+            <a:spLocks noGrp="1"/>
+          </p:cNvSpPr>
+          <p:nvPr>
+            <p:ph type="sldNum" sz="quarter" idx="12"/>
+          </p:nvPr>
+        </p:nvSpPr>
+        <p:spPr/>
+        <p:txBody>
+          <a:bodyPr/>
+          <a:lstStyle/>
+          <a:p>
+            <a:fld id="{94EAF048-6908-47D5-AB8D-FD95CCCB43A1}" type="slidenum">
+              <a:rPr lang="ko-KR" altLang="en-US" smtClean="0"/>
+              <a:pPr/>
+              <a:t>3</a:t>
+            </a:fld>
+            <a:r>
+              <a:rPr lang="en-US" altLang="ko-KR"/>
+              <a:t>/2</a:t>
+            </a:r>
+            <a:endParaRPr lang="ko-KR" altLang="en-US" dirty="0"/>
+          </a:p>
+        </p:txBody>
+      </p:sp>
+      <p:grpSp>
+        <p:nvGrpSpPr>
+          <p:cNvPr id="24" name="그룹 23">
+            <a:extLst>
+              <a:ext uri="{FF2B5EF4-FFF2-40B4-BE49-F238E27FC236}">
+                <a16:creationId xmlns:a16="http://schemas.microsoft.com/office/drawing/2014/main" id="{24057BBB-305F-D9E1-6D86-ACF885805DF8}"/>
+              </a:ext>
+            </a:extLst>
+          </p:cNvPr>
+          <p:cNvGrpSpPr/>
+          <p:nvPr/>
+        </p:nvGrpSpPr>
+        <p:grpSpPr>
+          <a:xfrm>
+            <a:off x="188665" y="344488"/>
+            <a:ext cx="6480671" cy="3491070"/>
+            <a:chOff x="189000" y="2131167"/>
+            <a:chExt cx="6480671" cy="3491070"/>
+          </a:xfrm>
+        </p:grpSpPr>
+        <p:sp>
+          <p:nvSpPr>
+            <p:cNvPr id="25" name="TextBox 24">
+              <a:extLst>
+                <a:ext uri="{FF2B5EF4-FFF2-40B4-BE49-F238E27FC236}">
+                  <a16:creationId xmlns:a16="http://schemas.microsoft.com/office/drawing/2014/main" id="{7C4C3432-0635-C872-1853-A84CC41AAB1B}"/>
+                </a:ext>
+              </a:extLst>
+            </p:cNvPr>
+            <p:cNvSpPr txBox="1"/>
+            <p:nvPr/>
+          </p:nvSpPr>
+          <p:spPr>
+            <a:xfrm>
+              <a:off x="294162" y="2529549"/>
+              <a:ext cx="6269676" cy="3092688"/>
+            </a:xfrm>
+            <a:prstGeom prst="rect">
+              <a:avLst/>
+            </a:prstGeom>
+            <a:noFill/>
+          </p:spPr>
+          <p:txBody>
+            <a:bodyPr wrap="square" lIns="0" tIns="72000" rIns="0" bIns="72000" rtlCol="0" anchor="t">
+              <a:spAutoFit/>
+            </a:bodyPr>
+            <a:lstStyle/>
+            <a:p>
+              <a:pPr>
+                <a:lnSpc>
+                  <a:spcPct val="140000"/>
+                </a:lnSpc>
+                <a:spcAft>
+                  <a:spcPts val="1000"/>
+                </a:spcAft>
+              </a:pPr>
+              <a:r>
+                <a:rPr lang="ko-KR" altLang="en-US" sz="1000" dirty="0">
+                  <a:ln>
+                    <a:solidFill>
+                      <a:schemeClr val="bg1">
+                        <a:lumMod val="75000"/>
+                        <a:alpha val="0"/>
+                      </a:schemeClr>
+                    </a:solidFill>
+                  </a:ln>
+                  <a:latin typeface="Pretendard Light" panose="02000403000000020004" pitchFamily="2" charset="-127"/>
+                  <a:ea typeface="Pretendard Light" panose="02000403000000020004" pitchFamily="2" charset="-127"/>
+                  <a:cs typeface="Pretendard Light" panose="02000403000000020004" pitchFamily="2" charset="-127"/>
+                </a:rPr>
+                <a:t>전투 기획의 핵심은 “</a:t>
+              </a:r>
+              <a:r>
+                <a:rPr lang="ko-KR" altLang="en-US" sz="1000" dirty="0">
+                  <a:ln>
+                    <a:solidFill>
+                      <a:schemeClr val="bg1">
+                        <a:lumMod val="75000"/>
+                        <a:alpha val="0"/>
+                      </a:schemeClr>
+                    </a:solidFill>
+                  </a:ln>
+                  <a:latin typeface="Pretendard Medium" panose="02000603000000020004" pitchFamily="2" charset="-127"/>
+                  <a:ea typeface="Pretendard Medium" panose="02000603000000020004" pitchFamily="2" charset="-127"/>
+                  <a:cs typeface="Pretendard Medium" panose="02000603000000020004" pitchFamily="2" charset="-127"/>
+                </a:rPr>
+                <a:t>캐릭터의 컨셉에 어울리는 전투를 설계하는 것</a:t>
+              </a:r>
+              <a:r>
+                <a:rPr lang="ko-KR" altLang="en-US" sz="1000" dirty="0">
+                  <a:ln>
+                    <a:solidFill>
+                      <a:schemeClr val="bg1">
+                        <a:lumMod val="75000"/>
+                        <a:alpha val="0"/>
+                      </a:schemeClr>
+                    </a:solidFill>
+                  </a:ln>
+                  <a:latin typeface="Pretendard Light" panose="02000403000000020004" pitchFamily="2" charset="-127"/>
+                  <a:ea typeface="Pretendard Light" panose="02000403000000020004" pitchFamily="2" charset="-127"/>
+                  <a:cs typeface="Pretendard Light" panose="02000403000000020004" pitchFamily="2" charset="-127"/>
+                </a:rPr>
+                <a:t>” 입니다</a:t>
+              </a:r>
+              <a:r>
+                <a:rPr lang="en-US" altLang="ko-KR" sz="1000" dirty="0">
+                  <a:ln>
+                    <a:solidFill>
+                      <a:schemeClr val="bg1">
+                        <a:lumMod val="75000"/>
+                        <a:alpha val="0"/>
+                      </a:schemeClr>
+                    </a:solidFill>
+                  </a:ln>
+                  <a:latin typeface="Pretendard Light" panose="02000403000000020004" pitchFamily="2" charset="-127"/>
+                  <a:ea typeface="Pretendard Light" panose="02000403000000020004" pitchFamily="2" charset="-127"/>
+                  <a:cs typeface="Pretendard Light" panose="02000403000000020004" pitchFamily="2" charset="-127"/>
+                </a:rPr>
+                <a:t>. </a:t>
+              </a:r>
+            </a:p>
+            <a:p>
+              <a:pPr>
+                <a:lnSpc>
+                  <a:spcPct val="140000"/>
+                </a:lnSpc>
+                <a:spcAft>
+                  <a:spcPts val="1000"/>
+                </a:spcAft>
+              </a:pPr>
+              <a:r>
+                <a:rPr lang="ko-KR" altLang="en-US" sz="1000" dirty="0">
+                  <a:ln>
+                    <a:solidFill>
+                      <a:schemeClr val="bg1">
+                        <a:lumMod val="75000"/>
+                        <a:alpha val="0"/>
+                      </a:schemeClr>
+                    </a:solidFill>
+                  </a:ln>
+                  <a:latin typeface="Pretendard Light" panose="02000403000000020004" pitchFamily="2" charset="-127"/>
+                  <a:ea typeface="Pretendard Light" panose="02000403000000020004" pitchFamily="2" charset="-127"/>
+                  <a:cs typeface="Pretendard Light" panose="02000403000000020004" pitchFamily="2" charset="-127"/>
+                </a:rPr>
+                <a:t>저는 게임을 플레이할 때 캐릭터 별로 다양한 전투를 체험하며 즐거움을 느낍니다</a:t>
+              </a:r>
+              <a:r>
+                <a:rPr lang="en-US" altLang="ko-KR" sz="1000" dirty="0">
+                  <a:ln>
+                    <a:solidFill>
+                      <a:schemeClr val="bg1">
+                        <a:lumMod val="75000"/>
+                        <a:alpha val="0"/>
+                      </a:schemeClr>
+                    </a:solidFill>
+                  </a:ln>
+                  <a:latin typeface="Pretendard Light" panose="02000403000000020004" pitchFamily="2" charset="-127"/>
+                  <a:ea typeface="Pretendard Light" panose="02000403000000020004" pitchFamily="2" charset="-127"/>
+                  <a:cs typeface="Pretendard Light" panose="02000403000000020004" pitchFamily="2" charset="-127"/>
+                </a:rPr>
+                <a:t>. </a:t>
+              </a:r>
+              <a:r>
+                <a:rPr lang="ko-KR" altLang="en-US" sz="1000" dirty="0">
+                  <a:ln>
+                    <a:solidFill>
+                      <a:schemeClr val="bg1">
+                        <a:lumMod val="75000"/>
+                        <a:alpha val="0"/>
+                      </a:schemeClr>
+                    </a:solidFill>
+                  </a:ln>
+                  <a:latin typeface="Pretendard Light" panose="02000403000000020004" pitchFamily="2" charset="-127"/>
+                  <a:ea typeface="Pretendard Light" panose="02000403000000020004" pitchFamily="2" charset="-127"/>
+                  <a:cs typeface="Pretendard Light" panose="02000403000000020004" pitchFamily="2" charset="-127"/>
+                </a:rPr>
+                <a:t>그러면서  ‘캐릭터의 컨셉과 전투 스타일이 어울리는지’</a:t>
+              </a:r>
+              <a:r>
+                <a:rPr lang="en-US" altLang="ko-KR" sz="1000" dirty="0">
+                  <a:ln>
+                    <a:solidFill>
+                      <a:schemeClr val="bg1">
+                        <a:lumMod val="75000"/>
+                        <a:alpha val="0"/>
+                      </a:schemeClr>
+                    </a:solidFill>
+                  </a:ln>
+                  <a:latin typeface="Pretendard Light" panose="02000403000000020004" pitchFamily="2" charset="-127"/>
+                  <a:ea typeface="Pretendard Light" panose="02000403000000020004" pitchFamily="2" charset="-127"/>
+                  <a:cs typeface="Pretendard Light" panose="02000403000000020004" pitchFamily="2" charset="-127"/>
+                </a:rPr>
+                <a:t>, ‘</a:t>
+              </a:r>
+              <a:r>
+                <a:rPr lang="ko-KR" altLang="en-US" sz="1000" dirty="0">
+                  <a:ln>
+                    <a:solidFill>
+                      <a:schemeClr val="bg1">
+                        <a:lumMod val="75000"/>
+                        <a:alpha val="0"/>
+                      </a:schemeClr>
+                    </a:solidFill>
+                  </a:ln>
+                  <a:latin typeface="Pretendard Light" panose="02000403000000020004" pitchFamily="2" charset="-127"/>
+                  <a:ea typeface="Pretendard Light" panose="02000403000000020004" pitchFamily="2" charset="-127"/>
+                  <a:cs typeface="Pretendard Light" panose="02000403000000020004" pitchFamily="2" charset="-127"/>
+                </a:rPr>
+                <a:t>내가 이 캐릭터에게 기대하는 전투는 어떤 </a:t>
+              </a:r>
+              <a:r>
+                <a:rPr lang="ko-KR" altLang="en-US" sz="1000" dirty="0" err="1">
+                  <a:ln>
+                    <a:solidFill>
+                      <a:schemeClr val="bg1">
+                        <a:lumMod val="75000"/>
+                        <a:alpha val="0"/>
+                      </a:schemeClr>
+                    </a:solidFill>
+                  </a:ln>
+                  <a:latin typeface="Pretendard Light" panose="02000403000000020004" pitchFamily="2" charset="-127"/>
+                  <a:ea typeface="Pretendard Light" panose="02000403000000020004" pitchFamily="2" charset="-127"/>
+                  <a:cs typeface="Pretendard Light" panose="02000403000000020004" pitchFamily="2" charset="-127"/>
+                </a:rPr>
+                <a:t>전투인지’를</a:t>
+              </a:r>
+              <a:r>
+                <a:rPr lang="ko-KR" altLang="en-US" sz="1000" dirty="0">
+                  <a:ln>
+                    <a:solidFill>
+                      <a:schemeClr val="bg1">
+                        <a:lumMod val="75000"/>
+                        <a:alpha val="0"/>
+                      </a:schemeClr>
+                    </a:solidFill>
+                  </a:ln>
+                  <a:latin typeface="Pretendard Light" panose="02000403000000020004" pitchFamily="2" charset="-127"/>
+                  <a:ea typeface="Pretendard Light" panose="02000403000000020004" pitchFamily="2" charset="-127"/>
+                  <a:cs typeface="Pretendard Light" panose="02000403000000020004" pitchFamily="2" charset="-127"/>
+                </a:rPr>
+                <a:t> 생각해 보는 과정 자체도 재미있게 느껴졌습니다</a:t>
+              </a:r>
+              <a:r>
+                <a:rPr lang="en-US" altLang="ko-KR" sz="1000" dirty="0">
+                  <a:ln>
+                    <a:solidFill>
+                      <a:schemeClr val="bg1">
+                        <a:lumMod val="75000"/>
+                        <a:alpha val="0"/>
+                      </a:schemeClr>
+                    </a:solidFill>
+                  </a:ln>
+                  <a:latin typeface="Pretendard Light" panose="02000403000000020004" pitchFamily="2" charset="-127"/>
+                  <a:ea typeface="Pretendard Light" panose="02000403000000020004" pitchFamily="2" charset="-127"/>
+                  <a:cs typeface="Pretendard Light" panose="02000403000000020004" pitchFamily="2" charset="-127"/>
+                </a:rPr>
+                <a:t>. </a:t>
+              </a:r>
+              <a:r>
+                <a:rPr lang="ko-KR" altLang="en-US" sz="1000" dirty="0">
+                  <a:ln>
+                    <a:solidFill>
+                      <a:schemeClr val="bg1">
+                        <a:lumMod val="75000"/>
+                        <a:alpha val="0"/>
+                      </a:schemeClr>
+                    </a:solidFill>
+                  </a:ln>
+                  <a:latin typeface="Pretendard Light" panose="02000403000000020004" pitchFamily="2" charset="-127"/>
+                  <a:ea typeface="Pretendard Light" panose="02000403000000020004" pitchFamily="2" charset="-127"/>
+                  <a:cs typeface="Pretendard Light" panose="02000403000000020004" pitchFamily="2" charset="-127"/>
+                </a:rPr>
+                <a:t>특히 전투 스타일과 모션</a:t>
+              </a:r>
+              <a:r>
+                <a:rPr lang="en-US" altLang="ko-KR" sz="1000" dirty="0">
+                  <a:ln>
+                    <a:solidFill>
+                      <a:schemeClr val="bg1">
+                        <a:lumMod val="75000"/>
+                        <a:alpha val="0"/>
+                      </a:schemeClr>
+                    </a:solidFill>
+                  </a:ln>
+                  <a:latin typeface="Pretendard Light" panose="02000403000000020004" pitchFamily="2" charset="-127"/>
+                  <a:ea typeface="Pretendard Light" panose="02000403000000020004" pitchFamily="2" charset="-127"/>
+                  <a:cs typeface="Pretendard Light" panose="02000403000000020004" pitchFamily="2" charset="-127"/>
+                </a:rPr>
+                <a:t>, </a:t>
+              </a:r>
+              <a:r>
+                <a:rPr lang="ko-KR" altLang="en-US" sz="1000" dirty="0">
+                  <a:ln>
+                    <a:solidFill>
+                      <a:schemeClr val="bg1">
+                        <a:lumMod val="75000"/>
+                        <a:alpha val="0"/>
+                      </a:schemeClr>
+                    </a:solidFill>
+                  </a:ln>
+                  <a:latin typeface="Pretendard Light" panose="02000403000000020004" pitchFamily="2" charset="-127"/>
+                  <a:ea typeface="Pretendard Light" panose="02000403000000020004" pitchFamily="2" charset="-127"/>
+                  <a:cs typeface="Pretendard Light" panose="02000403000000020004" pitchFamily="2" charset="-127"/>
+                </a:rPr>
+                <a:t>이펙트 등 스킬의 연출이 캐릭터 컨셉과 맞아떨어질 때 더욱 깊게 몰입할 수 있었습니다</a:t>
+              </a:r>
+              <a:r>
+                <a:rPr lang="en-US" altLang="ko-KR" sz="1000" dirty="0">
+                  <a:ln>
+                    <a:solidFill>
+                      <a:schemeClr val="bg1">
+                        <a:lumMod val="75000"/>
+                        <a:alpha val="0"/>
+                      </a:schemeClr>
+                    </a:solidFill>
+                  </a:ln>
+                  <a:latin typeface="Pretendard Light" panose="02000403000000020004" pitchFamily="2" charset="-127"/>
+                  <a:ea typeface="Pretendard Light" panose="02000403000000020004" pitchFamily="2" charset="-127"/>
+                  <a:cs typeface="Pretendard Light" panose="02000403000000020004" pitchFamily="2" charset="-127"/>
+                </a:rPr>
+                <a:t>. </a:t>
+              </a:r>
+              <a:r>
+                <a:rPr lang="ko-KR" altLang="en-US" sz="1000" dirty="0">
+                  <a:ln>
+                    <a:solidFill>
+                      <a:schemeClr val="bg1">
+                        <a:lumMod val="75000"/>
+                        <a:alpha val="0"/>
+                      </a:schemeClr>
+                    </a:solidFill>
+                  </a:ln>
+                  <a:latin typeface="Pretendard Light" panose="02000403000000020004" pitchFamily="2" charset="-127"/>
+                  <a:ea typeface="Pretendard Light" panose="02000403000000020004" pitchFamily="2" charset="-127"/>
+                  <a:cs typeface="Pretendard Light" panose="02000403000000020004" pitchFamily="2" charset="-127"/>
+                </a:rPr>
+                <a:t>반대로</a:t>
+              </a:r>
+              <a:r>
+                <a:rPr lang="en-US" altLang="ko-KR" sz="1000" dirty="0">
+                  <a:ln>
+                    <a:solidFill>
+                      <a:schemeClr val="bg1">
+                        <a:lumMod val="75000"/>
+                        <a:alpha val="0"/>
+                      </a:schemeClr>
+                    </a:solidFill>
+                  </a:ln>
+                  <a:latin typeface="Pretendard Light" panose="02000403000000020004" pitchFamily="2" charset="-127"/>
+                  <a:ea typeface="Pretendard Light" panose="02000403000000020004" pitchFamily="2" charset="-127"/>
+                  <a:cs typeface="Pretendard Light" panose="02000403000000020004" pitchFamily="2" charset="-127"/>
+                </a:rPr>
+                <a:t>, </a:t>
+              </a:r>
+              <a:r>
+                <a:rPr lang="ko-KR" altLang="en-US" sz="1000" dirty="0">
+                  <a:ln>
+                    <a:solidFill>
+                      <a:schemeClr val="bg1">
+                        <a:lumMod val="75000"/>
+                        <a:alpha val="0"/>
+                      </a:schemeClr>
+                    </a:solidFill>
+                  </a:ln>
+                  <a:latin typeface="Pretendard Light" panose="02000403000000020004" pitchFamily="2" charset="-127"/>
+                  <a:ea typeface="Pretendard Light" panose="02000403000000020004" pitchFamily="2" charset="-127"/>
+                  <a:cs typeface="Pretendard Light" panose="02000403000000020004" pitchFamily="2" charset="-127"/>
+                </a:rPr>
+                <a:t>캐릭터의 컨셉과 전투 스타일의 관련이 적다고 여겨지면 몰입감이 떨어졌습니다</a:t>
+              </a:r>
+              <a:r>
+                <a:rPr lang="en-US" altLang="ko-KR" sz="1000" dirty="0">
+                  <a:ln>
+                    <a:solidFill>
+                      <a:schemeClr val="bg1">
+                        <a:lumMod val="75000"/>
+                        <a:alpha val="0"/>
+                      </a:schemeClr>
+                    </a:solidFill>
+                  </a:ln>
+                  <a:latin typeface="Pretendard Light" panose="02000403000000020004" pitchFamily="2" charset="-127"/>
+                  <a:ea typeface="Pretendard Light" panose="02000403000000020004" pitchFamily="2" charset="-127"/>
+                  <a:cs typeface="Pretendard Light" panose="02000403000000020004" pitchFamily="2" charset="-127"/>
+                </a:rPr>
+                <a:t>. </a:t>
+              </a:r>
+              <a:r>
+                <a:rPr lang="ko-KR" altLang="en-US" sz="1000" dirty="0">
+                  <a:ln>
+                    <a:solidFill>
+                      <a:schemeClr val="bg1">
+                        <a:lumMod val="75000"/>
+                        <a:alpha val="0"/>
+                      </a:schemeClr>
+                    </a:solidFill>
+                  </a:ln>
+                  <a:latin typeface="Pretendard Light" panose="02000403000000020004" pitchFamily="2" charset="-127"/>
+                  <a:ea typeface="Pretendard Light" panose="02000403000000020004" pitchFamily="2" charset="-127"/>
+                  <a:cs typeface="Pretendard Light" panose="02000403000000020004" pitchFamily="2" charset="-127"/>
+                </a:rPr>
+                <a:t>게임 뿐만 아니라</a:t>
+              </a:r>
+              <a:r>
+                <a:rPr lang="en-US" altLang="ko-KR" sz="1000" dirty="0">
+                  <a:ln>
+                    <a:solidFill>
+                      <a:schemeClr val="bg1">
+                        <a:lumMod val="75000"/>
+                        <a:alpha val="0"/>
+                      </a:schemeClr>
+                    </a:solidFill>
+                  </a:ln>
+                  <a:latin typeface="Pretendard Light" panose="02000403000000020004" pitchFamily="2" charset="-127"/>
+                  <a:ea typeface="Pretendard Light" panose="02000403000000020004" pitchFamily="2" charset="-127"/>
+                  <a:cs typeface="Pretendard Light" panose="02000403000000020004" pitchFamily="2" charset="-127"/>
+                </a:rPr>
+                <a:t>, </a:t>
+              </a:r>
+              <a:r>
+                <a:rPr lang="ko-KR" altLang="en-US" sz="1000" dirty="0">
+                  <a:ln>
+                    <a:solidFill>
+                      <a:schemeClr val="bg1">
+                        <a:lumMod val="75000"/>
+                        <a:alpha val="0"/>
+                      </a:schemeClr>
+                    </a:solidFill>
+                  </a:ln>
+                  <a:latin typeface="Pretendard Light" panose="02000403000000020004" pitchFamily="2" charset="-127"/>
+                  <a:ea typeface="Pretendard Light" panose="02000403000000020004" pitchFamily="2" charset="-127"/>
+                  <a:cs typeface="Pretendard Light" panose="02000403000000020004" pitchFamily="2" charset="-127"/>
+                </a:rPr>
+                <a:t>웹툰</a:t>
+              </a:r>
+              <a:r>
+                <a:rPr lang="en-US" altLang="ko-KR" sz="1000" dirty="0">
+                  <a:ln>
+                    <a:solidFill>
+                      <a:schemeClr val="bg1">
+                        <a:lumMod val="75000"/>
+                        <a:alpha val="0"/>
+                      </a:schemeClr>
+                    </a:solidFill>
+                  </a:ln>
+                  <a:latin typeface="Pretendard Light" panose="02000403000000020004" pitchFamily="2" charset="-127"/>
+                  <a:ea typeface="Pretendard Light" panose="02000403000000020004" pitchFamily="2" charset="-127"/>
+                  <a:cs typeface="Pretendard Light" panose="02000403000000020004" pitchFamily="2" charset="-127"/>
+                </a:rPr>
+                <a:t>/</a:t>
+              </a:r>
+              <a:r>
+                <a:rPr lang="ko-KR" altLang="en-US" sz="1000" dirty="0">
+                  <a:ln>
+                    <a:solidFill>
+                      <a:schemeClr val="bg1">
+                        <a:lumMod val="75000"/>
+                        <a:alpha val="0"/>
+                      </a:schemeClr>
+                    </a:solidFill>
+                  </a:ln>
+                  <a:latin typeface="Pretendard Light" panose="02000403000000020004" pitchFamily="2" charset="-127"/>
+                  <a:ea typeface="Pretendard Light" panose="02000403000000020004" pitchFamily="2" charset="-127"/>
+                  <a:cs typeface="Pretendard Light" panose="02000403000000020004" pitchFamily="2" charset="-127"/>
+                </a:rPr>
+                <a:t>애니메이션 등 여러 작품 속 캐릭터가 컨셉에 맞는 전투를 하면 작품에 더욱 몰입하게 되기도 했습니다</a:t>
+              </a:r>
+              <a:r>
+                <a:rPr lang="en-US" altLang="ko-KR" sz="1000" dirty="0">
+                  <a:ln>
+                    <a:solidFill>
+                      <a:schemeClr val="bg1">
+                        <a:lumMod val="75000"/>
+                        <a:alpha val="0"/>
+                      </a:schemeClr>
+                    </a:solidFill>
+                  </a:ln>
+                  <a:latin typeface="Pretendard Light" panose="02000403000000020004" pitchFamily="2" charset="-127"/>
+                  <a:ea typeface="Pretendard Light" panose="02000403000000020004" pitchFamily="2" charset="-127"/>
+                  <a:cs typeface="Pretendard Light" panose="02000403000000020004" pitchFamily="2" charset="-127"/>
+                </a:rPr>
+                <a:t>. </a:t>
+              </a:r>
+              <a:r>
+                <a:rPr lang="ko-KR" altLang="en-US" sz="1000" dirty="0">
+                  <a:ln>
+                    <a:solidFill>
+                      <a:schemeClr val="bg1">
+                        <a:lumMod val="75000"/>
+                        <a:alpha val="0"/>
+                      </a:schemeClr>
+                    </a:solidFill>
+                  </a:ln>
+                  <a:latin typeface="Pretendard Light" panose="02000403000000020004" pitchFamily="2" charset="-127"/>
+                  <a:ea typeface="Pretendard Light" panose="02000403000000020004" pitchFamily="2" charset="-127"/>
+                  <a:cs typeface="Pretendard Light" panose="02000403000000020004" pitchFamily="2" charset="-127"/>
+                </a:rPr>
+                <a:t>이런 경험들이 쌓이다 보니</a:t>
+              </a:r>
+              <a:r>
+                <a:rPr lang="en-US" altLang="ko-KR" sz="1000" dirty="0">
+                  <a:ln>
+                    <a:solidFill>
+                      <a:schemeClr val="bg1">
+                        <a:lumMod val="75000"/>
+                        <a:alpha val="0"/>
+                      </a:schemeClr>
+                    </a:solidFill>
+                  </a:ln>
+                  <a:latin typeface="Pretendard Light" panose="02000403000000020004" pitchFamily="2" charset="-127"/>
+                  <a:ea typeface="Pretendard Light" panose="02000403000000020004" pitchFamily="2" charset="-127"/>
+                  <a:cs typeface="Pretendard Light" panose="02000403000000020004" pitchFamily="2" charset="-127"/>
+                </a:rPr>
+                <a:t>,</a:t>
+              </a:r>
+              <a:r>
+                <a:rPr lang="ko-KR" altLang="en-US" sz="1000" dirty="0">
+                  <a:ln>
+                    <a:solidFill>
+                      <a:schemeClr val="bg1">
+                        <a:lumMod val="75000"/>
+                        <a:alpha val="0"/>
+                      </a:schemeClr>
+                    </a:solidFill>
+                  </a:ln>
+                  <a:latin typeface="Pretendard Light" panose="02000403000000020004" pitchFamily="2" charset="-127"/>
+                  <a:ea typeface="Pretendard Light" panose="02000403000000020004" pitchFamily="2" charset="-127"/>
+                  <a:cs typeface="Pretendard Light" panose="02000403000000020004" pitchFamily="2" charset="-127"/>
+                </a:rPr>
+                <a:t> 캐릭터의 컨셉에 잘 맞는 전투를 설계하는 것이 전투 기획의 핵심이라고 판단하게 되었습니다</a:t>
+              </a:r>
+              <a:r>
+                <a:rPr lang="en-US" altLang="ko-KR" sz="1000" dirty="0">
+                  <a:ln>
+                    <a:solidFill>
+                      <a:schemeClr val="bg1">
+                        <a:lumMod val="75000"/>
+                        <a:alpha val="0"/>
+                      </a:schemeClr>
+                    </a:solidFill>
+                  </a:ln>
+                  <a:latin typeface="Pretendard Light" panose="02000403000000020004" pitchFamily="2" charset="-127"/>
+                  <a:ea typeface="Pretendard Light" panose="02000403000000020004" pitchFamily="2" charset="-127"/>
+                  <a:cs typeface="Pretendard Light" panose="02000403000000020004" pitchFamily="2" charset="-127"/>
+                </a:rPr>
+                <a:t>.</a:t>
+              </a:r>
+            </a:p>
+            <a:p>
+              <a:pPr>
+                <a:lnSpc>
+                  <a:spcPct val="140000"/>
+                </a:lnSpc>
+                <a:spcAft>
+                  <a:spcPts val="1000"/>
+                </a:spcAft>
+              </a:pPr>
+              <a:r>
+                <a:rPr lang="ko-KR" altLang="en-US" sz="1000" dirty="0">
+                  <a:ln>
+                    <a:solidFill>
+                      <a:schemeClr val="bg1">
+                        <a:lumMod val="75000"/>
+                        <a:alpha val="0"/>
+                      </a:schemeClr>
+                    </a:solidFill>
+                  </a:ln>
+                  <a:latin typeface="Pretendard Light" panose="02000403000000020004" pitchFamily="2" charset="-127"/>
+                  <a:ea typeface="Pretendard Light" panose="02000403000000020004" pitchFamily="2" charset="-127"/>
+                  <a:cs typeface="Pretendard Light" panose="02000403000000020004" pitchFamily="2" charset="-127"/>
+                </a:rPr>
+                <a:t>대학교에서는 게임 공학을 전공하며 프로그래머로서 개발 경험을 쌓았지만</a:t>
+              </a:r>
+              <a:r>
+                <a:rPr lang="en-US" altLang="ko-KR" sz="1000" dirty="0">
+                  <a:ln>
+                    <a:solidFill>
+                      <a:schemeClr val="bg1">
+                        <a:lumMod val="75000"/>
+                        <a:alpha val="0"/>
+                      </a:schemeClr>
+                    </a:solidFill>
+                  </a:ln>
+                  <a:latin typeface="Pretendard Light" panose="02000403000000020004" pitchFamily="2" charset="-127"/>
+                  <a:ea typeface="Pretendard Light" panose="02000403000000020004" pitchFamily="2" charset="-127"/>
+                  <a:cs typeface="Pretendard Light" panose="02000403000000020004" pitchFamily="2" charset="-127"/>
+                </a:rPr>
+                <a:t>, </a:t>
+              </a:r>
+              <a:r>
+                <a:rPr lang="ko-KR" altLang="en-US" sz="1000" dirty="0">
+                  <a:ln>
+                    <a:solidFill>
+                      <a:schemeClr val="bg1">
+                        <a:lumMod val="75000"/>
+                        <a:alpha val="0"/>
+                      </a:schemeClr>
+                    </a:solidFill>
+                  </a:ln>
+                  <a:latin typeface="Pretendard Light" panose="02000403000000020004" pitchFamily="2" charset="-127"/>
+                  <a:ea typeface="Pretendard Light" panose="02000403000000020004" pitchFamily="2" charset="-127"/>
+                  <a:cs typeface="Pretendard Light" panose="02000403000000020004" pitchFamily="2" charset="-127"/>
+                </a:rPr>
+                <a:t>누군가의 아이디어를 기술적으로 구현해 주는 것보다 저의 아이디어와 상상으로 누군가에게 몰입감을 선사하는 기획 업무에 흥미가 생겼습니다</a:t>
+              </a:r>
+              <a:r>
+                <a:rPr lang="en-US" altLang="ko-KR" sz="1000" dirty="0">
+                  <a:ln>
+                    <a:solidFill>
+                      <a:schemeClr val="bg1">
+                        <a:lumMod val="75000"/>
+                        <a:alpha val="0"/>
+                      </a:schemeClr>
+                    </a:solidFill>
+                  </a:ln>
+                  <a:latin typeface="Pretendard Light" panose="02000403000000020004" pitchFamily="2" charset="-127"/>
+                  <a:ea typeface="Pretendard Light" panose="02000403000000020004" pitchFamily="2" charset="-127"/>
+                  <a:cs typeface="Pretendard Light" panose="02000403000000020004" pitchFamily="2" charset="-127"/>
+                </a:rPr>
+                <a:t>. </a:t>
+              </a:r>
+              <a:r>
+                <a:rPr lang="ko-KR" altLang="en-US" sz="1000" dirty="0">
+                  <a:ln>
+                    <a:solidFill>
+                      <a:schemeClr val="bg1">
+                        <a:lumMod val="75000"/>
+                        <a:alpha val="0"/>
+                      </a:schemeClr>
+                    </a:solidFill>
+                  </a:ln>
+                  <a:latin typeface="Pretendard Light" panose="02000403000000020004" pitchFamily="2" charset="-127"/>
+                  <a:ea typeface="Pretendard Light" panose="02000403000000020004" pitchFamily="2" charset="-127"/>
+                  <a:cs typeface="Pretendard Light" panose="02000403000000020004" pitchFamily="2" charset="-127"/>
+                </a:rPr>
+                <a:t>그 중에서도 전투 기획 업무가 가장 매력적으로 느껴졌습니다</a:t>
+              </a:r>
+              <a:r>
+                <a:rPr lang="en-US" altLang="ko-KR" sz="1000" dirty="0">
+                  <a:ln>
+                    <a:solidFill>
+                      <a:schemeClr val="bg1">
+                        <a:lumMod val="75000"/>
+                        <a:alpha val="0"/>
+                      </a:schemeClr>
+                    </a:solidFill>
+                  </a:ln>
+                  <a:latin typeface="Pretendard Light" panose="02000403000000020004" pitchFamily="2" charset="-127"/>
+                  <a:ea typeface="Pretendard Light" panose="02000403000000020004" pitchFamily="2" charset="-127"/>
+                  <a:cs typeface="Pretendard Light" panose="02000403000000020004" pitchFamily="2" charset="-127"/>
+                </a:rPr>
+                <a:t>. </a:t>
+              </a:r>
+              <a:r>
+                <a:rPr lang="ko-KR" altLang="en-US" sz="1000" dirty="0">
+                  <a:ln>
+                    <a:solidFill>
+                      <a:schemeClr val="bg1">
+                        <a:lumMod val="75000"/>
+                        <a:alpha val="0"/>
+                      </a:schemeClr>
+                    </a:solidFill>
+                  </a:ln>
+                  <a:latin typeface="Pretendard Light" panose="02000403000000020004" pitchFamily="2" charset="-127"/>
+                  <a:ea typeface="Pretendard Light" panose="02000403000000020004" pitchFamily="2" charset="-127"/>
+                  <a:cs typeface="Pretendard Light" panose="02000403000000020004" pitchFamily="2" charset="-127"/>
+                </a:rPr>
+                <a:t>제가 가장 좋아하면서 자신이 있는 분야가 전투였기 때문입니다</a:t>
+              </a:r>
+              <a:r>
+                <a:rPr lang="en-US" altLang="ko-KR" sz="1000" dirty="0">
+                  <a:ln>
+                    <a:solidFill>
+                      <a:schemeClr val="bg1">
+                        <a:lumMod val="75000"/>
+                        <a:alpha val="0"/>
+                      </a:schemeClr>
+                    </a:solidFill>
+                  </a:ln>
+                  <a:latin typeface="Pretendard Light" panose="02000403000000020004" pitchFamily="2" charset="-127"/>
+                  <a:ea typeface="Pretendard Light" panose="02000403000000020004" pitchFamily="2" charset="-127"/>
+                  <a:cs typeface="Pretendard Light" panose="02000403000000020004" pitchFamily="2" charset="-127"/>
+                </a:rPr>
+                <a:t>.</a:t>
+              </a:r>
+            </a:p>
+            <a:p>
+              <a:pPr>
+                <a:lnSpc>
+                  <a:spcPct val="140000"/>
+                </a:lnSpc>
+                <a:spcAft>
+                  <a:spcPts val="1000"/>
+                </a:spcAft>
+              </a:pPr>
+              <a:r>
+                <a:rPr lang="ko-KR" altLang="en-US" sz="1000" dirty="0">
+                  <a:ln>
+                    <a:solidFill>
+                      <a:schemeClr val="bg1">
+                        <a:lumMod val="75000"/>
+                        <a:alpha val="0"/>
+                      </a:schemeClr>
+                    </a:solidFill>
+                  </a:ln>
+                  <a:latin typeface="Pretendard Light" panose="02000403000000020004" pitchFamily="2" charset="-127"/>
+                  <a:ea typeface="Pretendard Light" panose="02000403000000020004" pitchFamily="2" charset="-127"/>
+                  <a:cs typeface="Pretendard Light" panose="02000403000000020004" pitchFamily="2" charset="-127"/>
+                </a:rPr>
+                <a:t>이제 저만의 전투를 상상에서 그치지 않고 현실에 탄생시키려고 합니다</a:t>
+              </a:r>
+              <a:r>
+                <a:rPr lang="en-US" altLang="ko-KR" sz="1000" dirty="0">
+                  <a:ln>
+                    <a:solidFill>
+                      <a:schemeClr val="bg1">
+                        <a:lumMod val="75000"/>
+                        <a:alpha val="0"/>
+                      </a:schemeClr>
+                    </a:solidFill>
+                  </a:ln>
+                  <a:latin typeface="Pretendard Light" panose="02000403000000020004" pitchFamily="2" charset="-127"/>
+                  <a:ea typeface="Pretendard Light" panose="02000403000000020004" pitchFamily="2" charset="-127"/>
+                  <a:cs typeface="Pretendard Light" panose="02000403000000020004" pitchFamily="2" charset="-127"/>
+                </a:rPr>
+                <a:t>. </a:t>
+              </a:r>
+              <a:r>
+                <a:rPr lang="ko-KR" altLang="en-US" sz="1000" dirty="0">
+                  <a:ln>
+                    <a:solidFill>
+                      <a:schemeClr val="bg1">
+                        <a:lumMod val="75000"/>
+                        <a:alpha val="0"/>
+                      </a:schemeClr>
+                    </a:solidFill>
+                  </a:ln>
+                  <a:latin typeface="Pretendard Light" panose="02000403000000020004" pitchFamily="2" charset="-127"/>
+                  <a:ea typeface="Pretendard Light" panose="02000403000000020004" pitchFamily="2" charset="-127"/>
+                  <a:cs typeface="Pretendard Light" panose="02000403000000020004" pitchFamily="2" charset="-127"/>
+                </a:rPr>
+                <a:t>저의 생각과 경험들을 총동원하여 다른 사람들에게 몰입감과 즐거움을 줄 수 있는 전투를 설계하는 전투 기획자가 되겠습니다</a:t>
+              </a:r>
+              <a:r>
+                <a:rPr lang="en-US" altLang="ko-KR" sz="1000" dirty="0">
+                  <a:ln>
+                    <a:solidFill>
+                      <a:schemeClr val="bg1">
+                        <a:lumMod val="75000"/>
+                        <a:alpha val="0"/>
+                      </a:schemeClr>
+                    </a:solidFill>
+                  </a:ln>
+                  <a:latin typeface="Pretendard Light" panose="02000403000000020004" pitchFamily="2" charset="-127"/>
+                  <a:ea typeface="Pretendard Light" panose="02000403000000020004" pitchFamily="2" charset="-127"/>
+                  <a:cs typeface="Pretendard Light" panose="02000403000000020004" pitchFamily="2" charset="-127"/>
+                </a:rPr>
+                <a:t>.</a:t>
+              </a:r>
+            </a:p>
+          </p:txBody>
+        </p:sp>
+        <p:sp>
+          <p:nvSpPr>
+            <p:cNvPr id="26" name="직사각형 25">
+              <a:extLst>
+                <a:ext uri="{FF2B5EF4-FFF2-40B4-BE49-F238E27FC236}">
+                  <a16:creationId xmlns:a16="http://schemas.microsoft.com/office/drawing/2014/main" id="{BFDC9772-41BB-5EDE-D72D-E8E364F7E29A}"/>
+                </a:ext>
+              </a:extLst>
+            </p:cNvPr>
+            <p:cNvSpPr/>
+            <p:nvPr/>
+          </p:nvSpPr>
+          <p:spPr>
+            <a:xfrm>
+              <a:off x="189000" y="2131168"/>
+              <a:ext cx="6480671" cy="398381"/>
+            </a:xfrm>
+            <a:prstGeom prst="rect">
+              <a:avLst/>
+            </a:prstGeom>
+            <a:solidFill>
+              <a:srgbClr val="E1F2FF"/>
+            </a:solidFill>
+            <a:ln>
+              <a:noFill/>
+            </a:ln>
+            <a:effectLst/>
+          </p:spPr>
+          <p:style>
+            <a:lnRef idx="2">
+              <a:schemeClr val="accent1">
+                <a:shade val="15000"/>
+              </a:schemeClr>
+            </a:lnRef>
+            <a:fillRef idx="1">
+              <a:schemeClr val="accent1"/>
+            </a:fillRef>
+            <a:effectRef idx="0">
+              <a:schemeClr val="accent1"/>
+            </a:effectRef>
+            <a:fontRef idx="minor">
+              <a:schemeClr val="lt1"/>
+            </a:fontRef>
+          </p:style>
+          <p:txBody>
+            <a:bodyPr rtlCol="0" anchor="ctr"/>
+            <a:lstStyle/>
+            <a:p>
+              <a:pPr algn="ctr"/>
+              <a:endParaRPr lang="ko-KR" altLang="en-US" sz="1013"/>
+            </a:p>
+          </p:txBody>
+        </p:sp>
+        <p:sp>
+          <p:nvSpPr>
+            <p:cNvPr id="27" name="TextBox 26">
+              <a:extLst>
+                <a:ext uri="{FF2B5EF4-FFF2-40B4-BE49-F238E27FC236}">
+                  <a16:creationId xmlns:a16="http://schemas.microsoft.com/office/drawing/2014/main" id="{0B0F26DE-309E-5A8B-AB99-96ECD09018F3}"/>
+                </a:ext>
+              </a:extLst>
+            </p:cNvPr>
+            <p:cNvSpPr txBox="1"/>
+            <p:nvPr/>
+          </p:nvSpPr>
+          <p:spPr>
+            <a:xfrm>
+              <a:off x="294162" y="2245721"/>
+              <a:ext cx="1449115" cy="169277"/>
+            </a:xfrm>
+            <a:prstGeom prst="rect">
+              <a:avLst/>
+            </a:prstGeom>
+            <a:noFill/>
+          </p:spPr>
+          <p:txBody>
+            <a:bodyPr wrap="none" lIns="0" tIns="0" rIns="0" bIns="0" rtlCol="0" anchor="t">
+              <a:spAutoFit/>
+            </a:bodyPr>
+            <a:lstStyle/>
+            <a:p>
+              <a:r>
+                <a:rPr lang="ko-KR" altLang="en-US" sz="1100" dirty="0">
+                  <a:latin typeface="페이퍼로지 7 Bold" pitchFamily="2" charset="-127"/>
+                  <a:ea typeface="페이퍼로지 7 Bold" pitchFamily="2" charset="-127"/>
+                  <a:cs typeface="Pretendard Medium" panose="02000603000000020004" pitchFamily="2" charset="-127"/>
+                </a:rPr>
+                <a:t>직무 지원 동기 </a:t>
+              </a:r>
+              <a:r>
+                <a:rPr lang="en-US" altLang="ko-KR" sz="1100" dirty="0">
+                  <a:latin typeface="페이퍼로지 7 Bold" pitchFamily="2" charset="-127"/>
+                  <a:ea typeface="페이퍼로지 7 Bold" pitchFamily="2" charset="-127"/>
+                  <a:cs typeface="Pretendard Medium" panose="02000603000000020004" pitchFamily="2" charset="-127"/>
+                </a:rPr>
+                <a:t>(</a:t>
+              </a:r>
+              <a:r>
+                <a:rPr lang="ko-KR" altLang="en-US" sz="1100" dirty="0">
+                  <a:latin typeface="페이퍼로지 7 Bold" pitchFamily="2" charset="-127"/>
+                  <a:ea typeface="페이퍼로지 7 Bold" pitchFamily="2" charset="-127"/>
+                  <a:cs typeface="Pretendard Medium" panose="02000603000000020004" pitchFamily="2" charset="-127"/>
+                </a:rPr>
+                <a:t>이전 버전</a:t>
+              </a:r>
+              <a:r>
+                <a:rPr lang="en-US" altLang="ko-KR" sz="1100" dirty="0">
+                  <a:latin typeface="페이퍼로지 7 Bold" pitchFamily="2" charset="-127"/>
+                  <a:ea typeface="페이퍼로지 7 Bold" pitchFamily="2" charset="-127"/>
+                  <a:cs typeface="Pretendard Medium" panose="02000603000000020004" pitchFamily="2" charset="-127"/>
+                </a:rPr>
+                <a:t>)</a:t>
+              </a:r>
+              <a:endParaRPr lang="ko-KR" altLang="en-US" sz="1100" dirty="0">
+                <a:latin typeface="페이퍼로지 7 Bold" pitchFamily="2" charset="-127"/>
+                <a:ea typeface="페이퍼로지 7 Bold" pitchFamily="2" charset="-127"/>
+                <a:cs typeface="Pretendard Medium" panose="02000603000000020004" pitchFamily="2" charset="-127"/>
+              </a:endParaRPr>
+            </a:p>
+          </p:txBody>
+        </p:sp>
+        <p:cxnSp>
+          <p:nvCxnSpPr>
+            <p:cNvPr id="28" name="직선 연결선 27">
+              <a:extLst>
+                <a:ext uri="{FF2B5EF4-FFF2-40B4-BE49-F238E27FC236}">
+                  <a16:creationId xmlns:a16="http://schemas.microsoft.com/office/drawing/2014/main" id="{F2F9EBBF-43BB-566B-9B5B-9C995A133182}"/>
+                </a:ext>
+              </a:extLst>
+            </p:cNvPr>
+            <p:cNvCxnSpPr>
+              <a:cxnSpLocks/>
+            </p:cNvCxnSpPr>
+            <p:nvPr/>
+          </p:nvCxnSpPr>
+          <p:spPr>
+            <a:xfrm>
+              <a:off x="189001" y="2529550"/>
+              <a:ext cx="6480000" cy="0"/>
+            </a:xfrm>
+            <a:prstGeom prst="line">
+              <a:avLst/>
+            </a:prstGeom>
+            <a:ln w="9525">
+              <a:solidFill>
+                <a:schemeClr val="bg1">
+                  <a:lumMod val="75000"/>
+                </a:schemeClr>
+              </a:solidFill>
+            </a:ln>
+          </p:spPr>
+          <p:style>
+            <a:lnRef idx="2">
+              <a:schemeClr val="accent1"/>
+            </a:lnRef>
+            <a:fillRef idx="0">
+              <a:schemeClr val="accent1"/>
+            </a:fillRef>
+            <a:effectRef idx="1">
+              <a:schemeClr val="accent1"/>
+            </a:effectRef>
+            <a:fontRef idx="minor">
+              <a:schemeClr val="tx1"/>
+            </a:fontRef>
+          </p:style>
+        </p:cxnSp>
+        <p:sp>
+          <p:nvSpPr>
+            <p:cNvPr id="29" name="직사각형 28">
+              <a:extLst>
+                <a:ext uri="{FF2B5EF4-FFF2-40B4-BE49-F238E27FC236}">
+                  <a16:creationId xmlns:a16="http://schemas.microsoft.com/office/drawing/2014/main" id="{33D07BFE-19F4-BA33-DA0F-B6177E02A0CD}"/>
+                </a:ext>
+              </a:extLst>
+            </p:cNvPr>
+            <p:cNvSpPr/>
+            <p:nvPr/>
+          </p:nvSpPr>
+          <p:spPr>
+            <a:xfrm>
+              <a:off x="189000" y="2131167"/>
+              <a:ext cx="6480000" cy="3491070"/>
+            </a:xfrm>
+            <a:prstGeom prst="rect">
+              <a:avLst/>
+            </a:prstGeom>
+            <a:noFill/>
+            <a:ln w="12700">
+              <a:solidFill>
+                <a:schemeClr val="bg1">
+                  <a:lumMod val="75000"/>
+                </a:schemeClr>
+              </a:solidFill>
+            </a:ln>
+            <a:effectLst/>
+          </p:spPr>
+          <p:style>
+            <a:lnRef idx="2">
+              <a:schemeClr val="accent1">
+                <a:shade val="15000"/>
+              </a:schemeClr>
+            </a:lnRef>
+            <a:fillRef idx="1">
+              <a:schemeClr val="accent1"/>
+            </a:fillRef>
+            <a:effectRef idx="0">
+              <a:schemeClr val="accent1"/>
+            </a:effectRef>
+            <a:fontRef idx="minor">
+              <a:schemeClr val="lt1"/>
+            </a:fontRef>
+          </p:style>
+          <p:txBody>
+            <a:bodyPr rtlCol="0" anchor="ctr"/>
+            <a:lstStyle/>
+            <a:p>
+              <a:pPr algn="ctr"/>
+              <a:endParaRPr lang="ko-KR" altLang="en-US" sz="1000" dirty="0"/>
+            </a:p>
+          </p:txBody>
+        </p:sp>
+      </p:grpSp>
+    </p:spTree>
+    <p:extLst>
+      <p:ext uri="{BB962C8B-B14F-4D97-AF65-F5344CB8AC3E}">
+        <p14:creationId xmlns:p14="http://schemas.microsoft.com/office/powerpoint/2010/main" val="149328883"/>
       </p:ext>
     </p:extLst>
   </p:cSld>
